--- a/presentation/TDT4290_FinalPresentasjon.pptx
+++ b/presentation/TDT4290_FinalPresentasjon.pptx
@@ -422,7 +422,7 @@
           <a:p>
             <a:fld id="{651A0C47-018D-4460-B945-BFF7981B6CA6}" type="datetimeFigureOut">
               <a:rPr lang="en-US" smtClean="0"/>
-              <a:t>11/14/2011</a:t>
+              <a:t>11/15/2011</a:t>
             </a:fld>
             <a:endParaRPr lang="en-US"/>
           </a:p>
@@ -614,7 +614,7 @@
           <a:p>
             <a:fld id="{EFF1E1C4-020C-3C49-82E1-601ABE71F045}" type="datetimeFigureOut">
               <a:rPr lang="nb-NO" smtClean="0"/>
-              <a:t>14.11.2011</a:t>
+              <a:t>15.11.2011</a:t>
             </a:fld>
             <a:endParaRPr lang="nb-NO"/>
           </a:p>
@@ -883,7 +883,7 @@
           <a:p>
             <a:fld id="{EFF1E1C4-020C-3C49-82E1-601ABE71F045}" type="datetimeFigureOut">
               <a:rPr lang="nb-NO" smtClean="0"/>
-              <a:t>14.11.2011</a:t>
+              <a:t>15.11.2011</a:t>
             </a:fld>
             <a:endParaRPr lang="nb-NO"/>
           </a:p>
@@ -1062,7 +1062,7 @@
           <a:p>
             <a:fld id="{EFF1E1C4-020C-3C49-82E1-601ABE71F045}" type="datetimeFigureOut">
               <a:rPr lang="nb-NO" smtClean="0"/>
-              <a:t>14.11.2011</a:t>
+              <a:t>15.11.2011</a:t>
             </a:fld>
             <a:endParaRPr lang="nb-NO"/>
           </a:p>
@@ -1231,7 +1231,7 @@
           <a:p>
             <a:fld id="{EFF1E1C4-020C-3C49-82E1-601ABE71F045}" type="datetimeFigureOut">
               <a:rPr lang="nb-NO" smtClean="0"/>
-              <a:t>14.11.2011</a:t>
+              <a:t>15.11.2011</a:t>
             </a:fld>
             <a:endParaRPr lang="nb-NO"/>
           </a:p>
@@ -1473,7 +1473,7 @@
           <a:p>
             <a:fld id="{EFF1E1C4-020C-3C49-82E1-601ABE71F045}" type="datetimeFigureOut">
               <a:rPr lang="nb-NO" smtClean="0"/>
-              <a:t>14.11.2011</a:t>
+              <a:t>15.11.2011</a:t>
             </a:fld>
             <a:endParaRPr lang="nb-NO"/>
           </a:p>
@@ -1796,7 +1796,7 @@
           <a:p>
             <a:fld id="{651A0C47-018D-4460-B945-BFF7981B6CA6}" type="datetimeFigureOut">
               <a:rPr lang="en-US" smtClean="0"/>
-              <a:t>11/14/2011</a:t>
+              <a:t>11/15/2011</a:t>
             </a:fld>
             <a:endParaRPr lang="en-US"/>
           </a:p>
@@ -2094,7 +2094,7 @@
           <a:p>
             <a:fld id="{EFF1E1C4-020C-3C49-82E1-601ABE71F045}" type="datetimeFigureOut">
               <a:rPr lang="nb-NO" smtClean="0"/>
-              <a:t>14.11.2011</a:t>
+              <a:t>15.11.2011</a:t>
             </a:fld>
             <a:endParaRPr lang="nb-NO"/>
           </a:p>
@@ -2550,7 +2550,7 @@
           <a:p>
             <a:fld id="{EFF1E1C4-020C-3C49-82E1-601ABE71F045}" type="datetimeFigureOut">
               <a:rPr lang="nb-NO" smtClean="0"/>
-              <a:t>14.11.2011</a:t>
+              <a:t>15.11.2011</a:t>
             </a:fld>
             <a:endParaRPr lang="nb-NO"/>
           </a:p>
@@ -2663,7 +2663,7 @@
           <a:p>
             <a:fld id="{EFF1E1C4-020C-3C49-82E1-601ABE71F045}" type="datetimeFigureOut">
               <a:rPr lang="nb-NO" smtClean="0"/>
-              <a:t>14.11.2011</a:t>
+              <a:t>15.11.2011</a:t>
             </a:fld>
             <a:endParaRPr lang="nb-NO"/>
           </a:p>
@@ -2753,7 +2753,7 @@
           <a:p>
             <a:fld id="{EFF1E1C4-020C-3C49-82E1-601ABE71F045}" type="datetimeFigureOut">
               <a:rPr lang="nb-NO" smtClean="0"/>
-              <a:t>14.11.2011</a:t>
+              <a:t>15.11.2011</a:t>
             </a:fld>
             <a:endParaRPr lang="nb-NO"/>
           </a:p>
@@ -3035,7 +3035,7 @@
           <a:p>
             <a:fld id="{EFF1E1C4-020C-3C49-82E1-601ABE71F045}" type="datetimeFigureOut">
               <a:rPr lang="nb-NO" smtClean="0"/>
-              <a:t>14.11.2011</a:t>
+              <a:t>15.11.2011</a:t>
             </a:fld>
             <a:endParaRPr lang="nb-NO"/>
           </a:p>
@@ -3241,7 +3241,7 @@
           <a:p>
             <a:fld id="{EFF1E1C4-020C-3C49-82E1-601ABE71F045}" type="datetimeFigureOut">
               <a:rPr lang="nb-NO" smtClean="0"/>
-              <a:t>14.11.2011</a:t>
+              <a:t>15.11.2011</a:t>
             </a:fld>
             <a:endParaRPr lang="nb-NO"/>
           </a:p>
@@ -6842,59 +6842,15 @@
           </a:p>
         </p:txBody>
       </p:sp>
-      <p:sp>
-        <p:nvSpPr>
-          <p:cNvPr id="2" name="Avrundet rektangel 1"/>
-          <p:cNvSpPr/>
-          <p:nvPr/>
-        </p:nvSpPr>
-        <p:spPr>
-          <a:xfrm>
-            <a:off x="736169" y="1520430"/>
-            <a:ext cx="1689315" cy="1704814"/>
-          </a:xfrm>
-          <a:prstGeom prst="roundRect">
-            <a:avLst/>
-          </a:prstGeom>
-        </p:spPr>
-        <p:style>
-          <a:lnRef idx="2">
-            <a:schemeClr val="accent1"/>
-          </a:lnRef>
-          <a:fillRef idx="1">
-            <a:schemeClr val="lt1"/>
-          </a:fillRef>
-          <a:effectRef idx="0">
-            <a:schemeClr val="accent1"/>
-          </a:effectRef>
-          <a:fontRef idx="minor">
-            <a:schemeClr val="dk1"/>
-          </a:fontRef>
-        </p:style>
-        <p:txBody>
-          <a:bodyPr rtlCol="0" anchor="t"/>
-          <a:lstStyle/>
-          <a:p>
-            <a:pPr algn="ctr"/>
-            <a:r>
-              <a:rPr lang="nb-NO" dirty="0" smtClean="0"/>
-              <a:t>Terje </a:t>
-            </a:r>
-            <a:r>
-              <a:rPr lang="nb-NO" dirty="0" err="1" smtClean="0"/>
-              <a:t>Snarby</a:t>
-            </a:r>
-            <a:endParaRPr lang="en-GB" dirty="0"/>
-          </a:p>
-        </p:txBody>
-      </p:sp>
       <p:pic>
         <p:nvPicPr>
-          <p:cNvPr id="1027" name="Picture 3" descr="D:\Downloads\master-WAS012.jpg"/>
+          <p:cNvPr id="6" name="Plassholder for innhold 5"/>
           <p:cNvPicPr>
-            <a:picLocks noChangeAspect="1" noChangeArrowheads="1"/>
+            <a:picLocks noGrp="1" noChangeAspect="1"/>
           </p:cNvPicPr>
-          <p:nvPr/>
+          <p:nvPr>
+            <p:ph idx="1"/>
+          </p:nvPr>
         </p:nvPicPr>
         <p:blipFill>
           <a:blip r:embed="rId2">
@@ -6904,111 +6860,15 @@
               </a:ext>
             </a:extLst>
           </a:blip>
-          <a:srcRect/>
           <a:stretch>
             <a:fillRect/>
           </a:stretch>
         </p:blipFill>
-        <p:spPr bwMode="auto">
-          <a:xfrm>
-            <a:off x="984938" y="1922305"/>
-            <a:ext cx="1191776" cy="1191776"/>
-          </a:xfrm>
-          <a:prstGeom prst="rect">
-            <a:avLst/>
-          </a:prstGeom>
-          <a:noFill/>
-          <a:extLst>
-            <a:ext uri="{909E8E84-426E-40DD-AFC4-6F175D3DCCD1}">
-              <a14:hiddenFill xmlns:a14="http://schemas.microsoft.com/office/drawing/2010/main">
-                <a:solidFill>
-                  <a:srgbClr val="FFFFFF"/>
-                </a:solidFill>
-              </a14:hiddenFill>
-            </a:ext>
-          </a:extLst>
-        </p:spPr>
-      </p:pic>
-      <p:sp>
-        <p:nvSpPr>
-          <p:cNvPr id="3" name="Avrundet rektangel 2"/>
-          <p:cNvSpPr/>
-          <p:nvPr/>
-        </p:nvSpPr>
         <p:spPr>
           <a:xfrm>
-            <a:off x="3091912" y="1580827"/>
-            <a:ext cx="1774556" cy="1704814"/>
+            <a:off x="709843" y="1600200"/>
+            <a:ext cx="7721139" cy="4343400"/>
           </a:xfrm>
-          <a:prstGeom prst="roundRect">
-            <a:avLst/>
-          </a:prstGeom>
-        </p:spPr>
-        <p:style>
-          <a:lnRef idx="2">
-            <a:schemeClr val="accent1"/>
-          </a:lnRef>
-          <a:fillRef idx="1">
-            <a:schemeClr val="lt1"/>
-          </a:fillRef>
-          <a:effectRef idx="0">
-            <a:schemeClr val="accent1"/>
-          </a:effectRef>
-          <a:fontRef idx="minor">
-            <a:schemeClr val="dk1"/>
-          </a:fontRef>
-        </p:style>
-        <p:txBody>
-          <a:bodyPr rtlCol="0" anchor="t"/>
-          <a:lstStyle/>
-          <a:p>
-            <a:pPr algn="ctr"/>
-            <a:r>
-              <a:rPr lang="nb-NO" dirty="0" smtClean="0"/>
-              <a:t>Sondre</a:t>
-            </a:r>
-          </a:p>
-        </p:txBody>
-      </p:sp>
-      <p:pic>
-        <p:nvPicPr>
-          <p:cNvPr id="1028" name="Picture 4" descr="D:\Documents\Sondre.png"/>
-          <p:cNvPicPr>
-            <a:picLocks noChangeAspect="1" noChangeArrowheads="1"/>
-          </p:cNvPicPr>
-          <p:nvPr/>
-        </p:nvPicPr>
-        <p:blipFill>
-          <a:blip r:embed="rId3">
-            <a:extLst>
-              <a:ext uri="{28A0092B-C50C-407E-A947-70E740481C1C}">
-                <a14:useLocalDpi xmlns:a14="http://schemas.microsoft.com/office/drawing/2010/main" val="0"/>
-              </a:ext>
-            </a:extLst>
-          </a:blip>
-          <a:srcRect/>
-          <a:stretch>
-            <a:fillRect/>
-          </a:stretch>
-        </p:blipFill>
-        <p:spPr bwMode="auto">
-          <a:xfrm>
-            <a:off x="3430603" y="2025719"/>
-            <a:ext cx="1097174" cy="1088362"/>
-          </a:xfrm>
-          <a:prstGeom prst="rect">
-            <a:avLst/>
-          </a:prstGeom>
-          <a:noFill/>
-          <a:extLst>
-            <a:ext uri="{909E8E84-426E-40DD-AFC4-6F175D3DCCD1}">
-              <a14:hiddenFill xmlns:a14="http://schemas.microsoft.com/office/drawing/2010/main">
-                <a:solidFill>
-                  <a:srgbClr val="FFFFFF"/>
-                </a:solidFill>
-              </a14:hiddenFill>
-            </a:ext>
-          </a:extLst>
         </p:spPr>
       </p:pic>
     </p:spTree>

--- a/presentation/TDT4290_FinalPresentasjon.pptx
+++ b/presentation/TDT4290_FinalPresentasjon.pptx
@@ -1,8 +1,8 @@
 
 <file path=ppt/presentation.xml><?xml version="1.0" encoding="utf-8"?>
-<p:presentation xmlns:a="http://schemas.openxmlformats.org/drawingml/2006/main" xmlns:r="http://schemas.openxmlformats.org/officeDocument/2006/relationships" xmlns:p="http://schemas.openxmlformats.org/presentationml/2006/main" saveSubsetFonts="1" autoCompressPictures="0">
+<p:presentation xmlns:a="http://schemas.openxmlformats.org/drawingml/2006/main" xmlns:r="http://schemas.openxmlformats.org/officeDocument/2006/relationships" xmlns:mc="http://schemas.openxmlformats.org/markup-compatibility/2006" xmlns:mv="urn:schemas-microsoft-com:mac:vml" xmlns:p="http://schemas.openxmlformats.org/presentationml/2006/main" mc:Ignorable="mv" mc:PreserveAttributes="mv:*" saveSubsetFonts="1" autoCompressPictures="0">
   <p:sldMasterIdLst>
-    <p:sldMasterId id="2147484937" r:id="rId1"/>
+    <p:sldMasterId r:id="rId1"/>
   </p:sldMasterIdLst>
   <p:sldIdLst>
     <p:sldId id="256" r:id="rId2"/>
@@ -140,7 +140,7 @@
 </file>
 
 <file path=ppt/slideLayouts/slideLayout1.xml><?xml version="1.0" encoding="utf-8"?>
-<p:sldLayout xmlns:a="http://schemas.openxmlformats.org/drawingml/2006/main" xmlns:r="http://schemas.openxmlformats.org/officeDocument/2006/relationships" xmlns:p="http://schemas.openxmlformats.org/presentationml/2006/main" type="title" preserve="1">
+<p:sldLayout xmlns:a="http://schemas.openxmlformats.org/drawingml/2006/main" xmlns:r="http://schemas.openxmlformats.org/officeDocument/2006/relationships" xmlns:mc="http://schemas.openxmlformats.org/markup-compatibility/2006" xmlns:mv="urn:schemas-microsoft-com:mac:vml" xmlns:p="http://schemas.openxmlformats.org/presentationml/2006/main" mc:Ignorable="mv" mc:PreserveAttributes="mv:*" type="title" preserve="1">
   <p:cSld name="Tittellysbilde">
     <p:spTree>
       <p:nvGrpSpPr>
@@ -422,7 +422,8 @@
           <a:p>
             <a:fld id="{651A0C47-018D-4460-B945-BFF7981B6CA6}" type="datetimeFigureOut">
               <a:rPr lang="en-US" smtClean="0"/>
-              <a:t>11/15/2011</a:t>
+              <a:pPr/>
+              <a:t>11/18/11</a:t>
             </a:fld>
             <a:endParaRPr lang="en-US"/>
           </a:p>
@@ -464,6 +465,7 @@
           <a:p>
             <a:fld id="{2D57B0AA-AC8E-4463-ADAC-E87D09B82E4F}" type="slidenum">
               <a:rPr lang="en-US" smtClean="0"/>
+              <a:pPr/>
               <a:t>‹#›</a:t>
             </a:fld>
             <a:endParaRPr lang="en-US"/>
@@ -479,7 +481,7 @@
 </file>
 
 <file path=ppt/slideLayouts/slideLayout10.xml><?xml version="1.0" encoding="utf-8"?>
-<p:sldLayout xmlns:a="http://schemas.openxmlformats.org/drawingml/2006/main" xmlns:r="http://schemas.openxmlformats.org/officeDocument/2006/relationships" xmlns:p="http://schemas.openxmlformats.org/presentationml/2006/main" preserve="1">
+<p:sldLayout xmlns:a="http://schemas.openxmlformats.org/drawingml/2006/main" xmlns:r="http://schemas.openxmlformats.org/officeDocument/2006/relationships" xmlns:mc="http://schemas.openxmlformats.org/markup-compatibility/2006" xmlns:mv="urn:schemas-microsoft-com:mac:vml" xmlns:p="http://schemas.openxmlformats.org/presentationml/2006/main" mc:Ignorable="mv" mc:PreserveAttributes="mv:*" preserve="1">
   <p:cSld name="Bilde med tekst">
     <p:spTree>
       <p:nvGrpSpPr>
@@ -614,7 +616,8 @@
           <a:p>
             <a:fld id="{EFF1E1C4-020C-3C49-82E1-601ABE71F045}" type="datetimeFigureOut">
               <a:rPr lang="nb-NO" smtClean="0"/>
-              <a:t>15.11.2011</a:t>
+              <a:pPr/>
+              <a:t>11/18/11</a:t>
             </a:fld>
             <a:endParaRPr lang="nb-NO"/>
           </a:p>
@@ -656,6 +659,7 @@
           <a:p>
             <a:fld id="{69D5302E-A1FB-774C-8746-6FCDCFF3AEDD}" type="slidenum">
               <a:rPr lang="nb-NO" smtClean="0"/>
+              <a:pPr/>
               <a:t>‹#›</a:t>
             </a:fld>
             <a:endParaRPr lang="nb-NO"/>
@@ -771,7 +775,7 @@
 </file>
 
 <file path=ppt/slideLayouts/slideLayout11.xml><?xml version="1.0" encoding="utf-8"?>
-<p:sldLayout xmlns:a="http://schemas.openxmlformats.org/drawingml/2006/main" xmlns:r="http://schemas.openxmlformats.org/officeDocument/2006/relationships" xmlns:p="http://schemas.openxmlformats.org/presentationml/2006/main" type="vertTx" preserve="1">
+<p:sldLayout xmlns:a="http://schemas.openxmlformats.org/drawingml/2006/main" xmlns:r="http://schemas.openxmlformats.org/officeDocument/2006/relationships" xmlns:mc="http://schemas.openxmlformats.org/markup-compatibility/2006" xmlns:mv="urn:schemas-microsoft-com:mac:vml" xmlns:p="http://schemas.openxmlformats.org/presentationml/2006/main" mc:Ignorable="mv" mc:PreserveAttributes="mv:*" type="vertTx" preserve="1">
   <p:cSld name="Loddrett tekst">
     <p:spTree>
       <p:nvGrpSpPr>
@@ -883,7 +887,8 @@
           <a:p>
             <a:fld id="{EFF1E1C4-020C-3C49-82E1-601ABE71F045}" type="datetimeFigureOut">
               <a:rPr lang="nb-NO" smtClean="0"/>
-              <a:t>15.11.2011</a:t>
+              <a:pPr/>
+              <a:t>11/18/11</a:t>
             </a:fld>
             <a:endParaRPr lang="nb-NO"/>
           </a:p>
@@ -925,6 +930,7 @@
           <a:p>
             <a:fld id="{69D5302E-A1FB-774C-8746-6FCDCFF3AEDD}" type="slidenum">
               <a:rPr lang="nb-NO" smtClean="0"/>
+              <a:pPr/>
               <a:t>‹#›</a:t>
             </a:fld>
             <a:endParaRPr lang="nb-NO"/>
@@ -940,7 +946,7 @@
 </file>
 
 <file path=ppt/slideLayouts/slideLayout12.xml><?xml version="1.0" encoding="utf-8"?>
-<p:sldLayout xmlns:a="http://schemas.openxmlformats.org/drawingml/2006/main" xmlns:r="http://schemas.openxmlformats.org/officeDocument/2006/relationships" xmlns:p="http://schemas.openxmlformats.org/presentationml/2006/main" type="vertTitleAndTx" preserve="1">
+<p:sldLayout xmlns:a="http://schemas.openxmlformats.org/drawingml/2006/main" xmlns:r="http://schemas.openxmlformats.org/officeDocument/2006/relationships" xmlns:mc="http://schemas.openxmlformats.org/markup-compatibility/2006" xmlns:mv="urn:schemas-microsoft-com:mac:vml" xmlns:p="http://schemas.openxmlformats.org/presentationml/2006/main" mc:Ignorable="mv" mc:PreserveAttributes="mv:*" type="vertTitleAndTx" preserve="1">
   <p:cSld name="Loddrett tittel og tekst">
     <p:spTree>
       <p:nvGrpSpPr>
@@ -1062,7 +1068,8 @@
           <a:p>
             <a:fld id="{EFF1E1C4-020C-3C49-82E1-601ABE71F045}" type="datetimeFigureOut">
               <a:rPr lang="nb-NO" smtClean="0"/>
-              <a:t>15.11.2011</a:t>
+              <a:pPr/>
+              <a:t>11/18/11</a:t>
             </a:fld>
             <a:endParaRPr lang="nb-NO"/>
           </a:p>
@@ -1104,6 +1111,7 @@
           <a:p>
             <a:fld id="{69D5302E-A1FB-774C-8746-6FCDCFF3AEDD}" type="slidenum">
               <a:rPr lang="nb-NO" smtClean="0"/>
+              <a:pPr/>
               <a:t>‹#›</a:t>
             </a:fld>
             <a:endParaRPr lang="nb-NO"/>
@@ -1119,7 +1127,7 @@
 </file>
 
 <file path=ppt/slideLayouts/slideLayout2.xml><?xml version="1.0" encoding="utf-8"?>
-<p:sldLayout xmlns:a="http://schemas.openxmlformats.org/drawingml/2006/main" xmlns:r="http://schemas.openxmlformats.org/officeDocument/2006/relationships" xmlns:p="http://schemas.openxmlformats.org/presentationml/2006/main" type="obj" preserve="1">
+<p:sldLayout xmlns:a="http://schemas.openxmlformats.org/drawingml/2006/main" xmlns:r="http://schemas.openxmlformats.org/officeDocument/2006/relationships" xmlns:mc="http://schemas.openxmlformats.org/markup-compatibility/2006" xmlns:mv="urn:schemas-microsoft-com:mac:vml" xmlns:p="http://schemas.openxmlformats.org/presentationml/2006/main" mc:Ignorable="mv" mc:PreserveAttributes="mv:*" type="obj" preserve="1">
   <p:cSld name="Tittel og innhold">
     <p:spTree>
       <p:nvGrpSpPr>
@@ -1231,7 +1239,8 @@
           <a:p>
             <a:fld id="{EFF1E1C4-020C-3C49-82E1-601ABE71F045}" type="datetimeFigureOut">
               <a:rPr lang="nb-NO" smtClean="0"/>
-              <a:t>15.11.2011</a:t>
+              <a:pPr/>
+              <a:t>11/18/11</a:t>
             </a:fld>
             <a:endParaRPr lang="nb-NO"/>
           </a:p>
@@ -1273,6 +1282,7 @@
           <a:p>
             <a:fld id="{69D5302E-A1FB-774C-8746-6FCDCFF3AEDD}" type="slidenum">
               <a:rPr lang="nb-NO" smtClean="0"/>
+              <a:pPr/>
               <a:t>‹#›</a:t>
             </a:fld>
             <a:endParaRPr lang="nb-NO"/>
@@ -1288,7 +1298,7 @@
 </file>
 
 <file path=ppt/slideLayouts/slideLayout3.xml><?xml version="1.0" encoding="utf-8"?>
-<p:sldLayout xmlns:a="http://schemas.openxmlformats.org/drawingml/2006/main" xmlns:r="http://schemas.openxmlformats.org/officeDocument/2006/relationships" xmlns:p="http://schemas.openxmlformats.org/presentationml/2006/main" preserve="1">
+<p:sldLayout xmlns:a="http://schemas.openxmlformats.org/drawingml/2006/main" xmlns:r="http://schemas.openxmlformats.org/officeDocument/2006/relationships" xmlns:mc="http://schemas.openxmlformats.org/markup-compatibility/2006" xmlns:mv="urn:schemas-microsoft-com:mac:vml" xmlns:p="http://schemas.openxmlformats.org/presentationml/2006/main" mc:Ignorable="mv" mc:PreserveAttributes="mv:*" preserve="1">
   <p:cSld name="Tittellysbilde med bilde">
     <p:spTree>
       <p:nvGrpSpPr>
@@ -1473,7 +1483,8 @@
           <a:p>
             <a:fld id="{EFF1E1C4-020C-3C49-82E1-601ABE71F045}" type="datetimeFigureOut">
               <a:rPr lang="nb-NO" smtClean="0"/>
-              <a:t>15.11.2011</a:t>
+              <a:pPr/>
+              <a:t>11/18/11</a:t>
             </a:fld>
             <a:endParaRPr lang="nb-NO"/>
           </a:p>
@@ -1515,6 +1526,7 @@
           <a:p>
             <a:fld id="{69D5302E-A1FB-774C-8746-6FCDCFF3AEDD}" type="slidenum">
               <a:rPr lang="nb-NO" smtClean="0"/>
+              <a:pPr/>
               <a:t>‹#›</a:t>
             </a:fld>
             <a:endParaRPr lang="nb-NO"/>
@@ -1607,7 +1619,7 @@
 </file>
 
 <file path=ppt/slideLayouts/slideLayout4.xml><?xml version="1.0" encoding="utf-8"?>
-<p:sldLayout xmlns:a="http://schemas.openxmlformats.org/drawingml/2006/main" xmlns:r="http://schemas.openxmlformats.org/officeDocument/2006/relationships" xmlns:p="http://schemas.openxmlformats.org/presentationml/2006/main" type="secHead" preserve="1">
+<p:sldLayout xmlns:a="http://schemas.openxmlformats.org/drawingml/2006/main" xmlns:r="http://schemas.openxmlformats.org/officeDocument/2006/relationships" xmlns:mc="http://schemas.openxmlformats.org/markup-compatibility/2006" xmlns:mv="urn:schemas-microsoft-com:mac:vml" xmlns:p="http://schemas.openxmlformats.org/presentationml/2006/main" mc:Ignorable="mv" mc:PreserveAttributes="mv:*" type="secHead" preserve="1">
   <p:cSld name="Inndelingsoverskrift">
     <p:spTree>
       <p:nvGrpSpPr>
@@ -1796,7 +1808,8 @@
           <a:p>
             <a:fld id="{651A0C47-018D-4460-B945-BFF7981B6CA6}" type="datetimeFigureOut">
               <a:rPr lang="en-US" smtClean="0"/>
-              <a:t>11/15/2011</a:t>
+              <a:pPr/>
+              <a:t>11/18/11</a:t>
             </a:fld>
             <a:endParaRPr lang="en-US"/>
           </a:p>
@@ -1838,6 +1851,7 @@
           <a:p>
             <a:fld id="{57AF16DE-A0D5-4438-950F-5B1E159C2C28}" type="slidenum">
               <a:rPr lang="en-US" smtClean="0"/>
+              <a:pPr/>
               <a:t>‹#›</a:t>
             </a:fld>
             <a:endParaRPr lang="en-US"/>
@@ -1853,7 +1867,7 @@
 </file>
 
 <file path=ppt/slideLayouts/slideLayout5.xml><?xml version="1.0" encoding="utf-8"?>
-<p:sldLayout xmlns:a="http://schemas.openxmlformats.org/drawingml/2006/main" xmlns:r="http://schemas.openxmlformats.org/officeDocument/2006/relationships" xmlns:p="http://schemas.openxmlformats.org/presentationml/2006/main" type="twoObj" preserve="1">
+<p:sldLayout xmlns:a="http://schemas.openxmlformats.org/drawingml/2006/main" xmlns:r="http://schemas.openxmlformats.org/officeDocument/2006/relationships" xmlns:mc="http://schemas.openxmlformats.org/markup-compatibility/2006" xmlns:mv="urn:schemas-microsoft-com:mac:vml" xmlns:p="http://schemas.openxmlformats.org/presentationml/2006/main" mc:Ignorable="mv" mc:PreserveAttributes="mv:*" type="twoObj" preserve="1">
   <p:cSld name="To innholdsdeler">
     <p:spTree>
       <p:nvGrpSpPr>
@@ -2094,7 +2108,8 @@
           <a:p>
             <a:fld id="{EFF1E1C4-020C-3C49-82E1-601ABE71F045}" type="datetimeFigureOut">
               <a:rPr lang="nb-NO" smtClean="0"/>
-              <a:t>15.11.2011</a:t>
+              <a:pPr/>
+              <a:t>11/18/11</a:t>
             </a:fld>
             <a:endParaRPr lang="nb-NO"/>
           </a:p>
@@ -2136,6 +2151,7 @@
           <a:p>
             <a:fld id="{69D5302E-A1FB-774C-8746-6FCDCFF3AEDD}" type="slidenum">
               <a:rPr lang="nb-NO" smtClean="0"/>
+              <a:pPr/>
               <a:t>‹#›</a:t>
             </a:fld>
             <a:endParaRPr lang="nb-NO"/>
@@ -2151,7 +2167,7 @@
 </file>
 
 <file path=ppt/slideLayouts/slideLayout6.xml><?xml version="1.0" encoding="utf-8"?>
-<p:sldLayout xmlns:a="http://schemas.openxmlformats.org/drawingml/2006/main" xmlns:r="http://schemas.openxmlformats.org/officeDocument/2006/relationships" xmlns:p="http://schemas.openxmlformats.org/presentationml/2006/main" type="twoTxTwoObj" preserve="1">
+<p:sldLayout xmlns:a="http://schemas.openxmlformats.org/drawingml/2006/main" xmlns:r="http://schemas.openxmlformats.org/officeDocument/2006/relationships" xmlns:mc="http://schemas.openxmlformats.org/markup-compatibility/2006" xmlns:mv="urn:schemas-microsoft-com:mac:vml" xmlns:p="http://schemas.openxmlformats.org/presentationml/2006/main" mc:Ignorable="mv" mc:PreserveAttributes="mv:*" type="twoTxTwoObj" preserve="1">
   <p:cSld name="Sammenligning">
     <p:spTree>
       <p:nvGrpSpPr>
@@ -2550,7 +2566,8 @@
           <a:p>
             <a:fld id="{EFF1E1C4-020C-3C49-82E1-601ABE71F045}" type="datetimeFigureOut">
               <a:rPr lang="nb-NO" smtClean="0"/>
-              <a:t>15.11.2011</a:t>
+              <a:pPr/>
+              <a:t>11/18/11</a:t>
             </a:fld>
             <a:endParaRPr lang="nb-NO"/>
           </a:p>
@@ -2592,6 +2609,7 @@
           <a:p>
             <a:fld id="{69D5302E-A1FB-774C-8746-6FCDCFF3AEDD}" type="slidenum">
               <a:rPr lang="nb-NO" smtClean="0"/>
+              <a:pPr/>
               <a:t>‹#›</a:t>
             </a:fld>
             <a:endParaRPr lang="nb-NO"/>
@@ -2607,7 +2625,7 @@
 </file>
 
 <file path=ppt/slideLayouts/slideLayout7.xml><?xml version="1.0" encoding="utf-8"?>
-<p:sldLayout xmlns:a="http://schemas.openxmlformats.org/drawingml/2006/main" xmlns:r="http://schemas.openxmlformats.org/officeDocument/2006/relationships" xmlns:p="http://schemas.openxmlformats.org/presentationml/2006/main" type="titleOnly" preserve="1">
+<p:sldLayout xmlns:a="http://schemas.openxmlformats.org/drawingml/2006/main" xmlns:r="http://schemas.openxmlformats.org/officeDocument/2006/relationships" xmlns:mc="http://schemas.openxmlformats.org/markup-compatibility/2006" xmlns:mv="urn:schemas-microsoft-com:mac:vml" xmlns:p="http://schemas.openxmlformats.org/presentationml/2006/main" mc:Ignorable="mv" mc:PreserveAttributes="mv:*" type="titleOnly" preserve="1">
   <p:cSld name="Bare tittel">
     <p:spTree>
       <p:nvGrpSpPr>
@@ -2663,7 +2681,8 @@
           <a:p>
             <a:fld id="{EFF1E1C4-020C-3C49-82E1-601ABE71F045}" type="datetimeFigureOut">
               <a:rPr lang="nb-NO" smtClean="0"/>
-              <a:t>15.11.2011</a:t>
+              <a:pPr/>
+              <a:t>11/18/11</a:t>
             </a:fld>
             <a:endParaRPr lang="nb-NO"/>
           </a:p>
@@ -2705,6 +2724,7 @@
           <a:p>
             <a:fld id="{69D5302E-A1FB-774C-8746-6FCDCFF3AEDD}" type="slidenum">
               <a:rPr lang="nb-NO" smtClean="0"/>
+              <a:pPr/>
               <a:t>‹#›</a:t>
             </a:fld>
             <a:endParaRPr lang="nb-NO"/>
@@ -2720,7 +2740,7 @@
 </file>
 
 <file path=ppt/slideLayouts/slideLayout8.xml><?xml version="1.0" encoding="utf-8"?>
-<p:sldLayout xmlns:a="http://schemas.openxmlformats.org/drawingml/2006/main" xmlns:r="http://schemas.openxmlformats.org/officeDocument/2006/relationships" xmlns:p="http://schemas.openxmlformats.org/presentationml/2006/main" type="blank" preserve="1">
+<p:sldLayout xmlns:a="http://schemas.openxmlformats.org/drawingml/2006/main" xmlns:r="http://schemas.openxmlformats.org/officeDocument/2006/relationships" xmlns:mc="http://schemas.openxmlformats.org/markup-compatibility/2006" xmlns:mv="urn:schemas-microsoft-com:mac:vml" xmlns:p="http://schemas.openxmlformats.org/presentationml/2006/main" mc:Ignorable="mv" mc:PreserveAttributes="mv:*" type="blank" preserve="1">
   <p:cSld name="Tom">
     <p:spTree>
       <p:nvGrpSpPr>
@@ -2753,7 +2773,8 @@
           <a:p>
             <a:fld id="{EFF1E1C4-020C-3C49-82E1-601ABE71F045}" type="datetimeFigureOut">
               <a:rPr lang="nb-NO" smtClean="0"/>
-              <a:t>15.11.2011</a:t>
+              <a:pPr/>
+              <a:t>11/18/11</a:t>
             </a:fld>
             <a:endParaRPr lang="nb-NO"/>
           </a:p>
@@ -2795,6 +2816,7 @@
           <a:p>
             <a:fld id="{69D5302E-A1FB-774C-8746-6FCDCFF3AEDD}" type="slidenum">
               <a:rPr lang="nb-NO" smtClean="0"/>
+              <a:pPr/>
               <a:t>‹#›</a:t>
             </a:fld>
             <a:endParaRPr lang="nb-NO"/>
@@ -2810,7 +2832,7 @@
 </file>
 
 <file path=ppt/slideLayouts/slideLayout9.xml><?xml version="1.0" encoding="utf-8"?>
-<p:sldLayout xmlns:a="http://schemas.openxmlformats.org/drawingml/2006/main" xmlns:r="http://schemas.openxmlformats.org/officeDocument/2006/relationships" xmlns:p="http://schemas.openxmlformats.org/presentationml/2006/main" type="objTx" preserve="1">
+<p:sldLayout xmlns:a="http://schemas.openxmlformats.org/drawingml/2006/main" xmlns:r="http://schemas.openxmlformats.org/officeDocument/2006/relationships" xmlns:mc="http://schemas.openxmlformats.org/markup-compatibility/2006" xmlns:mv="urn:schemas-microsoft-com:mac:vml" xmlns:p="http://schemas.openxmlformats.org/presentationml/2006/main" mc:Ignorable="mv" mc:PreserveAttributes="mv:*" type="objTx" preserve="1">
   <p:cSld name="Innhold med tekst">
     <p:spTree>
       <p:nvGrpSpPr>
@@ -3035,7 +3057,8 @@
           <a:p>
             <a:fld id="{EFF1E1C4-020C-3C49-82E1-601ABE71F045}" type="datetimeFigureOut">
               <a:rPr lang="nb-NO" smtClean="0"/>
-              <a:t>15.11.2011</a:t>
+              <a:pPr/>
+              <a:t>11/18/11</a:t>
             </a:fld>
             <a:endParaRPr lang="nb-NO"/>
           </a:p>
@@ -3077,6 +3100,7 @@
           <a:p>
             <a:fld id="{2D57B0AA-AC8E-4463-ADAC-E87D09B82E4F}" type="slidenum">
               <a:rPr lang="en-US" smtClean="0"/>
+              <a:pPr/>
               <a:t>‹#›</a:t>
             </a:fld>
             <a:endParaRPr lang="en-US"/>
@@ -3092,7 +3116,7 @@
 </file>
 
 <file path=ppt/slideMasters/slideMaster1.xml><?xml version="1.0" encoding="utf-8"?>
-<p:sldMaster xmlns:a="http://schemas.openxmlformats.org/drawingml/2006/main" xmlns:r="http://schemas.openxmlformats.org/officeDocument/2006/relationships" xmlns:p="http://schemas.openxmlformats.org/presentationml/2006/main">
+<p:sldMaster xmlns:a="http://schemas.openxmlformats.org/drawingml/2006/main" xmlns:r="http://schemas.openxmlformats.org/officeDocument/2006/relationships" xmlns:mc="http://schemas.openxmlformats.org/markup-compatibility/2006" xmlns:mv="urn:schemas-microsoft-com:mac:vml" xmlns:p="http://schemas.openxmlformats.org/presentationml/2006/main" mc:Ignorable="mv" mc:PreserveAttributes="mv:*">
   <p:cSld>
     <p:bg>
       <p:bgRef idx="1003">
@@ -3241,7 +3265,8 @@
           <a:p>
             <a:fld id="{EFF1E1C4-020C-3C49-82E1-601ABE71F045}" type="datetimeFigureOut">
               <a:rPr lang="nb-NO" smtClean="0"/>
-              <a:t>15.11.2011</a:t>
+              <a:pPr/>
+              <a:t>11/18/11</a:t>
             </a:fld>
             <a:endParaRPr lang="nb-NO"/>
           </a:p>
@@ -3315,6 +3340,7 @@
           <a:p>
             <a:fld id="{69D5302E-A1FB-774C-8746-6FCDCFF3AEDD}" type="slidenum">
               <a:rPr lang="nb-NO" smtClean="0"/>
+              <a:pPr/>
               <a:t>‹#›</a:t>
             </a:fld>
             <a:endParaRPr lang="nb-NO"/>
@@ -3325,18 +3351,18 @@
   </p:cSld>
   <p:clrMap bg1="lt1" tx1="dk1" bg2="lt2" tx2="dk2" accent1="accent1" accent2="accent2" accent3="accent3" accent4="accent4" accent5="accent5" accent6="accent6" hlink="hlink" folHlink="folHlink"/>
   <p:sldLayoutIdLst>
-    <p:sldLayoutId id="2147484938" r:id="rId1"/>
-    <p:sldLayoutId id="2147484939" r:id="rId2"/>
-    <p:sldLayoutId id="2147484940" r:id="rId3"/>
-    <p:sldLayoutId id="2147484941" r:id="rId4"/>
-    <p:sldLayoutId id="2147484942" r:id="rId5"/>
-    <p:sldLayoutId id="2147484943" r:id="rId6"/>
-    <p:sldLayoutId id="2147484944" r:id="rId7"/>
-    <p:sldLayoutId id="2147484945" r:id="rId8"/>
-    <p:sldLayoutId id="2147484946" r:id="rId9"/>
-    <p:sldLayoutId id="2147484947" r:id="rId10"/>
-    <p:sldLayoutId id="2147484948" r:id="rId11"/>
-    <p:sldLayoutId id="2147484949" r:id="rId12"/>
+    <p:sldLayoutId r:id="rId1"/>
+    <p:sldLayoutId r:id="rId2"/>
+    <p:sldLayoutId r:id="rId3"/>
+    <p:sldLayoutId r:id="rId4"/>
+    <p:sldLayoutId r:id="rId5"/>
+    <p:sldLayoutId r:id="rId6"/>
+    <p:sldLayoutId r:id="rId7"/>
+    <p:sldLayoutId r:id="rId8"/>
+    <p:sldLayoutId r:id="rId9"/>
+    <p:sldLayoutId r:id="rId10"/>
+    <p:sldLayoutId r:id="rId11"/>
+    <p:sldLayoutId r:id="rId12"/>
   </p:sldLayoutIdLst>
   <p:txStyles>
     <p:titleStyle>
@@ -3674,7 +3700,7 @@
 </file>
 
 <file path=ppt/slides/slide1.xml><?xml version="1.0" encoding="utf-8"?>
-<p:sld xmlns:a="http://schemas.openxmlformats.org/drawingml/2006/main" xmlns:r="http://schemas.openxmlformats.org/officeDocument/2006/relationships" xmlns:p="http://schemas.openxmlformats.org/presentationml/2006/main">
+<p:sld xmlns:a="http://schemas.openxmlformats.org/drawingml/2006/main" xmlns:r="http://schemas.openxmlformats.org/officeDocument/2006/relationships" xmlns:mc="http://schemas.openxmlformats.org/markup-compatibility/2006" xmlns:mv="urn:schemas-microsoft-com:mac:vml" xmlns:p="http://schemas.openxmlformats.org/presentationml/2006/main" mc:Ignorable="mv" mc:PreserveAttributes="mv:*">
   <p:cSld>
     <p:spTree>
       <p:nvGrpSpPr>
@@ -3750,7 +3776,7 @@
           <a:blip r:embed="rId2">
             <a:extLst>
               <a:ext uri="{28A0092B-C50C-407E-A947-70E740481C1C}">
-                <a14:useLocalDpi xmlns:a14="http://schemas.microsoft.com/office/drawing/2010/main" val="0"/>
+                <a14:useLocalDpi xmlns:a14="http://schemas.microsoft.com/office/drawing/2010/main" xmlns:p="http://schemas.openxmlformats.org/presentationml/2006/main" xmlns:r="http://schemas.openxmlformats.org/officeDocument/2006/relationships" xmlns:a="http://schemas.openxmlformats.org/drawingml/2006/main" xmlns="" val="0"/>
               </a:ext>
             </a:extLst>
           </a:blip>
@@ -3768,7 +3794,7 @@
     </p:spTree>
     <p:extLst>
       <p:ext uri="{BB962C8B-B14F-4D97-AF65-F5344CB8AC3E}">
-        <p14:creationId xmlns:p14="http://schemas.microsoft.com/office/powerpoint/2010/main" val="3572607347"/>
+        <p14:creationId xmlns:p14="http://schemas.microsoft.com/office/powerpoint/2010/main" xmlns:p="http://schemas.openxmlformats.org/presentationml/2006/main" xmlns:r="http://schemas.openxmlformats.org/officeDocument/2006/relationships" xmlns:a="http://schemas.openxmlformats.org/drawingml/2006/main" xmlns="" val="3572607347"/>
       </p:ext>
     </p:extLst>
   </p:cSld>
@@ -3789,7 +3815,7 @@
 </file>
 
 <file path=ppt/slides/slide10.xml><?xml version="1.0" encoding="utf-8"?>
-<p:sld xmlns:a="http://schemas.openxmlformats.org/drawingml/2006/main" xmlns:r="http://schemas.openxmlformats.org/officeDocument/2006/relationships" xmlns:p="http://schemas.openxmlformats.org/presentationml/2006/main">
+<p:sld xmlns:a="http://schemas.openxmlformats.org/drawingml/2006/main" xmlns:r="http://schemas.openxmlformats.org/officeDocument/2006/relationships" xmlns:mc="http://schemas.openxmlformats.org/markup-compatibility/2006" xmlns:mv="urn:schemas-microsoft-com:mac:vml" xmlns:p="http://schemas.openxmlformats.org/presentationml/2006/main" mc:Ignorable="mv" mc:PreserveAttributes="mv:*">
   <p:cSld>
     <p:spTree>
       <p:nvGrpSpPr>
@@ -3888,7 +3914,7 @@
     </p:spTree>
     <p:extLst>
       <p:ext uri="{BB962C8B-B14F-4D97-AF65-F5344CB8AC3E}">
-        <p14:creationId xmlns:p14="http://schemas.microsoft.com/office/powerpoint/2010/main" val="2832160107"/>
+        <p14:creationId xmlns:p14="http://schemas.microsoft.com/office/powerpoint/2010/main" xmlns:p="http://schemas.openxmlformats.org/presentationml/2006/main" xmlns:r="http://schemas.openxmlformats.org/officeDocument/2006/relationships" xmlns:a="http://schemas.openxmlformats.org/drawingml/2006/main" xmlns="" val="2832160107"/>
       </p:ext>
     </p:extLst>
   </p:cSld>
@@ -3909,7 +3935,7 @@
 </file>
 
 <file path=ppt/slides/slide11.xml><?xml version="1.0" encoding="utf-8"?>
-<p:sld xmlns:a="http://schemas.openxmlformats.org/drawingml/2006/main" xmlns:r="http://schemas.openxmlformats.org/officeDocument/2006/relationships" xmlns:p="http://schemas.openxmlformats.org/presentationml/2006/main">
+<p:sld xmlns:a="http://schemas.openxmlformats.org/drawingml/2006/main" xmlns:r="http://schemas.openxmlformats.org/officeDocument/2006/relationships" xmlns:mc="http://schemas.openxmlformats.org/markup-compatibility/2006" xmlns:mv="urn:schemas-microsoft-com:mac:vml" xmlns:p="http://schemas.openxmlformats.org/presentationml/2006/main" mc:Ignorable="mv" mc:PreserveAttributes="mv:*">
   <p:cSld>
     <p:spTree>
       <p:nvGrpSpPr>
@@ -4037,7 +4063,7 @@
     </p:spTree>
     <p:extLst>
       <p:ext uri="{BB962C8B-B14F-4D97-AF65-F5344CB8AC3E}">
-        <p14:creationId xmlns:p14="http://schemas.microsoft.com/office/powerpoint/2010/main" val="3124880485"/>
+        <p14:creationId xmlns:p14="http://schemas.microsoft.com/office/powerpoint/2010/main" xmlns:p="http://schemas.openxmlformats.org/presentationml/2006/main" xmlns:r="http://schemas.openxmlformats.org/officeDocument/2006/relationships" xmlns:a="http://schemas.openxmlformats.org/drawingml/2006/main" xmlns="" val="3124880485"/>
       </p:ext>
     </p:extLst>
   </p:cSld>
@@ -4058,7 +4084,7 @@
 </file>
 
 <file path=ppt/slides/slide12.xml><?xml version="1.0" encoding="utf-8"?>
-<p:sld xmlns:a="http://schemas.openxmlformats.org/drawingml/2006/main" xmlns:r="http://schemas.openxmlformats.org/officeDocument/2006/relationships" xmlns:p="http://schemas.openxmlformats.org/presentationml/2006/main">
+<p:sld xmlns:a="http://schemas.openxmlformats.org/drawingml/2006/main" xmlns:r="http://schemas.openxmlformats.org/officeDocument/2006/relationships" xmlns:mc="http://schemas.openxmlformats.org/markup-compatibility/2006" xmlns:mv="urn:schemas-microsoft-com:mac:vml" xmlns:p="http://schemas.openxmlformats.org/presentationml/2006/main" mc:Ignorable="mv" mc:PreserveAttributes="mv:*">
   <p:cSld>
     <p:spTree>
       <p:nvGrpSpPr>
@@ -4224,7 +4250,7 @@
     </p:spTree>
     <p:extLst>
       <p:ext uri="{BB962C8B-B14F-4D97-AF65-F5344CB8AC3E}">
-        <p14:creationId xmlns:p14="http://schemas.microsoft.com/office/powerpoint/2010/main" val="3649987986"/>
+        <p14:creationId xmlns:p14="http://schemas.microsoft.com/office/powerpoint/2010/main" xmlns:p="http://schemas.openxmlformats.org/presentationml/2006/main" xmlns:r="http://schemas.openxmlformats.org/officeDocument/2006/relationships" xmlns:a="http://schemas.openxmlformats.org/drawingml/2006/main" xmlns="" val="3649987986"/>
       </p:ext>
     </p:extLst>
   </p:cSld>
@@ -4245,7 +4271,7 @@
 </file>
 
 <file path=ppt/slides/slide13.xml><?xml version="1.0" encoding="utf-8"?>
-<p:sld xmlns:a="http://schemas.openxmlformats.org/drawingml/2006/main" xmlns:r="http://schemas.openxmlformats.org/officeDocument/2006/relationships" xmlns:p="http://schemas.openxmlformats.org/presentationml/2006/main">
+<p:sld xmlns:a="http://schemas.openxmlformats.org/drawingml/2006/main" xmlns:r="http://schemas.openxmlformats.org/officeDocument/2006/relationships" xmlns:mc="http://schemas.openxmlformats.org/markup-compatibility/2006" xmlns:mv="urn:schemas-microsoft-com:mac:vml" xmlns:p="http://schemas.openxmlformats.org/presentationml/2006/main" mc:Ignorable="mv" mc:PreserveAttributes="mv:*">
   <p:cSld>
     <p:spTree>
       <p:nvGrpSpPr>
@@ -4452,7 +4478,7 @@
     </p:spTree>
     <p:extLst>
       <p:ext uri="{BB962C8B-B14F-4D97-AF65-F5344CB8AC3E}">
-        <p14:creationId xmlns:p14="http://schemas.microsoft.com/office/powerpoint/2010/main" val="829651775"/>
+        <p14:creationId xmlns:p14="http://schemas.microsoft.com/office/powerpoint/2010/main" xmlns:p="http://schemas.openxmlformats.org/presentationml/2006/main" xmlns:r="http://schemas.openxmlformats.org/officeDocument/2006/relationships" xmlns:a="http://schemas.openxmlformats.org/drawingml/2006/main" xmlns="" val="829651775"/>
       </p:ext>
     </p:extLst>
   </p:cSld>
@@ -4463,7 +4489,7 @@
 </file>
 
 <file path=ppt/slides/slide14.xml><?xml version="1.0" encoding="utf-8"?>
-<p:sld xmlns:a="http://schemas.openxmlformats.org/drawingml/2006/main" xmlns:r="http://schemas.openxmlformats.org/officeDocument/2006/relationships" xmlns:p="http://schemas.openxmlformats.org/presentationml/2006/main">
+<p:sld xmlns:a="http://schemas.openxmlformats.org/drawingml/2006/main" xmlns:r="http://schemas.openxmlformats.org/officeDocument/2006/relationships" xmlns:mc="http://schemas.openxmlformats.org/markup-compatibility/2006" xmlns:mv="urn:schemas-microsoft-com:mac:vml" xmlns:p="http://schemas.openxmlformats.org/presentationml/2006/main" mc:Ignorable="mv" mc:PreserveAttributes="mv:*">
   <p:cSld>
     <p:spTree>
       <p:nvGrpSpPr>
@@ -4531,7 +4557,7 @@
     </p:spTree>
     <p:extLst>
       <p:ext uri="{BB962C8B-B14F-4D97-AF65-F5344CB8AC3E}">
-        <p14:creationId xmlns:p14="http://schemas.microsoft.com/office/powerpoint/2010/main" val="2786962296"/>
+        <p14:creationId xmlns:p14="http://schemas.microsoft.com/office/powerpoint/2010/main" xmlns:p="http://schemas.openxmlformats.org/presentationml/2006/main" xmlns:r="http://schemas.openxmlformats.org/officeDocument/2006/relationships" xmlns:a="http://schemas.openxmlformats.org/drawingml/2006/main" xmlns="" val="2786962296"/>
       </p:ext>
     </p:extLst>
   </p:cSld>
@@ -4542,7 +4568,7 @@
 </file>
 
 <file path=ppt/slides/slide15.xml><?xml version="1.0" encoding="utf-8"?>
-<p:sld xmlns:a="http://schemas.openxmlformats.org/drawingml/2006/main" xmlns:r="http://schemas.openxmlformats.org/officeDocument/2006/relationships" xmlns:p="http://schemas.openxmlformats.org/presentationml/2006/main">
+<p:sld xmlns:a="http://schemas.openxmlformats.org/drawingml/2006/main" xmlns:r="http://schemas.openxmlformats.org/officeDocument/2006/relationships" xmlns:mc="http://schemas.openxmlformats.org/markup-compatibility/2006" xmlns:mv="urn:schemas-microsoft-com:mac:vml" xmlns:p="http://schemas.openxmlformats.org/presentationml/2006/main" mc:Ignorable="mv" mc:PreserveAttributes="mv:*">
   <p:cSld>
     <p:spTree>
       <p:nvGrpSpPr>
@@ -4616,7 +4642,7 @@
     </p:spTree>
     <p:extLst>
       <p:ext uri="{BB962C8B-B14F-4D97-AF65-F5344CB8AC3E}">
-        <p14:creationId xmlns:p14="http://schemas.microsoft.com/office/powerpoint/2010/main" val="1362037293"/>
+        <p14:creationId xmlns:p14="http://schemas.microsoft.com/office/powerpoint/2010/main" xmlns:p="http://schemas.openxmlformats.org/presentationml/2006/main" xmlns:r="http://schemas.openxmlformats.org/officeDocument/2006/relationships" xmlns:a="http://schemas.openxmlformats.org/drawingml/2006/main" xmlns="" val="1362037293"/>
       </p:ext>
     </p:extLst>
   </p:cSld>
@@ -4637,7 +4663,7 @@
 </file>
 
 <file path=ppt/slides/slide16.xml><?xml version="1.0" encoding="utf-8"?>
-<p:sld xmlns:a="http://schemas.openxmlformats.org/drawingml/2006/main" xmlns:r="http://schemas.openxmlformats.org/officeDocument/2006/relationships" xmlns:p="http://schemas.openxmlformats.org/presentationml/2006/main">
+<p:sld xmlns:a="http://schemas.openxmlformats.org/drawingml/2006/main" xmlns:r="http://schemas.openxmlformats.org/officeDocument/2006/relationships" xmlns:mc="http://schemas.openxmlformats.org/markup-compatibility/2006" xmlns:mv="urn:schemas-microsoft-com:mac:vml" xmlns:p="http://schemas.openxmlformats.org/presentationml/2006/main" mc:Ignorable="mv" mc:PreserveAttributes="mv:*">
   <p:cSld>
     <p:spTree>
       <p:nvGrpSpPr>
@@ -4792,7 +4818,7 @@
     </p:spTree>
     <p:extLst>
       <p:ext uri="{BB962C8B-B14F-4D97-AF65-F5344CB8AC3E}">
-        <p14:creationId xmlns:p14="http://schemas.microsoft.com/office/powerpoint/2010/main" val="2795416052"/>
+        <p14:creationId xmlns:p14="http://schemas.microsoft.com/office/powerpoint/2010/main" xmlns:p="http://schemas.openxmlformats.org/presentationml/2006/main" xmlns:r="http://schemas.openxmlformats.org/officeDocument/2006/relationships" xmlns:a="http://schemas.openxmlformats.org/drawingml/2006/main" xmlns="" val="2795416052"/>
       </p:ext>
     </p:extLst>
   </p:cSld>
@@ -4803,7 +4829,7 @@
 </file>
 
 <file path=ppt/slides/slide17.xml><?xml version="1.0" encoding="utf-8"?>
-<p:sld xmlns:a="http://schemas.openxmlformats.org/drawingml/2006/main" xmlns:r="http://schemas.openxmlformats.org/officeDocument/2006/relationships" xmlns:p="http://schemas.openxmlformats.org/presentationml/2006/main">
+<p:sld xmlns:a="http://schemas.openxmlformats.org/drawingml/2006/main" xmlns:r="http://schemas.openxmlformats.org/officeDocument/2006/relationships" xmlns:mc="http://schemas.openxmlformats.org/markup-compatibility/2006" xmlns:mv="urn:schemas-microsoft-com:mac:vml" xmlns:p="http://schemas.openxmlformats.org/presentationml/2006/main" mc:Ignorable="mv" mc:PreserveAttributes="mv:*">
   <p:cSld>
     <p:spTree>
       <p:nvGrpSpPr>
@@ -4856,7 +4882,7 @@
           <a:blip r:embed="rId2">
             <a:extLst>
               <a:ext uri="{28A0092B-C50C-407E-A947-70E740481C1C}">
-                <a14:useLocalDpi xmlns:a14="http://schemas.microsoft.com/office/drawing/2010/main" val="0"/>
+                <a14:useLocalDpi xmlns:a14="http://schemas.microsoft.com/office/drawing/2010/main" xmlns:p="http://schemas.openxmlformats.org/presentationml/2006/main" xmlns:r="http://schemas.openxmlformats.org/officeDocument/2006/relationships" xmlns:a="http://schemas.openxmlformats.org/drawingml/2006/main" xmlns="" val="0"/>
               </a:ext>
             </a:extLst>
           </a:blip>
@@ -4874,7 +4900,7 @@
     </p:spTree>
     <p:extLst>
       <p:ext uri="{BB962C8B-B14F-4D97-AF65-F5344CB8AC3E}">
-        <p14:creationId xmlns:p14="http://schemas.microsoft.com/office/powerpoint/2010/main" val="2537165902"/>
+        <p14:creationId xmlns:p14="http://schemas.microsoft.com/office/powerpoint/2010/main" xmlns:p="http://schemas.openxmlformats.org/presentationml/2006/main" xmlns:r="http://schemas.openxmlformats.org/officeDocument/2006/relationships" xmlns:a="http://schemas.openxmlformats.org/drawingml/2006/main" xmlns="" val="2537165902"/>
       </p:ext>
     </p:extLst>
   </p:cSld>
@@ -4885,7 +4911,7 @@
 </file>
 
 <file path=ppt/slides/slide18.xml><?xml version="1.0" encoding="utf-8"?>
-<p:sld xmlns:a="http://schemas.openxmlformats.org/drawingml/2006/main" xmlns:r="http://schemas.openxmlformats.org/officeDocument/2006/relationships" xmlns:p="http://schemas.openxmlformats.org/presentationml/2006/main">
+<p:sld xmlns:a="http://schemas.openxmlformats.org/drawingml/2006/main" xmlns:r="http://schemas.openxmlformats.org/officeDocument/2006/relationships" xmlns:mc="http://schemas.openxmlformats.org/markup-compatibility/2006" xmlns:mv="urn:schemas-microsoft-com:mac:vml" xmlns:p="http://schemas.openxmlformats.org/presentationml/2006/main" mc:Ignorable="mv" mc:PreserveAttributes="mv:*">
   <p:cSld>
     <p:spTree>
       <p:nvGrpSpPr>
@@ -4942,7 +4968,7 @@
           <a:blip r:embed="rId2">
             <a:extLst>
               <a:ext uri="{28A0092B-C50C-407E-A947-70E740481C1C}">
-                <a14:useLocalDpi xmlns:a14="http://schemas.microsoft.com/office/drawing/2010/main" val="0"/>
+                <a14:useLocalDpi xmlns:a14="http://schemas.microsoft.com/office/drawing/2010/main" xmlns:p="http://schemas.openxmlformats.org/presentationml/2006/main" xmlns:r="http://schemas.openxmlformats.org/officeDocument/2006/relationships" xmlns:a="http://schemas.openxmlformats.org/drawingml/2006/main" xmlns="" val="0"/>
               </a:ext>
             </a:extLst>
           </a:blip>
@@ -4960,7 +4986,7 @@
     </p:spTree>
     <p:extLst>
       <p:ext uri="{BB962C8B-B14F-4D97-AF65-F5344CB8AC3E}">
-        <p14:creationId xmlns:p14="http://schemas.microsoft.com/office/powerpoint/2010/main" val="2702774611"/>
+        <p14:creationId xmlns:p14="http://schemas.microsoft.com/office/powerpoint/2010/main" xmlns:p="http://schemas.openxmlformats.org/presentationml/2006/main" xmlns:r="http://schemas.openxmlformats.org/officeDocument/2006/relationships" xmlns:a="http://schemas.openxmlformats.org/drawingml/2006/main" xmlns="" val="2702774611"/>
       </p:ext>
     </p:extLst>
   </p:cSld>
@@ -4971,7 +4997,7 @@
 </file>
 
 <file path=ppt/slides/slide19.xml><?xml version="1.0" encoding="utf-8"?>
-<p:sld xmlns:a="http://schemas.openxmlformats.org/drawingml/2006/main" xmlns:r="http://schemas.openxmlformats.org/officeDocument/2006/relationships" xmlns:p="http://schemas.openxmlformats.org/presentationml/2006/main">
+<p:sld xmlns:a="http://schemas.openxmlformats.org/drawingml/2006/main" xmlns:r="http://schemas.openxmlformats.org/officeDocument/2006/relationships" xmlns:mc="http://schemas.openxmlformats.org/markup-compatibility/2006" xmlns:mv="urn:schemas-microsoft-com:mac:vml" xmlns:p="http://schemas.openxmlformats.org/presentationml/2006/main" mc:Ignorable="mv" mc:PreserveAttributes="mv:*">
   <p:cSld>
     <p:spTree>
       <p:nvGrpSpPr>
@@ -5032,7 +5058,7 @@
           <a:blip r:embed="rId2">
             <a:extLst>
               <a:ext uri="{28A0092B-C50C-407E-A947-70E740481C1C}">
-                <a14:useLocalDpi xmlns:a14="http://schemas.microsoft.com/office/drawing/2010/main" val="0"/>
+                <a14:useLocalDpi xmlns:a14="http://schemas.microsoft.com/office/drawing/2010/main" xmlns:p="http://schemas.openxmlformats.org/presentationml/2006/main" xmlns:r="http://schemas.openxmlformats.org/officeDocument/2006/relationships" xmlns:a="http://schemas.openxmlformats.org/drawingml/2006/main" xmlns="" val="0"/>
               </a:ext>
             </a:extLst>
           </a:blip>
@@ -5061,7 +5087,7 @@
           <a:blip r:embed="rId3">
             <a:extLst>
               <a:ext uri="{28A0092B-C50C-407E-A947-70E740481C1C}">
-                <a14:useLocalDpi xmlns:a14="http://schemas.microsoft.com/office/drawing/2010/main" val="0"/>
+                <a14:useLocalDpi xmlns:a14="http://schemas.microsoft.com/office/drawing/2010/main" xmlns:p="http://schemas.openxmlformats.org/presentationml/2006/main" xmlns:r="http://schemas.openxmlformats.org/officeDocument/2006/relationships" xmlns:a="http://schemas.openxmlformats.org/drawingml/2006/main" xmlns="" val="0"/>
               </a:ext>
             </a:extLst>
           </a:blip>
@@ -5079,7 +5105,7 @@
     </p:spTree>
     <p:extLst>
       <p:ext uri="{BB962C8B-B14F-4D97-AF65-F5344CB8AC3E}">
-        <p14:creationId xmlns:p14="http://schemas.microsoft.com/office/powerpoint/2010/main" val="1663329094"/>
+        <p14:creationId xmlns:p14="http://schemas.microsoft.com/office/powerpoint/2010/main" xmlns:p="http://schemas.openxmlformats.org/presentationml/2006/main" xmlns:r="http://schemas.openxmlformats.org/officeDocument/2006/relationships" xmlns:a="http://schemas.openxmlformats.org/drawingml/2006/main" xmlns="" val="1663329094"/>
       </p:ext>
     </p:extLst>
   </p:cSld>
@@ -5090,7 +5116,7 @@
 </file>
 
 <file path=ppt/slides/slide2.xml><?xml version="1.0" encoding="utf-8"?>
-<p:sld xmlns:a="http://schemas.openxmlformats.org/drawingml/2006/main" xmlns:r="http://schemas.openxmlformats.org/officeDocument/2006/relationships" xmlns:p="http://schemas.openxmlformats.org/presentationml/2006/main">
+<p:sld xmlns:a="http://schemas.openxmlformats.org/drawingml/2006/main" xmlns:r="http://schemas.openxmlformats.org/officeDocument/2006/relationships" xmlns:mc="http://schemas.openxmlformats.org/markup-compatibility/2006" xmlns:mv="urn:schemas-microsoft-com:mac:vml" xmlns:p="http://schemas.openxmlformats.org/presentationml/2006/main" mc:Ignorable="mv" mc:PreserveAttributes="mv:*">
   <p:cSld>
     <p:spTree>
       <p:nvGrpSpPr>
@@ -5244,7 +5270,7 @@
     </p:spTree>
     <p:extLst>
       <p:ext uri="{BB962C8B-B14F-4D97-AF65-F5344CB8AC3E}">
-        <p14:creationId xmlns:p14="http://schemas.microsoft.com/office/powerpoint/2010/main" val="4197995715"/>
+        <p14:creationId xmlns:p14="http://schemas.microsoft.com/office/powerpoint/2010/main" xmlns:p="http://schemas.openxmlformats.org/presentationml/2006/main" xmlns:r="http://schemas.openxmlformats.org/officeDocument/2006/relationships" xmlns:a="http://schemas.openxmlformats.org/drawingml/2006/main" xmlns="" val="4197995715"/>
       </p:ext>
     </p:extLst>
   </p:cSld>
@@ -5255,7 +5281,7 @@
 </file>
 
 <file path=ppt/slides/slide20.xml><?xml version="1.0" encoding="utf-8"?>
-<p:sld xmlns:a="http://schemas.openxmlformats.org/drawingml/2006/main" xmlns:r="http://schemas.openxmlformats.org/officeDocument/2006/relationships" xmlns:p="http://schemas.openxmlformats.org/presentationml/2006/main">
+<p:sld xmlns:a="http://schemas.openxmlformats.org/drawingml/2006/main" xmlns:r="http://schemas.openxmlformats.org/officeDocument/2006/relationships" xmlns:mc="http://schemas.openxmlformats.org/markup-compatibility/2006" xmlns:mv="urn:schemas-microsoft-com:mac:vml" xmlns:p="http://schemas.openxmlformats.org/presentationml/2006/main" mc:Ignorable="mv" mc:PreserveAttributes="mv:*">
   <p:cSld>
     <p:spTree>
       <p:nvGrpSpPr>
@@ -5320,7 +5346,7 @@
           <a:blip r:embed="rId2">
             <a:extLst>
               <a:ext uri="{28A0092B-C50C-407E-A947-70E740481C1C}">
-                <a14:useLocalDpi xmlns:a14="http://schemas.microsoft.com/office/drawing/2010/main" val="0"/>
+                <a14:useLocalDpi xmlns:a14="http://schemas.microsoft.com/office/drawing/2010/main" xmlns:p="http://schemas.openxmlformats.org/presentationml/2006/main" xmlns:r="http://schemas.openxmlformats.org/officeDocument/2006/relationships" xmlns:a="http://schemas.openxmlformats.org/drawingml/2006/main" xmlns="" val="0"/>
               </a:ext>
             </a:extLst>
           </a:blip>
@@ -5349,7 +5375,7 @@
           <a:blip r:embed="rId3">
             <a:extLst>
               <a:ext uri="{28A0092B-C50C-407E-A947-70E740481C1C}">
-                <a14:useLocalDpi xmlns:a14="http://schemas.microsoft.com/office/drawing/2010/main" val="0"/>
+                <a14:useLocalDpi xmlns:a14="http://schemas.microsoft.com/office/drawing/2010/main" xmlns:p="http://schemas.openxmlformats.org/presentationml/2006/main" xmlns:r="http://schemas.openxmlformats.org/officeDocument/2006/relationships" xmlns:a="http://schemas.openxmlformats.org/drawingml/2006/main" xmlns="" val="0"/>
               </a:ext>
             </a:extLst>
           </a:blip>
@@ -5376,7 +5402,7 @@
           <a:blip r:embed="rId4">
             <a:extLst>
               <a:ext uri="{28A0092B-C50C-407E-A947-70E740481C1C}">
-                <a14:useLocalDpi xmlns:a14="http://schemas.microsoft.com/office/drawing/2010/main" val="0"/>
+                <a14:useLocalDpi xmlns:a14="http://schemas.microsoft.com/office/drawing/2010/main" xmlns:p="http://schemas.openxmlformats.org/presentationml/2006/main" xmlns:r="http://schemas.openxmlformats.org/officeDocument/2006/relationships" xmlns:a="http://schemas.openxmlformats.org/drawingml/2006/main" xmlns="" val="0"/>
               </a:ext>
             </a:extLst>
           </a:blip>
@@ -5396,7 +5422,7 @@
           <a:noFill/>
           <a:extLst>
             <a:ext uri="{909E8E84-426E-40DD-AFC4-6F175D3DCCD1}">
-              <a14:hiddenFill xmlns:a14="http://schemas.microsoft.com/office/drawing/2010/main">
+              <a14:hiddenFill xmlns:a14="http://schemas.microsoft.com/office/drawing/2010/main" xmlns:p="http://schemas.openxmlformats.org/presentationml/2006/main" xmlns:r="http://schemas.openxmlformats.org/officeDocument/2006/relationships" xmlns:a="http://schemas.openxmlformats.org/drawingml/2006/main" xmlns="">
                 <a:solidFill>
                   <a:srgbClr val="FFFFFF"/>
                 </a:solidFill>
@@ -5408,7 +5434,7 @@
     </p:spTree>
     <p:extLst>
       <p:ext uri="{BB962C8B-B14F-4D97-AF65-F5344CB8AC3E}">
-        <p14:creationId xmlns:p14="http://schemas.microsoft.com/office/powerpoint/2010/main" val="2562182055"/>
+        <p14:creationId xmlns:p14="http://schemas.microsoft.com/office/powerpoint/2010/main" xmlns:p="http://schemas.openxmlformats.org/presentationml/2006/main" xmlns:r="http://schemas.openxmlformats.org/officeDocument/2006/relationships" xmlns:a="http://schemas.openxmlformats.org/drawingml/2006/main" xmlns="" val="2562182055"/>
       </p:ext>
     </p:extLst>
   </p:cSld>
@@ -5419,7 +5445,7 @@
 </file>
 
 <file path=ppt/slides/slide21.xml><?xml version="1.0" encoding="utf-8"?>
-<p:sld xmlns:a="http://schemas.openxmlformats.org/drawingml/2006/main" xmlns:r="http://schemas.openxmlformats.org/officeDocument/2006/relationships" xmlns:p="http://schemas.openxmlformats.org/presentationml/2006/main">
+<p:sld xmlns:a="http://schemas.openxmlformats.org/drawingml/2006/main" xmlns:r="http://schemas.openxmlformats.org/officeDocument/2006/relationships" xmlns:mc="http://schemas.openxmlformats.org/markup-compatibility/2006" xmlns:mv="urn:schemas-microsoft-com:mac:vml" xmlns:p="http://schemas.openxmlformats.org/presentationml/2006/main" mc:Ignorable="mv" mc:PreserveAttributes="mv:*">
   <p:cSld>
     <p:spTree>
       <p:nvGrpSpPr>
@@ -5480,7 +5506,7 @@
     </p:spTree>
     <p:extLst>
       <p:ext uri="{BB962C8B-B14F-4D97-AF65-F5344CB8AC3E}">
-        <p14:creationId xmlns:p14="http://schemas.microsoft.com/office/powerpoint/2010/main" val="2505814243"/>
+        <p14:creationId xmlns:p14="http://schemas.microsoft.com/office/powerpoint/2010/main" xmlns:p="http://schemas.openxmlformats.org/presentationml/2006/main" xmlns:r="http://schemas.openxmlformats.org/officeDocument/2006/relationships" xmlns:a="http://schemas.openxmlformats.org/drawingml/2006/main" xmlns="" val="2505814243"/>
       </p:ext>
     </p:extLst>
   </p:cSld>
@@ -5491,7 +5517,7 @@
 </file>
 
 <file path=ppt/slides/slide22.xml><?xml version="1.0" encoding="utf-8"?>
-<p:sld xmlns:a="http://schemas.openxmlformats.org/drawingml/2006/main" xmlns:r="http://schemas.openxmlformats.org/officeDocument/2006/relationships" xmlns:p="http://schemas.openxmlformats.org/presentationml/2006/main">
+<p:sld xmlns:a="http://schemas.openxmlformats.org/drawingml/2006/main" xmlns:r="http://schemas.openxmlformats.org/officeDocument/2006/relationships" xmlns:mc="http://schemas.openxmlformats.org/markup-compatibility/2006" xmlns:mv="urn:schemas-microsoft-com:mac:vml" xmlns:p="http://schemas.openxmlformats.org/presentationml/2006/main" mc:Ignorable="mv" mc:PreserveAttributes="mv:*">
   <p:cSld>
     <p:spTree>
       <p:nvGrpSpPr>
@@ -5552,7 +5578,7 @@
     </p:spTree>
     <p:extLst>
       <p:ext uri="{BB962C8B-B14F-4D97-AF65-F5344CB8AC3E}">
-        <p14:creationId xmlns:p14="http://schemas.microsoft.com/office/powerpoint/2010/main" val="238090621"/>
+        <p14:creationId xmlns:p14="http://schemas.microsoft.com/office/powerpoint/2010/main" xmlns:p="http://schemas.openxmlformats.org/presentationml/2006/main" xmlns:r="http://schemas.openxmlformats.org/officeDocument/2006/relationships" xmlns:a="http://schemas.openxmlformats.org/drawingml/2006/main" xmlns="" val="238090621"/>
       </p:ext>
     </p:extLst>
   </p:cSld>
@@ -5563,7 +5589,7 @@
 </file>
 
 <file path=ppt/slides/slide23.xml><?xml version="1.0" encoding="utf-8"?>
-<p:sld xmlns:a="http://schemas.openxmlformats.org/drawingml/2006/main" xmlns:r="http://schemas.openxmlformats.org/officeDocument/2006/relationships" xmlns:p="http://schemas.openxmlformats.org/presentationml/2006/main">
+<p:sld xmlns:a="http://schemas.openxmlformats.org/drawingml/2006/main" xmlns:r="http://schemas.openxmlformats.org/officeDocument/2006/relationships" xmlns:mc="http://schemas.openxmlformats.org/markup-compatibility/2006" xmlns:mv="urn:schemas-microsoft-com:mac:vml" xmlns:p="http://schemas.openxmlformats.org/presentationml/2006/main" mc:Ignorable="mv" mc:PreserveAttributes="mv:*">
   <p:cSld>
     <p:spTree>
       <p:nvGrpSpPr>
@@ -5624,7 +5650,7 @@
     </p:spTree>
     <p:extLst>
       <p:ext uri="{BB962C8B-B14F-4D97-AF65-F5344CB8AC3E}">
-        <p14:creationId xmlns:p14="http://schemas.microsoft.com/office/powerpoint/2010/main" val="3432911911"/>
+        <p14:creationId xmlns:p14="http://schemas.microsoft.com/office/powerpoint/2010/main" xmlns:p="http://schemas.openxmlformats.org/presentationml/2006/main" xmlns:r="http://schemas.openxmlformats.org/officeDocument/2006/relationships" xmlns:a="http://schemas.openxmlformats.org/drawingml/2006/main" xmlns="" val="3432911911"/>
       </p:ext>
     </p:extLst>
   </p:cSld>
@@ -5635,7 +5661,7 @@
 </file>
 
 <file path=ppt/slides/slide24.xml><?xml version="1.0" encoding="utf-8"?>
-<p:sld xmlns:a="http://schemas.openxmlformats.org/drawingml/2006/main" xmlns:r="http://schemas.openxmlformats.org/officeDocument/2006/relationships" xmlns:p="http://schemas.openxmlformats.org/presentationml/2006/main">
+<p:sld xmlns:a="http://schemas.openxmlformats.org/drawingml/2006/main" xmlns:r="http://schemas.openxmlformats.org/officeDocument/2006/relationships" xmlns:mc="http://schemas.openxmlformats.org/markup-compatibility/2006" xmlns:mv="urn:schemas-microsoft-com:mac:vml" xmlns:p="http://schemas.openxmlformats.org/presentationml/2006/main" mc:Ignorable="mv" mc:PreserveAttributes="mv:*">
   <p:cSld>
     <p:spTree>
       <p:nvGrpSpPr>
@@ -5708,7 +5734,7 @@
     </p:spTree>
     <p:extLst>
       <p:ext uri="{BB962C8B-B14F-4D97-AF65-F5344CB8AC3E}">
-        <p14:creationId xmlns:p14="http://schemas.microsoft.com/office/powerpoint/2010/main" val="779040666"/>
+        <p14:creationId xmlns:p14="http://schemas.microsoft.com/office/powerpoint/2010/main" xmlns:p="http://schemas.openxmlformats.org/presentationml/2006/main" xmlns:r="http://schemas.openxmlformats.org/officeDocument/2006/relationships" xmlns:a="http://schemas.openxmlformats.org/drawingml/2006/main" xmlns="" val="779040666"/>
       </p:ext>
     </p:extLst>
   </p:cSld>
@@ -5729,7 +5755,7 @@
 </file>
 
 <file path=ppt/slides/slide25.xml><?xml version="1.0" encoding="utf-8"?>
-<p:sld xmlns:a="http://schemas.openxmlformats.org/drawingml/2006/main" xmlns:r="http://schemas.openxmlformats.org/officeDocument/2006/relationships" xmlns:p="http://schemas.openxmlformats.org/presentationml/2006/main">
+<p:sld xmlns:a="http://schemas.openxmlformats.org/drawingml/2006/main" xmlns:r="http://schemas.openxmlformats.org/officeDocument/2006/relationships" xmlns:mc="http://schemas.openxmlformats.org/markup-compatibility/2006" xmlns:mv="urn:schemas-microsoft-com:mac:vml" xmlns:p="http://schemas.openxmlformats.org/presentationml/2006/main" mc:Ignorable="mv" mc:PreserveAttributes="mv:*">
   <p:cSld>
     <p:spTree>
       <p:nvGrpSpPr>
@@ -5817,7 +5843,7 @@
     </p:spTree>
     <p:extLst>
       <p:ext uri="{BB962C8B-B14F-4D97-AF65-F5344CB8AC3E}">
-        <p14:creationId xmlns:p14="http://schemas.microsoft.com/office/powerpoint/2010/main" val="1075118078"/>
+        <p14:creationId xmlns:p14="http://schemas.microsoft.com/office/powerpoint/2010/main" xmlns:p="http://schemas.openxmlformats.org/presentationml/2006/main" xmlns:r="http://schemas.openxmlformats.org/officeDocument/2006/relationships" xmlns:a="http://schemas.openxmlformats.org/drawingml/2006/main" xmlns="" val="1075118078"/>
       </p:ext>
     </p:extLst>
   </p:cSld>
@@ -5838,7 +5864,7 @@
 </file>
 
 <file path=ppt/slides/slide26.xml><?xml version="1.0" encoding="utf-8"?>
-<p:sld xmlns:a="http://schemas.openxmlformats.org/drawingml/2006/main" xmlns:r="http://schemas.openxmlformats.org/officeDocument/2006/relationships" xmlns:p="http://schemas.openxmlformats.org/presentationml/2006/main">
+<p:sld xmlns:a="http://schemas.openxmlformats.org/drawingml/2006/main" xmlns:r="http://schemas.openxmlformats.org/officeDocument/2006/relationships" xmlns:mc="http://schemas.openxmlformats.org/markup-compatibility/2006" xmlns:mv="urn:schemas-microsoft-com:mac:vml" xmlns:p="http://schemas.openxmlformats.org/presentationml/2006/main" mc:Ignorable="mv" mc:PreserveAttributes="mv:*">
   <p:cSld>
     <p:spTree>
       <p:nvGrpSpPr>
@@ -6411,7 +6437,7 @@
     </p:spTree>
     <p:extLst>
       <p:ext uri="{BB962C8B-B14F-4D97-AF65-F5344CB8AC3E}">
-        <p14:creationId xmlns:p14="http://schemas.microsoft.com/office/powerpoint/2010/main" val="272439930"/>
+        <p14:creationId xmlns:p14="http://schemas.microsoft.com/office/powerpoint/2010/main" xmlns:p="http://schemas.openxmlformats.org/presentationml/2006/main" xmlns:r="http://schemas.openxmlformats.org/officeDocument/2006/relationships" xmlns:a="http://schemas.openxmlformats.org/drawingml/2006/main" xmlns="" val="272439930"/>
       </p:ext>
     </p:extLst>
   </p:cSld>
@@ -6432,7 +6458,7 @@
 </file>
 
 <file path=ppt/slides/slide27.xml><?xml version="1.0" encoding="utf-8"?>
-<p:sld xmlns:a="http://schemas.openxmlformats.org/drawingml/2006/main" xmlns:r="http://schemas.openxmlformats.org/officeDocument/2006/relationships" xmlns:p="http://schemas.openxmlformats.org/presentationml/2006/main">
+<p:sld xmlns:a="http://schemas.openxmlformats.org/drawingml/2006/main" xmlns:r="http://schemas.openxmlformats.org/officeDocument/2006/relationships" xmlns:mc="http://schemas.openxmlformats.org/markup-compatibility/2006" xmlns:mv="urn:schemas-microsoft-com:mac:vml" xmlns:p="http://schemas.openxmlformats.org/presentationml/2006/main" mc:Ignorable="mv" mc:PreserveAttributes="mv:*">
   <p:cSld>
     <p:spTree>
       <p:nvGrpSpPr>
@@ -6520,7 +6546,7 @@
           <a:blip r:embed="rId2">
             <a:extLst>
               <a:ext uri="{28A0092B-C50C-407E-A947-70E740481C1C}">
-                <a14:useLocalDpi xmlns:a14="http://schemas.microsoft.com/office/drawing/2010/main" val="0"/>
+                <a14:useLocalDpi xmlns:a14="http://schemas.microsoft.com/office/drawing/2010/main" xmlns:p="http://schemas.openxmlformats.org/presentationml/2006/main" xmlns:r="http://schemas.openxmlformats.org/officeDocument/2006/relationships" xmlns:a="http://schemas.openxmlformats.org/drawingml/2006/main" xmlns="" val="0"/>
               </a:ext>
             </a:extLst>
           </a:blip>
@@ -6538,7 +6564,7 @@
     </p:spTree>
     <p:extLst>
       <p:ext uri="{BB962C8B-B14F-4D97-AF65-F5344CB8AC3E}">
-        <p14:creationId xmlns:p14="http://schemas.microsoft.com/office/powerpoint/2010/main" val="2628939987"/>
+        <p14:creationId xmlns:p14="http://schemas.microsoft.com/office/powerpoint/2010/main" xmlns:p="http://schemas.openxmlformats.org/presentationml/2006/main" xmlns:r="http://schemas.openxmlformats.org/officeDocument/2006/relationships" xmlns:a="http://schemas.openxmlformats.org/drawingml/2006/main" xmlns="" val="2628939987"/>
       </p:ext>
     </p:extLst>
   </p:cSld>
@@ -6559,7 +6585,7 @@
 </file>
 
 <file path=ppt/slides/slide28.xml><?xml version="1.0" encoding="utf-8"?>
-<p:sld xmlns:a="http://schemas.openxmlformats.org/drawingml/2006/main" xmlns:r="http://schemas.openxmlformats.org/officeDocument/2006/relationships" xmlns:p="http://schemas.openxmlformats.org/presentationml/2006/main">
+<p:sld xmlns:a="http://schemas.openxmlformats.org/drawingml/2006/main" xmlns:r="http://schemas.openxmlformats.org/officeDocument/2006/relationships" xmlns:mc="http://schemas.openxmlformats.org/markup-compatibility/2006" xmlns:mv="urn:schemas-microsoft-com:mac:vml" xmlns:p="http://schemas.openxmlformats.org/presentationml/2006/main" mc:Ignorable="mv" mc:PreserveAttributes="mv:*">
   <p:cSld>
     <p:spTree>
       <p:nvGrpSpPr>
@@ -6655,7 +6681,7 @@
     </p:spTree>
     <p:extLst>
       <p:ext uri="{BB962C8B-B14F-4D97-AF65-F5344CB8AC3E}">
-        <p14:creationId xmlns:p14="http://schemas.microsoft.com/office/powerpoint/2010/main" val="4212379501"/>
+        <p14:creationId xmlns:p14="http://schemas.microsoft.com/office/powerpoint/2010/main" xmlns:p="http://schemas.openxmlformats.org/presentationml/2006/main" xmlns:r="http://schemas.openxmlformats.org/officeDocument/2006/relationships" xmlns:a="http://schemas.openxmlformats.org/drawingml/2006/main" xmlns="" val="4212379501"/>
       </p:ext>
     </p:extLst>
   </p:cSld>
@@ -6676,7 +6702,7 @@
 </file>
 
 <file path=ppt/slides/slide29.xml><?xml version="1.0" encoding="utf-8"?>
-<p:sld xmlns:a="http://schemas.openxmlformats.org/drawingml/2006/main" xmlns:r="http://schemas.openxmlformats.org/officeDocument/2006/relationships" xmlns:p="http://schemas.openxmlformats.org/presentationml/2006/main">
+<p:sld xmlns:a="http://schemas.openxmlformats.org/drawingml/2006/main" xmlns:r="http://schemas.openxmlformats.org/officeDocument/2006/relationships" xmlns:mc="http://schemas.openxmlformats.org/markup-compatibility/2006" xmlns:mv="urn:schemas-microsoft-com:mac:vml" xmlns:p="http://schemas.openxmlformats.org/presentationml/2006/main" mc:Ignorable="mv" mc:PreserveAttributes="mv:*">
   <p:cSld>
     <p:spTree>
       <p:nvGrpSpPr>
@@ -6764,7 +6790,7 @@
           <a:blip r:embed="rId2">
             <a:extLst>
               <a:ext uri="{28A0092B-C50C-407E-A947-70E740481C1C}">
-                <a14:useLocalDpi xmlns:a14="http://schemas.microsoft.com/office/drawing/2010/main" val="0"/>
+                <a14:useLocalDpi xmlns:a14="http://schemas.microsoft.com/office/drawing/2010/main" xmlns:p="http://schemas.openxmlformats.org/presentationml/2006/main" xmlns:r="http://schemas.openxmlformats.org/officeDocument/2006/relationships" xmlns:a="http://schemas.openxmlformats.org/drawingml/2006/main" xmlns="" val="0"/>
               </a:ext>
             </a:extLst>
           </a:blip>
@@ -6782,7 +6808,7 @@
     </p:spTree>
     <p:extLst>
       <p:ext uri="{BB962C8B-B14F-4D97-AF65-F5344CB8AC3E}">
-        <p14:creationId xmlns:p14="http://schemas.microsoft.com/office/powerpoint/2010/main" val="57615000"/>
+        <p14:creationId xmlns:p14="http://schemas.microsoft.com/office/powerpoint/2010/main" xmlns:p="http://schemas.openxmlformats.org/presentationml/2006/main" xmlns:r="http://schemas.openxmlformats.org/officeDocument/2006/relationships" xmlns:a="http://schemas.openxmlformats.org/drawingml/2006/main" xmlns="" val="57615000"/>
       </p:ext>
     </p:extLst>
   </p:cSld>
@@ -6803,7 +6829,7 @@
 </file>
 
 <file path=ppt/slides/slide3.xml><?xml version="1.0" encoding="utf-8"?>
-<p:sld xmlns:a="http://schemas.openxmlformats.org/drawingml/2006/main" xmlns:r="http://schemas.openxmlformats.org/officeDocument/2006/relationships" xmlns:p="http://schemas.openxmlformats.org/presentationml/2006/main">
+<p:sld xmlns:a="http://schemas.openxmlformats.org/drawingml/2006/main" xmlns:r="http://schemas.openxmlformats.org/officeDocument/2006/relationships" xmlns:mc="http://schemas.openxmlformats.org/markup-compatibility/2006" xmlns:mv="urn:schemas-microsoft-com:mac:vml" xmlns:p="http://schemas.openxmlformats.org/presentationml/2006/main" mc:Ignorable="mv" mc:PreserveAttributes="mv:*">
   <p:cSld>
     <p:spTree>
       <p:nvGrpSpPr>
@@ -6856,7 +6882,7 @@
           <a:blip r:embed="rId2">
             <a:extLst>
               <a:ext uri="{28A0092B-C50C-407E-A947-70E740481C1C}">
-                <a14:useLocalDpi xmlns:a14="http://schemas.microsoft.com/office/drawing/2010/main" val="0"/>
+                <a14:useLocalDpi xmlns:a14="http://schemas.microsoft.com/office/drawing/2010/main" xmlns:p="http://schemas.openxmlformats.org/presentationml/2006/main" xmlns:r="http://schemas.openxmlformats.org/officeDocument/2006/relationships" xmlns:a="http://schemas.openxmlformats.org/drawingml/2006/main" xmlns="" val="0"/>
               </a:ext>
             </a:extLst>
           </a:blip>
@@ -6874,7 +6900,7 @@
     </p:spTree>
     <p:extLst>
       <p:ext uri="{BB962C8B-B14F-4D97-AF65-F5344CB8AC3E}">
-        <p14:creationId xmlns:p14="http://schemas.microsoft.com/office/powerpoint/2010/main" val="1132568989"/>
+        <p14:creationId xmlns:p14="http://schemas.microsoft.com/office/powerpoint/2010/main" xmlns:p="http://schemas.openxmlformats.org/presentationml/2006/main" xmlns:r="http://schemas.openxmlformats.org/officeDocument/2006/relationships" xmlns:a="http://schemas.openxmlformats.org/drawingml/2006/main" xmlns="" val="1132568989"/>
       </p:ext>
     </p:extLst>
   </p:cSld>
@@ -6885,7 +6911,7 @@
 </file>
 
 <file path=ppt/slides/slide30.xml><?xml version="1.0" encoding="utf-8"?>
-<p:sld xmlns:a="http://schemas.openxmlformats.org/drawingml/2006/main" xmlns:r="http://schemas.openxmlformats.org/officeDocument/2006/relationships" xmlns:p="http://schemas.openxmlformats.org/presentationml/2006/main">
+<p:sld xmlns:a="http://schemas.openxmlformats.org/drawingml/2006/main" xmlns:r="http://schemas.openxmlformats.org/officeDocument/2006/relationships" xmlns:mc="http://schemas.openxmlformats.org/markup-compatibility/2006" xmlns:mv="urn:schemas-microsoft-com:mac:vml" xmlns:p="http://schemas.openxmlformats.org/presentationml/2006/main" mc:Ignorable="mv" mc:PreserveAttributes="mv:*">
   <p:cSld>
     <p:spTree>
       <p:nvGrpSpPr>
@@ -6978,7 +7004,7 @@
           <a:blip r:embed="rId2">
             <a:extLst>
               <a:ext uri="{28A0092B-C50C-407E-A947-70E740481C1C}">
-                <a14:useLocalDpi xmlns:a14="http://schemas.microsoft.com/office/drawing/2010/main" val="0"/>
+                <a14:useLocalDpi xmlns:a14="http://schemas.microsoft.com/office/drawing/2010/main" xmlns:p="http://schemas.openxmlformats.org/presentationml/2006/main" xmlns:r="http://schemas.openxmlformats.org/officeDocument/2006/relationships" xmlns:a="http://schemas.openxmlformats.org/drawingml/2006/main" xmlns="" val="0"/>
               </a:ext>
             </a:extLst>
           </a:blip>
@@ -6996,7 +7022,7 @@
     </p:spTree>
     <p:extLst>
       <p:ext uri="{BB962C8B-B14F-4D97-AF65-F5344CB8AC3E}">
-        <p14:creationId xmlns:p14="http://schemas.microsoft.com/office/powerpoint/2010/main" val="702158839"/>
+        <p14:creationId xmlns:p14="http://schemas.microsoft.com/office/powerpoint/2010/main" xmlns:p="http://schemas.openxmlformats.org/presentationml/2006/main" xmlns:r="http://schemas.openxmlformats.org/officeDocument/2006/relationships" xmlns:a="http://schemas.openxmlformats.org/drawingml/2006/main" xmlns="" val="702158839"/>
       </p:ext>
     </p:extLst>
   </p:cSld>
@@ -7017,7 +7043,7 @@
 </file>
 
 <file path=ppt/slides/slide31.xml><?xml version="1.0" encoding="utf-8"?>
-<p:sld xmlns:a="http://schemas.openxmlformats.org/drawingml/2006/main" xmlns:r="http://schemas.openxmlformats.org/officeDocument/2006/relationships" xmlns:p="http://schemas.openxmlformats.org/presentationml/2006/main">
+<p:sld xmlns:a="http://schemas.openxmlformats.org/drawingml/2006/main" xmlns:r="http://schemas.openxmlformats.org/officeDocument/2006/relationships" xmlns:mc="http://schemas.openxmlformats.org/markup-compatibility/2006" xmlns:mv="urn:schemas-microsoft-com:mac:vml" xmlns:p="http://schemas.openxmlformats.org/presentationml/2006/main" mc:Ignorable="mv" mc:PreserveAttributes="mv:*">
   <p:cSld>
     <p:spTree>
       <p:nvGrpSpPr>
@@ -7107,7 +7133,7 @@
           <a:blip r:embed="rId2">
             <a:extLst>
               <a:ext uri="{28A0092B-C50C-407E-A947-70E740481C1C}">
-                <a14:useLocalDpi xmlns:a14="http://schemas.microsoft.com/office/drawing/2010/main" val="0"/>
+                <a14:useLocalDpi xmlns:a14="http://schemas.microsoft.com/office/drawing/2010/main" xmlns:p="http://schemas.openxmlformats.org/presentationml/2006/main" xmlns:r="http://schemas.openxmlformats.org/officeDocument/2006/relationships" xmlns:a="http://schemas.openxmlformats.org/drawingml/2006/main" xmlns="" val="0"/>
               </a:ext>
             </a:extLst>
           </a:blip>
@@ -7125,7 +7151,7 @@
     </p:spTree>
     <p:extLst>
       <p:ext uri="{BB962C8B-B14F-4D97-AF65-F5344CB8AC3E}">
-        <p14:creationId xmlns:p14="http://schemas.microsoft.com/office/powerpoint/2010/main" val="1381620726"/>
+        <p14:creationId xmlns:p14="http://schemas.microsoft.com/office/powerpoint/2010/main" xmlns:p="http://schemas.openxmlformats.org/presentationml/2006/main" xmlns:r="http://schemas.openxmlformats.org/officeDocument/2006/relationships" xmlns:a="http://schemas.openxmlformats.org/drawingml/2006/main" xmlns="" val="1381620726"/>
       </p:ext>
     </p:extLst>
   </p:cSld>
@@ -7146,7 +7172,7 @@
 </file>
 
 <file path=ppt/slides/slide32.xml><?xml version="1.0" encoding="utf-8"?>
-<p:sld xmlns:a="http://schemas.openxmlformats.org/drawingml/2006/main" xmlns:r="http://schemas.openxmlformats.org/officeDocument/2006/relationships" xmlns:p="http://schemas.openxmlformats.org/presentationml/2006/main">
+<p:sld xmlns:a="http://schemas.openxmlformats.org/drawingml/2006/main" xmlns:r="http://schemas.openxmlformats.org/officeDocument/2006/relationships" xmlns:mc="http://schemas.openxmlformats.org/markup-compatibility/2006" xmlns:mv="urn:schemas-microsoft-com:mac:vml" xmlns:p="http://schemas.openxmlformats.org/presentationml/2006/main" mc:Ignorable="mv" mc:PreserveAttributes="mv:*">
   <p:cSld>
     <p:spTree>
       <p:nvGrpSpPr>
@@ -7228,7 +7254,7 @@
           <a:blip r:embed="rId2">
             <a:extLst>
               <a:ext uri="{28A0092B-C50C-407E-A947-70E740481C1C}">
-                <a14:useLocalDpi xmlns:a14="http://schemas.microsoft.com/office/drawing/2010/main" val="0"/>
+                <a14:useLocalDpi xmlns:a14="http://schemas.microsoft.com/office/drawing/2010/main" xmlns:p="http://schemas.openxmlformats.org/presentationml/2006/main" xmlns:r="http://schemas.openxmlformats.org/officeDocument/2006/relationships" xmlns:a="http://schemas.openxmlformats.org/drawingml/2006/main" xmlns="" val="0"/>
               </a:ext>
             </a:extLst>
           </a:blip>
@@ -7246,7 +7272,7 @@
     </p:spTree>
     <p:extLst>
       <p:ext uri="{BB962C8B-B14F-4D97-AF65-F5344CB8AC3E}">
-        <p14:creationId xmlns:p14="http://schemas.microsoft.com/office/powerpoint/2010/main" val="3002391868"/>
+        <p14:creationId xmlns:p14="http://schemas.microsoft.com/office/powerpoint/2010/main" xmlns:p="http://schemas.openxmlformats.org/presentationml/2006/main" xmlns:r="http://schemas.openxmlformats.org/officeDocument/2006/relationships" xmlns:a="http://schemas.openxmlformats.org/drawingml/2006/main" xmlns="" val="3002391868"/>
       </p:ext>
     </p:extLst>
   </p:cSld>
@@ -7267,7 +7293,7 @@
 </file>
 
 <file path=ppt/slides/slide33.xml><?xml version="1.0" encoding="utf-8"?>
-<p:sld xmlns:a="http://schemas.openxmlformats.org/drawingml/2006/main" xmlns:r="http://schemas.openxmlformats.org/officeDocument/2006/relationships" xmlns:p="http://schemas.openxmlformats.org/presentationml/2006/main">
+<p:sld xmlns:a="http://schemas.openxmlformats.org/drawingml/2006/main" xmlns:r="http://schemas.openxmlformats.org/officeDocument/2006/relationships" xmlns:mc="http://schemas.openxmlformats.org/markup-compatibility/2006" xmlns:mv="urn:schemas-microsoft-com:mac:vml" xmlns:p="http://schemas.openxmlformats.org/presentationml/2006/main" mc:Ignorable="mv" mc:PreserveAttributes="mv:*">
   <p:cSld>
     <p:spTree>
       <p:nvGrpSpPr>
@@ -7358,7 +7384,7 @@
     </p:spTree>
     <p:extLst>
       <p:ext uri="{BB962C8B-B14F-4D97-AF65-F5344CB8AC3E}">
-        <p14:creationId xmlns:p14="http://schemas.microsoft.com/office/powerpoint/2010/main" val="1405062213"/>
+        <p14:creationId xmlns:p14="http://schemas.microsoft.com/office/powerpoint/2010/main" xmlns:p="http://schemas.openxmlformats.org/presentationml/2006/main" xmlns:r="http://schemas.openxmlformats.org/officeDocument/2006/relationships" xmlns:a="http://schemas.openxmlformats.org/drawingml/2006/main" xmlns="" val="1405062213"/>
       </p:ext>
     </p:extLst>
   </p:cSld>
@@ -7379,7 +7405,7 @@
 </file>
 
 <file path=ppt/slides/slide4.xml><?xml version="1.0" encoding="utf-8"?>
-<p:sld xmlns:a="http://schemas.openxmlformats.org/drawingml/2006/main" xmlns:r="http://schemas.openxmlformats.org/officeDocument/2006/relationships" xmlns:p="http://schemas.openxmlformats.org/presentationml/2006/main">
+<p:sld xmlns:a="http://schemas.openxmlformats.org/drawingml/2006/main" xmlns:r="http://schemas.openxmlformats.org/officeDocument/2006/relationships" xmlns:mc="http://schemas.openxmlformats.org/markup-compatibility/2006" xmlns:mv="urn:schemas-microsoft-com:mac:vml" xmlns:p="http://schemas.openxmlformats.org/presentationml/2006/main" mc:Ignorable="mv" mc:PreserveAttributes="mv:*">
   <p:cSld>
     <p:spTree>
       <p:nvGrpSpPr>
@@ -7469,7 +7495,7 @@
     </p:spTree>
     <p:extLst>
       <p:ext uri="{BB962C8B-B14F-4D97-AF65-F5344CB8AC3E}">
-        <p14:creationId xmlns:p14="http://schemas.microsoft.com/office/powerpoint/2010/main" val="4179239219"/>
+        <p14:creationId xmlns:p14="http://schemas.microsoft.com/office/powerpoint/2010/main" xmlns:p="http://schemas.openxmlformats.org/presentationml/2006/main" xmlns:r="http://schemas.openxmlformats.org/officeDocument/2006/relationships" xmlns:a="http://schemas.openxmlformats.org/drawingml/2006/main" xmlns="" val="4179239219"/>
       </p:ext>
     </p:extLst>
   </p:cSld>
@@ -7490,7 +7516,7 @@
 </file>
 
 <file path=ppt/slides/slide5.xml><?xml version="1.0" encoding="utf-8"?>
-<p:sld xmlns:a="http://schemas.openxmlformats.org/drawingml/2006/main" xmlns:r="http://schemas.openxmlformats.org/officeDocument/2006/relationships" xmlns:p="http://schemas.openxmlformats.org/presentationml/2006/main">
+<p:sld xmlns:a="http://schemas.openxmlformats.org/drawingml/2006/main" xmlns:r="http://schemas.openxmlformats.org/officeDocument/2006/relationships" xmlns:mc="http://schemas.openxmlformats.org/markup-compatibility/2006" xmlns:mv="urn:schemas-microsoft-com:mac:vml" xmlns:p="http://schemas.openxmlformats.org/presentationml/2006/main" mc:Ignorable="mv" mc:PreserveAttributes="mv:*">
   <p:cSld>
     <p:spTree>
       <p:nvGrpSpPr>
@@ -7581,7 +7607,7 @@
           <a:blip r:embed="rId2">
             <a:extLst>
               <a:ext uri="{28A0092B-C50C-407E-A947-70E740481C1C}">
-                <a14:useLocalDpi xmlns:a14="http://schemas.microsoft.com/office/drawing/2010/main" val="0"/>
+                <a14:useLocalDpi xmlns:a14="http://schemas.microsoft.com/office/drawing/2010/main" xmlns:p="http://schemas.openxmlformats.org/presentationml/2006/main" xmlns:r="http://schemas.openxmlformats.org/officeDocument/2006/relationships" xmlns:a="http://schemas.openxmlformats.org/drawingml/2006/main" xmlns="" val="0"/>
               </a:ext>
             </a:extLst>
           </a:blip>
@@ -7599,7 +7625,7 @@
     </p:spTree>
     <p:extLst>
       <p:ext uri="{BB962C8B-B14F-4D97-AF65-F5344CB8AC3E}">
-        <p14:creationId xmlns:p14="http://schemas.microsoft.com/office/powerpoint/2010/main" val="1451639058"/>
+        <p14:creationId xmlns:p14="http://schemas.microsoft.com/office/powerpoint/2010/main" xmlns:p="http://schemas.openxmlformats.org/presentationml/2006/main" xmlns:r="http://schemas.openxmlformats.org/officeDocument/2006/relationships" xmlns:a="http://schemas.openxmlformats.org/drawingml/2006/main" xmlns="" val="1451639058"/>
       </p:ext>
     </p:extLst>
   </p:cSld>
@@ -7610,7 +7636,7 @@
 </file>
 
 <file path=ppt/slides/slide6.xml><?xml version="1.0" encoding="utf-8"?>
-<p:sld xmlns:a="http://schemas.openxmlformats.org/drawingml/2006/main" xmlns:r="http://schemas.openxmlformats.org/officeDocument/2006/relationships" xmlns:p="http://schemas.openxmlformats.org/presentationml/2006/main">
+<p:sld xmlns:a="http://schemas.openxmlformats.org/drawingml/2006/main" xmlns:r="http://schemas.openxmlformats.org/officeDocument/2006/relationships" xmlns:mc="http://schemas.openxmlformats.org/markup-compatibility/2006" xmlns:mv="urn:schemas-microsoft-com:mac:vml" xmlns:p="http://schemas.openxmlformats.org/presentationml/2006/main" mc:Ignorable="mv" mc:PreserveAttributes="mv:*">
   <p:cSld>
     <p:spTree>
       <p:nvGrpSpPr>
@@ -7701,7 +7727,7 @@
     </p:spTree>
     <p:extLst>
       <p:ext uri="{BB962C8B-B14F-4D97-AF65-F5344CB8AC3E}">
-        <p14:creationId xmlns:p14="http://schemas.microsoft.com/office/powerpoint/2010/main" val="326664058"/>
+        <p14:creationId xmlns:p14="http://schemas.microsoft.com/office/powerpoint/2010/main" xmlns:p="http://schemas.openxmlformats.org/presentationml/2006/main" xmlns:r="http://schemas.openxmlformats.org/officeDocument/2006/relationships" xmlns:a="http://schemas.openxmlformats.org/drawingml/2006/main" xmlns="" val="326664058"/>
       </p:ext>
     </p:extLst>
   </p:cSld>
@@ -7722,7 +7748,7 @@
 </file>
 
 <file path=ppt/slides/slide7.xml><?xml version="1.0" encoding="utf-8"?>
-<p:sld xmlns:a="http://schemas.openxmlformats.org/drawingml/2006/main" xmlns:r="http://schemas.openxmlformats.org/officeDocument/2006/relationships" xmlns:p="http://schemas.openxmlformats.org/presentationml/2006/main">
+<p:sld xmlns:a="http://schemas.openxmlformats.org/drawingml/2006/main" xmlns:r="http://schemas.openxmlformats.org/officeDocument/2006/relationships" xmlns:mc="http://schemas.openxmlformats.org/markup-compatibility/2006" xmlns:mv="urn:schemas-microsoft-com:mac:vml" xmlns:p="http://schemas.openxmlformats.org/presentationml/2006/main" mc:Ignorable="mv" mc:PreserveAttributes="mv:*">
   <p:cSld>
     <p:spTree>
       <p:nvGrpSpPr>
@@ -7775,7 +7801,7 @@
           <a:blip r:embed="rId2">
             <a:extLst>
               <a:ext uri="{28A0092B-C50C-407E-A947-70E740481C1C}">
-                <a14:useLocalDpi xmlns:a14="http://schemas.microsoft.com/office/drawing/2010/main" val="0"/>
+                <a14:useLocalDpi xmlns:a14="http://schemas.microsoft.com/office/drawing/2010/main" xmlns:p="http://schemas.openxmlformats.org/presentationml/2006/main" xmlns:r="http://schemas.openxmlformats.org/officeDocument/2006/relationships" xmlns:a="http://schemas.openxmlformats.org/drawingml/2006/main" xmlns="" val="0"/>
               </a:ext>
             </a:extLst>
           </a:blip>
@@ -7793,7 +7819,7 @@
     </p:spTree>
     <p:extLst>
       <p:ext uri="{BB962C8B-B14F-4D97-AF65-F5344CB8AC3E}">
-        <p14:creationId xmlns:p14="http://schemas.microsoft.com/office/powerpoint/2010/main" val="871341481"/>
+        <p14:creationId xmlns:p14="http://schemas.microsoft.com/office/powerpoint/2010/main" xmlns:p="http://schemas.openxmlformats.org/presentationml/2006/main" xmlns:r="http://schemas.openxmlformats.org/officeDocument/2006/relationships" xmlns:a="http://schemas.openxmlformats.org/drawingml/2006/main" xmlns="" val="871341481"/>
       </p:ext>
     </p:extLst>
   </p:cSld>
@@ -7804,7 +7830,7 @@
 </file>
 
 <file path=ppt/slides/slide8.xml><?xml version="1.0" encoding="utf-8"?>
-<p:sld xmlns:a="http://schemas.openxmlformats.org/drawingml/2006/main" xmlns:r="http://schemas.openxmlformats.org/officeDocument/2006/relationships" xmlns:p="http://schemas.openxmlformats.org/presentationml/2006/main">
+<p:sld xmlns:a="http://schemas.openxmlformats.org/drawingml/2006/main" xmlns:r="http://schemas.openxmlformats.org/officeDocument/2006/relationships" xmlns:mc="http://schemas.openxmlformats.org/markup-compatibility/2006" xmlns:mv="urn:schemas-microsoft-com:mac:vml" xmlns:p="http://schemas.openxmlformats.org/presentationml/2006/main" mc:Ignorable="mv" mc:PreserveAttributes="mv:*">
   <p:cSld>
     <p:spTree>
       <p:nvGrpSpPr>
@@ -7891,7 +7917,7 @@
           <a:blip r:embed="rId2">
             <a:extLst>
               <a:ext uri="{28A0092B-C50C-407E-A947-70E740481C1C}">
-                <a14:useLocalDpi xmlns:a14="http://schemas.microsoft.com/office/drawing/2010/main" val="0"/>
+                <a14:useLocalDpi xmlns:a14="http://schemas.microsoft.com/office/drawing/2010/main" xmlns:p="http://schemas.openxmlformats.org/presentationml/2006/main" xmlns:r="http://schemas.openxmlformats.org/officeDocument/2006/relationships" xmlns:a="http://schemas.openxmlformats.org/drawingml/2006/main" xmlns="" val="0"/>
               </a:ext>
             </a:extLst>
           </a:blip>
@@ -7909,7 +7935,7 @@
     </p:spTree>
     <p:extLst>
       <p:ext uri="{BB962C8B-B14F-4D97-AF65-F5344CB8AC3E}">
-        <p14:creationId xmlns:p14="http://schemas.microsoft.com/office/powerpoint/2010/main" val="1032916437"/>
+        <p14:creationId xmlns:p14="http://schemas.microsoft.com/office/powerpoint/2010/main" xmlns:p="http://schemas.openxmlformats.org/presentationml/2006/main" xmlns:r="http://schemas.openxmlformats.org/officeDocument/2006/relationships" xmlns:a="http://schemas.openxmlformats.org/drawingml/2006/main" xmlns="" val="1032916437"/>
       </p:ext>
     </p:extLst>
   </p:cSld>
@@ -7930,7 +7956,7 @@
 </file>
 
 <file path=ppt/slides/slide9.xml><?xml version="1.0" encoding="utf-8"?>
-<p:sld xmlns:a="http://schemas.openxmlformats.org/drawingml/2006/main" xmlns:r="http://schemas.openxmlformats.org/officeDocument/2006/relationships" xmlns:p="http://schemas.openxmlformats.org/presentationml/2006/main">
+<p:sld xmlns:a="http://schemas.openxmlformats.org/drawingml/2006/main" xmlns:r="http://schemas.openxmlformats.org/officeDocument/2006/relationships" xmlns:mc="http://schemas.openxmlformats.org/markup-compatibility/2006" xmlns:mv="urn:schemas-microsoft-com:mac:vml" xmlns:p="http://schemas.openxmlformats.org/presentationml/2006/main" mc:Ignorable="mv" mc:PreserveAttributes="mv:*">
   <p:cSld>
     <p:spTree>
       <p:nvGrpSpPr>
@@ -8117,14 +8143,19 @@
           <a:p>
             <a:r>
               <a:rPr lang="nb-NO" sz="1600" dirty="0"/>
-              <a:t>  char* =  ‘abc’</a:t>
-            </a:r>
-          </a:p>
-          <a:p>
-            <a:r>
-              <a:rPr lang="nb-NO" sz="1600" dirty="0"/>
-              <a:t>}</a:t>
-            </a:r>
+              <a:t>  char* =  ‘abc</a:t>
+            </a:r>
+            <a:r>
+              <a:rPr lang="nb-NO" sz="1600" dirty="0" smtClean="0"/>
+              <a:t>’;</a:t>
+            </a:r>
+          </a:p>
+          <a:p>
+            <a:r>
+              <a:rPr lang="nb-NO" sz="1600" dirty="0" smtClean="0"/>
+              <a:t>};</a:t>
+            </a:r>
+            <a:endParaRPr lang="nb-NO" sz="1600" dirty="0"/>
           </a:p>
         </p:txBody>
       </p:sp>
@@ -8181,14 +8212,19 @@
           <a:p>
             <a:r>
               <a:rPr lang="nb-NO" sz="1600" dirty="0"/>
-              <a:t>  char* =  ‘abc’</a:t>
-            </a:r>
-          </a:p>
-          <a:p>
-            <a:r>
-              <a:rPr lang="nb-NO" sz="1600" dirty="0"/>
-              <a:t>}</a:t>
-            </a:r>
+              <a:t>  char* =  ‘abc</a:t>
+            </a:r>
+            <a:r>
+              <a:rPr lang="nb-NO" sz="1600" dirty="0" smtClean="0"/>
+              <a:t>’;</a:t>
+            </a:r>
+          </a:p>
+          <a:p>
+            <a:r>
+              <a:rPr lang="nb-NO" sz="1600" dirty="0" smtClean="0"/>
+              <a:t>};</a:t>
+            </a:r>
+            <a:endParaRPr lang="nb-NO" sz="1600" dirty="0"/>
           </a:p>
         </p:txBody>
       </p:sp>
@@ -8403,13 +8439,17 @@
           <a:p>
             <a:r>
               <a:rPr lang="nb-NO" sz="1600" dirty="0"/>
-              <a:t>  char* =  ‘abc’</a:t>
-            </a:r>
-          </a:p>
-          <a:p>
-            <a:r>
-              <a:rPr lang="nb-NO" sz="1600" dirty="0"/>
-              <a:t>}</a:t>
+              <a:t>  char* =  ‘abc</a:t>
+            </a:r>
+            <a:r>
+              <a:rPr lang="nb-NO" sz="1600" dirty="0" smtClean="0"/>
+              <a:t>’;</a:t>
+            </a:r>
+          </a:p>
+          <a:p>
+            <a:r>
+              <a:rPr lang="nb-NO" sz="1600" smtClean="0"/>
+              <a:t>};</a:t>
             </a:r>
           </a:p>
           <a:p>
@@ -8421,7 +8461,7 @@
     </p:spTree>
     <p:extLst>
       <p:ext uri="{BB962C8B-B14F-4D97-AF65-F5344CB8AC3E}">
-        <p14:creationId xmlns:p14="http://schemas.microsoft.com/office/powerpoint/2010/main" val="3312943398"/>
+        <p14:creationId xmlns:p14="http://schemas.microsoft.com/office/powerpoint/2010/main" xmlns:p="http://schemas.openxmlformats.org/presentationml/2006/main" xmlns:r="http://schemas.openxmlformats.org/officeDocument/2006/relationships" xmlns:a="http://schemas.openxmlformats.org/drawingml/2006/main" xmlns="" val="3312943398"/>
       </p:ext>
     </p:extLst>
   </p:cSld>

--- a/presentation/TDT4290_FinalPresentasjon.pptx
+++ b/presentation/TDT4290_FinalPresentasjon.pptx
@@ -1,8 +1,8 @@
 
 <file path=ppt/presentation.xml><?xml version="1.0" encoding="utf-8"?>
-<p:presentation xmlns:a="http://schemas.openxmlformats.org/drawingml/2006/main" xmlns:r="http://schemas.openxmlformats.org/officeDocument/2006/relationships" xmlns:mc="http://schemas.openxmlformats.org/markup-compatibility/2006" xmlns:mv="urn:schemas-microsoft-com:mac:vml" xmlns:p="http://schemas.openxmlformats.org/presentationml/2006/main" mc:Ignorable="mv" mc:PreserveAttributes="mv:*" saveSubsetFonts="1" autoCompressPictures="0">
+<p:presentation xmlns:a="http://schemas.openxmlformats.org/drawingml/2006/main" xmlns:r="http://schemas.openxmlformats.org/officeDocument/2006/relationships" xmlns:p="http://schemas.openxmlformats.org/presentationml/2006/main" saveSubsetFonts="1" autoCompressPictures="0">
   <p:sldMasterIdLst>
-    <p:sldMasterId r:id="rId1"/>
+    <p:sldMasterId id="2147483648" r:id="rId1"/>
   </p:sldMasterIdLst>
   <p:sldIdLst>
     <p:sldId id="256" r:id="rId2"/>
@@ -11,33 +11,42 @@
     <p:sldId id="258" r:id="rId5"/>
     <p:sldId id="279" r:id="rId6"/>
     <p:sldId id="259" r:id="rId7"/>
-    <p:sldId id="281" r:id="rId8"/>
-    <p:sldId id="265" r:id="rId9"/>
-    <p:sldId id="260" r:id="rId10"/>
-    <p:sldId id="261" r:id="rId11"/>
-    <p:sldId id="262" r:id="rId12"/>
-    <p:sldId id="266" r:id="rId13"/>
-    <p:sldId id="286" r:id="rId14"/>
-    <p:sldId id="287" r:id="rId15"/>
-    <p:sldId id="271" r:id="rId16"/>
-    <p:sldId id="282" r:id="rId17"/>
-    <p:sldId id="289" r:id="rId18"/>
-    <p:sldId id="290" r:id="rId19"/>
-    <p:sldId id="288" r:id="rId20"/>
-    <p:sldId id="291" r:id="rId21"/>
-    <p:sldId id="283" r:id="rId22"/>
-    <p:sldId id="284" r:id="rId23"/>
-    <p:sldId id="285" r:id="rId24"/>
-    <p:sldId id="267" r:id="rId25"/>
-    <p:sldId id="268" r:id="rId26"/>
-    <p:sldId id="269" r:id="rId27"/>
-    <p:sldId id="272" r:id="rId28"/>
-    <p:sldId id="273" r:id="rId29"/>
-    <p:sldId id="274" r:id="rId30"/>
-    <p:sldId id="275" r:id="rId31"/>
-    <p:sldId id="276" r:id="rId32"/>
-    <p:sldId id="277" r:id="rId33"/>
-    <p:sldId id="263" r:id="rId34"/>
+    <p:sldId id="260" r:id="rId8"/>
+    <p:sldId id="261" r:id="rId9"/>
+    <p:sldId id="281" r:id="rId10"/>
+    <p:sldId id="262" r:id="rId11"/>
+    <p:sldId id="266" r:id="rId12"/>
+    <p:sldId id="286" r:id="rId13"/>
+    <p:sldId id="287" r:id="rId14"/>
+    <p:sldId id="271" r:id="rId15"/>
+    <p:sldId id="282" r:id="rId16"/>
+    <p:sldId id="289" r:id="rId17"/>
+    <p:sldId id="290" r:id="rId18"/>
+    <p:sldId id="288" r:id="rId19"/>
+    <p:sldId id="291" r:id="rId20"/>
+    <p:sldId id="297" r:id="rId21"/>
+    <p:sldId id="292" r:id="rId22"/>
+    <p:sldId id="283" r:id="rId23"/>
+    <p:sldId id="295" r:id="rId24"/>
+    <p:sldId id="293" r:id="rId25"/>
+    <p:sldId id="294" r:id="rId26"/>
+    <p:sldId id="296" r:id="rId27"/>
+    <p:sldId id="284" r:id="rId28"/>
+    <p:sldId id="298" r:id="rId29"/>
+    <p:sldId id="300" r:id="rId30"/>
+    <p:sldId id="301" r:id="rId31"/>
+    <p:sldId id="285" r:id="rId32"/>
+    <p:sldId id="299" r:id="rId33"/>
+    <p:sldId id="267" r:id="rId34"/>
+    <p:sldId id="268" r:id="rId35"/>
+    <p:sldId id="269" r:id="rId36"/>
+    <p:sldId id="272" r:id="rId37"/>
+    <p:sldId id="273" r:id="rId38"/>
+    <p:sldId id="274" r:id="rId39"/>
+    <p:sldId id="275" r:id="rId40"/>
+    <p:sldId id="276" r:id="rId41"/>
+    <p:sldId id="277" r:id="rId42"/>
+    <p:sldId id="263" r:id="rId43"/>
   </p:sldIdLst>
   <p:sldSz cx="9144000" cy="6858000" type="screen4x3"/>
   <p:notesSz cx="6858000" cy="9144000"/>
@@ -140,7 +149,7 @@
 </file>
 
 <file path=ppt/slideLayouts/slideLayout1.xml><?xml version="1.0" encoding="utf-8"?>
-<p:sldLayout xmlns:a="http://schemas.openxmlformats.org/drawingml/2006/main" xmlns:r="http://schemas.openxmlformats.org/officeDocument/2006/relationships" xmlns:mc="http://schemas.openxmlformats.org/markup-compatibility/2006" xmlns:mv="urn:schemas-microsoft-com:mac:vml" xmlns:p="http://schemas.openxmlformats.org/presentationml/2006/main" mc:Ignorable="mv" mc:PreserveAttributes="mv:*" type="title" preserve="1">
+<p:sldLayout xmlns:a="http://schemas.openxmlformats.org/drawingml/2006/main" xmlns:r="http://schemas.openxmlformats.org/officeDocument/2006/relationships" xmlns:p="http://schemas.openxmlformats.org/presentationml/2006/main" type="title" preserve="1">
   <p:cSld name="Tittellysbilde">
     <p:spTree>
       <p:nvGrpSpPr>
@@ -423,7 +432,7 @@
             <a:fld id="{651A0C47-018D-4460-B945-BFF7981B6CA6}" type="datetimeFigureOut">
               <a:rPr lang="en-US" smtClean="0"/>
               <a:pPr/>
-              <a:t>11/18/11</a:t>
+              <a:t>11/20/2011</a:t>
             </a:fld>
             <a:endParaRPr lang="en-US"/>
           </a:p>
@@ -481,7 +490,7 @@
 </file>
 
 <file path=ppt/slideLayouts/slideLayout10.xml><?xml version="1.0" encoding="utf-8"?>
-<p:sldLayout xmlns:a="http://schemas.openxmlformats.org/drawingml/2006/main" xmlns:r="http://schemas.openxmlformats.org/officeDocument/2006/relationships" xmlns:mc="http://schemas.openxmlformats.org/markup-compatibility/2006" xmlns:mv="urn:schemas-microsoft-com:mac:vml" xmlns:p="http://schemas.openxmlformats.org/presentationml/2006/main" mc:Ignorable="mv" mc:PreserveAttributes="mv:*" preserve="1">
+<p:sldLayout xmlns:a="http://schemas.openxmlformats.org/drawingml/2006/main" xmlns:r="http://schemas.openxmlformats.org/officeDocument/2006/relationships" xmlns:p="http://schemas.openxmlformats.org/presentationml/2006/main" preserve="1">
   <p:cSld name="Bilde med tekst">
     <p:spTree>
       <p:nvGrpSpPr>
@@ -617,7 +626,7 @@
             <a:fld id="{EFF1E1C4-020C-3C49-82E1-601ABE71F045}" type="datetimeFigureOut">
               <a:rPr lang="nb-NO" smtClean="0"/>
               <a:pPr/>
-              <a:t>11/18/11</a:t>
+              <a:t>20.11.2011</a:t>
             </a:fld>
             <a:endParaRPr lang="nb-NO"/>
           </a:p>
@@ -775,7 +784,7 @@
 </file>
 
 <file path=ppt/slideLayouts/slideLayout11.xml><?xml version="1.0" encoding="utf-8"?>
-<p:sldLayout xmlns:a="http://schemas.openxmlformats.org/drawingml/2006/main" xmlns:r="http://schemas.openxmlformats.org/officeDocument/2006/relationships" xmlns:mc="http://schemas.openxmlformats.org/markup-compatibility/2006" xmlns:mv="urn:schemas-microsoft-com:mac:vml" xmlns:p="http://schemas.openxmlformats.org/presentationml/2006/main" mc:Ignorable="mv" mc:PreserveAttributes="mv:*" type="vertTx" preserve="1">
+<p:sldLayout xmlns:a="http://schemas.openxmlformats.org/drawingml/2006/main" xmlns:r="http://schemas.openxmlformats.org/officeDocument/2006/relationships" xmlns:p="http://schemas.openxmlformats.org/presentationml/2006/main" type="vertTx" preserve="1">
   <p:cSld name="Loddrett tekst">
     <p:spTree>
       <p:nvGrpSpPr>
@@ -888,7 +897,7 @@
             <a:fld id="{EFF1E1C4-020C-3C49-82E1-601ABE71F045}" type="datetimeFigureOut">
               <a:rPr lang="nb-NO" smtClean="0"/>
               <a:pPr/>
-              <a:t>11/18/11</a:t>
+              <a:t>20.11.2011</a:t>
             </a:fld>
             <a:endParaRPr lang="nb-NO"/>
           </a:p>
@@ -946,7 +955,7 @@
 </file>
 
 <file path=ppt/slideLayouts/slideLayout12.xml><?xml version="1.0" encoding="utf-8"?>
-<p:sldLayout xmlns:a="http://schemas.openxmlformats.org/drawingml/2006/main" xmlns:r="http://schemas.openxmlformats.org/officeDocument/2006/relationships" xmlns:mc="http://schemas.openxmlformats.org/markup-compatibility/2006" xmlns:mv="urn:schemas-microsoft-com:mac:vml" xmlns:p="http://schemas.openxmlformats.org/presentationml/2006/main" mc:Ignorable="mv" mc:PreserveAttributes="mv:*" type="vertTitleAndTx" preserve="1">
+<p:sldLayout xmlns:a="http://schemas.openxmlformats.org/drawingml/2006/main" xmlns:r="http://schemas.openxmlformats.org/officeDocument/2006/relationships" xmlns:p="http://schemas.openxmlformats.org/presentationml/2006/main" type="vertTitleAndTx" preserve="1">
   <p:cSld name="Loddrett tittel og tekst">
     <p:spTree>
       <p:nvGrpSpPr>
@@ -1069,7 +1078,7 @@
             <a:fld id="{EFF1E1C4-020C-3C49-82E1-601ABE71F045}" type="datetimeFigureOut">
               <a:rPr lang="nb-NO" smtClean="0"/>
               <a:pPr/>
-              <a:t>11/18/11</a:t>
+              <a:t>20.11.2011</a:t>
             </a:fld>
             <a:endParaRPr lang="nb-NO"/>
           </a:p>
@@ -1127,7 +1136,7 @@
 </file>
 
 <file path=ppt/slideLayouts/slideLayout2.xml><?xml version="1.0" encoding="utf-8"?>
-<p:sldLayout xmlns:a="http://schemas.openxmlformats.org/drawingml/2006/main" xmlns:r="http://schemas.openxmlformats.org/officeDocument/2006/relationships" xmlns:mc="http://schemas.openxmlformats.org/markup-compatibility/2006" xmlns:mv="urn:schemas-microsoft-com:mac:vml" xmlns:p="http://schemas.openxmlformats.org/presentationml/2006/main" mc:Ignorable="mv" mc:PreserveAttributes="mv:*" type="obj" preserve="1">
+<p:sldLayout xmlns:a="http://schemas.openxmlformats.org/drawingml/2006/main" xmlns:r="http://schemas.openxmlformats.org/officeDocument/2006/relationships" xmlns:p="http://schemas.openxmlformats.org/presentationml/2006/main" type="obj" preserve="1">
   <p:cSld name="Tittel og innhold">
     <p:spTree>
       <p:nvGrpSpPr>
@@ -1240,7 +1249,7 @@
             <a:fld id="{EFF1E1C4-020C-3C49-82E1-601ABE71F045}" type="datetimeFigureOut">
               <a:rPr lang="nb-NO" smtClean="0"/>
               <a:pPr/>
-              <a:t>11/18/11</a:t>
+              <a:t>20.11.2011</a:t>
             </a:fld>
             <a:endParaRPr lang="nb-NO"/>
           </a:p>
@@ -1298,7 +1307,7 @@
 </file>
 
 <file path=ppt/slideLayouts/slideLayout3.xml><?xml version="1.0" encoding="utf-8"?>
-<p:sldLayout xmlns:a="http://schemas.openxmlformats.org/drawingml/2006/main" xmlns:r="http://schemas.openxmlformats.org/officeDocument/2006/relationships" xmlns:mc="http://schemas.openxmlformats.org/markup-compatibility/2006" xmlns:mv="urn:schemas-microsoft-com:mac:vml" xmlns:p="http://schemas.openxmlformats.org/presentationml/2006/main" mc:Ignorable="mv" mc:PreserveAttributes="mv:*" preserve="1">
+<p:sldLayout xmlns:a="http://schemas.openxmlformats.org/drawingml/2006/main" xmlns:r="http://schemas.openxmlformats.org/officeDocument/2006/relationships" xmlns:p="http://schemas.openxmlformats.org/presentationml/2006/main" preserve="1">
   <p:cSld name="Tittellysbilde med bilde">
     <p:spTree>
       <p:nvGrpSpPr>
@@ -1484,7 +1493,7 @@
             <a:fld id="{EFF1E1C4-020C-3C49-82E1-601ABE71F045}" type="datetimeFigureOut">
               <a:rPr lang="nb-NO" smtClean="0"/>
               <a:pPr/>
-              <a:t>11/18/11</a:t>
+              <a:t>20.11.2011</a:t>
             </a:fld>
             <a:endParaRPr lang="nb-NO"/>
           </a:p>
@@ -1619,7 +1628,7 @@
 </file>
 
 <file path=ppt/slideLayouts/slideLayout4.xml><?xml version="1.0" encoding="utf-8"?>
-<p:sldLayout xmlns:a="http://schemas.openxmlformats.org/drawingml/2006/main" xmlns:r="http://schemas.openxmlformats.org/officeDocument/2006/relationships" xmlns:mc="http://schemas.openxmlformats.org/markup-compatibility/2006" xmlns:mv="urn:schemas-microsoft-com:mac:vml" xmlns:p="http://schemas.openxmlformats.org/presentationml/2006/main" mc:Ignorable="mv" mc:PreserveAttributes="mv:*" type="secHead" preserve="1">
+<p:sldLayout xmlns:a="http://schemas.openxmlformats.org/drawingml/2006/main" xmlns:r="http://schemas.openxmlformats.org/officeDocument/2006/relationships" xmlns:p="http://schemas.openxmlformats.org/presentationml/2006/main" type="secHead" preserve="1">
   <p:cSld name="Inndelingsoverskrift">
     <p:spTree>
       <p:nvGrpSpPr>
@@ -1809,7 +1818,7 @@
             <a:fld id="{651A0C47-018D-4460-B945-BFF7981B6CA6}" type="datetimeFigureOut">
               <a:rPr lang="en-US" smtClean="0"/>
               <a:pPr/>
-              <a:t>11/18/11</a:t>
+              <a:t>11/20/2011</a:t>
             </a:fld>
             <a:endParaRPr lang="en-US"/>
           </a:p>
@@ -1867,7 +1876,7 @@
 </file>
 
 <file path=ppt/slideLayouts/slideLayout5.xml><?xml version="1.0" encoding="utf-8"?>
-<p:sldLayout xmlns:a="http://schemas.openxmlformats.org/drawingml/2006/main" xmlns:r="http://schemas.openxmlformats.org/officeDocument/2006/relationships" xmlns:mc="http://schemas.openxmlformats.org/markup-compatibility/2006" xmlns:mv="urn:schemas-microsoft-com:mac:vml" xmlns:p="http://schemas.openxmlformats.org/presentationml/2006/main" mc:Ignorable="mv" mc:PreserveAttributes="mv:*" type="twoObj" preserve="1">
+<p:sldLayout xmlns:a="http://schemas.openxmlformats.org/drawingml/2006/main" xmlns:r="http://schemas.openxmlformats.org/officeDocument/2006/relationships" xmlns:p="http://schemas.openxmlformats.org/presentationml/2006/main" type="twoObj" preserve="1">
   <p:cSld name="To innholdsdeler">
     <p:spTree>
       <p:nvGrpSpPr>
@@ -2109,7 +2118,7 @@
             <a:fld id="{EFF1E1C4-020C-3C49-82E1-601ABE71F045}" type="datetimeFigureOut">
               <a:rPr lang="nb-NO" smtClean="0"/>
               <a:pPr/>
-              <a:t>11/18/11</a:t>
+              <a:t>20.11.2011</a:t>
             </a:fld>
             <a:endParaRPr lang="nb-NO"/>
           </a:p>
@@ -2167,7 +2176,7 @@
 </file>
 
 <file path=ppt/slideLayouts/slideLayout6.xml><?xml version="1.0" encoding="utf-8"?>
-<p:sldLayout xmlns:a="http://schemas.openxmlformats.org/drawingml/2006/main" xmlns:r="http://schemas.openxmlformats.org/officeDocument/2006/relationships" xmlns:mc="http://schemas.openxmlformats.org/markup-compatibility/2006" xmlns:mv="urn:schemas-microsoft-com:mac:vml" xmlns:p="http://schemas.openxmlformats.org/presentationml/2006/main" mc:Ignorable="mv" mc:PreserveAttributes="mv:*" type="twoTxTwoObj" preserve="1">
+<p:sldLayout xmlns:a="http://schemas.openxmlformats.org/drawingml/2006/main" xmlns:r="http://schemas.openxmlformats.org/officeDocument/2006/relationships" xmlns:p="http://schemas.openxmlformats.org/presentationml/2006/main" type="twoTxTwoObj" preserve="1">
   <p:cSld name="Sammenligning">
     <p:spTree>
       <p:nvGrpSpPr>
@@ -2567,7 +2576,7 @@
             <a:fld id="{EFF1E1C4-020C-3C49-82E1-601ABE71F045}" type="datetimeFigureOut">
               <a:rPr lang="nb-NO" smtClean="0"/>
               <a:pPr/>
-              <a:t>11/18/11</a:t>
+              <a:t>20.11.2011</a:t>
             </a:fld>
             <a:endParaRPr lang="nb-NO"/>
           </a:p>
@@ -2625,7 +2634,7 @@
 </file>
 
 <file path=ppt/slideLayouts/slideLayout7.xml><?xml version="1.0" encoding="utf-8"?>
-<p:sldLayout xmlns:a="http://schemas.openxmlformats.org/drawingml/2006/main" xmlns:r="http://schemas.openxmlformats.org/officeDocument/2006/relationships" xmlns:mc="http://schemas.openxmlformats.org/markup-compatibility/2006" xmlns:mv="urn:schemas-microsoft-com:mac:vml" xmlns:p="http://schemas.openxmlformats.org/presentationml/2006/main" mc:Ignorable="mv" mc:PreserveAttributes="mv:*" type="titleOnly" preserve="1">
+<p:sldLayout xmlns:a="http://schemas.openxmlformats.org/drawingml/2006/main" xmlns:r="http://schemas.openxmlformats.org/officeDocument/2006/relationships" xmlns:p="http://schemas.openxmlformats.org/presentationml/2006/main" type="titleOnly" preserve="1">
   <p:cSld name="Bare tittel">
     <p:spTree>
       <p:nvGrpSpPr>
@@ -2682,7 +2691,7 @@
             <a:fld id="{EFF1E1C4-020C-3C49-82E1-601ABE71F045}" type="datetimeFigureOut">
               <a:rPr lang="nb-NO" smtClean="0"/>
               <a:pPr/>
-              <a:t>11/18/11</a:t>
+              <a:t>20.11.2011</a:t>
             </a:fld>
             <a:endParaRPr lang="nb-NO"/>
           </a:p>
@@ -2740,7 +2749,7 @@
 </file>
 
 <file path=ppt/slideLayouts/slideLayout8.xml><?xml version="1.0" encoding="utf-8"?>
-<p:sldLayout xmlns:a="http://schemas.openxmlformats.org/drawingml/2006/main" xmlns:r="http://schemas.openxmlformats.org/officeDocument/2006/relationships" xmlns:mc="http://schemas.openxmlformats.org/markup-compatibility/2006" xmlns:mv="urn:schemas-microsoft-com:mac:vml" xmlns:p="http://schemas.openxmlformats.org/presentationml/2006/main" mc:Ignorable="mv" mc:PreserveAttributes="mv:*" type="blank" preserve="1">
+<p:sldLayout xmlns:a="http://schemas.openxmlformats.org/drawingml/2006/main" xmlns:r="http://schemas.openxmlformats.org/officeDocument/2006/relationships" xmlns:p="http://schemas.openxmlformats.org/presentationml/2006/main" type="blank" preserve="1">
   <p:cSld name="Tom">
     <p:spTree>
       <p:nvGrpSpPr>
@@ -2774,7 +2783,7 @@
             <a:fld id="{EFF1E1C4-020C-3C49-82E1-601ABE71F045}" type="datetimeFigureOut">
               <a:rPr lang="nb-NO" smtClean="0"/>
               <a:pPr/>
-              <a:t>11/18/11</a:t>
+              <a:t>20.11.2011</a:t>
             </a:fld>
             <a:endParaRPr lang="nb-NO"/>
           </a:p>
@@ -2832,7 +2841,7 @@
 </file>
 
 <file path=ppt/slideLayouts/slideLayout9.xml><?xml version="1.0" encoding="utf-8"?>
-<p:sldLayout xmlns:a="http://schemas.openxmlformats.org/drawingml/2006/main" xmlns:r="http://schemas.openxmlformats.org/officeDocument/2006/relationships" xmlns:mc="http://schemas.openxmlformats.org/markup-compatibility/2006" xmlns:mv="urn:schemas-microsoft-com:mac:vml" xmlns:p="http://schemas.openxmlformats.org/presentationml/2006/main" mc:Ignorable="mv" mc:PreserveAttributes="mv:*" type="objTx" preserve="1">
+<p:sldLayout xmlns:a="http://schemas.openxmlformats.org/drawingml/2006/main" xmlns:r="http://schemas.openxmlformats.org/officeDocument/2006/relationships" xmlns:p="http://schemas.openxmlformats.org/presentationml/2006/main" type="objTx" preserve="1">
   <p:cSld name="Innhold med tekst">
     <p:spTree>
       <p:nvGrpSpPr>
@@ -3058,7 +3067,7 @@
             <a:fld id="{EFF1E1C4-020C-3C49-82E1-601ABE71F045}" type="datetimeFigureOut">
               <a:rPr lang="nb-NO" smtClean="0"/>
               <a:pPr/>
-              <a:t>11/18/11</a:t>
+              <a:t>20.11.2011</a:t>
             </a:fld>
             <a:endParaRPr lang="nb-NO"/>
           </a:p>
@@ -3116,7 +3125,7 @@
 </file>
 
 <file path=ppt/slideMasters/slideMaster1.xml><?xml version="1.0" encoding="utf-8"?>
-<p:sldMaster xmlns:a="http://schemas.openxmlformats.org/drawingml/2006/main" xmlns:r="http://schemas.openxmlformats.org/officeDocument/2006/relationships" xmlns:mc="http://schemas.openxmlformats.org/markup-compatibility/2006" xmlns:mv="urn:schemas-microsoft-com:mac:vml" xmlns:p="http://schemas.openxmlformats.org/presentationml/2006/main" mc:Ignorable="mv" mc:PreserveAttributes="mv:*">
+<p:sldMaster xmlns:a="http://schemas.openxmlformats.org/drawingml/2006/main" xmlns:r="http://schemas.openxmlformats.org/officeDocument/2006/relationships" xmlns:p="http://schemas.openxmlformats.org/presentationml/2006/main">
   <p:cSld>
     <p:bg>
       <p:bgRef idx="1003">
@@ -3266,7 +3275,7 @@
             <a:fld id="{EFF1E1C4-020C-3C49-82E1-601ABE71F045}" type="datetimeFigureOut">
               <a:rPr lang="nb-NO" smtClean="0"/>
               <a:pPr/>
-              <a:t>11/18/11</a:t>
+              <a:t>20.11.2011</a:t>
             </a:fld>
             <a:endParaRPr lang="nb-NO"/>
           </a:p>
@@ -3351,18 +3360,18 @@
   </p:cSld>
   <p:clrMap bg1="lt1" tx1="dk1" bg2="lt2" tx2="dk2" accent1="accent1" accent2="accent2" accent3="accent3" accent4="accent4" accent5="accent5" accent6="accent6" hlink="hlink" folHlink="folHlink"/>
   <p:sldLayoutIdLst>
-    <p:sldLayoutId r:id="rId1"/>
-    <p:sldLayoutId r:id="rId2"/>
-    <p:sldLayoutId r:id="rId3"/>
-    <p:sldLayoutId r:id="rId4"/>
-    <p:sldLayoutId r:id="rId5"/>
-    <p:sldLayoutId r:id="rId6"/>
-    <p:sldLayoutId r:id="rId7"/>
-    <p:sldLayoutId r:id="rId8"/>
-    <p:sldLayoutId r:id="rId9"/>
-    <p:sldLayoutId r:id="rId10"/>
-    <p:sldLayoutId r:id="rId11"/>
-    <p:sldLayoutId r:id="rId12"/>
+    <p:sldLayoutId id="2147483649" r:id="rId1"/>
+    <p:sldLayoutId id="2147483650" r:id="rId2"/>
+    <p:sldLayoutId id="2147483651" r:id="rId3"/>
+    <p:sldLayoutId id="2147483652" r:id="rId4"/>
+    <p:sldLayoutId id="2147483653" r:id="rId5"/>
+    <p:sldLayoutId id="2147483654" r:id="rId6"/>
+    <p:sldLayoutId id="2147483655" r:id="rId7"/>
+    <p:sldLayoutId id="2147483656" r:id="rId8"/>
+    <p:sldLayoutId id="2147483657" r:id="rId9"/>
+    <p:sldLayoutId id="2147483658" r:id="rId10"/>
+    <p:sldLayoutId id="2147483659" r:id="rId11"/>
+    <p:sldLayoutId id="2147483660" r:id="rId12"/>
   </p:sldLayoutIdLst>
   <p:txStyles>
     <p:titleStyle>
@@ -3700,7 +3709,7 @@
 </file>
 
 <file path=ppt/slides/slide1.xml><?xml version="1.0" encoding="utf-8"?>
-<p:sld xmlns:a="http://schemas.openxmlformats.org/drawingml/2006/main" xmlns:r="http://schemas.openxmlformats.org/officeDocument/2006/relationships" xmlns:mc="http://schemas.openxmlformats.org/markup-compatibility/2006" xmlns:mv="urn:schemas-microsoft-com:mac:vml" xmlns:p="http://schemas.openxmlformats.org/presentationml/2006/main" mc:Ignorable="mv" mc:PreserveAttributes="mv:*">
+<p:sld xmlns:a="http://schemas.openxmlformats.org/drawingml/2006/main" xmlns:r="http://schemas.openxmlformats.org/officeDocument/2006/relationships" xmlns:p="http://schemas.openxmlformats.org/presentationml/2006/main">
   <p:cSld>
     <p:spTree>
       <p:nvGrpSpPr>
@@ -3776,7 +3785,7 @@
           <a:blip r:embed="rId2">
             <a:extLst>
               <a:ext uri="{28A0092B-C50C-407E-A947-70E740481C1C}">
-                <a14:useLocalDpi xmlns:a14="http://schemas.microsoft.com/office/drawing/2010/main" xmlns:p="http://schemas.openxmlformats.org/presentationml/2006/main" xmlns:r="http://schemas.openxmlformats.org/officeDocument/2006/relationships" xmlns:a="http://schemas.openxmlformats.org/drawingml/2006/main" xmlns="" val="0"/>
+                <a14:useLocalDpi xmlns:a14="http://schemas.microsoft.com/office/drawing/2010/main" val="0"/>
               </a:ext>
             </a:extLst>
           </a:blip>
@@ -3794,7 +3803,7 @@
     </p:spTree>
     <p:extLst>
       <p:ext uri="{BB962C8B-B14F-4D97-AF65-F5344CB8AC3E}">
-        <p14:creationId xmlns:p14="http://schemas.microsoft.com/office/powerpoint/2010/main" xmlns:p="http://schemas.openxmlformats.org/presentationml/2006/main" xmlns:r="http://schemas.openxmlformats.org/officeDocument/2006/relationships" xmlns:a="http://schemas.openxmlformats.org/drawingml/2006/main" xmlns="" val="3572607347"/>
+        <p14:creationId xmlns:p14="http://schemas.microsoft.com/office/powerpoint/2010/main" val="3572607347"/>
       </p:ext>
     </p:extLst>
   </p:cSld>
@@ -3815,7 +3824,7 @@
 </file>
 
 <file path=ppt/slides/slide10.xml><?xml version="1.0" encoding="utf-8"?>
-<p:sld xmlns:a="http://schemas.openxmlformats.org/drawingml/2006/main" xmlns:r="http://schemas.openxmlformats.org/officeDocument/2006/relationships" xmlns:mc="http://schemas.openxmlformats.org/markup-compatibility/2006" xmlns:mv="urn:schemas-microsoft-com:mac:vml" xmlns:p="http://schemas.openxmlformats.org/presentationml/2006/main" mc:Ignorable="mv" mc:PreserveAttributes="mv:*">
+<p:sld xmlns:a="http://schemas.openxmlformats.org/drawingml/2006/main" xmlns:r="http://schemas.openxmlformats.org/officeDocument/2006/relationships" xmlns:p="http://schemas.openxmlformats.org/presentationml/2006/main">
   <p:cSld>
     <p:spTree>
       <p:nvGrpSpPr>
@@ -3848,7 +3857,15 @@
           <a:p>
             <a:r>
               <a:rPr lang="nb-NO" dirty="0" smtClean="0"/>
-              <a:t>Dissectors</a:t>
+              <a:t>The </a:t>
+            </a:r>
+            <a:r>
+              <a:rPr lang="nb-NO" dirty="0"/>
+              <a:t>T</a:t>
+            </a:r>
+            <a:r>
+              <a:rPr lang="nb-NO" dirty="0" smtClean="0"/>
+              <a:t>ask</a:t>
             </a:r>
             <a:endParaRPr lang="nb-NO" dirty="0"/>
           </a:p>
@@ -3871,50 +3888,71 @@
           <a:p>
             <a:r>
               <a:rPr lang="nb-NO" dirty="0" smtClean="0"/>
-              <a:t>Wireshark can be extended with dissectors.</a:t>
-            </a:r>
-          </a:p>
-          <a:p>
-            <a:r>
-              <a:rPr lang="nb-NO" dirty="0" smtClean="0"/>
-              <a:t>A dissector knows the structure of the message</a:t>
-            </a:r>
-            <a:r>
-              <a:rPr lang="nb-NO" dirty="0"/>
-              <a:t> </a:t>
-            </a:r>
-            <a:r>
-              <a:rPr lang="nb-NO" dirty="0" smtClean="0"/>
-              <a:t>and and can represent it beautifully.</a:t>
-            </a:r>
-          </a:p>
-          <a:p>
-            <a:r>
-              <a:rPr lang="nb-NO" dirty="0" smtClean="0"/>
-              <a:t>Takes from 15 minutes – 1 hour to make.</a:t>
-            </a:r>
-          </a:p>
-          <a:p>
-            <a:r>
-              <a:rPr lang="nb-NO" dirty="0" smtClean="0"/>
-              <a:t>Hard or and tideous for large and complex structs.</a:t>
-            </a:r>
-          </a:p>
-          <a:p>
-            <a:r>
-              <a:rPr lang="nb-NO" dirty="0" smtClean="0"/>
-              <a:t>Requires knowledge about C memory layout and Wireshark API.</a:t>
-            </a:r>
-          </a:p>
-          <a:p>
-            <a:endParaRPr lang="nb-NO" dirty="0"/>
+              <a:t>Thales current</a:t>
+            </a:r>
+            <a:r>
+              <a:rPr lang="en-GB" dirty="0" smtClean="0"/>
+              <a:t>ly has 3000 C header files containing struct defintitions.</a:t>
+            </a:r>
+          </a:p>
+          <a:p>
+            <a:r>
+              <a:rPr lang="nb-NO" dirty="0" smtClean="0"/>
+              <a:t>Writing dissectors by hand too time consuming.</a:t>
+            </a:r>
+          </a:p>
+          <a:p>
+            <a:r>
+              <a:rPr lang="nb-NO" dirty="0" smtClean="0"/>
+              <a:t>Therefore they want a utility that can:</a:t>
+            </a:r>
+          </a:p>
+          <a:p>
+            <a:pPr marL="806450" lvl="1" indent="-457200">
+              <a:buFont typeface="+mj-lt"/>
+              <a:buAutoNum type="arabicPeriod"/>
+            </a:pPr>
+            <a:r>
+              <a:rPr lang="nb-NO" dirty="0" smtClean="0"/>
+              <a:t>Read the header files.</a:t>
+            </a:r>
+          </a:p>
+          <a:p>
+            <a:pPr marL="806450" lvl="1" indent="-457200">
+              <a:buFont typeface="+mj-lt"/>
+              <a:buAutoNum type="arabicPeriod"/>
+            </a:pPr>
+            <a:r>
+              <a:rPr lang="nb-NO" dirty="0" smtClean="0"/>
+              <a:t>Find the struct definitions.</a:t>
+            </a:r>
+          </a:p>
+          <a:p>
+            <a:pPr marL="806450" lvl="1" indent="-457200">
+              <a:buFont typeface="+mj-lt"/>
+              <a:buAutoNum type="arabicPeriod"/>
+            </a:pPr>
+            <a:r>
+              <a:rPr lang="nb-NO" dirty="0" smtClean="0"/>
+              <a:t>Generate dissectors for these dissectors.</a:t>
+            </a:r>
+          </a:p>
+          <a:p>
+            <a:pPr marL="806450" lvl="1" indent="-457200">
+              <a:buFont typeface="+mj-lt"/>
+              <a:buAutoNum type="arabicPeriod"/>
+            </a:pPr>
+            <a:r>
+              <a:rPr lang="nb-NO" dirty="0" smtClean="0"/>
+              <a:t>Be able to configure extra semantics for certain structs and struct members.</a:t>
+            </a:r>
           </a:p>
         </p:txBody>
       </p:sp>
     </p:spTree>
     <p:extLst>
       <p:ext uri="{BB962C8B-B14F-4D97-AF65-F5344CB8AC3E}">
-        <p14:creationId xmlns:p14="http://schemas.microsoft.com/office/powerpoint/2010/main" xmlns:p="http://schemas.openxmlformats.org/presentationml/2006/main" xmlns:r="http://schemas.openxmlformats.org/officeDocument/2006/relationships" xmlns:a="http://schemas.openxmlformats.org/drawingml/2006/main" xmlns="" val="2832160107"/>
+        <p14:creationId xmlns:p14="http://schemas.microsoft.com/office/powerpoint/2010/main" val="3124880485"/>
       </p:ext>
     </p:extLst>
   </p:cSld>
@@ -3935,7 +3973,7 @@
 </file>
 
 <file path=ppt/slides/slide11.xml><?xml version="1.0" encoding="utf-8"?>
-<p:sld xmlns:a="http://schemas.openxmlformats.org/drawingml/2006/main" xmlns:r="http://schemas.openxmlformats.org/officeDocument/2006/relationships" xmlns:mc="http://schemas.openxmlformats.org/markup-compatibility/2006" xmlns:mv="urn:schemas-microsoft-com:mac:vml" xmlns:p="http://schemas.openxmlformats.org/presentationml/2006/main" mc:Ignorable="mv" mc:PreserveAttributes="mv:*">
+<p:sld xmlns:a="http://schemas.openxmlformats.org/drawingml/2006/main" xmlns:r="http://schemas.openxmlformats.org/officeDocument/2006/relationships" xmlns:p="http://schemas.openxmlformats.org/presentationml/2006/main">
   <p:cSld>
     <p:spTree>
       <p:nvGrpSpPr>
@@ -3967,18 +4005,10 @@
           <a:lstStyle/>
           <a:p>
             <a:r>
-              <a:rPr lang="nb-NO" dirty="0" smtClean="0"/>
-              <a:t>The </a:t>
-            </a:r>
-            <a:r>
-              <a:rPr lang="nb-NO" dirty="0"/>
-              <a:t>T</a:t>
-            </a:r>
-            <a:r>
-              <a:rPr lang="nb-NO" dirty="0" smtClean="0"/>
-              <a:t>ask</a:t>
-            </a:r>
-            <a:endParaRPr lang="nb-NO" dirty="0"/>
+              <a:rPr lang="en-GB" dirty="0" smtClean="0"/>
+              <a:t>Pre-study</a:t>
+            </a:r>
+            <a:endParaRPr lang="en-GB" dirty="0"/>
           </a:p>
         </p:txBody>
       </p:sp>
@@ -3998,72 +4028,118 @@
           <a:lstStyle/>
           <a:p>
             <a:r>
-              <a:rPr lang="nb-NO" dirty="0" smtClean="0"/>
-              <a:t>Thales current</a:t>
-            </a:r>
-            <a:r>
               <a:rPr lang="en-GB" dirty="0" smtClean="0"/>
-              <a:t>ly has 3000 C header files containing struct defintitions.</a:t>
-            </a:r>
-          </a:p>
-          <a:p>
-            <a:r>
-              <a:rPr lang="nb-NO" dirty="0" smtClean="0"/>
-              <a:t>Writing dissectors by hand too time consuming.</a:t>
-            </a:r>
-          </a:p>
-          <a:p>
-            <a:r>
-              <a:rPr lang="nb-NO" dirty="0" smtClean="0"/>
-              <a:t>Therefore they want a utility that can:</a:t>
-            </a:r>
-          </a:p>
-          <a:p>
-            <a:pPr marL="806450" lvl="1" indent="-457200">
-              <a:buFont typeface="+mj-lt"/>
-              <a:buAutoNum type="arabicPeriod"/>
-            </a:pPr>
-            <a:r>
-              <a:rPr lang="nb-NO" dirty="0" smtClean="0"/>
-              <a:t>Read the header files.</a:t>
-            </a:r>
-          </a:p>
-          <a:p>
-            <a:pPr marL="806450" lvl="1" indent="-457200">
-              <a:buFont typeface="+mj-lt"/>
-              <a:buAutoNum type="arabicPeriod"/>
-            </a:pPr>
-            <a:r>
-              <a:rPr lang="nb-NO" dirty="0" smtClean="0"/>
-              <a:t>Find the struct definitions.</a:t>
-            </a:r>
-          </a:p>
-          <a:p>
-            <a:pPr marL="806450" lvl="1" indent="-457200">
-              <a:buFont typeface="+mj-lt"/>
-              <a:buAutoNum type="arabicPeriod"/>
-            </a:pPr>
-            <a:r>
-              <a:rPr lang="nb-NO" dirty="0" smtClean="0"/>
-              <a:t>Generate dissectors for these dissectors.</a:t>
-            </a:r>
-          </a:p>
-          <a:p>
-            <a:pPr marL="806450" lvl="1" indent="-457200">
-              <a:buFont typeface="+mj-lt"/>
-              <a:buAutoNum type="arabicPeriod"/>
-            </a:pPr>
-            <a:r>
-              <a:rPr lang="nb-NO" dirty="0" smtClean="0"/>
-              <a:t>Be able to configure extra semantics for certain structs and struct members.</a:t>
-            </a:r>
+              <a:t>Reading C headers requires something like a pre-processor and a parser.</a:t>
+            </a:r>
+          </a:p>
+          <a:p>
+            <a:r>
+              <a:rPr lang="nb-NO" dirty="0" err="1" smtClean="0"/>
+              <a:t>Configuration</a:t>
+            </a:r>
+            <a:r>
+              <a:rPr lang="nb-NO" dirty="0" smtClean="0"/>
+              <a:t> </a:t>
+            </a:r>
+            <a:r>
+              <a:rPr lang="nb-NO" dirty="0" err="1" smtClean="0"/>
+              <a:t>also</a:t>
+            </a:r>
+            <a:r>
+              <a:rPr lang="nb-NO" dirty="0" smtClean="0"/>
+              <a:t> </a:t>
+            </a:r>
+            <a:r>
+              <a:rPr lang="nb-NO" dirty="0" err="1" smtClean="0"/>
+              <a:t>needs</a:t>
+            </a:r>
+            <a:r>
+              <a:rPr lang="nb-NO" dirty="0" smtClean="0"/>
+              <a:t> a parser, </a:t>
+            </a:r>
+            <a:r>
+              <a:rPr lang="nb-NO" dirty="0" err="1" smtClean="0"/>
+              <a:t>along</a:t>
+            </a:r>
+            <a:r>
+              <a:rPr lang="nb-NO" dirty="0" smtClean="0"/>
+              <a:t> </a:t>
+            </a:r>
+            <a:r>
+              <a:rPr lang="nb-NO" dirty="0" err="1" smtClean="0"/>
+              <a:t>with</a:t>
+            </a:r>
+            <a:r>
+              <a:rPr lang="nb-NO" dirty="0" smtClean="0"/>
+              <a:t> a format.</a:t>
+            </a:r>
+          </a:p>
+          <a:p>
+            <a:r>
+              <a:rPr lang="nb-NO" dirty="0" smtClean="0"/>
+              <a:t>Programming </a:t>
+            </a:r>
+            <a:r>
+              <a:rPr lang="nb-NO" dirty="0" err="1" smtClean="0"/>
+              <a:t>language</a:t>
+            </a:r>
+            <a:r>
+              <a:rPr lang="nb-NO" dirty="0" smtClean="0"/>
+              <a:t>.</a:t>
+            </a:r>
+          </a:p>
+          <a:p>
+            <a:r>
+              <a:rPr lang="nb-NO" dirty="0" err="1" smtClean="0"/>
+              <a:t>We</a:t>
+            </a:r>
+            <a:r>
+              <a:rPr lang="nb-NO" dirty="0" smtClean="0"/>
+              <a:t> </a:t>
+            </a:r>
+            <a:r>
+              <a:rPr lang="nb-NO" dirty="0" err="1" smtClean="0"/>
+              <a:t>needed</a:t>
+            </a:r>
+            <a:r>
+              <a:rPr lang="nb-NO" dirty="0" smtClean="0"/>
+              <a:t> to </a:t>
+            </a:r>
+            <a:r>
+              <a:rPr lang="nb-NO" dirty="0" err="1" smtClean="0"/>
+              <a:t>choose</a:t>
+            </a:r>
+            <a:r>
+              <a:rPr lang="nb-NO" dirty="0" smtClean="0"/>
+              <a:t> a </a:t>
+            </a:r>
+            <a:r>
+              <a:rPr lang="nb-NO" dirty="0" err="1" smtClean="0"/>
+              <a:t>development</a:t>
+            </a:r>
+            <a:r>
+              <a:rPr lang="nb-NO" dirty="0" smtClean="0"/>
+              <a:t> </a:t>
+            </a:r>
+            <a:r>
+              <a:rPr lang="nb-NO" dirty="0" err="1" smtClean="0"/>
+              <a:t>methodology</a:t>
+            </a:r>
+            <a:r>
+              <a:rPr lang="nb-NO" dirty="0" smtClean="0"/>
+              <a:t>.</a:t>
+            </a:r>
+            <a:endParaRPr lang="en-GB" dirty="0" smtClean="0"/>
+          </a:p>
+          <a:p>
+            <a:endParaRPr lang="en-GB" dirty="0"/>
           </a:p>
         </p:txBody>
       </p:sp>
     </p:spTree>
     <p:extLst>
       <p:ext uri="{BB962C8B-B14F-4D97-AF65-F5344CB8AC3E}">
-        <p14:creationId xmlns:p14="http://schemas.microsoft.com/office/powerpoint/2010/main" xmlns:p="http://schemas.openxmlformats.org/presentationml/2006/main" xmlns:r="http://schemas.openxmlformats.org/officeDocument/2006/relationships" xmlns:a="http://schemas.openxmlformats.org/drawingml/2006/main" xmlns="" val="3124880485"/>
+        <p14:creationId xmlns:p14="http://schemas.microsoft.com/office/powerpoint/2010/main" val="3649987986"/>
       </p:ext>
     </p:extLst>
   </p:cSld>
@@ -4084,7 +4160,7 @@
 </file>
 
 <file path=ppt/slides/slide12.xml><?xml version="1.0" encoding="utf-8"?>
-<p:sld xmlns:a="http://schemas.openxmlformats.org/drawingml/2006/main" xmlns:r="http://schemas.openxmlformats.org/officeDocument/2006/relationships" xmlns:mc="http://schemas.openxmlformats.org/markup-compatibility/2006" xmlns:mv="urn:schemas-microsoft-com:mac:vml" xmlns:p="http://schemas.openxmlformats.org/presentationml/2006/main" mc:Ignorable="mv" mc:PreserveAttributes="mv:*">
+<p:sld xmlns:a="http://schemas.openxmlformats.org/drawingml/2006/main" xmlns:r="http://schemas.openxmlformats.org/officeDocument/2006/relationships" xmlns:p="http://schemas.openxmlformats.org/presentationml/2006/main">
   <p:cSld>
     <p:spTree>
       <p:nvGrpSpPr>
@@ -4116,8 +4192,8 @@
           <a:lstStyle/>
           <a:p>
             <a:r>
-              <a:rPr lang="en-GB" dirty="0" smtClean="0"/>
-              <a:t>Pre-study</a:t>
+              <a:rPr lang="nb-NO" dirty="0" smtClean="0"/>
+              <a:t>Parser</a:t>
             </a:r>
             <a:endParaRPr lang="en-GB" dirty="0"/>
           </a:p>
@@ -4139,14 +4215,14 @@
           <a:lstStyle/>
           <a:p>
             <a:r>
-              <a:rPr lang="en-GB" dirty="0" smtClean="0"/>
-              <a:t>Reading C headers requires something like a pre-processor and a parser.</a:t>
-            </a:r>
-          </a:p>
-          <a:p>
-            <a:r>
-              <a:rPr lang="nb-NO" dirty="0" err="1" smtClean="0"/>
-              <a:t>Configuration</a:t>
+              <a:rPr lang="nb-NO" dirty="0" smtClean="0"/>
+              <a:t>Hard to make.</a:t>
+            </a:r>
+          </a:p>
+          <a:p>
+            <a:r>
+              <a:rPr lang="nb-NO" dirty="0" err="1" smtClean="0"/>
+              <a:t>Many</a:t>
             </a:r>
             <a:r>
               <a:rPr lang="nb-NO" dirty="0" smtClean="0"/>
@@ -4154,7 +4230,7 @@
             </a:r>
             <a:r>
               <a:rPr lang="nb-NO" dirty="0" err="1" smtClean="0"/>
-              <a:t>also</a:t>
+              <a:t>open</a:t>
             </a:r>
             <a:r>
               <a:rPr lang="nb-NO" dirty="0" smtClean="0"/>
@@ -4162,15 +4238,15 @@
             </a:r>
             <a:r>
               <a:rPr lang="nb-NO" dirty="0" err="1" smtClean="0"/>
-              <a:t>needs</a:t>
-            </a:r>
-            <a:r>
-              <a:rPr lang="nb-NO" dirty="0" smtClean="0"/>
-              <a:t> a parser, </a:t>
-            </a:r>
-            <a:r>
-              <a:rPr lang="nb-NO" dirty="0" err="1" smtClean="0"/>
-              <a:t>along</a:t>
+              <a:t>source</a:t>
+            </a:r>
+            <a:r>
+              <a:rPr lang="nb-NO" dirty="0" smtClean="0"/>
+              <a:t> third-party </a:t>
+            </a:r>
+            <a:r>
+              <a:rPr lang="nb-NO" dirty="0" err="1" smtClean="0"/>
+              <a:t>libraries</a:t>
             </a:r>
             <a:r>
               <a:rPr lang="nb-NO" dirty="0" smtClean="0"/>
@@ -4178,71 +4254,112 @@
             </a:r>
             <a:r>
               <a:rPr lang="nb-NO" dirty="0" err="1" smtClean="0"/>
-              <a:t>with</a:t>
-            </a:r>
-            <a:r>
-              <a:rPr lang="nb-NO" dirty="0" smtClean="0"/>
-              <a:t> a format.</a:t>
-            </a:r>
-          </a:p>
-          <a:p>
-            <a:r>
-              <a:rPr lang="nb-NO" dirty="0" smtClean="0"/>
-              <a:t>Programming </a:t>
+              <a:t>available</a:t>
+            </a:r>
+            <a:r>
+              <a:rPr lang="nb-NO" dirty="0" smtClean="0"/>
+              <a:t>.</a:t>
+            </a:r>
+          </a:p>
+          <a:p>
+            <a:r>
+              <a:rPr lang="nb-NO" dirty="0" err="1" smtClean="0"/>
+              <a:t>Pycparser</a:t>
+            </a:r>
+            <a:r>
+              <a:rPr lang="nb-NO" dirty="0" smtClean="0"/>
+              <a:t>, </a:t>
+            </a:r>
+            <a:r>
+              <a:rPr lang="nb-NO" dirty="0" err="1" smtClean="0"/>
+              <a:t>written</a:t>
+            </a:r>
+            <a:r>
+              <a:rPr lang="nb-NO" dirty="0" smtClean="0"/>
+              <a:t> in </a:t>
+            </a:r>
+            <a:r>
+              <a:rPr lang="nb-NO" dirty="0" err="1" smtClean="0"/>
+              <a:t>python</a:t>
+            </a:r>
+            <a:r>
+              <a:rPr lang="nb-NO" dirty="0" smtClean="0"/>
+              <a:t> </a:t>
+            </a:r>
+            <a:r>
+              <a:rPr lang="nb-NO" dirty="0" err="1" smtClean="0"/>
+              <a:t>was</a:t>
+            </a:r>
+            <a:r>
+              <a:rPr lang="nb-NO" dirty="0" smtClean="0"/>
+              <a:t> </a:t>
+            </a:r>
+            <a:r>
+              <a:rPr lang="nb-NO" dirty="0" err="1" smtClean="0"/>
+              <a:t>the</a:t>
+            </a:r>
+            <a:r>
+              <a:rPr lang="nb-NO" dirty="0" smtClean="0"/>
+              <a:t> best parser.</a:t>
+            </a:r>
+          </a:p>
+          <a:p>
+            <a:r>
+              <a:rPr lang="nb-NO" dirty="0" err="1" smtClean="0"/>
+              <a:t>Made</a:t>
+            </a:r>
+            <a:r>
+              <a:rPr lang="nb-NO" dirty="0" smtClean="0"/>
+              <a:t> it </a:t>
+            </a:r>
+            <a:r>
+              <a:rPr lang="nb-NO" dirty="0" err="1" smtClean="0"/>
+              <a:t>convinient</a:t>
+            </a:r>
+            <a:r>
+              <a:rPr lang="nb-NO" dirty="0" smtClean="0"/>
+              <a:t> to </a:t>
+            </a:r>
+            <a:r>
+              <a:rPr lang="nb-NO" dirty="0" err="1" smtClean="0"/>
+              <a:t>choose</a:t>
+            </a:r>
+            <a:r>
+              <a:rPr lang="nb-NO" dirty="0" smtClean="0"/>
+              <a:t> </a:t>
+            </a:r>
+            <a:r>
+              <a:rPr lang="nb-NO" dirty="0" err="1" smtClean="0"/>
+              <a:t>python</a:t>
+            </a:r>
+            <a:r>
+              <a:rPr lang="nb-NO" dirty="0" smtClean="0"/>
+              <a:t> as </a:t>
+            </a:r>
+            <a:r>
+              <a:rPr lang="nb-NO" dirty="0" err="1" smtClean="0"/>
+              <a:t>the</a:t>
+            </a:r>
+            <a:r>
+              <a:rPr lang="nb-NO" dirty="0" smtClean="0"/>
+              <a:t> </a:t>
+            </a:r>
+            <a:r>
+              <a:rPr lang="nb-NO" dirty="0" err="1" smtClean="0"/>
+              <a:t>programming</a:t>
+            </a:r>
+            <a:r>
+              <a:rPr lang="nb-NO" dirty="0" smtClean="0"/>
+              <a:t> </a:t>
             </a:r>
             <a:r>
               <a:rPr lang="nb-NO" dirty="0" err="1" smtClean="0"/>
               <a:t>language</a:t>
             </a:r>
             <a:r>
-              <a:rPr lang="nb-NO" dirty="0" smtClean="0"/>
+              <a:rPr lang="nb-NO" dirty="0"/>
               <a:t>.</a:t>
             </a:r>
-          </a:p>
-          <a:p>
-            <a:r>
-              <a:rPr lang="nb-NO" dirty="0" err="1" smtClean="0"/>
-              <a:t>We</a:t>
-            </a:r>
-            <a:r>
-              <a:rPr lang="nb-NO" dirty="0" smtClean="0"/>
-              <a:t> </a:t>
-            </a:r>
-            <a:r>
-              <a:rPr lang="nb-NO" dirty="0" err="1" smtClean="0"/>
-              <a:t>needed</a:t>
-            </a:r>
-            <a:r>
-              <a:rPr lang="nb-NO" dirty="0" smtClean="0"/>
-              <a:t> to </a:t>
-            </a:r>
-            <a:r>
-              <a:rPr lang="nb-NO" dirty="0" err="1" smtClean="0"/>
-              <a:t>choose</a:t>
-            </a:r>
-            <a:r>
-              <a:rPr lang="nb-NO" dirty="0" smtClean="0"/>
-              <a:t> a </a:t>
-            </a:r>
-            <a:r>
-              <a:rPr lang="nb-NO" dirty="0" err="1" smtClean="0"/>
-              <a:t>development</a:t>
-            </a:r>
-            <a:r>
-              <a:rPr lang="nb-NO" dirty="0" smtClean="0"/>
-              <a:t> </a:t>
-            </a:r>
-            <a:r>
-              <a:rPr lang="nb-NO" dirty="0" err="1" smtClean="0"/>
-              <a:t>methodology</a:t>
-            </a:r>
-            <a:r>
-              <a:rPr lang="nb-NO" dirty="0" smtClean="0"/>
-              <a:t>.</a:t>
-            </a:r>
-            <a:endParaRPr lang="en-GB" dirty="0" smtClean="0"/>
-          </a:p>
-          <a:p>
             <a:endParaRPr lang="en-GB" dirty="0"/>
           </a:p>
         </p:txBody>
@@ -4250,7 +4367,171 @@
     </p:spTree>
     <p:extLst>
       <p:ext uri="{BB962C8B-B14F-4D97-AF65-F5344CB8AC3E}">
-        <p14:creationId xmlns:p14="http://schemas.microsoft.com/office/powerpoint/2010/main" xmlns:p="http://schemas.openxmlformats.org/presentationml/2006/main" xmlns:r="http://schemas.openxmlformats.org/officeDocument/2006/relationships" xmlns:a="http://schemas.openxmlformats.org/drawingml/2006/main" xmlns="" val="3649987986"/>
+        <p14:creationId xmlns:p14="http://schemas.microsoft.com/office/powerpoint/2010/main" val="829651775"/>
+      </p:ext>
+    </p:extLst>
+  </p:cSld>
+  <p:clrMapOvr>
+    <a:masterClrMapping/>
+  </p:clrMapOvr>
+</p:sld>
+</file>
+
+<file path=ppt/slides/slide13.xml><?xml version="1.0" encoding="utf-8"?>
+<p:sld xmlns:a="http://schemas.openxmlformats.org/drawingml/2006/main" xmlns:r="http://schemas.openxmlformats.org/officeDocument/2006/relationships" xmlns:p="http://schemas.openxmlformats.org/presentationml/2006/main">
+  <p:cSld>
+    <p:spTree>
+      <p:nvGrpSpPr>
+        <p:cNvPr id="1" name=""/>
+        <p:cNvGrpSpPr/>
+        <p:nvPr/>
+      </p:nvGrpSpPr>
+      <p:grpSpPr>
+        <a:xfrm>
+          <a:off x="0" y="0"/>
+          <a:ext cx="0" cy="0"/>
+          <a:chOff x="0" y="0"/>
+          <a:chExt cx="0" cy="0"/>
+        </a:xfrm>
+      </p:grpSpPr>
+      <p:sp>
+        <p:nvSpPr>
+          <p:cNvPr id="2" name="Tittel 1"/>
+          <p:cNvSpPr>
+            <a:spLocks noGrp="1"/>
+          </p:cNvSpPr>
+          <p:nvPr>
+            <p:ph type="title"/>
+          </p:nvPr>
+        </p:nvSpPr>
+        <p:spPr/>
+        <p:txBody>
+          <a:bodyPr/>
+          <a:lstStyle/>
+          <a:p>
+            <a:r>
+              <a:rPr lang="nb-NO" dirty="0" err="1" smtClean="0"/>
+              <a:t>Configuration</a:t>
+            </a:r>
+            <a:endParaRPr lang="en-GB" dirty="0"/>
+          </a:p>
+        </p:txBody>
+      </p:sp>
+      <p:sp>
+        <p:nvSpPr>
+          <p:cNvPr id="3" name="Plassholder for innhold 2"/>
+          <p:cNvSpPr>
+            <a:spLocks noGrp="1"/>
+          </p:cNvSpPr>
+          <p:nvPr>
+            <p:ph idx="1"/>
+          </p:nvPr>
+        </p:nvSpPr>
+        <p:spPr/>
+        <p:txBody>
+          <a:bodyPr/>
+          <a:lstStyle/>
+          <a:p>
+            <a:r>
+              <a:rPr lang="nb-NO" dirty="0" err="1" smtClean="0"/>
+              <a:t>Yaml</a:t>
+            </a:r>
+            <a:endParaRPr lang="nb-NO" dirty="0"/>
+          </a:p>
+          <a:p>
+            <a:endParaRPr lang="en-GB" dirty="0"/>
+          </a:p>
+        </p:txBody>
+      </p:sp>
+    </p:spTree>
+    <p:extLst>
+      <p:ext uri="{BB962C8B-B14F-4D97-AF65-F5344CB8AC3E}">
+        <p14:creationId xmlns:p14="http://schemas.microsoft.com/office/powerpoint/2010/main" val="2786962296"/>
+      </p:ext>
+    </p:extLst>
+  </p:cSld>
+  <p:clrMapOvr>
+    <a:masterClrMapping/>
+  </p:clrMapOvr>
+</p:sld>
+</file>
+
+<file path=ppt/slides/slide14.xml><?xml version="1.0" encoding="utf-8"?>
+<p:sld xmlns:a="http://schemas.openxmlformats.org/drawingml/2006/main" xmlns:r="http://schemas.openxmlformats.org/officeDocument/2006/relationships" xmlns:p="http://schemas.openxmlformats.org/presentationml/2006/main">
+  <p:cSld>
+    <p:spTree>
+      <p:nvGrpSpPr>
+        <p:cNvPr id="1" name=""/>
+        <p:cNvGrpSpPr/>
+        <p:nvPr/>
+      </p:nvGrpSpPr>
+      <p:grpSpPr>
+        <a:xfrm>
+          <a:off x="0" y="0"/>
+          <a:ext cx="0" cy="0"/>
+          <a:chOff x="0" y="0"/>
+          <a:chExt cx="0" cy="0"/>
+        </a:xfrm>
+      </p:grpSpPr>
+      <p:sp>
+        <p:nvSpPr>
+          <p:cNvPr id="2" name="Tittel 1"/>
+          <p:cNvSpPr>
+            <a:spLocks noGrp="1"/>
+          </p:cNvSpPr>
+          <p:nvPr>
+            <p:ph type="title"/>
+          </p:nvPr>
+        </p:nvSpPr>
+        <p:spPr/>
+        <p:txBody>
+          <a:bodyPr/>
+          <a:lstStyle/>
+          <a:p>
+            <a:r>
+              <a:rPr lang="en-GB" dirty="0" smtClean="0"/>
+              <a:t>The process</a:t>
+            </a:r>
+            <a:endParaRPr lang="en-GB" dirty="0"/>
+          </a:p>
+        </p:txBody>
+      </p:sp>
+      <p:sp>
+        <p:nvSpPr>
+          <p:cNvPr id="3" name="Plassholder for innhold 2"/>
+          <p:cNvSpPr>
+            <a:spLocks noGrp="1"/>
+          </p:cNvSpPr>
+          <p:nvPr>
+            <p:ph idx="1"/>
+          </p:nvPr>
+        </p:nvSpPr>
+        <p:spPr/>
+        <p:txBody>
+          <a:bodyPr/>
+          <a:lstStyle/>
+          <a:p>
+            <a:r>
+              <a:rPr lang="nb-NO" dirty="0" err="1" smtClean="0"/>
+              <a:t>Scrum</a:t>
+            </a:r>
+            <a:endParaRPr lang="nb-NO" dirty="0" smtClean="0"/>
+          </a:p>
+          <a:p>
+            <a:r>
+              <a:rPr lang="nb-NO" dirty="0" smtClean="0"/>
+              <a:t>4 sprints</a:t>
+            </a:r>
+          </a:p>
+          <a:p>
+            <a:endParaRPr lang="en-GB" dirty="0"/>
+          </a:p>
+        </p:txBody>
+      </p:sp>
+    </p:spTree>
+    <p:extLst>
+      <p:ext uri="{BB962C8B-B14F-4D97-AF65-F5344CB8AC3E}">
+        <p14:creationId xmlns:p14="http://schemas.microsoft.com/office/powerpoint/2010/main" val="1362037293"/>
       </p:ext>
     </p:extLst>
   </p:cSld>
@@ -4270,8 +4551,8 @@
 </p:sld>
 </file>
 
-<file path=ppt/slides/slide13.xml><?xml version="1.0" encoding="utf-8"?>
-<p:sld xmlns:a="http://schemas.openxmlformats.org/drawingml/2006/main" xmlns:r="http://schemas.openxmlformats.org/officeDocument/2006/relationships" xmlns:mc="http://schemas.openxmlformats.org/markup-compatibility/2006" xmlns:mv="urn:schemas-microsoft-com:mac:vml" xmlns:p="http://schemas.openxmlformats.org/presentationml/2006/main" mc:Ignorable="mv" mc:PreserveAttributes="mv:*">
+<file path=ppt/slides/slide15.xml><?xml version="1.0" encoding="utf-8"?>
+<p:sld xmlns:a="http://schemas.openxmlformats.org/drawingml/2006/main" xmlns:r="http://schemas.openxmlformats.org/officeDocument/2006/relationships" xmlns:p="http://schemas.openxmlformats.org/presentationml/2006/main">
   <p:cSld>
     <p:spTree>
       <p:nvGrpSpPr>
@@ -4304,7 +4585,7 @@
           <a:p>
             <a:r>
               <a:rPr lang="nb-NO" dirty="0" smtClean="0"/>
-              <a:t>Parser</a:t>
+              <a:t>Sprint 1</a:t>
             </a:r>
             <a:endParaRPr lang="en-GB" dirty="0"/>
           </a:p>
@@ -4326,14 +4607,24 @@
           <a:lstStyle/>
           <a:p>
             <a:r>
-              <a:rPr lang="nb-NO" dirty="0" smtClean="0"/>
-              <a:t>Hard to make.</a:t>
-            </a:r>
-          </a:p>
-          <a:p>
-            <a:r>
-              <a:rPr lang="nb-NO" dirty="0" err="1" smtClean="0"/>
-              <a:t>Many</a:t>
+              <a:rPr lang="nb-NO" dirty="0" err="1" smtClean="0"/>
+              <a:t>Making</a:t>
+            </a:r>
+            <a:r>
+              <a:rPr lang="nb-NO" dirty="0" smtClean="0"/>
+              <a:t> a solid design </a:t>
+            </a:r>
+            <a:r>
+              <a:rPr lang="nb-NO" dirty="0" err="1" smtClean="0"/>
+              <a:t>foundation</a:t>
+            </a:r>
+            <a:r>
+              <a:rPr lang="nb-NO" dirty="0" smtClean="0"/>
+              <a:t> for </a:t>
+            </a:r>
+            <a:r>
+              <a:rPr lang="nb-NO" dirty="0" err="1" smtClean="0"/>
+              <a:t>the</a:t>
             </a:r>
             <a:r>
               <a:rPr lang="nb-NO" dirty="0" smtClean="0"/>
@@ -4341,7 +4632,17 @@
             </a:r>
             <a:r>
               <a:rPr lang="nb-NO" dirty="0" err="1" smtClean="0"/>
-              <a:t>open</a:t>
+              <a:t>utility</a:t>
+            </a:r>
+            <a:r>
+              <a:rPr lang="nb-NO" dirty="0" smtClean="0"/>
+              <a:t>.</a:t>
+            </a:r>
+          </a:p>
+          <a:p>
+            <a:r>
+              <a:rPr lang="nb-NO" dirty="0" err="1" smtClean="0"/>
+              <a:t>Beeing</a:t>
             </a:r>
             <a:r>
               <a:rPr lang="nb-NO" dirty="0" smtClean="0"/>
@@ -4349,15 +4650,15 @@
             </a:r>
             <a:r>
               <a:rPr lang="nb-NO" dirty="0" err="1" smtClean="0"/>
-              <a:t>source</a:t>
-            </a:r>
-            <a:r>
-              <a:rPr lang="nb-NO" dirty="0" smtClean="0"/>
-              <a:t> third-party </a:t>
-            </a:r>
-            <a:r>
-              <a:rPr lang="nb-NO" dirty="0" err="1" smtClean="0"/>
-              <a:t>libraries</a:t>
+              <a:t>able</a:t>
+            </a:r>
+            <a:r>
+              <a:rPr lang="nb-NO" dirty="0" smtClean="0"/>
+              <a:t> to </a:t>
+            </a:r>
+            <a:r>
+              <a:rPr lang="nb-NO" dirty="0" err="1" smtClean="0"/>
+              <a:t>generate</a:t>
             </a:r>
             <a:r>
               <a:rPr lang="nb-NO" dirty="0" smtClean="0"/>
@@ -4365,33 +4666,27 @@
             </a:r>
             <a:r>
               <a:rPr lang="nb-NO" dirty="0" err="1" smtClean="0"/>
-              <a:t>available</a:t>
-            </a:r>
-            <a:r>
-              <a:rPr lang="nb-NO" dirty="0" smtClean="0"/>
-              <a:t>.</a:t>
-            </a:r>
-          </a:p>
-          <a:p>
-            <a:r>
-              <a:rPr lang="nb-NO" dirty="0" err="1" smtClean="0"/>
-              <a:t>Pycparser</a:t>
-            </a:r>
-            <a:r>
-              <a:rPr lang="nb-NO" dirty="0" smtClean="0"/>
-              <a:t>, </a:t>
-            </a:r>
-            <a:r>
-              <a:rPr lang="nb-NO" dirty="0" err="1" smtClean="0"/>
-              <a:t>written</a:t>
-            </a:r>
-            <a:r>
-              <a:rPr lang="nb-NO" dirty="0" smtClean="0"/>
-              <a:t> in </a:t>
-            </a:r>
-            <a:r>
-              <a:rPr lang="nb-NO" dirty="0" err="1" smtClean="0"/>
-              <a:t>python</a:t>
+              <a:t>dissectors</a:t>
+            </a:r>
+            <a:r>
+              <a:rPr lang="nb-NO" dirty="0" smtClean="0"/>
+              <a:t> for simple structs.</a:t>
+            </a:r>
+          </a:p>
+          <a:p>
+            <a:r>
+              <a:rPr lang="nb-NO" dirty="0" smtClean="0"/>
+              <a:t>Support primitive C types.</a:t>
+            </a:r>
+          </a:p>
+          <a:p>
+            <a:r>
+              <a:rPr lang="nb-NO" dirty="0" smtClean="0"/>
+              <a:t>Handling #</a:t>
+            </a:r>
+            <a:r>
+              <a:rPr lang="nb-NO" dirty="0" err="1" smtClean="0"/>
+              <a:t>include</a:t>
             </a:r>
             <a:r>
               <a:rPr lang="nb-NO" dirty="0" smtClean="0"/>
@@ -4399,76 +4694,10 @@
             </a:r>
             <a:r>
               <a:rPr lang="nb-NO" dirty="0" err="1" smtClean="0"/>
-              <a:t>was</a:t>
-            </a:r>
-            <a:r>
-              <a:rPr lang="nb-NO" dirty="0" smtClean="0"/>
-              <a:t> </a:t>
-            </a:r>
-            <a:r>
-              <a:rPr lang="nb-NO" dirty="0" err="1" smtClean="0"/>
-              <a:t>the</a:t>
-            </a:r>
-            <a:r>
-              <a:rPr lang="nb-NO" dirty="0" smtClean="0"/>
-              <a:t> best parser.</a:t>
-            </a:r>
-          </a:p>
-          <a:p>
-            <a:r>
-              <a:rPr lang="nb-NO" dirty="0" err="1" smtClean="0"/>
-              <a:t>Made</a:t>
-            </a:r>
-            <a:r>
-              <a:rPr lang="nb-NO" dirty="0" smtClean="0"/>
-              <a:t> it </a:t>
-            </a:r>
-            <a:r>
-              <a:rPr lang="nb-NO" dirty="0" err="1" smtClean="0"/>
-              <a:t>convinient</a:t>
-            </a:r>
-            <a:r>
-              <a:rPr lang="nb-NO" dirty="0" smtClean="0"/>
-              <a:t> to </a:t>
-            </a:r>
-            <a:r>
-              <a:rPr lang="nb-NO" dirty="0" err="1" smtClean="0"/>
-              <a:t>choose</a:t>
-            </a:r>
-            <a:r>
-              <a:rPr lang="nb-NO" dirty="0" smtClean="0"/>
-              <a:t> </a:t>
-            </a:r>
-            <a:r>
-              <a:rPr lang="nb-NO" dirty="0" err="1" smtClean="0"/>
-              <a:t>python</a:t>
-            </a:r>
-            <a:r>
-              <a:rPr lang="nb-NO" dirty="0" smtClean="0"/>
-              <a:t> as </a:t>
-            </a:r>
-            <a:r>
-              <a:rPr lang="nb-NO" dirty="0" err="1" smtClean="0"/>
-              <a:t>the</a:t>
-            </a:r>
-            <a:r>
-              <a:rPr lang="nb-NO" dirty="0" smtClean="0"/>
-              <a:t> </a:t>
-            </a:r>
-            <a:r>
-              <a:rPr lang="nb-NO" dirty="0" err="1" smtClean="0"/>
-              <a:t>programming</a:t>
-            </a:r>
-            <a:r>
-              <a:rPr lang="nb-NO" dirty="0" smtClean="0"/>
-              <a:t> </a:t>
-            </a:r>
-            <a:r>
-              <a:rPr lang="nb-NO" dirty="0" err="1" smtClean="0"/>
-              <a:t>language</a:t>
-            </a:r>
-            <a:r>
-              <a:rPr lang="nb-NO" dirty="0"/>
+              <a:t>directives</a:t>
+            </a:r>
+            <a:r>
+              <a:rPr lang="nb-NO" dirty="0" smtClean="0"/>
               <a:t>.</a:t>
             </a:r>
             <a:endParaRPr lang="en-GB" dirty="0"/>
@@ -4478,7 +4707,7 @@
     </p:spTree>
     <p:extLst>
       <p:ext uri="{BB962C8B-B14F-4D97-AF65-F5344CB8AC3E}">
-        <p14:creationId xmlns:p14="http://schemas.microsoft.com/office/powerpoint/2010/main" xmlns:p="http://schemas.openxmlformats.org/presentationml/2006/main" xmlns:r="http://schemas.openxmlformats.org/officeDocument/2006/relationships" xmlns:a="http://schemas.openxmlformats.org/drawingml/2006/main" xmlns="" val="829651775"/>
+        <p14:creationId xmlns:p14="http://schemas.microsoft.com/office/powerpoint/2010/main" val="2795416052"/>
       </p:ext>
     </p:extLst>
   </p:cSld>
@@ -4488,8 +4717,8 @@
 </p:sld>
 </file>
 
-<file path=ppt/slides/slide14.xml><?xml version="1.0" encoding="utf-8"?>
-<p:sld xmlns:a="http://schemas.openxmlformats.org/drawingml/2006/main" xmlns:r="http://schemas.openxmlformats.org/officeDocument/2006/relationships" xmlns:mc="http://schemas.openxmlformats.org/markup-compatibility/2006" xmlns:mv="urn:schemas-microsoft-com:mac:vml" xmlns:p="http://schemas.openxmlformats.org/presentationml/2006/main" mc:Ignorable="mv" mc:PreserveAttributes="mv:*">
+<file path=ppt/slides/slide16.xml><?xml version="1.0" encoding="utf-8"?>
+<p:sld xmlns:a="http://schemas.openxmlformats.org/drawingml/2006/main" xmlns:r="http://schemas.openxmlformats.org/officeDocument/2006/relationships" xmlns:p="http://schemas.openxmlformats.org/presentationml/2006/main">
   <p:cSld>
     <p:spTree>
       <p:nvGrpSpPr>
@@ -4521,346 +4750,6 @@
           <a:lstStyle/>
           <a:p>
             <a:r>
-              <a:rPr lang="nb-NO" dirty="0" err="1" smtClean="0"/>
-              <a:t>Configuration</a:t>
-            </a:r>
-            <a:endParaRPr lang="en-GB" dirty="0"/>
-          </a:p>
-        </p:txBody>
-      </p:sp>
-      <p:sp>
-        <p:nvSpPr>
-          <p:cNvPr id="3" name="Plassholder for innhold 2"/>
-          <p:cNvSpPr>
-            <a:spLocks noGrp="1"/>
-          </p:cNvSpPr>
-          <p:nvPr>
-            <p:ph idx="1"/>
-          </p:nvPr>
-        </p:nvSpPr>
-        <p:spPr/>
-        <p:txBody>
-          <a:bodyPr/>
-          <a:lstStyle/>
-          <a:p>
-            <a:r>
-              <a:rPr lang="nb-NO" dirty="0" err="1" smtClean="0"/>
-              <a:t>Yaml</a:t>
-            </a:r>
-            <a:endParaRPr lang="nb-NO" dirty="0"/>
-          </a:p>
-          <a:p>
-            <a:endParaRPr lang="en-GB" dirty="0"/>
-          </a:p>
-        </p:txBody>
-      </p:sp>
-    </p:spTree>
-    <p:extLst>
-      <p:ext uri="{BB962C8B-B14F-4D97-AF65-F5344CB8AC3E}">
-        <p14:creationId xmlns:p14="http://schemas.microsoft.com/office/powerpoint/2010/main" xmlns:p="http://schemas.openxmlformats.org/presentationml/2006/main" xmlns:r="http://schemas.openxmlformats.org/officeDocument/2006/relationships" xmlns:a="http://schemas.openxmlformats.org/drawingml/2006/main" xmlns="" val="2786962296"/>
-      </p:ext>
-    </p:extLst>
-  </p:cSld>
-  <p:clrMapOvr>
-    <a:masterClrMapping/>
-  </p:clrMapOvr>
-</p:sld>
-</file>
-
-<file path=ppt/slides/slide15.xml><?xml version="1.0" encoding="utf-8"?>
-<p:sld xmlns:a="http://schemas.openxmlformats.org/drawingml/2006/main" xmlns:r="http://schemas.openxmlformats.org/officeDocument/2006/relationships" xmlns:mc="http://schemas.openxmlformats.org/markup-compatibility/2006" xmlns:mv="urn:schemas-microsoft-com:mac:vml" xmlns:p="http://schemas.openxmlformats.org/presentationml/2006/main" mc:Ignorable="mv" mc:PreserveAttributes="mv:*">
-  <p:cSld>
-    <p:spTree>
-      <p:nvGrpSpPr>
-        <p:cNvPr id="1" name=""/>
-        <p:cNvGrpSpPr/>
-        <p:nvPr/>
-      </p:nvGrpSpPr>
-      <p:grpSpPr>
-        <a:xfrm>
-          <a:off x="0" y="0"/>
-          <a:ext cx="0" cy="0"/>
-          <a:chOff x="0" y="0"/>
-          <a:chExt cx="0" cy="0"/>
-        </a:xfrm>
-      </p:grpSpPr>
-      <p:sp>
-        <p:nvSpPr>
-          <p:cNvPr id="2" name="Tittel 1"/>
-          <p:cNvSpPr>
-            <a:spLocks noGrp="1"/>
-          </p:cNvSpPr>
-          <p:nvPr>
-            <p:ph type="title"/>
-          </p:nvPr>
-        </p:nvSpPr>
-        <p:spPr/>
-        <p:txBody>
-          <a:bodyPr/>
-          <a:lstStyle/>
-          <a:p>
-            <a:r>
-              <a:rPr lang="en-GB" dirty="0" smtClean="0"/>
-              <a:t>The process</a:t>
-            </a:r>
-            <a:endParaRPr lang="en-GB" dirty="0"/>
-          </a:p>
-        </p:txBody>
-      </p:sp>
-      <p:sp>
-        <p:nvSpPr>
-          <p:cNvPr id="3" name="Plassholder for innhold 2"/>
-          <p:cNvSpPr>
-            <a:spLocks noGrp="1"/>
-          </p:cNvSpPr>
-          <p:nvPr>
-            <p:ph idx="1"/>
-          </p:nvPr>
-        </p:nvSpPr>
-        <p:spPr/>
-        <p:txBody>
-          <a:bodyPr/>
-          <a:lstStyle/>
-          <a:p>
-            <a:r>
-              <a:rPr lang="nb-NO" dirty="0" err="1" smtClean="0"/>
-              <a:t>Scrum</a:t>
-            </a:r>
-            <a:endParaRPr lang="nb-NO" dirty="0" smtClean="0"/>
-          </a:p>
-          <a:p>
-            <a:r>
-              <a:rPr lang="nb-NO" dirty="0" smtClean="0"/>
-              <a:t>4 sprints</a:t>
-            </a:r>
-          </a:p>
-          <a:p>
-            <a:endParaRPr lang="en-GB" dirty="0"/>
-          </a:p>
-        </p:txBody>
-      </p:sp>
-    </p:spTree>
-    <p:extLst>
-      <p:ext uri="{BB962C8B-B14F-4D97-AF65-F5344CB8AC3E}">
-        <p14:creationId xmlns:p14="http://schemas.microsoft.com/office/powerpoint/2010/main" xmlns:p="http://schemas.openxmlformats.org/presentationml/2006/main" xmlns:r="http://schemas.openxmlformats.org/officeDocument/2006/relationships" xmlns:a="http://schemas.openxmlformats.org/drawingml/2006/main" xmlns="" val="1362037293"/>
-      </p:ext>
-    </p:extLst>
-  </p:cSld>
-  <p:clrMapOvr>
-    <a:masterClrMapping/>
-  </p:clrMapOvr>
-  <p:transition spd="slow">
-    <p:push dir="u"/>
-  </p:transition>
-  <p:timing>
-    <p:tnLst>
-      <p:par>
-        <p:cTn id="1" dur="indefinite" restart="never" nodeType="tmRoot"/>
-      </p:par>
-    </p:tnLst>
-  </p:timing>
-</p:sld>
-</file>
-
-<file path=ppt/slides/slide16.xml><?xml version="1.0" encoding="utf-8"?>
-<p:sld xmlns:a="http://schemas.openxmlformats.org/drawingml/2006/main" xmlns:r="http://schemas.openxmlformats.org/officeDocument/2006/relationships" xmlns:mc="http://schemas.openxmlformats.org/markup-compatibility/2006" xmlns:mv="urn:schemas-microsoft-com:mac:vml" xmlns:p="http://schemas.openxmlformats.org/presentationml/2006/main" mc:Ignorable="mv" mc:PreserveAttributes="mv:*">
-  <p:cSld>
-    <p:spTree>
-      <p:nvGrpSpPr>
-        <p:cNvPr id="1" name=""/>
-        <p:cNvGrpSpPr/>
-        <p:nvPr/>
-      </p:nvGrpSpPr>
-      <p:grpSpPr>
-        <a:xfrm>
-          <a:off x="0" y="0"/>
-          <a:ext cx="0" cy="0"/>
-          <a:chOff x="0" y="0"/>
-          <a:chExt cx="0" cy="0"/>
-        </a:xfrm>
-      </p:grpSpPr>
-      <p:sp>
-        <p:nvSpPr>
-          <p:cNvPr id="2" name="Tittel 1"/>
-          <p:cNvSpPr>
-            <a:spLocks noGrp="1"/>
-          </p:cNvSpPr>
-          <p:nvPr>
-            <p:ph type="title"/>
-          </p:nvPr>
-        </p:nvSpPr>
-        <p:spPr/>
-        <p:txBody>
-          <a:bodyPr/>
-          <a:lstStyle/>
-          <a:p>
-            <a:r>
-              <a:rPr lang="nb-NO" dirty="0" smtClean="0"/>
-              <a:t>Sprint 1</a:t>
-            </a:r>
-            <a:endParaRPr lang="en-GB" dirty="0"/>
-          </a:p>
-        </p:txBody>
-      </p:sp>
-      <p:sp>
-        <p:nvSpPr>
-          <p:cNvPr id="3" name="Plassholder for innhold 2"/>
-          <p:cNvSpPr>
-            <a:spLocks noGrp="1"/>
-          </p:cNvSpPr>
-          <p:nvPr>
-            <p:ph idx="1"/>
-          </p:nvPr>
-        </p:nvSpPr>
-        <p:spPr/>
-        <p:txBody>
-          <a:bodyPr/>
-          <a:lstStyle/>
-          <a:p>
-            <a:r>
-              <a:rPr lang="nb-NO" dirty="0" err="1" smtClean="0"/>
-              <a:t>Making</a:t>
-            </a:r>
-            <a:r>
-              <a:rPr lang="nb-NO" dirty="0" smtClean="0"/>
-              <a:t> a solid design </a:t>
-            </a:r>
-            <a:r>
-              <a:rPr lang="nb-NO" dirty="0" err="1" smtClean="0"/>
-              <a:t>foundation</a:t>
-            </a:r>
-            <a:r>
-              <a:rPr lang="nb-NO" dirty="0" smtClean="0"/>
-              <a:t> for </a:t>
-            </a:r>
-            <a:r>
-              <a:rPr lang="nb-NO" dirty="0" err="1" smtClean="0"/>
-              <a:t>the</a:t>
-            </a:r>
-            <a:r>
-              <a:rPr lang="nb-NO" dirty="0" smtClean="0"/>
-              <a:t> </a:t>
-            </a:r>
-            <a:r>
-              <a:rPr lang="nb-NO" dirty="0" err="1" smtClean="0"/>
-              <a:t>utility</a:t>
-            </a:r>
-            <a:r>
-              <a:rPr lang="nb-NO" dirty="0" smtClean="0"/>
-              <a:t>.</a:t>
-            </a:r>
-          </a:p>
-          <a:p>
-            <a:r>
-              <a:rPr lang="nb-NO" dirty="0" err="1" smtClean="0"/>
-              <a:t>Beeing</a:t>
-            </a:r>
-            <a:r>
-              <a:rPr lang="nb-NO" dirty="0" smtClean="0"/>
-              <a:t> </a:t>
-            </a:r>
-            <a:r>
-              <a:rPr lang="nb-NO" dirty="0" err="1" smtClean="0"/>
-              <a:t>able</a:t>
-            </a:r>
-            <a:r>
-              <a:rPr lang="nb-NO" dirty="0" smtClean="0"/>
-              <a:t> to </a:t>
-            </a:r>
-            <a:r>
-              <a:rPr lang="nb-NO" dirty="0" err="1" smtClean="0"/>
-              <a:t>generate</a:t>
-            </a:r>
-            <a:r>
-              <a:rPr lang="nb-NO" dirty="0" smtClean="0"/>
-              <a:t> </a:t>
-            </a:r>
-            <a:r>
-              <a:rPr lang="nb-NO" dirty="0" err="1" smtClean="0"/>
-              <a:t>dissectors</a:t>
-            </a:r>
-            <a:r>
-              <a:rPr lang="nb-NO" dirty="0" smtClean="0"/>
-              <a:t> for simple structs.</a:t>
-            </a:r>
-          </a:p>
-          <a:p>
-            <a:r>
-              <a:rPr lang="nb-NO" dirty="0" smtClean="0"/>
-              <a:t>Support primitive C types.</a:t>
-            </a:r>
-          </a:p>
-          <a:p>
-            <a:r>
-              <a:rPr lang="nb-NO" dirty="0" smtClean="0"/>
-              <a:t>Handling #</a:t>
-            </a:r>
-            <a:r>
-              <a:rPr lang="nb-NO" dirty="0" err="1" smtClean="0"/>
-              <a:t>include</a:t>
-            </a:r>
-            <a:r>
-              <a:rPr lang="nb-NO" dirty="0" smtClean="0"/>
-              <a:t> </a:t>
-            </a:r>
-            <a:r>
-              <a:rPr lang="nb-NO" dirty="0" err="1" smtClean="0"/>
-              <a:t>directives</a:t>
-            </a:r>
-            <a:r>
-              <a:rPr lang="nb-NO" dirty="0" smtClean="0"/>
-              <a:t>.</a:t>
-            </a:r>
-            <a:endParaRPr lang="en-GB" dirty="0"/>
-          </a:p>
-        </p:txBody>
-      </p:sp>
-    </p:spTree>
-    <p:extLst>
-      <p:ext uri="{BB962C8B-B14F-4D97-AF65-F5344CB8AC3E}">
-        <p14:creationId xmlns:p14="http://schemas.microsoft.com/office/powerpoint/2010/main" xmlns:p="http://schemas.openxmlformats.org/presentationml/2006/main" xmlns:r="http://schemas.openxmlformats.org/officeDocument/2006/relationships" xmlns:a="http://schemas.openxmlformats.org/drawingml/2006/main" xmlns="" val="2795416052"/>
-      </p:ext>
-    </p:extLst>
-  </p:cSld>
-  <p:clrMapOvr>
-    <a:masterClrMapping/>
-  </p:clrMapOvr>
-</p:sld>
-</file>
-
-<file path=ppt/slides/slide17.xml><?xml version="1.0" encoding="utf-8"?>
-<p:sld xmlns:a="http://schemas.openxmlformats.org/drawingml/2006/main" xmlns:r="http://schemas.openxmlformats.org/officeDocument/2006/relationships" xmlns:mc="http://schemas.openxmlformats.org/markup-compatibility/2006" xmlns:mv="urn:schemas-microsoft-com:mac:vml" xmlns:p="http://schemas.openxmlformats.org/presentationml/2006/main" mc:Ignorable="mv" mc:PreserveAttributes="mv:*">
-  <p:cSld>
-    <p:spTree>
-      <p:nvGrpSpPr>
-        <p:cNvPr id="1" name=""/>
-        <p:cNvGrpSpPr/>
-        <p:nvPr/>
-      </p:nvGrpSpPr>
-      <p:grpSpPr>
-        <a:xfrm>
-          <a:off x="0" y="0"/>
-          <a:ext cx="0" cy="0"/>
-          <a:chOff x="0" y="0"/>
-          <a:chExt cx="0" cy="0"/>
-        </a:xfrm>
-      </p:grpSpPr>
-      <p:sp>
-        <p:nvSpPr>
-          <p:cNvPr id="2" name="Tittel 1"/>
-          <p:cNvSpPr>
-            <a:spLocks noGrp="1"/>
-          </p:cNvSpPr>
-          <p:nvPr>
-            <p:ph type="title"/>
-          </p:nvPr>
-        </p:nvSpPr>
-        <p:spPr/>
-        <p:txBody>
-          <a:bodyPr/>
-          <a:lstStyle/>
-          <a:p>
-            <a:r>
               <a:rPr lang="nb-NO" dirty="0" smtClean="0"/>
               <a:t>Preliminary design</a:t>
             </a:r>
@@ -4882,7 +4771,7 @@
           <a:blip r:embed="rId2">
             <a:extLst>
               <a:ext uri="{28A0092B-C50C-407E-A947-70E740481C1C}">
-                <a14:useLocalDpi xmlns:a14="http://schemas.microsoft.com/office/drawing/2010/main" xmlns:p="http://schemas.openxmlformats.org/presentationml/2006/main" xmlns:r="http://schemas.openxmlformats.org/officeDocument/2006/relationships" xmlns:a="http://schemas.openxmlformats.org/drawingml/2006/main" xmlns="" val="0"/>
+                <a14:useLocalDpi xmlns:a14="http://schemas.microsoft.com/office/drawing/2010/main" val="0"/>
               </a:ext>
             </a:extLst>
           </a:blip>
@@ -4900,7 +4789,7 @@
     </p:spTree>
     <p:extLst>
       <p:ext uri="{BB962C8B-B14F-4D97-AF65-F5344CB8AC3E}">
-        <p14:creationId xmlns:p14="http://schemas.microsoft.com/office/powerpoint/2010/main" xmlns:p="http://schemas.openxmlformats.org/presentationml/2006/main" xmlns:r="http://schemas.openxmlformats.org/officeDocument/2006/relationships" xmlns:a="http://schemas.openxmlformats.org/drawingml/2006/main" xmlns="" val="2537165902"/>
+        <p14:creationId xmlns:p14="http://schemas.microsoft.com/office/powerpoint/2010/main" val="2537165902"/>
       </p:ext>
     </p:extLst>
   </p:cSld>
@@ -4910,8 +4799,8 @@
 </p:sld>
 </file>
 
-<file path=ppt/slides/slide18.xml><?xml version="1.0" encoding="utf-8"?>
-<p:sld xmlns:a="http://schemas.openxmlformats.org/drawingml/2006/main" xmlns:r="http://schemas.openxmlformats.org/officeDocument/2006/relationships" xmlns:mc="http://schemas.openxmlformats.org/markup-compatibility/2006" xmlns:mv="urn:schemas-microsoft-com:mac:vml" xmlns:p="http://schemas.openxmlformats.org/presentationml/2006/main" mc:Ignorable="mv" mc:PreserveAttributes="mv:*">
+<file path=ppt/slides/slide17.xml><?xml version="1.0" encoding="utf-8"?>
+<p:sld xmlns:a="http://schemas.openxmlformats.org/drawingml/2006/main" xmlns:r="http://schemas.openxmlformats.org/officeDocument/2006/relationships" xmlns:p="http://schemas.openxmlformats.org/presentationml/2006/main">
   <p:cSld>
     <p:spTree>
       <p:nvGrpSpPr>
@@ -4968,7 +4857,7 @@
           <a:blip r:embed="rId2">
             <a:extLst>
               <a:ext uri="{28A0092B-C50C-407E-A947-70E740481C1C}">
-                <a14:useLocalDpi xmlns:a14="http://schemas.microsoft.com/office/drawing/2010/main" xmlns:p="http://schemas.openxmlformats.org/presentationml/2006/main" xmlns:r="http://schemas.openxmlformats.org/officeDocument/2006/relationships" xmlns:a="http://schemas.openxmlformats.org/drawingml/2006/main" xmlns="" val="0"/>
+                <a14:useLocalDpi xmlns:a14="http://schemas.microsoft.com/office/drawing/2010/main" val="0"/>
               </a:ext>
             </a:extLst>
           </a:blip>
@@ -4986,7 +4875,7 @@
     </p:spTree>
     <p:extLst>
       <p:ext uri="{BB962C8B-B14F-4D97-AF65-F5344CB8AC3E}">
-        <p14:creationId xmlns:p14="http://schemas.microsoft.com/office/powerpoint/2010/main" xmlns:p="http://schemas.openxmlformats.org/presentationml/2006/main" xmlns:r="http://schemas.openxmlformats.org/officeDocument/2006/relationships" xmlns:a="http://schemas.openxmlformats.org/drawingml/2006/main" xmlns="" val="2702774611"/>
+        <p14:creationId xmlns:p14="http://schemas.microsoft.com/office/powerpoint/2010/main" val="2702774611"/>
       </p:ext>
     </p:extLst>
   </p:cSld>
@@ -4996,8 +4885,8 @@
 </p:sld>
 </file>
 
-<file path=ppt/slides/slide19.xml><?xml version="1.0" encoding="utf-8"?>
-<p:sld xmlns:a="http://schemas.openxmlformats.org/drawingml/2006/main" xmlns:r="http://schemas.openxmlformats.org/officeDocument/2006/relationships" xmlns:mc="http://schemas.openxmlformats.org/markup-compatibility/2006" xmlns:mv="urn:schemas-microsoft-com:mac:vml" xmlns:p="http://schemas.openxmlformats.org/presentationml/2006/main" mc:Ignorable="mv" mc:PreserveAttributes="mv:*">
+<file path=ppt/slides/slide18.xml><?xml version="1.0" encoding="utf-8"?>
+<p:sld xmlns:a="http://schemas.openxmlformats.org/drawingml/2006/main" xmlns:r="http://schemas.openxmlformats.org/officeDocument/2006/relationships" xmlns:p="http://schemas.openxmlformats.org/presentationml/2006/main">
   <p:cSld>
     <p:spTree>
       <p:nvGrpSpPr>
@@ -5058,7 +4947,7 @@
           <a:blip r:embed="rId2">
             <a:extLst>
               <a:ext uri="{28A0092B-C50C-407E-A947-70E740481C1C}">
-                <a14:useLocalDpi xmlns:a14="http://schemas.microsoft.com/office/drawing/2010/main" xmlns:p="http://schemas.openxmlformats.org/presentationml/2006/main" xmlns:r="http://schemas.openxmlformats.org/officeDocument/2006/relationships" xmlns:a="http://schemas.openxmlformats.org/drawingml/2006/main" xmlns="" val="0"/>
+                <a14:useLocalDpi xmlns:a14="http://schemas.microsoft.com/office/drawing/2010/main" val="0"/>
               </a:ext>
             </a:extLst>
           </a:blip>
@@ -5087,7 +4976,7 @@
           <a:blip r:embed="rId3">
             <a:extLst>
               <a:ext uri="{28A0092B-C50C-407E-A947-70E740481C1C}">
-                <a14:useLocalDpi xmlns:a14="http://schemas.microsoft.com/office/drawing/2010/main" xmlns:p="http://schemas.openxmlformats.org/presentationml/2006/main" xmlns:r="http://schemas.openxmlformats.org/officeDocument/2006/relationships" xmlns:a="http://schemas.openxmlformats.org/drawingml/2006/main" xmlns="" val="0"/>
+                <a14:useLocalDpi xmlns:a14="http://schemas.microsoft.com/office/drawing/2010/main" val="0"/>
               </a:ext>
             </a:extLst>
           </a:blip>
@@ -5105,7 +4994,7 @@
     </p:spTree>
     <p:extLst>
       <p:ext uri="{BB962C8B-B14F-4D97-AF65-F5344CB8AC3E}">
-        <p14:creationId xmlns:p14="http://schemas.microsoft.com/office/powerpoint/2010/main" xmlns:p="http://schemas.openxmlformats.org/presentationml/2006/main" xmlns:r="http://schemas.openxmlformats.org/officeDocument/2006/relationships" xmlns:a="http://schemas.openxmlformats.org/drawingml/2006/main" xmlns="" val="1663329094"/>
+        <p14:creationId xmlns:p14="http://schemas.microsoft.com/office/powerpoint/2010/main" val="1663329094"/>
       </p:ext>
     </p:extLst>
   </p:cSld>
@@ -5115,8 +5004,8 @@
 </p:sld>
 </file>
 
-<file path=ppt/slides/slide2.xml><?xml version="1.0" encoding="utf-8"?>
-<p:sld xmlns:a="http://schemas.openxmlformats.org/drawingml/2006/main" xmlns:r="http://schemas.openxmlformats.org/officeDocument/2006/relationships" xmlns:mc="http://schemas.openxmlformats.org/markup-compatibility/2006" xmlns:mv="urn:schemas-microsoft-com:mac:vml" xmlns:p="http://schemas.openxmlformats.org/presentationml/2006/main" mc:Ignorable="mv" mc:PreserveAttributes="mv:*">
+<file path=ppt/slides/slide19.xml><?xml version="1.0" encoding="utf-8"?>
+<p:sld xmlns:a="http://schemas.openxmlformats.org/drawingml/2006/main" xmlns:r="http://schemas.openxmlformats.org/officeDocument/2006/relationships" xmlns:p="http://schemas.openxmlformats.org/presentationml/2006/main">
   <p:cSld>
     <p:spTree>
       <p:nvGrpSpPr>
@@ -5134,171 +5023,6 @@
       </p:grpSpPr>
       <p:sp>
         <p:nvSpPr>
-          <p:cNvPr id="5" name="Tittel 4"/>
-          <p:cNvSpPr>
-            <a:spLocks noGrp="1"/>
-          </p:cNvSpPr>
-          <p:nvPr>
-            <p:ph type="title"/>
-          </p:nvPr>
-        </p:nvSpPr>
-        <p:spPr/>
-        <p:txBody>
-          <a:bodyPr/>
-          <a:lstStyle/>
-          <a:p>
-            <a:r>
-              <a:rPr lang="nb-NO" dirty="0" err="1" smtClean="0"/>
-              <a:t>Outline</a:t>
-            </a:r>
-            <a:r>
-              <a:rPr lang="nb-NO" dirty="0" smtClean="0"/>
-              <a:t> (</a:t>
-            </a:r>
-            <a:r>
-              <a:rPr lang="nb-NO" dirty="0" err="1" smtClean="0"/>
-              <a:t>sketch</a:t>
-            </a:r>
-            <a:r>
-              <a:rPr lang="nb-NO" dirty="0" smtClean="0"/>
-              <a:t>)</a:t>
-            </a:r>
-            <a:endParaRPr lang="en-GB" dirty="0"/>
-          </a:p>
-        </p:txBody>
-      </p:sp>
-      <p:sp>
-        <p:nvSpPr>
-          <p:cNvPr id="6" name="Plassholder for innhold 5"/>
-          <p:cNvSpPr>
-            <a:spLocks noGrp="1"/>
-          </p:cNvSpPr>
-          <p:nvPr>
-            <p:ph idx="1"/>
-          </p:nvPr>
-        </p:nvSpPr>
-        <p:spPr/>
-        <p:txBody>
-          <a:bodyPr/>
-          <a:lstStyle/>
-          <a:p>
-            <a:r>
-              <a:rPr lang="nb-NO" dirty="0" smtClean="0"/>
-              <a:t>The team and </a:t>
-            </a:r>
-            <a:r>
-              <a:rPr lang="nb-NO" dirty="0" err="1" smtClean="0"/>
-              <a:t>the</a:t>
-            </a:r>
-            <a:r>
-              <a:rPr lang="nb-NO" dirty="0" smtClean="0"/>
-              <a:t> </a:t>
-            </a:r>
-            <a:r>
-              <a:rPr lang="nb-NO" dirty="0" err="1" smtClean="0"/>
-              <a:t>customer</a:t>
-            </a:r>
-            <a:r>
-              <a:rPr lang="nb-NO" dirty="0" smtClean="0"/>
-              <a:t>.</a:t>
-            </a:r>
-          </a:p>
-          <a:p>
-            <a:r>
-              <a:rPr lang="nb-NO" dirty="0" smtClean="0"/>
-              <a:t>The </a:t>
-            </a:r>
-            <a:r>
-              <a:rPr lang="nb-NO" dirty="0" err="1" smtClean="0"/>
-              <a:t>task</a:t>
-            </a:r>
-            <a:r>
-              <a:rPr lang="nb-NO" dirty="0" smtClean="0"/>
-              <a:t>.</a:t>
-            </a:r>
-          </a:p>
-          <a:p>
-            <a:r>
-              <a:rPr lang="nb-NO" dirty="0" smtClean="0"/>
-              <a:t>Choices </a:t>
-            </a:r>
-            <a:r>
-              <a:rPr lang="nb-NO" dirty="0" err="1" smtClean="0"/>
-              <a:t>we</a:t>
-            </a:r>
-            <a:r>
-              <a:rPr lang="nb-NO" dirty="0" smtClean="0"/>
-              <a:t> </a:t>
-            </a:r>
-            <a:r>
-              <a:rPr lang="nb-NO" dirty="0" err="1" smtClean="0"/>
-              <a:t>made</a:t>
-            </a:r>
-            <a:r>
-              <a:rPr lang="nb-NO" dirty="0" smtClean="0"/>
-              <a:t>.</a:t>
-            </a:r>
-          </a:p>
-          <a:p>
-            <a:r>
-              <a:rPr lang="nb-NO" dirty="0" smtClean="0"/>
-              <a:t>The sprints</a:t>
-            </a:r>
-          </a:p>
-          <a:p>
-            <a:r>
-              <a:rPr lang="nb-NO" dirty="0" smtClean="0"/>
-              <a:t>Demo</a:t>
-            </a:r>
-          </a:p>
-          <a:p>
-            <a:r>
-              <a:rPr lang="nb-NO" dirty="0" smtClean="0"/>
-              <a:t>Questions and </a:t>
-            </a:r>
-            <a:r>
-              <a:rPr lang="nb-NO" dirty="0" err="1" smtClean="0"/>
-              <a:t>answers</a:t>
-            </a:r>
-            <a:r>
-              <a:rPr lang="nb-NO" dirty="0" smtClean="0"/>
-              <a:t>.</a:t>
-            </a:r>
-          </a:p>
-        </p:txBody>
-      </p:sp>
-    </p:spTree>
-    <p:extLst>
-      <p:ext uri="{BB962C8B-B14F-4D97-AF65-F5344CB8AC3E}">
-        <p14:creationId xmlns:p14="http://schemas.microsoft.com/office/powerpoint/2010/main" xmlns:p="http://schemas.openxmlformats.org/presentationml/2006/main" xmlns:r="http://schemas.openxmlformats.org/officeDocument/2006/relationships" xmlns:a="http://schemas.openxmlformats.org/drawingml/2006/main" xmlns="" val="4197995715"/>
-      </p:ext>
-    </p:extLst>
-  </p:cSld>
-  <p:clrMapOvr>
-    <a:masterClrMapping/>
-  </p:clrMapOvr>
-</p:sld>
-</file>
-
-<file path=ppt/slides/slide20.xml><?xml version="1.0" encoding="utf-8"?>
-<p:sld xmlns:a="http://schemas.openxmlformats.org/drawingml/2006/main" xmlns:r="http://schemas.openxmlformats.org/officeDocument/2006/relationships" xmlns:mc="http://schemas.openxmlformats.org/markup-compatibility/2006" xmlns:mv="urn:schemas-microsoft-com:mac:vml" xmlns:p="http://schemas.openxmlformats.org/presentationml/2006/main" mc:Ignorable="mv" mc:PreserveAttributes="mv:*">
-  <p:cSld>
-    <p:spTree>
-      <p:nvGrpSpPr>
-        <p:cNvPr id="1" name=""/>
-        <p:cNvGrpSpPr/>
-        <p:nvPr/>
-      </p:nvGrpSpPr>
-      <p:grpSpPr>
-        <a:xfrm>
-          <a:off x="0" y="0"/>
-          <a:ext cx="0" cy="0"/>
-          <a:chOff x="0" y="0"/>
-          <a:chExt cx="0" cy="0"/>
-        </a:xfrm>
-      </p:grpSpPr>
-      <p:sp>
-        <p:nvSpPr>
           <p:cNvPr id="2" name="Tittel 1"/>
           <p:cNvSpPr>
             <a:spLocks noGrp="1"/>
@@ -5346,7 +5070,7 @@
           <a:blip r:embed="rId2">
             <a:extLst>
               <a:ext uri="{28A0092B-C50C-407E-A947-70E740481C1C}">
-                <a14:useLocalDpi xmlns:a14="http://schemas.microsoft.com/office/drawing/2010/main" xmlns:p="http://schemas.openxmlformats.org/presentationml/2006/main" xmlns:r="http://schemas.openxmlformats.org/officeDocument/2006/relationships" xmlns:a="http://schemas.openxmlformats.org/drawingml/2006/main" xmlns="" val="0"/>
+                <a14:useLocalDpi xmlns:a14="http://schemas.microsoft.com/office/drawing/2010/main" val="0"/>
               </a:ext>
             </a:extLst>
           </a:blip>
@@ -5375,7 +5099,7 @@
           <a:blip r:embed="rId3">
             <a:extLst>
               <a:ext uri="{28A0092B-C50C-407E-A947-70E740481C1C}">
-                <a14:useLocalDpi xmlns:a14="http://schemas.microsoft.com/office/drawing/2010/main" xmlns:p="http://schemas.openxmlformats.org/presentationml/2006/main" xmlns:r="http://schemas.openxmlformats.org/officeDocument/2006/relationships" xmlns:a="http://schemas.openxmlformats.org/drawingml/2006/main" xmlns="" val="0"/>
+                <a14:useLocalDpi xmlns:a14="http://schemas.microsoft.com/office/drawing/2010/main" val="0"/>
               </a:ext>
             </a:extLst>
           </a:blip>
@@ -5402,7 +5126,7 @@
           <a:blip r:embed="rId4">
             <a:extLst>
               <a:ext uri="{28A0092B-C50C-407E-A947-70E740481C1C}">
-                <a14:useLocalDpi xmlns:a14="http://schemas.microsoft.com/office/drawing/2010/main" xmlns:p="http://schemas.openxmlformats.org/presentationml/2006/main" xmlns:r="http://schemas.openxmlformats.org/officeDocument/2006/relationships" xmlns:a="http://schemas.openxmlformats.org/drawingml/2006/main" xmlns="" val="0"/>
+                <a14:useLocalDpi xmlns:a14="http://schemas.microsoft.com/office/drawing/2010/main" val="0"/>
               </a:ext>
             </a:extLst>
           </a:blip>
@@ -5422,7 +5146,7 @@
           <a:noFill/>
           <a:extLst>
             <a:ext uri="{909E8E84-426E-40DD-AFC4-6F175D3DCCD1}">
-              <a14:hiddenFill xmlns:a14="http://schemas.microsoft.com/office/drawing/2010/main" xmlns:p="http://schemas.openxmlformats.org/presentationml/2006/main" xmlns:r="http://schemas.openxmlformats.org/officeDocument/2006/relationships" xmlns:a="http://schemas.openxmlformats.org/drawingml/2006/main" xmlns="">
+              <a14:hiddenFill xmlns:a14="http://schemas.microsoft.com/office/drawing/2010/main">
                 <a:solidFill>
                   <a:srgbClr val="FFFFFF"/>
                 </a:solidFill>
@@ -5434,7 +5158,7 @@
     </p:spTree>
     <p:extLst>
       <p:ext uri="{BB962C8B-B14F-4D97-AF65-F5344CB8AC3E}">
-        <p14:creationId xmlns:p14="http://schemas.microsoft.com/office/powerpoint/2010/main" xmlns:p="http://schemas.openxmlformats.org/presentationml/2006/main" xmlns:r="http://schemas.openxmlformats.org/officeDocument/2006/relationships" xmlns:a="http://schemas.openxmlformats.org/drawingml/2006/main" xmlns="" val="2562182055"/>
+        <p14:creationId xmlns:p14="http://schemas.microsoft.com/office/powerpoint/2010/main" val="2562182055"/>
       </p:ext>
     </p:extLst>
   </p:cSld>
@@ -5444,8 +5168,8 @@
 </p:sld>
 </file>
 
-<file path=ppt/slides/slide21.xml><?xml version="1.0" encoding="utf-8"?>
-<p:sld xmlns:a="http://schemas.openxmlformats.org/drawingml/2006/main" xmlns:r="http://schemas.openxmlformats.org/officeDocument/2006/relationships" xmlns:mc="http://schemas.openxmlformats.org/markup-compatibility/2006" xmlns:mv="urn:schemas-microsoft-com:mac:vml" xmlns:p="http://schemas.openxmlformats.org/presentationml/2006/main" mc:Ignorable="mv" mc:PreserveAttributes="mv:*">
+<file path=ppt/slides/slide2.xml><?xml version="1.0" encoding="utf-8"?>
+<p:sld xmlns:a="http://schemas.openxmlformats.org/drawingml/2006/main" xmlns:r="http://schemas.openxmlformats.org/officeDocument/2006/relationships" xmlns:p="http://schemas.openxmlformats.org/presentationml/2006/main">
   <p:cSld>
     <p:spTree>
       <p:nvGrpSpPr>
@@ -5463,7 +5187,7 @@
       </p:grpSpPr>
       <p:sp>
         <p:nvSpPr>
-          <p:cNvPr id="2" name="Tittel 1"/>
+          <p:cNvPr id="5" name="Tittel 4"/>
           <p:cNvSpPr>
             <a:spLocks noGrp="1"/>
           </p:cNvSpPr>
@@ -5477,8 +5201,20 @@
           <a:lstStyle/>
           <a:p>
             <a:r>
-              <a:rPr lang="nb-NO" dirty="0" smtClean="0"/>
-              <a:t>Sprint 2</a:t>
+              <a:rPr lang="nb-NO" dirty="0" err="1" smtClean="0"/>
+              <a:t>Outline</a:t>
+            </a:r>
+            <a:r>
+              <a:rPr lang="nb-NO" dirty="0" smtClean="0"/>
+              <a:t> (</a:t>
+            </a:r>
+            <a:r>
+              <a:rPr lang="nb-NO" dirty="0" err="1" smtClean="0"/>
+              <a:t>sketch</a:t>
+            </a:r>
+            <a:r>
+              <a:rPr lang="nb-NO" dirty="0" smtClean="0"/>
+              <a:t>)</a:t>
             </a:r>
             <a:endParaRPr lang="en-GB" dirty="0"/>
           </a:p>
@@ -5486,7 +5222,7 @@
       </p:sp>
       <p:sp>
         <p:nvSpPr>
-          <p:cNvPr id="3" name="Plassholder for innhold 2"/>
+          <p:cNvPr id="6" name="Plassholder for innhold 5"/>
           <p:cNvSpPr>
             <a:spLocks noGrp="1"/>
           </p:cNvSpPr>
@@ -5499,14 +5235,95 @@
           <a:bodyPr/>
           <a:lstStyle/>
           <a:p>
-            <a:endParaRPr lang="en-GB"/>
+            <a:r>
+              <a:rPr lang="nb-NO" dirty="0" smtClean="0"/>
+              <a:t>The team and </a:t>
+            </a:r>
+            <a:r>
+              <a:rPr lang="nb-NO" dirty="0" err="1" smtClean="0"/>
+              <a:t>the</a:t>
+            </a:r>
+            <a:r>
+              <a:rPr lang="nb-NO" dirty="0" smtClean="0"/>
+              <a:t> </a:t>
+            </a:r>
+            <a:r>
+              <a:rPr lang="nb-NO" dirty="0" err="1" smtClean="0"/>
+              <a:t>customer</a:t>
+            </a:r>
+            <a:r>
+              <a:rPr lang="nb-NO" dirty="0" smtClean="0"/>
+              <a:t>.</a:t>
+            </a:r>
+          </a:p>
+          <a:p>
+            <a:r>
+              <a:rPr lang="nb-NO" dirty="0" smtClean="0"/>
+              <a:t>The </a:t>
+            </a:r>
+            <a:r>
+              <a:rPr lang="nb-NO" dirty="0" err="1" smtClean="0"/>
+              <a:t>task</a:t>
+            </a:r>
+            <a:r>
+              <a:rPr lang="nb-NO" dirty="0" smtClean="0"/>
+              <a:t>.</a:t>
+            </a:r>
+          </a:p>
+          <a:p>
+            <a:r>
+              <a:rPr lang="nb-NO" dirty="0" smtClean="0"/>
+              <a:t>Choices </a:t>
+            </a:r>
+            <a:r>
+              <a:rPr lang="nb-NO" dirty="0" err="1" smtClean="0"/>
+              <a:t>we</a:t>
+            </a:r>
+            <a:r>
+              <a:rPr lang="nb-NO" dirty="0" smtClean="0"/>
+              <a:t> </a:t>
+            </a:r>
+            <a:r>
+              <a:rPr lang="nb-NO" dirty="0" err="1" smtClean="0"/>
+              <a:t>made</a:t>
+            </a:r>
+            <a:r>
+              <a:rPr lang="nb-NO" dirty="0" smtClean="0"/>
+              <a:t>.</a:t>
+            </a:r>
+          </a:p>
+          <a:p>
+            <a:r>
+              <a:rPr lang="nb-NO" dirty="0" smtClean="0"/>
+              <a:t>The sprints</a:t>
+            </a:r>
+          </a:p>
+          <a:p>
+            <a:r>
+              <a:rPr lang="nb-NO" dirty="0" smtClean="0"/>
+              <a:t>Demo</a:t>
+            </a:r>
+          </a:p>
+          <a:p>
+            <a:r>
+              <a:rPr lang="nb-NO" dirty="0" smtClean="0"/>
+              <a:t>Questions and </a:t>
+            </a:r>
+            <a:r>
+              <a:rPr lang="nb-NO" dirty="0" err="1" smtClean="0"/>
+              <a:t>answers</a:t>
+            </a:r>
+            <a:r>
+              <a:rPr lang="nb-NO" dirty="0" smtClean="0"/>
+              <a:t>.</a:t>
+            </a:r>
           </a:p>
         </p:txBody>
       </p:sp>
     </p:spTree>
     <p:extLst>
       <p:ext uri="{BB962C8B-B14F-4D97-AF65-F5344CB8AC3E}">
-        <p14:creationId xmlns:p14="http://schemas.microsoft.com/office/powerpoint/2010/main" xmlns:p="http://schemas.openxmlformats.org/presentationml/2006/main" xmlns:r="http://schemas.openxmlformats.org/officeDocument/2006/relationships" xmlns:a="http://schemas.openxmlformats.org/drawingml/2006/main" xmlns="" val="2505814243"/>
+        <p14:creationId xmlns:p14="http://schemas.microsoft.com/office/powerpoint/2010/main" val="4197995715"/>
       </p:ext>
     </p:extLst>
   </p:cSld>
@@ -5516,8 +5333,8 @@
 </p:sld>
 </file>
 
-<file path=ppt/slides/slide22.xml><?xml version="1.0" encoding="utf-8"?>
-<p:sld xmlns:a="http://schemas.openxmlformats.org/drawingml/2006/main" xmlns:r="http://schemas.openxmlformats.org/officeDocument/2006/relationships" xmlns:mc="http://schemas.openxmlformats.org/markup-compatibility/2006" xmlns:mv="urn:schemas-microsoft-com:mac:vml" xmlns:p="http://schemas.openxmlformats.org/presentationml/2006/main" mc:Ignorable="mv" mc:PreserveAttributes="mv:*">
+<file path=ppt/slides/slide20.xml><?xml version="1.0" encoding="utf-8"?>
+<p:sld xmlns:a="http://schemas.openxmlformats.org/drawingml/2006/main" xmlns:r="http://schemas.openxmlformats.org/officeDocument/2006/relationships" xmlns:p="http://schemas.openxmlformats.org/presentationml/2006/main">
   <p:cSld>
     <p:spTree>
       <p:nvGrpSpPr>
@@ -5550,7 +5367,7 @@
           <a:p>
             <a:r>
               <a:rPr lang="nb-NO" dirty="0" smtClean="0"/>
-              <a:t>Sprint 3</a:t>
+              <a:t>Testing</a:t>
             </a:r>
             <a:endParaRPr lang="en-GB" dirty="0"/>
           </a:p>
@@ -5558,7 +5375,7 @@
       </p:sp>
       <p:sp>
         <p:nvSpPr>
-          <p:cNvPr id="3" name="Plassholder for innhold 2"/>
+          <p:cNvPr id="5" name="Plassholder for innhold 4"/>
           <p:cNvSpPr>
             <a:spLocks noGrp="1"/>
           </p:cNvSpPr>
@@ -5571,14 +5388,72 @@
           <a:bodyPr/>
           <a:lstStyle/>
           <a:p>
-            <a:endParaRPr lang="en-GB"/>
+            <a:r>
+              <a:rPr lang="nb-NO" dirty="0" smtClean="0"/>
+              <a:t>No </a:t>
+            </a:r>
+            <a:r>
+              <a:rPr lang="nb-NO" dirty="0" err="1" smtClean="0"/>
+              <a:t>access</a:t>
+            </a:r>
+            <a:r>
+              <a:rPr lang="nb-NO" dirty="0" smtClean="0"/>
+              <a:t> to real test input or </a:t>
+            </a:r>
+            <a:r>
+              <a:rPr lang="nb-NO" dirty="0" err="1" smtClean="0"/>
+              <a:t>results</a:t>
+            </a:r>
+            <a:endParaRPr lang="nb-NO" dirty="0" smtClean="0"/>
+          </a:p>
+          <a:p>
+            <a:r>
+              <a:rPr lang="nb-NO" dirty="0" err="1" smtClean="0"/>
+              <a:t>Customer</a:t>
+            </a:r>
+            <a:r>
+              <a:rPr lang="nb-NO" dirty="0" smtClean="0"/>
+              <a:t> has </a:t>
+            </a:r>
+            <a:r>
+              <a:rPr lang="nb-NO" dirty="0" err="1" smtClean="0"/>
+              <a:t>provided</a:t>
+            </a:r>
+            <a:r>
+              <a:rPr lang="nb-NO" dirty="0" smtClean="0"/>
+              <a:t> </a:t>
+            </a:r>
+            <a:r>
+              <a:rPr lang="nb-NO" dirty="0" err="1" smtClean="0"/>
+              <a:t>some</a:t>
+            </a:r>
+            <a:r>
+              <a:rPr lang="nb-NO" dirty="0" smtClean="0"/>
+              <a:t> </a:t>
+            </a:r>
+            <a:r>
+              <a:rPr lang="nb-NO" dirty="0" err="1" smtClean="0"/>
+              <a:t>examples</a:t>
+            </a:r>
+            <a:endParaRPr lang="nb-NO" dirty="0" smtClean="0"/>
+          </a:p>
+          <a:p>
+            <a:r>
+              <a:rPr lang="nb-NO" dirty="0" smtClean="0"/>
+              <a:t>Most rest data must be hand </a:t>
+            </a:r>
+            <a:r>
+              <a:rPr lang="nb-NO" dirty="0" err="1" smtClean="0"/>
+              <a:t>made</a:t>
+            </a:r>
+            <a:endParaRPr lang="en-GB" dirty="0"/>
           </a:p>
         </p:txBody>
       </p:sp>
     </p:spTree>
     <p:extLst>
       <p:ext uri="{BB962C8B-B14F-4D97-AF65-F5344CB8AC3E}">
-        <p14:creationId xmlns:p14="http://schemas.microsoft.com/office/powerpoint/2010/main" xmlns:p="http://schemas.openxmlformats.org/presentationml/2006/main" xmlns:r="http://schemas.openxmlformats.org/officeDocument/2006/relationships" xmlns:a="http://schemas.openxmlformats.org/drawingml/2006/main" xmlns="" val="238090621"/>
+        <p14:creationId xmlns:p14="http://schemas.microsoft.com/office/powerpoint/2010/main" val="302753847"/>
       </p:ext>
     </p:extLst>
   </p:cSld>
@@ -5588,8 +5463,8 @@
 </p:sld>
 </file>
 
-<file path=ppt/slides/slide23.xml><?xml version="1.0" encoding="utf-8"?>
-<p:sld xmlns:a="http://schemas.openxmlformats.org/drawingml/2006/main" xmlns:r="http://schemas.openxmlformats.org/officeDocument/2006/relationships" xmlns:mc="http://schemas.openxmlformats.org/markup-compatibility/2006" xmlns:mv="urn:schemas-microsoft-com:mac:vml" xmlns:p="http://schemas.openxmlformats.org/presentationml/2006/main" mc:Ignorable="mv" mc:PreserveAttributes="mv:*">
+<file path=ppt/slides/slide21.xml><?xml version="1.0" encoding="utf-8"?>
+<p:sld xmlns:a="http://schemas.openxmlformats.org/drawingml/2006/main" xmlns:r="http://schemas.openxmlformats.org/officeDocument/2006/relationships" xmlns:p="http://schemas.openxmlformats.org/presentationml/2006/main">
   <p:cSld>
     <p:spTree>
       <p:nvGrpSpPr>
@@ -5607,7 +5482,7 @@
       </p:grpSpPr>
       <p:sp>
         <p:nvSpPr>
-          <p:cNvPr id="2" name="Tittel 1"/>
+          <p:cNvPr id="5" name="Tittel 4"/>
           <p:cNvSpPr>
             <a:spLocks noGrp="1"/>
           </p:cNvSpPr>
@@ -5622,7 +5497,11 @@
           <a:p>
             <a:r>
               <a:rPr lang="nb-NO" dirty="0" smtClean="0"/>
-              <a:t>Sprint 4</a:t>
+              <a:t>Sprint 1 </a:t>
+            </a:r>
+            <a:r>
+              <a:rPr lang="nb-NO" dirty="0" err="1" smtClean="0"/>
+              <a:t>retrospect</a:t>
             </a:r>
             <a:endParaRPr lang="en-GB" dirty="0"/>
           </a:p>
@@ -5630,7 +5509,7 @@
       </p:sp>
       <p:sp>
         <p:nvSpPr>
-          <p:cNvPr id="3" name="Plassholder for innhold 2"/>
+          <p:cNvPr id="6" name="Plassholder for innhold 5"/>
           <p:cNvSpPr>
             <a:spLocks noGrp="1"/>
           </p:cNvSpPr>
@@ -5643,14 +5522,14 @@
           <a:bodyPr/>
           <a:lstStyle/>
           <a:p>
-            <a:endParaRPr lang="en-GB"/>
+            <a:endParaRPr lang="en-GB" dirty="0"/>
           </a:p>
         </p:txBody>
       </p:sp>
     </p:spTree>
     <p:extLst>
       <p:ext uri="{BB962C8B-B14F-4D97-AF65-F5344CB8AC3E}">
-        <p14:creationId xmlns:p14="http://schemas.microsoft.com/office/powerpoint/2010/main" xmlns:p="http://schemas.openxmlformats.org/presentationml/2006/main" xmlns:r="http://schemas.openxmlformats.org/officeDocument/2006/relationships" xmlns:a="http://schemas.openxmlformats.org/drawingml/2006/main" xmlns="" val="3432911911"/>
+        <p14:creationId xmlns:p14="http://schemas.microsoft.com/office/powerpoint/2010/main" val="3285035911"/>
       </p:ext>
     </p:extLst>
   </p:cSld>
@@ -5660,8 +5539,8 @@
 </p:sld>
 </file>
 
-<file path=ppt/slides/slide24.xml><?xml version="1.0" encoding="utf-8"?>
-<p:sld xmlns:a="http://schemas.openxmlformats.org/drawingml/2006/main" xmlns:r="http://schemas.openxmlformats.org/officeDocument/2006/relationships" xmlns:mc="http://schemas.openxmlformats.org/markup-compatibility/2006" xmlns:mv="urn:schemas-microsoft-com:mac:vml" xmlns:p="http://schemas.openxmlformats.org/presentationml/2006/main" mc:Ignorable="mv" mc:PreserveAttributes="mv:*">
+<file path=ppt/slides/slide22.xml><?xml version="1.0" encoding="utf-8"?>
+<p:sld xmlns:a="http://schemas.openxmlformats.org/drawingml/2006/main" xmlns:r="http://schemas.openxmlformats.org/officeDocument/2006/relationships" xmlns:p="http://schemas.openxmlformats.org/presentationml/2006/main">
   <p:cSld>
     <p:spTree>
       <p:nvGrpSpPr>
@@ -5693,8 +5572,8 @@
           <a:lstStyle/>
           <a:p>
             <a:r>
-              <a:rPr lang="en-GB" dirty="0" smtClean="0"/>
-              <a:t>Limitations</a:t>
+              <a:rPr lang="nb-NO" dirty="0" smtClean="0"/>
+              <a:t>Sprint 2</a:t>
             </a:r>
             <a:endParaRPr lang="en-GB" dirty="0"/>
           </a:p>
@@ -5716,25 +5595,1503 @@
           <a:lstStyle/>
           <a:p>
             <a:r>
-              <a:rPr lang="en-GB" dirty="0" smtClean="0"/>
-              <a:t>Thales has the military as a customer, so the code is confedential.</a:t>
-            </a:r>
-          </a:p>
-          <a:p>
-            <a:r>
-              <a:rPr lang="en-GB" dirty="0" smtClean="0"/>
-              <a:t>Wireshark’s lua integration is under development, and buggy.</a:t>
-            </a:r>
-          </a:p>
-          <a:p>
-            <a:endParaRPr lang="en-GB" dirty="0" smtClean="0"/>
+              <a:rPr lang="nb-NO" dirty="0" smtClean="0"/>
+              <a:t>Support for non-primitive C types</a:t>
+            </a:r>
+          </a:p>
+          <a:p>
+            <a:r>
+              <a:rPr lang="nb-NO" dirty="0" err="1" smtClean="0"/>
+              <a:t>Configuration</a:t>
+            </a:r>
+            <a:r>
+              <a:rPr lang="nb-NO" dirty="0" smtClean="0"/>
+              <a:t> </a:t>
+            </a:r>
+            <a:r>
+              <a:rPr lang="nb-NO" dirty="0" err="1" smtClean="0"/>
+              <a:t>of</a:t>
+            </a:r>
+            <a:r>
+              <a:rPr lang="nb-NO" dirty="0" smtClean="0"/>
+              <a:t> type and </a:t>
+            </a:r>
+            <a:r>
+              <a:rPr lang="nb-NO" dirty="0" err="1" smtClean="0"/>
+              <a:t>member</a:t>
+            </a:r>
+            <a:r>
+              <a:rPr lang="nb-NO" dirty="0" smtClean="0"/>
+              <a:t> </a:t>
+            </a:r>
+            <a:r>
+              <a:rPr lang="nb-NO" dirty="0" err="1" smtClean="0"/>
+              <a:t>semantic</a:t>
+            </a:r>
+            <a:endParaRPr lang="nb-NO" dirty="0" smtClean="0"/>
+          </a:p>
+          <a:p>
+            <a:r>
+              <a:rPr lang="nb-NO" dirty="0" smtClean="0"/>
+              <a:t>Support for 3. party </a:t>
+            </a:r>
+            <a:r>
+              <a:rPr lang="nb-NO" dirty="0" err="1" smtClean="0"/>
+              <a:t>dissectors</a:t>
+            </a:r>
+            <a:r>
+              <a:rPr lang="nb-NO" dirty="0" smtClean="0"/>
+              <a:t> to </a:t>
+            </a:r>
+            <a:r>
+              <a:rPr lang="nb-NO" dirty="0" err="1" smtClean="0"/>
+              <a:t>decode</a:t>
+            </a:r>
+            <a:r>
+              <a:rPr lang="nb-NO" dirty="0" smtClean="0"/>
+              <a:t> trailers </a:t>
+            </a:r>
+            <a:r>
+              <a:rPr lang="nb-NO" dirty="0" err="1" smtClean="0"/>
+              <a:t>of</a:t>
+            </a:r>
+            <a:r>
+              <a:rPr lang="nb-NO" dirty="0" smtClean="0"/>
+              <a:t> a </a:t>
+            </a:r>
+            <a:r>
+              <a:rPr lang="nb-NO" dirty="0" err="1" smtClean="0"/>
+              <a:t>message</a:t>
+            </a:r>
+            <a:endParaRPr lang="nb-NO" dirty="0"/>
+          </a:p>
+          <a:p>
+            <a:r>
+              <a:rPr lang="nb-NO" dirty="0" err="1" smtClean="0"/>
+              <a:t>Refactor</a:t>
+            </a:r>
+            <a:r>
+              <a:rPr lang="nb-NO" dirty="0" smtClean="0"/>
+              <a:t> </a:t>
+            </a:r>
+            <a:r>
+              <a:rPr lang="nb-NO" dirty="0" err="1" smtClean="0"/>
+              <a:t>code</a:t>
+            </a:r>
+            <a:r>
+              <a:rPr lang="nb-NO" dirty="0" smtClean="0"/>
+              <a:t> from sprint 1</a:t>
+            </a:r>
+          </a:p>
+          <a:p>
+            <a:endParaRPr lang="en-GB" dirty="0"/>
           </a:p>
         </p:txBody>
       </p:sp>
     </p:spTree>
     <p:extLst>
       <p:ext uri="{BB962C8B-B14F-4D97-AF65-F5344CB8AC3E}">
-        <p14:creationId xmlns:p14="http://schemas.microsoft.com/office/powerpoint/2010/main" xmlns:p="http://schemas.openxmlformats.org/presentationml/2006/main" xmlns:r="http://schemas.openxmlformats.org/officeDocument/2006/relationships" xmlns:a="http://schemas.openxmlformats.org/drawingml/2006/main" xmlns="" val="779040666"/>
+        <p14:creationId xmlns:p14="http://schemas.microsoft.com/office/powerpoint/2010/main" val="2505814243"/>
+      </p:ext>
+    </p:extLst>
+  </p:cSld>
+  <p:clrMapOvr>
+    <a:masterClrMapping/>
+  </p:clrMapOvr>
+</p:sld>
+</file>
+
+<file path=ppt/slides/slide23.xml><?xml version="1.0" encoding="utf-8"?>
+<p:sld xmlns:a="http://schemas.openxmlformats.org/drawingml/2006/main" xmlns:r="http://schemas.openxmlformats.org/officeDocument/2006/relationships" xmlns:p="http://schemas.openxmlformats.org/presentationml/2006/main">
+  <p:cSld>
+    <p:spTree>
+      <p:nvGrpSpPr>
+        <p:cNvPr id="1" name=""/>
+        <p:cNvGrpSpPr/>
+        <p:nvPr/>
+      </p:nvGrpSpPr>
+      <p:grpSpPr>
+        <a:xfrm>
+          <a:off x="0" y="0"/>
+          <a:ext cx="0" cy="0"/>
+          <a:chOff x="0" y="0"/>
+          <a:chExt cx="0" cy="0"/>
+        </a:xfrm>
+      </p:grpSpPr>
+      <p:sp>
+        <p:nvSpPr>
+          <p:cNvPr id="2" name="Tittel 1"/>
+          <p:cNvSpPr>
+            <a:spLocks noGrp="1"/>
+          </p:cNvSpPr>
+          <p:nvPr>
+            <p:ph type="title"/>
+          </p:nvPr>
+        </p:nvSpPr>
+        <p:spPr/>
+        <p:txBody>
+          <a:bodyPr/>
+          <a:lstStyle/>
+          <a:p>
+            <a:r>
+              <a:rPr lang="nb-NO" dirty="0" smtClean="0"/>
+              <a:t>Moduler</a:t>
+            </a:r>
+            <a:endParaRPr lang="en-GB" dirty="0"/>
+          </a:p>
+        </p:txBody>
+      </p:sp>
+      <p:pic>
+        <p:nvPicPr>
+          <p:cNvPr id="4" name="Plassholder for innhold 3"/>
+          <p:cNvPicPr>
+            <a:picLocks noGrp="1" noChangeAspect="1"/>
+          </p:cNvPicPr>
+          <p:nvPr>
+            <p:ph idx="1"/>
+          </p:nvPr>
+        </p:nvPicPr>
+        <p:blipFill>
+          <a:blip r:embed="rId2">
+            <a:extLst>
+              <a:ext uri="{28A0092B-C50C-407E-A947-70E740481C1C}">
+                <a14:useLocalDpi xmlns:a14="http://schemas.microsoft.com/office/drawing/2010/main" val="0"/>
+              </a:ext>
+            </a:extLst>
+          </a:blip>
+          <a:stretch>
+            <a:fillRect/>
+          </a:stretch>
+        </p:blipFill>
+        <p:spPr>
+          <a:xfrm>
+            <a:off x="2520520" y="1733229"/>
+            <a:ext cx="4190246" cy="3908074"/>
+          </a:xfrm>
+        </p:spPr>
+      </p:pic>
+    </p:spTree>
+    <p:extLst>
+      <p:ext uri="{BB962C8B-B14F-4D97-AF65-F5344CB8AC3E}">
+        <p14:creationId xmlns:p14="http://schemas.microsoft.com/office/powerpoint/2010/main" val="1444075846"/>
+      </p:ext>
+    </p:extLst>
+  </p:cSld>
+  <p:clrMapOvr>
+    <a:masterClrMapping/>
+  </p:clrMapOvr>
+</p:sld>
+</file>
+
+<file path=ppt/slides/slide24.xml><?xml version="1.0" encoding="utf-8"?>
+<p:sld xmlns:a="http://schemas.openxmlformats.org/drawingml/2006/main" xmlns:r="http://schemas.openxmlformats.org/officeDocument/2006/relationships" xmlns:p="http://schemas.openxmlformats.org/presentationml/2006/main">
+  <p:cSld>
+    <p:spTree>
+      <p:nvGrpSpPr>
+        <p:cNvPr id="1" name=""/>
+        <p:cNvGrpSpPr/>
+        <p:nvPr/>
+      </p:nvGrpSpPr>
+      <p:grpSpPr>
+        <a:xfrm>
+          <a:off x="0" y="0"/>
+          <a:ext cx="0" cy="0"/>
+          <a:chOff x="0" y="0"/>
+          <a:chExt cx="0" cy="0"/>
+        </a:xfrm>
+      </p:grpSpPr>
+      <p:sp>
+        <p:nvSpPr>
+          <p:cNvPr id="2" name="Tittel 1"/>
+          <p:cNvSpPr>
+            <a:spLocks noGrp="1"/>
+          </p:cNvSpPr>
+          <p:nvPr>
+            <p:ph type="title"/>
+          </p:nvPr>
+        </p:nvSpPr>
+        <p:spPr/>
+        <p:txBody>
+          <a:bodyPr/>
+          <a:lstStyle/>
+          <a:p>
+            <a:r>
+              <a:rPr lang="nb-NO" dirty="0" smtClean="0"/>
+              <a:t>Support for enum</a:t>
+            </a:r>
+            <a:endParaRPr lang="en-GB" dirty="0"/>
+          </a:p>
+        </p:txBody>
+      </p:sp>
+      <p:pic>
+        <p:nvPicPr>
+          <p:cNvPr id="4" name="Plassholder for innhold 3"/>
+          <p:cNvPicPr>
+            <a:picLocks noGrp="1" noChangeAspect="1"/>
+          </p:cNvPicPr>
+          <p:nvPr>
+            <p:ph idx="1"/>
+          </p:nvPr>
+        </p:nvPicPr>
+        <p:blipFill>
+          <a:blip r:embed="rId2">
+            <a:extLst>
+              <a:ext uri="{28A0092B-C50C-407E-A947-70E740481C1C}">
+                <a14:useLocalDpi xmlns:a14="http://schemas.microsoft.com/office/drawing/2010/main" val="0"/>
+              </a:ext>
+            </a:extLst>
+          </a:blip>
+          <a:stretch>
+            <a:fillRect/>
+          </a:stretch>
+        </p:blipFill>
+        <p:spPr>
+          <a:xfrm>
+            <a:off x="1823930" y="2793489"/>
+            <a:ext cx="5076825" cy="3305175"/>
+          </a:xfrm>
+        </p:spPr>
+      </p:pic>
+      <p:pic>
+        <p:nvPicPr>
+          <p:cNvPr id="1026" name="Picture 2" descr="D:\kpro9\presentation\img\sprint2_cenum_header.jpg"/>
+          <p:cNvPicPr>
+            <a:picLocks noChangeAspect="1" noChangeArrowheads="1"/>
+          </p:cNvPicPr>
+          <p:nvPr/>
+        </p:nvPicPr>
+        <p:blipFill>
+          <a:blip r:embed="rId3">
+            <a:extLst>
+              <a:ext uri="{28A0092B-C50C-407E-A947-70E740481C1C}">
+                <a14:useLocalDpi xmlns:a14="http://schemas.microsoft.com/office/drawing/2010/main" val="0"/>
+              </a:ext>
+            </a:extLst>
+          </a:blip>
+          <a:srcRect/>
+          <a:stretch>
+            <a:fillRect/>
+          </a:stretch>
+        </p:blipFill>
+        <p:spPr bwMode="auto">
+          <a:xfrm>
+            <a:off x="1466743" y="1444532"/>
+            <a:ext cx="5791200" cy="952500"/>
+          </a:xfrm>
+          <a:prstGeom prst="rect">
+            <a:avLst/>
+          </a:prstGeom>
+          <a:noFill/>
+          <a:extLst>
+            <a:ext uri="{909E8E84-426E-40DD-AFC4-6F175D3DCCD1}">
+              <a14:hiddenFill xmlns:a14="http://schemas.microsoft.com/office/drawing/2010/main">
+                <a:solidFill>
+                  <a:srgbClr val="FFFFFF"/>
+                </a:solidFill>
+              </a14:hiddenFill>
+            </a:ext>
+          </a:extLst>
+        </p:spPr>
+      </p:pic>
+    </p:spTree>
+    <p:extLst>
+      <p:ext uri="{BB962C8B-B14F-4D97-AF65-F5344CB8AC3E}">
+        <p14:creationId xmlns:p14="http://schemas.microsoft.com/office/powerpoint/2010/main" val="1561457949"/>
+      </p:ext>
+    </p:extLst>
+  </p:cSld>
+  <p:clrMapOvr>
+    <a:masterClrMapping/>
+  </p:clrMapOvr>
+</p:sld>
+</file>
+
+<file path=ppt/slides/slide25.xml><?xml version="1.0" encoding="utf-8"?>
+<p:sld xmlns:a="http://schemas.openxmlformats.org/drawingml/2006/main" xmlns:r="http://schemas.openxmlformats.org/officeDocument/2006/relationships" xmlns:p="http://schemas.openxmlformats.org/presentationml/2006/main">
+  <p:cSld>
+    <p:spTree>
+      <p:nvGrpSpPr>
+        <p:cNvPr id="1" name=""/>
+        <p:cNvGrpSpPr/>
+        <p:nvPr/>
+      </p:nvGrpSpPr>
+      <p:grpSpPr>
+        <a:xfrm>
+          <a:off x="0" y="0"/>
+          <a:ext cx="0" cy="0"/>
+          <a:chOff x="0" y="0"/>
+          <a:chExt cx="0" cy="0"/>
+        </a:xfrm>
+      </p:grpSpPr>
+      <p:sp>
+        <p:nvSpPr>
+          <p:cNvPr id="2" name="Tittel 1"/>
+          <p:cNvSpPr>
+            <a:spLocks noGrp="1"/>
+          </p:cNvSpPr>
+          <p:nvPr>
+            <p:ph type="title"/>
+          </p:nvPr>
+        </p:nvSpPr>
+        <p:spPr/>
+        <p:txBody>
+          <a:bodyPr/>
+          <a:lstStyle/>
+          <a:p>
+            <a:r>
+              <a:rPr lang="nb-NO" dirty="0" smtClean="0"/>
+              <a:t>Struct in struct</a:t>
+            </a:r>
+            <a:endParaRPr lang="en-GB" dirty="0"/>
+          </a:p>
+        </p:txBody>
+      </p:sp>
+      <p:pic>
+        <p:nvPicPr>
+          <p:cNvPr id="4" name="Plassholder for innhold 3"/>
+          <p:cNvPicPr>
+            <a:picLocks noGrp="1" noChangeAspect="1"/>
+          </p:cNvPicPr>
+          <p:nvPr>
+            <p:ph idx="1"/>
+          </p:nvPr>
+        </p:nvPicPr>
+        <p:blipFill>
+          <a:blip r:embed="rId2">
+            <a:extLst>
+              <a:ext uri="{28A0092B-C50C-407E-A947-70E740481C1C}">
+                <a14:useLocalDpi xmlns:a14="http://schemas.microsoft.com/office/drawing/2010/main" val="0"/>
+              </a:ext>
+            </a:extLst>
+          </a:blip>
+          <a:stretch>
+            <a:fillRect/>
+          </a:stretch>
+        </p:blipFill>
+        <p:spPr>
+          <a:xfrm>
+            <a:off x="4616907" y="2395860"/>
+            <a:ext cx="3657600" cy="2333625"/>
+          </a:xfrm>
+        </p:spPr>
+      </p:pic>
+      <p:pic>
+        <p:nvPicPr>
+          <p:cNvPr id="2050" name="Picture 2" descr="D:\kpro9\presentation\img\sprint2_structinstruct_header.jpg"/>
+          <p:cNvPicPr>
+            <a:picLocks noChangeAspect="1" noChangeArrowheads="1"/>
+          </p:cNvPicPr>
+          <p:nvPr/>
+        </p:nvPicPr>
+        <p:blipFill>
+          <a:blip r:embed="rId3">
+            <a:extLst>
+              <a:ext uri="{28A0092B-C50C-407E-A947-70E740481C1C}">
+                <a14:useLocalDpi xmlns:a14="http://schemas.microsoft.com/office/drawing/2010/main" val="0"/>
+              </a:ext>
+            </a:extLst>
+          </a:blip>
+          <a:srcRect/>
+          <a:stretch>
+            <a:fillRect/>
+          </a:stretch>
+        </p:blipFill>
+        <p:spPr bwMode="auto">
+          <a:xfrm>
+            <a:off x="1120398" y="3149548"/>
+            <a:ext cx="3002151" cy="1184757"/>
+          </a:xfrm>
+          <a:prstGeom prst="rect">
+            <a:avLst/>
+          </a:prstGeom>
+          <a:noFill/>
+          <a:extLst>
+            <a:ext uri="{909E8E84-426E-40DD-AFC4-6F175D3DCCD1}">
+              <a14:hiddenFill xmlns:a14="http://schemas.microsoft.com/office/drawing/2010/main">
+                <a:solidFill>
+                  <a:srgbClr val="FFFFFF"/>
+                </a:solidFill>
+              </a14:hiddenFill>
+            </a:ext>
+          </a:extLst>
+        </p:spPr>
+      </p:pic>
+    </p:spTree>
+    <p:extLst>
+      <p:ext uri="{BB962C8B-B14F-4D97-AF65-F5344CB8AC3E}">
+        <p14:creationId xmlns:p14="http://schemas.microsoft.com/office/powerpoint/2010/main" val="2273743603"/>
+      </p:ext>
+    </p:extLst>
+  </p:cSld>
+  <p:clrMapOvr>
+    <a:masterClrMapping/>
+  </p:clrMapOvr>
+</p:sld>
+</file>
+
+<file path=ppt/slides/slide26.xml><?xml version="1.0" encoding="utf-8"?>
+<p:sld xmlns:a="http://schemas.openxmlformats.org/drawingml/2006/main" xmlns:r="http://schemas.openxmlformats.org/officeDocument/2006/relationships" xmlns:p="http://schemas.openxmlformats.org/presentationml/2006/main">
+  <p:cSld>
+    <p:spTree>
+      <p:nvGrpSpPr>
+        <p:cNvPr id="1" name=""/>
+        <p:cNvGrpSpPr/>
+        <p:nvPr/>
+      </p:nvGrpSpPr>
+      <p:grpSpPr>
+        <a:xfrm>
+          <a:off x="0" y="0"/>
+          <a:ext cx="0" cy="0"/>
+          <a:chOff x="0" y="0"/>
+          <a:chExt cx="0" cy="0"/>
+        </a:xfrm>
+      </p:grpSpPr>
+      <p:sp>
+        <p:nvSpPr>
+          <p:cNvPr id="2" name="Tittel 1"/>
+          <p:cNvSpPr>
+            <a:spLocks noGrp="1"/>
+          </p:cNvSpPr>
+          <p:nvPr>
+            <p:ph type="title"/>
+          </p:nvPr>
+        </p:nvSpPr>
+        <p:spPr/>
+        <p:txBody>
+          <a:bodyPr/>
+          <a:lstStyle/>
+          <a:p>
+            <a:r>
+              <a:rPr lang="nb-NO" dirty="0" smtClean="0"/>
+              <a:t>Sprint 2 </a:t>
+            </a:r>
+            <a:r>
+              <a:rPr lang="nb-NO" dirty="0" err="1" smtClean="0"/>
+              <a:t>retrospect</a:t>
+            </a:r>
+            <a:endParaRPr lang="en-GB" dirty="0"/>
+          </a:p>
+        </p:txBody>
+      </p:sp>
+      <p:sp>
+        <p:nvSpPr>
+          <p:cNvPr id="3" name="Plassholder for innhold 2"/>
+          <p:cNvSpPr>
+            <a:spLocks noGrp="1"/>
+          </p:cNvSpPr>
+          <p:nvPr>
+            <p:ph idx="1"/>
+          </p:nvPr>
+        </p:nvSpPr>
+        <p:spPr/>
+        <p:txBody>
+          <a:bodyPr/>
+          <a:lstStyle/>
+          <a:p>
+            <a:r>
+              <a:rPr lang="nb-NO" dirty="0" smtClean="0"/>
+              <a:t>Better, </a:t>
+            </a:r>
+            <a:r>
+              <a:rPr lang="nb-NO" dirty="0" err="1" smtClean="0"/>
+              <a:t>but</a:t>
+            </a:r>
+            <a:r>
+              <a:rPr lang="nb-NO" dirty="0" smtClean="0"/>
+              <a:t> not </a:t>
+            </a:r>
+            <a:r>
+              <a:rPr lang="nb-NO" dirty="0" err="1" smtClean="0"/>
+              <a:t>sufficient</a:t>
+            </a:r>
+            <a:r>
+              <a:rPr lang="nb-NO" dirty="0"/>
+              <a:t> </a:t>
+            </a:r>
+            <a:r>
+              <a:rPr lang="nb-NO" dirty="0" smtClean="0"/>
+              <a:t>planning</a:t>
+            </a:r>
+          </a:p>
+          <a:p>
+            <a:r>
+              <a:rPr lang="nb-NO" dirty="0" err="1" smtClean="0"/>
+              <a:t>Raised</a:t>
+            </a:r>
+            <a:r>
+              <a:rPr lang="nb-NO" dirty="0" smtClean="0"/>
+              <a:t> </a:t>
+            </a:r>
+            <a:r>
+              <a:rPr lang="nb-NO" dirty="0" err="1" smtClean="0"/>
+              <a:t>effort</a:t>
+            </a:r>
+            <a:endParaRPr lang="nb-NO" dirty="0" smtClean="0"/>
+          </a:p>
+          <a:p>
+            <a:r>
+              <a:rPr lang="nb-NO" dirty="0" err="1" smtClean="0"/>
+              <a:t>Documentation</a:t>
+            </a:r>
+            <a:r>
+              <a:rPr lang="nb-NO" dirty="0" smtClean="0"/>
+              <a:t> </a:t>
+            </a:r>
+            <a:r>
+              <a:rPr lang="nb-NO" dirty="0" err="1" smtClean="0"/>
+              <a:t>was</a:t>
+            </a:r>
+            <a:r>
+              <a:rPr lang="nb-NO" dirty="0" smtClean="0"/>
+              <a:t> </a:t>
+            </a:r>
+            <a:r>
+              <a:rPr lang="nb-NO" dirty="0" err="1" smtClean="0"/>
+              <a:t>postponed</a:t>
+            </a:r>
+            <a:endParaRPr lang="nb-NO" dirty="0" smtClean="0"/>
+          </a:p>
+          <a:p>
+            <a:r>
+              <a:rPr lang="nb-NO" dirty="0" err="1" smtClean="0"/>
+              <a:t>Lack</a:t>
+            </a:r>
+            <a:r>
+              <a:rPr lang="nb-NO" dirty="0" smtClean="0"/>
+              <a:t> </a:t>
+            </a:r>
+            <a:r>
+              <a:rPr lang="nb-NO" dirty="0" err="1" smtClean="0"/>
+              <a:t>of</a:t>
+            </a:r>
+            <a:r>
+              <a:rPr lang="nb-NO" dirty="0" smtClean="0"/>
+              <a:t> feedback to </a:t>
+            </a:r>
+            <a:r>
+              <a:rPr lang="nb-NO" dirty="0" err="1" smtClean="0"/>
+              <a:t>the</a:t>
+            </a:r>
+            <a:r>
+              <a:rPr lang="nb-NO" dirty="0" smtClean="0"/>
+              <a:t> </a:t>
+            </a:r>
+            <a:r>
+              <a:rPr lang="nb-NO" dirty="0" err="1" smtClean="0"/>
+              <a:t>advisor</a:t>
+            </a:r>
+            <a:endParaRPr lang="en-GB" dirty="0"/>
+          </a:p>
+        </p:txBody>
+      </p:sp>
+    </p:spTree>
+    <p:extLst>
+      <p:ext uri="{BB962C8B-B14F-4D97-AF65-F5344CB8AC3E}">
+        <p14:creationId xmlns:p14="http://schemas.microsoft.com/office/powerpoint/2010/main" val="2211435593"/>
+      </p:ext>
+    </p:extLst>
+  </p:cSld>
+  <p:clrMapOvr>
+    <a:masterClrMapping/>
+  </p:clrMapOvr>
+</p:sld>
+</file>
+
+<file path=ppt/slides/slide27.xml><?xml version="1.0" encoding="utf-8"?>
+<p:sld xmlns:a="http://schemas.openxmlformats.org/drawingml/2006/main" xmlns:r="http://schemas.openxmlformats.org/officeDocument/2006/relationships" xmlns:p="http://schemas.openxmlformats.org/presentationml/2006/main">
+  <p:cSld>
+    <p:spTree>
+      <p:nvGrpSpPr>
+        <p:cNvPr id="1" name=""/>
+        <p:cNvGrpSpPr/>
+        <p:nvPr/>
+      </p:nvGrpSpPr>
+      <p:grpSpPr>
+        <a:xfrm>
+          <a:off x="0" y="0"/>
+          <a:ext cx="0" cy="0"/>
+          <a:chOff x="0" y="0"/>
+          <a:chExt cx="0" cy="0"/>
+        </a:xfrm>
+      </p:grpSpPr>
+      <p:sp>
+        <p:nvSpPr>
+          <p:cNvPr id="2" name="Tittel 1"/>
+          <p:cNvSpPr>
+            <a:spLocks noGrp="1"/>
+          </p:cNvSpPr>
+          <p:nvPr>
+            <p:ph type="title"/>
+          </p:nvPr>
+        </p:nvSpPr>
+        <p:spPr/>
+        <p:txBody>
+          <a:bodyPr/>
+          <a:lstStyle/>
+          <a:p>
+            <a:r>
+              <a:rPr lang="nb-NO" dirty="0" smtClean="0"/>
+              <a:t>Sprint 3</a:t>
+            </a:r>
+            <a:endParaRPr lang="en-GB" dirty="0"/>
+          </a:p>
+        </p:txBody>
+      </p:sp>
+      <p:sp>
+        <p:nvSpPr>
+          <p:cNvPr id="3" name="Plassholder for innhold 2"/>
+          <p:cNvSpPr>
+            <a:spLocks noGrp="1"/>
+          </p:cNvSpPr>
+          <p:nvPr>
+            <p:ph idx="1"/>
+          </p:nvPr>
+        </p:nvSpPr>
+        <p:spPr/>
+        <p:txBody>
+          <a:bodyPr/>
+          <a:lstStyle/>
+          <a:p>
+            <a:r>
+              <a:rPr lang="nb-NO" dirty="0" smtClean="0"/>
+              <a:t>Support for multiple </a:t>
+            </a:r>
+            <a:r>
+              <a:rPr lang="nb-NO" dirty="0" err="1" smtClean="0"/>
+              <a:t>platforms</a:t>
+            </a:r>
+            <a:endParaRPr lang="nb-NO" dirty="0" smtClean="0"/>
+          </a:p>
+          <a:p>
+            <a:pPr lvl="1"/>
+            <a:r>
+              <a:rPr lang="nb-NO" dirty="0" err="1" smtClean="0"/>
+              <a:t>Endian</a:t>
+            </a:r>
+            <a:endParaRPr lang="nb-NO" dirty="0" smtClean="0"/>
+          </a:p>
+          <a:p>
+            <a:pPr lvl="1"/>
+            <a:r>
+              <a:rPr lang="nb-NO" dirty="0" err="1" smtClean="0"/>
+              <a:t>Member</a:t>
+            </a:r>
+            <a:r>
+              <a:rPr lang="nb-NO" dirty="0" smtClean="0"/>
+              <a:t> </a:t>
+            </a:r>
+            <a:r>
+              <a:rPr lang="nb-NO" dirty="0" err="1" smtClean="0"/>
+              <a:t>size</a:t>
+            </a:r>
+            <a:endParaRPr lang="nb-NO" dirty="0" smtClean="0"/>
+          </a:p>
+          <a:p>
+            <a:pPr lvl="1"/>
+            <a:r>
+              <a:rPr lang="nb-NO" dirty="0" smtClean="0"/>
+              <a:t>Memory </a:t>
+            </a:r>
+            <a:r>
+              <a:rPr lang="nb-NO" dirty="0" err="1" smtClean="0"/>
+              <a:t>alignment</a:t>
+            </a:r>
+            <a:endParaRPr lang="nb-NO" dirty="0"/>
+          </a:p>
+          <a:p>
+            <a:r>
+              <a:rPr lang="nb-NO" dirty="0" err="1" smtClean="0"/>
+              <a:t>Get</a:t>
+            </a:r>
+            <a:r>
+              <a:rPr lang="nb-NO" dirty="0" smtClean="0"/>
+              <a:t> </a:t>
+            </a:r>
+            <a:r>
+              <a:rPr lang="nb-NO" dirty="0" err="1" smtClean="0"/>
+              <a:t>utility</a:t>
+            </a:r>
+            <a:r>
+              <a:rPr lang="nb-NO" dirty="0" smtClean="0"/>
+              <a:t> to </a:t>
+            </a:r>
+            <a:r>
+              <a:rPr lang="nb-NO" dirty="0" err="1" smtClean="0"/>
+              <a:t>work</a:t>
+            </a:r>
+            <a:r>
+              <a:rPr lang="nb-NO" dirty="0" smtClean="0"/>
+              <a:t> </a:t>
+            </a:r>
+            <a:r>
+              <a:rPr lang="nb-NO" dirty="0" err="1" smtClean="0"/>
+              <a:t>on</a:t>
+            </a:r>
+            <a:r>
+              <a:rPr lang="nb-NO" dirty="0" smtClean="0"/>
+              <a:t> </a:t>
+            </a:r>
+            <a:r>
+              <a:rPr lang="nb-NO" dirty="0" err="1" smtClean="0"/>
+              <a:t>customers</a:t>
+            </a:r>
+            <a:r>
+              <a:rPr lang="nb-NO" dirty="0" smtClean="0"/>
+              <a:t> target </a:t>
+            </a:r>
+            <a:r>
+              <a:rPr lang="nb-NO" dirty="0" err="1" smtClean="0"/>
+              <a:t>code</a:t>
+            </a:r>
+            <a:endParaRPr lang="nb-NO" dirty="0" smtClean="0"/>
+          </a:p>
+          <a:p>
+            <a:endParaRPr lang="en-GB" dirty="0"/>
+          </a:p>
+        </p:txBody>
+      </p:sp>
+    </p:spTree>
+    <p:extLst>
+      <p:ext uri="{BB962C8B-B14F-4D97-AF65-F5344CB8AC3E}">
+        <p14:creationId xmlns:p14="http://schemas.microsoft.com/office/powerpoint/2010/main" val="238090621"/>
+      </p:ext>
+    </p:extLst>
+  </p:cSld>
+  <p:clrMapOvr>
+    <a:masterClrMapping/>
+  </p:clrMapOvr>
+</p:sld>
+</file>
+
+<file path=ppt/slides/slide28.xml><?xml version="1.0" encoding="utf-8"?>
+<p:sld xmlns:a="http://schemas.openxmlformats.org/drawingml/2006/main" xmlns:r="http://schemas.openxmlformats.org/officeDocument/2006/relationships" xmlns:p="http://schemas.openxmlformats.org/presentationml/2006/main">
+  <p:cSld>
+    <p:spTree>
+      <p:nvGrpSpPr>
+        <p:cNvPr id="1" name=""/>
+        <p:cNvGrpSpPr/>
+        <p:nvPr/>
+      </p:nvGrpSpPr>
+      <p:grpSpPr>
+        <a:xfrm>
+          <a:off x="0" y="0"/>
+          <a:ext cx="0" cy="0"/>
+          <a:chOff x="0" y="0"/>
+          <a:chExt cx="0" cy="0"/>
+        </a:xfrm>
+      </p:grpSpPr>
+      <p:sp>
+        <p:nvSpPr>
+          <p:cNvPr id="2" name="Tittel 1"/>
+          <p:cNvSpPr>
+            <a:spLocks noGrp="1"/>
+          </p:cNvSpPr>
+          <p:nvPr>
+            <p:ph type="title"/>
+          </p:nvPr>
+        </p:nvSpPr>
+        <p:spPr/>
+        <p:txBody>
+          <a:bodyPr/>
+          <a:lstStyle/>
+          <a:p>
+            <a:r>
+              <a:rPr lang="nb-NO" dirty="0" err="1" smtClean="0"/>
+              <a:t>Module</a:t>
+            </a:r>
+            <a:r>
+              <a:rPr lang="nb-NO" dirty="0" smtClean="0"/>
+              <a:t> design</a:t>
+            </a:r>
+            <a:endParaRPr lang="en-GB" dirty="0"/>
+          </a:p>
+        </p:txBody>
+      </p:sp>
+      <p:pic>
+        <p:nvPicPr>
+          <p:cNvPr id="4" name="Plassholder for innhold 3"/>
+          <p:cNvPicPr>
+            <a:picLocks noGrp="1" noChangeAspect="1"/>
+          </p:cNvPicPr>
+          <p:nvPr>
+            <p:ph idx="1"/>
+          </p:nvPr>
+        </p:nvPicPr>
+        <p:blipFill>
+          <a:blip r:embed="rId2">
+            <a:extLst>
+              <a:ext uri="{28A0092B-C50C-407E-A947-70E740481C1C}">
+                <a14:useLocalDpi xmlns:a14="http://schemas.microsoft.com/office/drawing/2010/main" val="0"/>
+              </a:ext>
+            </a:extLst>
+          </a:blip>
+          <a:stretch>
+            <a:fillRect/>
+          </a:stretch>
+        </p:blipFill>
+        <p:spPr>
+          <a:xfrm>
+            <a:off x="2401698" y="2056075"/>
+            <a:ext cx="4316816" cy="3443886"/>
+          </a:xfrm>
+        </p:spPr>
+      </p:pic>
+    </p:spTree>
+    <p:extLst>
+      <p:ext uri="{BB962C8B-B14F-4D97-AF65-F5344CB8AC3E}">
+        <p14:creationId xmlns:p14="http://schemas.microsoft.com/office/powerpoint/2010/main" val="161191746"/>
+      </p:ext>
+    </p:extLst>
+  </p:cSld>
+  <p:clrMapOvr>
+    <a:masterClrMapping/>
+  </p:clrMapOvr>
+</p:sld>
+</file>
+
+<file path=ppt/slides/slide29.xml><?xml version="1.0" encoding="utf-8"?>
+<p:sld xmlns:a="http://schemas.openxmlformats.org/drawingml/2006/main" xmlns:r="http://schemas.openxmlformats.org/officeDocument/2006/relationships" xmlns:p="http://schemas.openxmlformats.org/presentationml/2006/main">
+  <p:cSld>
+    <p:spTree>
+      <p:nvGrpSpPr>
+        <p:cNvPr id="1" name=""/>
+        <p:cNvGrpSpPr/>
+        <p:nvPr/>
+      </p:nvGrpSpPr>
+      <p:grpSpPr>
+        <a:xfrm>
+          <a:off x="0" y="0"/>
+          <a:ext cx="0" cy="0"/>
+          <a:chOff x="0" y="0"/>
+          <a:chExt cx="0" cy="0"/>
+        </a:xfrm>
+      </p:grpSpPr>
+      <p:sp>
+        <p:nvSpPr>
+          <p:cNvPr id="2" name="Tittel 1"/>
+          <p:cNvSpPr>
+            <a:spLocks noGrp="1"/>
+          </p:cNvSpPr>
+          <p:nvPr>
+            <p:ph type="title"/>
+          </p:nvPr>
+        </p:nvSpPr>
+        <p:spPr/>
+        <p:txBody>
+          <a:bodyPr/>
+          <a:lstStyle/>
+          <a:p>
+            <a:r>
+              <a:rPr lang="nb-NO" dirty="0" smtClean="0"/>
+              <a:t>Sprint 3 - Testing</a:t>
+            </a:r>
+            <a:endParaRPr lang="en-GB" dirty="0"/>
+          </a:p>
+        </p:txBody>
+      </p:sp>
+      <p:sp>
+        <p:nvSpPr>
+          <p:cNvPr id="3" name="Plassholder for innhold 2"/>
+          <p:cNvSpPr>
+            <a:spLocks noGrp="1"/>
+          </p:cNvSpPr>
+          <p:nvPr>
+            <p:ph idx="1"/>
+          </p:nvPr>
+        </p:nvSpPr>
+        <p:spPr/>
+        <p:txBody>
+          <a:bodyPr/>
+          <a:lstStyle/>
+          <a:p>
+            <a:r>
+              <a:rPr lang="nb-NO" dirty="0" err="1" smtClean="0"/>
+              <a:t>Availebility</a:t>
+            </a:r>
+            <a:r>
+              <a:rPr lang="nb-NO" dirty="0" smtClean="0"/>
+              <a:t> </a:t>
+            </a:r>
+            <a:r>
+              <a:rPr lang="nb-NO" dirty="0" err="1" smtClean="0"/>
+              <a:t>of</a:t>
+            </a:r>
+            <a:r>
+              <a:rPr lang="nb-NO" dirty="0" smtClean="0"/>
+              <a:t> </a:t>
+            </a:r>
+            <a:r>
+              <a:rPr lang="nb-NO" dirty="0" err="1" smtClean="0"/>
+              <a:t>alignment</a:t>
+            </a:r>
+            <a:r>
+              <a:rPr lang="nb-NO" dirty="0" smtClean="0"/>
+              <a:t> support </a:t>
+            </a:r>
+            <a:r>
+              <a:rPr lang="nb-NO" dirty="0" err="1" smtClean="0"/>
+              <a:t>meant</a:t>
+            </a:r>
+            <a:r>
+              <a:rPr lang="nb-NO" dirty="0" smtClean="0"/>
+              <a:t> </a:t>
+            </a:r>
+            <a:r>
+              <a:rPr lang="nb-NO" dirty="0" err="1" smtClean="0"/>
+              <a:t>that</a:t>
+            </a:r>
+            <a:r>
+              <a:rPr lang="nb-NO" dirty="0" smtClean="0"/>
+              <a:t> </a:t>
+            </a:r>
+            <a:r>
+              <a:rPr lang="nb-NO" dirty="0" err="1" smtClean="0"/>
+              <a:t>we</a:t>
+            </a:r>
+            <a:r>
+              <a:rPr lang="nb-NO" dirty="0" smtClean="0"/>
+              <a:t> </a:t>
+            </a:r>
+            <a:r>
+              <a:rPr lang="nb-NO" dirty="0" err="1" smtClean="0"/>
+              <a:t>could</a:t>
+            </a:r>
+            <a:r>
+              <a:rPr lang="nb-NO" dirty="0" smtClean="0"/>
+              <a:t> have a C program </a:t>
+            </a:r>
+            <a:r>
+              <a:rPr lang="nb-NO" dirty="0" err="1" smtClean="0"/>
+              <a:t>generate</a:t>
+            </a:r>
+            <a:r>
+              <a:rPr lang="nb-NO" dirty="0" smtClean="0"/>
+              <a:t> test data.</a:t>
+            </a:r>
+          </a:p>
+          <a:p>
+            <a:r>
+              <a:rPr lang="nb-NO" dirty="0" err="1" smtClean="0"/>
+              <a:t>Needed</a:t>
+            </a:r>
+            <a:r>
+              <a:rPr lang="nb-NO" dirty="0" smtClean="0"/>
+              <a:t> to </a:t>
+            </a:r>
+            <a:r>
+              <a:rPr lang="nb-NO" dirty="0" err="1" smtClean="0"/>
+              <a:t>change</a:t>
+            </a:r>
+            <a:r>
+              <a:rPr lang="nb-NO" dirty="0" smtClean="0"/>
+              <a:t> all </a:t>
+            </a:r>
+            <a:r>
+              <a:rPr lang="nb-NO" dirty="0" err="1" smtClean="0"/>
+              <a:t>previous</a:t>
+            </a:r>
+            <a:r>
+              <a:rPr lang="nb-NO" dirty="0" smtClean="0"/>
+              <a:t> test data.</a:t>
+            </a:r>
+          </a:p>
+          <a:p>
+            <a:endParaRPr lang="en-GB" dirty="0"/>
+          </a:p>
+        </p:txBody>
+      </p:sp>
+    </p:spTree>
+    <p:extLst>
+      <p:ext uri="{BB962C8B-B14F-4D97-AF65-F5344CB8AC3E}">
+        <p14:creationId xmlns:p14="http://schemas.microsoft.com/office/powerpoint/2010/main" val="3996143895"/>
+      </p:ext>
+    </p:extLst>
+  </p:cSld>
+  <p:clrMapOvr>
+    <a:masterClrMapping/>
+  </p:clrMapOvr>
+</p:sld>
+</file>
+
+<file path=ppt/slides/slide3.xml><?xml version="1.0" encoding="utf-8"?>
+<p:sld xmlns:a="http://schemas.openxmlformats.org/drawingml/2006/main" xmlns:r="http://schemas.openxmlformats.org/officeDocument/2006/relationships" xmlns:p="http://schemas.openxmlformats.org/presentationml/2006/main">
+  <p:cSld>
+    <p:spTree>
+      <p:nvGrpSpPr>
+        <p:cNvPr id="1" name=""/>
+        <p:cNvGrpSpPr/>
+        <p:nvPr/>
+      </p:nvGrpSpPr>
+      <p:grpSpPr>
+        <a:xfrm>
+          <a:off x="0" y="0"/>
+          <a:ext cx="0" cy="0"/>
+          <a:chOff x="0" y="0"/>
+          <a:chExt cx="0" cy="0"/>
+        </a:xfrm>
+      </p:grpSpPr>
+      <p:sp>
+        <p:nvSpPr>
+          <p:cNvPr id="5" name="Tittel 4"/>
+          <p:cNvSpPr>
+            <a:spLocks noGrp="1"/>
+          </p:cNvSpPr>
+          <p:nvPr>
+            <p:ph type="title"/>
+          </p:nvPr>
+        </p:nvSpPr>
+        <p:spPr/>
+        <p:txBody>
+          <a:bodyPr/>
+          <a:lstStyle/>
+          <a:p>
+            <a:r>
+              <a:rPr lang="nb-NO" dirty="0" smtClean="0"/>
+              <a:t>The team</a:t>
+            </a:r>
+            <a:endParaRPr lang="en-GB" dirty="0"/>
+          </a:p>
+        </p:txBody>
+      </p:sp>
+      <p:pic>
+        <p:nvPicPr>
+          <p:cNvPr id="6" name="Plassholder for innhold 5"/>
+          <p:cNvPicPr>
+            <a:picLocks noGrp="1" noChangeAspect="1"/>
+          </p:cNvPicPr>
+          <p:nvPr>
+            <p:ph idx="1"/>
+          </p:nvPr>
+        </p:nvPicPr>
+        <p:blipFill>
+          <a:blip r:embed="rId2">
+            <a:extLst>
+              <a:ext uri="{28A0092B-C50C-407E-A947-70E740481C1C}">
+                <a14:useLocalDpi xmlns:a14="http://schemas.microsoft.com/office/drawing/2010/main" val="0"/>
+              </a:ext>
+            </a:extLst>
+          </a:blip>
+          <a:stretch>
+            <a:fillRect/>
+          </a:stretch>
+        </p:blipFill>
+        <p:spPr>
+          <a:xfrm>
+            <a:off x="709843" y="1600200"/>
+            <a:ext cx="7721139" cy="4343400"/>
+          </a:xfrm>
+        </p:spPr>
+      </p:pic>
+    </p:spTree>
+    <p:extLst>
+      <p:ext uri="{BB962C8B-B14F-4D97-AF65-F5344CB8AC3E}">
+        <p14:creationId xmlns:p14="http://schemas.microsoft.com/office/powerpoint/2010/main" val="1132568989"/>
+      </p:ext>
+    </p:extLst>
+  </p:cSld>
+  <p:clrMapOvr>
+    <a:masterClrMapping/>
+  </p:clrMapOvr>
+</p:sld>
+</file>
+
+<file path=ppt/slides/slide30.xml><?xml version="1.0" encoding="utf-8"?>
+<p:sld xmlns:a="http://schemas.openxmlformats.org/drawingml/2006/main" xmlns:r="http://schemas.openxmlformats.org/officeDocument/2006/relationships" xmlns:p="http://schemas.openxmlformats.org/presentationml/2006/main">
+  <p:cSld>
+    <p:spTree>
+      <p:nvGrpSpPr>
+        <p:cNvPr id="1" name=""/>
+        <p:cNvGrpSpPr/>
+        <p:nvPr/>
+      </p:nvGrpSpPr>
+      <p:grpSpPr>
+        <a:xfrm>
+          <a:off x="0" y="0"/>
+          <a:ext cx="0" cy="0"/>
+          <a:chOff x="0" y="0"/>
+          <a:chExt cx="0" cy="0"/>
+        </a:xfrm>
+      </p:grpSpPr>
+      <p:sp>
+        <p:nvSpPr>
+          <p:cNvPr id="2" name="Tittel 1"/>
+          <p:cNvSpPr>
+            <a:spLocks noGrp="1"/>
+          </p:cNvSpPr>
+          <p:nvPr>
+            <p:ph type="title"/>
+          </p:nvPr>
+        </p:nvSpPr>
+        <p:spPr/>
+        <p:txBody>
+          <a:bodyPr/>
+          <a:lstStyle/>
+          <a:p>
+            <a:r>
+              <a:rPr lang="nb-NO" dirty="0" smtClean="0"/>
+              <a:t>Sprint 3 </a:t>
+            </a:r>
+            <a:r>
+              <a:rPr lang="nb-NO" dirty="0" err="1" smtClean="0"/>
+              <a:t>retrospect</a:t>
+            </a:r>
+            <a:endParaRPr lang="en-GB" dirty="0"/>
+          </a:p>
+        </p:txBody>
+      </p:sp>
+      <p:sp>
+        <p:nvSpPr>
+          <p:cNvPr id="3" name="Plassholder for innhold 2"/>
+          <p:cNvSpPr>
+            <a:spLocks noGrp="1"/>
+          </p:cNvSpPr>
+          <p:nvPr>
+            <p:ph idx="1"/>
+          </p:nvPr>
+        </p:nvSpPr>
+        <p:spPr/>
+        <p:txBody>
+          <a:bodyPr/>
+          <a:lstStyle/>
+          <a:p>
+            <a:r>
+              <a:rPr lang="nb-NO" dirty="0" smtClean="0"/>
+              <a:t>A </a:t>
+            </a:r>
+            <a:r>
+              <a:rPr lang="nb-NO" dirty="0" err="1" smtClean="0"/>
+              <a:t>better</a:t>
+            </a:r>
+            <a:r>
+              <a:rPr lang="nb-NO" dirty="0" smtClean="0"/>
+              <a:t> </a:t>
+            </a:r>
+            <a:r>
+              <a:rPr lang="nb-NO" dirty="0" err="1" smtClean="0"/>
+              <a:t>process</a:t>
+            </a:r>
+            <a:endParaRPr lang="nb-NO" dirty="0" smtClean="0"/>
+          </a:p>
+          <a:p>
+            <a:r>
+              <a:rPr lang="nb-NO" dirty="0" smtClean="0"/>
+              <a:t>More </a:t>
+            </a:r>
+            <a:r>
+              <a:rPr lang="nb-NO" dirty="0" err="1" smtClean="0"/>
+              <a:t>effort</a:t>
+            </a:r>
+            <a:endParaRPr lang="nb-NO" dirty="0" smtClean="0"/>
+          </a:p>
+          <a:p>
+            <a:r>
+              <a:rPr lang="nb-NO" dirty="0" smtClean="0"/>
+              <a:t>Too </a:t>
+            </a:r>
+            <a:r>
+              <a:rPr lang="nb-NO" dirty="0" err="1" smtClean="0"/>
+              <a:t>many</a:t>
+            </a:r>
+            <a:r>
+              <a:rPr lang="nb-NO" dirty="0" smtClean="0"/>
+              <a:t> taskes </a:t>
+            </a:r>
+            <a:r>
+              <a:rPr lang="nb-NO" dirty="0" err="1" smtClean="0"/>
+              <a:t>planned</a:t>
+            </a:r>
+            <a:endParaRPr lang="nb-NO" dirty="0" smtClean="0"/>
+          </a:p>
+          <a:p>
+            <a:r>
+              <a:rPr lang="nb-NO" dirty="0" smtClean="0"/>
+              <a:t>Time used for </a:t>
+            </a:r>
+            <a:r>
+              <a:rPr lang="nb-NO" dirty="0" err="1" smtClean="0"/>
+              <a:t>project</a:t>
+            </a:r>
+            <a:r>
+              <a:rPr lang="nb-NO" dirty="0" smtClean="0"/>
+              <a:t> management </a:t>
+            </a:r>
+            <a:r>
+              <a:rPr lang="nb-NO" dirty="0" err="1" smtClean="0"/>
+              <a:t>underestimated</a:t>
+            </a:r>
+            <a:endParaRPr lang="en-GB" dirty="0"/>
+          </a:p>
+        </p:txBody>
+      </p:sp>
+    </p:spTree>
+    <p:extLst>
+      <p:ext uri="{BB962C8B-B14F-4D97-AF65-F5344CB8AC3E}">
+        <p14:creationId xmlns:p14="http://schemas.microsoft.com/office/powerpoint/2010/main" val="2811907645"/>
+      </p:ext>
+    </p:extLst>
+  </p:cSld>
+  <p:clrMapOvr>
+    <a:masterClrMapping/>
+  </p:clrMapOvr>
+</p:sld>
+</file>
+
+<file path=ppt/slides/slide31.xml><?xml version="1.0" encoding="utf-8"?>
+<p:sld xmlns:a="http://schemas.openxmlformats.org/drawingml/2006/main" xmlns:r="http://schemas.openxmlformats.org/officeDocument/2006/relationships" xmlns:p="http://schemas.openxmlformats.org/presentationml/2006/main">
+  <p:cSld>
+    <p:spTree>
+      <p:nvGrpSpPr>
+        <p:cNvPr id="1" name=""/>
+        <p:cNvGrpSpPr/>
+        <p:nvPr/>
+      </p:nvGrpSpPr>
+      <p:grpSpPr>
+        <a:xfrm>
+          <a:off x="0" y="0"/>
+          <a:ext cx="0" cy="0"/>
+          <a:chOff x="0" y="0"/>
+          <a:chExt cx="0" cy="0"/>
+        </a:xfrm>
+      </p:grpSpPr>
+      <p:sp>
+        <p:nvSpPr>
+          <p:cNvPr id="2" name="Tittel 1"/>
+          <p:cNvSpPr>
+            <a:spLocks noGrp="1"/>
+          </p:cNvSpPr>
+          <p:nvPr>
+            <p:ph type="title"/>
+          </p:nvPr>
+        </p:nvSpPr>
+        <p:spPr/>
+        <p:txBody>
+          <a:bodyPr/>
+          <a:lstStyle/>
+          <a:p>
+            <a:r>
+              <a:rPr lang="nb-NO" dirty="0" smtClean="0"/>
+              <a:t>Sprint 4</a:t>
+            </a:r>
+            <a:endParaRPr lang="en-GB" dirty="0"/>
+          </a:p>
+        </p:txBody>
+      </p:sp>
+      <p:sp>
+        <p:nvSpPr>
+          <p:cNvPr id="3" name="Plassholder for innhold 2"/>
+          <p:cNvSpPr>
+            <a:spLocks noGrp="1"/>
+          </p:cNvSpPr>
+          <p:nvPr>
+            <p:ph idx="1"/>
+          </p:nvPr>
+        </p:nvSpPr>
+        <p:spPr/>
+        <p:txBody>
+          <a:bodyPr/>
+          <a:lstStyle/>
+          <a:p>
+            <a:r>
+              <a:rPr lang="nb-NO" dirty="0" err="1" smtClean="0"/>
+              <a:t>Find</a:t>
+            </a:r>
+            <a:r>
+              <a:rPr lang="nb-NO" dirty="0" smtClean="0"/>
+              <a:t> </a:t>
+            </a:r>
+            <a:r>
+              <a:rPr lang="nb-NO" dirty="0" err="1" smtClean="0"/>
+              <a:t>missing</a:t>
+            </a:r>
+            <a:r>
+              <a:rPr lang="nb-NO" dirty="0" smtClean="0"/>
+              <a:t> </a:t>
+            </a:r>
+            <a:r>
+              <a:rPr lang="nb-NO" dirty="0" err="1" smtClean="0"/>
+              <a:t>includes</a:t>
+            </a:r>
+            <a:endParaRPr lang="nb-NO" smtClean="0"/>
+          </a:p>
+          <a:p>
+            <a:endParaRPr lang="en-GB"/>
+          </a:p>
+        </p:txBody>
+      </p:sp>
+    </p:spTree>
+    <p:extLst>
+      <p:ext uri="{BB962C8B-B14F-4D97-AF65-F5344CB8AC3E}">
+        <p14:creationId xmlns:p14="http://schemas.microsoft.com/office/powerpoint/2010/main" val="3432911911"/>
+      </p:ext>
+    </p:extLst>
+  </p:cSld>
+  <p:clrMapOvr>
+    <a:masterClrMapping/>
+  </p:clrMapOvr>
+</p:sld>
+</file>
+
+<file path=ppt/slides/slide32.xml><?xml version="1.0" encoding="utf-8"?>
+<p:sld xmlns:a="http://schemas.openxmlformats.org/drawingml/2006/main" xmlns:r="http://schemas.openxmlformats.org/officeDocument/2006/relationships" xmlns:p="http://schemas.openxmlformats.org/presentationml/2006/main">
+  <p:cSld>
+    <p:spTree>
+      <p:nvGrpSpPr>
+        <p:cNvPr id="1" name=""/>
+        <p:cNvGrpSpPr/>
+        <p:nvPr/>
+      </p:nvGrpSpPr>
+      <p:grpSpPr>
+        <a:xfrm>
+          <a:off x="0" y="0"/>
+          <a:ext cx="0" cy="0"/>
+          <a:chOff x="0" y="0"/>
+          <a:chExt cx="0" cy="0"/>
+        </a:xfrm>
+      </p:grpSpPr>
+      <p:sp>
+        <p:nvSpPr>
+          <p:cNvPr id="2" name="Tittel 1"/>
+          <p:cNvSpPr>
+            <a:spLocks noGrp="1"/>
+          </p:cNvSpPr>
+          <p:nvPr>
+            <p:ph type="title"/>
+          </p:nvPr>
+        </p:nvSpPr>
+        <p:spPr/>
+        <p:txBody>
+          <a:bodyPr/>
+          <a:lstStyle/>
+          <a:p>
+            <a:r>
+              <a:rPr lang="nb-NO" dirty="0" err="1" smtClean="0"/>
+              <a:t>Module</a:t>
+            </a:r>
+            <a:r>
+              <a:rPr lang="nb-NO" dirty="0" smtClean="0"/>
+              <a:t> design</a:t>
+            </a:r>
+            <a:endParaRPr lang="en-GB" dirty="0"/>
+          </a:p>
+        </p:txBody>
+      </p:sp>
+      <p:pic>
+        <p:nvPicPr>
+          <p:cNvPr id="4" name="Plassholder for innhold 3"/>
+          <p:cNvPicPr>
+            <a:picLocks noGrp="1" noChangeAspect="1"/>
+          </p:cNvPicPr>
+          <p:nvPr>
+            <p:ph idx="1"/>
+          </p:nvPr>
+        </p:nvPicPr>
+        <p:blipFill>
+          <a:blip r:embed="rId2">
+            <a:extLst>
+              <a:ext uri="{28A0092B-C50C-407E-A947-70E740481C1C}">
+                <a14:useLocalDpi xmlns:a14="http://schemas.microsoft.com/office/drawing/2010/main" val="0"/>
+              </a:ext>
+            </a:extLst>
+          </a:blip>
+          <a:stretch>
+            <a:fillRect/>
+          </a:stretch>
+        </p:blipFill>
+        <p:spPr>
+          <a:xfrm>
+            <a:off x="1753111" y="1772135"/>
+            <a:ext cx="5631832" cy="4146514"/>
+          </a:xfrm>
+        </p:spPr>
+      </p:pic>
+    </p:spTree>
+    <p:extLst>
+      <p:ext uri="{BB962C8B-B14F-4D97-AF65-F5344CB8AC3E}">
+        <p14:creationId xmlns:p14="http://schemas.microsoft.com/office/powerpoint/2010/main" val="3633823063"/>
+      </p:ext>
+    </p:extLst>
+  </p:cSld>
+  <p:clrMapOvr>
+    <a:masterClrMapping/>
+  </p:clrMapOvr>
+</p:sld>
+</file>
+
+<file path=ppt/slides/slide33.xml><?xml version="1.0" encoding="utf-8"?>
+<p:sld xmlns:a="http://schemas.openxmlformats.org/drawingml/2006/main" xmlns:r="http://schemas.openxmlformats.org/officeDocument/2006/relationships" xmlns:p="http://schemas.openxmlformats.org/presentationml/2006/main">
+  <p:cSld>
+    <p:spTree>
+      <p:nvGrpSpPr>
+        <p:cNvPr id="1" name=""/>
+        <p:cNvGrpSpPr/>
+        <p:nvPr/>
+      </p:nvGrpSpPr>
+      <p:grpSpPr>
+        <a:xfrm>
+          <a:off x="0" y="0"/>
+          <a:ext cx="0" cy="0"/>
+          <a:chOff x="0" y="0"/>
+          <a:chExt cx="0" cy="0"/>
+        </a:xfrm>
+      </p:grpSpPr>
+      <p:sp>
+        <p:nvSpPr>
+          <p:cNvPr id="2" name="Tittel 1"/>
+          <p:cNvSpPr>
+            <a:spLocks noGrp="1"/>
+          </p:cNvSpPr>
+          <p:nvPr>
+            <p:ph type="title"/>
+          </p:nvPr>
+        </p:nvSpPr>
+        <p:spPr/>
+        <p:txBody>
+          <a:bodyPr/>
+          <a:lstStyle/>
+          <a:p>
+            <a:r>
+              <a:rPr lang="en-GB" dirty="0" smtClean="0"/>
+              <a:t>Limitations</a:t>
+            </a:r>
+            <a:endParaRPr lang="en-GB" dirty="0"/>
+          </a:p>
+        </p:txBody>
+      </p:sp>
+      <p:sp>
+        <p:nvSpPr>
+          <p:cNvPr id="3" name="Plassholder for innhold 2"/>
+          <p:cNvSpPr>
+            <a:spLocks noGrp="1"/>
+          </p:cNvSpPr>
+          <p:nvPr>
+            <p:ph idx="1"/>
+          </p:nvPr>
+        </p:nvSpPr>
+        <p:spPr/>
+        <p:txBody>
+          <a:bodyPr/>
+          <a:lstStyle/>
+          <a:p>
+            <a:r>
+              <a:rPr lang="en-GB" dirty="0" smtClean="0"/>
+              <a:t>Thales has the military as a customer, so the code is confedential.</a:t>
+            </a:r>
+          </a:p>
+          <a:p>
+            <a:r>
+              <a:rPr lang="en-GB" dirty="0" smtClean="0"/>
+              <a:t>Wireshark’s lua integration is under development, and buggy.</a:t>
+            </a:r>
+          </a:p>
+          <a:p>
+            <a:endParaRPr lang="en-GB" dirty="0" smtClean="0"/>
+          </a:p>
+        </p:txBody>
+      </p:sp>
+    </p:spTree>
+    <p:extLst>
+      <p:ext uri="{BB962C8B-B14F-4D97-AF65-F5344CB8AC3E}">
+        <p14:creationId xmlns:p14="http://schemas.microsoft.com/office/powerpoint/2010/main" val="779040666"/>
       </p:ext>
     </p:extLst>
   </p:cSld>
@@ -5754,8 +7111,8 @@
 </p:sld>
 </file>
 
-<file path=ppt/slides/slide25.xml><?xml version="1.0" encoding="utf-8"?>
-<p:sld xmlns:a="http://schemas.openxmlformats.org/drawingml/2006/main" xmlns:r="http://schemas.openxmlformats.org/officeDocument/2006/relationships" xmlns:mc="http://schemas.openxmlformats.org/markup-compatibility/2006" xmlns:mv="urn:schemas-microsoft-com:mac:vml" xmlns:p="http://schemas.openxmlformats.org/presentationml/2006/main" mc:Ignorable="mv" mc:PreserveAttributes="mv:*">
+<file path=ppt/slides/slide34.xml><?xml version="1.0" encoding="utf-8"?>
+<p:sld xmlns:a="http://schemas.openxmlformats.org/drawingml/2006/main" xmlns:r="http://schemas.openxmlformats.org/officeDocument/2006/relationships" xmlns:p="http://schemas.openxmlformats.org/presentationml/2006/main">
   <p:cSld>
     <p:spTree>
       <p:nvGrpSpPr>
@@ -5843,7 +7200,7 @@
     </p:spTree>
     <p:extLst>
       <p:ext uri="{BB962C8B-B14F-4D97-AF65-F5344CB8AC3E}">
-        <p14:creationId xmlns:p14="http://schemas.microsoft.com/office/powerpoint/2010/main" xmlns:p="http://schemas.openxmlformats.org/presentationml/2006/main" xmlns:r="http://schemas.openxmlformats.org/officeDocument/2006/relationships" xmlns:a="http://schemas.openxmlformats.org/drawingml/2006/main" xmlns="" val="1075118078"/>
+        <p14:creationId xmlns:p14="http://schemas.microsoft.com/office/powerpoint/2010/main" val="1075118078"/>
       </p:ext>
     </p:extLst>
   </p:cSld>
@@ -5863,8 +7220,8 @@
 </p:sld>
 </file>
 
-<file path=ppt/slides/slide26.xml><?xml version="1.0" encoding="utf-8"?>
-<p:sld xmlns:a="http://schemas.openxmlformats.org/drawingml/2006/main" xmlns:r="http://schemas.openxmlformats.org/officeDocument/2006/relationships" xmlns:mc="http://schemas.openxmlformats.org/markup-compatibility/2006" xmlns:mv="urn:schemas-microsoft-com:mac:vml" xmlns:p="http://schemas.openxmlformats.org/presentationml/2006/main" mc:Ignorable="mv" mc:PreserveAttributes="mv:*">
+<file path=ppt/slides/slide35.xml><?xml version="1.0" encoding="utf-8"?>
+<p:sld xmlns:a="http://schemas.openxmlformats.org/drawingml/2006/main" xmlns:r="http://schemas.openxmlformats.org/officeDocument/2006/relationships" xmlns:p="http://schemas.openxmlformats.org/presentationml/2006/main">
   <p:cSld>
     <p:spTree>
       <p:nvGrpSpPr>
@@ -6437,7 +7794,7 @@
     </p:spTree>
     <p:extLst>
       <p:ext uri="{BB962C8B-B14F-4D97-AF65-F5344CB8AC3E}">
-        <p14:creationId xmlns:p14="http://schemas.microsoft.com/office/powerpoint/2010/main" xmlns:p="http://schemas.openxmlformats.org/presentationml/2006/main" xmlns:r="http://schemas.openxmlformats.org/officeDocument/2006/relationships" xmlns:a="http://schemas.openxmlformats.org/drawingml/2006/main" xmlns="" val="272439930"/>
+        <p14:creationId xmlns:p14="http://schemas.microsoft.com/office/powerpoint/2010/main" val="272439930"/>
       </p:ext>
     </p:extLst>
   </p:cSld>
@@ -6457,8 +7814,8 @@
 </p:sld>
 </file>
 
-<file path=ppt/slides/slide27.xml><?xml version="1.0" encoding="utf-8"?>
-<p:sld xmlns:a="http://schemas.openxmlformats.org/drawingml/2006/main" xmlns:r="http://schemas.openxmlformats.org/officeDocument/2006/relationships" xmlns:mc="http://schemas.openxmlformats.org/markup-compatibility/2006" xmlns:mv="urn:schemas-microsoft-com:mac:vml" xmlns:p="http://schemas.openxmlformats.org/presentationml/2006/main" mc:Ignorable="mv" mc:PreserveAttributes="mv:*">
+<file path=ppt/slides/slide36.xml><?xml version="1.0" encoding="utf-8"?>
+<p:sld xmlns:a="http://schemas.openxmlformats.org/drawingml/2006/main" xmlns:r="http://schemas.openxmlformats.org/officeDocument/2006/relationships" xmlns:p="http://schemas.openxmlformats.org/presentationml/2006/main">
   <p:cSld>
     <p:spTree>
       <p:nvGrpSpPr>
@@ -6546,7 +7903,7 @@
           <a:blip r:embed="rId2">
             <a:extLst>
               <a:ext uri="{28A0092B-C50C-407E-A947-70E740481C1C}">
-                <a14:useLocalDpi xmlns:a14="http://schemas.microsoft.com/office/drawing/2010/main" xmlns:p="http://schemas.openxmlformats.org/presentationml/2006/main" xmlns:r="http://schemas.openxmlformats.org/officeDocument/2006/relationships" xmlns:a="http://schemas.openxmlformats.org/drawingml/2006/main" xmlns="" val="0"/>
+                <a14:useLocalDpi xmlns:a14="http://schemas.microsoft.com/office/drawing/2010/main" val="0"/>
               </a:ext>
             </a:extLst>
           </a:blip>
@@ -6564,7 +7921,7 @@
     </p:spTree>
     <p:extLst>
       <p:ext uri="{BB962C8B-B14F-4D97-AF65-F5344CB8AC3E}">
-        <p14:creationId xmlns:p14="http://schemas.microsoft.com/office/powerpoint/2010/main" xmlns:p="http://schemas.openxmlformats.org/presentationml/2006/main" xmlns:r="http://schemas.openxmlformats.org/officeDocument/2006/relationships" xmlns:a="http://schemas.openxmlformats.org/drawingml/2006/main" xmlns="" val="2628939987"/>
+        <p14:creationId xmlns:p14="http://schemas.microsoft.com/office/powerpoint/2010/main" val="2628939987"/>
       </p:ext>
     </p:extLst>
   </p:cSld>
@@ -6584,8 +7941,8 @@
 </p:sld>
 </file>
 
-<file path=ppt/slides/slide28.xml><?xml version="1.0" encoding="utf-8"?>
-<p:sld xmlns:a="http://schemas.openxmlformats.org/drawingml/2006/main" xmlns:r="http://schemas.openxmlformats.org/officeDocument/2006/relationships" xmlns:mc="http://schemas.openxmlformats.org/markup-compatibility/2006" xmlns:mv="urn:schemas-microsoft-com:mac:vml" xmlns:p="http://schemas.openxmlformats.org/presentationml/2006/main" mc:Ignorable="mv" mc:PreserveAttributes="mv:*">
+<file path=ppt/slides/slide37.xml><?xml version="1.0" encoding="utf-8"?>
+<p:sld xmlns:a="http://schemas.openxmlformats.org/drawingml/2006/main" xmlns:r="http://schemas.openxmlformats.org/officeDocument/2006/relationships" xmlns:p="http://schemas.openxmlformats.org/presentationml/2006/main">
   <p:cSld>
     <p:spTree>
       <p:nvGrpSpPr>
@@ -6681,7 +8038,7 @@
     </p:spTree>
     <p:extLst>
       <p:ext uri="{BB962C8B-B14F-4D97-AF65-F5344CB8AC3E}">
-        <p14:creationId xmlns:p14="http://schemas.microsoft.com/office/powerpoint/2010/main" xmlns:p="http://schemas.openxmlformats.org/presentationml/2006/main" xmlns:r="http://schemas.openxmlformats.org/officeDocument/2006/relationships" xmlns:a="http://schemas.openxmlformats.org/drawingml/2006/main" xmlns="" val="4212379501"/>
+        <p14:creationId xmlns:p14="http://schemas.microsoft.com/office/powerpoint/2010/main" val="4212379501"/>
       </p:ext>
     </p:extLst>
   </p:cSld>
@@ -6701,8 +8058,8 @@
 </p:sld>
 </file>
 
-<file path=ppt/slides/slide29.xml><?xml version="1.0" encoding="utf-8"?>
-<p:sld xmlns:a="http://schemas.openxmlformats.org/drawingml/2006/main" xmlns:r="http://schemas.openxmlformats.org/officeDocument/2006/relationships" xmlns:mc="http://schemas.openxmlformats.org/markup-compatibility/2006" xmlns:mv="urn:schemas-microsoft-com:mac:vml" xmlns:p="http://schemas.openxmlformats.org/presentationml/2006/main" mc:Ignorable="mv" mc:PreserveAttributes="mv:*">
+<file path=ppt/slides/slide38.xml><?xml version="1.0" encoding="utf-8"?>
+<p:sld xmlns:a="http://schemas.openxmlformats.org/drawingml/2006/main" xmlns:r="http://schemas.openxmlformats.org/officeDocument/2006/relationships" xmlns:p="http://schemas.openxmlformats.org/presentationml/2006/main">
   <p:cSld>
     <p:spTree>
       <p:nvGrpSpPr>
@@ -6790,7 +8147,7 @@
           <a:blip r:embed="rId2">
             <a:extLst>
               <a:ext uri="{28A0092B-C50C-407E-A947-70E740481C1C}">
-                <a14:useLocalDpi xmlns:a14="http://schemas.microsoft.com/office/drawing/2010/main" xmlns:p="http://schemas.openxmlformats.org/presentationml/2006/main" xmlns:r="http://schemas.openxmlformats.org/officeDocument/2006/relationships" xmlns:a="http://schemas.openxmlformats.org/drawingml/2006/main" xmlns="" val="0"/>
+                <a14:useLocalDpi xmlns:a14="http://schemas.microsoft.com/office/drawing/2010/main" val="0"/>
               </a:ext>
             </a:extLst>
           </a:blip>
@@ -6808,7 +8165,7 @@
     </p:spTree>
     <p:extLst>
       <p:ext uri="{BB962C8B-B14F-4D97-AF65-F5344CB8AC3E}">
-        <p14:creationId xmlns:p14="http://schemas.microsoft.com/office/powerpoint/2010/main" xmlns:p="http://schemas.openxmlformats.org/presentationml/2006/main" xmlns:r="http://schemas.openxmlformats.org/officeDocument/2006/relationships" xmlns:a="http://schemas.openxmlformats.org/drawingml/2006/main" xmlns="" val="57615000"/>
+        <p14:creationId xmlns:p14="http://schemas.microsoft.com/office/powerpoint/2010/main" val="57615000"/>
       </p:ext>
     </p:extLst>
   </p:cSld>
@@ -6828,8 +8185,8 @@
 </p:sld>
 </file>
 
-<file path=ppt/slides/slide3.xml><?xml version="1.0" encoding="utf-8"?>
-<p:sld xmlns:a="http://schemas.openxmlformats.org/drawingml/2006/main" xmlns:r="http://schemas.openxmlformats.org/officeDocument/2006/relationships" xmlns:mc="http://schemas.openxmlformats.org/markup-compatibility/2006" xmlns:mv="urn:schemas-microsoft-com:mac:vml" xmlns:p="http://schemas.openxmlformats.org/presentationml/2006/main" mc:Ignorable="mv" mc:PreserveAttributes="mv:*">
+<file path=ppt/slides/slide39.xml><?xml version="1.0" encoding="utf-8"?>
+<p:sld xmlns:a="http://schemas.openxmlformats.org/drawingml/2006/main" xmlns:r="http://schemas.openxmlformats.org/officeDocument/2006/relationships" xmlns:p="http://schemas.openxmlformats.org/presentationml/2006/main">
   <p:cSld>
     <p:spTree>
       <p:nvGrpSpPr>
@@ -6847,88 +8204,6 @@
       </p:grpSpPr>
       <p:sp>
         <p:nvSpPr>
-          <p:cNvPr id="5" name="Tittel 4"/>
-          <p:cNvSpPr>
-            <a:spLocks noGrp="1"/>
-          </p:cNvSpPr>
-          <p:nvPr>
-            <p:ph type="title"/>
-          </p:nvPr>
-        </p:nvSpPr>
-        <p:spPr/>
-        <p:txBody>
-          <a:bodyPr/>
-          <a:lstStyle/>
-          <a:p>
-            <a:r>
-              <a:rPr lang="nb-NO" dirty="0" smtClean="0"/>
-              <a:t>The team</a:t>
-            </a:r>
-            <a:endParaRPr lang="en-GB" dirty="0"/>
-          </a:p>
-        </p:txBody>
-      </p:sp>
-      <p:pic>
-        <p:nvPicPr>
-          <p:cNvPr id="6" name="Plassholder for innhold 5"/>
-          <p:cNvPicPr>
-            <a:picLocks noGrp="1" noChangeAspect="1"/>
-          </p:cNvPicPr>
-          <p:nvPr>
-            <p:ph idx="1"/>
-          </p:nvPr>
-        </p:nvPicPr>
-        <p:blipFill>
-          <a:blip r:embed="rId2">
-            <a:extLst>
-              <a:ext uri="{28A0092B-C50C-407E-A947-70E740481C1C}">
-                <a14:useLocalDpi xmlns:a14="http://schemas.microsoft.com/office/drawing/2010/main" xmlns:p="http://schemas.openxmlformats.org/presentationml/2006/main" xmlns:r="http://schemas.openxmlformats.org/officeDocument/2006/relationships" xmlns:a="http://schemas.openxmlformats.org/drawingml/2006/main" xmlns="" val="0"/>
-              </a:ext>
-            </a:extLst>
-          </a:blip>
-          <a:stretch>
-            <a:fillRect/>
-          </a:stretch>
-        </p:blipFill>
-        <p:spPr>
-          <a:xfrm>
-            <a:off x="709843" y="1600200"/>
-            <a:ext cx="7721139" cy="4343400"/>
-          </a:xfrm>
-        </p:spPr>
-      </p:pic>
-    </p:spTree>
-    <p:extLst>
-      <p:ext uri="{BB962C8B-B14F-4D97-AF65-F5344CB8AC3E}">
-        <p14:creationId xmlns:p14="http://schemas.microsoft.com/office/powerpoint/2010/main" xmlns:p="http://schemas.openxmlformats.org/presentationml/2006/main" xmlns:r="http://schemas.openxmlformats.org/officeDocument/2006/relationships" xmlns:a="http://schemas.openxmlformats.org/drawingml/2006/main" xmlns="" val="1132568989"/>
-      </p:ext>
-    </p:extLst>
-  </p:cSld>
-  <p:clrMapOvr>
-    <a:masterClrMapping/>
-  </p:clrMapOvr>
-</p:sld>
-</file>
-
-<file path=ppt/slides/slide30.xml><?xml version="1.0" encoding="utf-8"?>
-<p:sld xmlns:a="http://schemas.openxmlformats.org/drawingml/2006/main" xmlns:r="http://schemas.openxmlformats.org/officeDocument/2006/relationships" xmlns:mc="http://schemas.openxmlformats.org/markup-compatibility/2006" xmlns:mv="urn:schemas-microsoft-com:mac:vml" xmlns:p="http://schemas.openxmlformats.org/presentationml/2006/main" mc:Ignorable="mv" mc:PreserveAttributes="mv:*">
-  <p:cSld>
-    <p:spTree>
-      <p:nvGrpSpPr>
-        <p:cNvPr id="1" name=""/>
-        <p:cNvGrpSpPr/>
-        <p:nvPr/>
-      </p:nvGrpSpPr>
-      <p:grpSpPr>
-        <a:xfrm>
-          <a:off x="0" y="0"/>
-          <a:ext cx="0" cy="0"/>
-          <a:chOff x="0" y="0"/>
-          <a:chExt cx="0" cy="0"/>
-        </a:xfrm>
-      </p:grpSpPr>
-      <p:sp>
-        <p:nvSpPr>
           <p:cNvPr id="2" name="Tittel 1"/>
           <p:cNvSpPr>
             <a:spLocks noGrp="1"/>
@@ -7004,7 +8279,7 @@
           <a:blip r:embed="rId2">
             <a:extLst>
               <a:ext uri="{28A0092B-C50C-407E-A947-70E740481C1C}">
-                <a14:useLocalDpi xmlns:a14="http://schemas.microsoft.com/office/drawing/2010/main" xmlns:p="http://schemas.openxmlformats.org/presentationml/2006/main" xmlns:r="http://schemas.openxmlformats.org/officeDocument/2006/relationships" xmlns:a="http://schemas.openxmlformats.org/drawingml/2006/main" xmlns="" val="0"/>
+                <a14:useLocalDpi xmlns:a14="http://schemas.microsoft.com/office/drawing/2010/main" val="0"/>
               </a:ext>
             </a:extLst>
           </a:blip>
@@ -7022,369 +8297,7 @@
     </p:spTree>
     <p:extLst>
       <p:ext uri="{BB962C8B-B14F-4D97-AF65-F5344CB8AC3E}">
-        <p14:creationId xmlns:p14="http://schemas.microsoft.com/office/powerpoint/2010/main" xmlns:p="http://schemas.openxmlformats.org/presentationml/2006/main" xmlns:r="http://schemas.openxmlformats.org/officeDocument/2006/relationships" xmlns:a="http://schemas.openxmlformats.org/drawingml/2006/main" xmlns="" val="702158839"/>
-      </p:ext>
-    </p:extLst>
-  </p:cSld>
-  <p:clrMapOvr>
-    <a:masterClrMapping/>
-  </p:clrMapOvr>
-  <p:transition spd="slow">
-    <p:push dir="u"/>
-  </p:transition>
-  <p:timing>
-    <p:tnLst>
-      <p:par>
-        <p:cTn id="1" dur="indefinite" restart="never" nodeType="tmRoot"/>
-      </p:par>
-    </p:tnLst>
-  </p:timing>
-</p:sld>
-</file>
-
-<file path=ppt/slides/slide31.xml><?xml version="1.0" encoding="utf-8"?>
-<p:sld xmlns:a="http://schemas.openxmlformats.org/drawingml/2006/main" xmlns:r="http://schemas.openxmlformats.org/officeDocument/2006/relationships" xmlns:mc="http://schemas.openxmlformats.org/markup-compatibility/2006" xmlns:mv="urn:schemas-microsoft-com:mac:vml" xmlns:p="http://schemas.openxmlformats.org/presentationml/2006/main" mc:Ignorable="mv" mc:PreserveAttributes="mv:*">
-  <p:cSld>
-    <p:spTree>
-      <p:nvGrpSpPr>
-        <p:cNvPr id="1" name=""/>
-        <p:cNvGrpSpPr/>
-        <p:nvPr/>
-      </p:nvGrpSpPr>
-      <p:grpSpPr>
-        <a:xfrm>
-          <a:off x="0" y="0"/>
-          <a:ext cx="0" cy="0"/>
-          <a:chOff x="0" y="0"/>
-          <a:chExt cx="0" cy="0"/>
-        </a:xfrm>
-      </p:grpSpPr>
-      <p:sp>
-        <p:nvSpPr>
-          <p:cNvPr id="2" name="Tittel 1"/>
-          <p:cNvSpPr>
-            <a:spLocks noGrp="1"/>
-          </p:cNvSpPr>
-          <p:nvPr>
-            <p:ph type="title"/>
-          </p:nvPr>
-        </p:nvSpPr>
-        <p:spPr/>
-        <p:txBody>
-          <a:bodyPr/>
-          <a:lstStyle/>
-          <a:p>
-            <a:r>
-              <a:rPr lang="en-GB" dirty="0" smtClean="0"/>
-              <a:t>Platform</a:t>
-            </a:r>
-            <a:endParaRPr lang="en-GB" dirty="0"/>
-          </a:p>
-        </p:txBody>
-      </p:sp>
-      <p:sp>
-        <p:nvSpPr>
-          <p:cNvPr id="3" name="Plassholder for innhold 2"/>
-          <p:cNvSpPr>
-            <a:spLocks noGrp="1"/>
-          </p:cNvSpPr>
-          <p:nvPr>
-            <p:ph sz="half" idx="1"/>
-          </p:nvPr>
-        </p:nvSpPr>
-        <p:spPr/>
-        <p:txBody>
-          <a:bodyPr/>
-          <a:lstStyle/>
-          <a:p>
-            <a:r>
-              <a:rPr lang="en-GB" dirty="0" smtClean="0"/>
-              <a:t>Contains information about different platforms.</a:t>
-            </a:r>
-          </a:p>
-          <a:p>
-            <a:r>
-              <a:rPr lang="en-GB" dirty="0" smtClean="0"/>
-              <a:t>The </a:t>
-            </a:r>
-            <a:r>
-              <a:rPr lang="en-GB" dirty="0" err="1" smtClean="0"/>
-              <a:t>CParser</a:t>
-            </a:r>
-            <a:r>
-              <a:rPr lang="en-GB" dirty="0" smtClean="0"/>
-              <a:t> and Dissector module uses this to make the dissectors conform with the specified platforms.</a:t>
-            </a:r>
-            <a:endParaRPr lang="en-GB" dirty="0"/>
-          </a:p>
-        </p:txBody>
-      </p:sp>
-      <p:pic>
-        <p:nvPicPr>
-          <p:cNvPr id="5" name="Plassholder for innhold 4"/>
-          <p:cNvPicPr>
-            <a:picLocks noGrp="1" noChangeAspect="1"/>
-          </p:cNvPicPr>
-          <p:nvPr>
-            <p:ph sz="half" idx="2"/>
-          </p:nvPr>
-        </p:nvPicPr>
-        <p:blipFill>
-          <a:blip r:embed="rId2">
-            <a:extLst>
-              <a:ext uri="{28A0092B-C50C-407E-A947-70E740481C1C}">
-                <a14:useLocalDpi xmlns:a14="http://schemas.microsoft.com/office/drawing/2010/main" xmlns:p="http://schemas.openxmlformats.org/presentationml/2006/main" xmlns:r="http://schemas.openxmlformats.org/officeDocument/2006/relationships" xmlns:a="http://schemas.openxmlformats.org/drawingml/2006/main" xmlns="" val="0"/>
-              </a:ext>
-            </a:extLst>
-          </a:blip>
-          <a:stretch>
-            <a:fillRect/>
-          </a:stretch>
-        </p:blipFill>
-        <p:spPr>
-          <a:xfrm>
-            <a:off x="4751388" y="2433662"/>
-            <a:ext cx="3840162" cy="2676476"/>
-          </a:xfrm>
-        </p:spPr>
-      </p:pic>
-    </p:spTree>
-    <p:extLst>
-      <p:ext uri="{BB962C8B-B14F-4D97-AF65-F5344CB8AC3E}">
-        <p14:creationId xmlns:p14="http://schemas.microsoft.com/office/powerpoint/2010/main" xmlns:p="http://schemas.openxmlformats.org/presentationml/2006/main" xmlns:r="http://schemas.openxmlformats.org/officeDocument/2006/relationships" xmlns:a="http://schemas.openxmlformats.org/drawingml/2006/main" xmlns="" val="1381620726"/>
-      </p:ext>
-    </p:extLst>
-  </p:cSld>
-  <p:clrMapOvr>
-    <a:masterClrMapping/>
-  </p:clrMapOvr>
-  <p:transition spd="slow">
-    <p:push dir="u"/>
-  </p:transition>
-  <p:timing>
-    <p:tnLst>
-      <p:par>
-        <p:cTn id="1" dur="indefinite" restart="never" nodeType="tmRoot"/>
-      </p:par>
-    </p:tnLst>
-  </p:timing>
-</p:sld>
-</file>
-
-<file path=ppt/slides/slide32.xml><?xml version="1.0" encoding="utf-8"?>
-<p:sld xmlns:a="http://schemas.openxmlformats.org/drawingml/2006/main" xmlns:r="http://schemas.openxmlformats.org/officeDocument/2006/relationships" xmlns:mc="http://schemas.openxmlformats.org/markup-compatibility/2006" xmlns:mv="urn:schemas-microsoft-com:mac:vml" xmlns:p="http://schemas.openxmlformats.org/presentationml/2006/main" mc:Ignorable="mv" mc:PreserveAttributes="mv:*">
-  <p:cSld>
-    <p:spTree>
-      <p:nvGrpSpPr>
-        <p:cNvPr id="1" name=""/>
-        <p:cNvGrpSpPr/>
-        <p:nvPr/>
-      </p:nvGrpSpPr>
-      <p:grpSpPr>
-        <a:xfrm>
-          <a:off x="0" y="0"/>
-          <a:ext cx="0" cy="0"/>
-          <a:chOff x="0" y="0"/>
-          <a:chExt cx="0" cy="0"/>
-        </a:xfrm>
-      </p:grpSpPr>
-      <p:sp>
-        <p:nvSpPr>
-          <p:cNvPr id="2" name="Tittel 1"/>
-          <p:cNvSpPr>
-            <a:spLocks noGrp="1"/>
-          </p:cNvSpPr>
-          <p:nvPr>
-            <p:ph type="title"/>
-          </p:nvPr>
-        </p:nvSpPr>
-        <p:spPr/>
-        <p:txBody>
-          <a:bodyPr/>
-          <a:lstStyle/>
-          <a:p>
-            <a:r>
-              <a:rPr lang="en-GB" dirty="0" smtClean="0"/>
-              <a:t>Dissector</a:t>
-            </a:r>
-            <a:endParaRPr lang="en-GB" dirty="0"/>
-          </a:p>
-        </p:txBody>
-      </p:sp>
-      <p:sp>
-        <p:nvSpPr>
-          <p:cNvPr id="3" name="Plassholder for innhold 2"/>
-          <p:cNvSpPr>
-            <a:spLocks noGrp="1"/>
-          </p:cNvSpPr>
-          <p:nvPr>
-            <p:ph sz="half" idx="1"/>
-          </p:nvPr>
-        </p:nvSpPr>
-        <p:spPr/>
-        <p:txBody>
-          <a:bodyPr/>
-          <a:lstStyle/>
-          <a:p>
-            <a:r>
-              <a:rPr lang="en-GB" dirty="0" smtClean="0"/>
-              <a:t>Defines the Protocol class, that is used to represent a dissector.</a:t>
-            </a:r>
-          </a:p>
-          <a:p>
-            <a:r>
-              <a:rPr lang="en-GB" dirty="0" smtClean="0"/>
-              <a:t>Contains methods for writing the dissector.</a:t>
-            </a:r>
-            <a:endParaRPr lang="en-GB" dirty="0"/>
-          </a:p>
-        </p:txBody>
-      </p:sp>
-      <p:pic>
-        <p:nvPicPr>
-          <p:cNvPr id="5" name="Plassholder for innhold 4"/>
-          <p:cNvPicPr>
-            <a:picLocks noGrp="1" noChangeAspect="1"/>
-          </p:cNvPicPr>
-          <p:nvPr>
-            <p:ph sz="half" idx="2"/>
-          </p:nvPr>
-        </p:nvPicPr>
-        <p:blipFill>
-          <a:blip r:embed="rId2">
-            <a:extLst>
-              <a:ext uri="{28A0092B-C50C-407E-A947-70E740481C1C}">
-                <a14:useLocalDpi xmlns:a14="http://schemas.microsoft.com/office/drawing/2010/main" xmlns:p="http://schemas.openxmlformats.org/presentationml/2006/main" xmlns:r="http://schemas.openxmlformats.org/officeDocument/2006/relationships" xmlns:a="http://schemas.openxmlformats.org/drawingml/2006/main" xmlns="" val="0"/>
-              </a:ext>
-            </a:extLst>
-          </a:blip>
-          <a:stretch>
-            <a:fillRect/>
-          </a:stretch>
-        </p:blipFill>
-        <p:spPr>
-          <a:xfrm>
-            <a:off x="4852481" y="1600200"/>
-            <a:ext cx="3637975" cy="4343400"/>
-          </a:xfrm>
-        </p:spPr>
-      </p:pic>
-    </p:spTree>
-    <p:extLst>
-      <p:ext uri="{BB962C8B-B14F-4D97-AF65-F5344CB8AC3E}">
-        <p14:creationId xmlns:p14="http://schemas.microsoft.com/office/powerpoint/2010/main" xmlns:p="http://schemas.openxmlformats.org/presentationml/2006/main" xmlns:r="http://schemas.openxmlformats.org/officeDocument/2006/relationships" xmlns:a="http://schemas.openxmlformats.org/drawingml/2006/main" xmlns="" val="3002391868"/>
-      </p:ext>
-    </p:extLst>
-  </p:cSld>
-  <p:clrMapOvr>
-    <a:masterClrMapping/>
-  </p:clrMapOvr>
-  <p:transition spd="slow">
-    <p:push dir="u"/>
-  </p:transition>
-  <p:timing>
-    <p:tnLst>
-      <p:par>
-        <p:cTn id="1" dur="indefinite" restart="never" nodeType="tmRoot"/>
-      </p:par>
-    </p:tnLst>
-  </p:timing>
-</p:sld>
-</file>
-
-<file path=ppt/slides/slide33.xml><?xml version="1.0" encoding="utf-8"?>
-<p:sld xmlns:a="http://schemas.openxmlformats.org/drawingml/2006/main" xmlns:r="http://schemas.openxmlformats.org/officeDocument/2006/relationships" xmlns:mc="http://schemas.openxmlformats.org/markup-compatibility/2006" xmlns:mv="urn:schemas-microsoft-com:mac:vml" xmlns:p="http://schemas.openxmlformats.org/presentationml/2006/main" mc:Ignorable="mv" mc:PreserveAttributes="mv:*">
-  <p:cSld>
-    <p:spTree>
-      <p:nvGrpSpPr>
-        <p:cNvPr id="1" name=""/>
-        <p:cNvGrpSpPr/>
-        <p:nvPr/>
-      </p:nvGrpSpPr>
-      <p:grpSpPr>
-        <a:xfrm>
-          <a:off x="0" y="0"/>
-          <a:ext cx="0" cy="0"/>
-          <a:chOff x="0" y="0"/>
-          <a:chExt cx="0" cy="0"/>
-        </a:xfrm>
-      </p:grpSpPr>
-      <p:sp>
-        <p:nvSpPr>
-          <p:cNvPr id="2" name="Tittel 1"/>
-          <p:cNvSpPr>
-            <a:spLocks noGrp="1"/>
-          </p:cNvSpPr>
-          <p:nvPr>
-            <p:ph type="title"/>
-          </p:nvPr>
-        </p:nvSpPr>
-        <p:spPr/>
-        <p:txBody>
-          <a:bodyPr/>
-          <a:lstStyle/>
-          <a:p>
-            <a:r>
-              <a:rPr lang="en-GB" dirty="0" err="1" smtClean="0"/>
-              <a:t>Conclution</a:t>
-            </a:r>
-            <a:endParaRPr lang="en-GB" dirty="0"/>
-          </a:p>
-        </p:txBody>
-      </p:sp>
-      <p:sp>
-        <p:nvSpPr>
-          <p:cNvPr id="3" name="Plassholder for innhold 2"/>
-          <p:cNvSpPr>
-            <a:spLocks noGrp="1"/>
-          </p:cNvSpPr>
-          <p:nvPr>
-            <p:ph idx="1"/>
-          </p:nvPr>
-        </p:nvSpPr>
-        <p:spPr/>
-        <p:txBody>
-          <a:bodyPr/>
-          <a:lstStyle/>
-          <a:p>
-            <a:r>
-              <a:rPr lang="en-GB" dirty="0" smtClean="0"/>
-              <a:t>Automatic generation saves time.</a:t>
-            </a:r>
-          </a:p>
-          <a:p>
-            <a:r>
-              <a:rPr lang="en-GB" dirty="0" smtClean="0"/>
-              <a:t>No dependence of intimate C knowledge.</a:t>
-            </a:r>
-          </a:p>
-          <a:p>
-            <a:r>
-              <a:rPr lang="en-GB" dirty="0" smtClean="0"/>
-              <a:t>Less dependence on key personal.</a:t>
-            </a:r>
-          </a:p>
-          <a:p>
-            <a:r>
-              <a:rPr lang="en-GB" dirty="0" smtClean="0"/>
-              <a:t>Having dissectors reduces time spent on debugging.</a:t>
-            </a:r>
-          </a:p>
-          <a:p>
-            <a:r>
-              <a:rPr lang="en-GB" dirty="0" smtClean="0"/>
-              <a:t>Easier to debug remote locations.</a:t>
-            </a:r>
-          </a:p>
-          <a:p>
-            <a:endParaRPr lang="en-GB" dirty="0"/>
-          </a:p>
-        </p:txBody>
-      </p:sp>
-    </p:spTree>
-    <p:extLst>
-      <p:ext uri="{BB962C8B-B14F-4D97-AF65-F5344CB8AC3E}">
-        <p14:creationId xmlns:p14="http://schemas.microsoft.com/office/powerpoint/2010/main" xmlns:p="http://schemas.openxmlformats.org/presentationml/2006/main" xmlns:r="http://schemas.openxmlformats.org/officeDocument/2006/relationships" xmlns:a="http://schemas.openxmlformats.org/drawingml/2006/main" xmlns="" val="1405062213"/>
+        <p14:creationId xmlns:p14="http://schemas.microsoft.com/office/powerpoint/2010/main" val="702158839"/>
       </p:ext>
     </p:extLst>
   </p:cSld>
@@ -7405,7 +8318,7 @@
 </file>
 
 <file path=ppt/slides/slide4.xml><?xml version="1.0" encoding="utf-8"?>
-<p:sld xmlns:a="http://schemas.openxmlformats.org/drawingml/2006/main" xmlns:r="http://schemas.openxmlformats.org/officeDocument/2006/relationships" xmlns:mc="http://schemas.openxmlformats.org/markup-compatibility/2006" xmlns:mv="urn:schemas-microsoft-com:mac:vml" xmlns:p="http://schemas.openxmlformats.org/presentationml/2006/main" mc:Ignorable="mv" mc:PreserveAttributes="mv:*">
+<p:sld xmlns:a="http://schemas.openxmlformats.org/drawingml/2006/main" xmlns:r="http://schemas.openxmlformats.org/officeDocument/2006/relationships" xmlns:p="http://schemas.openxmlformats.org/presentationml/2006/main">
   <p:cSld>
     <p:spTree>
       <p:nvGrpSpPr>
@@ -7495,7 +8408,369 @@
     </p:spTree>
     <p:extLst>
       <p:ext uri="{BB962C8B-B14F-4D97-AF65-F5344CB8AC3E}">
-        <p14:creationId xmlns:p14="http://schemas.microsoft.com/office/powerpoint/2010/main" xmlns:p="http://schemas.openxmlformats.org/presentationml/2006/main" xmlns:r="http://schemas.openxmlformats.org/officeDocument/2006/relationships" xmlns:a="http://schemas.openxmlformats.org/drawingml/2006/main" xmlns="" val="4179239219"/>
+        <p14:creationId xmlns:p14="http://schemas.microsoft.com/office/powerpoint/2010/main" val="4179239219"/>
+      </p:ext>
+    </p:extLst>
+  </p:cSld>
+  <p:clrMapOvr>
+    <a:masterClrMapping/>
+  </p:clrMapOvr>
+  <p:transition spd="slow">
+    <p:push dir="u"/>
+  </p:transition>
+  <p:timing>
+    <p:tnLst>
+      <p:par>
+        <p:cTn id="1" dur="indefinite" restart="never" nodeType="tmRoot"/>
+      </p:par>
+    </p:tnLst>
+  </p:timing>
+</p:sld>
+</file>
+
+<file path=ppt/slides/slide40.xml><?xml version="1.0" encoding="utf-8"?>
+<p:sld xmlns:a="http://schemas.openxmlformats.org/drawingml/2006/main" xmlns:r="http://schemas.openxmlformats.org/officeDocument/2006/relationships" xmlns:p="http://schemas.openxmlformats.org/presentationml/2006/main">
+  <p:cSld>
+    <p:spTree>
+      <p:nvGrpSpPr>
+        <p:cNvPr id="1" name=""/>
+        <p:cNvGrpSpPr/>
+        <p:nvPr/>
+      </p:nvGrpSpPr>
+      <p:grpSpPr>
+        <a:xfrm>
+          <a:off x="0" y="0"/>
+          <a:ext cx="0" cy="0"/>
+          <a:chOff x="0" y="0"/>
+          <a:chExt cx="0" cy="0"/>
+        </a:xfrm>
+      </p:grpSpPr>
+      <p:sp>
+        <p:nvSpPr>
+          <p:cNvPr id="2" name="Tittel 1"/>
+          <p:cNvSpPr>
+            <a:spLocks noGrp="1"/>
+          </p:cNvSpPr>
+          <p:nvPr>
+            <p:ph type="title"/>
+          </p:nvPr>
+        </p:nvSpPr>
+        <p:spPr/>
+        <p:txBody>
+          <a:bodyPr/>
+          <a:lstStyle/>
+          <a:p>
+            <a:r>
+              <a:rPr lang="en-GB" dirty="0" smtClean="0"/>
+              <a:t>Platform</a:t>
+            </a:r>
+            <a:endParaRPr lang="en-GB" dirty="0"/>
+          </a:p>
+        </p:txBody>
+      </p:sp>
+      <p:sp>
+        <p:nvSpPr>
+          <p:cNvPr id="3" name="Plassholder for innhold 2"/>
+          <p:cNvSpPr>
+            <a:spLocks noGrp="1"/>
+          </p:cNvSpPr>
+          <p:nvPr>
+            <p:ph sz="half" idx="1"/>
+          </p:nvPr>
+        </p:nvSpPr>
+        <p:spPr/>
+        <p:txBody>
+          <a:bodyPr/>
+          <a:lstStyle/>
+          <a:p>
+            <a:r>
+              <a:rPr lang="en-GB" dirty="0" smtClean="0"/>
+              <a:t>Contains information about different platforms.</a:t>
+            </a:r>
+          </a:p>
+          <a:p>
+            <a:r>
+              <a:rPr lang="en-GB" dirty="0" smtClean="0"/>
+              <a:t>The </a:t>
+            </a:r>
+            <a:r>
+              <a:rPr lang="en-GB" dirty="0" err="1" smtClean="0"/>
+              <a:t>CParser</a:t>
+            </a:r>
+            <a:r>
+              <a:rPr lang="en-GB" dirty="0" smtClean="0"/>
+              <a:t> and Dissector module uses this to make the dissectors conform with the specified platforms.</a:t>
+            </a:r>
+            <a:endParaRPr lang="en-GB" dirty="0"/>
+          </a:p>
+        </p:txBody>
+      </p:sp>
+      <p:pic>
+        <p:nvPicPr>
+          <p:cNvPr id="5" name="Plassholder for innhold 4"/>
+          <p:cNvPicPr>
+            <a:picLocks noGrp="1" noChangeAspect="1"/>
+          </p:cNvPicPr>
+          <p:nvPr>
+            <p:ph sz="half" idx="2"/>
+          </p:nvPr>
+        </p:nvPicPr>
+        <p:blipFill>
+          <a:blip r:embed="rId2">
+            <a:extLst>
+              <a:ext uri="{28A0092B-C50C-407E-A947-70E740481C1C}">
+                <a14:useLocalDpi xmlns:a14="http://schemas.microsoft.com/office/drawing/2010/main" val="0"/>
+              </a:ext>
+            </a:extLst>
+          </a:blip>
+          <a:stretch>
+            <a:fillRect/>
+          </a:stretch>
+        </p:blipFill>
+        <p:spPr>
+          <a:xfrm>
+            <a:off x="4751388" y="2433662"/>
+            <a:ext cx="3840162" cy="2676476"/>
+          </a:xfrm>
+        </p:spPr>
+      </p:pic>
+    </p:spTree>
+    <p:extLst>
+      <p:ext uri="{BB962C8B-B14F-4D97-AF65-F5344CB8AC3E}">
+        <p14:creationId xmlns:p14="http://schemas.microsoft.com/office/powerpoint/2010/main" val="1381620726"/>
+      </p:ext>
+    </p:extLst>
+  </p:cSld>
+  <p:clrMapOvr>
+    <a:masterClrMapping/>
+  </p:clrMapOvr>
+  <p:transition spd="slow">
+    <p:push dir="u"/>
+  </p:transition>
+  <p:timing>
+    <p:tnLst>
+      <p:par>
+        <p:cTn id="1" dur="indefinite" restart="never" nodeType="tmRoot"/>
+      </p:par>
+    </p:tnLst>
+  </p:timing>
+</p:sld>
+</file>
+
+<file path=ppt/slides/slide41.xml><?xml version="1.0" encoding="utf-8"?>
+<p:sld xmlns:a="http://schemas.openxmlformats.org/drawingml/2006/main" xmlns:r="http://schemas.openxmlformats.org/officeDocument/2006/relationships" xmlns:p="http://schemas.openxmlformats.org/presentationml/2006/main">
+  <p:cSld>
+    <p:spTree>
+      <p:nvGrpSpPr>
+        <p:cNvPr id="1" name=""/>
+        <p:cNvGrpSpPr/>
+        <p:nvPr/>
+      </p:nvGrpSpPr>
+      <p:grpSpPr>
+        <a:xfrm>
+          <a:off x="0" y="0"/>
+          <a:ext cx="0" cy="0"/>
+          <a:chOff x="0" y="0"/>
+          <a:chExt cx="0" cy="0"/>
+        </a:xfrm>
+      </p:grpSpPr>
+      <p:sp>
+        <p:nvSpPr>
+          <p:cNvPr id="2" name="Tittel 1"/>
+          <p:cNvSpPr>
+            <a:spLocks noGrp="1"/>
+          </p:cNvSpPr>
+          <p:nvPr>
+            <p:ph type="title"/>
+          </p:nvPr>
+        </p:nvSpPr>
+        <p:spPr/>
+        <p:txBody>
+          <a:bodyPr/>
+          <a:lstStyle/>
+          <a:p>
+            <a:r>
+              <a:rPr lang="en-GB" dirty="0" smtClean="0"/>
+              <a:t>Dissector</a:t>
+            </a:r>
+            <a:endParaRPr lang="en-GB" dirty="0"/>
+          </a:p>
+        </p:txBody>
+      </p:sp>
+      <p:sp>
+        <p:nvSpPr>
+          <p:cNvPr id="3" name="Plassholder for innhold 2"/>
+          <p:cNvSpPr>
+            <a:spLocks noGrp="1"/>
+          </p:cNvSpPr>
+          <p:nvPr>
+            <p:ph sz="half" idx="1"/>
+          </p:nvPr>
+        </p:nvSpPr>
+        <p:spPr/>
+        <p:txBody>
+          <a:bodyPr/>
+          <a:lstStyle/>
+          <a:p>
+            <a:r>
+              <a:rPr lang="en-GB" dirty="0" smtClean="0"/>
+              <a:t>Defines the Protocol class, that is used to represent a dissector.</a:t>
+            </a:r>
+          </a:p>
+          <a:p>
+            <a:r>
+              <a:rPr lang="en-GB" dirty="0" smtClean="0"/>
+              <a:t>Contains methods for writing the dissector.</a:t>
+            </a:r>
+            <a:endParaRPr lang="en-GB" dirty="0"/>
+          </a:p>
+        </p:txBody>
+      </p:sp>
+      <p:pic>
+        <p:nvPicPr>
+          <p:cNvPr id="5" name="Plassholder for innhold 4"/>
+          <p:cNvPicPr>
+            <a:picLocks noGrp="1" noChangeAspect="1"/>
+          </p:cNvPicPr>
+          <p:nvPr>
+            <p:ph sz="half" idx="2"/>
+          </p:nvPr>
+        </p:nvPicPr>
+        <p:blipFill>
+          <a:blip r:embed="rId2">
+            <a:extLst>
+              <a:ext uri="{28A0092B-C50C-407E-A947-70E740481C1C}">
+                <a14:useLocalDpi xmlns:a14="http://schemas.microsoft.com/office/drawing/2010/main" val="0"/>
+              </a:ext>
+            </a:extLst>
+          </a:blip>
+          <a:stretch>
+            <a:fillRect/>
+          </a:stretch>
+        </p:blipFill>
+        <p:spPr>
+          <a:xfrm>
+            <a:off x="4852481" y="1600200"/>
+            <a:ext cx="3637975" cy="4343400"/>
+          </a:xfrm>
+        </p:spPr>
+      </p:pic>
+    </p:spTree>
+    <p:extLst>
+      <p:ext uri="{BB962C8B-B14F-4D97-AF65-F5344CB8AC3E}">
+        <p14:creationId xmlns:p14="http://schemas.microsoft.com/office/powerpoint/2010/main" val="3002391868"/>
+      </p:ext>
+    </p:extLst>
+  </p:cSld>
+  <p:clrMapOvr>
+    <a:masterClrMapping/>
+  </p:clrMapOvr>
+  <p:transition spd="slow">
+    <p:push dir="u"/>
+  </p:transition>
+  <p:timing>
+    <p:tnLst>
+      <p:par>
+        <p:cTn id="1" dur="indefinite" restart="never" nodeType="tmRoot"/>
+      </p:par>
+    </p:tnLst>
+  </p:timing>
+</p:sld>
+</file>
+
+<file path=ppt/slides/slide42.xml><?xml version="1.0" encoding="utf-8"?>
+<p:sld xmlns:a="http://schemas.openxmlformats.org/drawingml/2006/main" xmlns:r="http://schemas.openxmlformats.org/officeDocument/2006/relationships" xmlns:p="http://schemas.openxmlformats.org/presentationml/2006/main">
+  <p:cSld>
+    <p:spTree>
+      <p:nvGrpSpPr>
+        <p:cNvPr id="1" name=""/>
+        <p:cNvGrpSpPr/>
+        <p:nvPr/>
+      </p:nvGrpSpPr>
+      <p:grpSpPr>
+        <a:xfrm>
+          <a:off x="0" y="0"/>
+          <a:ext cx="0" cy="0"/>
+          <a:chOff x="0" y="0"/>
+          <a:chExt cx="0" cy="0"/>
+        </a:xfrm>
+      </p:grpSpPr>
+      <p:sp>
+        <p:nvSpPr>
+          <p:cNvPr id="2" name="Tittel 1"/>
+          <p:cNvSpPr>
+            <a:spLocks noGrp="1"/>
+          </p:cNvSpPr>
+          <p:nvPr>
+            <p:ph type="title"/>
+          </p:nvPr>
+        </p:nvSpPr>
+        <p:spPr/>
+        <p:txBody>
+          <a:bodyPr/>
+          <a:lstStyle/>
+          <a:p>
+            <a:r>
+              <a:rPr lang="en-GB" dirty="0" err="1" smtClean="0"/>
+              <a:t>Conclution</a:t>
+            </a:r>
+            <a:endParaRPr lang="en-GB" dirty="0"/>
+          </a:p>
+        </p:txBody>
+      </p:sp>
+      <p:sp>
+        <p:nvSpPr>
+          <p:cNvPr id="3" name="Plassholder for innhold 2"/>
+          <p:cNvSpPr>
+            <a:spLocks noGrp="1"/>
+          </p:cNvSpPr>
+          <p:nvPr>
+            <p:ph idx="1"/>
+          </p:nvPr>
+        </p:nvSpPr>
+        <p:spPr/>
+        <p:txBody>
+          <a:bodyPr/>
+          <a:lstStyle/>
+          <a:p>
+            <a:r>
+              <a:rPr lang="en-GB" dirty="0" smtClean="0"/>
+              <a:t>Automatic generation saves time.</a:t>
+            </a:r>
+          </a:p>
+          <a:p>
+            <a:r>
+              <a:rPr lang="en-GB" dirty="0" smtClean="0"/>
+              <a:t>No dependence of intimate C knowledge.</a:t>
+            </a:r>
+          </a:p>
+          <a:p>
+            <a:r>
+              <a:rPr lang="en-GB" dirty="0" smtClean="0"/>
+              <a:t>Less dependence on key personal.</a:t>
+            </a:r>
+          </a:p>
+          <a:p>
+            <a:r>
+              <a:rPr lang="en-GB" dirty="0" smtClean="0"/>
+              <a:t>Having dissectors reduces time spent on debugging.</a:t>
+            </a:r>
+          </a:p>
+          <a:p>
+            <a:r>
+              <a:rPr lang="en-GB" dirty="0" smtClean="0"/>
+              <a:t>Easier to debug remote locations.</a:t>
+            </a:r>
+          </a:p>
+          <a:p>
+            <a:endParaRPr lang="en-GB" dirty="0"/>
+          </a:p>
+        </p:txBody>
+      </p:sp>
+    </p:spTree>
+    <p:extLst>
+      <p:ext uri="{BB962C8B-B14F-4D97-AF65-F5344CB8AC3E}">
+        <p14:creationId xmlns:p14="http://schemas.microsoft.com/office/powerpoint/2010/main" val="1405062213"/>
       </p:ext>
     </p:extLst>
   </p:cSld>
@@ -7516,7 +8791,7 @@
 </file>
 
 <file path=ppt/slides/slide5.xml><?xml version="1.0" encoding="utf-8"?>
-<p:sld xmlns:a="http://schemas.openxmlformats.org/drawingml/2006/main" xmlns:r="http://schemas.openxmlformats.org/officeDocument/2006/relationships" xmlns:mc="http://schemas.openxmlformats.org/markup-compatibility/2006" xmlns:mv="urn:schemas-microsoft-com:mac:vml" xmlns:p="http://schemas.openxmlformats.org/presentationml/2006/main" mc:Ignorable="mv" mc:PreserveAttributes="mv:*">
+<p:sld xmlns:a="http://schemas.openxmlformats.org/drawingml/2006/main" xmlns:r="http://schemas.openxmlformats.org/officeDocument/2006/relationships" xmlns:p="http://schemas.openxmlformats.org/presentationml/2006/main">
   <p:cSld>
     <p:spTree>
       <p:nvGrpSpPr>
@@ -7607,7 +8882,7 @@
           <a:blip r:embed="rId2">
             <a:extLst>
               <a:ext uri="{28A0092B-C50C-407E-A947-70E740481C1C}">
-                <a14:useLocalDpi xmlns:a14="http://schemas.microsoft.com/office/drawing/2010/main" xmlns:p="http://schemas.openxmlformats.org/presentationml/2006/main" xmlns:r="http://schemas.openxmlformats.org/officeDocument/2006/relationships" xmlns:a="http://schemas.openxmlformats.org/drawingml/2006/main" xmlns="" val="0"/>
+                <a14:useLocalDpi xmlns:a14="http://schemas.microsoft.com/office/drawing/2010/main" val="0"/>
               </a:ext>
             </a:extLst>
           </a:blip>
@@ -7625,7 +8900,7 @@
     </p:spTree>
     <p:extLst>
       <p:ext uri="{BB962C8B-B14F-4D97-AF65-F5344CB8AC3E}">
-        <p14:creationId xmlns:p14="http://schemas.microsoft.com/office/powerpoint/2010/main" xmlns:p="http://schemas.openxmlformats.org/presentationml/2006/main" xmlns:r="http://schemas.openxmlformats.org/officeDocument/2006/relationships" xmlns:a="http://schemas.openxmlformats.org/drawingml/2006/main" xmlns="" val="1451639058"/>
+        <p14:creationId xmlns:p14="http://schemas.microsoft.com/office/powerpoint/2010/main" val="1451639058"/>
       </p:ext>
     </p:extLst>
   </p:cSld>
@@ -7636,7 +8911,7 @@
 </file>
 
 <file path=ppt/slides/slide6.xml><?xml version="1.0" encoding="utf-8"?>
-<p:sld xmlns:a="http://schemas.openxmlformats.org/drawingml/2006/main" xmlns:r="http://schemas.openxmlformats.org/officeDocument/2006/relationships" xmlns:mc="http://schemas.openxmlformats.org/markup-compatibility/2006" xmlns:mv="urn:schemas-microsoft-com:mac:vml" xmlns:p="http://schemas.openxmlformats.org/presentationml/2006/main" mc:Ignorable="mv" mc:PreserveAttributes="mv:*">
+<p:sld xmlns:a="http://schemas.openxmlformats.org/drawingml/2006/main" xmlns:r="http://schemas.openxmlformats.org/officeDocument/2006/relationships" xmlns:p="http://schemas.openxmlformats.org/presentationml/2006/main">
   <p:cSld>
     <p:spTree>
       <p:nvGrpSpPr>
@@ -7727,7 +9002,7 @@
     </p:spTree>
     <p:extLst>
       <p:ext uri="{BB962C8B-B14F-4D97-AF65-F5344CB8AC3E}">
-        <p14:creationId xmlns:p14="http://schemas.microsoft.com/office/powerpoint/2010/main" xmlns:p="http://schemas.openxmlformats.org/presentationml/2006/main" xmlns:r="http://schemas.openxmlformats.org/officeDocument/2006/relationships" xmlns:a="http://schemas.openxmlformats.org/drawingml/2006/main" xmlns="" val="326664058"/>
+        <p14:creationId xmlns:p14="http://schemas.microsoft.com/office/powerpoint/2010/main" val="326664058"/>
       </p:ext>
     </p:extLst>
   </p:cSld>
@@ -7748,215 +9023,7 @@
 </file>
 
 <file path=ppt/slides/slide7.xml><?xml version="1.0" encoding="utf-8"?>
-<p:sld xmlns:a="http://schemas.openxmlformats.org/drawingml/2006/main" xmlns:r="http://schemas.openxmlformats.org/officeDocument/2006/relationships" xmlns:mc="http://schemas.openxmlformats.org/markup-compatibility/2006" xmlns:mv="urn:schemas-microsoft-com:mac:vml" xmlns:p="http://schemas.openxmlformats.org/presentationml/2006/main" mc:Ignorable="mv" mc:PreserveAttributes="mv:*">
-  <p:cSld>
-    <p:spTree>
-      <p:nvGrpSpPr>
-        <p:cNvPr id="1" name=""/>
-        <p:cNvGrpSpPr/>
-        <p:nvPr/>
-      </p:nvGrpSpPr>
-      <p:grpSpPr>
-        <a:xfrm>
-          <a:off x="0" y="0"/>
-          <a:ext cx="0" cy="0"/>
-          <a:chOff x="0" y="0"/>
-          <a:chExt cx="0" cy="0"/>
-        </a:xfrm>
-      </p:grpSpPr>
-      <p:sp>
-        <p:nvSpPr>
-          <p:cNvPr id="2" name="Tittel 1"/>
-          <p:cNvSpPr>
-            <a:spLocks noGrp="1"/>
-          </p:cNvSpPr>
-          <p:nvPr>
-            <p:ph type="title"/>
-          </p:nvPr>
-        </p:nvSpPr>
-        <p:spPr/>
-        <p:txBody>
-          <a:bodyPr/>
-          <a:lstStyle/>
-          <a:p>
-            <a:r>
-              <a:rPr lang="nb-NO" dirty="0" smtClean="0"/>
-              <a:t>Wireshark</a:t>
-            </a:r>
-            <a:endParaRPr lang="en-GB" dirty="0"/>
-          </a:p>
-        </p:txBody>
-      </p:sp>
-      <p:pic>
-        <p:nvPicPr>
-          <p:cNvPr id="4" name="Plassholder for innhold 3"/>
-          <p:cNvPicPr>
-            <a:picLocks noGrp="1" noChangeAspect="1"/>
-          </p:cNvPicPr>
-          <p:nvPr>
-            <p:ph idx="1"/>
-          </p:nvPr>
-        </p:nvPicPr>
-        <p:blipFill>
-          <a:blip r:embed="rId2">
-            <a:extLst>
-              <a:ext uri="{28A0092B-C50C-407E-A947-70E740481C1C}">
-                <a14:useLocalDpi xmlns:a14="http://schemas.microsoft.com/office/drawing/2010/main" xmlns:p="http://schemas.openxmlformats.org/presentationml/2006/main" xmlns:r="http://schemas.openxmlformats.org/officeDocument/2006/relationships" xmlns:a="http://schemas.openxmlformats.org/drawingml/2006/main" xmlns="" val="0"/>
-              </a:ext>
-            </a:extLst>
-          </a:blip>
-          <a:stretch>
-            <a:fillRect/>
-          </a:stretch>
-        </p:blipFill>
-        <p:spPr>
-          <a:xfrm>
-            <a:off x="1627322" y="1357487"/>
-            <a:ext cx="5943599" cy="5418028"/>
-          </a:xfrm>
-        </p:spPr>
-      </p:pic>
-    </p:spTree>
-    <p:extLst>
-      <p:ext uri="{BB962C8B-B14F-4D97-AF65-F5344CB8AC3E}">
-        <p14:creationId xmlns:p14="http://schemas.microsoft.com/office/powerpoint/2010/main" xmlns:p="http://schemas.openxmlformats.org/presentationml/2006/main" xmlns:r="http://schemas.openxmlformats.org/officeDocument/2006/relationships" xmlns:a="http://schemas.openxmlformats.org/drawingml/2006/main" xmlns="" val="871341481"/>
-      </p:ext>
-    </p:extLst>
-  </p:cSld>
-  <p:clrMapOvr>
-    <a:masterClrMapping/>
-  </p:clrMapOvr>
-</p:sld>
-</file>
-
-<file path=ppt/slides/slide8.xml><?xml version="1.0" encoding="utf-8"?>
-<p:sld xmlns:a="http://schemas.openxmlformats.org/drawingml/2006/main" xmlns:r="http://schemas.openxmlformats.org/officeDocument/2006/relationships" xmlns:mc="http://schemas.openxmlformats.org/markup-compatibility/2006" xmlns:mv="urn:schemas-microsoft-com:mac:vml" xmlns:p="http://schemas.openxmlformats.org/presentationml/2006/main" mc:Ignorable="mv" mc:PreserveAttributes="mv:*">
-  <p:cSld>
-    <p:spTree>
-      <p:nvGrpSpPr>
-        <p:cNvPr id="1" name=""/>
-        <p:cNvGrpSpPr/>
-        <p:nvPr/>
-      </p:nvGrpSpPr>
-      <p:grpSpPr>
-        <a:xfrm>
-          <a:off x="0" y="0"/>
-          <a:ext cx="0" cy="0"/>
-          <a:chOff x="0" y="0"/>
-          <a:chExt cx="0" cy="0"/>
-        </a:xfrm>
-      </p:grpSpPr>
-      <p:sp>
-        <p:nvSpPr>
-          <p:cNvPr id="4" name="Tittel 3"/>
-          <p:cNvSpPr>
-            <a:spLocks noGrp="1"/>
-          </p:cNvSpPr>
-          <p:nvPr>
-            <p:ph type="title"/>
-          </p:nvPr>
-        </p:nvSpPr>
-        <p:spPr/>
-        <p:txBody>
-          <a:bodyPr/>
-          <a:lstStyle/>
-          <a:p>
-            <a:r>
-              <a:rPr lang="en-GB" dirty="0" smtClean="0"/>
-              <a:t>Wireshark</a:t>
-            </a:r>
-            <a:endParaRPr lang="en-GB" dirty="0"/>
-          </a:p>
-        </p:txBody>
-      </p:sp>
-      <p:sp>
-        <p:nvSpPr>
-          <p:cNvPr id="5" name="Plassholder for innhold 4"/>
-          <p:cNvSpPr>
-            <a:spLocks noGrp="1"/>
-          </p:cNvSpPr>
-          <p:nvPr>
-            <p:ph sz="half" idx="1"/>
-          </p:nvPr>
-        </p:nvSpPr>
-        <p:spPr/>
-        <p:txBody>
-          <a:bodyPr anchor="ctr"/>
-          <a:lstStyle/>
-          <a:p>
-            <a:r>
-              <a:rPr lang="en-GB" dirty="0" smtClean="0"/>
-              <a:t>A network protocol analyser.</a:t>
-            </a:r>
-          </a:p>
-          <a:p>
-            <a:r>
-              <a:rPr lang="en-GB" dirty="0" smtClean="0"/>
-              <a:t>Can capture network traffic or display a live view.</a:t>
-            </a:r>
-          </a:p>
-          <a:p>
-            <a:r>
-              <a:rPr lang="en-GB" dirty="0" smtClean="0"/>
-              <a:t>The user can browse individual messages.</a:t>
-            </a:r>
-          </a:p>
-        </p:txBody>
-      </p:sp>
-      <p:pic>
-        <p:nvPicPr>
-          <p:cNvPr id="8" name="Plassholder for innhold 7"/>
-          <p:cNvPicPr>
-            <a:picLocks noGrp="1" noChangeAspect="1"/>
-          </p:cNvPicPr>
-          <p:nvPr>
-            <p:ph sz="half" idx="2"/>
-          </p:nvPr>
-        </p:nvPicPr>
-        <p:blipFill>
-          <a:blip r:embed="rId2">
-            <a:extLst>
-              <a:ext uri="{28A0092B-C50C-407E-A947-70E740481C1C}">
-                <a14:useLocalDpi xmlns:a14="http://schemas.microsoft.com/office/drawing/2010/main" xmlns:p="http://schemas.openxmlformats.org/presentationml/2006/main" xmlns:r="http://schemas.openxmlformats.org/officeDocument/2006/relationships" xmlns:a="http://schemas.openxmlformats.org/drawingml/2006/main" xmlns="" val="0"/>
-              </a:ext>
-            </a:extLst>
-          </a:blip>
-          <a:stretch>
-            <a:fillRect/>
-          </a:stretch>
-        </p:blipFill>
-        <p:spPr>
-          <a:xfrm>
-            <a:off x="5718969" y="2819400"/>
-            <a:ext cx="1905000" cy="1905000"/>
-          </a:xfrm>
-        </p:spPr>
-      </p:pic>
-    </p:spTree>
-    <p:extLst>
-      <p:ext uri="{BB962C8B-B14F-4D97-AF65-F5344CB8AC3E}">
-        <p14:creationId xmlns:p14="http://schemas.microsoft.com/office/powerpoint/2010/main" xmlns:p="http://schemas.openxmlformats.org/presentationml/2006/main" xmlns:r="http://schemas.openxmlformats.org/officeDocument/2006/relationships" xmlns:a="http://schemas.openxmlformats.org/drawingml/2006/main" xmlns="" val="1032916437"/>
-      </p:ext>
-    </p:extLst>
-  </p:cSld>
-  <p:clrMapOvr>
-    <a:masterClrMapping/>
-  </p:clrMapOvr>
-  <p:transition spd="slow">
-    <p:push dir="u"/>
-  </p:transition>
-  <p:timing>
-    <p:tnLst>
-      <p:par>
-        <p:cTn id="1" dur="indefinite" restart="never" nodeType="tmRoot"/>
-      </p:par>
-    </p:tnLst>
-  </p:timing>
-</p:sld>
-</file>
-
-<file path=ppt/slides/slide9.xml><?xml version="1.0" encoding="utf-8"?>
-<p:sld xmlns:a="http://schemas.openxmlformats.org/drawingml/2006/main" xmlns:r="http://schemas.openxmlformats.org/officeDocument/2006/relationships" xmlns:mc="http://schemas.openxmlformats.org/markup-compatibility/2006" xmlns:mv="urn:schemas-microsoft-com:mac:vml" xmlns:p="http://schemas.openxmlformats.org/presentationml/2006/main" mc:Ignorable="mv" mc:PreserveAttributes="mv:*">
+<p:sld xmlns:a="http://schemas.openxmlformats.org/drawingml/2006/main" xmlns:r="http://schemas.openxmlformats.org/officeDocument/2006/relationships" xmlns:p="http://schemas.openxmlformats.org/presentationml/2006/main">
   <p:cSld>
     <p:spTree>
       <p:nvGrpSpPr>
@@ -8461,7 +9528,7 @@
     </p:spTree>
     <p:extLst>
       <p:ext uri="{BB962C8B-B14F-4D97-AF65-F5344CB8AC3E}">
-        <p14:creationId xmlns:p14="http://schemas.microsoft.com/office/powerpoint/2010/main" xmlns:p="http://schemas.openxmlformats.org/presentationml/2006/main" xmlns:r="http://schemas.openxmlformats.org/officeDocument/2006/relationships" xmlns:a="http://schemas.openxmlformats.org/drawingml/2006/main" xmlns="" val="3312943398"/>
+        <p14:creationId xmlns:p14="http://schemas.microsoft.com/office/powerpoint/2010/main" val="3312943398"/>
       </p:ext>
     </p:extLst>
   </p:cSld>
@@ -8834,6 +9901,208 @@
 </p:sld>
 </file>
 
+<file path=ppt/slides/slide8.xml><?xml version="1.0" encoding="utf-8"?>
+<p:sld xmlns:a="http://schemas.openxmlformats.org/drawingml/2006/main" xmlns:r="http://schemas.openxmlformats.org/officeDocument/2006/relationships" xmlns:p="http://schemas.openxmlformats.org/presentationml/2006/main">
+  <p:cSld>
+    <p:spTree>
+      <p:nvGrpSpPr>
+        <p:cNvPr id="1" name=""/>
+        <p:cNvGrpSpPr/>
+        <p:nvPr/>
+      </p:nvGrpSpPr>
+      <p:grpSpPr>
+        <a:xfrm>
+          <a:off x="0" y="0"/>
+          <a:ext cx="0" cy="0"/>
+          <a:chOff x="0" y="0"/>
+          <a:chExt cx="0" cy="0"/>
+        </a:xfrm>
+      </p:grpSpPr>
+      <p:sp>
+        <p:nvSpPr>
+          <p:cNvPr id="2" name="Tittel 1"/>
+          <p:cNvSpPr>
+            <a:spLocks noGrp="1"/>
+          </p:cNvSpPr>
+          <p:nvPr>
+            <p:ph type="title"/>
+          </p:nvPr>
+        </p:nvSpPr>
+        <p:spPr/>
+        <p:txBody>
+          <a:bodyPr/>
+          <a:lstStyle/>
+          <a:p>
+            <a:r>
+              <a:rPr lang="nb-NO" dirty="0" smtClean="0"/>
+              <a:t>Dissectors</a:t>
+            </a:r>
+            <a:endParaRPr lang="nb-NO" dirty="0"/>
+          </a:p>
+        </p:txBody>
+      </p:sp>
+      <p:sp>
+        <p:nvSpPr>
+          <p:cNvPr id="3" name="Plassholder for innhold 2"/>
+          <p:cNvSpPr>
+            <a:spLocks noGrp="1"/>
+          </p:cNvSpPr>
+          <p:nvPr>
+            <p:ph idx="1"/>
+          </p:nvPr>
+        </p:nvSpPr>
+        <p:spPr/>
+        <p:txBody>
+          <a:bodyPr/>
+          <a:lstStyle/>
+          <a:p>
+            <a:r>
+              <a:rPr lang="nb-NO" dirty="0" smtClean="0"/>
+              <a:t>Wireshark can be extended with dissectors.</a:t>
+            </a:r>
+          </a:p>
+          <a:p>
+            <a:r>
+              <a:rPr lang="nb-NO" dirty="0" smtClean="0"/>
+              <a:t>A dissector knows the structure of the message</a:t>
+            </a:r>
+            <a:r>
+              <a:rPr lang="nb-NO" dirty="0"/>
+              <a:t> </a:t>
+            </a:r>
+            <a:r>
+              <a:rPr lang="nb-NO" dirty="0" smtClean="0"/>
+              <a:t>and and can represent it beautifully.</a:t>
+            </a:r>
+          </a:p>
+          <a:p>
+            <a:r>
+              <a:rPr lang="nb-NO" dirty="0" smtClean="0"/>
+              <a:t>Takes from 15 minutes – 1 hour to make.</a:t>
+            </a:r>
+          </a:p>
+          <a:p>
+            <a:r>
+              <a:rPr lang="nb-NO" dirty="0" smtClean="0"/>
+              <a:t>Hard or and tideous for large and complex structs.</a:t>
+            </a:r>
+          </a:p>
+          <a:p>
+            <a:r>
+              <a:rPr lang="nb-NO" dirty="0" smtClean="0"/>
+              <a:t>Requires knowledge about C memory layout and Wireshark API.</a:t>
+            </a:r>
+          </a:p>
+          <a:p>
+            <a:endParaRPr lang="nb-NO" dirty="0"/>
+          </a:p>
+        </p:txBody>
+      </p:sp>
+    </p:spTree>
+    <p:extLst>
+      <p:ext uri="{BB962C8B-B14F-4D97-AF65-F5344CB8AC3E}">
+        <p14:creationId xmlns:p14="http://schemas.microsoft.com/office/powerpoint/2010/main" val="2832160107"/>
+      </p:ext>
+    </p:extLst>
+  </p:cSld>
+  <p:clrMapOvr>
+    <a:masterClrMapping/>
+  </p:clrMapOvr>
+  <p:transition spd="slow">
+    <p:push dir="u"/>
+  </p:transition>
+  <p:timing>
+    <p:tnLst>
+      <p:par>
+        <p:cTn id="1" dur="indefinite" restart="never" nodeType="tmRoot"/>
+      </p:par>
+    </p:tnLst>
+  </p:timing>
+</p:sld>
+</file>
+
+<file path=ppt/slides/slide9.xml><?xml version="1.0" encoding="utf-8"?>
+<p:sld xmlns:a="http://schemas.openxmlformats.org/drawingml/2006/main" xmlns:r="http://schemas.openxmlformats.org/officeDocument/2006/relationships" xmlns:p="http://schemas.openxmlformats.org/presentationml/2006/main">
+  <p:cSld>
+    <p:spTree>
+      <p:nvGrpSpPr>
+        <p:cNvPr id="1" name=""/>
+        <p:cNvGrpSpPr/>
+        <p:nvPr/>
+      </p:nvGrpSpPr>
+      <p:grpSpPr>
+        <a:xfrm>
+          <a:off x="0" y="0"/>
+          <a:ext cx="0" cy="0"/>
+          <a:chOff x="0" y="0"/>
+          <a:chExt cx="0" cy="0"/>
+        </a:xfrm>
+      </p:grpSpPr>
+      <p:sp>
+        <p:nvSpPr>
+          <p:cNvPr id="2" name="Tittel 1"/>
+          <p:cNvSpPr>
+            <a:spLocks noGrp="1"/>
+          </p:cNvSpPr>
+          <p:nvPr>
+            <p:ph type="title"/>
+          </p:nvPr>
+        </p:nvSpPr>
+        <p:spPr/>
+        <p:txBody>
+          <a:bodyPr/>
+          <a:lstStyle/>
+          <a:p>
+            <a:r>
+              <a:rPr lang="nb-NO" dirty="0" smtClean="0"/>
+              <a:t>Wireshark</a:t>
+            </a:r>
+            <a:endParaRPr lang="en-GB" dirty="0"/>
+          </a:p>
+        </p:txBody>
+      </p:sp>
+      <p:pic>
+        <p:nvPicPr>
+          <p:cNvPr id="4" name="Plassholder for innhold 3"/>
+          <p:cNvPicPr>
+            <a:picLocks noGrp="1" noChangeAspect="1"/>
+          </p:cNvPicPr>
+          <p:nvPr>
+            <p:ph idx="1"/>
+          </p:nvPr>
+        </p:nvPicPr>
+        <p:blipFill>
+          <a:blip r:embed="rId2">
+            <a:extLst>
+              <a:ext uri="{28A0092B-C50C-407E-A947-70E740481C1C}">
+                <a14:useLocalDpi xmlns:a14="http://schemas.microsoft.com/office/drawing/2010/main" val="0"/>
+              </a:ext>
+            </a:extLst>
+          </a:blip>
+          <a:stretch>
+            <a:fillRect/>
+          </a:stretch>
+        </p:blipFill>
+        <p:spPr>
+          <a:xfrm>
+            <a:off x="1627322" y="1357487"/>
+            <a:ext cx="5943599" cy="5418028"/>
+          </a:xfrm>
+        </p:spPr>
+      </p:pic>
+    </p:spTree>
+    <p:extLst>
+      <p:ext uri="{BB962C8B-B14F-4D97-AF65-F5344CB8AC3E}">
+        <p14:creationId xmlns:p14="http://schemas.microsoft.com/office/powerpoint/2010/main" val="871341481"/>
+      </p:ext>
+    </p:extLst>
+  </p:cSld>
+  <p:clrMapOvr>
+    <a:masterClrMapping/>
+  </p:clrMapOvr>
+</p:sld>
+</file>
+
 <file path=ppt/theme/theme1.xml><?xml version="1.0" encoding="utf-8"?>
 <a:theme xmlns:a="http://schemas.openxmlformats.org/drawingml/2006/main" name="Bris">
   <a:themeElements>

--- a/presentation/TDT4290_FinalPresentasjon.pptx
+++ b/presentation/TDT4290_FinalPresentasjon.pptx
@@ -11,42 +11,39 @@
     <p:sldId id="258" r:id="rId5"/>
     <p:sldId id="279" r:id="rId6"/>
     <p:sldId id="259" r:id="rId7"/>
-    <p:sldId id="260" r:id="rId8"/>
-    <p:sldId id="261" r:id="rId9"/>
-    <p:sldId id="281" r:id="rId10"/>
+    <p:sldId id="281" r:id="rId8"/>
+    <p:sldId id="260" r:id="rId9"/>
+    <p:sldId id="261" r:id="rId10"/>
     <p:sldId id="262" r:id="rId11"/>
     <p:sldId id="266" r:id="rId12"/>
-    <p:sldId id="286" r:id="rId13"/>
-    <p:sldId id="287" r:id="rId14"/>
-    <p:sldId id="271" r:id="rId15"/>
-    <p:sldId id="282" r:id="rId16"/>
-    <p:sldId id="289" r:id="rId17"/>
-    <p:sldId id="290" r:id="rId18"/>
-    <p:sldId id="288" r:id="rId19"/>
-    <p:sldId id="291" r:id="rId20"/>
-    <p:sldId id="297" r:id="rId21"/>
-    <p:sldId id="292" r:id="rId22"/>
-    <p:sldId id="283" r:id="rId23"/>
-    <p:sldId id="295" r:id="rId24"/>
-    <p:sldId id="293" r:id="rId25"/>
-    <p:sldId id="294" r:id="rId26"/>
-    <p:sldId id="296" r:id="rId27"/>
-    <p:sldId id="284" r:id="rId28"/>
-    <p:sldId id="298" r:id="rId29"/>
-    <p:sldId id="300" r:id="rId30"/>
-    <p:sldId id="301" r:id="rId31"/>
-    <p:sldId id="285" r:id="rId32"/>
-    <p:sldId id="299" r:id="rId33"/>
-    <p:sldId id="267" r:id="rId34"/>
-    <p:sldId id="268" r:id="rId35"/>
-    <p:sldId id="269" r:id="rId36"/>
-    <p:sldId id="272" r:id="rId37"/>
-    <p:sldId id="273" r:id="rId38"/>
-    <p:sldId id="274" r:id="rId39"/>
-    <p:sldId id="275" r:id="rId40"/>
-    <p:sldId id="276" r:id="rId41"/>
-    <p:sldId id="277" r:id="rId42"/>
-    <p:sldId id="263" r:id="rId43"/>
+    <p:sldId id="282" r:id="rId13"/>
+    <p:sldId id="289" r:id="rId14"/>
+    <p:sldId id="290" r:id="rId15"/>
+    <p:sldId id="288" r:id="rId16"/>
+    <p:sldId id="291" r:id="rId17"/>
+    <p:sldId id="297" r:id="rId18"/>
+    <p:sldId id="292" r:id="rId19"/>
+    <p:sldId id="283" r:id="rId20"/>
+    <p:sldId id="295" r:id="rId21"/>
+    <p:sldId id="293" r:id="rId22"/>
+    <p:sldId id="294" r:id="rId23"/>
+    <p:sldId id="296" r:id="rId24"/>
+    <p:sldId id="284" r:id="rId25"/>
+    <p:sldId id="298" r:id="rId26"/>
+    <p:sldId id="300" r:id="rId27"/>
+    <p:sldId id="301" r:id="rId28"/>
+    <p:sldId id="285" r:id="rId29"/>
+    <p:sldId id="299" r:id="rId30"/>
+    <p:sldId id="267" r:id="rId31"/>
+    <p:sldId id="268" r:id="rId32"/>
+    <p:sldId id="269" r:id="rId33"/>
+    <p:sldId id="272" r:id="rId34"/>
+    <p:sldId id="273" r:id="rId35"/>
+    <p:sldId id="274" r:id="rId36"/>
+    <p:sldId id="275" r:id="rId37"/>
+    <p:sldId id="276" r:id="rId38"/>
+    <p:sldId id="277" r:id="rId39"/>
+    <p:sldId id="263" r:id="rId40"/>
   </p:sldIdLst>
   <p:sldSz cx="9144000" cy="6858000" type="screen4x3"/>
   <p:notesSz cx="6858000" cy="9144000"/>
@@ -432,7 +429,7 @@
             <a:fld id="{651A0C47-018D-4460-B945-BFF7981B6CA6}" type="datetimeFigureOut">
               <a:rPr lang="en-US" smtClean="0"/>
               <a:pPr/>
-              <a:t>11/20/2011</a:t>
+              <a:t>21.11.11</a:t>
             </a:fld>
             <a:endParaRPr lang="en-US"/>
           </a:p>
@@ -626,7 +623,7 @@
             <a:fld id="{EFF1E1C4-020C-3C49-82E1-601ABE71F045}" type="datetimeFigureOut">
               <a:rPr lang="nb-NO" smtClean="0"/>
               <a:pPr/>
-              <a:t>20.11.2011</a:t>
+              <a:t>21.11.11</a:t>
             </a:fld>
             <a:endParaRPr lang="nb-NO"/>
           </a:p>
@@ -897,7 +894,7 @@
             <a:fld id="{EFF1E1C4-020C-3C49-82E1-601ABE71F045}" type="datetimeFigureOut">
               <a:rPr lang="nb-NO" smtClean="0"/>
               <a:pPr/>
-              <a:t>20.11.2011</a:t>
+              <a:t>21.11.11</a:t>
             </a:fld>
             <a:endParaRPr lang="nb-NO"/>
           </a:p>
@@ -1078,7 +1075,7 @@
             <a:fld id="{EFF1E1C4-020C-3C49-82E1-601ABE71F045}" type="datetimeFigureOut">
               <a:rPr lang="nb-NO" smtClean="0"/>
               <a:pPr/>
-              <a:t>20.11.2011</a:t>
+              <a:t>21.11.11</a:t>
             </a:fld>
             <a:endParaRPr lang="nb-NO"/>
           </a:p>
@@ -1249,7 +1246,7 @@
             <a:fld id="{EFF1E1C4-020C-3C49-82E1-601ABE71F045}" type="datetimeFigureOut">
               <a:rPr lang="nb-NO" smtClean="0"/>
               <a:pPr/>
-              <a:t>20.11.2011</a:t>
+              <a:t>21.11.11</a:t>
             </a:fld>
             <a:endParaRPr lang="nb-NO"/>
           </a:p>
@@ -1493,7 +1490,7 @@
             <a:fld id="{EFF1E1C4-020C-3C49-82E1-601ABE71F045}" type="datetimeFigureOut">
               <a:rPr lang="nb-NO" smtClean="0"/>
               <a:pPr/>
-              <a:t>20.11.2011</a:t>
+              <a:t>21.11.11</a:t>
             </a:fld>
             <a:endParaRPr lang="nb-NO"/>
           </a:p>
@@ -1818,7 +1815,7 @@
             <a:fld id="{651A0C47-018D-4460-B945-BFF7981B6CA6}" type="datetimeFigureOut">
               <a:rPr lang="en-US" smtClean="0"/>
               <a:pPr/>
-              <a:t>11/20/2011</a:t>
+              <a:t>21.11.11</a:t>
             </a:fld>
             <a:endParaRPr lang="en-US"/>
           </a:p>
@@ -2118,7 +2115,7 @@
             <a:fld id="{EFF1E1C4-020C-3C49-82E1-601ABE71F045}" type="datetimeFigureOut">
               <a:rPr lang="nb-NO" smtClean="0"/>
               <a:pPr/>
-              <a:t>20.11.2011</a:t>
+              <a:t>21.11.11</a:t>
             </a:fld>
             <a:endParaRPr lang="nb-NO"/>
           </a:p>
@@ -2576,7 +2573,7 @@
             <a:fld id="{EFF1E1C4-020C-3C49-82E1-601ABE71F045}" type="datetimeFigureOut">
               <a:rPr lang="nb-NO" smtClean="0"/>
               <a:pPr/>
-              <a:t>20.11.2011</a:t>
+              <a:t>21.11.11</a:t>
             </a:fld>
             <a:endParaRPr lang="nb-NO"/>
           </a:p>
@@ -2691,7 +2688,7 @@
             <a:fld id="{EFF1E1C4-020C-3C49-82E1-601ABE71F045}" type="datetimeFigureOut">
               <a:rPr lang="nb-NO" smtClean="0"/>
               <a:pPr/>
-              <a:t>20.11.2011</a:t>
+              <a:t>21.11.11</a:t>
             </a:fld>
             <a:endParaRPr lang="nb-NO"/>
           </a:p>
@@ -2783,7 +2780,7 @@
             <a:fld id="{EFF1E1C4-020C-3C49-82E1-601ABE71F045}" type="datetimeFigureOut">
               <a:rPr lang="nb-NO" smtClean="0"/>
               <a:pPr/>
-              <a:t>20.11.2011</a:t>
+              <a:t>21.11.11</a:t>
             </a:fld>
             <a:endParaRPr lang="nb-NO"/>
           </a:p>
@@ -3067,7 +3064,7 @@
             <a:fld id="{EFF1E1C4-020C-3C49-82E1-601ABE71F045}" type="datetimeFigureOut">
               <a:rPr lang="nb-NO" smtClean="0"/>
               <a:pPr/>
-              <a:t>20.11.2011</a:t>
+              <a:t>21.11.11</a:t>
             </a:fld>
             <a:endParaRPr lang="nb-NO"/>
           </a:p>
@@ -3275,7 +3272,7 @@
             <a:fld id="{EFF1E1C4-020C-3C49-82E1-601ABE71F045}" type="datetimeFigureOut">
               <a:rPr lang="nb-NO" smtClean="0"/>
               <a:pPr/>
-              <a:t>20.11.2011</a:t>
+              <a:t>21.11.11</a:t>
             </a:fld>
             <a:endParaRPr lang="nb-NO"/>
           </a:p>
@@ -3810,13 +3807,13 @@
   <p:clrMapOvr>
     <a:masterClrMapping/>
   </p:clrMapOvr>
-  <p:transition spd="slow">
+  <p:transition xmlns:p14="http://schemas.microsoft.com/office/powerpoint/2010/main" spd="slow">
     <p:push dir="u"/>
   </p:transition>
   <p:timing>
     <p:tnLst>
       <p:par>
-        <p:cTn id="1" dur="indefinite" restart="never" nodeType="tmRoot"/>
+        <p:cTn xmlns:p14="http://schemas.microsoft.com/office/powerpoint/2010/main" id="1" dur="indefinite" restart="never" nodeType="tmRoot"/>
       </p:par>
     </p:tnLst>
   </p:timing>
@@ -3959,13 +3956,13 @@
   <p:clrMapOvr>
     <a:masterClrMapping/>
   </p:clrMapOvr>
-  <p:transition spd="slow">
+  <p:transition xmlns:p14="http://schemas.microsoft.com/office/powerpoint/2010/main" spd="slow">
     <p:push dir="u"/>
   </p:transition>
   <p:timing>
     <p:tnLst>
       <p:par>
-        <p:cTn id="1" dur="indefinite" restart="never" nodeType="tmRoot"/>
+        <p:cTn xmlns:p14="http://schemas.microsoft.com/office/powerpoint/2010/main" id="1" dur="indefinite" restart="never" nodeType="tmRoot"/>
       </p:par>
     </p:tnLst>
   </p:timing>
@@ -4024,13 +4021,63 @@
         </p:nvSpPr>
         <p:spPr/>
         <p:txBody>
-          <a:bodyPr/>
+          <a:bodyPr>
+            <a:normAutofit fontScale="92500" lnSpcReduction="20000"/>
+          </a:bodyPr>
           <a:lstStyle/>
           <a:p>
             <a:r>
               <a:rPr lang="en-GB" dirty="0" smtClean="0"/>
-              <a:t>Reading C headers requires something like a pre-processor and a parser.</a:t>
-            </a:r>
+              <a:t>Developer methodology</a:t>
+            </a:r>
+          </a:p>
+          <a:p>
+            <a:pPr lvl="1"/>
+            <a:r>
+              <a:rPr lang="en-GB" dirty="0" smtClean="0"/>
+              <a:t>Waterfall</a:t>
+            </a:r>
+          </a:p>
+          <a:p>
+            <a:pPr lvl="1"/>
+            <a:r>
+              <a:rPr lang="en-GB" dirty="0" smtClean="0"/>
+              <a:t>Scrum</a:t>
+            </a:r>
+          </a:p>
+          <a:p>
+            <a:r>
+              <a:rPr lang="en-GB" dirty="0" smtClean="0"/>
+              <a:t>Programming language</a:t>
+            </a:r>
+          </a:p>
+          <a:p>
+            <a:pPr lvl="1"/>
+            <a:r>
+              <a:rPr lang="en-GB" dirty="0" smtClean="0"/>
+              <a:t>Java</a:t>
+            </a:r>
+          </a:p>
+          <a:p>
+            <a:pPr lvl="1"/>
+            <a:r>
+              <a:rPr lang="en-GB" dirty="0" smtClean="0"/>
+              <a:t>Python</a:t>
+            </a:r>
+          </a:p>
+          <a:p>
+            <a:r>
+              <a:rPr lang="en-GB" dirty="0" smtClean="0"/>
+              <a:t>Pre-processor</a:t>
+            </a:r>
+            <a:endParaRPr lang="en-GB" dirty="0" smtClean="0"/>
+          </a:p>
+          <a:p>
+            <a:r>
+              <a:rPr lang="en-GB" dirty="0" smtClean="0"/>
+              <a:t>Parser</a:t>
+            </a:r>
+            <a:endParaRPr lang="en-GB" dirty="0" smtClean="0"/>
           </a:p>
           <a:p>
             <a:r>
@@ -4038,101 +4085,22 @@
               <a:t>Configuration</a:t>
             </a:r>
             <a:r>
-              <a:rPr lang="nb-NO" dirty="0" smtClean="0"/>
+              <a:rPr lang="nb-NO" dirty="0"/>
               <a:t> </a:t>
             </a:r>
             <a:r>
               <a:rPr lang="nb-NO" dirty="0" err="1" smtClean="0"/>
-              <a:t>also</a:t>
-            </a:r>
-            <a:r>
-              <a:rPr lang="nb-NO" dirty="0" smtClean="0"/>
-              <a:t> </a:t>
-            </a:r>
-            <a:r>
-              <a:rPr lang="nb-NO" dirty="0" err="1" smtClean="0"/>
-              <a:t>needs</a:t>
-            </a:r>
-            <a:r>
-              <a:rPr lang="nb-NO" dirty="0" smtClean="0"/>
-              <a:t> a parser, </a:t>
-            </a:r>
-            <a:r>
-              <a:rPr lang="nb-NO" dirty="0" err="1" smtClean="0"/>
-              <a:t>along</a:t>
-            </a:r>
-            <a:r>
-              <a:rPr lang="nb-NO" dirty="0" smtClean="0"/>
-              <a:t> </a:t>
-            </a:r>
-            <a:r>
-              <a:rPr lang="nb-NO" dirty="0" err="1" smtClean="0"/>
-              <a:t>with</a:t>
-            </a:r>
-            <a:r>
-              <a:rPr lang="nb-NO" dirty="0" smtClean="0"/>
-              <a:t> a format.</a:t>
-            </a:r>
-          </a:p>
-          <a:p>
-            <a:r>
-              <a:rPr lang="nb-NO" dirty="0" smtClean="0"/>
-              <a:t>Programming </a:t>
-            </a:r>
-            <a:r>
-              <a:rPr lang="nb-NO" dirty="0" err="1" smtClean="0"/>
-              <a:t>language</a:t>
-            </a:r>
-            <a:r>
-              <a:rPr lang="nb-NO" dirty="0" smtClean="0"/>
-              <a:t>.</a:t>
-            </a:r>
-          </a:p>
-          <a:p>
-            <a:r>
-              <a:rPr lang="nb-NO" dirty="0" err="1" smtClean="0"/>
-              <a:t>We</a:t>
-            </a:r>
-            <a:r>
-              <a:rPr lang="nb-NO" dirty="0" smtClean="0"/>
-              <a:t> </a:t>
-            </a:r>
-            <a:r>
-              <a:rPr lang="nb-NO" dirty="0" err="1" smtClean="0"/>
-              <a:t>needed</a:t>
-            </a:r>
-            <a:r>
-              <a:rPr lang="nb-NO" dirty="0" smtClean="0"/>
-              <a:t> to </a:t>
-            </a:r>
-            <a:r>
-              <a:rPr lang="nb-NO" dirty="0" err="1" smtClean="0"/>
-              <a:t>choose</a:t>
-            </a:r>
-            <a:r>
-              <a:rPr lang="nb-NO" dirty="0" smtClean="0"/>
-              <a:t> a </a:t>
-            </a:r>
-            <a:r>
-              <a:rPr lang="nb-NO" dirty="0" err="1" smtClean="0"/>
-              <a:t>development</a:t>
-            </a:r>
-            <a:r>
-              <a:rPr lang="nb-NO" dirty="0" smtClean="0"/>
-              <a:t> </a:t>
-            </a:r>
-            <a:r>
-              <a:rPr lang="nb-NO" dirty="0" err="1" smtClean="0"/>
-              <a:t>methodology</a:t>
-            </a:r>
-            <a:r>
-              <a:rPr lang="nb-NO" dirty="0" smtClean="0"/>
-              <a:t>.</a:t>
-            </a:r>
-            <a:endParaRPr lang="en-GB" dirty="0" smtClean="0"/>
-          </a:p>
-          <a:p>
-            <a:endParaRPr lang="en-GB" dirty="0"/>
+              <a:t>method</a:t>
+            </a:r>
+            <a:endParaRPr lang="nb-NO" dirty="0" smtClean="0"/>
+          </a:p>
+          <a:p>
+            <a:pPr lvl="1"/>
+            <a:r>
+              <a:rPr lang="nb-NO" dirty="0" smtClean="0"/>
+              <a:t>YAML</a:t>
+            </a:r>
+            <a:endParaRPr lang="nb-NO" dirty="0" smtClean="0"/>
           </a:p>
         </p:txBody>
       </p:sp>
@@ -4146,13 +4114,13 @@
   <p:clrMapOvr>
     <a:masterClrMapping/>
   </p:clrMapOvr>
-  <p:transition spd="slow">
+  <p:transition xmlns:p14="http://schemas.microsoft.com/office/powerpoint/2010/main" spd="slow">
     <p:push dir="u"/>
   </p:transition>
   <p:timing>
     <p:tnLst>
       <p:par>
-        <p:cTn id="1" dur="indefinite" restart="never" nodeType="tmRoot"/>
+        <p:cTn xmlns:p14="http://schemas.microsoft.com/office/powerpoint/2010/main" id="1" dur="indefinite" restart="never" nodeType="tmRoot"/>
       </p:par>
     </p:tnLst>
   </p:timing>
@@ -4193,398 +4161,6 @@
           <a:p>
             <a:r>
               <a:rPr lang="nb-NO" dirty="0" smtClean="0"/>
-              <a:t>Parser</a:t>
-            </a:r>
-            <a:endParaRPr lang="en-GB" dirty="0"/>
-          </a:p>
-        </p:txBody>
-      </p:sp>
-      <p:sp>
-        <p:nvSpPr>
-          <p:cNvPr id="3" name="Plassholder for innhold 2"/>
-          <p:cNvSpPr>
-            <a:spLocks noGrp="1"/>
-          </p:cNvSpPr>
-          <p:nvPr>
-            <p:ph idx="1"/>
-          </p:nvPr>
-        </p:nvSpPr>
-        <p:spPr/>
-        <p:txBody>
-          <a:bodyPr/>
-          <a:lstStyle/>
-          <a:p>
-            <a:r>
-              <a:rPr lang="nb-NO" dirty="0" smtClean="0"/>
-              <a:t>Hard to make.</a:t>
-            </a:r>
-          </a:p>
-          <a:p>
-            <a:r>
-              <a:rPr lang="nb-NO" dirty="0" err="1" smtClean="0"/>
-              <a:t>Many</a:t>
-            </a:r>
-            <a:r>
-              <a:rPr lang="nb-NO" dirty="0" smtClean="0"/>
-              <a:t> </a:t>
-            </a:r>
-            <a:r>
-              <a:rPr lang="nb-NO" dirty="0" err="1" smtClean="0"/>
-              <a:t>open</a:t>
-            </a:r>
-            <a:r>
-              <a:rPr lang="nb-NO" dirty="0" smtClean="0"/>
-              <a:t> </a:t>
-            </a:r>
-            <a:r>
-              <a:rPr lang="nb-NO" dirty="0" err="1" smtClean="0"/>
-              <a:t>source</a:t>
-            </a:r>
-            <a:r>
-              <a:rPr lang="nb-NO" dirty="0" smtClean="0"/>
-              <a:t> third-party </a:t>
-            </a:r>
-            <a:r>
-              <a:rPr lang="nb-NO" dirty="0" err="1" smtClean="0"/>
-              <a:t>libraries</a:t>
-            </a:r>
-            <a:r>
-              <a:rPr lang="nb-NO" dirty="0" smtClean="0"/>
-              <a:t> </a:t>
-            </a:r>
-            <a:r>
-              <a:rPr lang="nb-NO" dirty="0" err="1" smtClean="0"/>
-              <a:t>available</a:t>
-            </a:r>
-            <a:r>
-              <a:rPr lang="nb-NO" dirty="0" smtClean="0"/>
-              <a:t>.</a:t>
-            </a:r>
-          </a:p>
-          <a:p>
-            <a:r>
-              <a:rPr lang="nb-NO" dirty="0" err="1" smtClean="0"/>
-              <a:t>Pycparser</a:t>
-            </a:r>
-            <a:r>
-              <a:rPr lang="nb-NO" dirty="0" smtClean="0"/>
-              <a:t>, </a:t>
-            </a:r>
-            <a:r>
-              <a:rPr lang="nb-NO" dirty="0" err="1" smtClean="0"/>
-              <a:t>written</a:t>
-            </a:r>
-            <a:r>
-              <a:rPr lang="nb-NO" dirty="0" smtClean="0"/>
-              <a:t> in </a:t>
-            </a:r>
-            <a:r>
-              <a:rPr lang="nb-NO" dirty="0" err="1" smtClean="0"/>
-              <a:t>python</a:t>
-            </a:r>
-            <a:r>
-              <a:rPr lang="nb-NO" dirty="0" smtClean="0"/>
-              <a:t> </a:t>
-            </a:r>
-            <a:r>
-              <a:rPr lang="nb-NO" dirty="0" err="1" smtClean="0"/>
-              <a:t>was</a:t>
-            </a:r>
-            <a:r>
-              <a:rPr lang="nb-NO" dirty="0" smtClean="0"/>
-              <a:t> </a:t>
-            </a:r>
-            <a:r>
-              <a:rPr lang="nb-NO" dirty="0" err="1" smtClean="0"/>
-              <a:t>the</a:t>
-            </a:r>
-            <a:r>
-              <a:rPr lang="nb-NO" dirty="0" smtClean="0"/>
-              <a:t> best parser.</a:t>
-            </a:r>
-          </a:p>
-          <a:p>
-            <a:r>
-              <a:rPr lang="nb-NO" dirty="0" err="1" smtClean="0"/>
-              <a:t>Made</a:t>
-            </a:r>
-            <a:r>
-              <a:rPr lang="nb-NO" dirty="0" smtClean="0"/>
-              <a:t> it </a:t>
-            </a:r>
-            <a:r>
-              <a:rPr lang="nb-NO" dirty="0" err="1" smtClean="0"/>
-              <a:t>convinient</a:t>
-            </a:r>
-            <a:r>
-              <a:rPr lang="nb-NO" dirty="0" smtClean="0"/>
-              <a:t> to </a:t>
-            </a:r>
-            <a:r>
-              <a:rPr lang="nb-NO" dirty="0" err="1" smtClean="0"/>
-              <a:t>choose</a:t>
-            </a:r>
-            <a:r>
-              <a:rPr lang="nb-NO" dirty="0" smtClean="0"/>
-              <a:t> </a:t>
-            </a:r>
-            <a:r>
-              <a:rPr lang="nb-NO" dirty="0" err="1" smtClean="0"/>
-              <a:t>python</a:t>
-            </a:r>
-            <a:r>
-              <a:rPr lang="nb-NO" dirty="0" smtClean="0"/>
-              <a:t> as </a:t>
-            </a:r>
-            <a:r>
-              <a:rPr lang="nb-NO" dirty="0" err="1" smtClean="0"/>
-              <a:t>the</a:t>
-            </a:r>
-            <a:r>
-              <a:rPr lang="nb-NO" dirty="0" smtClean="0"/>
-              <a:t> </a:t>
-            </a:r>
-            <a:r>
-              <a:rPr lang="nb-NO" dirty="0" err="1" smtClean="0"/>
-              <a:t>programming</a:t>
-            </a:r>
-            <a:r>
-              <a:rPr lang="nb-NO" dirty="0" smtClean="0"/>
-              <a:t> </a:t>
-            </a:r>
-            <a:r>
-              <a:rPr lang="nb-NO" dirty="0" err="1" smtClean="0"/>
-              <a:t>language</a:t>
-            </a:r>
-            <a:r>
-              <a:rPr lang="nb-NO" dirty="0"/>
-              <a:t>.</a:t>
-            </a:r>
-            <a:endParaRPr lang="en-GB" dirty="0"/>
-          </a:p>
-        </p:txBody>
-      </p:sp>
-    </p:spTree>
-    <p:extLst>
-      <p:ext uri="{BB962C8B-B14F-4D97-AF65-F5344CB8AC3E}">
-        <p14:creationId xmlns:p14="http://schemas.microsoft.com/office/powerpoint/2010/main" val="829651775"/>
-      </p:ext>
-    </p:extLst>
-  </p:cSld>
-  <p:clrMapOvr>
-    <a:masterClrMapping/>
-  </p:clrMapOvr>
-</p:sld>
-</file>
-
-<file path=ppt/slides/slide13.xml><?xml version="1.0" encoding="utf-8"?>
-<p:sld xmlns:a="http://schemas.openxmlformats.org/drawingml/2006/main" xmlns:r="http://schemas.openxmlformats.org/officeDocument/2006/relationships" xmlns:p="http://schemas.openxmlformats.org/presentationml/2006/main">
-  <p:cSld>
-    <p:spTree>
-      <p:nvGrpSpPr>
-        <p:cNvPr id="1" name=""/>
-        <p:cNvGrpSpPr/>
-        <p:nvPr/>
-      </p:nvGrpSpPr>
-      <p:grpSpPr>
-        <a:xfrm>
-          <a:off x="0" y="0"/>
-          <a:ext cx="0" cy="0"/>
-          <a:chOff x="0" y="0"/>
-          <a:chExt cx="0" cy="0"/>
-        </a:xfrm>
-      </p:grpSpPr>
-      <p:sp>
-        <p:nvSpPr>
-          <p:cNvPr id="2" name="Tittel 1"/>
-          <p:cNvSpPr>
-            <a:spLocks noGrp="1"/>
-          </p:cNvSpPr>
-          <p:nvPr>
-            <p:ph type="title"/>
-          </p:nvPr>
-        </p:nvSpPr>
-        <p:spPr/>
-        <p:txBody>
-          <a:bodyPr/>
-          <a:lstStyle/>
-          <a:p>
-            <a:r>
-              <a:rPr lang="nb-NO" dirty="0" err="1" smtClean="0"/>
-              <a:t>Configuration</a:t>
-            </a:r>
-            <a:endParaRPr lang="en-GB" dirty="0"/>
-          </a:p>
-        </p:txBody>
-      </p:sp>
-      <p:sp>
-        <p:nvSpPr>
-          <p:cNvPr id="3" name="Plassholder for innhold 2"/>
-          <p:cNvSpPr>
-            <a:spLocks noGrp="1"/>
-          </p:cNvSpPr>
-          <p:nvPr>
-            <p:ph idx="1"/>
-          </p:nvPr>
-        </p:nvSpPr>
-        <p:spPr/>
-        <p:txBody>
-          <a:bodyPr/>
-          <a:lstStyle/>
-          <a:p>
-            <a:r>
-              <a:rPr lang="nb-NO" dirty="0" err="1" smtClean="0"/>
-              <a:t>Yaml</a:t>
-            </a:r>
-            <a:endParaRPr lang="nb-NO" dirty="0"/>
-          </a:p>
-          <a:p>
-            <a:endParaRPr lang="en-GB" dirty="0"/>
-          </a:p>
-        </p:txBody>
-      </p:sp>
-    </p:spTree>
-    <p:extLst>
-      <p:ext uri="{BB962C8B-B14F-4D97-AF65-F5344CB8AC3E}">
-        <p14:creationId xmlns:p14="http://schemas.microsoft.com/office/powerpoint/2010/main" val="2786962296"/>
-      </p:ext>
-    </p:extLst>
-  </p:cSld>
-  <p:clrMapOvr>
-    <a:masterClrMapping/>
-  </p:clrMapOvr>
-</p:sld>
-</file>
-
-<file path=ppt/slides/slide14.xml><?xml version="1.0" encoding="utf-8"?>
-<p:sld xmlns:a="http://schemas.openxmlformats.org/drawingml/2006/main" xmlns:r="http://schemas.openxmlformats.org/officeDocument/2006/relationships" xmlns:p="http://schemas.openxmlformats.org/presentationml/2006/main">
-  <p:cSld>
-    <p:spTree>
-      <p:nvGrpSpPr>
-        <p:cNvPr id="1" name=""/>
-        <p:cNvGrpSpPr/>
-        <p:nvPr/>
-      </p:nvGrpSpPr>
-      <p:grpSpPr>
-        <a:xfrm>
-          <a:off x="0" y="0"/>
-          <a:ext cx="0" cy="0"/>
-          <a:chOff x="0" y="0"/>
-          <a:chExt cx="0" cy="0"/>
-        </a:xfrm>
-      </p:grpSpPr>
-      <p:sp>
-        <p:nvSpPr>
-          <p:cNvPr id="2" name="Tittel 1"/>
-          <p:cNvSpPr>
-            <a:spLocks noGrp="1"/>
-          </p:cNvSpPr>
-          <p:nvPr>
-            <p:ph type="title"/>
-          </p:nvPr>
-        </p:nvSpPr>
-        <p:spPr/>
-        <p:txBody>
-          <a:bodyPr/>
-          <a:lstStyle/>
-          <a:p>
-            <a:r>
-              <a:rPr lang="en-GB" dirty="0" smtClean="0"/>
-              <a:t>The process</a:t>
-            </a:r>
-            <a:endParaRPr lang="en-GB" dirty="0"/>
-          </a:p>
-        </p:txBody>
-      </p:sp>
-      <p:sp>
-        <p:nvSpPr>
-          <p:cNvPr id="3" name="Plassholder for innhold 2"/>
-          <p:cNvSpPr>
-            <a:spLocks noGrp="1"/>
-          </p:cNvSpPr>
-          <p:nvPr>
-            <p:ph idx="1"/>
-          </p:nvPr>
-        </p:nvSpPr>
-        <p:spPr/>
-        <p:txBody>
-          <a:bodyPr/>
-          <a:lstStyle/>
-          <a:p>
-            <a:r>
-              <a:rPr lang="nb-NO" dirty="0" err="1" smtClean="0"/>
-              <a:t>Scrum</a:t>
-            </a:r>
-            <a:endParaRPr lang="nb-NO" dirty="0" smtClean="0"/>
-          </a:p>
-          <a:p>
-            <a:r>
-              <a:rPr lang="nb-NO" dirty="0" smtClean="0"/>
-              <a:t>4 sprints</a:t>
-            </a:r>
-          </a:p>
-          <a:p>
-            <a:endParaRPr lang="en-GB" dirty="0"/>
-          </a:p>
-        </p:txBody>
-      </p:sp>
-    </p:spTree>
-    <p:extLst>
-      <p:ext uri="{BB962C8B-B14F-4D97-AF65-F5344CB8AC3E}">
-        <p14:creationId xmlns:p14="http://schemas.microsoft.com/office/powerpoint/2010/main" val="1362037293"/>
-      </p:ext>
-    </p:extLst>
-  </p:cSld>
-  <p:clrMapOvr>
-    <a:masterClrMapping/>
-  </p:clrMapOvr>
-  <p:transition spd="slow">
-    <p:push dir="u"/>
-  </p:transition>
-  <p:timing>
-    <p:tnLst>
-      <p:par>
-        <p:cTn id="1" dur="indefinite" restart="never" nodeType="tmRoot"/>
-      </p:par>
-    </p:tnLst>
-  </p:timing>
-</p:sld>
-</file>
-
-<file path=ppt/slides/slide15.xml><?xml version="1.0" encoding="utf-8"?>
-<p:sld xmlns:a="http://schemas.openxmlformats.org/drawingml/2006/main" xmlns:r="http://schemas.openxmlformats.org/officeDocument/2006/relationships" xmlns:p="http://schemas.openxmlformats.org/presentationml/2006/main">
-  <p:cSld>
-    <p:spTree>
-      <p:nvGrpSpPr>
-        <p:cNvPr id="1" name=""/>
-        <p:cNvGrpSpPr/>
-        <p:nvPr/>
-      </p:nvGrpSpPr>
-      <p:grpSpPr>
-        <a:xfrm>
-          <a:off x="0" y="0"/>
-          <a:ext cx="0" cy="0"/>
-          <a:chOff x="0" y="0"/>
-          <a:chExt cx="0" cy="0"/>
-        </a:xfrm>
-      </p:grpSpPr>
-      <p:sp>
-        <p:nvSpPr>
-          <p:cNvPr id="2" name="Tittel 1"/>
-          <p:cNvSpPr>
-            <a:spLocks noGrp="1"/>
-          </p:cNvSpPr>
-          <p:nvPr>
-            <p:ph type="title"/>
-          </p:nvPr>
-        </p:nvSpPr>
-        <p:spPr/>
-        <p:txBody>
-          <a:bodyPr/>
-          <a:lstStyle/>
-          <a:p>
-            <a:r>
-              <a:rPr lang="nb-NO" dirty="0" smtClean="0"/>
               <a:t>Sprint 1</a:t>
             </a:r>
             <a:endParaRPr lang="en-GB" dirty="0"/>
@@ -4717,7 +4293,7 @@
 </p:sld>
 </file>
 
-<file path=ppt/slides/slide16.xml><?xml version="1.0" encoding="utf-8"?>
+<file path=ppt/slides/slide13.xml><?xml version="1.0" encoding="utf-8"?>
 <p:sld xmlns:a="http://schemas.openxmlformats.org/drawingml/2006/main" xmlns:r="http://schemas.openxmlformats.org/officeDocument/2006/relationships" xmlns:p="http://schemas.openxmlformats.org/presentationml/2006/main">
   <p:cSld>
     <p:spTree>
@@ -4799,7 +4375,7 @@
 </p:sld>
 </file>
 
-<file path=ppt/slides/slide17.xml><?xml version="1.0" encoding="utf-8"?>
+<file path=ppt/slides/slide14.xml><?xml version="1.0" encoding="utf-8"?>
 <p:sld xmlns:a="http://schemas.openxmlformats.org/drawingml/2006/main" xmlns:r="http://schemas.openxmlformats.org/officeDocument/2006/relationships" xmlns:p="http://schemas.openxmlformats.org/presentationml/2006/main">
   <p:cSld>
     <p:spTree>
@@ -4885,7 +4461,7 @@
 </p:sld>
 </file>
 
-<file path=ppt/slides/slide18.xml><?xml version="1.0" encoding="utf-8"?>
+<file path=ppt/slides/slide15.xml><?xml version="1.0" encoding="utf-8"?>
 <p:sld xmlns:a="http://schemas.openxmlformats.org/drawingml/2006/main" xmlns:r="http://schemas.openxmlformats.org/officeDocument/2006/relationships" xmlns:p="http://schemas.openxmlformats.org/presentationml/2006/main">
   <p:cSld>
     <p:spTree>
@@ -5004,7 +4580,7 @@
 </p:sld>
 </file>
 
-<file path=ppt/slides/slide19.xml><?xml version="1.0" encoding="utf-8"?>
+<file path=ppt/slides/slide16.xml><?xml version="1.0" encoding="utf-8"?>
 <p:sld xmlns:a="http://schemas.openxmlformats.org/drawingml/2006/main" xmlns:r="http://schemas.openxmlformats.org/officeDocument/2006/relationships" xmlns:p="http://schemas.openxmlformats.org/presentationml/2006/main">
   <p:cSld>
     <p:spTree>
@@ -5145,7 +4721,7 @@
           </a:prstGeom>
           <a:noFill/>
           <a:extLst>
-            <a:ext uri="{909E8E84-426E-40DD-AFC4-6F175D3DCCD1}">
+            <a:ext uri="{909E8E84-426E-40dd-AFC4-6F175D3DCCD1}">
               <a14:hiddenFill xmlns:a14="http://schemas.microsoft.com/office/drawing/2010/main">
                 <a:solidFill>
                   <a:srgbClr val="FFFFFF"/>
@@ -5159,6 +4735,374 @@
     <p:extLst>
       <p:ext uri="{BB962C8B-B14F-4D97-AF65-F5344CB8AC3E}">
         <p14:creationId xmlns:p14="http://schemas.microsoft.com/office/powerpoint/2010/main" val="2562182055"/>
+      </p:ext>
+    </p:extLst>
+  </p:cSld>
+  <p:clrMapOvr>
+    <a:masterClrMapping/>
+  </p:clrMapOvr>
+</p:sld>
+</file>
+
+<file path=ppt/slides/slide17.xml><?xml version="1.0" encoding="utf-8"?>
+<p:sld xmlns:a="http://schemas.openxmlformats.org/drawingml/2006/main" xmlns:r="http://schemas.openxmlformats.org/officeDocument/2006/relationships" xmlns:p="http://schemas.openxmlformats.org/presentationml/2006/main">
+  <p:cSld>
+    <p:spTree>
+      <p:nvGrpSpPr>
+        <p:cNvPr id="1" name=""/>
+        <p:cNvGrpSpPr/>
+        <p:nvPr/>
+      </p:nvGrpSpPr>
+      <p:grpSpPr>
+        <a:xfrm>
+          <a:off x="0" y="0"/>
+          <a:ext cx="0" cy="0"/>
+          <a:chOff x="0" y="0"/>
+          <a:chExt cx="0" cy="0"/>
+        </a:xfrm>
+      </p:grpSpPr>
+      <p:sp>
+        <p:nvSpPr>
+          <p:cNvPr id="2" name="Tittel 1"/>
+          <p:cNvSpPr>
+            <a:spLocks noGrp="1"/>
+          </p:cNvSpPr>
+          <p:nvPr>
+            <p:ph type="title"/>
+          </p:nvPr>
+        </p:nvSpPr>
+        <p:spPr/>
+        <p:txBody>
+          <a:bodyPr/>
+          <a:lstStyle/>
+          <a:p>
+            <a:r>
+              <a:rPr lang="nb-NO" dirty="0" smtClean="0"/>
+              <a:t>Testing</a:t>
+            </a:r>
+            <a:endParaRPr lang="en-GB" dirty="0"/>
+          </a:p>
+        </p:txBody>
+      </p:sp>
+      <p:sp>
+        <p:nvSpPr>
+          <p:cNvPr id="5" name="Plassholder for innhold 4"/>
+          <p:cNvSpPr>
+            <a:spLocks noGrp="1"/>
+          </p:cNvSpPr>
+          <p:nvPr>
+            <p:ph idx="1"/>
+          </p:nvPr>
+        </p:nvSpPr>
+        <p:spPr/>
+        <p:txBody>
+          <a:bodyPr/>
+          <a:lstStyle/>
+          <a:p>
+            <a:r>
+              <a:rPr lang="nb-NO" dirty="0" smtClean="0"/>
+              <a:t>No </a:t>
+            </a:r>
+            <a:r>
+              <a:rPr lang="nb-NO" dirty="0" err="1" smtClean="0"/>
+              <a:t>access</a:t>
+            </a:r>
+            <a:r>
+              <a:rPr lang="nb-NO" dirty="0" smtClean="0"/>
+              <a:t> to real test input or </a:t>
+            </a:r>
+            <a:r>
+              <a:rPr lang="nb-NO" dirty="0" err="1" smtClean="0"/>
+              <a:t>results</a:t>
+            </a:r>
+            <a:endParaRPr lang="nb-NO" dirty="0" smtClean="0"/>
+          </a:p>
+          <a:p>
+            <a:r>
+              <a:rPr lang="nb-NO" dirty="0" err="1" smtClean="0"/>
+              <a:t>Customer</a:t>
+            </a:r>
+            <a:r>
+              <a:rPr lang="nb-NO" dirty="0" smtClean="0"/>
+              <a:t> has </a:t>
+            </a:r>
+            <a:r>
+              <a:rPr lang="nb-NO" dirty="0" err="1" smtClean="0"/>
+              <a:t>provided</a:t>
+            </a:r>
+            <a:r>
+              <a:rPr lang="nb-NO" dirty="0" smtClean="0"/>
+              <a:t> </a:t>
+            </a:r>
+            <a:r>
+              <a:rPr lang="nb-NO" dirty="0" err="1" smtClean="0"/>
+              <a:t>some</a:t>
+            </a:r>
+            <a:r>
+              <a:rPr lang="nb-NO" dirty="0" smtClean="0"/>
+              <a:t> </a:t>
+            </a:r>
+            <a:r>
+              <a:rPr lang="nb-NO" dirty="0" err="1" smtClean="0"/>
+              <a:t>examples</a:t>
+            </a:r>
+            <a:endParaRPr lang="nb-NO" dirty="0" smtClean="0"/>
+          </a:p>
+          <a:p>
+            <a:r>
+              <a:rPr lang="nb-NO" dirty="0" smtClean="0"/>
+              <a:t>Most rest data must be hand </a:t>
+            </a:r>
+            <a:r>
+              <a:rPr lang="nb-NO" dirty="0" err="1" smtClean="0"/>
+              <a:t>made</a:t>
+            </a:r>
+            <a:endParaRPr lang="en-GB" dirty="0"/>
+          </a:p>
+        </p:txBody>
+      </p:sp>
+    </p:spTree>
+    <p:extLst>
+      <p:ext uri="{BB962C8B-B14F-4D97-AF65-F5344CB8AC3E}">
+        <p14:creationId xmlns:p14="http://schemas.microsoft.com/office/powerpoint/2010/main" val="302753847"/>
+      </p:ext>
+    </p:extLst>
+  </p:cSld>
+  <p:clrMapOvr>
+    <a:masterClrMapping/>
+  </p:clrMapOvr>
+</p:sld>
+</file>
+
+<file path=ppt/slides/slide18.xml><?xml version="1.0" encoding="utf-8"?>
+<p:sld xmlns:a="http://schemas.openxmlformats.org/drawingml/2006/main" xmlns:r="http://schemas.openxmlformats.org/officeDocument/2006/relationships" xmlns:p="http://schemas.openxmlformats.org/presentationml/2006/main">
+  <p:cSld>
+    <p:spTree>
+      <p:nvGrpSpPr>
+        <p:cNvPr id="1" name=""/>
+        <p:cNvGrpSpPr/>
+        <p:nvPr/>
+      </p:nvGrpSpPr>
+      <p:grpSpPr>
+        <a:xfrm>
+          <a:off x="0" y="0"/>
+          <a:ext cx="0" cy="0"/>
+          <a:chOff x="0" y="0"/>
+          <a:chExt cx="0" cy="0"/>
+        </a:xfrm>
+      </p:grpSpPr>
+      <p:sp>
+        <p:nvSpPr>
+          <p:cNvPr id="5" name="Tittel 4"/>
+          <p:cNvSpPr>
+            <a:spLocks noGrp="1"/>
+          </p:cNvSpPr>
+          <p:nvPr>
+            <p:ph type="title"/>
+          </p:nvPr>
+        </p:nvSpPr>
+        <p:spPr/>
+        <p:txBody>
+          <a:bodyPr/>
+          <a:lstStyle/>
+          <a:p>
+            <a:r>
+              <a:rPr lang="nb-NO" dirty="0" smtClean="0"/>
+              <a:t>Sprint 1 </a:t>
+            </a:r>
+            <a:r>
+              <a:rPr lang="nb-NO" dirty="0" err="1" smtClean="0"/>
+              <a:t>retrospect</a:t>
+            </a:r>
+            <a:endParaRPr lang="en-GB" dirty="0"/>
+          </a:p>
+        </p:txBody>
+      </p:sp>
+      <p:sp>
+        <p:nvSpPr>
+          <p:cNvPr id="6" name="Plassholder for innhold 5"/>
+          <p:cNvSpPr>
+            <a:spLocks noGrp="1"/>
+          </p:cNvSpPr>
+          <p:nvPr>
+            <p:ph idx="1"/>
+          </p:nvPr>
+        </p:nvSpPr>
+        <p:spPr/>
+        <p:txBody>
+          <a:bodyPr/>
+          <a:lstStyle/>
+          <a:p>
+            <a:endParaRPr lang="en-GB" dirty="0"/>
+          </a:p>
+        </p:txBody>
+      </p:sp>
+    </p:spTree>
+    <p:extLst>
+      <p:ext uri="{BB962C8B-B14F-4D97-AF65-F5344CB8AC3E}">
+        <p14:creationId xmlns:p14="http://schemas.microsoft.com/office/powerpoint/2010/main" val="3285035911"/>
+      </p:ext>
+    </p:extLst>
+  </p:cSld>
+  <p:clrMapOvr>
+    <a:masterClrMapping/>
+  </p:clrMapOvr>
+</p:sld>
+</file>
+
+<file path=ppt/slides/slide19.xml><?xml version="1.0" encoding="utf-8"?>
+<p:sld xmlns:a="http://schemas.openxmlformats.org/drawingml/2006/main" xmlns:r="http://schemas.openxmlformats.org/officeDocument/2006/relationships" xmlns:p="http://schemas.openxmlformats.org/presentationml/2006/main">
+  <p:cSld>
+    <p:spTree>
+      <p:nvGrpSpPr>
+        <p:cNvPr id="1" name=""/>
+        <p:cNvGrpSpPr/>
+        <p:nvPr/>
+      </p:nvGrpSpPr>
+      <p:grpSpPr>
+        <a:xfrm>
+          <a:off x="0" y="0"/>
+          <a:ext cx="0" cy="0"/>
+          <a:chOff x="0" y="0"/>
+          <a:chExt cx="0" cy="0"/>
+        </a:xfrm>
+      </p:grpSpPr>
+      <p:sp>
+        <p:nvSpPr>
+          <p:cNvPr id="2" name="Tittel 1"/>
+          <p:cNvSpPr>
+            <a:spLocks noGrp="1"/>
+          </p:cNvSpPr>
+          <p:nvPr>
+            <p:ph type="title"/>
+          </p:nvPr>
+        </p:nvSpPr>
+        <p:spPr/>
+        <p:txBody>
+          <a:bodyPr/>
+          <a:lstStyle/>
+          <a:p>
+            <a:r>
+              <a:rPr lang="nb-NO" dirty="0" smtClean="0"/>
+              <a:t>Sprint 2</a:t>
+            </a:r>
+            <a:endParaRPr lang="en-GB" dirty="0"/>
+          </a:p>
+        </p:txBody>
+      </p:sp>
+      <p:sp>
+        <p:nvSpPr>
+          <p:cNvPr id="3" name="Plassholder for innhold 2"/>
+          <p:cNvSpPr>
+            <a:spLocks noGrp="1"/>
+          </p:cNvSpPr>
+          <p:nvPr>
+            <p:ph idx="1"/>
+          </p:nvPr>
+        </p:nvSpPr>
+        <p:spPr/>
+        <p:txBody>
+          <a:bodyPr/>
+          <a:lstStyle/>
+          <a:p>
+            <a:r>
+              <a:rPr lang="nb-NO" dirty="0" smtClean="0"/>
+              <a:t>Support for non-primitive C types</a:t>
+            </a:r>
+          </a:p>
+          <a:p>
+            <a:r>
+              <a:rPr lang="nb-NO" dirty="0" err="1" smtClean="0"/>
+              <a:t>Configuration</a:t>
+            </a:r>
+            <a:r>
+              <a:rPr lang="nb-NO" dirty="0" smtClean="0"/>
+              <a:t> </a:t>
+            </a:r>
+            <a:r>
+              <a:rPr lang="nb-NO" dirty="0" err="1" smtClean="0"/>
+              <a:t>of</a:t>
+            </a:r>
+            <a:r>
+              <a:rPr lang="nb-NO" dirty="0" smtClean="0"/>
+              <a:t> type and </a:t>
+            </a:r>
+            <a:r>
+              <a:rPr lang="nb-NO" dirty="0" err="1" smtClean="0"/>
+              <a:t>member</a:t>
+            </a:r>
+            <a:r>
+              <a:rPr lang="nb-NO" dirty="0" smtClean="0"/>
+              <a:t> </a:t>
+            </a:r>
+            <a:r>
+              <a:rPr lang="nb-NO" dirty="0" err="1" smtClean="0"/>
+              <a:t>semantic</a:t>
+            </a:r>
+            <a:endParaRPr lang="nb-NO" dirty="0" smtClean="0"/>
+          </a:p>
+          <a:p>
+            <a:r>
+              <a:rPr lang="nb-NO" dirty="0" smtClean="0"/>
+              <a:t>Support for 3. party </a:t>
+            </a:r>
+            <a:r>
+              <a:rPr lang="nb-NO" dirty="0" err="1" smtClean="0"/>
+              <a:t>dissectors</a:t>
+            </a:r>
+            <a:r>
+              <a:rPr lang="nb-NO" dirty="0" smtClean="0"/>
+              <a:t> to </a:t>
+            </a:r>
+            <a:r>
+              <a:rPr lang="nb-NO" dirty="0" err="1" smtClean="0"/>
+              <a:t>decode</a:t>
+            </a:r>
+            <a:r>
+              <a:rPr lang="nb-NO" dirty="0" smtClean="0"/>
+              <a:t> trailers </a:t>
+            </a:r>
+            <a:r>
+              <a:rPr lang="nb-NO" dirty="0" err="1" smtClean="0"/>
+              <a:t>of</a:t>
+            </a:r>
+            <a:r>
+              <a:rPr lang="nb-NO" dirty="0" smtClean="0"/>
+              <a:t> a </a:t>
+            </a:r>
+            <a:r>
+              <a:rPr lang="nb-NO" dirty="0" err="1" smtClean="0"/>
+              <a:t>message</a:t>
+            </a:r>
+            <a:endParaRPr lang="nb-NO" dirty="0"/>
+          </a:p>
+          <a:p>
+            <a:r>
+              <a:rPr lang="nb-NO" dirty="0" err="1" smtClean="0"/>
+              <a:t>Refactor</a:t>
+            </a:r>
+            <a:r>
+              <a:rPr lang="nb-NO" dirty="0" smtClean="0"/>
+              <a:t> </a:t>
+            </a:r>
+            <a:r>
+              <a:rPr lang="nb-NO" dirty="0" err="1" smtClean="0"/>
+              <a:t>code</a:t>
+            </a:r>
+            <a:r>
+              <a:rPr lang="nb-NO" dirty="0" smtClean="0"/>
+              <a:t> from sprint 1</a:t>
+            </a:r>
+          </a:p>
+          <a:p>
+            <a:endParaRPr lang="en-GB" dirty="0"/>
+          </a:p>
+        </p:txBody>
+      </p:sp>
+    </p:spTree>
+    <p:extLst>
+      <p:ext uri="{BB962C8B-B14F-4D97-AF65-F5344CB8AC3E}">
+        <p14:creationId xmlns:p14="http://schemas.microsoft.com/office/powerpoint/2010/main" val="2505814243"/>
       </p:ext>
     </p:extLst>
   </p:cSld>
@@ -5201,20 +5145,8 @@
           <a:lstStyle/>
           <a:p>
             <a:r>
-              <a:rPr lang="nb-NO" dirty="0" err="1" smtClean="0"/>
-              <a:t>Outline</a:t>
-            </a:r>
-            <a:r>
-              <a:rPr lang="nb-NO" dirty="0" smtClean="0"/>
-              <a:t> (</a:t>
-            </a:r>
-            <a:r>
-              <a:rPr lang="nb-NO" dirty="0" err="1" smtClean="0"/>
-              <a:t>sketch</a:t>
-            </a:r>
-            <a:r>
-              <a:rPr lang="nb-NO" dirty="0" smtClean="0"/>
-              <a:t>)</a:t>
+              <a:rPr lang="nb-NO" dirty="0" smtClean="0"/>
+              <a:t>Agenda</a:t>
             </a:r>
             <a:endParaRPr lang="en-GB" dirty="0"/>
           </a:p>
@@ -5237,24 +5169,27 @@
           <a:p>
             <a:r>
               <a:rPr lang="nb-NO" dirty="0" smtClean="0"/>
-              <a:t>The team and </a:t>
-            </a:r>
-            <a:r>
-              <a:rPr lang="nb-NO" dirty="0" err="1" smtClean="0"/>
-              <a:t>the</a:t>
-            </a:r>
-            <a:r>
-              <a:rPr lang="nb-NO" dirty="0" smtClean="0"/>
-              <a:t> </a:t>
+              <a:t>The </a:t>
+            </a:r>
+            <a:r>
+              <a:rPr lang="nb-NO" dirty="0" smtClean="0"/>
+              <a:t>team</a:t>
+            </a:r>
+          </a:p>
+          <a:p>
+            <a:r>
+              <a:rPr lang="nb-NO" dirty="0" smtClean="0"/>
+              <a:t>T</a:t>
+            </a:r>
+            <a:r>
+              <a:rPr lang="nb-NO" dirty="0" smtClean="0"/>
+              <a:t>he </a:t>
             </a:r>
             <a:r>
               <a:rPr lang="nb-NO" dirty="0" err="1" smtClean="0"/>
               <a:t>customer</a:t>
             </a:r>
-            <a:r>
-              <a:rPr lang="nb-NO" dirty="0" smtClean="0"/>
-              <a:t>.</a:t>
-            </a:r>
+            <a:endParaRPr lang="nb-NO" dirty="0" smtClean="0"/>
           </a:p>
           <a:p>
             <a:r>
@@ -5265,32 +5200,18 @@
               <a:rPr lang="nb-NO" dirty="0" err="1" smtClean="0"/>
               <a:t>task</a:t>
             </a:r>
-            <a:r>
-              <a:rPr lang="nb-NO" dirty="0" smtClean="0"/>
-              <a:t>.</a:t>
-            </a:r>
-          </a:p>
-          <a:p>
-            <a:r>
-              <a:rPr lang="nb-NO" dirty="0" smtClean="0"/>
-              <a:t>Choices </a:t>
+            <a:endParaRPr lang="nb-NO" dirty="0" smtClean="0"/>
+          </a:p>
+          <a:p>
+            <a:r>
+              <a:rPr lang="nb-NO" dirty="0" smtClean="0"/>
+              <a:t>Pre-</a:t>
             </a:r>
             <a:r>
               <a:rPr lang="nb-NO" dirty="0" err="1" smtClean="0"/>
-              <a:t>we</a:t>
-            </a:r>
-            <a:r>
-              <a:rPr lang="nb-NO" dirty="0" smtClean="0"/>
-              <a:t> </a:t>
-            </a:r>
-            <a:r>
-              <a:rPr lang="nb-NO" dirty="0" err="1" smtClean="0"/>
-              <a:t>made</a:t>
-            </a:r>
-            <a:r>
-              <a:rPr lang="nb-NO" dirty="0" smtClean="0"/>
-              <a:t>.</a:t>
-            </a:r>
+              <a:t>study</a:t>
+            </a:r>
+            <a:endParaRPr lang="nb-NO" dirty="0" smtClean="0"/>
           </a:p>
           <a:p>
             <a:r>
@@ -5313,10 +5234,7 @@
               <a:rPr lang="nb-NO" dirty="0" err="1" smtClean="0"/>
               <a:t>answers</a:t>
             </a:r>
-            <a:r>
-              <a:rPr lang="nb-NO" dirty="0" smtClean="0"/>
-              <a:t>.</a:t>
-            </a:r>
+            <a:endParaRPr lang="nb-NO" dirty="0" smtClean="0"/>
           </a:p>
         </p:txBody>
       </p:sp>
@@ -5334,374 +5252,6 @@
 </file>
 
 <file path=ppt/slides/slide20.xml><?xml version="1.0" encoding="utf-8"?>
-<p:sld xmlns:a="http://schemas.openxmlformats.org/drawingml/2006/main" xmlns:r="http://schemas.openxmlformats.org/officeDocument/2006/relationships" xmlns:p="http://schemas.openxmlformats.org/presentationml/2006/main">
-  <p:cSld>
-    <p:spTree>
-      <p:nvGrpSpPr>
-        <p:cNvPr id="1" name=""/>
-        <p:cNvGrpSpPr/>
-        <p:nvPr/>
-      </p:nvGrpSpPr>
-      <p:grpSpPr>
-        <a:xfrm>
-          <a:off x="0" y="0"/>
-          <a:ext cx="0" cy="0"/>
-          <a:chOff x="0" y="0"/>
-          <a:chExt cx="0" cy="0"/>
-        </a:xfrm>
-      </p:grpSpPr>
-      <p:sp>
-        <p:nvSpPr>
-          <p:cNvPr id="2" name="Tittel 1"/>
-          <p:cNvSpPr>
-            <a:spLocks noGrp="1"/>
-          </p:cNvSpPr>
-          <p:nvPr>
-            <p:ph type="title"/>
-          </p:nvPr>
-        </p:nvSpPr>
-        <p:spPr/>
-        <p:txBody>
-          <a:bodyPr/>
-          <a:lstStyle/>
-          <a:p>
-            <a:r>
-              <a:rPr lang="nb-NO" dirty="0" smtClean="0"/>
-              <a:t>Testing</a:t>
-            </a:r>
-            <a:endParaRPr lang="en-GB" dirty="0"/>
-          </a:p>
-        </p:txBody>
-      </p:sp>
-      <p:sp>
-        <p:nvSpPr>
-          <p:cNvPr id="5" name="Plassholder for innhold 4"/>
-          <p:cNvSpPr>
-            <a:spLocks noGrp="1"/>
-          </p:cNvSpPr>
-          <p:nvPr>
-            <p:ph idx="1"/>
-          </p:nvPr>
-        </p:nvSpPr>
-        <p:spPr/>
-        <p:txBody>
-          <a:bodyPr/>
-          <a:lstStyle/>
-          <a:p>
-            <a:r>
-              <a:rPr lang="nb-NO" dirty="0" smtClean="0"/>
-              <a:t>No </a:t>
-            </a:r>
-            <a:r>
-              <a:rPr lang="nb-NO" dirty="0" err="1" smtClean="0"/>
-              <a:t>access</a:t>
-            </a:r>
-            <a:r>
-              <a:rPr lang="nb-NO" dirty="0" smtClean="0"/>
-              <a:t> to real test input or </a:t>
-            </a:r>
-            <a:r>
-              <a:rPr lang="nb-NO" dirty="0" err="1" smtClean="0"/>
-              <a:t>results</a:t>
-            </a:r>
-            <a:endParaRPr lang="nb-NO" dirty="0" smtClean="0"/>
-          </a:p>
-          <a:p>
-            <a:r>
-              <a:rPr lang="nb-NO" dirty="0" err="1" smtClean="0"/>
-              <a:t>Customer</a:t>
-            </a:r>
-            <a:r>
-              <a:rPr lang="nb-NO" dirty="0" smtClean="0"/>
-              <a:t> has </a:t>
-            </a:r>
-            <a:r>
-              <a:rPr lang="nb-NO" dirty="0" err="1" smtClean="0"/>
-              <a:t>provided</a:t>
-            </a:r>
-            <a:r>
-              <a:rPr lang="nb-NO" dirty="0" smtClean="0"/>
-              <a:t> </a:t>
-            </a:r>
-            <a:r>
-              <a:rPr lang="nb-NO" dirty="0" err="1" smtClean="0"/>
-              <a:t>some</a:t>
-            </a:r>
-            <a:r>
-              <a:rPr lang="nb-NO" dirty="0" smtClean="0"/>
-              <a:t> </a:t>
-            </a:r>
-            <a:r>
-              <a:rPr lang="nb-NO" dirty="0" err="1" smtClean="0"/>
-              <a:t>examples</a:t>
-            </a:r>
-            <a:endParaRPr lang="nb-NO" dirty="0" smtClean="0"/>
-          </a:p>
-          <a:p>
-            <a:r>
-              <a:rPr lang="nb-NO" dirty="0" smtClean="0"/>
-              <a:t>Most rest data must be hand </a:t>
-            </a:r>
-            <a:r>
-              <a:rPr lang="nb-NO" dirty="0" err="1" smtClean="0"/>
-              <a:t>made</a:t>
-            </a:r>
-            <a:endParaRPr lang="en-GB" dirty="0"/>
-          </a:p>
-        </p:txBody>
-      </p:sp>
-    </p:spTree>
-    <p:extLst>
-      <p:ext uri="{BB962C8B-B14F-4D97-AF65-F5344CB8AC3E}">
-        <p14:creationId xmlns:p14="http://schemas.microsoft.com/office/powerpoint/2010/main" val="302753847"/>
-      </p:ext>
-    </p:extLst>
-  </p:cSld>
-  <p:clrMapOvr>
-    <a:masterClrMapping/>
-  </p:clrMapOvr>
-</p:sld>
-</file>
-
-<file path=ppt/slides/slide21.xml><?xml version="1.0" encoding="utf-8"?>
-<p:sld xmlns:a="http://schemas.openxmlformats.org/drawingml/2006/main" xmlns:r="http://schemas.openxmlformats.org/officeDocument/2006/relationships" xmlns:p="http://schemas.openxmlformats.org/presentationml/2006/main">
-  <p:cSld>
-    <p:spTree>
-      <p:nvGrpSpPr>
-        <p:cNvPr id="1" name=""/>
-        <p:cNvGrpSpPr/>
-        <p:nvPr/>
-      </p:nvGrpSpPr>
-      <p:grpSpPr>
-        <a:xfrm>
-          <a:off x="0" y="0"/>
-          <a:ext cx="0" cy="0"/>
-          <a:chOff x="0" y="0"/>
-          <a:chExt cx="0" cy="0"/>
-        </a:xfrm>
-      </p:grpSpPr>
-      <p:sp>
-        <p:nvSpPr>
-          <p:cNvPr id="5" name="Tittel 4"/>
-          <p:cNvSpPr>
-            <a:spLocks noGrp="1"/>
-          </p:cNvSpPr>
-          <p:nvPr>
-            <p:ph type="title"/>
-          </p:nvPr>
-        </p:nvSpPr>
-        <p:spPr/>
-        <p:txBody>
-          <a:bodyPr/>
-          <a:lstStyle/>
-          <a:p>
-            <a:r>
-              <a:rPr lang="nb-NO" dirty="0" smtClean="0"/>
-              <a:t>Sprint 1 </a:t>
-            </a:r>
-            <a:r>
-              <a:rPr lang="nb-NO" dirty="0" err="1" smtClean="0"/>
-              <a:t>retrospect</a:t>
-            </a:r>
-            <a:endParaRPr lang="en-GB" dirty="0"/>
-          </a:p>
-        </p:txBody>
-      </p:sp>
-      <p:sp>
-        <p:nvSpPr>
-          <p:cNvPr id="6" name="Plassholder for innhold 5"/>
-          <p:cNvSpPr>
-            <a:spLocks noGrp="1"/>
-          </p:cNvSpPr>
-          <p:nvPr>
-            <p:ph idx="1"/>
-          </p:nvPr>
-        </p:nvSpPr>
-        <p:spPr/>
-        <p:txBody>
-          <a:bodyPr/>
-          <a:lstStyle/>
-          <a:p>
-            <a:endParaRPr lang="en-GB" dirty="0"/>
-          </a:p>
-        </p:txBody>
-      </p:sp>
-    </p:spTree>
-    <p:extLst>
-      <p:ext uri="{BB962C8B-B14F-4D97-AF65-F5344CB8AC3E}">
-        <p14:creationId xmlns:p14="http://schemas.microsoft.com/office/powerpoint/2010/main" val="3285035911"/>
-      </p:ext>
-    </p:extLst>
-  </p:cSld>
-  <p:clrMapOvr>
-    <a:masterClrMapping/>
-  </p:clrMapOvr>
-</p:sld>
-</file>
-
-<file path=ppt/slides/slide22.xml><?xml version="1.0" encoding="utf-8"?>
-<p:sld xmlns:a="http://schemas.openxmlformats.org/drawingml/2006/main" xmlns:r="http://schemas.openxmlformats.org/officeDocument/2006/relationships" xmlns:p="http://schemas.openxmlformats.org/presentationml/2006/main">
-  <p:cSld>
-    <p:spTree>
-      <p:nvGrpSpPr>
-        <p:cNvPr id="1" name=""/>
-        <p:cNvGrpSpPr/>
-        <p:nvPr/>
-      </p:nvGrpSpPr>
-      <p:grpSpPr>
-        <a:xfrm>
-          <a:off x="0" y="0"/>
-          <a:ext cx="0" cy="0"/>
-          <a:chOff x="0" y="0"/>
-          <a:chExt cx="0" cy="0"/>
-        </a:xfrm>
-      </p:grpSpPr>
-      <p:sp>
-        <p:nvSpPr>
-          <p:cNvPr id="2" name="Tittel 1"/>
-          <p:cNvSpPr>
-            <a:spLocks noGrp="1"/>
-          </p:cNvSpPr>
-          <p:nvPr>
-            <p:ph type="title"/>
-          </p:nvPr>
-        </p:nvSpPr>
-        <p:spPr/>
-        <p:txBody>
-          <a:bodyPr/>
-          <a:lstStyle/>
-          <a:p>
-            <a:r>
-              <a:rPr lang="nb-NO" dirty="0" smtClean="0"/>
-              <a:t>Sprint 2</a:t>
-            </a:r>
-            <a:endParaRPr lang="en-GB" dirty="0"/>
-          </a:p>
-        </p:txBody>
-      </p:sp>
-      <p:sp>
-        <p:nvSpPr>
-          <p:cNvPr id="3" name="Plassholder for innhold 2"/>
-          <p:cNvSpPr>
-            <a:spLocks noGrp="1"/>
-          </p:cNvSpPr>
-          <p:nvPr>
-            <p:ph idx="1"/>
-          </p:nvPr>
-        </p:nvSpPr>
-        <p:spPr/>
-        <p:txBody>
-          <a:bodyPr/>
-          <a:lstStyle/>
-          <a:p>
-            <a:r>
-              <a:rPr lang="nb-NO" dirty="0" smtClean="0"/>
-              <a:t>Support for non-primitive C types</a:t>
-            </a:r>
-          </a:p>
-          <a:p>
-            <a:r>
-              <a:rPr lang="nb-NO" dirty="0" err="1" smtClean="0"/>
-              <a:t>Configuration</a:t>
-            </a:r>
-            <a:r>
-              <a:rPr lang="nb-NO" dirty="0" smtClean="0"/>
-              <a:t> </a:t>
-            </a:r>
-            <a:r>
-              <a:rPr lang="nb-NO" dirty="0" err="1" smtClean="0"/>
-              <a:t>of</a:t>
-            </a:r>
-            <a:r>
-              <a:rPr lang="nb-NO" dirty="0" smtClean="0"/>
-              <a:t> type and </a:t>
-            </a:r>
-            <a:r>
-              <a:rPr lang="nb-NO" dirty="0" err="1" smtClean="0"/>
-              <a:t>member</a:t>
-            </a:r>
-            <a:r>
-              <a:rPr lang="nb-NO" dirty="0" smtClean="0"/>
-              <a:t> </a:t>
-            </a:r>
-            <a:r>
-              <a:rPr lang="nb-NO" dirty="0" err="1" smtClean="0"/>
-              <a:t>semantic</a:t>
-            </a:r>
-            <a:endParaRPr lang="nb-NO" dirty="0" smtClean="0"/>
-          </a:p>
-          <a:p>
-            <a:r>
-              <a:rPr lang="nb-NO" dirty="0" smtClean="0"/>
-              <a:t>Support for 3. party </a:t>
-            </a:r>
-            <a:r>
-              <a:rPr lang="nb-NO" dirty="0" err="1" smtClean="0"/>
-              <a:t>dissectors</a:t>
-            </a:r>
-            <a:r>
-              <a:rPr lang="nb-NO" dirty="0" smtClean="0"/>
-              <a:t> to </a:t>
-            </a:r>
-            <a:r>
-              <a:rPr lang="nb-NO" dirty="0" err="1" smtClean="0"/>
-              <a:t>decode</a:t>
-            </a:r>
-            <a:r>
-              <a:rPr lang="nb-NO" dirty="0" smtClean="0"/>
-              <a:t> trailers </a:t>
-            </a:r>
-            <a:r>
-              <a:rPr lang="nb-NO" dirty="0" err="1" smtClean="0"/>
-              <a:t>of</a:t>
-            </a:r>
-            <a:r>
-              <a:rPr lang="nb-NO" dirty="0" smtClean="0"/>
-              <a:t> a </a:t>
-            </a:r>
-            <a:r>
-              <a:rPr lang="nb-NO" dirty="0" err="1" smtClean="0"/>
-              <a:t>message</a:t>
-            </a:r>
-            <a:endParaRPr lang="nb-NO" dirty="0"/>
-          </a:p>
-          <a:p>
-            <a:r>
-              <a:rPr lang="nb-NO" dirty="0" err="1" smtClean="0"/>
-              <a:t>Refactor</a:t>
-            </a:r>
-            <a:r>
-              <a:rPr lang="nb-NO" dirty="0" smtClean="0"/>
-              <a:t> </a:t>
-            </a:r>
-            <a:r>
-              <a:rPr lang="nb-NO" dirty="0" err="1" smtClean="0"/>
-              <a:t>code</a:t>
-            </a:r>
-            <a:r>
-              <a:rPr lang="nb-NO" dirty="0" smtClean="0"/>
-              <a:t> from sprint 1</a:t>
-            </a:r>
-          </a:p>
-          <a:p>
-            <a:endParaRPr lang="en-GB" dirty="0"/>
-          </a:p>
-        </p:txBody>
-      </p:sp>
-    </p:spTree>
-    <p:extLst>
-      <p:ext uri="{BB962C8B-B14F-4D97-AF65-F5344CB8AC3E}">
-        <p14:creationId xmlns:p14="http://schemas.microsoft.com/office/powerpoint/2010/main" val="2505814243"/>
-      </p:ext>
-    </p:extLst>
-  </p:cSld>
-  <p:clrMapOvr>
-    <a:masterClrMapping/>
-  </p:clrMapOvr>
-</p:sld>
-</file>
-
-<file path=ppt/slides/slide23.xml><?xml version="1.0" encoding="utf-8"?>
 <p:sld xmlns:a="http://schemas.openxmlformats.org/drawingml/2006/main" xmlns:r="http://schemas.openxmlformats.org/officeDocument/2006/relationships" xmlns:p="http://schemas.openxmlformats.org/presentationml/2006/main">
   <p:cSld>
     <p:spTree>
@@ -5783,7 +5333,7 @@
 </p:sld>
 </file>
 
-<file path=ppt/slides/slide24.xml><?xml version="1.0" encoding="utf-8"?>
+<file path=ppt/slides/slide21.xml><?xml version="1.0" encoding="utf-8"?>
 <p:sld xmlns:a="http://schemas.openxmlformats.org/drawingml/2006/main" xmlns:r="http://schemas.openxmlformats.org/officeDocument/2006/relationships" xmlns:p="http://schemas.openxmlformats.org/presentationml/2006/main">
   <p:cSld>
     <p:spTree>
@@ -5883,7 +5433,7 @@
           </a:prstGeom>
           <a:noFill/>
           <a:extLst>
-            <a:ext uri="{909E8E84-426E-40DD-AFC4-6F175D3DCCD1}">
+            <a:ext uri="{909E8E84-426E-40dd-AFC4-6F175D3DCCD1}">
               <a14:hiddenFill xmlns:a14="http://schemas.microsoft.com/office/drawing/2010/main">
                 <a:solidFill>
                   <a:srgbClr val="FFFFFF"/>
@@ -5906,7 +5456,7 @@
 </p:sld>
 </file>
 
-<file path=ppt/slides/slide25.xml><?xml version="1.0" encoding="utf-8"?>
+<file path=ppt/slides/slide22.xml><?xml version="1.0" encoding="utf-8"?>
 <p:sld xmlns:a="http://schemas.openxmlformats.org/drawingml/2006/main" xmlns:r="http://schemas.openxmlformats.org/officeDocument/2006/relationships" xmlns:p="http://schemas.openxmlformats.org/presentationml/2006/main">
   <p:cSld>
     <p:spTree>
@@ -6006,7 +5556,7 @@
           </a:prstGeom>
           <a:noFill/>
           <a:extLst>
-            <a:ext uri="{909E8E84-426E-40DD-AFC4-6F175D3DCCD1}">
+            <a:ext uri="{909E8E84-426E-40dd-AFC4-6F175D3DCCD1}">
               <a14:hiddenFill xmlns:a14="http://schemas.microsoft.com/office/drawing/2010/main">
                 <a:solidFill>
                   <a:srgbClr val="FFFFFF"/>
@@ -6029,7 +5579,7 @@
 </p:sld>
 </file>
 
-<file path=ppt/slides/slide26.xml><?xml version="1.0" encoding="utf-8"?>
+<file path=ppt/slides/slide23.xml><?xml version="1.0" encoding="utf-8"?>
 <p:sld xmlns:a="http://schemas.openxmlformats.org/drawingml/2006/main" xmlns:r="http://schemas.openxmlformats.org/officeDocument/2006/relationships" xmlns:p="http://schemas.openxmlformats.org/presentationml/2006/main">
   <p:cSld>
     <p:spTree>
@@ -6197,7 +5747,7 @@
 </p:sld>
 </file>
 
-<file path=ppt/slides/slide27.xml><?xml version="1.0" encoding="utf-8"?>
+<file path=ppt/slides/slide24.xml><?xml version="1.0" encoding="utf-8"?>
 <p:sld xmlns:a="http://schemas.openxmlformats.org/drawingml/2006/main" xmlns:r="http://schemas.openxmlformats.org/officeDocument/2006/relationships" xmlns:p="http://schemas.openxmlformats.org/presentationml/2006/main">
   <p:cSld>
     <p:spTree>
@@ -6363,7 +5913,7 @@
 </p:sld>
 </file>
 
-<file path=ppt/slides/slide28.xml><?xml version="1.0" encoding="utf-8"?>
+<file path=ppt/slides/slide25.xml><?xml version="1.0" encoding="utf-8"?>
 <p:sld xmlns:a="http://schemas.openxmlformats.org/drawingml/2006/main" xmlns:r="http://schemas.openxmlformats.org/officeDocument/2006/relationships" xmlns:p="http://schemas.openxmlformats.org/presentationml/2006/main">
   <p:cSld>
     <p:spTree>
@@ -6449,6 +5999,406 @@
 </p:sld>
 </file>
 
+<file path=ppt/slides/slide26.xml><?xml version="1.0" encoding="utf-8"?>
+<p:sld xmlns:a="http://schemas.openxmlformats.org/drawingml/2006/main" xmlns:r="http://schemas.openxmlformats.org/officeDocument/2006/relationships" xmlns:p="http://schemas.openxmlformats.org/presentationml/2006/main">
+  <p:cSld>
+    <p:spTree>
+      <p:nvGrpSpPr>
+        <p:cNvPr id="1" name=""/>
+        <p:cNvGrpSpPr/>
+        <p:nvPr/>
+      </p:nvGrpSpPr>
+      <p:grpSpPr>
+        <a:xfrm>
+          <a:off x="0" y="0"/>
+          <a:ext cx="0" cy="0"/>
+          <a:chOff x="0" y="0"/>
+          <a:chExt cx="0" cy="0"/>
+        </a:xfrm>
+      </p:grpSpPr>
+      <p:sp>
+        <p:nvSpPr>
+          <p:cNvPr id="2" name="Tittel 1"/>
+          <p:cNvSpPr>
+            <a:spLocks noGrp="1"/>
+          </p:cNvSpPr>
+          <p:nvPr>
+            <p:ph type="title"/>
+          </p:nvPr>
+        </p:nvSpPr>
+        <p:spPr/>
+        <p:txBody>
+          <a:bodyPr/>
+          <a:lstStyle/>
+          <a:p>
+            <a:r>
+              <a:rPr lang="nb-NO" dirty="0" smtClean="0"/>
+              <a:t>Sprint 3 - Testing</a:t>
+            </a:r>
+            <a:endParaRPr lang="en-GB" dirty="0"/>
+          </a:p>
+        </p:txBody>
+      </p:sp>
+      <p:sp>
+        <p:nvSpPr>
+          <p:cNvPr id="3" name="Plassholder for innhold 2"/>
+          <p:cNvSpPr>
+            <a:spLocks noGrp="1"/>
+          </p:cNvSpPr>
+          <p:nvPr>
+            <p:ph idx="1"/>
+          </p:nvPr>
+        </p:nvSpPr>
+        <p:spPr/>
+        <p:txBody>
+          <a:bodyPr/>
+          <a:lstStyle/>
+          <a:p>
+            <a:r>
+              <a:rPr lang="nb-NO" dirty="0" err="1" smtClean="0"/>
+              <a:t>Availebility</a:t>
+            </a:r>
+            <a:r>
+              <a:rPr lang="nb-NO" dirty="0" smtClean="0"/>
+              <a:t> </a:t>
+            </a:r>
+            <a:r>
+              <a:rPr lang="nb-NO" dirty="0" err="1" smtClean="0"/>
+              <a:t>of</a:t>
+            </a:r>
+            <a:r>
+              <a:rPr lang="nb-NO" dirty="0" smtClean="0"/>
+              <a:t> </a:t>
+            </a:r>
+            <a:r>
+              <a:rPr lang="nb-NO" dirty="0" err="1" smtClean="0"/>
+              <a:t>alignment</a:t>
+            </a:r>
+            <a:r>
+              <a:rPr lang="nb-NO" dirty="0" smtClean="0"/>
+              <a:t> support </a:t>
+            </a:r>
+            <a:r>
+              <a:rPr lang="nb-NO" dirty="0" err="1" smtClean="0"/>
+              <a:t>meant</a:t>
+            </a:r>
+            <a:r>
+              <a:rPr lang="nb-NO" dirty="0" smtClean="0"/>
+              <a:t> </a:t>
+            </a:r>
+            <a:r>
+              <a:rPr lang="nb-NO" dirty="0" err="1" smtClean="0"/>
+              <a:t>that</a:t>
+            </a:r>
+            <a:r>
+              <a:rPr lang="nb-NO" dirty="0" smtClean="0"/>
+              <a:t> </a:t>
+            </a:r>
+            <a:r>
+              <a:rPr lang="nb-NO" dirty="0" err="1" smtClean="0"/>
+              <a:t>we</a:t>
+            </a:r>
+            <a:r>
+              <a:rPr lang="nb-NO" dirty="0" smtClean="0"/>
+              <a:t> </a:t>
+            </a:r>
+            <a:r>
+              <a:rPr lang="nb-NO" dirty="0" err="1" smtClean="0"/>
+              <a:t>could</a:t>
+            </a:r>
+            <a:r>
+              <a:rPr lang="nb-NO" dirty="0" smtClean="0"/>
+              <a:t> have a C program </a:t>
+            </a:r>
+            <a:r>
+              <a:rPr lang="nb-NO" dirty="0" err="1" smtClean="0"/>
+              <a:t>generate</a:t>
+            </a:r>
+            <a:r>
+              <a:rPr lang="nb-NO" dirty="0" smtClean="0"/>
+              <a:t> test data.</a:t>
+            </a:r>
+          </a:p>
+          <a:p>
+            <a:r>
+              <a:rPr lang="nb-NO" dirty="0" err="1" smtClean="0"/>
+              <a:t>Needed</a:t>
+            </a:r>
+            <a:r>
+              <a:rPr lang="nb-NO" dirty="0" smtClean="0"/>
+              <a:t> to </a:t>
+            </a:r>
+            <a:r>
+              <a:rPr lang="nb-NO" dirty="0" err="1" smtClean="0"/>
+              <a:t>change</a:t>
+            </a:r>
+            <a:r>
+              <a:rPr lang="nb-NO" dirty="0" smtClean="0"/>
+              <a:t> all </a:t>
+            </a:r>
+            <a:r>
+              <a:rPr lang="nb-NO" dirty="0" err="1" smtClean="0"/>
+              <a:t>previous</a:t>
+            </a:r>
+            <a:r>
+              <a:rPr lang="nb-NO" dirty="0" smtClean="0"/>
+              <a:t> test data.</a:t>
+            </a:r>
+          </a:p>
+          <a:p>
+            <a:endParaRPr lang="en-GB" dirty="0"/>
+          </a:p>
+        </p:txBody>
+      </p:sp>
+    </p:spTree>
+    <p:extLst>
+      <p:ext uri="{BB962C8B-B14F-4D97-AF65-F5344CB8AC3E}">
+        <p14:creationId xmlns:p14="http://schemas.microsoft.com/office/powerpoint/2010/main" val="3996143895"/>
+      </p:ext>
+    </p:extLst>
+  </p:cSld>
+  <p:clrMapOvr>
+    <a:masterClrMapping/>
+  </p:clrMapOvr>
+</p:sld>
+</file>
+
+<file path=ppt/slides/slide27.xml><?xml version="1.0" encoding="utf-8"?>
+<p:sld xmlns:a="http://schemas.openxmlformats.org/drawingml/2006/main" xmlns:r="http://schemas.openxmlformats.org/officeDocument/2006/relationships" xmlns:p="http://schemas.openxmlformats.org/presentationml/2006/main">
+  <p:cSld>
+    <p:spTree>
+      <p:nvGrpSpPr>
+        <p:cNvPr id="1" name=""/>
+        <p:cNvGrpSpPr/>
+        <p:nvPr/>
+      </p:nvGrpSpPr>
+      <p:grpSpPr>
+        <a:xfrm>
+          <a:off x="0" y="0"/>
+          <a:ext cx="0" cy="0"/>
+          <a:chOff x="0" y="0"/>
+          <a:chExt cx="0" cy="0"/>
+        </a:xfrm>
+      </p:grpSpPr>
+      <p:sp>
+        <p:nvSpPr>
+          <p:cNvPr id="2" name="Tittel 1"/>
+          <p:cNvSpPr>
+            <a:spLocks noGrp="1"/>
+          </p:cNvSpPr>
+          <p:nvPr>
+            <p:ph type="title"/>
+          </p:nvPr>
+        </p:nvSpPr>
+        <p:spPr/>
+        <p:txBody>
+          <a:bodyPr/>
+          <a:lstStyle/>
+          <a:p>
+            <a:r>
+              <a:rPr lang="nb-NO" dirty="0" smtClean="0"/>
+              <a:t>Sprint 3 </a:t>
+            </a:r>
+            <a:r>
+              <a:rPr lang="nb-NO" dirty="0" err="1" smtClean="0"/>
+              <a:t>retrospect</a:t>
+            </a:r>
+            <a:endParaRPr lang="en-GB" dirty="0"/>
+          </a:p>
+        </p:txBody>
+      </p:sp>
+      <p:sp>
+        <p:nvSpPr>
+          <p:cNvPr id="3" name="Plassholder for innhold 2"/>
+          <p:cNvSpPr>
+            <a:spLocks noGrp="1"/>
+          </p:cNvSpPr>
+          <p:nvPr>
+            <p:ph idx="1"/>
+          </p:nvPr>
+        </p:nvSpPr>
+        <p:spPr/>
+        <p:txBody>
+          <a:bodyPr/>
+          <a:lstStyle/>
+          <a:p>
+            <a:r>
+              <a:rPr lang="nb-NO" dirty="0" smtClean="0"/>
+              <a:t>A </a:t>
+            </a:r>
+            <a:r>
+              <a:rPr lang="nb-NO" dirty="0" err="1" smtClean="0"/>
+              <a:t>better</a:t>
+            </a:r>
+            <a:r>
+              <a:rPr lang="nb-NO" dirty="0" smtClean="0"/>
+              <a:t> </a:t>
+            </a:r>
+            <a:r>
+              <a:rPr lang="nb-NO" dirty="0" err="1" smtClean="0"/>
+              <a:t>process</a:t>
+            </a:r>
+            <a:endParaRPr lang="nb-NO" dirty="0" smtClean="0"/>
+          </a:p>
+          <a:p>
+            <a:r>
+              <a:rPr lang="nb-NO" dirty="0" smtClean="0"/>
+              <a:t>More </a:t>
+            </a:r>
+            <a:r>
+              <a:rPr lang="nb-NO" dirty="0" err="1" smtClean="0"/>
+              <a:t>effort</a:t>
+            </a:r>
+            <a:endParaRPr lang="nb-NO" dirty="0" smtClean="0"/>
+          </a:p>
+          <a:p>
+            <a:r>
+              <a:rPr lang="nb-NO" dirty="0" smtClean="0"/>
+              <a:t>Too </a:t>
+            </a:r>
+            <a:r>
+              <a:rPr lang="nb-NO" dirty="0" err="1" smtClean="0"/>
+              <a:t>many</a:t>
+            </a:r>
+            <a:r>
+              <a:rPr lang="nb-NO" dirty="0" smtClean="0"/>
+              <a:t> taskes </a:t>
+            </a:r>
+            <a:r>
+              <a:rPr lang="nb-NO" dirty="0" err="1" smtClean="0"/>
+              <a:t>planned</a:t>
+            </a:r>
+            <a:endParaRPr lang="nb-NO" dirty="0" smtClean="0"/>
+          </a:p>
+          <a:p>
+            <a:r>
+              <a:rPr lang="nb-NO" dirty="0" smtClean="0"/>
+              <a:t>Time used for </a:t>
+            </a:r>
+            <a:r>
+              <a:rPr lang="nb-NO" dirty="0" err="1" smtClean="0"/>
+              <a:t>project</a:t>
+            </a:r>
+            <a:r>
+              <a:rPr lang="nb-NO" dirty="0" smtClean="0"/>
+              <a:t> management </a:t>
+            </a:r>
+            <a:r>
+              <a:rPr lang="nb-NO" dirty="0" err="1" smtClean="0"/>
+              <a:t>underestimated</a:t>
+            </a:r>
+            <a:endParaRPr lang="en-GB" dirty="0"/>
+          </a:p>
+        </p:txBody>
+      </p:sp>
+    </p:spTree>
+    <p:extLst>
+      <p:ext uri="{BB962C8B-B14F-4D97-AF65-F5344CB8AC3E}">
+        <p14:creationId xmlns:p14="http://schemas.microsoft.com/office/powerpoint/2010/main" val="2811907645"/>
+      </p:ext>
+    </p:extLst>
+  </p:cSld>
+  <p:clrMapOvr>
+    <a:masterClrMapping/>
+  </p:clrMapOvr>
+</p:sld>
+</file>
+
+<file path=ppt/slides/slide28.xml><?xml version="1.0" encoding="utf-8"?>
+<p:sld xmlns:a="http://schemas.openxmlformats.org/drawingml/2006/main" xmlns:r="http://schemas.openxmlformats.org/officeDocument/2006/relationships" xmlns:p="http://schemas.openxmlformats.org/presentationml/2006/main">
+  <p:cSld>
+    <p:spTree>
+      <p:nvGrpSpPr>
+        <p:cNvPr id="1" name=""/>
+        <p:cNvGrpSpPr/>
+        <p:nvPr/>
+      </p:nvGrpSpPr>
+      <p:grpSpPr>
+        <a:xfrm>
+          <a:off x="0" y="0"/>
+          <a:ext cx="0" cy="0"/>
+          <a:chOff x="0" y="0"/>
+          <a:chExt cx="0" cy="0"/>
+        </a:xfrm>
+      </p:grpSpPr>
+      <p:sp>
+        <p:nvSpPr>
+          <p:cNvPr id="2" name="Tittel 1"/>
+          <p:cNvSpPr>
+            <a:spLocks noGrp="1"/>
+          </p:cNvSpPr>
+          <p:nvPr>
+            <p:ph type="title"/>
+          </p:nvPr>
+        </p:nvSpPr>
+        <p:spPr/>
+        <p:txBody>
+          <a:bodyPr/>
+          <a:lstStyle/>
+          <a:p>
+            <a:r>
+              <a:rPr lang="nb-NO" dirty="0" smtClean="0"/>
+              <a:t>Sprint 4</a:t>
+            </a:r>
+            <a:endParaRPr lang="en-GB" dirty="0"/>
+          </a:p>
+        </p:txBody>
+      </p:sp>
+      <p:sp>
+        <p:nvSpPr>
+          <p:cNvPr id="3" name="Plassholder for innhold 2"/>
+          <p:cNvSpPr>
+            <a:spLocks noGrp="1"/>
+          </p:cNvSpPr>
+          <p:nvPr>
+            <p:ph idx="1"/>
+          </p:nvPr>
+        </p:nvSpPr>
+        <p:spPr/>
+        <p:txBody>
+          <a:bodyPr/>
+          <a:lstStyle/>
+          <a:p>
+            <a:r>
+              <a:rPr lang="nb-NO" dirty="0" err="1" smtClean="0"/>
+              <a:t>Find</a:t>
+            </a:r>
+            <a:r>
+              <a:rPr lang="nb-NO" dirty="0" smtClean="0"/>
+              <a:t> </a:t>
+            </a:r>
+            <a:r>
+              <a:rPr lang="nb-NO" dirty="0" err="1" smtClean="0"/>
+              <a:t>missing</a:t>
+            </a:r>
+            <a:r>
+              <a:rPr lang="nb-NO" dirty="0" smtClean="0"/>
+              <a:t> </a:t>
+            </a:r>
+            <a:r>
+              <a:rPr lang="nb-NO" dirty="0" err="1" smtClean="0"/>
+              <a:t>includes</a:t>
+            </a:r>
+            <a:endParaRPr lang="nb-NO" smtClean="0"/>
+          </a:p>
+          <a:p>
+            <a:endParaRPr lang="en-GB"/>
+          </a:p>
+        </p:txBody>
+      </p:sp>
+    </p:spTree>
+    <p:extLst>
+      <p:ext uri="{BB962C8B-B14F-4D97-AF65-F5344CB8AC3E}">
+        <p14:creationId xmlns:p14="http://schemas.microsoft.com/office/powerpoint/2010/main" val="3432911911"/>
+      </p:ext>
+    </p:extLst>
+  </p:cSld>
+  <p:clrMapOvr>
+    <a:masterClrMapping/>
+  </p:clrMapOvr>
+</p:sld>
+</file>
+
 <file path=ppt/slides/slide29.xml><?xml version="1.0" encoding="utf-8"?>
 <p:sld xmlns:a="http://schemas.openxmlformats.org/drawingml/2006/main" xmlns:r="http://schemas.openxmlformats.org/officeDocument/2006/relationships" xmlns:p="http://schemas.openxmlformats.org/presentationml/2006/main">
   <p:cSld>
@@ -6482,128 +6432,50 @@
           <a:lstStyle/>
           <a:p>
             <a:r>
-              <a:rPr lang="nb-NO" dirty="0" smtClean="0"/>
-              <a:t>Sprint 3 - Testing</a:t>
+              <a:rPr lang="nb-NO" dirty="0" err="1" smtClean="0"/>
+              <a:t>Module</a:t>
+            </a:r>
+            <a:r>
+              <a:rPr lang="nb-NO" dirty="0" smtClean="0"/>
+              <a:t> design</a:t>
             </a:r>
             <a:endParaRPr lang="en-GB" dirty="0"/>
           </a:p>
         </p:txBody>
       </p:sp>
-      <p:sp>
-        <p:nvSpPr>
-          <p:cNvPr id="3" name="Plassholder for innhold 2"/>
-          <p:cNvSpPr>
-            <a:spLocks noGrp="1"/>
-          </p:cNvSpPr>
+      <p:pic>
+        <p:nvPicPr>
+          <p:cNvPr id="4" name="Plassholder for innhold 3"/>
+          <p:cNvPicPr>
+            <a:picLocks noGrp="1" noChangeAspect="1"/>
+          </p:cNvPicPr>
           <p:nvPr>
             <p:ph idx="1"/>
           </p:nvPr>
-        </p:nvSpPr>
-        <p:spPr/>
-        <p:txBody>
-          <a:bodyPr/>
-          <a:lstStyle/>
-          <a:p>
-            <a:r>
-              <a:rPr lang="nb-NO" dirty="0" err="1" smtClean="0"/>
-              <a:t>Availebility</a:t>
-            </a:r>
-            <a:r>
-              <a:rPr lang="nb-NO" dirty="0" smtClean="0"/>
-              <a:t> </a:t>
-            </a:r>
-            <a:r>
-              <a:rPr lang="nb-NO" dirty="0" err="1" smtClean="0"/>
-              <a:t>of</a:t>
-            </a:r>
-            <a:r>
-              <a:rPr lang="nb-NO" dirty="0" smtClean="0"/>
-              <a:t> </a:t>
-            </a:r>
-            <a:r>
-              <a:rPr lang="nb-NO" dirty="0" err="1" smtClean="0"/>
-              <a:t>alignment</a:t>
-            </a:r>
-            <a:r>
-              <a:rPr lang="nb-NO" dirty="0" smtClean="0"/>
-              <a:t> support </a:t>
-            </a:r>
-            <a:r>
-              <a:rPr lang="nb-NO" dirty="0" err="1" smtClean="0"/>
-              <a:t>meant</a:t>
-            </a:r>
-            <a:r>
-              <a:rPr lang="nb-NO" dirty="0" smtClean="0"/>
-              <a:t> </a:t>
-            </a:r>
-            <a:r>
-              <a:rPr lang="nb-NO" dirty="0" err="1" smtClean="0"/>
-              <a:t>that</a:t>
-            </a:r>
-            <a:r>
-              <a:rPr lang="nb-NO" dirty="0" smtClean="0"/>
-              <a:t> </a:t>
-            </a:r>
-            <a:r>
-              <a:rPr lang="nb-NO" dirty="0" err="1" smtClean="0"/>
-              <a:t>we</a:t>
-            </a:r>
-            <a:r>
-              <a:rPr lang="nb-NO" dirty="0" smtClean="0"/>
-              <a:t> </a:t>
-            </a:r>
-            <a:r>
-              <a:rPr lang="nb-NO" dirty="0" err="1" smtClean="0"/>
-              <a:t>could</a:t>
-            </a:r>
-            <a:r>
-              <a:rPr lang="nb-NO" dirty="0" smtClean="0"/>
-              <a:t> have a C program </a:t>
-            </a:r>
-            <a:r>
-              <a:rPr lang="nb-NO" dirty="0" err="1" smtClean="0"/>
-              <a:t>generate</a:t>
-            </a:r>
-            <a:r>
-              <a:rPr lang="nb-NO" dirty="0" smtClean="0"/>
-              <a:t> test data.</a:t>
-            </a:r>
-          </a:p>
-          <a:p>
-            <a:r>
-              <a:rPr lang="nb-NO" dirty="0" err="1" smtClean="0"/>
-              <a:t>Needed</a:t>
-            </a:r>
-            <a:r>
-              <a:rPr lang="nb-NO" dirty="0" smtClean="0"/>
-              <a:t> to </a:t>
-            </a:r>
-            <a:r>
-              <a:rPr lang="nb-NO" dirty="0" err="1" smtClean="0"/>
-              <a:t>change</a:t>
-            </a:r>
-            <a:r>
-              <a:rPr lang="nb-NO" dirty="0" smtClean="0"/>
-              <a:t> all </a:t>
-            </a:r>
-            <a:r>
-              <a:rPr lang="nb-NO" dirty="0" err="1" smtClean="0"/>
-              <a:t>previous</a:t>
-            </a:r>
-            <a:r>
-              <a:rPr lang="nb-NO" dirty="0" smtClean="0"/>
-              <a:t> test data.</a:t>
-            </a:r>
-          </a:p>
-          <a:p>
-            <a:endParaRPr lang="en-GB" dirty="0"/>
-          </a:p>
-        </p:txBody>
-      </p:sp>
+        </p:nvPicPr>
+        <p:blipFill>
+          <a:blip r:embed="rId2">
+            <a:extLst>
+              <a:ext uri="{28A0092B-C50C-407E-A947-70E740481C1C}">
+                <a14:useLocalDpi xmlns:a14="http://schemas.microsoft.com/office/drawing/2010/main" val="0"/>
+              </a:ext>
+            </a:extLst>
+          </a:blip>
+          <a:stretch>
+            <a:fillRect/>
+          </a:stretch>
+        </p:blipFill>
+        <p:spPr>
+          <a:xfrm>
+            <a:off x="1753111" y="1772135"/>
+            <a:ext cx="5631832" cy="4146514"/>
+          </a:xfrm>
+        </p:spPr>
+      </p:pic>
     </p:spTree>
     <p:extLst>
       <p:ext uri="{BB962C8B-B14F-4D97-AF65-F5344CB8AC3E}">
-        <p14:creationId xmlns:p14="http://schemas.microsoft.com/office/powerpoint/2010/main" val="3996143895"/>
+        <p14:creationId xmlns:p14="http://schemas.microsoft.com/office/powerpoint/2010/main" val="3633823063"/>
       </p:ext>
     </p:extLst>
   </p:cSld>
@@ -6728,12 +6600,8 @@
           <a:lstStyle/>
           <a:p>
             <a:r>
-              <a:rPr lang="nb-NO" dirty="0" smtClean="0"/>
-              <a:t>Sprint 3 </a:t>
-            </a:r>
-            <a:r>
-              <a:rPr lang="nb-NO" dirty="0" err="1" smtClean="0"/>
-              <a:t>retrospect</a:t>
+              <a:rPr lang="en-GB" dirty="0" smtClean="0"/>
+              <a:t>Limitations</a:t>
             </a:r>
             <a:endParaRPr lang="en-GB" dirty="0"/>
           </a:p>
@@ -6755,84 +6623,41 @@
           <a:lstStyle/>
           <a:p>
             <a:r>
-              <a:rPr lang="nb-NO" dirty="0" smtClean="0"/>
-              <a:t>A </a:t>
-            </a:r>
-            <a:r>
-              <a:rPr lang="nb-NO" dirty="0" err="1" smtClean="0"/>
-              <a:t>better</a:t>
-            </a:r>
-            <a:r>
-              <a:rPr lang="nb-NO" dirty="0" smtClean="0"/>
-              <a:t> </a:t>
-            </a:r>
-            <a:r>
-              <a:rPr lang="nb-NO" dirty="0" err="1" smtClean="0"/>
-              <a:t>process</a:t>
-            </a:r>
-            <a:endParaRPr lang="nb-NO" dirty="0" smtClean="0"/>
-          </a:p>
-          <a:p>
-            <a:r>
-              <a:rPr lang="nb-NO" dirty="0" smtClean="0"/>
-              <a:t>More </a:t>
-            </a:r>
-            <a:r>
-              <a:rPr lang="nb-NO" dirty="0" err="1" smtClean="0"/>
-              <a:t>effort</a:t>
-            </a:r>
-            <a:endParaRPr lang="nb-NO" dirty="0" smtClean="0"/>
-          </a:p>
-          <a:p>
-            <a:r>
-              <a:rPr lang="nb-NO" dirty="0" smtClean="0"/>
-              <a:t>Too </a:t>
-            </a:r>
-            <a:r>
-              <a:rPr lang="nb-NO" dirty="0" err="1" smtClean="0"/>
-              <a:t>many</a:t>
-            </a:r>
-            <a:r>
-              <a:rPr lang="nb-NO" dirty="0" smtClean="0"/>
-              <a:t> taskes </a:t>
-            </a:r>
-            <a:r>
-              <a:rPr lang="nb-NO" dirty="0" err="1" smtClean="0"/>
-              <a:t>planned</a:t>
-            </a:r>
-            <a:endParaRPr lang="nb-NO" dirty="0" smtClean="0"/>
-          </a:p>
-          <a:p>
-            <a:r>
-              <a:rPr lang="nb-NO" dirty="0" smtClean="0"/>
-              <a:t>Time used for </a:t>
-            </a:r>
-            <a:r>
-              <a:rPr lang="nb-NO" dirty="0" err="1" smtClean="0"/>
-              <a:t>project</a:t>
-            </a:r>
-            <a:r>
-              <a:rPr lang="nb-NO" dirty="0" smtClean="0"/>
-              <a:t> management </a:t>
-            </a:r>
-            <a:r>
-              <a:rPr lang="nb-NO" dirty="0" err="1" smtClean="0"/>
-              <a:t>underestimated</a:t>
-            </a:r>
-            <a:endParaRPr lang="en-GB" dirty="0"/>
+              <a:rPr lang="en-GB" dirty="0" smtClean="0"/>
+              <a:t>Thales has the military as a customer, so the code is confedential.</a:t>
+            </a:r>
+          </a:p>
+          <a:p>
+            <a:r>
+              <a:rPr lang="en-GB" dirty="0" smtClean="0"/>
+              <a:t>Wireshark’s lua integration is under development, and buggy.</a:t>
+            </a:r>
+          </a:p>
+          <a:p>
+            <a:endParaRPr lang="en-GB" dirty="0" smtClean="0"/>
           </a:p>
         </p:txBody>
       </p:sp>
     </p:spTree>
     <p:extLst>
       <p:ext uri="{BB962C8B-B14F-4D97-AF65-F5344CB8AC3E}">
-        <p14:creationId xmlns:p14="http://schemas.microsoft.com/office/powerpoint/2010/main" val="2811907645"/>
+        <p14:creationId xmlns:p14="http://schemas.microsoft.com/office/powerpoint/2010/main" val="779040666"/>
       </p:ext>
     </p:extLst>
   </p:cSld>
   <p:clrMapOvr>
     <a:masterClrMapping/>
   </p:clrMapOvr>
+  <p:transition xmlns:p14="http://schemas.microsoft.com/office/powerpoint/2010/main" spd="slow">
+    <p:push dir="u"/>
+  </p:transition>
+  <p:timing>
+    <p:tnLst>
+      <p:par>
+        <p:cTn xmlns:p14="http://schemas.microsoft.com/office/powerpoint/2010/main" id="1" dur="indefinite" restart="never" nodeType="tmRoot"/>
+      </p:par>
+    </p:tnLst>
+  </p:timing>
 </p:sld>
 </file>
 
@@ -6869,281 +6694,6 @@
           <a:lstStyle/>
           <a:p>
             <a:r>
-              <a:rPr lang="nb-NO" dirty="0" smtClean="0"/>
-              <a:t>Sprint 4</a:t>
-            </a:r>
-            <a:endParaRPr lang="en-GB" dirty="0"/>
-          </a:p>
-        </p:txBody>
-      </p:sp>
-      <p:sp>
-        <p:nvSpPr>
-          <p:cNvPr id="3" name="Plassholder for innhold 2"/>
-          <p:cNvSpPr>
-            <a:spLocks noGrp="1"/>
-          </p:cNvSpPr>
-          <p:nvPr>
-            <p:ph idx="1"/>
-          </p:nvPr>
-        </p:nvSpPr>
-        <p:spPr/>
-        <p:txBody>
-          <a:bodyPr/>
-          <a:lstStyle/>
-          <a:p>
-            <a:r>
-              <a:rPr lang="nb-NO" dirty="0" err="1" smtClean="0"/>
-              <a:t>Find</a:t>
-            </a:r>
-            <a:r>
-              <a:rPr lang="nb-NO" dirty="0" smtClean="0"/>
-              <a:t> </a:t>
-            </a:r>
-            <a:r>
-              <a:rPr lang="nb-NO" dirty="0" err="1" smtClean="0"/>
-              <a:t>missing</a:t>
-            </a:r>
-            <a:r>
-              <a:rPr lang="nb-NO" dirty="0" smtClean="0"/>
-              <a:t> </a:t>
-            </a:r>
-            <a:r>
-              <a:rPr lang="nb-NO" dirty="0" err="1" smtClean="0"/>
-              <a:t>includes</a:t>
-            </a:r>
-            <a:endParaRPr lang="nb-NO" smtClean="0"/>
-          </a:p>
-          <a:p>
-            <a:endParaRPr lang="en-GB"/>
-          </a:p>
-        </p:txBody>
-      </p:sp>
-    </p:spTree>
-    <p:extLst>
-      <p:ext uri="{BB962C8B-B14F-4D97-AF65-F5344CB8AC3E}">
-        <p14:creationId xmlns:p14="http://schemas.microsoft.com/office/powerpoint/2010/main" val="3432911911"/>
-      </p:ext>
-    </p:extLst>
-  </p:cSld>
-  <p:clrMapOvr>
-    <a:masterClrMapping/>
-  </p:clrMapOvr>
-</p:sld>
-</file>
-
-<file path=ppt/slides/slide32.xml><?xml version="1.0" encoding="utf-8"?>
-<p:sld xmlns:a="http://schemas.openxmlformats.org/drawingml/2006/main" xmlns:r="http://schemas.openxmlformats.org/officeDocument/2006/relationships" xmlns:p="http://schemas.openxmlformats.org/presentationml/2006/main">
-  <p:cSld>
-    <p:spTree>
-      <p:nvGrpSpPr>
-        <p:cNvPr id="1" name=""/>
-        <p:cNvGrpSpPr/>
-        <p:nvPr/>
-      </p:nvGrpSpPr>
-      <p:grpSpPr>
-        <a:xfrm>
-          <a:off x="0" y="0"/>
-          <a:ext cx="0" cy="0"/>
-          <a:chOff x="0" y="0"/>
-          <a:chExt cx="0" cy="0"/>
-        </a:xfrm>
-      </p:grpSpPr>
-      <p:sp>
-        <p:nvSpPr>
-          <p:cNvPr id="2" name="Tittel 1"/>
-          <p:cNvSpPr>
-            <a:spLocks noGrp="1"/>
-          </p:cNvSpPr>
-          <p:nvPr>
-            <p:ph type="title"/>
-          </p:nvPr>
-        </p:nvSpPr>
-        <p:spPr/>
-        <p:txBody>
-          <a:bodyPr/>
-          <a:lstStyle/>
-          <a:p>
-            <a:r>
-              <a:rPr lang="nb-NO" dirty="0" err="1" smtClean="0"/>
-              <a:t>Module</a:t>
-            </a:r>
-            <a:r>
-              <a:rPr lang="nb-NO" dirty="0" smtClean="0"/>
-              <a:t> design</a:t>
-            </a:r>
-            <a:endParaRPr lang="en-GB" dirty="0"/>
-          </a:p>
-        </p:txBody>
-      </p:sp>
-      <p:pic>
-        <p:nvPicPr>
-          <p:cNvPr id="4" name="Plassholder for innhold 3"/>
-          <p:cNvPicPr>
-            <a:picLocks noGrp="1" noChangeAspect="1"/>
-          </p:cNvPicPr>
-          <p:nvPr>
-            <p:ph idx="1"/>
-          </p:nvPr>
-        </p:nvPicPr>
-        <p:blipFill>
-          <a:blip r:embed="rId2">
-            <a:extLst>
-              <a:ext uri="{28A0092B-C50C-407E-A947-70E740481C1C}">
-                <a14:useLocalDpi xmlns:a14="http://schemas.microsoft.com/office/drawing/2010/main" val="0"/>
-              </a:ext>
-            </a:extLst>
-          </a:blip>
-          <a:stretch>
-            <a:fillRect/>
-          </a:stretch>
-        </p:blipFill>
-        <p:spPr>
-          <a:xfrm>
-            <a:off x="1753111" y="1772135"/>
-            <a:ext cx="5631832" cy="4146514"/>
-          </a:xfrm>
-        </p:spPr>
-      </p:pic>
-    </p:spTree>
-    <p:extLst>
-      <p:ext uri="{BB962C8B-B14F-4D97-AF65-F5344CB8AC3E}">
-        <p14:creationId xmlns:p14="http://schemas.microsoft.com/office/powerpoint/2010/main" val="3633823063"/>
-      </p:ext>
-    </p:extLst>
-  </p:cSld>
-  <p:clrMapOvr>
-    <a:masterClrMapping/>
-  </p:clrMapOvr>
-</p:sld>
-</file>
-
-<file path=ppt/slides/slide33.xml><?xml version="1.0" encoding="utf-8"?>
-<p:sld xmlns:a="http://schemas.openxmlformats.org/drawingml/2006/main" xmlns:r="http://schemas.openxmlformats.org/officeDocument/2006/relationships" xmlns:p="http://schemas.openxmlformats.org/presentationml/2006/main">
-  <p:cSld>
-    <p:spTree>
-      <p:nvGrpSpPr>
-        <p:cNvPr id="1" name=""/>
-        <p:cNvGrpSpPr/>
-        <p:nvPr/>
-      </p:nvGrpSpPr>
-      <p:grpSpPr>
-        <a:xfrm>
-          <a:off x="0" y="0"/>
-          <a:ext cx="0" cy="0"/>
-          <a:chOff x="0" y="0"/>
-          <a:chExt cx="0" cy="0"/>
-        </a:xfrm>
-      </p:grpSpPr>
-      <p:sp>
-        <p:nvSpPr>
-          <p:cNvPr id="2" name="Tittel 1"/>
-          <p:cNvSpPr>
-            <a:spLocks noGrp="1"/>
-          </p:cNvSpPr>
-          <p:nvPr>
-            <p:ph type="title"/>
-          </p:nvPr>
-        </p:nvSpPr>
-        <p:spPr/>
-        <p:txBody>
-          <a:bodyPr/>
-          <a:lstStyle/>
-          <a:p>
-            <a:r>
-              <a:rPr lang="en-GB" dirty="0" smtClean="0"/>
-              <a:t>Limitations</a:t>
-            </a:r>
-            <a:endParaRPr lang="en-GB" dirty="0"/>
-          </a:p>
-        </p:txBody>
-      </p:sp>
-      <p:sp>
-        <p:nvSpPr>
-          <p:cNvPr id="3" name="Plassholder for innhold 2"/>
-          <p:cNvSpPr>
-            <a:spLocks noGrp="1"/>
-          </p:cNvSpPr>
-          <p:nvPr>
-            <p:ph idx="1"/>
-          </p:nvPr>
-        </p:nvSpPr>
-        <p:spPr/>
-        <p:txBody>
-          <a:bodyPr/>
-          <a:lstStyle/>
-          <a:p>
-            <a:r>
-              <a:rPr lang="en-GB" dirty="0" smtClean="0"/>
-              <a:t>Thales has the military as a customer, so the code is confedential.</a:t>
-            </a:r>
-          </a:p>
-          <a:p>
-            <a:r>
-              <a:rPr lang="en-GB" dirty="0" smtClean="0"/>
-              <a:t>Wireshark’s lua integration is under development, and buggy.</a:t>
-            </a:r>
-          </a:p>
-          <a:p>
-            <a:endParaRPr lang="en-GB" dirty="0" smtClean="0"/>
-          </a:p>
-        </p:txBody>
-      </p:sp>
-    </p:spTree>
-    <p:extLst>
-      <p:ext uri="{BB962C8B-B14F-4D97-AF65-F5344CB8AC3E}">
-        <p14:creationId xmlns:p14="http://schemas.microsoft.com/office/powerpoint/2010/main" val="779040666"/>
-      </p:ext>
-    </p:extLst>
-  </p:cSld>
-  <p:clrMapOvr>
-    <a:masterClrMapping/>
-  </p:clrMapOvr>
-  <p:transition spd="slow">
-    <p:push dir="u"/>
-  </p:transition>
-  <p:timing>
-    <p:tnLst>
-      <p:par>
-        <p:cTn id="1" dur="indefinite" restart="never" nodeType="tmRoot"/>
-      </p:par>
-    </p:tnLst>
-  </p:timing>
-</p:sld>
-</file>
-
-<file path=ppt/slides/slide34.xml><?xml version="1.0" encoding="utf-8"?>
-<p:sld xmlns:a="http://schemas.openxmlformats.org/drawingml/2006/main" xmlns:r="http://schemas.openxmlformats.org/officeDocument/2006/relationships" xmlns:p="http://schemas.openxmlformats.org/presentationml/2006/main">
-  <p:cSld>
-    <p:spTree>
-      <p:nvGrpSpPr>
-        <p:cNvPr id="1" name=""/>
-        <p:cNvGrpSpPr/>
-        <p:nvPr/>
-      </p:nvGrpSpPr>
-      <p:grpSpPr>
-        <a:xfrm>
-          <a:off x="0" y="0"/>
-          <a:ext cx="0" cy="0"/>
-          <a:chOff x="0" y="0"/>
-          <a:chExt cx="0" cy="0"/>
-        </a:xfrm>
-      </p:grpSpPr>
-      <p:sp>
-        <p:nvSpPr>
-          <p:cNvPr id="2" name="Tittel 1"/>
-          <p:cNvSpPr>
-            <a:spLocks noGrp="1"/>
-          </p:cNvSpPr>
-          <p:nvPr>
-            <p:ph type="title"/>
-          </p:nvPr>
-        </p:nvSpPr>
-        <p:spPr/>
-        <p:txBody>
-          <a:bodyPr/>
-          <a:lstStyle/>
-          <a:p>
-            <a:r>
               <a:rPr lang="en-GB" dirty="0" smtClean="0"/>
               <a:t>CSjark</a:t>
             </a:r>
@@ -7207,20 +6757,20 @@
   <p:clrMapOvr>
     <a:masterClrMapping/>
   </p:clrMapOvr>
-  <p:transition spd="slow">
+  <p:transition xmlns:p14="http://schemas.microsoft.com/office/powerpoint/2010/main" spd="slow">
     <p:push dir="u"/>
   </p:transition>
   <p:timing>
     <p:tnLst>
       <p:par>
-        <p:cTn id="1" dur="indefinite" restart="never" nodeType="tmRoot"/>
+        <p:cTn xmlns:p14="http://schemas.microsoft.com/office/powerpoint/2010/main" id="1" dur="indefinite" restart="never" nodeType="tmRoot"/>
       </p:par>
     </p:tnLst>
   </p:timing>
 </p:sld>
 </file>
 
-<file path=ppt/slides/slide35.xml><?xml version="1.0" encoding="utf-8"?>
+<file path=ppt/slides/slide32.xml><?xml version="1.0" encoding="utf-8"?>
 <p:sld xmlns:a="http://schemas.openxmlformats.org/drawingml/2006/main" xmlns:r="http://schemas.openxmlformats.org/officeDocument/2006/relationships" xmlns:p="http://schemas.openxmlformats.org/presentationml/2006/main">
   <p:cSld>
     <p:spTree>
@@ -7801,20 +7351,20 @@
   <p:clrMapOvr>
     <a:masterClrMapping/>
   </p:clrMapOvr>
-  <p:transition spd="slow">
+  <p:transition xmlns:p14="http://schemas.microsoft.com/office/powerpoint/2010/main" spd="slow">
     <p:push dir="u"/>
   </p:transition>
   <p:timing>
     <p:tnLst>
       <p:par>
-        <p:cTn id="1" dur="indefinite" restart="never" nodeType="tmRoot"/>
+        <p:cTn xmlns:p14="http://schemas.microsoft.com/office/powerpoint/2010/main" id="1" dur="indefinite" restart="never" nodeType="tmRoot"/>
       </p:par>
     </p:tnLst>
   </p:timing>
 </p:sld>
 </file>
 
-<file path=ppt/slides/slide36.xml><?xml version="1.0" encoding="utf-8"?>
+<file path=ppt/slides/slide33.xml><?xml version="1.0" encoding="utf-8"?>
 <p:sld xmlns:a="http://schemas.openxmlformats.org/drawingml/2006/main" xmlns:r="http://schemas.openxmlformats.org/officeDocument/2006/relationships" xmlns:p="http://schemas.openxmlformats.org/presentationml/2006/main">
   <p:cSld>
     <p:spTree>
@@ -7928,20 +7478,20 @@
   <p:clrMapOvr>
     <a:masterClrMapping/>
   </p:clrMapOvr>
-  <p:transition spd="slow">
+  <p:transition xmlns:p14="http://schemas.microsoft.com/office/powerpoint/2010/main" spd="slow">
     <p:push dir="u"/>
   </p:transition>
   <p:timing>
     <p:tnLst>
       <p:par>
-        <p:cTn id="1" dur="indefinite" restart="never" nodeType="tmRoot"/>
+        <p:cTn xmlns:p14="http://schemas.microsoft.com/office/powerpoint/2010/main" id="1" dur="indefinite" restart="never" nodeType="tmRoot"/>
       </p:par>
     </p:tnLst>
   </p:timing>
 </p:sld>
 </file>
 
-<file path=ppt/slides/slide37.xml><?xml version="1.0" encoding="utf-8"?>
+<file path=ppt/slides/slide34.xml><?xml version="1.0" encoding="utf-8"?>
 <p:sld xmlns:a="http://schemas.openxmlformats.org/drawingml/2006/main" xmlns:r="http://schemas.openxmlformats.org/officeDocument/2006/relationships" xmlns:p="http://schemas.openxmlformats.org/presentationml/2006/main">
   <p:cSld>
     <p:spTree>
@@ -8045,20 +7595,20 @@
   <p:clrMapOvr>
     <a:masterClrMapping/>
   </p:clrMapOvr>
-  <p:transition spd="slow">
+  <p:transition xmlns:p14="http://schemas.microsoft.com/office/powerpoint/2010/main" spd="slow">
     <p:push dir="u"/>
   </p:transition>
   <p:timing>
     <p:tnLst>
       <p:par>
-        <p:cTn id="1" dur="indefinite" restart="never" nodeType="tmRoot"/>
+        <p:cTn xmlns:p14="http://schemas.microsoft.com/office/powerpoint/2010/main" id="1" dur="indefinite" restart="never" nodeType="tmRoot"/>
       </p:par>
     </p:tnLst>
   </p:timing>
 </p:sld>
 </file>
 
-<file path=ppt/slides/slide38.xml><?xml version="1.0" encoding="utf-8"?>
+<file path=ppt/slides/slide35.xml><?xml version="1.0" encoding="utf-8"?>
 <p:sld xmlns:a="http://schemas.openxmlformats.org/drawingml/2006/main" xmlns:r="http://schemas.openxmlformats.org/officeDocument/2006/relationships" xmlns:p="http://schemas.openxmlformats.org/presentationml/2006/main">
   <p:cSld>
     <p:spTree>
@@ -8172,20 +7722,20 @@
   <p:clrMapOvr>
     <a:masterClrMapping/>
   </p:clrMapOvr>
-  <p:transition spd="slow">
+  <p:transition xmlns:p14="http://schemas.microsoft.com/office/powerpoint/2010/main" spd="slow">
     <p:push dir="u"/>
   </p:transition>
   <p:timing>
     <p:tnLst>
       <p:par>
-        <p:cTn id="1" dur="indefinite" restart="never" nodeType="tmRoot"/>
+        <p:cTn xmlns:p14="http://schemas.microsoft.com/office/powerpoint/2010/main" id="1" dur="indefinite" restart="never" nodeType="tmRoot"/>
       </p:par>
     </p:tnLst>
   </p:timing>
 </p:sld>
 </file>
 
-<file path=ppt/slides/slide39.xml><?xml version="1.0" encoding="utf-8"?>
+<file path=ppt/slides/slide36.xml><?xml version="1.0" encoding="utf-8"?>
 <p:sld xmlns:a="http://schemas.openxmlformats.org/drawingml/2006/main" xmlns:r="http://schemas.openxmlformats.org/officeDocument/2006/relationships" xmlns:p="http://schemas.openxmlformats.org/presentationml/2006/main">
   <p:cSld>
     <p:spTree>
@@ -8304,131 +7854,20 @@
   <p:clrMapOvr>
     <a:masterClrMapping/>
   </p:clrMapOvr>
-  <p:transition spd="slow">
+  <p:transition xmlns:p14="http://schemas.microsoft.com/office/powerpoint/2010/main" spd="slow">
     <p:push dir="u"/>
   </p:transition>
   <p:timing>
     <p:tnLst>
       <p:par>
-        <p:cTn id="1" dur="indefinite" restart="never" nodeType="tmRoot"/>
+        <p:cTn xmlns:p14="http://schemas.microsoft.com/office/powerpoint/2010/main" id="1" dur="indefinite" restart="never" nodeType="tmRoot"/>
       </p:par>
     </p:tnLst>
   </p:timing>
 </p:sld>
 </file>
 
-<file path=ppt/slides/slide4.xml><?xml version="1.0" encoding="utf-8"?>
-<p:sld xmlns:a="http://schemas.openxmlformats.org/drawingml/2006/main" xmlns:r="http://schemas.openxmlformats.org/officeDocument/2006/relationships" xmlns:p="http://schemas.openxmlformats.org/presentationml/2006/main">
-  <p:cSld>
-    <p:spTree>
-      <p:nvGrpSpPr>
-        <p:cNvPr id="1" name=""/>
-        <p:cNvGrpSpPr/>
-        <p:nvPr/>
-      </p:nvGrpSpPr>
-      <p:grpSpPr>
-        <a:xfrm>
-          <a:off x="0" y="0"/>
-          <a:ext cx="0" cy="0"/>
-          <a:chOff x="0" y="0"/>
-          <a:chExt cx="0" cy="0"/>
-        </a:xfrm>
-      </p:grpSpPr>
-      <p:sp>
-        <p:nvSpPr>
-          <p:cNvPr id="2" name="Tittel 1"/>
-          <p:cNvSpPr>
-            <a:spLocks noGrp="1"/>
-          </p:cNvSpPr>
-          <p:nvPr>
-            <p:ph type="title"/>
-          </p:nvPr>
-        </p:nvSpPr>
-        <p:spPr/>
-        <p:txBody>
-          <a:bodyPr/>
-          <a:lstStyle/>
-          <a:p>
-            <a:r>
-              <a:rPr lang="nb-NO" dirty="0" smtClean="0"/>
-              <a:t>Group goals</a:t>
-            </a:r>
-            <a:endParaRPr lang="nb-NO" dirty="0"/>
-          </a:p>
-        </p:txBody>
-      </p:sp>
-      <p:sp>
-        <p:nvSpPr>
-          <p:cNvPr id="3" name="Plassholder for innhold 2"/>
-          <p:cNvSpPr>
-            <a:spLocks noGrp="1"/>
-          </p:cNvSpPr>
-          <p:nvPr>
-            <p:ph idx="1"/>
-          </p:nvPr>
-        </p:nvSpPr>
-        <p:spPr/>
-        <p:txBody>
-          <a:bodyPr/>
-          <a:lstStyle/>
-          <a:p>
-            <a:r>
-              <a:rPr lang="en-GB" dirty="0" smtClean="0"/>
-              <a:t>Improve programming skills.</a:t>
-            </a:r>
-          </a:p>
-          <a:p>
-            <a:r>
-              <a:rPr lang="en-GB" dirty="0" smtClean="0"/>
-              <a:t>Learn to develop software efficiently.</a:t>
-            </a:r>
-          </a:p>
-          <a:p>
-            <a:r>
-              <a:rPr lang="en-GB" dirty="0" smtClean="0"/>
-              <a:t>Learn to work in a realistic </a:t>
-            </a:r>
-            <a:r>
-              <a:rPr lang="en-GB" dirty="0" err="1" smtClean="0"/>
-              <a:t>enviroment</a:t>
-            </a:r>
-            <a:r>
-              <a:rPr lang="en-GB" dirty="0" smtClean="0"/>
-              <a:t>.</a:t>
-            </a:r>
-          </a:p>
-          <a:p>
-            <a:r>
-              <a:rPr lang="en-GB" dirty="0" smtClean="0"/>
-              <a:t>To fulfil the needs of the customer.</a:t>
-            </a:r>
-          </a:p>
-        </p:txBody>
-      </p:sp>
-    </p:spTree>
-    <p:extLst>
-      <p:ext uri="{BB962C8B-B14F-4D97-AF65-F5344CB8AC3E}">
-        <p14:creationId xmlns:p14="http://schemas.microsoft.com/office/powerpoint/2010/main" val="4179239219"/>
-      </p:ext>
-    </p:extLst>
-  </p:cSld>
-  <p:clrMapOvr>
-    <a:masterClrMapping/>
-  </p:clrMapOvr>
-  <p:transition spd="slow">
-    <p:push dir="u"/>
-  </p:transition>
-  <p:timing>
-    <p:tnLst>
-      <p:par>
-        <p:cTn id="1" dur="indefinite" restart="never" nodeType="tmRoot"/>
-      </p:par>
-    </p:tnLst>
-  </p:timing>
-</p:sld>
-</file>
-
-<file path=ppt/slides/slide40.xml><?xml version="1.0" encoding="utf-8"?>
+<file path=ppt/slides/slide37.xml><?xml version="1.0" encoding="utf-8"?>
 <p:sld xmlns:a="http://schemas.openxmlformats.org/drawingml/2006/main" xmlns:r="http://schemas.openxmlformats.org/officeDocument/2006/relationships" xmlns:p="http://schemas.openxmlformats.org/presentationml/2006/main">
   <p:cSld>
     <p:spTree>
@@ -8544,20 +7983,20 @@
   <p:clrMapOvr>
     <a:masterClrMapping/>
   </p:clrMapOvr>
-  <p:transition spd="slow">
+  <p:transition xmlns:p14="http://schemas.microsoft.com/office/powerpoint/2010/main" spd="slow">
     <p:push dir="u"/>
   </p:transition>
   <p:timing>
     <p:tnLst>
       <p:par>
-        <p:cTn id="1" dur="indefinite" restart="never" nodeType="tmRoot"/>
+        <p:cTn xmlns:p14="http://schemas.microsoft.com/office/powerpoint/2010/main" id="1" dur="indefinite" restart="never" nodeType="tmRoot"/>
       </p:par>
     </p:tnLst>
   </p:timing>
 </p:sld>
 </file>
 
-<file path=ppt/slides/slide41.xml><?xml version="1.0" encoding="utf-8"?>
+<file path=ppt/slides/slide38.xml><?xml version="1.0" encoding="utf-8"?>
 <p:sld xmlns:a="http://schemas.openxmlformats.org/drawingml/2006/main" xmlns:r="http://schemas.openxmlformats.org/officeDocument/2006/relationships" xmlns:p="http://schemas.openxmlformats.org/presentationml/2006/main">
   <p:cSld>
     <p:spTree>
@@ -8665,20 +8104,20 @@
   <p:clrMapOvr>
     <a:masterClrMapping/>
   </p:clrMapOvr>
-  <p:transition spd="slow">
+  <p:transition xmlns:p14="http://schemas.microsoft.com/office/powerpoint/2010/main" spd="slow">
     <p:push dir="u"/>
   </p:transition>
   <p:timing>
     <p:tnLst>
       <p:par>
-        <p:cTn id="1" dur="indefinite" restart="never" nodeType="tmRoot"/>
+        <p:cTn xmlns:p14="http://schemas.microsoft.com/office/powerpoint/2010/main" id="1" dur="indefinite" restart="never" nodeType="tmRoot"/>
       </p:par>
     </p:tnLst>
   </p:timing>
 </p:sld>
 </file>
 
-<file path=ppt/slides/slide42.xml><?xml version="1.0" encoding="utf-8"?>
+<file path=ppt/slides/slide39.xml><?xml version="1.0" encoding="utf-8"?>
 <p:sld xmlns:a="http://schemas.openxmlformats.org/drawingml/2006/main" xmlns:r="http://schemas.openxmlformats.org/officeDocument/2006/relationships" xmlns:p="http://schemas.openxmlformats.org/presentationml/2006/main">
   <p:cSld>
     <p:spTree>
@@ -8777,13 +8216,124 @@
   <p:clrMapOvr>
     <a:masterClrMapping/>
   </p:clrMapOvr>
-  <p:transition spd="slow">
+  <p:transition xmlns:p14="http://schemas.microsoft.com/office/powerpoint/2010/main" spd="slow">
     <p:push dir="u"/>
   </p:transition>
   <p:timing>
     <p:tnLst>
       <p:par>
-        <p:cTn id="1" dur="indefinite" restart="never" nodeType="tmRoot"/>
+        <p:cTn xmlns:p14="http://schemas.microsoft.com/office/powerpoint/2010/main" id="1" dur="indefinite" restart="never" nodeType="tmRoot"/>
+      </p:par>
+    </p:tnLst>
+  </p:timing>
+</p:sld>
+</file>
+
+<file path=ppt/slides/slide4.xml><?xml version="1.0" encoding="utf-8"?>
+<p:sld xmlns:a="http://schemas.openxmlformats.org/drawingml/2006/main" xmlns:r="http://schemas.openxmlformats.org/officeDocument/2006/relationships" xmlns:p="http://schemas.openxmlformats.org/presentationml/2006/main">
+  <p:cSld>
+    <p:spTree>
+      <p:nvGrpSpPr>
+        <p:cNvPr id="1" name=""/>
+        <p:cNvGrpSpPr/>
+        <p:nvPr/>
+      </p:nvGrpSpPr>
+      <p:grpSpPr>
+        <a:xfrm>
+          <a:off x="0" y="0"/>
+          <a:ext cx="0" cy="0"/>
+          <a:chOff x="0" y="0"/>
+          <a:chExt cx="0" cy="0"/>
+        </a:xfrm>
+      </p:grpSpPr>
+      <p:sp>
+        <p:nvSpPr>
+          <p:cNvPr id="2" name="Tittel 1"/>
+          <p:cNvSpPr>
+            <a:spLocks noGrp="1"/>
+          </p:cNvSpPr>
+          <p:nvPr>
+            <p:ph type="title"/>
+          </p:nvPr>
+        </p:nvSpPr>
+        <p:spPr/>
+        <p:txBody>
+          <a:bodyPr/>
+          <a:lstStyle/>
+          <a:p>
+            <a:r>
+              <a:rPr lang="nb-NO" dirty="0" smtClean="0"/>
+              <a:t>Group goals</a:t>
+            </a:r>
+            <a:endParaRPr lang="nb-NO" dirty="0"/>
+          </a:p>
+        </p:txBody>
+      </p:sp>
+      <p:sp>
+        <p:nvSpPr>
+          <p:cNvPr id="3" name="Plassholder for innhold 2"/>
+          <p:cNvSpPr>
+            <a:spLocks noGrp="1"/>
+          </p:cNvSpPr>
+          <p:nvPr>
+            <p:ph idx="1"/>
+          </p:nvPr>
+        </p:nvSpPr>
+        <p:spPr/>
+        <p:txBody>
+          <a:bodyPr/>
+          <a:lstStyle/>
+          <a:p>
+            <a:r>
+              <a:rPr lang="en-GB" dirty="0" smtClean="0"/>
+              <a:t>Improve programming skills.</a:t>
+            </a:r>
+          </a:p>
+          <a:p>
+            <a:r>
+              <a:rPr lang="en-GB" dirty="0" smtClean="0"/>
+              <a:t>Learn to develop software efficiently.</a:t>
+            </a:r>
+          </a:p>
+          <a:p>
+            <a:r>
+              <a:rPr lang="en-GB" dirty="0" smtClean="0"/>
+              <a:t>Learn to work in a realistic </a:t>
+            </a:r>
+            <a:r>
+              <a:rPr lang="en-GB" dirty="0" err="1" smtClean="0"/>
+              <a:t>enviroment</a:t>
+            </a:r>
+            <a:r>
+              <a:rPr lang="en-GB" dirty="0" smtClean="0"/>
+              <a:t>.</a:t>
+            </a:r>
+          </a:p>
+          <a:p>
+            <a:r>
+              <a:rPr lang="en-GB" dirty="0" smtClean="0"/>
+              <a:t>To fulfil the needs of the customer.</a:t>
+            </a:r>
+          </a:p>
+        </p:txBody>
+      </p:sp>
+    </p:spTree>
+    <p:extLst>
+      <p:ext uri="{BB962C8B-B14F-4D97-AF65-F5344CB8AC3E}">
+        <p14:creationId xmlns:p14="http://schemas.microsoft.com/office/powerpoint/2010/main" val="4179239219"/>
+      </p:ext>
+    </p:extLst>
+  </p:cSld>
+  <p:clrMapOvr>
+    <a:masterClrMapping/>
+  </p:clrMapOvr>
+  <p:transition xmlns:p14="http://schemas.microsoft.com/office/powerpoint/2010/main" spd="slow">
+    <p:push dir="u"/>
+  </p:transition>
+  <p:timing>
+    <p:tnLst>
+      <p:par>
+        <p:cTn xmlns:p14="http://schemas.microsoft.com/office/powerpoint/2010/main" id="1" dur="indefinite" restart="never" nodeType="tmRoot"/>
       </p:par>
     </p:tnLst>
   </p:timing>
@@ -9009,13 +8559,13 @@
   <p:clrMapOvr>
     <a:masterClrMapping/>
   </p:clrMapOvr>
-  <p:transition spd="slow">
+  <p:transition xmlns:p14="http://schemas.microsoft.com/office/powerpoint/2010/main" spd="slow">
     <p:push dir="u"/>
   </p:transition>
   <p:timing>
     <p:tnLst>
       <p:par>
-        <p:cTn id="1" dur="indefinite" restart="never" nodeType="tmRoot"/>
+        <p:cTn xmlns:p14="http://schemas.microsoft.com/office/powerpoint/2010/main" id="1" dur="indefinite" restart="never" nodeType="tmRoot"/>
       </p:par>
     </p:tnLst>
   </p:timing>
@@ -9023,6 +8573,88 @@
 </file>
 
 <file path=ppt/slides/slide7.xml><?xml version="1.0" encoding="utf-8"?>
+<p:sld xmlns:a="http://schemas.openxmlformats.org/drawingml/2006/main" xmlns:r="http://schemas.openxmlformats.org/officeDocument/2006/relationships" xmlns:p="http://schemas.openxmlformats.org/presentationml/2006/main">
+  <p:cSld>
+    <p:spTree>
+      <p:nvGrpSpPr>
+        <p:cNvPr id="1" name=""/>
+        <p:cNvGrpSpPr/>
+        <p:nvPr/>
+      </p:nvGrpSpPr>
+      <p:grpSpPr>
+        <a:xfrm>
+          <a:off x="0" y="0"/>
+          <a:ext cx="0" cy="0"/>
+          <a:chOff x="0" y="0"/>
+          <a:chExt cx="0" cy="0"/>
+        </a:xfrm>
+      </p:grpSpPr>
+      <p:sp>
+        <p:nvSpPr>
+          <p:cNvPr id="2" name="Tittel 1"/>
+          <p:cNvSpPr>
+            <a:spLocks noGrp="1"/>
+          </p:cNvSpPr>
+          <p:nvPr>
+            <p:ph type="title"/>
+          </p:nvPr>
+        </p:nvSpPr>
+        <p:spPr/>
+        <p:txBody>
+          <a:bodyPr/>
+          <a:lstStyle/>
+          <a:p>
+            <a:r>
+              <a:rPr lang="nb-NO" dirty="0" smtClean="0"/>
+              <a:t>Wireshark</a:t>
+            </a:r>
+            <a:endParaRPr lang="en-GB" dirty="0"/>
+          </a:p>
+        </p:txBody>
+      </p:sp>
+      <p:pic>
+        <p:nvPicPr>
+          <p:cNvPr id="4" name="Plassholder for innhold 3"/>
+          <p:cNvPicPr>
+            <a:picLocks noGrp="1" noChangeAspect="1"/>
+          </p:cNvPicPr>
+          <p:nvPr>
+            <p:ph idx="1"/>
+          </p:nvPr>
+        </p:nvPicPr>
+        <p:blipFill>
+          <a:blip r:embed="rId2">
+            <a:extLst>
+              <a:ext uri="{28A0092B-C50C-407E-A947-70E740481C1C}">
+                <a14:useLocalDpi xmlns:a14="http://schemas.microsoft.com/office/drawing/2010/main" val="0"/>
+              </a:ext>
+            </a:extLst>
+          </a:blip>
+          <a:stretch>
+            <a:fillRect/>
+          </a:stretch>
+        </p:blipFill>
+        <p:spPr>
+          <a:xfrm>
+            <a:off x="1627322" y="1357487"/>
+            <a:ext cx="5943599" cy="5418028"/>
+          </a:xfrm>
+        </p:spPr>
+      </p:pic>
+    </p:spTree>
+    <p:extLst>
+      <p:ext uri="{BB962C8B-B14F-4D97-AF65-F5344CB8AC3E}">
+        <p14:creationId xmlns:p14="http://schemas.microsoft.com/office/powerpoint/2010/main" val="871341481"/>
+      </p:ext>
+    </p:extLst>
+  </p:cSld>
+  <p:clrMapOvr>
+    <a:masterClrMapping/>
+  </p:clrMapOvr>
+</p:sld>
+</file>
+
+<file path=ppt/slides/slide8.xml><?xml version="1.0" encoding="utf-8"?>
 <p:sld xmlns:a="http://schemas.openxmlformats.org/drawingml/2006/main" xmlns:r="http://schemas.openxmlformats.org/officeDocument/2006/relationships" xmlns:p="http://schemas.openxmlformats.org/presentationml/2006/main">
   <p:cSld>
     <p:spTree>
@@ -9165,8 +8797,8 @@
         </p:nvSpPr>
         <p:spPr>
           <a:xfrm>
-            <a:off x="741974" y="1456839"/>
-            <a:ext cx="1844299" cy="1495587"/>
+            <a:off x="581186" y="1456839"/>
+            <a:ext cx="2059158" cy="1495587"/>
           </a:xfrm>
           <a:prstGeom prst="roundRect">
             <a:avLst/>
@@ -9210,7 +8842,15 @@
           <a:p>
             <a:r>
               <a:rPr lang="nb-NO" sz="1600" dirty="0"/>
-              <a:t>  char* =  ‘abc</a:t>
+              <a:t>  char* </a:t>
+            </a:r>
+            <a:r>
+              <a:rPr lang="nb-NO" sz="1600" dirty="0" smtClean="0"/>
+              <a:t>c =  </a:t>
+            </a:r>
+            <a:r>
+              <a:rPr lang="nb-NO" sz="1600" dirty="0"/>
+              <a:t>‘abc</a:t>
             </a:r>
             <a:r>
               <a:rPr lang="nb-NO" sz="1600" dirty="0" smtClean="0"/>
@@ -9260,30 +8900,62 @@
           <a:lstStyle/>
           <a:p>
             <a:r>
-              <a:rPr lang="nb-NO" sz="1600" dirty="0"/>
-              <a:t>struct message {</a:t>
-            </a:r>
-          </a:p>
-          <a:p>
-            <a:r>
-              <a:rPr lang="nb-NO" sz="1600" dirty="0"/>
-              <a:t>  int a = 5;</a:t>
-            </a:r>
-          </a:p>
-          <a:p>
-            <a:r>
-              <a:rPr lang="nb-NO" sz="1600" dirty="0"/>
-              <a:t>  int b = 6;</a:t>
-            </a:r>
-          </a:p>
-          <a:p>
-            <a:r>
-              <a:rPr lang="nb-NO" sz="1600" dirty="0"/>
-              <a:t>  char* =  ‘abc</a:t>
+              <a:rPr lang="nb-NO" sz="1600" dirty="0" err="1" smtClean="0"/>
+              <a:t>struct</a:t>
             </a:r>
             <a:r>
               <a:rPr lang="nb-NO" sz="1600" dirty="0" smtClean="0"/>
-              <a:t>’;</a:t>
+              <a:t> </a:t>
+            </a:r>
+            <a:r>
+              <a:rPr lang="nb-NO" sz="1600" dirty="0" err="1" smtClean="0"/>
+              <a:t>message</a:t>
+            </a:r>
+            <a:r>
+              <a:rPr lang="nb-NO" sz="1600" dirty="0" smtClean="0"/>
+              <a:t> {</a:t>
+            </a:r>
+          </a:p>
+          <a:p>
+            <a:r>
+              <a:rPr lang="nb-NO" sz="1600" dirty="0" smtClean="0"/>
+              <a:t>  </a:t>
+            </a:r>
+            <a:r>
+              <a:rPr lang="nb-NO" sz="1600" dirty="0" err="1" smtClean="0"/>
+              <a:t>int</a:t>
+            </a:r>
+            <a:r>
+              <a:rPr lang="nb-NO" sz="1600" dirty="0" smtClean="0"/>
+              <a:t> a = 5;</a:t>
+            </a:r>
+          </a:p>
+          <a:p>
+            <a:r>
+              <a:rPr lang="nb-NO" sz="1600" dirty="0" smtClean="0"/>
+              <a:t>  </a:t>
+            </a:r>
+            <a:r>
+              <a:rPr lang="nb-NO" sz="1600" dirty="0" err="1" smtClean="0"/>
+              <a:t>int</a:t>
+            </a:r>
+            <a:r>
+              <a:rPr lang="nb-NO" sz="1600" dirty="0" smtClean="0"/>
+              <a:t> b = 6;</a:t>
+            </a:r>
+          </a:p>
+          <a:p>
+            <a:r>
+              <a:rPr lang="nb-NO" sz="1600" dirty="0" smtClean="0"/>
+              <a:t>  </a:t>
+            </a:r>
+            <a:r>
+              <a:rPr lang="nb-NO" sz="1600" dirty="0" err="1" smtClean="0"/>
+              <a:t>char</a:t>
+            </a:r>
+            <a:r>
+              <a:rPr lang="nb-NO" sz="1600" dirty="0" smtClean="0"/>
+              <a:t>* =  ‘abc’;</a:t>
             </a:r>
           </a:p>
           <a:p>
@@ -9535,13 +9207,13 @@
   <p:clrMapOvr>
     <a:masterClrMapping/>
   </p:clrMapOvr>
-  <p:transition spd="slow">
+  <p:transition xmlns:p14="http://schemas.microsoft.com/office/powerpoint/2010/main" spd="slow">
     <p:push dir="u"/>
   </p:transition>
   <p:timing>
     <p:tnLst>
       <p:par>
-        <p:cTn id="1" dur="indefinite" restart="never" nodeType="tmRoot">
+        <p:cTn xmlns:p14="http://schemas.microsoft.com/office/powerpoint/2010/main" id="1" dur="indefinite" restart="never" nodeType="tmRoot">
           <p:childTnLst>
             <p:seq concurrent="1" nextAc="seek">
               <p:cTn id="2" dur="indefinite" nodeType="mainSeq">
@@ -9901,126 +9573,6 @@
 </p:sld>
 </file>
 
-<file path=ppt/slides/slide8.xml><?xml version="1.0" encoding="utf-8"?>
-<p:sld xmlns:a="http://schemas.openxmlformats.org/drawingml/2006/main" xmlns:r="http://schemas.openxmlformats.org/officeDocument/2006/relationships" xmlns:p="http://schemas.openxmlformats.org/presentationml/2006/main">
-  <p:cSld>
-    <p:spTree>
-      <p:nvGrpSpPr>
-        <p:cNvPr id="1" name=""/>
-        <p:cNvGrpSpPr/>
-        <p:nvPr/>
-      </p:nvGrpSpPr>
-      <p:grpSpPr>
-        <a:xfrm>
-          <a:off x="0" y="0"/>
-          <a:ext cx="0" cy="0"/>
-          <a:chOff x="0" y="0"/>
-          <a:chExt cx="0" cy="0"/>
-        </a:xfrm>
-      </p:grpSpPr>
-      <p:sp>
-        <p:nvSpPr>
-          <p:cNvPr id="2" name="Tittel 1"/>
-          <p:cNvSpPr>
-            <a:spLocks noGrp="1"/>
-          </p:cNvSpPr>
-          <p:nvPr>
-            <p:ph type="title"/>
-          </p:nvPr>
-        </p:nvSpPr>
-        <p:spPr/>
-        <p:txBody>
-          <a:bodyPr/>
-          <a:lstStyle/>
-          <a:p>
-            <a:r>
-              <a:rPr lang="nb-NO" dirty="0" smtClean="0"/>
-              <a:t>Dissectors</a:t>
-            </a:r>
-            <a:endParaRPr lang="nb-NO" dirty="0"/>
-          </a:p>
-        </p:txBody>
-      </p:sp>
-      <p:sp>
-        <p:nvSpPr>
-          <p:cNvPr id="3" name="Plassholder for innhold 2"/>
-          <p:cNvSpPr>
-            <a:spLocks noGrp="1"/>
-          </p:cNvSpPr>
-          <p:nvPr>
-            <p:ph idx="1"/>
-          </p:nvPr>
-        </p:nvSpPr>
-        <p:spPr/>
-        <p:txBody>
-          <a:bodyPr/>
-          <a:lstStyle/>
-          <a:p>
-            <a:r>
-              <a:rPr lang="nb-NO" dirty="0" smtClean="0"/>
-              <a:t>Wireshark can be extended with dissectors.</a:t>
-            </a:r>
-          </a:p>
-          <a:p>
-            <a:r>
-              <a:rPr lang="nb-NO" dirty="0" smtClean="0"/>
-              <a:t>A dissector knows the structure of the message</a:t>
-            </a:r>
-            <a:r>
-              <a:rPr lang="nb-NO" dirty="0"/>
-              <a:t> </a:t>
-            </a:r>
-            <a:r>
-              <a:rPr lang="nb-NO" dirty="0" smtClean="0"/>
-              <a:t>and and can represent it beautifully.</a:t>
-            </a:r>
-          </a:p>
-          <a:p>
-            <a:r>
-              <a:rPr lang="nb-NO" dirty="0" smtClean="0"/>
-              <a:t>Takes from 15 minutes – 1 hour to make.</a:t>
-            </a:r>
-          </a:p>
-          <a:p>
-            <a:r>
-              <a:rPr lang="nb-NO" dirty="0" smtClean="0"/>
-              <a:t>Hard or and tideous for large and complex structs.</a:t>
-            </a:r>
-          </a:p>
-          <a:p>
-            <a:r>
-              <a:rPr lang="nb-NO" dirty="0" smtClean="0"/>
-              <a:t>Requires knowledge about C memory layout and Wireshark API.</a:t>
-            </a:r>
-          </a:p>
-          <a:p>
-            <a:endParaRPr lang="nb-NO" dirty="0"/>
-          </a:p>
-        </p:txBody>
-      </p:sp>
-    </p:spTree>
-    <p:extLst>
-      <p:ext uri="{BB962C8B-B14F-4D97-AF65-F5344CB8AC3E}">
-        <p14:creationId xmlns:p14="http://schemas.microsoft.com/office/powerpoint/2010/main" val="2832160107"/>
-      </p:ext>
-    </p:extLst>
-  </p:cSld>
-  <p:clrMapOvr>
-    <a:masterClrMapping/>
-  </p:clrMapOvr>
-  <p:transition spd="slow">
-    <p:push dir="u"/>
-  </p:transition>
-  <p:timing>
-    <p:tnLst>
-      <p:par>
-        <p:cTn id="1" dur="indefinite" restart="never" nodeType="tmRoot"/>
-      </p:par>
-    </p:tnLst>
-  </p:timing>
-</p:sld>
-</file>
-
 <file path=ppt/slides/slide9.xml><?xml version="1.0" encoding="utf-8"?>
 <p:sld xmlns:a="http://schemas.openxmlformats.org/drawingml/2006/main" xmlns:r="http://schemas.openxmlformats.org/officeDocument/2006/relationships" xmlns:p="http://schemas.openxmlformats.org/presentationml/2006/main">
   <p:cSld>
@@ -10055,51 +9607,89 @@
           <a:p>
             <a:r>
               <a:rPr lang="nb-NO" dirty="0" smtClean="0"/>
-              <a:t>Wireshark</a:t>
-            </a:r>
-            <a:endParaRPr lang="en-GB" dirty="0"/>
-          </a:p>
-        </p:txBody>
-      </p:sp>
-      <p:pic>
-        <p:nvPicPr>
-          <p:cNvPr id="4" name="Plassholder for innhold 3"/>
-          <p:cNvPicPr>
-            <a:picLocks noGrp="1" noChangeAspect="1"/>
-          </p:cNvPicPr>
+              <a:t>Dissectors</a:t>
+            </a:r>
+            <a:endParaRPr lang="nb-NO" dirty="0"/>
+          </a:p>
+        </p:txBody>
+      </p:sp>
+      <p:sp>
+        <p:nvSpPr>
+          <p:cNvPr id="3" name="Plassholder for innhold 2"/>
+          <p:cNvSpPr>
+            <a:spLocks noGrp="1"/>
+          </p:cNvSpPr>
           <p:nvPr>
             <p:ph idx="1"/>
           </p:nvPr>
-        </p:nvPicPr>
-        <p:blipFill>
-          <a:blip r:embed="rId2">
-            <a:extLst>
-              <a:ext uri="{28A0092B-C50C-407E-A947-70E740481C1C}">
-                <a14:useLocalDpi xmlns:a14="http://schemas.microsoft.com/office/drawing/2010/main" val="0"/>
-              </a:ext>
-            </a:extLst>
-          </a:blip>
-          <a:stretch>
-            <a:fillRect/>
-          </a:stretch>
-        </p:blipFill>
-        <p:spPr>
-          <a:xfrm>
-            <a:off x="1627322" y="1357487"/>
-            <a:ext cx="5943599" cy="5418028"/>
-          </a:xfrm>
-        </p:spPr>
-      </p:pic>
+        </p:nvSpPr>
+        <p:spPr/>
+        <p:txBody>
+          <a:bodyPr/>
+          <a:lstStyle/>
+          <a:p>
+            <a:r>
+              <a:rPr lang="nb-NO" dirty="0" smtClean="0"/>
+              <a:t>Wireshark can be extended with dissectors.</a:t>
+            </a:r>
+          </a:p>
+          <a:p>
+            <a:r>
+              <a:rPr lang="nb-NO" dirty="0" smtClean="0"/>
+              <a:t>A dissector knows the structure of the message</a:t>
+            </a:r>
+            <a:r>
+              <a:rPr lang="nb-NO" dirty="0"/>
+              <a:t> </a:t>
+            </a:r>
+            <a:r>
+              <a:rPr lang="nb-NO" dirty="0" smtClean="0"/>
+              <a:t>and and can represent it beautifully.</a:t>
+            </a:r>
+          </a:p>
+          <a:p>
+            <a:r>
+              <a:rPr lang="nb-NO" dirty="0" smtClean="0"/>
+              <a:t>Takes from 15 minutes – 1 hour to make.</a:t>
+            </a:r>
+          </a:p>
+          <a:p>
+            <a:r>
+              <a:rPr lang="nb-NO" dirty="0" smtClean="0"/>
+              <a:t>Hard or and tideous for large and complex structs.</a:t>
+            </a:r>
+          </a:p>
+          <a:p>
+            <a:r>
+              <a:rPr lang="nb-NO" dirty="0" smtClean="0"/>
+              <a:t>Requires knowledge about C memory layout and Wireshark API.</a:t>
+            </a:r>
+          </a:p>
+          <a:p>
+            <a:endParaRPr lang="nb-NO" dirty="0"/>
+          </a:p>
+        </p:txBody>
+      </p:sp>
     </p:spTree>
     <p:extLst>
       <p:ext uri="{BB962C8B-B14F-4D97-AF65-F5344CB8AC3E}">
-        <p14:creationId xmlns:p14="http://schemas.microsoft.com/office/powerpoint/2010/main" val="871341481"/>
+        <p14:creationId xmlns:p14="http://schemas.microsoft.com/office/powerpoint/2010/main" val="2832160107"/>
       </p:ext>
     </p:extLst>
   </p:cSld>
   <p:clrMapOvr>
     <a:masterClrMapping/>
   </p:clrMapOvr>
+  <p:transition xmlns:p14="http://schemas.microsoft.com/office/powerpoint/2010/main" spd="slow">
+    <p:push dir="u"/>
+  </p:transition>
+  <p:timing>
+    <p:tnLst>
+      <p:par>
+        <p:cTn xmlns:p14="http://schemas.microsoft.com/office/powerpoint/2010/main" id="1" dur="indefinite" restart="never" nodeType="tmRoot"/>
+      </p:par>
+    </p:tnLst>
+  </p:timing>
 </p:sld>
 </file>
 

--- a/presentation/TDT4290_FinalPresentasjon.pptx
+++ b/presentation/TDT4290_FinalPresentasjon.pptx
@@ -10,40 +10,33 @@
     <p:sldId id="278" r:id="rId4"/>
     <p:sldId id="258" r:id="rId5"/>
     <p:sldId id="279" r:id="rId6"/>
-    <p:sldId id="259" r:id="rId7"/>
+    <p:sldId id="260" r:id="rId7"/>
     <p:sldId id="281" r:id="rId8"/>
-    <p:sldId id="260" r:id="rId9"/>
-    <p:sldId id="261" r:id="rId10"/>
-    <p:sldId id="262" r:id="rId11"/>
-    <p:sldId id="266" r:id="rId12"/>
-    <p:sldId id="282" r:id="rId13"/>
-    <p:sldId id="289" r:id="rId14"/>
-    <p:sldId id="290" r:id="rId15"/>
-    <p:sldId id="288" r:id="rId16"/>
-    <p:sldId id="291" r:id="rId17"/>
-    <p:sldId id="297" r:id="rId18"/>
-    <p:sldId id="292" r:id="rId19"/>
-    <p:sldId id="283" r:id="rId20"/>
-    <p:sldId id="295" r:id="rId21"/>
-    <p:sldId id="293" r:id="rId22"/>
-    <p:sldId id="294" r:id="rId23"/>
+    <p:sldId id="261" r:id="rId9"/>
+    <p:sldId id="262" r:id="rId10"/>
+    <p:sldId id="266" r:id="rId11"/>
+    <p:sldId id="282" r:id="rId12"/>
+    <p:sldId id="290" r:id="rId13"/>
+    <p:sldId id="288" r:id="rId14"/>
+    <p:sldId id="291" r:id="rId15"/>
+    <p:sldId id="297" r:id="rId16"/>
+    <p:sldId id="292" r:id="rId17"/>
+    <p:sldId id="283" r:id="rId18"/>
+    <p:sldId id="295" r:id="rId19"/>
+    <p:sldId id="293" r:id="rId20"/>
+    <p:sldId id="294" r:id="rId21"/>
+    <p:sldId id="302" r:id="rId22"/>
+    <p:sldId id="303" r:id="rId23"/>
     <p:sldId id="296" r:id="rId24"/>
     <p:sldId id="284" r:id="rId25"/>
     <p:sldId id="298" r:id="rId26"/>
-    <p:sldId id="300" r:id="rId27"/>
-    <p:sldId id="301" r:id="rId28"/>
-    <p:sldId id="285" r:id="rId29"/>
-    <p:sldId id="299" r:id="rId30"/>
-    <p:sldId id="267" r:id="rId31"/>
+    <p:sldId id="304" r:id="rId27"/>
+    <p:sldId id="300" r:id="rId28"/>
+    <p:sldId id="301" r:id="rId29"/>
+    <p:sldId id="285" r:id="rId30"/>
+    <p:sldId id="299" r:id="rId31"/>
     <p:sldId id="268" r:id="rId32"/>
-    <p:sldId id="269" r:id="rId33"/>
-    <p:sldId id="272" r:id="rId34"/>
-    <p:sldId id="273" r:id="rId35"/>
-    <p:sldId id="274" r:id="rId36"/>
-    <p:sldId id="275" r:id="rId37"/>
-    <p:sldId id="276" r:id="rId38"/>
-    <p:sldId id="277" r:id="rId39"/>
-    <p:sldId id="263" r:id="rId40"/>
+    <p:sldId id="263" r:id="rId33"/>
   </p:sldIdLst>
   <p:sldSz cx="9144000" cy="6858000" type="screen4x3"/>
   <p:notesSz cx="6858000" cy="9144000"/>
@@ -429,7 +422,7 @@
             <a:fld id="{651A0C47-018D-4460-B945-BFF7981B6CA6}" type="datetimeFigureOut">
               <a:rPr lang="en-US" smtClean="0"/>
               <a:pPr/>
-              <a:t>21.11.11</a:t>
+              <a:t>11/21/2011</a:t>
             </a:fld>
             <a:endParaRPr lang="en-US"/>
           </a:p>
@@ -623,7 +616,7 @@
             <a:fld id="{EFF1E1C4-020C-3C49-82E1-601ABE71F045}" type="datetimeFigureOut">
               <a:rPr lang="nb-NO" smtClean="0"/>
               <a:pPr/>
-              <a:t>21.11.11</a:t>
+              <a:t>21.11.2011</a:t>
             </a:fld>
             <a:endParaRPr lang="nb-NO"/>
           </a:p>
@@ -894,7 +887,7 @@
             <a:fld id="{EFF1E1C4-020C-3C49-82E1-601ABE71F045}" type="datetimeFigureOut">
               <a:rPr lang="nb-NO" smtClean="0"/>
               <a:pPr/>
-              <a:t>21.11.11</a:t>
+              <a:t>21.11.2011</a:t>
             </a:fld>
             <a:endParaRPr lang="nb-NO"/>
           </a:p>
@@ -1075,7 +1068,7 @@
             <a:fld id="{EFF1E1C4-020C-3C49-82E1-601ABE71F045}" type="datetimeFigureOut">
               <a:rPr lang="nb-NO" smtClean="0"/>
               <a:pPr/>
-              <a:t>21.11.11</a:t>
+              <a:t>21.11.2011</a:t>
             </a:fld>
             <a:endParaRPr lang="nb-NO"/>
           </a:p>
@@ -1246,7 +1239,7 @@
             <a:fld id="{EFF1E1C4-020C-3C49-82E1-601ABE71F045}" type="datetimeFigureOut">
               <a:rPr lang="nb-NO" smtClean="0"/>
               <a:pPr/>
-              <a:t>21.11.11</a:t>
+              <a:t>21.11.2011</a:t>
             </a:fld>
             <a:endParaRPr lang="nb-NO"/>
           </a:p>
@@ -1490,7 +1483,7 @@
             <a:fld id="{EFF1E1C4-020C-3C49-82E1-601ABE71F045}" type="datetimeFigureOut">
               <a:rPr lang="nb-NO" smtClean="0"/>
               <a:pPr/>
-              <a:t>21.11.11</a:t>
+              <a:t>21.11.2011</a:t>
             </a:fld>
             <a:endParaRPr lang="nb-NO"/>
           </a:p>
@@ -1815,7 +1808,7 @@
             <a:fld id="{651A0C47-018D-4460-B945-BFF7981B6CA6}" type="datetimeFigureOut">
               <a:rPr lang="en-US" smtClean="0"/>
               <a:pPr/>
-              <a:t>21.11.11</a:t>
+              <a:t>11/21/2011</a:t>
             </a:fld>
             <a:endParaRPr lang="en-US"/>
           </a:p>
@@ -2115,7 +2108,7 @@
             <a:fld id="{EFF1E1C4-020C-3C49-82E1-601ABE71F045}" type="datetimeFigureOut">
               <a:rPr lang="nb-NO" smtClean="0"/>
               <a:pPr/>
-              <a:t>21.11.11</a:t>
+              <a:t>21.11.2011</a:t>
             </a:fld>
             <a:endParaRPr lang="nb-NO"/>
           </a:p>
@@ -2573,7 +2566,7 @@
             <a:fld id="{EFF1E1C4-020C-3C49-82E1-601ABE71F045}" type="datetimeFigureOut">
               <a:rPr lang="nb-NO" smtClean="0"/>
               <a:pPr/>
-              <a:t>21.11.11</a:t>
+              <a:t>21.11.2011</a:t>
             </a:fld>
             <a:endParaRPr lang="nb-NO"/>
           </a:p>
@@ -2688,7 +2681,7 @@
             <a:fld id="{EFF1E1C4-020C-3C49-82E1-601ABE71F045}" type="datetimeFigureOut">
               <a:rPr lang="nb-NO" smtClean="0"/>
               <a:pPr/>
-              <a:t>21.11.11</a:t>
+              <a:t>21.11.2011</a:t>
             </a:fld>
             <a:endParaRPr lang="nb-NO"/>
           </a:p>
@@ -2780,7 +2773,7 @@
             <a:fld id="{EFF1E1C4-020C-3C49-82E1-601ABE71F045}" type="datetimeFigureOut">
               <a:rPr lang="nb-NO" smtClean="0"/>
               <a:pPr/>
-              <a:t>21.11.11</a:t>
+              <a:t>21.11.2011</a:t>
             </a:fld>
             <a:endParaRPr lang="nb-NO"/>
           </a:p>
@@ -3064,7 +3057,7 @@
             <a:fld id="{EFF1E1C4-020C-3C49-82E1-601ABE71F045}" type="datetimeFigureOut">
               <a:rPr lang="nb-NO" smtClean="0"/>
               <a:pPr/>
-              <a:t>21.11.11</a:t>
+              <a:t>21.11.2011</a:t>
             </a:fld>
             <a:endParaRPr lang="nb-NO"/>
           </a:p>
@@ -3272,7 +3265,7 @@
             <a:fld id="{EFF1E1C4-020C-3C49-82E1-601ABE71F045}" type="datetimeFigureOut">
               <a:rPr lang="nb-NO" smtClean="0"/>
               <a:pPr/>
-              <a:t>21.11.11</a:t>
+              <a:t>21.11.2011</a:t>
             </a:fld>
             <a:endParaRPr lang="nb-NO"/>
           </a:p>
@@ -3807,13 +3800,13 @@
   <p:clrMapOvr>
     <a:masterClrMapping/>
   </p:clrMapOvr>
-  <p:transition xmlns:p14="http://schemas.microsoft.com/office/powerpoint/2010/main" spd="slow">
+  <p:transition spd="slow">
     <p:push dir="u"/>
   </p:transition>
   <p:timing>
     <p:tnLst>
       <p:par>
-        <p:cTn xmlns:p14="http://schemas.microsoft.com/office/powerpoint/2010/main" id="1" dur="indefinite" restart="never" nodeType="tmRoot"/>
+        <p:cTn id="1" dur="indefinite" restart="never" nodeType="tmRoot"/>
       </p:par>
     </p:tnLst>
   </p:timing>
@@ -3853,116 +3846,332 @@
           <a:lstStyle/>
           <a:p>
             <a:r>
-              <a:rPr lang="nb-NO" dirty="0" smtClean="0"/>
-              <a:t>The </a:t>
+              <a:rPr lang="en-GB" dirty="0" smtClean="0"/>
+              <a:t>Pre-study</a:t>
+            </a:r>
+            <a:endParaRPr lang="en-GB" dirty="0"/>
+          </a:p>
+        </p:txBody>
+      </p:sp>
+      <p:sp>
+        <p:nvSpPr>
+          <p:cNvPr id="3" name="Plassholder for innhold 2"/>
+          <p:cNvSpPr>
+            <a:spLocks noGrp="1"/>
+          </p:cNvSpPr>
+          <p:nvPr>
+            <p:ph idx="1"/>
+          </p:nvPr>
+        </p:nvSpPr>
+        <p:spPr/>
+        <p:txBody>
+          <a:bodyPr>
+            <a:normAutofit fontScale="92500" lnSpcReduction="20000"/>
+          </a:bodyPr>
+          <a:lstStyle/>
+          <a:p>
+            <a:r>
+              <a:rPr lang="en-GB" dirty="0" smtClean="0"/>
+              <a:t>Programming </a:t>
+            </a:r>
+            <a:r>
+              <a:rPr lang="en-GB" dirty="0" smtClean="0"/>
+              <a:t>language</a:t>
+            </a:r>
+          </a:p>
+          <a:p>
+            <a:pPr lvl="1"/>
+            <a:r>
+              <a:rPr lang="en-GB" dirty="0" smtClean="0"/>
+              <a:t>Java</a:t>
+            </a:r>
+          </a:p>
+          <a:p>
+            <a:pPr lvl="1"/>
+            <a:r>
+              <a:rPr lang="en-GB" dirty="0" smtClean="0"/>
+              <a:t>Python</a:t>
+            </a:r>
+          </a:p>
+          <a:p>
+            <a:r>
+              <a:rPr lang="en-GB" dirty="0" smtClean="0"/>
+              <a:t>Pre-processor</a:t>
+            </a:r>
+          </a:p>
+          <a:p>
+            <a:r>
+              <a:rPr lang="en-GB" dirty="0" smtClean="0"/>
+              <a:t>Parser</a:t>
+            </a:r>
+          </a:p>
+          <a:p>
+            <a:r>
+              <a:rPr lang="nb-NO" dirty="0" err="1" smtClean="0"/>
+              <a:t>Configuration</a:t>
             </a:r>
             <a:r>
               <a:rPr lang="nb-NO" dirty="0"/>
-              <a:t>T</a:t>
-            </a:r>
-            <a:r>
-              <a:rPr lang="nb-NO" dirty="0" smtClean="0"/>
-              <a:t>ask</a:t>
-            </a:r>
-            <a:endParaRPr lang="nb-NO" dirty="0"/>
-          </a:p>
-        </p:txBody>
-      </p:sp>
-      <p:sp>
-        <p:nvSpPr>
-          <p:cNvPr id="3" name="Plassholder for innhold 2"/>
-          <p:cNvSpPr>
-            <a:spLocks noGrp="1"/>
-          </p:cNvSpPr>
-          <p:nvPr>
-            <p:ph idx="1"/>
-          </p:nvPr>
-        </p:nvSpPr>
-        <p:spPr/>
-        <p:txBody>
-          <a:bodyPr/>
-          <a:lstStyle/>
-          <a:p>
-            <a:r>
-              <a:rPr lang="nb-NO" dirty="0" smtClean="0"/>
-              <a:t>Thales current</a:t>
-            </a:r>
+              <a:t> </a:t>
+            </a:r>
+            <a:r>
+              <a:rPr lang="nb-NO" dirty="0" err="1" smtClean="0"/>
+              <a:t>method</a:t>
+            </a:r>
+            <a:endParaRPr lang="nb-NO" dirty="0" smtClean="0"/>
+          </a:p>
+          <a:p>
+            <a:pPr lvl="1"/>
+            <a:r>
+              <a:rPr lang="nb-NO" dirty="0" smtClean="0"/>
+              <a:t>YAML</a:t>
+            </a:r>
+          </a:p>
+          <a:p>
+            <a:r>
+              <a:rPr lang="en-GB" dirty="0"/>
+              <a:t>Developer methodology</a:t>
+            </a:r>
+          </a:p>
+          <a:p>
+            <a:pPr lvl="1"/>
+            <a:r>
+              <a:rPr lang="en-GB" dirty="0"/>
+              <a:t>Waterfall</a:t>
+            </a:r>
+          </a:p>
+          <a:p>
+            <a:pPr lvl="1"/>
             <a:r>
               <a:rPr lang="en-GB" dirty="0" smtClean="0"/>
-              <a:t>ly has 3000 C header files containing struct defintitions.</a:t>
-            </a:r>
-          </a:p>
-          <a:p>
-            <a:r>
-              <a:rPr lang="nb-NO" dirty="0" smtClean="0"/>
-              <a:t>Writing dissectors by hand too time consuming.</a:t>
-            </a:r>
-          </a:p>
-          <a:p>
-            <a:r>
-              <a:rPr lang="nb-NO" dirty="0" smtClean="0"/>
-              <a:t>Therefore they want a utility that can:</a:t>
-            </a:r>
-          </a:p>
-          <a:p>
-            <a:pPr marL="806450" lvl="1" indent="-457200">
-              <a:buFont typeface="+mj-lt"/>
-              <a:buAutoNum type="arabicPeriod"/>
-            </a:pPr>
-            <a:r>
-              <a:rPr lang="nb-NO" dirty="0" smtClean="0"/>
-              <a:t>Read the header files.</a:t>
-            </a:r>
-          </a:p>
-          <a:p>
-            <a:pPr marL="806450" lvl="1" indent="-457200">
-              <a:buFont typeface="+mj-lt"/>
-              <a:buAutoNum type="arabicPeriod"/>
-            </a:pPr>
-            <a:r>
-              <a:rPr lang="nb-NO" dirty="0" smtClean="0"/>
-              <a:t>Find the struct definitions.</a:t>
-            </a:r>
-          </a:p>
-          <a:p>
-            <a:pPr marL="806450" lvl="1" indent="-457200">
-              <a:buFont typeface="+mj-lt"/>
-              <a:buAutoNum type="arabicPeriod"/>
-            </a:pPr>
-            <a:r>
-              <a:rPr lang="nb-NO" dirty="0" smtClean="0"/>
-              <a:t>Generate dissectors for these dissectors.</a:t>
-            </a:r>
-          </a:p>
-          <a:p>
-            <a:pPr marL="806450" lvl="1" indent="-457200">
-              <a:buFont typeface="+mj-lt"/>
-              <a:buAutoNum type="arabicPeriod"/>
-            </a:pPr>
-            <a:r>
-              <a:rPr lang="nb-NO" dirty="0" smtClean="0"/>
-              <a:t>Be able to configure extra semantics for certain structs and struct members.</a:t>
-            </a:r>
-          </a:p>
-        </p:txBody>
-      </p:sp>
+              <a:t>Scrum</a:t>
+            </a:r>
+            <a:endParaRPr lang="en-GB" dirty="0"/>
+          </a:p>
+        </p:txBody>
+      </p:sp>
+      <p:pic>
+        <p:nvPicPr>
+          <p:cNvPr id="1026" name="Picture 2" descr="D:\kpro9\report\planning\img\python_logo.jpg"/>
+          <p:cNvPicPr>
+            <a:picLocks noChangeAspect="1" noChangeArrowheads="1"/>
+          </p:cNvPicPr>
+          <p:nvPr/>
+        </p:nvPicPr>
+        <p:blipFill>
+          <a:blip r:embed="rId2">
+            <a:extLst>
+              <a:ext uri="{28A0092B-C50C-407E-A947-70E740481C1C}">
+                <a14:useLocalDpi xmlns:a14="http://schemas.microsoft.com/office/drawing/2010/main" val="0"/>
+              </a:ext>
+            </a:extLst>
+          </a:blip>
+          <a:srcRect/>
+          <a:stretch>
+            <a:fillRect/>
+          </a:stretch>
+        </p:blipFill>
+        <p:spPr bwMode="auto">
+          <a:xfrm>
+            <a:off x="6209329" y="1774596"/>
+            <a:ext cx="1222859" cy="1222859"/>
+          </a:xfrm>
+          <a:prstGeom prst="rect">
+            <a:avLst/>
+          </a:prstGeom>
+          <a:noFill/>
+          <a:extLst>
+            <a:ext uri="{909E8E84-426E-40DD-AFC4-6F175D3DCCD1}">
+              <a14:hiddenFill xmlns:a14="http://schemas.microsoft.com/office/drawing/2010/main">
+                <a:solidFill>
+                  <a:srgbClr val="FFFFFF"/>
+                </a:solidFill>
+              </a14:hiddenFill>
+            </a:ext>
+          </a:extLst>
+        </p:spPr>
+      </p:pic>
+      <p:pic>
+        <p:nvPicPr>
+          <p:cNvPr id="1027" name="Picture 3" descr="D:\kpro9\report\planning\img\java_logo.jpg"/>
+          <p:cNvPicPr>
+            <a:picLocks noChangeAspect="1" noChangeArrowheads="1"/>
+          </p:cNvPicPr>
+          <p:nvPr/>
+        </p:nvPicPr>
+        <p:blipFill>
+          <a:blip r:embed="rId3">
+            <a:extLst>
+              <a:ext uri="{28A0092B-C50C-407E-A947-70E740481C1C}">
+                <a14:useLocalDpi xmlns:a14="http://schemas.microsoft.com/office/drawing/2010/main" val="0"/>
+              </a:ext>
+            </a:extLst>
+          </a:blip>
+          <a:srcRect/>
+          <a:stretch>
+            <a:fillRect/>
+          </a:stretch>
+        </p:blipFill>
+        <p:spPr bwMode="auto">
+          <a:xfrm>
+            <a:off x="7649057" y="1493231"/>
+            <a:ext cx="808614" cy="1504224"/>
+          </a:xfrm>
+          <a:prstGeom prst="rect">
+            <a:avLst/>
+          </a:prstGeom>
+          <a:noFill/>
+          <a:extLst>
+            <a:ext uri="{909E8E84-426E-40DD-AFC4-6F175D3DCCD1}">
+              <a14:hiddenFill xmlns:a14="http://schemas.microsoft.com/office/drawing/2010/main">
+                <a:solidFill>
+                  <a:srgbClr val="FFFFFF"/>
+                </a:solidFill>
+              </a14:hiddenFill>
+            </a:ext>
+          </a:extLst>
+        </p:spPr>
+      </p:pic>
+      <p:pic>
+        <p:nvPicPr>
+          <p:cNvPr id="1028" name="Picture 4" descr="D:\kpro9\report\planning\img\pyyaml_logo.png"/>
+          <p:cNvPicPr>
+            <a:picLocks noChangeAspect="1" noChangeArrowheads="1"/>
+          </p:cNvPicPr>
+          <p:nvPr/>
+        </p:nvPicPr>
+        <p:blipFill>
+          <a:blip r:embed="rId4">
+            <a:extLst>
+              <a:ext uri="{28A0092B-C50C-407E-A947-70E740481C1C}">
+                <a14:useLocalDpi xmlns:a14="http://schemas.microsoft.com/office/drawing/2010/main" val="0"/>
+              </a:ext>
+            </a:extLst>
+          </a:blip>
+          <a:srcRect/>
+          <a:stretch>
+            <a:fillRect/>
+          </a:stretch>
+        </p:blipFill>
+        <p:spPr bwMode="auto">
+          <a:xfrm>
+            <a:off x="6136788" y="4618038"/>
+            <a:ext cx="1295400" cy="628650"/>
+          </a:xfrm>
+          <a:prstGeom prst="rect">
+            <a:avLst/>
+          </a:prstGeom>
+          <a:noFill/>
+          <a:extLst>
+            <a:ext uri="{909E8E84-426E-40DD-AFC4-6F175D3DCCD1}">
+              <a14:hiddenFill xmlns:a14="http://schemas.microsoft.com/office/drawing/2010/main">
+                <a:solidFill>
+                  <a:srgbClr val="FFFFFF"/>
+                </a:solidFill>
+              </a14:hiddenFill>
+            </a:ext>
+          </a:extLst>
+        </p:spPr>
+      </p:pic>
+      <p:pic>
+        <p:nvPicPr>
+          <p:cNvPr id="1029" name="Picture 5" descr="D:\kpro9\report\planning\img\gcc_logo.png"/>
+          <p:cNvPicPr>
+            <a:picLocks noChangeAspect="1" noChangeArrowheads="1"/>
+          </p:cNvPicPr>
+          <p:nvPr/>
+        </p:nvPicPr>
+        <p:blipFill>
+          <a:blip r:embed="rId5">
+            <a:extLst>
+              <a:ext uri="{28A0092B-C50C-407E-A947-70E740481C1C}">
+                <a14:useLocalDpi xmlns:a14="http://schemas.microsoft.com/office/drawing/2010/main" val="0"/>
+              </a:ext>
+            </a:extLst>
+          </a:blip>
+          <a:srcRect/>
+          <a:stretch>
+            <a:fillRect/>
+          </a:stretch>
+        </p:blipFill>
+        <p:spPr bwMode="auto">
+          <a:xfrm>
+            <a:off x="7649057" y="3274139"/>
+            <a:ext cx="1038225" cy="1238250"/>
+          </a:xfrm>
+          <a:prstGeom prst="rect">
+            <a:avLst/>
+          </a:prstGeom>
+          <a:noFill/>
+          <a:extLst>
+            <a:ext uri="{909E8E84-426E-40DD-AFC4-6F175D3DCCD1}">
+              <a14:hiddenFill xmlns:a14="http://schemas.microsoft.com/office/drawing/2010/main">
+                <a:solidFill>
+                  <a:srgbClr val="FFFFFF"/>
+                </a:solidFill>
+              </a14:hiddenFill>
+            </a:ext>
+          </a:extLst>
+        </p:spPr>
+      </p:pic>
+      <p:pic>
+        <p:nvPicPr>
+          <p:cNvPr id="1030" name="Picture 6" descr="D:\kpro9\presentation\img\pycparser.png"/>
+          <p:cNvPicPr>
+            <a:picLocks noChangeAspect="1" noChangeArrowheads="1"/>
+          </p:cNvPicPr>
+          <p:nvPr/>
+        </p:nvPicPr>
+        <p:blipFill>
+          <a:blip r:embed="rId6">
+            <a:extLst>
+              <a:ext uri="{28A0092B-C50C-407E-A947-70E740481C1C}">
+                <a14:useLocalDpi xmlns:a14="http://schemas.microsoft.com/office/drawing/2010/main" val="0"/>
+              </a:ext>
+            </a:extLst>
+          </a:blip>
+          <a:srcRect/>
+          <a:stretch>
+            <a:fillRect/>
+          </a:stretch>
+        </p:blipFill>
+        <p:spPr bwMode="auto">
+          <a:xfrm>
+            <a:off x="6400784" y="3473290"/>
+            <a:ext cx="839948" cy="839948"/>
+          </a:xfrm>
+          <a:prstGeom prst="rect">
+            <a:avLst/>
+          </a:prstGeom>
+          <a:noFill/>
+          <a:extLst>
+            <a:ext uri="{909E8E84-426E-40DD-AFC4-6F175D3DCCD1}">
+              <a14:hiddenFill xmlns:a14="http://schemas.microsoft.com/office/drawing/2010/main">
+                <a:solidFill>
+                  <a:srgbClr val="FFFFFF"/>
+                </a:solidFill>
+              </a14:hiddenFill>
+            </a:ext>
+          </a:extLst>
+        </p:spPr>
+      </p:pic>
     </p:spTree>
     <p:extLst>
       <p:ext uri="{BB962C8B-B14F-4D97-AF65-F5344CB8AC3E}">
-        <p14:creationId xmlns:p14="http://schemas.microsoft.com/office/powerpoint/2010/main" val="3124880485"/>
+        <p14:creationId xmlns:p14="http://schemas.microsoft.com/office/powerpoint/2010/main" val="3649987986"/>
       </p:ext>
     </p:extLst>
   </p:cSld>
   <p:clrMapOvr>
     <a:masterClrMapping/>
   </p:clrMapOvr>
-  <p:transition xmlns:p14="http://schemas.microsoft.com/office/powerpoint/2010/main" spd="slow">
+  <p:transition spd="slow">
     <p:push dir="u"/>
   </p:transition>
   <p:timing>
     <p:tnLst>
       <p:par>
-        <p:cTn xmlns:p14="http://schemas.microsoft.com/office/powerpoint/2010/main" id="1" dur="indefinite" restart="never" nodeType="tmRoot"/>
+        <p:cTn id="1" dur="indefinite" restart="never" nodeType="tmRoot"/>
       </p:par>
     </p:tnLst>
   </p:timing>
@@ -4002,8 +4211,8 @@
           <a:lstStyle/>
           <a:p>
             <a:r>
-              <a:rPr lang="en-GB" dirty="0" smtClean="0"/>
-              <a:t>Pre-study</a:t>
+              <a:rPr lang="nb-NO" dirty="0" smtClean="0"/>
+              <a:t>Sprint 1</a:t>
             </a:r>
             <a:endParaRPr lang="en-GB" dirty="0"/>
           </a:p>
@@ -4021,109 +4230,203 @@
         </p:nvSpPr>
         <p:spPr/>
         <p:txBody>
-          <a:bodyPr>
-            <a:normAutofit fontScale="92500" lnSpcReduction="20000"/>
-          </a:bodyPr>
-          <a:lstStyle/>
-          <a:p>
-            <a:r>
-              <a:rPr lang="en-GB" dirty="0" smtClean="0"/>
-              <a:t>Developer methodology</a:t>
-            </a:r>
+          <a:bodyPr/>
+          <a:lstStyle/>
+          <a:p>
+            <a:r>
+              <a:rPr lang="nb-NO" dirty="0"/>
+              <a:t>A</a:t>
+            </a:r>
+            <a:r>
+              <a:rPr lang="nb-NO" dirty="0" smtClean="0"/>
+              <a:t> </a:t>
+            </a:r>
+            <a:r>
+              <a:rPr lang="nb-NO" dirty="0" smtClean="0"/>
+              <a:t>solid design </a:t>
+            </a:r>
+            <a:r>
+              <a:rPr lang="nb-NO" dirty="0" err="1" smtClean="0"/>
+              <a:t>foundation</a:t>
+            </a:r>
+            <a:r>
+              <a:rPr lang="nb-NO" dirty="0" smtClean="0"/>
+              <a:t> for </a:t>
+            </a:r>
+            <a:r>
+              <a:rPr lang="nb-NO" dirty="0" err="1" smtClean="0"/>
+              <a:t>the</a:t>
+            </a:r>
+            <a:r>
+              <a:rPr lang="nb-NO" dirty="0" smtClean="0"/>
+              <a:t> </a:t>
+            </a:r>
+            <a:r>
+              <a:rPr lang="nb-NO" dirty="0" err="1" smtClean="0"/>
+              <a:t>utility</a:t>
+            </a:r>
+            <a:endParaRPr lang="nb-NO" dirty="0" smtClean="0"/>
+          </a:p>
+          <a:p>
+            <a:r>
+              <a:rPr lang="nb-NO" dirty="0" err="1" smtClean="0"/>
+              <a:t>G</a:t>
+            </a:r>
+            <a:r>
+              <a:rPr lang="nb-NO" dirty="0" err="1" smtClean="0"/>
+              <a:t>enerate</a:t>
+            </a:r>
+            <a:r>
+              <a:rPr lang="nb-NO" dirty="0" smtClean="0"/>
+              <a:t> </a:t>
+            </a:r>
+            <a:r>
+              <a:rPr lang="nb-NO" dirty="0" err="1" smtClean="0"/>
+              <a:t>dissectors</a:t>
+            </a:r>
+            <a:r>
+              <a:rPr lang="nb-NO" dirty="0" smtClean="0"/>
+              <a:t> </a:t>
+            </a:r>
+            <a:r>
+              <a:rPr lang="nb-NO" dirty="0" smtClean="0"/>
+              <a:t>for simple </a:t>
+            </a:r>
+            <a:r>
+              <a:rPr lang="nb-NO" dirty="0" smtClean="0"/>
+              <a:t>structs</a:t>
+            </a:r>
+            <a:endParaRPr lang="nb-NO" dirty="0" smtClean="0"/>
           </a:p>
           <a:p>
             <a:pPr lvl="1"/>
             <a:r>
-              <a:rPr lang="en-GB" dirty="0" smtClean="0"/>
-              <a:t>Waterfall</a:t>
-            </a:r>
-          </a:p>
-          <a:p>
-            <a:pPr lvl="1"/>
-            <a:r>
-              <a:rPr lang="en-GB" dirty="0" smtClean="0"/>
-              <a:t>Scrum</a:t>
-            </a:r>
-          </a:p>
-          <a:p>
-            <a:r>
-              <a:rPr lang="en-GB" dirty="0" smtClean="0"/>
-              <a:t>Programming language</a:t>
-            </a:r>
-          </a:p>
-          <a:p>
-            <a:pPr lvl="1"/>
-            <a:r>
-              <a:rPr lang="en-GB" dirty="0" smtClean="0"/>
-              <a:t>Java</a:t>
-            </a:r>
-          </a:p>
-          <a:p>
-            <a:pPr lvl="1"/>
-            <a:r>
-              <a:rPr lang="en-GB" dirty="0" smtClean="0"/>
-              <a:t>Python</a:t>
-            </a:r>
-          </a:p>
-          <a:p>
-            <a:r>
-              <a:rPr lang="en-GB" dirty="0" smtClean="0"/>
-              <a:t>Pre-processor</a:t>
-            </a:r>
-            <a:endParaRPr lang="en-GB" dirty="0" smtClean="0"/>
-          </a:p>
-          <a:p>
-            <a:r>
-              <a:rPr lang="en-GB" dirty="0" smtClean="0"/>
-              <a:t>Parser</a:t>
-            </a:r>
-            <a:endParaRPr lang="en-GB" dirty="0" smtClean="0"/>
-          </a:p>
-          <a:p>
-            <a:r>
-              <a:rPr lang="nb-NO" dirty="0" err="1" smtClean="0"/>
-              <a:t>Configuration</a:t>
-            </a:r>
-            <a:r>
               <a:rPr lang="nb-NO" dirty="0"/>
+              <a:t>P</a:t>
+            </a:r>
+            <a:r>
+              <a:rPr lang="nb-NO" dirty="0" smtClean="0"/>
+              <a:t>rimitive C types</a:t>
+            </a:r>
+            <a:endParaRPr lang="nb-NO" dirty="0" smtClean="0"/>
+          </a:p>
+          <a:p>
+            <a:r>
+              <a:rPr lang="nb-NO" dirty="0" smtClean="0"/>
+              <a:t>#</a:t>
+            </a:r>
+            <a:r>
+              <a:rPr lang="nb-NO" dirty="0" err="1" smtClean="0"/>
+              <a:t>include</a:t>
+            </a:r>
+            <a:r>
+              <a:rPr lang="nb-NO" dirty="0" smtClean="0"/>
               <a:t> </a:t>
             </a:r>
             <a:r>
               <a:rPr lang="nb-NO" dirty="0" err="1" smtClean="0"/>
-              <a:t>method</a:t>
+              <a:t>directives</a:t>
+            </a:r>
+            <a:endParaRPr lang="nb-NO" dirty="0"/>
+          </a:p>
+          <a:p>
+            <a:r>
+              <a:rPr lang="nb-NO" dirty="0" smtClean="0"/>
+              <a:t>Simple </a:t>
+            </a:r>
+            <a:r>
+              <a:rPr lang="nb-NO" dirty="0" err="1" smtClean="0"/>
+              <a:t>configuration</a:t>
+            </a:r>
+            <a:r>
+              <a:rPr lang="nb-NO" dirty="0" smtClean="0"/>
+              <a:t> </a:t>
+            </a:r>
+            <a:r>
+              <a:rPr lang="nb-NO" dirty="0" err="1" smtClean="0"/>
+              <a:t>options</a:t>
             </a:r>
             <a:endParaRPr lang="nb-NO" dirty="0" smtClean="0"/>
           </a:p>
           <a:p>
-            <a:pPr lvl="1"/>
-            <a:r>
-              <a:rPr lang="nb-NO" dirty="0" smtClean="0"/>
-              <a:t>YAML</a:t>
-            </a:r>
-            <a:endParaRPr lang="nb-NO" dirty="0" smtClean="0"/>
+            <a:r>
+              <a:rPr lang="nb-NO" dirty="0" err="1" smtClean="0"/>
+              <a:t>Important</a:t>
+            </a:r>
+            <a:r>
+              <a:rPr lang="nb-NO" dirty="0" smtClean="0"/>
+              <a:t> to </a:t>
+            </a:r>
+            <a:r>
+              <a:rPr lang="nb-NO" dirty="0" err="1" smtClean="0"/>
+              <a:t>find</a:t>
+            </a:r>
+            <a:r>
+              <a:rPr lang="nb-NO" dirty="0" smtClean="0"/>
+              <a:t> </a:t>
+            </a:r>
+            <a:r>
+              <a:rPr lang="nb-NO" dirty="0" err="1" smtClean="0"/>
+              <a:t>out</a:t>
+            </a:r>
+            <a:r>
+              <a:rPr lang="nb-NO" dirty="0" smtClean="0"/>
+              <a:t> </a:t>
+            </a:r>
+            <a:r>
+              <a:rPr lang="nb-NO" dirty="0" err="1" smtClean="0"/>
+              <a:t>if</a:t>
+            </a:r>
+            <a:r>
+              <a:rPr lang="nb-NO" dirty="0" smtClean="0"/>
+              <a:t> </a:t>
+            </a:r>
+            <a:r>
+              <a:rPr lang="nb-NO" dirty="0" err="1" smtClean="0"/>
+              <a:t>third</a:t>
+            </a:r>
+            <a:r>
+              <a:rPr lang="nb-NO" dirty="0" smtClean="0"/>
+              <a:t> party </a:t>
+            </a:r>
+            <a:r>
+              <a:rPr lang="nb-NO" dirty="0" err="1" smtClean="0"/>
+              <a:t>solution</a:t>
+            </a:r>
+            <a:r>
+              <a:rPr lang="nb-NO" dirty="0" smtClean="0"/>
+              <a:t> </a:t>
+            </a:r>
+            <a:r>
+              <a:rPr lang="nb-NO" dirty="0" err="1" smtClean="0"/>
+              <a:t>were</a:t>
+            </a:r>
+            <a:r>
+              <a:rPr lang="nb-NO" dirty="0" smtClean="0"/>
+              <a:t> </a:t>
+            </a:r>
+            <a:r>
+              <a:rPr lang="nb-NO" dirty="0" err="1" smtClean="0"/>
+              <a:t>sufficient</a:t>
+            </a:r>
+            <a:r>
+              <a:rPr lang="nb-NO" dirty="0" smtClean="0"/>
+              <a:t>.</a:t>
+            </a:r>
+            <a:endParaRPr lang="en-GB" dirty="0"/>
           </a:p>
         </p:txBody>
       </p:sp>
     </p:spTree>
     <p:extLst>
       <p:ext uri="{BB962C8B-B14F-4D97-AF65-F5344CB8AC3E}">
-        <p14:creationId xmlns:p14="http://schemas.microsoft.com/office/powerpoint/2010/main" val="3649987986"/>
+        <p14:creationId xmlns:p14="http://schemas.microsoft.com/office/powerpoint/2010/main" val="2795416052"/>
       </p:ext>
     </p:extLst>
   </p:cSld>
   <p:clrMapOvr>
     <a:masterClrMapping/>
   </p:clrMapOvr>
-  <p:transition xmlns:p14="http://schemas.microsoft.com/office/powerpoint/2010/main" spd="slow">
-    <p:push dir="u"/>
-  </p:transition>
-  <p:timing>
-    <p:tnLst>
-      <p:par>
-        <p:cTn xmlns:p14="http://schemas.microsoft.com/office/powerpoint/2010/main" id="1" dur="indefinite" restart="never" nodeType="tmRoot"/>
-      </p:par>
-    </p:tnLst>
-  </p:timing>
 </p:sld>
 </file>
 
@@ -4161,173 +4464,11 @@
           <a:p>
             <a:r>
               <a:rPr lang="nb-NO" dirty="0" smtClean="0"/>
-              <a:t>Sprint 1</a:t>
-            </a:r>
-            <a:endParaRPr lang="en-GB" dirty="0"/>
-          </a:p>
-        </p:txBody>
-      </p:sp>
-      <p:sp>
-        <p:nvSpPr>
-          <p:cNvPr id="3" name="Plassholder for innhold 2"/>
-          <p:cNvSpPr>
-            <a:spLocks noGrp="1"/>
-          </p:cNvSpPr>
-          <p:nvPr>
-            <p:ph idx="1"/>
-          </p:nvPr>
-        </p:nvSpPr>
-        <p:spPr/>
-        <p:txBody>
-          <a:bodyPr/>
-          <a:lstStyle/>
-          <a:p>
-            <a:r>
-              <a:rPr lang="nb-NO" dirty="0" err="1" smtClean="0"/>
-              <a:t>Making</a:t>
-            </a:r>
-            <a:r>
-              <a:rPr lang="nb-NO" dirty="0" smtClean="0"/>
-              <a:t> a solid design </a:t>
-            </a:r>
-            <a:r>
-              <a:rPr lang="nb-NO" dirty="0" err="1" smtClean="0"/>
-              <a:t>foundation</a:t>
-            </a:r>
-            <a:r>
-              <a:rPr lang="nb-NO" dirty="0" smtClean="0"/>
-              <a:t> for </a:t>
-            </a:r>
-            <a:r>
-              <a:rPr lang="nb-NO" dirty="0" err="1" smtClean="0"/>
-              <a:t>the</a:t>
-            </a:r>
-            <a:r>
-              <a:rPr lang="nb-NO" dirty="0" smtClean="0"/>
-              <a:t> </a:t>
-            </a:r>
-            <a:r>
-              <a:rPr lang="nb-NO" dirty="0" err="1" smtClean="0"/>
-              <a:t>utility</a:t>
-            </a:r>
-            <a:r>
-              <a:rPr lang="nb-NO" dirty="0" smtClean="0"/>
-              <a:t>.</a:t>
-            </a:r>
-          </a:p>
-          <a:p>
-            <a:r>
-              <a:rPr lang="nb-NO" dirty="0" err="1" smtClean="0"/>
-              <a:t>Beeing</a:t>
-            </a:r>
-            <a:r>
-              <a:rPr lang="nb-NO" dirty="0" smtClean="0"/>
-              <a:t> </a:t>
-            </a:r>
-            <a:r>
-              <a:rPr lang="nb-NO" dirty="0" err="1" smtClean="0"/>
-              <a:t>able</a:t>
-            </a:r>
-            <a:r>
-              <a:rPr lang="nb-NO" dirty="0" smtClean="0"/>
-              <a:t> to </a:t>
-            </a:r>
-            <a:r>
-              <a:rPr lang="nb-NO" dirty="0" err="1" smtClean="0"/>
-              <a:t>generate</a:t>
-            </a:r>
-            <a:r>
-              <a:rPr lang="nb-NO" dirty="0" smtClean="0"/>
-              <a:t> </a:t>
-            </a:r>
-            <a:r>
-              <a:rPr lang="nb-NO" dirty="0" err="1" smtClean="0"/>
-              <a:t>dissectors</a:t>
-            </a:r>
-            <a:r>
-              <a:rPr lang="nb-NO" dirty="0" smtClean="0"/>
-              <a:t> for simple structs.</a:t>
-            </a:r>
-          </a:p>
-          <a:p>
-            <a:r>
-              <a:rPr lang="nb-NO" dirty="0" smtClean="0"/>
-              <a:t>Support primitive C types.</a:t>
-            </a:r>
-          </a:p>
-          <a:p>
-            <a:r>
-              <a:rPr lang="nb-NO" dirty="0" smtClean="0"/>
-              <a:t>Handling #</a:t>
-            </a:r>
-            <a:r>
-              <a:rPr lang="nb-NO" dirty="0" err="1" smtClean="0"/>
-              <a:t>include</a:t>
-            </a:r>
-            <a:r>
-              <a:rPr lang="nb-NO" dirty="0" smtClean="0"/>
-              <a:t> </a:t>
-            </a:r>
-            <a:r>
-              <a:rPr lang="nb-NO" dirty="0" err="1" smtClean="0"/>
-              <a:t>directives</a:t>
-            </a:r>
-            <a:r>
-              <a:rPr lang="nb-NO" dirty="0" smtClean="0"/>
-              <a:t>.</a:t>
-            </a:r>
-            <a:endParaRPr lang="en-GB" dirty="0"/>
-          </a:p>
-        </p:txBody>
-      </p:sp>
-    </p:spTree>
-    <p:extLst>
-      <p:ext uri="{BB962C8B-B14F-4D97-AF65-F5344CB8AC3E}">
-        <p14:creationId xmlns:p14="http://schemas.microsoft.com/office/powerpoint/2010/main" val="2795416052"/>
-      </p:ext>
-    </p:extLst>
-  </p:cSld>
-  <p:clrMapOvr>
-    <a:masterClrMapping/>
-  </p:clrMapOvr>
-</p:sld>
-</file>
-
-<file path=ppt/slides/slide13.xml><?xml version="1.0" encoding="utf-8"?>
-<p:sld xmlns:a="http://schemas.openxmlformats.org/drawingml/2006/main" xmlns:r="http://schemas.openxmlformats.org/officeDocument/2006/relationships" xmlns:p="http://schemas.openxmlformats.org/presentationml/2006/main">
-  <p:cSld>
-    <p:spTree>
-      <p:nvGrpSpPr>
-        <p:cNvPr id="1" name=""/>
-        <p:cNvGrpSpPr/>
-        <p:nvPr/>
-      </p:nvGrpSpPr>
-      <p:grpSpPr>
-        <a:xfrm>
-          <a:off x="0" y="0"/>
-          <a:ext cx="0" cy="0"/>
-          <a:chOff x="0" y="0"/>
-          <a:chExt cx="0" cy="0"/>
-        </a:xfrm>
-      </p:grpSpPr>
-      <p:sp>
-        <p:nvSpPr>
-          <p:cNvPr id="2" name="Tittel 1"/>
-          <p:cNvSpPr>
-            <a:spLocks noGrp="1"/>
-          </p:cNvSpPr>
-          <p:nvPr>
-            <p:ph type="title"/>
-          </p:nvPr>
-        </p:nvSpPr>
-        <p:spPr/>
-        <p:txBody>
-          <a:bodyPr/>
-          <a:lstStyle/>
-          <a:p>
-            <a:r>
-              <a:rPr lang="nb-NO" dirty="0" smtClean="0"/>
-              <a:t>Preliminary design</a:t>
+              <a:t>The </a:t>
+            </a:r>
+            <a:r>
+              <a:rPr lang="nb-NO" dirty="0" err="1" smtClean="0"/>
+              <a:t>architecture</a:t>
             </a:r>
             <a:endParaRPr lang="en-GB" dirty="0"/>
           </a:p>
@@ -4335,7 +4476,7 @@
       </p:sp>
       <p:pic>
         <p:nvPicPr>
-          <p:cNvPr id="4" name="Plassholder for innhold 3"/>
+          <p:cNvPr id="5" name="Plassholder for innhold 4"/>
           <p:cNvPicPr>
             <a:picLocks noGrp="1" noChangeAspect="1"/>
           </p:cNvPicPr>
@@ -4357,94 +4498,8 @@
         </p:blipFill>
         <p:spPr>
           <a:xfrm>
-            <a:off x="549275" y="1611155"/>
-            <a:ext cx="8042275" cy="4321490"/>
-          </a:xfrm>
-        </p:spPr>
-      </p:pic>
-    </p:spTree>
-    <p:extLst>
-      <p:ext uri="{BB962C8B-B14F-4D97-AF65-F5344CB8AC3E}">
-        <p14:creationId xmlns:p14="http://schemas.microsoft.com/office/powerpoint/2010/main" val="2537165902"/>
-      </p:ext>
-    </p:extLst>
-  </p:cSld>
-  <p:clrMapOvr>
-    <a:masterClrMapping/>
-  </p:clrMapOvr>
-</p:sld>
-</file>
-
-<file path=ppt/slides/slide14.xml><?xml version="1.0" encoding="utf-8"?>
-<p:sld xmlns:a="http://schemas.openxmlformats.org/drawingml/2006/main" xmlns:r="http://schemas.openxmlformats.org/officeDocument/2006/relationships" xmlns:p="http://schemas.openxmlformats.org/presentationml/2006/main">
-  <p:cSld>
-    <p:spTree>
-      <p:nvGrpSpPr>
-        <p:cNvPr id="1" name=""/>
-        <p:cNvGrpSpPr/>
-        <p:nvPr/>
-      </p:nvGrpSpPr>
-      <p:grpSpPr>
-        <a:xfrm>
-          <a:off x="0" y="0"/>
-          <a:ext cx="0" cy="0"/>
-          <a:chOff x="0" y="0"/>
-          <a:chExt cx="0" cy="0"/>
-        </a:xfrm>
-      </p:grpSpPr>
-      <p:sp>
-        <p:nvSpPr>
-          <p:cNvPr id="2" name="Tittel 1"/>
-          <p:cNvSpPr>
-            <a:spLocks noGrp="1"/>
-          </p:cNvSpPr>
-          <p:nvPr>
-            <p:ph type="title"/>
-          </p:nvPr>
-        </p:nvSpPr>
-        <p:spPr/>
-        <p:txBody>
-          <a:bodyPr/>
-          <a:lstStyle/>
-          <a:p>
-            <a:r>
-              <a:rPr lang="nb-NO" dirty="0" smtClean="0"/>
-              <a:t>4 </a:t>
-            </a:r>
-            <a:r>
-              <a:rPr lang="nb-NO" dirty="0" err="1" smtClean="0"/>
-              <a:t>modules</a:t>
-            </a:r>
-            <a:endParaRPr lang="en-GB" dirty="0"/>
-          </a:p>
-        </p:txBody>
-      </p:sp>
-      <p:pic>
-        <p:nvPicPr>
-          <p:cNvPr id="4" name="Plassholder for innhold 3"/>
-          <p:cNvPicPr>
-            <a:picLocks noGrp="1" noChangeAspect="1"/>
-          </p:cNvPicPr>
-          <p:nvPr>
-            <p:ph idx="1"/>
-          </p:nvPr>
-        </p:nvPicPr>
-        <p:blipFill>
-          <a:blip r:embed="rId2">
-            <a:extLst>
-              <a:ext uri="{28A0092B-C50C-407E-A947-70E740481C1C}">
-                <a14:useLocalDpi xmlns:a14="http://schemas.microsoft.com/office/drawing/2010/main" val="0"/>
-              </a:ext>
-            </a:extLst>
-          </a:blip>
-          <a:stretch>
-            <a:fillRect/>
-          </a:stretch>
-        </p:blipFill>
-        <p:spPr>
-          <a:xfrm>
-            <a:off x="1658524" y="1328295"/>
-            <a:ext cx="6028635" cy="5250748"/>
+            <a:off x="2745245" y="1875296"/>
+            <a:ext cx="3705573" cy="3456040"/>
           </a:xfrm>
         </p:spPr>
       </p:pic>
@@ -4461,7 +4516,7 @@
 </p:sld>
 </file>
 
-<file path=ppt/slides/slide15.xml><?xml version="1.0" encoding="utf-8"?>
+<file path=ppt/slides/slide13.xml><?xml version="1.0" encoding="utf-8"?>
 <p:sld xmlns:a="http://schemas.openxmlformats.org/drawingml/2006/main" xmlns:r="http://schemas.openxmlformats.org/officeDocument/2006/relationships" xmlns:p="http://schemas.openxmlformats.org/presentationml/2006/main">
   <p:cSld>
     <p:spTree>
@@ -4580,7 +4635,7 @@
 </p:sld>
 </file>
 
-<file path=ppt/slides/slide16.xml><?xml version="1.0" encoding="utf-8"?>
+<file path=ppt/slides/slide14.xml><?xml version="1.0" encoding="utf-8"?>
 <p:sld xmlns:a="http://schemas.openxmlformats.org/drawingml/2006/main" xmlns:r="http://schemas.openxmlformats.org/officeDocument/2006/relationships" xmlns:p="http://schemas.openxmlformats.org/presentationml/2006/main">
   <p:cSld>
     <p:spTree>
@@ -4721,7 +4776,7 @@
           </a:prstGeom>
           <a:noFill/>
           <a:extLst>
-            <a:ext uri="{909E8E84-426E-40dd-AFC4-6F175D3DCCD1}">
+            <a:ext uri="{909E8E84-426E-40DD-AFC4-6F175D3DCCD1}">
               <a14:hiddenFill xmlns:a14="http://schemas.microsoft.com/office/drawing/2010/main">
                 <a:solidFill>
                   <a:srgbClr val="FFFFFF"/>
@@ -4735,6 +4790,449 @@
     <p:extLst>
       <p:ext uri="{BB962C8B-B14F-4D97-AF65-F5344CB8AC3E}">
         <p14:creationId xmlns:p14="http://schemas.microsoft.com/office/powerpoint/2010/main" val="2562182055"/>
+      </p:ext>
+    </p:extLst>
+  </p:cSld>
+  <p:clrMapOvr>
+    <a:masterClrMapping/>
+  </p:clrMapOvr>
+</p:sld>
+</file>
+
+<file path=ppt/slides/slide15.xml><?xml version="1.0" encoding="utf-8"?>
+<p:sld xmlns:a="http://schemas.openxmlformats.org/drawingml/2006/main" xmlns:r="http://schemas.openxmlformats.org/officeDocument/2006/relationships" xmlns:p="http://schemas.openxmlformats.org/presentationml/2006/main">
+  <p:cSld>
+    <p:spTree>
+      <p:nvGrpSpPr>
+        <p:cNvPr id="1" name=""/>
+        <p:cNvGrpSpPr/>
+        <p:nvPr/>
+      </p:nvGrpSpPr>
+      <p:grpSpPr>
+        <a:xfrm>
+          <a:off x="0" y="0"/>
+          <a:ext cx="0" cy="0"/>
+          <a:chOff x="0" y="0"/>
+          <a:chExt cx="0" cy="0"/>
+        </a:xfrm>
+      </p:grpSpPr>
+      <p:sp>
+        <p:nvSpPr>
+          <p:cNvPr id="2" name="Tittel 1"/>
+          <p:cNvSpPr>
+            <a:spLocks noGrp="1"/>
+          </p:cNvSpPr>
+          <p:nvPr>
+            <p:ph type="title"/>
+          </p:nvPr>
+        </p:nvSpPr>
+        <p:spPr/>
+        <p:txBody>
+          <a:bodyPr/>
+          <a:lstStyle/>
+          <a:p>
+            <a:r>
+              <a:rPr lang="nb-NO" dirty="0" smtClean="0"/>
+              <a:t>Testing</a:t>
+            </a:r>
+            <a:endParaRPr lang="en-GB" dirty="0"/>
+          </a:p>
+        </p:txBody>
+      </p:sp>
+      <p:sp>
+        <p:nvSpPr>
+          <p:cNvPr id="5" name="Plassholder for innhold 4"/>
+          <p:cNvSpPr>
+            <a:spLocks noGrp="1"/>
+          </p:cNvSpPr>
+          <p:nvPr>
+            <p:ph idx="1"/>
+          </p:nvPr>
+        </p:nvSpPr>
+        <p:spPr/>
+        <p:txBody>
+          <a:bodyPr/>
+          <a:lstStyle/>
+          <a:p>
+            <a:r>
+              <a:rPr lang="nb-NO" dirty="0" smtClean="0"/>
+              <a:t>No </a:t>
+            </a:r>
+            <a:r>
+              <a:rPr lang="nb-NO" dirty="0" err="1" smtClean="0"/>
+              <a:t>access</a:t>
+            </a:r>
+            <a:r>
+              <a:rPr lang="nb-NO" dirty="0" smtClean="0"/>
+              <a:t> to real test input or </a:t>
+            </a:r>
+            <a:r>
+              <a:rPr lang="nb-NO" dirty="0" err="1" smtClean="0"/>
+              <a:t>results</a:t>
+            </a:r>
+            <a:r>
+              <a:rPr lang="nb-NO" dirty="0" smtClean="0"/>
+              <a:t> from Thales</a:t>
+            </a:r>
+            <a:endParaRPr lang="nb-NO" dirty="0" smtClean="0"/>
+          </a:p>
+          <a:p>
+            <a:r>
+              <a:rPr lang="nb-NO" dirty="0" err="1" smtClean="0"/>
+              <a:t>Customer</a:t>
+            </a:r>
+            <a:r>
+              <a:rPr lang="nb-NO" dirty="0" smtClean="0"/>
+              <a:t> has </a:t>
+            </a:r>
+            <a:r>
+              <a:rPr lang="nb-NO" dirty="0" err="1" smtClean="0"/>
+              <a:t>provided</a:t>
+            </a:r>
+            <a:r>
+              <a:rPr lang="nb-NO" dirty="0" smtClean="0"/>
+              <a:t> </a:t>
+            </a:r>
+            <a:r>
+              <a:rPr lang="nb-NO" dirty="0" err="1" smtClean="0"/>
+              <a:t>some</a:t>
+            </a:r>
+            <a:r>
+              <a:rPr lang="nb-NO" dirty="0" smtClean="0"/>
+              <a:t> </a:t>
+            </a:r>
+            <a:r>
+              <a:rPr lang="nb-NO" dirty="0" err="1" smtClean="0"/>
+              <a:t>examples</a:t>
+            </a:r>
+            <a:endParaRPr lang="nb-NO" dirty="0" smtClean="0"/>
+          </a:p>
+          <a:p>
+            <a:r>
+              <a:rPr lang="nb-NO" dirty="0" smtClean="0"/>
+              <a:t>Most rest data must be hand </a:t>
+            </a:r>
+            <a:r>
+              <a:rPr lang="nb-NO" dirty="0" err="1" smtClean="0"/>
+              <a:t>made</a:t>
+            </a:r>
+            <a:endParaRPr lang="nb-NO" dirty="0" smtClean="0"/>
+          </a:p>
+          <a:p>
+            <a:r>
+              <a:rPr lang="nb-NO" dirty="0" smtClean="0"/>
+              <a:t>Sprint 1 goals </a:t>
+            </a:r>
+            <a:r>
+              <a:rPr lang="nb-NO" dirty="0" err="1" smtClean="0"/>
+              <a:t>easy</a:t>
+            </a:r>
+            <a:r>
+              <a:rPr lang="nb-NO" dirty="0" smtClean="0"/>
+              <a:t> to test</a:t>
+            </a:r>
+            <a:endParaRPr lang="en-GB" dirty="0"/>
+          </a:p>
+        </p:txBody>
+      </p:sp>
+    </p:spTree>
+    <p:extLst>
+      <p:ext uri="{BB962C8B-B14F-4D97-AF65-F5344CB8AC3E}">
+        <p14:creationId xmlns:p14="http://schemas.microsoft.com/office/powerpoint/2010/main" val="302753847"/>
+      </p:ext>
+    </p:extLst>
+  </p:cSld>
+  <p:clrMapOvr>
+    <a:masterClrMapping/>
+  </p:clrMapOvr>
+</p:sld>
+</file>
+
+<file path=ppt/slides/slide16.xml><?xml version="1.0" encoding="utf-8"?>
+<p:sld xmlns:a="http://schemas.openxmlformats.org/drawingml/2006/main" xmlns:r="http://schemas.openxmlformats.org/officeDocument/2006/relationships" xmlns:p="http://schemas.openxmlformats.org/presentationml/2006/main">
+  <p:cSld>
+    <p:spTree>
+      <p:nvGrpSpPr>
+        <p:cNvPr id="1" name=""/>
+        <p:cNvGrpSpPr/>
+        <p:nvPr/>
+      </p:nvGrpSpPr>
+      <p:grpSpPr>
+        <a:xfrm>
+          <a:off x="0" y="0"/>
+          <a:ext cx="0" cy="0"/>
+          <a:chOff x="0" y="0"/>
+          <a:chExt cx="0" cy="0"/>
+        </a:xfrm>
+      </p:grpSpPr>
+      <p:sp>
+        <p:nvSpPr>
+          <p:cNvPr id="5" name="Tittel 4"/>
+          <p:cNvSpPr>
+            <a:spLocks noGrp="1"/>
+          </p:cNvSpPr>
+          <p:nvPr>
+            <p:ph type="title"/>
+          </p:nvPr>
+        </p:nvSpPr>
+        <p:spPr/>
+        <p:txBody>
+          <a:bodyPr/>
+          <a:lstStyle/>
+          <a:p>
+            <a:r>
+              <a:rPr lang="nb-NO" dirty="0" smtClean="0"/>
+              <a:t>Sprint 1 </a:t>
+            </a:r>
+            <a:r>
+              <a:rPr lang="nb-NO" dirty="0" err="1" smtClean="0"/>
+              <a:t>retrospect</a:t>
+            </a:r>
+            <a:endParaRPr lang="en-GB" dirty="0"/>
+          </a:p>
+        </p:txBody>
+      </p:sp>
+      <p:sp>
+        <p:nvSpPr>
+          <p:cNvPr id="6" name="Plassholder for innhold 5"/>
+          <p:cNvSpPr>
+            <a:spLocks noGrp="1"/>
+          </p:cNvSpPr>
+          <p:nvPr>
+            <p:ph idx="1"/>
+          </p:nvPr>
+        </p:nvSpPr>
+        <p:spPr/>
+        <p:txBody>
+          <a:bodyPr>
+            <a:normAutofit/>
+          </a:bodyPr>
+          <a:lstStyle/>
+          <a:p>
+            <a:r>
+              <a:rPr lang="nb-NO" dirty="0" smtClean="0"/>
+              <a:t>Positive</a:t>
+            </a:r>
+          </a:p>
+          <a:p>
+            <a:pPr lvl="1"/>
+            <a:r>
+              <a:rPr lang="nb-NO" dirty="0" err="1" smtClean="0"/>
+              <a:t>Functional</a:t>
+            </a:r>
+            <a:r>
+              <a:rPr lang="nb-NO" dirty="0" smtClean="0"/>
+              <a:t> goals </a:t>
+            </a:r>
+            <a:r>
+              <a:rPr lang="nb-NO" dirty="0" err="1" smtClean="0"/>
+              <a:t>completed</a:t>
+            </a:r>
+            <a:endParaRPr lang="nb-NO" dirty="0" smtClean="0"/>
+          </a:p>
+          <a:p>
+            <a:pPr lvl="1"/>
+            <a:r>
+              <a:rPr lang="nb-NO" dirty="0" smtClean="0"/>
+              <a:t>Tests </a:t>
+            </a:r>
+            <a:r>
+              <a:rPr lang="nb-NO" dirty="0" err="1" smtClean="0"/>
+              <a:t>efficient</a:t>
+            </a:r>
+            <a:r>
+              <a:rPr lang="nb-NO" dirty="0" smtClean="0"/>
+              <a:t> at </a:t>
+            </a:r>
+            <a:r>
+              <a:rPr lang="nb-NO" dirty="0" err="1" smtClean="0"/>
+              <a:t>finding</a:t>
+            </a:r>
+            <a:r>
+              <a:rPr lang="nb-NO" dirty="0" smtClean="0"/>
+              <a:t> </a:t>
+            </a:r>
+            <a:r>
+              <a:rPr lang="nb-NO" dirty="0" err="1" smtClean="0"/>
+              <a:t>errors</a:t>
+            </a:r>
+            <a:endParaRPr lang="nb-NO" dirty="0" smtClean="0"/>
+          </a:p>
+          <a:p>
+            <a:pPr lvl="1"/>
+            <a:r>
+              <a:rPr lang="nb-NO" dirty="0" err="1" smtClean="0"/>
+              <a:t>Good</a:t>
+            </a:r>
+            <a:r>
+              <a:rPr lang="nb-NO" dirty="0" smtClean="0"/>
+              <a:t> feedback from </a:t>
+            </a:r>
+            <a:r>
+              <a:rPr lang="nb-NO" dirty="0" err="1" smtClean="0"/>
+              <a:t>the</a:t>
+            </a:r>
+            <a:r>
+              <a:rPr lang="nb-NO" dirty="0" smtClean="0"/>
+              <a:t> </a:t>
+            </a:r>
+            <a:r>
+              <a:rPr lang="nb-NO" dirty="0" err="1" smtClean="0"/>
+              <a:t>customer</a:t>
+            </a:r>
+            <a:endParaRPr lang="nb-NO" dirty="0" smtClean="0"/>
+          </a:p>
+          <a:p>
+            <a:r>
+              <a:rPr lang="nb-NO" dirty="0" smtClean="0"/>
+              <a:t>Negative</a:t>
+            </a:r>
+            <a:endParaRPr lang="nb-NO" dirty="0"/>
+          </a:p>
+          <a:p>
+            <a:pPr lvl="1"/>
+            <a:r>
+              <a:rPr lang="nb-NO" dirty="0" err="1" smtClean="0"/>
+              <a:t>Lack</a:t>
+            </a:r>
+            <a:r>
+              <a:rPr lang="nb-NO" dirty="0" smtClean="0"/>
+              <a:t> </a:t>
+            </a:r>
+            <a:r>
+              <a:rPr lang="nb-NO" dirty="0" err="1" smtClean="0"/>
+              <a:t>of</a:t>
+            </a:r>
+            <a:r>
+              <a:rPr lang="nb-NO" dirty="0" smtClean="0"/>
+              <a:t> </a:t>
+            </a:r>
+            <a:r>
+              <a:rPr lang="nb-NO" dirty="0" err="1" smtClean="0"/>
+              <a:t>scrum</a:t>
+            </a:r>
+            <a:r>
+              <a:rPr lang="nb-NO" dirty="0" smtClean="0"/>
+              <a:t> </a:t>
+            </a:r>
+            <a:r>
+              <a:rPr lang="nb-NO" dirty="0" err="1" smtClean="0"/>
+              <a:t>experience</a:t>
+            </a:r>
+            <a:endParaRPr lang="nb-NO" dirty="0"/>
+          </a:p>
+          <a:p>
+            <a:pPr lvl="1"/>
+            <a:r>
+              <a:rPr lang="nb-NO" dirty="0" smtClean="0"/>
+              <a:t>Too </a:t>
+            </a:r>
+            <a:r>
+              <a:rPr lang="nb-NO" dirty="0" err="1" smtClean="0"/>
+              <a:t>short</a:t>
+            </a:r>
+            <a:r>
+              <a:rPr lang="nb-NO" dirty="0" smtClean="0"/>
+              <a:t> planning </a:t>
+            </a:r>
+            <a:r>
+              <a:rPr lang="nb-NO" dirty="0" err="1" smtClean="0"/>
+              <a:t>meeting</a:t>
+            </a:r>
+            <a:endParaRPr lang="nb-NO" dirty="0"/>
+          </a:p>
+          <a:p>
+            <a:pPr lvl="1"/>
+            <a:r>
+              <a:rPr lang="nb-NO" dirty="0" err="1" smtClean="0"/>
+              <a:t>Tasks</a:t>
+            </a:r>
+            <a:r>
+              <a:rPr lang="nb-NO" dirty="0" smtClean="0"/>
+              <a:t> </a:t>
+            </a:r>
+            <a:r>
+              <a:rPr lang="nb-NO" dirty="0" err="1" smtClean="0"/>
+              <a:t>described</a:t>
+            </a:r>
+            <a:r>
+              <a:rPr lang="nb-NO" dirty="0" smtClean="0"/>
+              <a:t> in </a:t>
+            </a:r>
+            <a:r>
+              <a:rPr lang="nb-NO" dirty="0" err="1" smtClean="0"/>
+              <a:t>too</a:t>
+            </a:r>
+            <a:r>
+              <a:rPr lang="nb-NO" dirty="0" smtClean="0"/>
+              <a:t> </a:t>
+            </a:r>
+            <a:r>
+              <a:rPr lang="nb-NO" dirty="0" err="1" smtClean="0"/>
+              <a:t>high</a:t>
+            </a:r>
+            <a:r>
+              <a:rPr lang="nb-NO" dirty="0" smtClean="0"/>
+              <a:t> </a:t>
+            </a:r>
+            <a:r>
+              <a:rPr lang="nb-NO" dirty="0" err="1" smtClean="0"/>
+              <a:t>level</a:t>
+            </a:r>
+            <a:endParaRPr lang="en-GB" dirty="0"/>
+          </a:p>
+          <a:p>
+            <a:pPr lvl="1"/>
+            <a:r>
+              <a:rPr lang="nb-NO" dirty="0" err="1" smtClean="0"/>
+              <a:t>Tasks</a:t>
+            </a:r>
+            <a:r>
+              <a:rPr lang="nb-NO" dirty="0" smtClean="0"/>
+              <a:t> not </a:t>
+            </a:r>
+            <a:r>
+              <a:rPr lang="nb-NO" dirty="0" err="1" smtClean="0"/>
+              <a:t>spread</a:t>
+            </a:r>
+            <a:r>
+              <a:rPr lang="nb-NO" dirty="0" smtClean="0"/>
+              <a:t> </a:t>
+            </a:r>
+            <a:r>
+              <a:rPr lang="nb-NO" dirty="0" err="1" smtClean="0"/>
+              <a:t>according</a:t>
+            </a:r>
+            <a:r>
+              <a:rPr lang="nb-NO" dirty="0" smtClean="0"/>
+              <a:t> to </a:t>
+            </a:r>
+            <a:r>
+              <a:rPr lang="nb-NO" dirty="0" err="1" smtClean="0"/>
+              <a:t>their</a:t>
+            </a:r>
+            <a:r>
+              <a:rPr lang="nb-NO" dirty="0" smtClean="0"/>
+              <a:t> </a:t>
+            </a:r>
+            <a:r>
+              <a:rPr lang="nb-NO" dirty="0" err="1" smtClean="0"/>
+              <a:t>dependencies</a:t>
+            </a:r>
+            <a:endParaRPr lang="nb-NO" dirty="0"/>
+          </a:p>
+          <a:p>
+            <a:pPr marL="0" indent="0">
+              <a:buNone/>
+            </a:pPr>
+            <a:endParaRPr lang="nb-NO" dirty="0" smtClean="0"/>
+          </a:p>
+        </p:txBody>
+      </p:sp>
+    </p:spTree>
+    <p:extLst>
+      <p:ext uri="{BB962C8B-B14F-4D97-AF65-F5344CB8AC3E}">
+        <p14:creationId xmlns:p14="http://schemas.microsoft.com/office/powerpoint/2010/main" val="3285035911"/>
       </p:ext>
     </p:extLst>
   </p:cSld>
@@ -4778,7 +5276,7 @@
           <a:p>
             <a:r>
               <a:rPr lang="nb-NO" dirty="0" smtClean="0"/>
-              <a:t>Testing</a:t>
+              <a:t>Sprint 2</a:t>
             </a:r>
             <a:endParaRPr lang="en-GB" dirty="0"/>
           </a:p>
@@ -4786,7 +5284,7 @@
       </p:sp>
       <p:sp>
         <p:nvSpPr>
-          <p:cNvPr id="5" name="Plassholder for innhold 4"/>
+          <p:cNvPr id="3" name="Plassholder for innhold 2"/>
           <p:cNvSpPr>
             <a:spLocks noGrp="1"/>
           </p:cNvSpPr>
@@ -4801,42 +5299,67 @@
           <a:p>
             <a:r>
               <a:rPr lang="nb-NO" dirty="0" smtClean="0"/>
-              <a:t>No </a:t>
-            </a:r>
-            <a:r>
-              <a:rPr lang="nb-NO" dirty="0" err="1" smtClean="0"/>
-              <a:t>access</a:t>
-            </a:r>
-            <a:r>
-              <a:rPr lang="nb-NO" dirty="0" smtClean="0"/>
-              <a:t> to real test input or </a:t>
-            </a:r>
-            <a:r>
-              <a:rPr lang="nb-NO" dirty="0" err="1" smtClean="0"/>
-              <a:t>results</a:t>
+              <a:t>Have a </a:t>
+            </a:r>
+            <a:r>
+              <a:rPr lang="nb-NO" dirty="0" err="1" smtClean="0"/>
+              <a:t>better</a:t>
+            </a:r>
+            <a:r>
+              <a:rPr lang="nb-NO" dirty="0" smtClean="0"/>
+              <a:t> </a:t>
+            </a:r>
+            <a:r>
+              <a:rPr lang="nb-NO" dirty="0" err="1" smtClean="0"/>
+              <a:t>scrum</a:t>
+            </a:r>
+            <a:r>
+              <a:rPr lang="nb-NO" dirty="0" smtClean="0"/>
+              <a:t> </a:t>
+            </a:r>
+            <a:r>
+              <a:rPr lang="nb-NO" dirty="0" err="1" smtClean="0"/>
+              <a:t>process</a:t>
             </a:r>
             <a:endParaRPr lang="nb-NO" dirty="0" smtClean="0"/>
           </a:p>
           <a:p>
             <a:r>
               <a:rPr lang="nb-NO" dirty="0" err="1" smtClean="0"/>
-              <a:t>Customer</a:t>
-            </a:r>
-            <a:r>
-              <a:rPr lang="nb-NO" dirty="0" smtClean="0"/>
-              <a:t> has </a:t>
-            </a:r>
-            <a:r>
-              <a:rPr lang="nb-NO" dirty="0" err="1" smtClean="0"/>
-              <a:t>provided</a:t>
+              <a:t>Refactor</a:t>
             </a:r>
             <a:r>
               <a:rPr lang="nb-NO" dirty="0" smtClean="0"/>
               <a:t> </a:t>
             </a:r>
             <a:r>
-              <a:rPr lang="nb-NO" dirty="0" err="1" smtClean="0"/>
-              <a:t>some</a:t>
+              <a:rPr lang="nb-NO" dirty="0" err="1"/>
+              <a:t>code</a:t>
+            </a:r>
+            <a:r>
+              <a:rPr lang="nb-NO" dirty="0"/>
+              <a:t> from sprint </a:t>
+            </a:r>
+            <a:r>
+              <a:rPr lang="nb-NO" dirty="0" smtClean="0"/>
+              <a:t>1</a:t>
+            </a:r>
+            <a:endParaRPr lang="nb-NO" dirty="0" smtClean="0"/>
+          </a:p>
+          <a:p>
+            <a:r>
+              <a:rPr lang="nb-NO" dirty="0" smtClean="0"/>
+              <a:t>Support </a:t>
+            </a:r>
+            <a:r>
+              <a:rPr lang="nb-NO" dirty="0" smtClean="0"/>
+              <a:t>for non-primitive C types</a:t>
+            </a:r>
+          </a:p>
+          <a:p>
+            <a:r>
+              <a:rPr lang="nb-NO" dirty="0" err="1" smtClean="0"/>
+              <a:t>Configuration</a:t>
             </a:r>
             <a:r>
               <a:rPr lang="nb-NO" dirty="0" smtClean="0"/>
@@ -4844,180 +5367,46 @@
             </a:r>
             <a:r>
               <a:rPr lang="nb-NO" dirty="0" err="1" smtClean="0"/>
-              <a:t>examples</a:t>
+              <a:t>of</a:t>
+            </a:r>
+            <a:r>
+              <a:rPr lang="nb-NO" dirty="0" smtClean="0"/>
+              <a:t> type and </a:t>
+            </a:r>
+            <a:r>
+              <a:rPr lang="nb-NO" dirty="0" err="1" smtClean="0"/>
+              <a:t>member</a:t>
+            </a:r>
+            <a:r>
+              <a:rPr lang="nb-NO" dirty="0" smtClean="0"/>
+              <a:t> </a:t>
+            </a:r>
+            <a:r>
+              <a:rPr lang="nb-NO" dirty="0" err="1" smtClean="0"/>
+              <a:t>semantic</a:t>
             </a:r>
             <a:endParaRPr lang="nb-NO" dirty="0" smtClean="0"/>
           </a:p>
           <a:p>
             <a:r>
               <a:rPr lang="nb-NO" dirty="0" smtClean="0"/>
-              <a:t>Most rest data must be hand </a:t>
-            </a:r>
-            <a:r>
-              <a:rPr lang="nb-NO" dirty="0" err="1" smtClean="0"/>
-              <a:t>made</a:t>
-            </a:r>
-            <a:endParaRPr lang="en-GB" dirty="0"/>
-          </a:p>
-        </p:txBody>
-      </p:sp>
-    </p:spTree>
-    <p:extLst>
-      <p:ext uri="{BB962C8B-B14F-4D97-AF65-F5344CB8AC3E}">
-        <p14:creationId xmlns:p14="http://schemas.microsoft.com/office/powerpoint/2010/main" val="302753847"/>
-      </p:ext>
-    </p:extLst>
-  </p:cSld>
-  <p:clrMapOvr>
-    <a:masterClrMapping/>
-  </p:clrMapOvr>
-</p:sld>
-</file>
-
-<file path=ppt/slides/slide18.xml><?xml version="1.0" encoding="utf-8"?>
-<p:sld xmlns:a="http://schemas.openxmlformats.org/drawingml/2006/main" xmlns:r="http://schemas.openxmlformats.org/officeDocument/2006/relationships" xmlns:p="http://schemas.openxmlformats.org/presentationml/2006/main">
-  <p:cSld>
-    <p:spTree>
-      <p:nvGrpSpPr>
-        <p:cNvPr id="1" name=""/>
-        <p:cNvGrpSpPr/>
-        <p:nvPr/>
-      </p:nvGrpSpPr>
-      <p:grpSpPr>
-        <a:xfrm>
-          <a:off x="0" y="0"/>
-          <a:ext cx="0" cy="0"/>
-          <a:chOff x="0" y="0"/>
-          <a:chExt cx="0" cy="0"/>
-        </a:xfrm>
-      </p:grpSpPr>
-      <p:sp>
-        <p:nvSpPr>
-          <p:cNvPr id="5" name="Tittel 4"/>
-          <p:cNvSpPr>
-            <a:spLocks noGrp="1"/>
-          </p:cNvSpPr>
-          <p:nvPr>
-            <p:ph type="title"/>
-          </p:nvPr>
-        </p:nvSpPr>
-        <p:spPr/>
-        <p:txBody>
-          <a:bodyPr/>
-          <a:lstStyle/>
-          <a:p>
-            <a:r>
-              <a:rPr lang="nb-NO" dirty="0" smtClean="0"/>
-              <a:t>Sprint 1 </a:t>
-            </a:r>
-            <a:r>
-              <a:rPr lang="nb-NO" dirty="0" err="1" smtClean="0"/>
-              <a:t>retrospect</a:t>
-            </a:r>
-            <a:endParaRPr lang="en-GB" dirty="0"/>
-          </a:p>
-        </p:txBody>
-      </p:sp>
-      <p:sp>
-        <p:nvSpPr>
-          <p:cNvPr id="6" name="Plassholder for innhold 5"/>
-          <p:cNvSpPr>
-            <a:spLocks noGrp="1"/>
-          </p:cNvSpPr>
-          <p:nvPr>
-            <p:ph idx="1"/>
-          </p:nvPr>
-        </p:nvSpPr>
-        <p:spPr/>
-        <p:txBody>
-          <a:bodyPr/>
-          <a:lstStyle/>
-          <a:p>
-            <a:endParaRPr lang="en-GB" dirty="0"/>
-          </a:p>
-        </p:txBody>
-      </p:sp>
-    </p:spTree>
-    <p:extLst>
-      <p:ext uri="{BB962C8B-B14F-4D97-AF65-F5344CB8AC3E}">
-        <p14:creationId xmlns:p14="http://schemas.microsoft.com/office/powerpoint/2010/main" val="3285035911"/>
-      </p:ext>
-    </p:extLst>
-  </p:cSld>
-  <p:clrMapOvr>
-    <a:masterClrMapping/>
-  </p:clrMapOvr>
-</p:sld>
-</file>
-
-<file path=ppt/slides/slide19.xml><?xml version="1.0" encoding="utf-8"?>
-<p:sld xmlns:a="http://schemas.openxmlformats.org/drawingml/2006/main" xmlns:r="http://schemas.openxmlformats.org/officeDocument/2006/relationships" xmlns:p="http://schemas.openxmlformats.org/presentationml/2006/main">
-  <p:cSld>
-    <p:spTree>
-      <p:nvGrpSpPr>
-        <p:cNvPr id="1" name=""/>
-        <p:cNvGrpSpPr/>
-        <p:nvPr/>
-      </p:nvGrpSpPr>
-      <p:grpSpPr>
-        <a:xfrm>
-          <a:off x="0" y="0"/>
-          <a:ext cx="0" cy="0"/>
-          <a:chOff x="0" y="0"/>
-          <a:chExt cx="0" cy="0"/>
-        </a:xfrm>
-      </p:grpSpPr>
-      <p:sp>
-        <p:nvSpPr>
-          <p:cNvPr id="2" name="Tittel 1"/>
-          <p:cNvSpPr>
-            <a:spLocks noGrp="1"/>
-          </p:cNvSpPr>
-          <p:nvPr>
-            <p:ph type="title"/>
-          </p:nvPr>
-        </p:nvSpPr>
-        <p:spPr/>
-        <p:txBody>
-          <a:bodyPr/>
-          <a:lstStyle/>
-          <a:p>
-            <a:r>
-              <a:rPr lang="nb-NO" dirty="0" smtClean="0"/>
-              <a:t>Sprint 2</a:t>
-            </a:r>
-            <a:endParaRPr lang="en-GB" dirty="0"/>
-          </a:p>
-        </p:txBody>
-      </p:sp>
-      <p:sp>
-        <p:nvSpPr>
-          <p:cNvPr id="3" name="Plassholder for innhold 2"/>
-          <p:cNvSpPr>
-            <a:spLocks noGrp="1"/>
-          </p:cNvSpPr>
-          <p:nvPr>
-            <p:ph idx="1"/>
-          </p:nvPr>
-        </p:nvSpPr>
-        <p:spPr/>
-        <p:txBody>
-          <a:bodyPr/>
-          <a:lstStyle/>
-          <a:p>
-            <a:r>
-              <a:rPr lang="nb-NO" dirty="0" smtClean="0"/>
-              <a:t>Support for non-primitive C types</a:t>
-            </a:r>
-          </a:p>
-          <a:p>
-            <a:r>
-              <a:rPr lang="nb-NO" dirty="0" err="1" smtClean="0"/>
-              <a:t>Configuration</a:t>
-            </a:r>
-            <a:r>
-              <a:rPr lang="nb-NO" dirty="0" smtClean="0"/>
-              <a:t> </a:t>
+              <a:t>Support for 3. party </a:t>
+            </a:r>
+            <a:r>
+              <a:rPr lang="nb-NO" dirty="0" err="1" smtClean="0"/>
+              <a:t>dissectors</a:t>
+            </a:r>
+            <a:r>
+              <a:rPr lang="nb-NO" dirty="0" smtClean="0"/>
+              <a:t> to </a:t>
+            </a:r>
+            <a:r>
+              <a:rPr lang="nb-NO" dirty="0" err="1" smtClean="0"/>
+              <a:t>decode</a:t>
+            </a:r>
+            <a:r>
+              <a:rPr lang="nb-NO" dirty="0" smtClean="0"/>
+              <a:t> trailers </a:t>
             </a:r>
             <a:r>
               <a:rPr lang="nb-NO" dirty="0" err="1" smtClean="0"/>
@@ -5025,49 +5414,6 @@
             </a:r>
             <a:r>
               <a:rPr lang="nb-NO" dirty="0" smtClean="0"/>
-              <a:t> type and </a:t>
-            </a:r>
-            <a:r>
-              <a:rPr lang="nb-NO" dirty="0" err="1" smtClean="0"/>
-              <a:t>member</a:t>
-            </a:r>
-            <a:r>
-              <a:rPr lang="nb-NO" dirty="0" smtClean="0"/>
-              <a:t> </a:t>
-            </a:r>
-            <a:r>
-              <a:rPr lang="nb-NO" dirty="0" err="1" smtClean="0"/>
-              <a:t>semantic</a:t>
-            </a:r>
-            <a:endParaRPr lang="nb-NO" dirty="0" smtClean="0"/>
-          </a:p>
-          <a:p>
-            <a:r>
-              <a:rPr lang="nb-NO" dirty="0" smtClean="0"/>
-              <a:t>Support for 3. party </a:t>
-            </a:r>
-            <a:r>
-              <a:rPr lang="nb-NO" dirty="0" err="1" smtClean="0"/>
-              <a:t>dissectors</a:t>
-            </a:r>
-            <a:r>
-              <a:rPr lang="nb-NO" dirty="0" smtClean="0"/>
-              <a:t> to </a:t>
-            </a:r>
-            <a:r>
-              <a:rPr lang="nb-NO" dirty="0" err="1" smtClean="0"/>
-              <a:t>decode</a:t>
-            </a:r>
-            <a:r>
-              <a:rPr lang="nb-NO" dirty="0" smtClean="0"/>
-              <a:t> trailers </a:t>
-            </a:r>
-            <a:r>
-              <a:rPr lang="nb-NO" dirty="0" err="1" smtClean="0"/>
-              <a:t>of</a:t>
-            </a:r>
-            <a:r>
-              <a:rPr lang="nb-NO" dirty="0" smtClean="0"/>
               <a:t> a </a:t>
             </a:r>
             <a:r>
@@ -5075,24 +5421,6 @@
               <a:t>message</a:t>
             </a:r>
             <a:endParaRPr lang="nb-NO" dirty="0"/>
-          </a:p>
-          <a:p>
-            <a:r>
-              <a:rPr lang="nb-NO" dirty="0" err="1" smtClean="0"/>
-              <a:t>Refactor</a:t>
-            </a:r>
-            <a:r>
-              <a:rPr lang="nb-NO" dirty="0" smtClean="0"/>
-              <a:t> </a:t>
-            </a:r>
-            <a:r>
-              <a:rPr lang="nb-NO" dirty="0" err="1" smtClean="0"/>
-              <a:t>code</a:t>
-            </a:r>
-            <a:r>
-              <a:rPr lang="nb-NO" dirty="0" smtClean="0"/>
-              <a:t> from sprint 1</a:t>
-            </a:r>
           </a:p>
           <a:p>
             <a:endParaRPr lang="en-GB" dirty="0"/>
@@ -5112,146 +5440,7 @@
 </p:sld>
 </file>
 
-<file path=ppt/slides/slide2.xml><?xml version="1.0" encoding="utf-8"?>
-<p:sld xmlns:a="http://schemas.openxmlformats.org/drawingml/2006/main" xmlns:r="http://schemas.openxmlformats.org/officeDocument/2006/relationships" xmlns:p="http://schemas.openxmlformats.org/presentationml/2006/main">
-  <p:cSld>
-    <p:spTree>
-      <p:nvGrpSpPr>
-        <p:cNvPr id="1" name=""/>
-        <p:cNvGrpSpPr/>
-        <p:nvPr/>
-      </p:nvGrpSpPr>
-      <p:grpSpPr>
-        <a:xfrm>
-          <a:off x="0" y="0"/>
-          <a:ext cx="0" cy="0"/>
-          <a:chOff x="0" y="0"/>
-          <a:chExt cx="0" cy="0"/>
-        </a:xfrm>
-      </p:grpSpPr>
-      <p:sp>
-        <p:nvSpPr>
-          <p:cNvPr id="5" name="Tittel 4"/>
-          <p:cNvSpPr>
-            <a:spLocks noGrp="1"/>
-          </p:cNvSpPr>
-          <p:nvPr>
-            <p:ph type="title"/>
-          </p:nvPr>
-        </p:nvSpPr>
-        <p:spPr/>
-        <p:txBody>
-          <a:bodyPr/>
-          <a:lstStyle/>
-          <a:p>
-            <a:r>
-              <a:rPr lang="nb-NO" dirty="0" smtClean="0"/>
-              <a:t>Agenda</a:t>
-            </a:r>
-            <a:endParaRPr lang="en-GB" dirty="0"/>
-          </a:p>
-        </p:txBody>
-      </p:sp>
-      <p:sp>
-        <p:nvSpPr>
-          <p:cNvPr id="6" name="Plassholder for innhold 5"/>
-          <p:cNvSpPr>
-            <a:spLocks noGrp="1"/>
-          </p:cNvSpPr>
-          <p:nvPr>
-            <p:ph idx="1"/>
-          </p:nvPr>
-        </p:nvSpPr>
-        <p:spPr/>
-        <p:txBody>
-          <a:bodyPr/>
-          <a:lstStyle/>
-          <a:p>
-            <a:r>
-              <a:rPr lang="nb-NO" dirty="0" smtClean="0"/>
-              <a:t>The </a:t>
-            </a:r>
-            <a:r>
-              <a:rPr lang="nb-NO" dirty="0" smtClean="0"/>
-              <a:t>team</a:t>
-            </a:r>
-          </a:p>
-          <a:p>
-            <a:r>
-              <a:rPr lang="nb-NO" dirty="0" smtClean="0"/>
-              <a:t>T</a:t>
-            </a:r>
-            <a:r>
-              <a:rPr lang="nb-NO" dirty="0" smtClean="0"/>
-              <a:t>he </a:t>
-            </a:r>
-            <a:r>
-              <a:rPr lang="nb-NO" dirty="0" err="1" smtClean="0"/>
-              <a:t>customer</a:t>
-            </a:r>
-            <a:endParaRPr lang="nb-NO" dirty="0" smtClean="0"/>
-          </a:p>
-          <a:p>
-            <a:r>
-              <a:rPr lang="nb-NO" dirty="0" smtClean="0"/>
-              <a:t>The </a:t>
-            </a:r>
-            <a:r>
-              <a:rPr lang="nb-NO" dirty="0" err="1" smtClean="0"/>
-              <a:t>task</a:t>
-            </a:r>
-            <a:endParaRPr lang="nb-NO" dirty="0" smtClean="0"/>
-          </a:p>
-          <a:p>
-            <a:r>
-              <a:rPr lang="nb-NO" dirty="0" smtClean="0"/>
-              <a:t>Pre-</a:t>
-            </a:r>
-            <a:r>
-              <a:rPr lang="nb-NO" dirty="0" err="1" smtClean="0"/>
-              <a:t>study</a:t>
-            </a:r>
-            <a:endParaRPr lang="nb-NO" dirty="0" smtClean="0"/>
-          </a:p>
-          <a:p>
-            <a:r>
-              <a:rPr lang="nb-NO" dirty="0" smtClean="0"/>
-              <a:t>The sprints</a:t>
-            </a:r>
-          </a:p>
-          <a:p>
-            <a:r>
-              <a:rPr lang="nb-NO" dirty="0" smtClean="0"/>
-              <a:t>Demo</a:t>
-            </a:r>
-          </a:p>
-          <a:p>
-            <a:r>
-              <a:rPr lang="nb-NO" dirty="0" smtClean="0"/>
-              <a:t>Questions and </a:t>
-            </a:r>
-            <a:r>
-              <a:rPr lang="nb-NO" dirty="0" err="1" smtClean="0"/>
-              <a:t>answers</a:t>
-            </a:r>
-            <a:endParaRPr lang="nb-NO" dirty="0" smtClean="0"/>
-          </a:p>
-        </p:txBody>
-      </p:sp>
-    </p:spTree>
-    <p:extLst>
-      <p:ext uri="{BB962C8B-B14F-4D97-AF65-F5344CB8AC3E}">
-        <p14:creationId xmlns:p14="http://schemas.microsoft.com/office/powerpoint/2010/main" val="4197995715"/>
-      </p:ext>
-    </p:extLst>
-  </p:cSld>
-  <p:clrMapOvr>
-    <a:masterClrMapping/>
-  </p:clrMapOvr>
-</p:sld>
-</file>
-
-<file path=ppt/slides/slide20.xml><?xml version="1.0" encoding="utf-8"?>
+<file path=ppt/slides/slide18.xml><?xml version="1.0" encoding="utf-8"?>
 <p:sld xmlns:a="http://schemas.openxmlformats.org/drawingml/2006/main" xmlns:r="http://schemas.openxmlformats.org/officeDocument/2006/relationships" xmlns:p="http://schemas.openxmlformats.org/presentationml/2006/main">
   <p:cSld>
     <p:spTree>
@@ -5333,7 +5522,7 @@
 </p:sld>
 </file>
 
-<file path=ppt/slides/slide21.xml><?xml version="1.0" encoding="utf-8"?>
+<file path=ppt/slides/slide19.xml><?xml version="1.0" encoding="utf-8"?>
 <p:sld xmlns:a="http://schemas.openxmlformats.org/drawingml/2006/main" xmlns:r="http://schemas.openxmlformats.org/officeDocument/2006/relationships" xmlns:p="http://schemas.openxmlformats.org/presentationml/2006/main">
   <p:cSld>
     <p:spTree>
@@ -5433,7 +5622,7 @@
           </a:prstGeom>
           <a:noFill/>
           <a:extLst>
-            <a:ext uri="{909E8E84-426E-40dd-AFC4-6F175D3DCCD1}">
+            <a:ext uri="{909E8E84-426E-40DD-AFC4-6F175D3DCCD1}">
               <a14:hiddenFill xmlns:a14="http://schemas.microsoft.com/office/drawing/2010/main">
                 <a:solidFill>
                   <a:srgbClr val="FFFFFF"/>
@@ -5456,7 +5645,138 @@
 </p:sld>
 </file>
 
-<file path=ppt/slides/slide22.xml><?xml version="1.0" encoding="utf-8"?>
+<file path=ppt/slides/slide2.xml><?xml version="1.0" encoding="utf-8"?>
+<p:sld xmlns:a="http://schemas.openxmlformats.org/drawingml/2006/main" xmlns:r="http://schemas.openxmlformats.org/officeDocument/2006/relationships" xmlns:p="http://schemas.openxmlformats.org/presentationml/2006/main">
+  <p:cSld>
+    <p:spTree>
+      <p:nvGrpSpPr>
+        <p:cNvPr id="1" name=""/>
+        <p:cNvGrpSpPr/>
+        <p:nvPr/>
+      </p:nvGrpSpPr>
+      <p:grpSpPr>
+        <a:xfrm>
+          <a:off x="0" y="0"/>
+          <a:ext cx="0" cy="0"/>
+          <a:chOff x="0" y="0"/>
+          <a:chExt cx="0" cy="0"/>
+        </a:xfrm>
+      </p:grpSpPr>
+      <p:sp>
+        <p:nvSpPr>
+          <p:cNvPr id="5" name="Tittel 4"/>
+          <p:cNvSpPr>
+            <a:spLocks noGrp="1"/>
+          </p:cNvSpPr>
+          <p:nvPr>
+            <p:ph type="title"/>
+          </p:nvPr>
+        </p:nvSpPr>
+        <p:spPr/>
+        <p:txBody>
+          <a:bodyPr/>
+          <a:lstStyle/>
+          <a:p>
+            <a:r>
+              <a:rPr lang="nb-NO" dirty="0" smtClean="0"/>
+              <a:t>Agenda</a:t>
+            </a:r>
+            <a:endParaRPr lang="en-GB" dirty="0"/>
+          </a:p>
+        </p:txBody>
+      </p:sp>
+      <p:sp>
+        <p:nvSpPr>
+          <p:cNvPr id="6" name="Plassholder for innhold 5"/>
+          <p:cNvSpPr>
+            <a:spLocks noGrp="1"/>
+          </p:cNvSpPr>
+          <p:nvPr>
+            <p:ph idx="1"/>
+          </p:nvPr>
+        </p:nvSpPr>
+        <p:spPr/>
+        <p:txBody>
+          <a:bodyPr/>
+          <a:lstStyle/>
+          <a:p>
+            <a:r>
+              <a:rPr lang="nb-NO" dirty="0" smtClean="0"/>
+              <a:t>The team</a:t>
+            </a:r>
+          </a:p>
+          <a:p>
+            <a:r>
+              <a:rPr lang="nb-NO" dirty="0" smtClean="0"/>
+              <a:t>The </a:t>
+            </a:r>
+            <a:r>
+              <a:rPr lang="nb-NO" dirty="0" err="1" smtClean="0"/>
+              <a:t>customer</a:t>
+            </a:r>
+            <a:endParaRPr lang="nb-NO" dirty="0" smtClean="0"/>
+          </a:p>
+          <a:p>
+            <a:r>
+              <a:rPr lang="nb-NO" dirty="0" smtClean="0"/>
+              <a:t>The </a:t>
+            </a:r>
+            <a:r>
+              <a:rPr lang="nb-NO" dirty="0" err="1" smtClean="0"/>
+              <a:t>task</a:t>
+            </a:r>
+            <a:endParaRPr lang="nb-NO" dirty="0" smtClean="0"/>
+          </a:p>
+          <a:p>
+            <a:r>
+              <a:rPr lang="nb-NO" dirty="0" smtClean="0"/>
+              <a:t>Pre-</a:t>
+            </a:r>
+            <a:r>
+              <a:rPr lang="nb-NO" dirty="0" err="1" smtClean="0"/>
+              <a:t>study</a:t>
+            </a:r>
+            <a:endParaRPr lang="nb-NO" dirty="0" smtClean="0"/>
+          </a:p>
+          <a:p>
+            <a:r>
+              <a:rPr lang="nb-NO" dirty="0" smtClean="0"/>
+              <a:t>The sprints</a:t>
+            </a:r>
+          </a:p>
+          <a:p>
+            <a:r>
+              <a:rPr lang="nb-NO" dirty="0" smtClean="0"/>
+              <a:t>Demo</a:t>
+            </a:r>
+          </a:p>
+          <a:p>
+            <a:r>
+              <a:rPr lang="nb-NO" dirty="0" smtClean="0"/>
+              <a:t>Questions and </a:t>
+            </a:r>
+            <a:r>
+              <a:rPr lang="nb-NO" dirty="0" err="1" smtClean="0"/>
+              <a:t>answers</a:t>
+            </a:r>
+            <a:endParaRPr lang="nb-NO" dirty="0" smtClean="0"/>
+          </a:p>
+        </p:txBody>
+      </p:sp>
+    </p:spTree>
+    <p:extLst>
+      <p:ext uri="{BB962C8B-B14F-4D97-AF65-F5344CB8AC3E}">
+        <p14:creationId xmlns:p14="http://schemas.microsoft.com/office/powerpoint/2010/main" val="4197995715"/>
+      </p:ext>
+    </p:extLst>
+  </p:cSld>
+  <p:clrMapOvr>
+    <a:masterClrMapping/>
+  </p:clrMapOvr>
+</p:sld>
+</file>
+
+<file path=ppt/slides/slide20.xml><?xml version="1.0" encoding="utf-8"?>
 <p:sld xmlns:a="http://schemas.openxmlformats.org/drawingml/2006/main" xmlns:r="http://schemas.openxmlformats.org/officeDocument/2006/relationships" xmlns:p="http://schemas.openxmlformats.org/presentationml/2006/main">
   <p:cSld>
     <p:spTree>
@@ -5556,7 +5876,7 @@
           </a:prstGeom>
           <a:noFill/>
           <a:extLst>
-            <a:ext uri="{909E8E84-426E-40dd-AFC4-6F175D3DCCD1}">
+            <a:ext uri="{909E8E84-426E-40DD-AFC4-6F175D3DCCD1}">
               <a14:hiddenFill xmlns:a14="http://schemas.microsoft.com/office/drawing/2010/main">
                 <a:solidFill>
                   <a:srgbClr val="FFFFFF"/>
@@ -5570,6 +5890,275 @@
     <p:extLst>
       <p:ext uri="{BB962C8B-B14F-4D97-AF65-F5344CB8AC3E}">
         <p14:creationId xmlns:p14="http://schemas.microsoft.com/office/powerpoint/2010/main" val="2273743603"/>
+      </p:ext>
+    </p:extLst>
+  </p:cSld>
+  <p:clrMapOvr>
+    <a:masterClrMapping/>
+  </p:clrMapOvr>
+</p:sld>
+</file>
+
+<file path=ppt/slides/slide21.xml><?xml version="1.0" encoding="utf-8"?>
+<p:sld xmlns:a="http://schemas.openxmlformats.org/drawingml/2006/main" xmlns:r="http://schemas.openxmlformats.org/officeDocument/2006/relationships" xmlns:p="http://schemas.openxmlformats.org/presentationml/2006/main">
+  <p:cSld>
+    <p:spTree>
+      <p:nvGrpSpPr>
+        <p:cNvPr id="1" name=""/>
+        <p:cNvGrpSpPr/>
+        <p:nvPr/>
+      </p:nvGrpSpPr>
+      <p:grpSpPr>
+        <a:xfrm>
+          <a:off x="0" y="0"/>
+          <a:ext cx="0" cy="0"/>
+          <a:chOff x="0" y="0"/>
+          <a:chExt cx="0" cy="0"/>
+        </a:xfrm>
+      </p:grpSpPr>
+      <p:sp>
+        <p:nvSpPr>
+          <p:cNvPr id="2" name="Tittel 1"/>
+          <p:cNvSpPr>
+            <a:spLocks noGrp="1"/>
+          </p:cNvSpPr>
+          <p:nvPr>
+            <p:ph type="title"/>
+          </p:nvPr>
+        </p:nvSpPr>
+        <p:spPr/>
+        <p:txBody>
+          <a:bodyPr/>
+          <a:lstStyle/>
+          <a:p>
+            <a:r>
+              <a:rPr lang="nb-NO" dirty="0" err="1" smtClean="0"/>
+              <a:t>Custom</a:t>
+            </a:r>
+            <a:r>
+              <a:rPr lang="nb-NO" dirty="0" smtClean="0"/>
+              <a:t> lua type </a:t>
+            </a:r>
+            <a:r>
+              <a:rPr lang="nb-NO" dirty="0" err="1" smtClean="0"/>
+              <a:t>config</a:t>
+            </a:r>
+            <a:endParaRPr lang="en-GB" dirty="0"/>
+          </a:p>
+        </p:txBody>
+      </p:sp>
+      <p:pic>
+        <p:nvPicPr>
+          <p:cNvPr id="6" name="Plassholder for innhold 5"/>
+          <p:cNvPicPr>
+            <a:picLocks noGrp="1" noChangeAspect="1"/>
+          </p:cNvPicPr>
+          <p:nvPr>
+            <p:ph idx="1"/>
+          </p:nvPr>
+        </p:nvPicPr>
+        <p:blipFill>
+          <a:blip r:embed="rId2">
+            <a:extLst>
+              <a:ext uri="{28A0092B-C50C-407E-A947-70E740481C1C}">
+                <a14:useLocalDpi xmlns:a14="http://schemas.microsoft.com/office/drawing/2010/main" val="0"/>
+              </a:ext>
+            </a:extLst>
+          </a:blip>
+          <a:stretch>
+            <a:fillRect/>
+          </a:stretch>
+        </p:blipFill>
+        <p:spPr>
+          <a:xfrm>
+            <a:off x="1937446" y="4179982"/>
+            <a:ext cx="5048955" cy="2295846"/>
+          </a:xfrm>
+        </p:spPr>
+      </p:pic>
+      <p:pic>
+        <p:nvPicPr>
+          <p:cNvPr id="4098" name="Picture 2" descr="D:\kpro9\presentation\img\sprint2_custom_lua_type_header.png"/>
+          <p:cNvPicPr>
+            <a:picLocks noChangeAspect="1" noChangeArrowheads="1"/>
+          </p:cNvPicPr>
+          <p:nvPr/>
+        </p:nvPicPr>
+        <p:blipFill>
+          <a:blip r:embed="rId3">
+            <a:extLst>
+              <a:ext uri="{28A0092B-C50C-407E-A947-70E740481C1C}">
+                <a14:useLocalDpi xmlns:a14="http://schemas.microsoft.com/office/drawing/2010/main" val="0"/>
+              </a:ext>
+            </a:extLst>
+          </a:blip>
+          <a:srcRect/>
+          <a:stretch>
+            <a:fillRect/>
+          </a:stretch>
+        </p:blipFill>
+        <p:spPr bwMode="auto">
+          <a:xfrm>
+            <a:off x="5563142" y="1581805"/>
+            <a:ext cx="2438400" cy="3409950"/>
+          </a:xfrm>
+          <a:prstGeom prst="rect">
+            <a:avLst/>
+          </a:prstGeom>
+          <a:noFill/>
+          <a:extLst>
+            <a:ext uri="{909E8E84-426E-40DD-AFC4-6F175D3DCCD1}">
+              <a14:hiddenFill xmlns:a14="http://schemas.microsoft.com/office/drawing/2010/main">
+                <a:solidFill>
+                  <a:srgbClr val="FFFFFF"/>
+                </a:solidFill>
+              </a14:hiddenFill>
+            </a:ext>
+          </a:extLst>
+        </p:spPr>
+      </p:pic>
+      <p:pic>
+        <p:nvPicPr>
+          <p:cNvPr id="4099" name="Picture 3" descr="D:\kpro9\presentation\img\sprint2_custom_lua_type_config.png"/>
+          <p:cNvPicPr>
+            <a:picLocks noChangeAspect="1" noChangeArrowheads="1"/>
+          </p:cNvPicPr>
+          <p:nvPr/>
+        </p:nvPicPr>
+        <p:blipFill>
+          <a:blip r:embed="rId4">
+            <a:extLst>
+              <a:ext uri="{28A0092B-C50C-407E-A947-70E740481C1C}">
+                <a14:useLocalDpi xmlns:a14="http://schemas.microsoft.com/office/drawing/2010/main" val="0"/>
+              </a:ext>
+            </a:extLst>
+          </a:blip>
+          <a:srcRect/>
+          <a:stretch>
+            <a:fillRect/>
+          </a:stretch>
+        </p:blipFill>
+        <p:spPr bwMode="auto">
+          <a:xfrm>
+            <a:off x="700357" y="1461170"/>
+            <a:ext cx="2926246" cy="3547223"/>
+          </a:xfrm>
+          <a:prstGeom prst="rect">
+            <a:avLst/>
+          </a:prstGeom>
+          <a:noFill/>
+          <a:extLst>
+            <a:ext uri="{909E8E84-426E-40DD-AFC4-6F175D3DCCD1}">
+              <a14:hiddenFill xmlns:a14="http://schemas.microsoft.com/office/drawing/2010/main">
+                <a:solidFill>
+                  <a:srgbClr val="FFFFFF"/>
+                </a:solidFill>
+              </a14:hiddenFill>
+            </a:ext>
+          </a:extLst>
+        </p:spPr>
+      </p:pic>
+    </p:spTree>
+    <p:extLst>
+      <p:ext uri="{BB962C8B-B14F-4D97-AF65-F5344CB8AC3E}">
+        <p14:creationId xmlns:p14="http://schemas.microsoft.com/office/powerpoint/2010/main" val="1740067760"/>
+      </p:ext>
+    </p:extLst>
+  </p:cSld>
+  <p:clrMapOvr>
+    <a:masterClrMapping/>
+  </p:clrMapOvr>
+</p:sld>
+</file>
+
+<file path=ppt/slides/slide22.xml><?xml version="1.0" encoding="utf-8"?>
+<p:sld xmlns:a="http://schemas.openxmlformats.org/drawingml/2006/main" xmlns:r="http://schemas.openxmlformats.org/officeDocument/2006/relationships" xmlns:p="http://schemas.openxmlformats.org/presentationml/2006/main">
+  <p:cSld>
+    <p:spTree>
+      <p:nvGrpSpPr>
+        <p:cNvPr id="1" name=""/>
+        <p:cNvGrpSpPr/>
+        <p:nvPr/>
+      </p:nvGrpSpPr>
+      <p:grpSpPr>
+        <a:xfrm>
+          <a:off x="0" y="0"/>
+          <a:ext cx="0" cy="0"/>
+          <a:chOff x="0" y="0"/>
+          <a:chExt cx="0" cy="0"/>
+        </a:xfrm>
+      </p:grpSpPr>
+      <p:sp>
+        <p:nvSpPr>
+          <p:cNvPr id="2" name="Tittel 1"/>
+          <p:cNvSpPr>
+            <a:spLocks noGrp="1"/>
+          </p:cNvSpPr>
+          <p:nvPr>
+            <p:ph type="title"/>
+          </p:nvPr>
+        </p:nvSpPr>
+        <p:spPr/>
+        <p:txBody>
+          <a:bodyPr/>
+          <a:lstStyle/>
+          <a:p>
+            <a:r>
+              <a:rPr lang="nb-NO" dirty="0" smtClean="0"/>
+              <a:t>Sprint 2 testing</a:t>
+            </a:r>
+            <a:endParaRPr lang="en-GB" dirty="0"/>
+          </a:p>
+        </p:txBody>
+      </p:sp>
+      <p:sp>
+        <p:nvSpPr>
+          <p:cNvPr id="3" name="Plassholder for innhold 2"/>
+          <p:cNvSpPr>
+            <a:spLocks noGrp="1"/>
+          </p:cNvSpPr>
+          <p:nvPr>
+            <p:ph idx="1"/>
+          </p:nvPr>
+        </p:nvSpPr>
+        <p:spPr/>
+        <p:txBody>
+          <a:bodyPr/>
+          <a:lstStyle/>
+          <a:p>
+            <a:r>
+              <a:rPr lang="nb-NO" dirty="0"/>
+              <a:t>C</a:t>
+            </a:r>
+            <a:r>
+              <a:rPr lang="nb-NO" dirty="0" smtClean="0"/>
+              <a:t>ode </a:t>
+            </a:r>
+            <a:r>
+              <a:rPr lang="nb-NO" dirty="0" err="1" smtClean="0"/>
+              <a:t>coverage</a:t>
+            </a:r>
+            <a:endParaRPr lang="nb-NO" dirty="0"/>
+          </a:p>
+          <a:p>
+            <a:r>
+              <a:rPr lang="nb-NO" dirty="0" err="1" smtClean="0"/>
+              <a:t>Improving</a:t>
+            </a:r>
+            <a:r>
+              <a:rPr lang="nb-NO" dirty="0" smtClean="0"/>
+              <a:t> unit tests</a:t>
+            </a:r>
+          </a:p>
+          <a:p>
+            <a:endParaRPr lang="en-GB" dirty="0"/>
+          </a:p>
+        </p:txBody>
+      </p:sp>
+    </p:spTree>
+    <p:extLst>
+      <p:ext uri="{BB962C8B-B14F-4D97-AF65-F5344CB8AC3E}">
+        <p14:creationId xmlns:p14="http://schemas.microsoft.com/office/powerpoint/2010/main" val="99466125"/>
       </p:ext>
     </p:extLst>
   </p:cSld>
@@ -5640,33 +6229,54 @@
           <a:p>
             <a:r>
               <a:rPr lang="nb-NO" dirty="0" smtClean="0"/>
-              <a:t>Better, </a:t>
-            </a:r>
-            <a:r>
-              <a:rPr lang="nb-NO" dirty="0" err="1" smtClean="0"/>
-              <a:t>but</a:t>
-            </a:r>
-            <a:r>
-              <a:rPr lang="nb-NO" dirty="0" smtClean="0"/>
-              <a:t> not </a:t>
-            </a:r>
-            <a:r>
-              <a:rPr lang="nb-NO" dirty="0" err="1" smtClean="0"/>
-              <a:t>sufficient</a:t>
-            </a:r>
-            <a:r>
-              <a:rPr lang="nb-NO" dirty="0"/>
+              <a:t>Positive</a:t>
+            </a:r>
+          </a:p>
+          <a:p>
+            <a:pPr lvl="1"/>
+            <a:r>
+              <a:rPr lang="nb-NO" dirty="0" smtClean="0"/>
+              <a:t>Better planning </a:t>
+            </a:r>
+            <a:r>
+              <a:rPr lang="nb-NO" dirty="0" err="1" smtClean="0"/>
+              <a:t>meeting</a:t>
+            </a:r>
+            <a:endParaRPr lang="nb-NO" dirty="0" smtClean="0"/>
+          </a:p>
+          <a:p>
+            <a:pPr lvl="1"/>
+            <a:r>
+              <a:rPr lang="nb-NO" dirty="0" err="1" smtClean="0"/>
+              <a:t>Raised</a:t>
+            </a:r>
+            <a:r>
+              <a:rPr lang="nb-NO" dirty="0" smtClean="0"/>
               <a:t> </a:t>
             </a:r>
             <a:r>
-              <a:rPr lang="nb-NO" dirty="0" smtClean="0"/>
-              <a:t>planning</a:t>
-            </a:r>
-          </a:p>
-          <a:p>
-            <a:r>
-              <a:rPr lang="nb-NO" dirty="0" err="1" smtClean="0"/>
-              <a:t>Raised</a:t>
+              <a:rPr lang="nb-NO" dirty="0" err="1" smtClean="0"/>
+              <a:t>effort</a:t>
+            </a:r>
+            <a:endParaRPr lang="nb-NO" dirty="0" smtClean="0"/>
+          </a:p>
+          <a:p>
+            <a:pPr lvl="1"/>
+            <a:r>
+              <a:rPr lang="nb-NO" dirty="0" smtClean="0"/>
+              <a:t>Presentation </a:t>
+            </a:r>
+            <a:r>
+              <a:rPr lang="nb-NO" dirty="0" err="1" smtClean="0"/>
+              <a:t>of</a:t>
+            </a:r>
+            <a:r>
+              <a:rPr lang="nb-NO" dirty="0" smtClean="0"/>
+              <a:t> progress to </a:t>
+            </a:r>
+            <a:r>
+              <a:rPr lang="nb-NO" dirty="0" err="1" smtClean="0"/>
+              <a:t>the</a:t>
             </a:r>
             <a:r>
               <a:rPr lang="nb-NO" dirty="0" smtClean="0"/>
@@ -5674,11 +6284,54 @@
             </a:r>
             <a:r>
               <a:rPr lang="nb-NO" dirty="0" err="1" smtClean="0"/>
-              <a:t>effort</a:t>
+              <a:t>customer</a:t>
+            </a:r>
+            <a:r>
+              <a:rPr lang="nb-NO" dirty="0" smtClean="0"/>
+              <a:t> gave a lot </a:t>
+            </a:r>
+            <a:r>
+              <a:rPr lang="nb-NO" dirty="0" err="1" smtClean="0"/>
+              <a:t>of</a:t>
+            </a:r>
+            <a:r>
+              <a:rPr lang="nb-NO" dirty="0" smtClean="0"/>
+              <a:t> </a:t>
+            </a:r>
+            <a:r>
+              <a:rPr lang="nb-NO" dirty="0" err="1" smtClean="0"/>
+              <a:t>good</a:t>
+            </a:r>
+            <a:r>
+              <a:rPr lang="nb-NO" dirty="0" smtClean="0"/>
+              <a:t> feedback</a:t>
+            </a:r>
+            <a:endParaRPr lang="nb-NO" dirty="0"/>
+          </a:p>
+          <a:p>
+            <a:r>
+              <a:rPr lang="nb-NO" dirty="0" smtClean="0"/>
+              <a:t>Negative</a:t>
+            </a:r>
+          </a:p>
+          <a:p>
+            <a:pPr lvl="1"/>
+            <a:r>
+              <a:rPr lang="nb-NO" dirty="0" err="1" smtClean="0"/>
+              <a:t>Postponed</a:t>
+            </a:r>
+            <a:r>
+              <a:rPr lang="nb-NO" dirty="0" smtClean="0"/>
+              <a:t> planning </a:t>
+            </a:r>
+            <a:r>
+              <a:rPr lang="nb-NO" dirty="0" err="1" smtClean="0"/>
+              <a:t>tasks</a:t>
             </a:r>
             <a:endParaRPr lang="nb-NO" dirty="0" smtClean="0"/>
           </a:p>
           <a:p>
+            <a:pPr lvl="1"/>
             <a:r>
               <a:rPr lang="nb-NO" dirty="0" err="1" smtClean="0"/>
               <a:t>Documentation</a:t>
@@ -5702,9 +6355,18 @@
             <a:endParaRPr lang="nb-NO" dirty="0" smtClean="0"/>
           </a:p>
           <a:p>
-            <a:r>
-              <a:rPr lang="nb-NO" dirty="0" err="1" smtClean="0"/>
-              <a:t>Lack</a:t>
+            <a:pPr lvl="1"/>
+            <a:r>
+              <a:rPr lang="nb-NO" dirty="0" err="1" smtClean="0"/>
+              <a:t>Tasks</a:t>
+            </a:r>
+            <a:r>
+              <a:rPr lang="nb-NO" dirty="0" smtClean="0"/>
+              <a:t> still not </a:t>
+            </a:r>
+            <a:r>
+              <a:rPr lang="nb-NO" dirty="0" err="1" smtClean="0"/>
+              <a:t>distributed</a:t>
             </a:r>
             <a:r>
               <a:rPr lang="nb-NO" dirty="0" smtClean="0"/>
@@ -5712,25 +6374,17 @@
             </a:r>
             <a:r>
               <a:rPr lang="nb-NO" dirty="0" err="1" smtClean="0"/>
-              <a:t>of</a:t>
-            </a:r>
-            <a:r>
-              <a:rPr lang="nb-NO" dirty="0" smtClean="0"/>
-              <a:t> feedback to </a:t>
-            </a:r>
-            <a:r>
-              <a:rPr lang="nb-NO" dirty="0" err="1" smtClean="0"/>
-              <a:t>the</a:t>
-            </a:r>
-            <a:r>
-              <a:rPr lang="nb-NO" dirty="0" smtClean="0"/>
-              <a:t> </a:t>
-            </a:r>
-            <a:r>
-              <a:rPr lang="nb-NO" dirty="0" err="1" smtClean="0"/>
-              <a:t>advisor</a:t>
-            </a:r>
-            <a:endParaRPr lang="en-GB" dirty="0"/>
+              <a:t>according</a:t>
+            </a:r>
+            <a:r>
+              <a:rPr lang="nb-NO" dirty="0" smtClean="0"/>
+              <a:t> to </a:t>
+            </a:r>
+            <a:r>
+              <a:rPr lang="nb-NO" dirty="0" err="1" smtClean="0"/>
+              <a:t>dependencies</a:t>
+            </a:r>
+            <a:endParaRPr lang="nb-NO" dirty="0" smtClean="0"/>
           </a:p>
         </p:txBody>
       </p:sp>
@@ -5804,7 +6458,55 @@
           <a:p>
             <a:r>
               <a:rPr lang="nb-NO" dirty="0" smtClean="0"/>
-              <a:t>Support for multiple </a:t>
+              <a:t>Better </a:t>
+            </a:r>
+            <a:r>
+              <a:rPr lang="nb-NO" dirty="0" err="1" smtClean="0"/>
+              <a:t>distribution</a:t>
+            </a:r>
+            <a:r>
+              <a:rPr lang="nb-NO" dirty="0" smtClean="0"/>
+              <a:t> </a:t>
+            </a:r>
+            <a:r>
+              <a:rPr lang="nb-NO" dirty="0" err="1" smtClean="0"/>
+              <a:t>of</a:t>
+            </a:r>
+            <a:r>
+              <a:rPr lang="nb-NO" dirty="0" smtClean="0"/>
+              <a:t> </a:t>
+            </a:r>
+            <a:r>
+              <a:rPr lang="nb-NO" dirty="0" err="1" smtClean="0"/>
+              <a:t>tasks</a:t>
+            </a:r>
+            <a:r>
+              <a:rPr lang="nb-NO" dirty="0" smtClean="0"/>
+              <a:t>.</a:t>
+            </a:r>
+          </a:p>
+          <a:p>
+            <a:r>
+              <a:rPr lang="nb-NO" dirty="0" smtClean="0"/>
+              <a:t>Complete planning </a:t>
+            </a:r>
+            <a:r>
+              <a:rPr lang="nb-NO" dirty="0" err="1" smtClean="0"/>
+              <a:t>while</a:t>
+            </a:r>
+            <a:r>
+              <a:rPr lang="nb-NO" dirty="0" smtClean="0"/>
+              <a:t> planning</a:t>
+            </a:r>
+          </a:p>
+          <a:p>
+            <a:r>
+              <a:rPr lang="nb-NO" dirty="0" smtClean="0"/>
+              <a:t>Support </a:t>
+            </a:r>
+            <a:r>
+              <a:rPr lang="nb-NO" dirty="0" smtClean="0"/>
+              <a:t>for multiple </a:t>
             </a:r>
             <a:r>
               <a:rPr lang="nb-NO" dirty="0" err="1" smtClean="0"/>
@@ -6033,7 +6735,19 @@
           <a:p>
             <a:r>
               <a:rPr lang="nb-NO" dirty="0" smtClean="0"/>
-              <a:t>Sprint 3 - Testing</a:t>
+              <a:t>How </a:t>
+            </a:r>
+            <a:r>
+              <a:rPr lang="nb-NO" dirty="0" err="1" smtClean="0"/>
+              <a:t>platform</a:t>
+            </a:r>
+            <a:r>
+              <a:rPr lang="nb-NO" dirty="0" smtClean="0"/>
+              <a:t> support </a:t>
+            </a:r>
+            <a:r>
+              <a:rPr lang="nb-NO" dirty="0" err="1" smtClean="0"/>
+              <a:t>works</a:t>
             </a:r>
             <a:endParaRPr lang="en-GB" dirty="0"/>
           </a:p>
@@ -6055,8 +6769,12 @@
           <a:lstStyle/>
           <a:p>
             <a:r>
-              <a:rPr lang="nb-NO" dirty="0" err="1" smtClean="0"/>
-              <a:t>Availebility</a:t>
+              <a:rPr lang="nb-NO" dirty="0" smtClean="0"/>
+              <a:t>Message </a:t>
+            </a:r>
+            <a:r>
+              <a:rPr lang="nb-NO" dirty="0" err="1" smtClean="0"/>
+              <a:t>flag</a:t>
             </a:r>
             <a:r>
               <a:rPr lang="nb-NO" dirty="0" smtClean="0"/>
@@ -6064,7 +6782,7 @@
             </a:r>
             <a:r>
               <a:rPr lang="nb-NO" dirty="0" err="1" smtClean="0"/>
-              <a:t>of</a:t>
+              <a:t>identifies</a:t>
             </a:r>
             <a:r>
               <a:rPr lang="nb-NO" dirty="0" smtClean="0"/>
@@ -6072,15 +6790,7 @@
             </a:r>
             <a:r>
               <a:rPr lang="nb-NO" dirty="0" err="1" smtClean="0"/>
-              <a:t>alignment</a:t>
-            </a:r>
-            <a:r>
-              <a:rPr lang="nb-NO" dirty="0" smtClean="0"/>
-              <a:t> support </a:t>
-            </a:r>
-            <a:r>
-              <a:rPr lang="nb-NO" dirty="0" err="1" smtClean="0"/>
-              <a:t>meant</a:t>
+              <a:t>originating</a:t>
             </a:r>
             <a:r>
               <a:rPr lang="nb-NO" dirty="0" smtClean="0"/>
@@ -6088,7 +6798,18 @@
             </a:r>
             <a:r>
               <a:rPr lang="nb-NO" dirty="0" err="1" smtClean="0"/>
-              <a:t>that</a:t>
+              <a:t>platform</a:t>
+            </a:r>
+            <a:endParaRPr lang="nb-NO" dirty="0" smtClean="0"/>
+          </a:p>
+          <a:p>
+            <a:r>
+              <a:rPr lang="nb-NO" dirty="0" smtClean="0"/>
+              <a:t>One </a:t>
+            </a:r>
+            <a:r>
+              <a:rPr lang="nb-NO" dirty="0" err="1" smtClean="0"/>
+              <a:t>dissector</a:t>
             </a:r>
             <a:r>
               <a:rPr lang="nb-NO" dirty="0" smtClean="0"/>
@@ -6096,56 +6817,34 @@
             </a:r>
             <a:r>
               <a:rPr lang="nb-NO" dirty="0" err="1" smtClean="0"/>
-              <a:t>we</a:t>
-            </a:r>
-            <a:r>
-              <a:rPr lang="nb-NO" dirty="0" smtClean="0"/>
-              <a:t> </a:t>
-            </a:r>
-            <a:r>
-              <a:rPr lang="nb-NO" dirty="0" err="1" smtClean="0"/>
-              <a:t>could</a:t>
-            </a:r>
-            <a:r>
-              <a:rPr lang="nb-NO" dirty="0" smtClean="0"/>
-              <a:t> have a C program </a:t>
-            </a:r>
-            <a:r>
-              <a:rPr lang="nb-NO" dirty="0" err="1" smtClean="0"/>
-              <a:t>generate</a:t>
-            </a:r>
-            <a:r>
-              <a:rPr lang="nb-NO" dirty="0" smtClean="0"/>
-              <a:t> test data.</a:t>
-            </a:r>
-          </a:p>
-          <a:p>
-            <a:r>
-              <a:rPr lang="nb-NO" dirty="0" err="1" smtClean="0"/>
-              <a:t>Needed</a:t>
-            </a:r>
-            <a:r>
-              <a:rPr lang="nb-NO" dirty="0" smtClean="0"/>
-              <a:t> to </a:t>
-            </a:r>
-            <a:r>
-              <a:rPr lang="nb-NO" dirty="0" err="1" smtClean="0"/>
-              <a:t>change</a:t>
-            </a:r>
-            <a:r>
-              <a:rPr lang="nb-NO" dirty="0" smtClean="0"/>
-              <a:t> all </a:t>
-            </a:r>
-            <a:r>
-              <a:rPr lang="nb-NO" dirty="0" err="1" smtClean="0"/>
-              <a:t>previous</a:t>
-            </a:r>
-            <a:r>
-              <a:rPr lang="nb-NO" dirty="0" smtClean="0"/>
-              <a:t> test data.</a:t>
-            </a:r>
-          </a:p>
-          <a:p>
+              <a:t>function</a:t>
+            </a:r>
+            <a:r>
+              <a:rPr lang="nb-NO" dirty="0" smtClean="0"/>
+              <a:t> per </a:t>
+            </a:r>
+            <a:r>
+              <a:rPr lang="nb-NO" dirty="0" err="1" smtClean="0"/>
+              <a:t>platform</a:t>
+            </a:r>
+            <a:endParaRPr lang="nb-NO" dirty="0" smtClean="0"/>
+          </a:p>
+          <a:p>
+            <a:r>
+              <a:rPr lang="nb-NO" dirty="0" smtClean="0"/>
+              <a:t>Flag used to </a:t>
+            </a:r>
+            <a:r>
+              <a:rPr lang="nb-NO" dirty="0" err="1" smtClean="0"/>
+              <a:t>choose</a:t>
+            </a:r>
+            <a:endParaRPr lang="nb-NO" dirty="0" smtClean="0"/>
+          </a:p>
+          <a:p>
+            <a:r>
+              <a:rPr lang="nb-NO" dirty="0" smtClean="0"/>
+              <a:t>MAKE FIGURE OF THIS!!!!!!!!ERRORERRORERROR</a:t>
+            </a:r>
             <a:endParaRPr lang="en-GB" dirty="0"/>
           </a:p>
         </p:txBody>
@@ -6153,7 +6852,7 @@
     </p:spTree>
     <p:extLst>
       <p:ext uri="{BB962C8B-B14F-4D97-AF65-F5344CB8AC3E}">
-        <p14:creationId xmlns:p14="http://schemas.microsoft.com/office/powerpoint/2010/main" val="3996143895"/>
+        <p14:creationId xmlns:p14="http://schemas.microsoft.com/office/powerpoint/2010/main" val="1247194941"/>
       </p:ext>
     </p:extLst>
   </p:cSld>
@@ -6197,11 +6896,7 @@
           <a:p>
             <a:r>
               <a:rPr lang="nb-NO" dirty="0" smtClean="0"/>
-              <a:t>Sprint 3 </a:t>
-            </a:r>
-            <a:r>
-              <a:rPr lang="nb-NO" dirty="0" err="1" smtClean="0"/>
-              <a:t>retrospect</a:t>
+              <a:t>Sprint 3 - Testing</a:t>
             </a:r>
             <a:endParaRPr lang="en-GB" dirty="0"/>
           </a:p>
@@ -6223,12 +6918,8 @@
           <a:lstStyle/>
           <a:p>
             <a:r>
-              <a:rPr lang="nb-NO" dirty="0" smtClean="0"/>
-              <a:t>A </a:t>
-            </a:r>
-            <a:r>
-              <a:rPr lang="nb-NO" dirty="0" err="1" smtClean="0"/>
-              <a:t>better</a:t>
+              <a:rPr lang="nb-NO" dirty="0" err="1" smtClean="0"/>
+              <a:t>Availebility</a:t>
             </a:r>
             <a:r>
               <a:rPr lang="nb-NO" dirty="0" smtClean="0"/>
@@ -6236,57 +6927,88 @@
             </a:r>
             <a:r>
               <a:rPr lang="nb-NO" dirty="0" err="1" smtClean="0"/>
-              <a:t>process</a:t>
-            </a:r>
-            <a:endParaRPr lang="nb-NO" dirty="0" smtClean="0"/>
-          </a:p>
-          <a:p>
-            <a:r>
-              <a:rPr lang="nb-NO" dirty="0" smtClean="0"/>
-              <a:t>More </a:t>
-            </a:r>
-            <a:r>
-              <a:rPr lang="nb-NO" dirty="0" err="1" smtClean="0"/>
-              <a:t>effort</a:t>
-            </a:r>
-            <a:endParaRPr lang="nb-NO" dirty="0" smtClean="0"/>
-          </a:p>
-          <a:p>
-            <a:r>
-              <a:rPr lang="nb-NO" dirty="0" smtClean="0"/>
-              <a:t>Too </a:t>
-            </a:r>
-            <a:r>
-              <a:rPr lang="nb-NO" dirty="0" err="1" smtClean="0"/>
-              <a:t>many</a:t>
-            </a:r>
-            <a:r>
-              <a:rPr lang="nb-NO" dirty="0" smtClean="0"/>
-              <a:t> taskes </a:t>
-            </a:r>
-            <a:r>
-              <a:rPr lang="nb-NO" dirty="0" err="1" smtClean="0"/>
-              <a:t>planned</a:t>
-            </a:r>
-            <a:endParaRPr lang="nb-NO" dirty="0" smtClean="0"/>
-          </a:p>
-          <a:p>
-            <a:r>
-              <a:rPr lang="nb-NO" dirty="0" smtClean="0"/>
-              <a:t>Time used for </a:t>
-            </a:r>
-            <a:r>
-              <a:rPr lang="nb-NO" dirty="0" err="1" smtClean="0"/>
-              <a:t>project</a:t>
-            </a:r>
-            <a:r>
-              <a:rPr lang="nb-NO" dirty="0" smtClean="0"/>
-              <a:t> management </a:t>
-            </a:r>
-            <a:r>
-              <a:rPr lang="nb-NO" dirty="0" err="1" smtClean="0"/>
-              <a:t>underestimated</a:t>
-            </a:r>
+              <a:t>of</a:t>
+            </a:r>
+            <a:r>
+              <a:rPr lang="nb-NO" dirty="0" smtClean="0"/>
+              <a:t> </a:t>
+            </a:r>
+            <a:r>
+              <a:rPr lang="nb-NO" dirty="0" err="1" smtClean="0"/>
+              <a:t>alignment</a:t>
+            </a:r>
+            <a:r>
+              <a:rPr lang="nb-NO" dirty="0" smtClean="0"/>
+              <a:t> support </a:t>
+            </a:r>
+            <a:r>
+              <a:rPr lang="nb-NO" dirty="0" err="1" smtClean="0"/>
+              <a:t>meant</a:t>
+            </a:r>
+            <a:r>
+              <a:rPr lang="nb-NO" dirty="0" smtClean="0"/>
+              <a:t> </a:t>
+            </a:r>
+            <a:r>
+              <a:rPr lang="nb-NO" dirty="0" err="1" smtClean="0"/>
+              <a:t>that</a:t>
+            </a:r>
+            <a:r>
+              <a:rPr lang="nb-NO" dirty="0" smtClean="0"/>
+              <a:t> </a:t>
+            </a:r>
+            <a:r>
+              <a:rPr lang="nb-NO" dirty="0" err="1" smtClean="0"/>
+              <a:t>we</a:t>
+            </a:r>
+            <a:r>
+              <a:rPr lang="nb-NO" dirty="0" smtClean="0"/>
+              <a:t> </a:t>
+            </a:r>
+            <a:r>
+              <a:rPr lang="nb-NO" dirty="0" err="1" smtClean="0"/>
+              <a:t>could</a:t>
+            </a:r>
+            <a:r>
+              <a:rPr lang="nb-NO" dirty="0" smtClean="0"/>
+              <a:t> have a C program </a:t>
+            </a:r>
+            <a:r>
+              <a:rPr lang="nb-NO" dirty="0" err="1" smtClean="0"/>
+              <a:t>generate</a:t>
+            </a:r>
+            <a:r>
+              <a:rPr lang="nb-NO" dirty="0" smtClean="0"/>
+              <a:t> test data.</a:t>
+            </a:r>
+          </a:p>
+          <a:p>
+            <a:r>
+              <a:rPr lang="nb-NO" dirty="0" err="1" smtClean="0"/>
+              <a:t>Needed</a:t>
+            </a:r>
+            <a:r>
+              <a:rPr lang="nb-NO" dirty="0" smtClean="0"/>
+              <a:t> to </a:t>
+            </a:r>
+            <a:r>
+              <a:rPr lang="nb-NO" dirty="0" err="1" smtClean="0"/>
+              <a:t>change</a:t>
+            </a:r>
+            <a:r>
+              <a:rPr lang="nb-NO" dirty="0" smtClean="0"/>
+              <a:t> all </a:t>
+            </a:r>
+            <a:r>
+              <a:rPr lang="nb-NO" dirty="0" err="1" smtClean="0"/>
+              <a:t>previous</a:t>
+            </a:r>
+            <a:r>
+              <a:rPr lang="nb-NO" dirty="0" smtClean="0"/>
+              <a:t> test data.</a:t>
+            </a:r>
+          </a:p>
+          <a:p>
             <a:endParaRPr lang="en-GB" dirty="0"/>
           </a:p>
         </p:txBody>
@@ -6294,7 +7016,7 @@
     </p:spTree>
     <p:extLst>
       <p:ext uri="{BB962C8B-B14F-4D97-AF65-F5344CB8AC3E}">
-        <p14:creationId xmlns:p14="http://schemas.microsoft.com/office/powerpoint/2010/main" val="2811907645"/>
+        <p14:creationId xmlns:p14="http://schemas.microsoft.com/office/powerpoint/2010/main" val="3996143895"/>
       </p:ext>
     </p:extLst>
   </p:cSld>
@@ -6338,7 +7060,11 @@
           <a:p>
             <a:r>
               <a:rPr lang="nb-NO" dirty="0" smtClean="0"/>
-              <a:t>Sprint 4</a:t>
+              <a:t>Sprint 3 </a:t>
+            </a:r>
+            <a:r>
+              <a:rPr lang="nb-NO" dirty="0" err="1" smtClean="0"/>
+              <a:t>retrospect</a:t>
             </a:r>
             <a:endParaRPr lang="en-GB" dirty="0"/>
           </a:p>
@@ -6360,8 +7086,19 @@
           <a:lstStyle/>
           <a:p>
             <a:r>
-              <a:rPr lang="nb-NO" dirty="0" err="1" smtClean="0"/>
-              <a:t>Find</a:t>
+              <a:rPr lang="nb-NO" dirty="0" smtClean="0"/>
+              <a:t>Positive</a:t>
+            </a:r>
+          </a:p>
+          <a:p>
+            <a:pPr lvl="1"/>
+            <a:r>
+              <a:rPr lang="nb-NO" dirty="0" smtClean="0"/>
+              <a:t>A </a:t>
+            </a:r>
+            <a:r>
+              <a:rPr lang="nb-NO" dirty="0" err="1" smtClean="0"/>
+              <a:t>better</a:t>
             </a:r>
             <a:r>
               <a:rPr lang="nb-NO" dirty="0" smtClean="0"/>
@@ -6369,7 +7106,23 @@
             </a:r>
             <a:r>
               <a:rPr lang="nb-NO" dirty="0" err="1" smtClean="0"/>
-              <a:t>missing</a:t>
+              <a:t>process</a:t>
+            </a:r>
+            <a:endParaRPr lang="nb-NO" dirty="0" smtClean="0"/>
+          </a:p>
+          <a:p>
+            <a:pPr lvl="1"/>
+            <a:r>
+              <a:rPr lang="nb-NO" dirty="0" err="1" smtClean="0"/>
+              <a:t>Easier</a:t>
+            </a:r>
+            <a:r>
+              <a:rPr lang="nb-NO" dirty="0" smtClean="0"/>
+              <a:t> to </a:t>
+            </a:r>
+            <a:r>
+              <a:rPr lang="nb-NO" dirty="0" err="1" smtClean="0"/>
+              <a:t>know</a:t>
             </a:r>
             <a:r>
               <a:rPr lang="nb-NO" dirty="0" smtClean="0"/>
@@ -6377,19 +7130,115 @@
             </a:r>
             <a:r>
               <a:rPr lang="nb-NO" dirty="0" err="1" smtClean="0"/>
-              <a:t>includes</a:t>
-            </a:r>
-            <a:endParaRPr lang="nb-NO" smtClean="0"/>
-          </a:p>
-          <a:p>
-            <a:endParaRPr lang="en-GB"/>
+              <a:t>what</a:t>
+            </a:r>
+            <a:r>
+              <a:rPr lang="nb-NO" dirty="0" smtClean="0"/>
+              <a:t> to do</a:t>
+            </a:r>
+            <a:endParaRPr lang="nb-NO" dirty="0" smtClean="0"/>
+          </a:p>
+          <a:p>
+            <a:pPr lvl="1"/>
+            <a:r>
+              <a:rPr lang="nb-NO" dirty="0" smtClean="0"/>
+              <a:t>All team </a:t>
+            </a:r>
+            <a:r>
+              <a:rPr lang="nb-NO" dirty="0" err="1" smtClean="0"/>
+              <a:t>member</a:t>
+            </a:r>
+            <a:r>
+              <a:rPr lang="nb-NO" dirty="0" smtClean="0"/>
+              <a:t> </a:t>
+            </a:r>
+            <a:r>
+              <a:rPr lang="nb-NO" dirty="0" err="1" smtClean="0"/>
+              <a:t>worked</a:t>
+            </a:r>
+            <a:r>
+              <a:rPr lang="nb-NO" dirty="0" smtClean="0"/>
+              <a:t> more</a:t>
+            </a:r>
+            <a:endParaRPr lang="nb-NO" dirty="0"/>
+          </a:p>
+          <a:p>
+            <a:r>
+              <a:rPr lang="nb-NO" dirty="0" smtClean="0"/>
+              <a:t>Negative</a:t>
+            </a:r>
+            <a:endParaRPr lang="nb-NO" dirty="0" smtClean="0"/>
+          </a:p>
+          <a:p>
+            <a:pPr lvl="1"/>
+            <a:r>
+              <a:rPr lang="nb-NO" dirty="0" smtClean="0"/>
+              <a:t>Too </a:t>
+            </a:r>
+            <a:r>
+              <a:rPr lang="nb-NO" dirty="0" err="1" smtClean="0"/>
+              <a:t>many</a:t>
+            </a:r>
+            <a:r>
+              <a:rPr lang="nb-NO" dirty="0" smtClean="0"/>
+              <a:t> taskes </a:t>
+            </a:r>
+            <a:r>
+              <a:rPr lang="nb-NO" dirty="0" err="1" smtClean="0"/>
+              <a:t>planned</a:t>
+            </a:r>
+            <a:endParaRPr lang="nb-NO" dirty="0" smtClean="0"/>
+          </a:p>
+          <a:p>
+            <a:pPr lvl="1"/>
+            <a:r>
+              <a:rPr lang="nb-NO" dirty="0" smtClean="0"/>
+              <a:t>Time used for </a:t>
+            </a:r>
+            <a:r>
+              <a:rPr lang="nb-NO" dirty="0" err="1" smtClean="0"/>
+              <a:t>project</a:t>
+            </a:r>
+            <a:r>
+              <a:rPr lang="nb-NO" dirty="0" smtClean="0"/>
+              <a:t> management </a:t>
+            </a:r>
+            <a:r>
+              <a:rPr lang="nb-NO" dirty="0" err="1" smtClean="0"/>
+              <a:t>underestimated</a:t>
+            </a:r>
+            <a:endParaRPr lang="nb-NO" dirty="0" smtClean="0"/>
+          </a:p>
+          <a:p>
+            <a:pPr lvl="1"/>
+            <a:r>
+              <a:rPr lang="nb-NO" dirty="0" err="1" smtClean="0"/>
+              <a:t>Needed</a:t>
+            </a:r>
+            <a:r>
+              <a:rPr lang="nb-NO" dirty="0" smtClean="0"/>
+              <a:t> to </a:t>
+            </a:r>
+            <a:r>
+              <a:rPr lang="nb-NO" dirty="0" err="1" smtClean="0"/>
+              <a:t>modify</a:t>
+            </a:r>
+            <a:r>
+              <a:rPr lang="nb-NO" dirty="0" smtClean="0"/>
+              <a:t> sprint </a:t>
+            </a:r>
+            <a:r>
+              <a:rPr lang="nb-NO" dirty="0" err="1" smtClean="0"/>
+              <a:t>backlog</a:t>
+            </a:r>
+            <a:endParaRPr lang="en-GB" dirty="0"/>
           </a:p>
         </p:txBody>
       </p:sp>
     </p:spTree>
     <p:extLst>
       <p:ext uri="{BB962C8B-B14F-4D97-AF65-F5344CB8AC3E}">
-        <p14:creationId xmlns:p14="http://schemas.microsoft.com/office/powerpoint/2010/main" val="3432911911"/>
+        <p14:creationId xmlns:p14="http://schemas.microsoft.com/office/powerpoint/2010/main" val="2811907645"/>
       </p:ext>
     </p:extLst>
   </p:cSld>
@@ -6432,50 +7281,59 @@
           <a:lstStyle/>
           <a:p>
             <a:r>
-              <a:rPr lang="nb-NO" dirty="0" err="1" smtClean="0"/>
-              <a:t>Module</a:t>
-            </a:r>
-            <a:r>
-              <a:rPr lang="nb-NO" dirty="0" smtClean="0"/>
-              <a:t> design</a:t>
+              <a:rPr lang="nb-NO" dirty="0" smtClean="0"/>
+              <a:t>Sprint 4</a:t>
             </a:r>
             <a:endParaRPr lang="en-GB" dirty="0"/>
           </a:p>
         </p:txBody>
       </p:sp>
-      <p:pic>
-        <p:nvPicPr>
-          <p:cNvPr id="4" name="Plassholder for innhold 3"/>
-          <p:cNvPicPr>
-            <a:picLocks noGrp="1" noChangeAspect="1"/>
-          </p:cNvPicPr>
+      <p:sp>
+        <p:nvSpPr>
+          <p:cNvPr id="3" name="Plassholder for innhold 2"/>
+          <p:cNvSpPr>
+            <a:spLocks noGrp="1"/>
+          </p:cNvSpPr>
           <p:nvPr>
             <p:ph idx="1"/>
           </p:nvPr>
-        </p:nvPicPr>
-        <p:blipFill>
-          <a:blip r:embed="rId2">
-            <a:extLst>
-              <a:ext uri="{28A0092B-C50C-407E-A947-70E740481C1C}">
-                <a14:useLocalDpi xmlns:a14="http://schemas.microsoft.com/office/drawing/2010/main" val="0"/>
-              </a:ext>
-            </a:extLst>
-          </a:blip>
-          <a:stretch>
-            <a:fillRect/>
-          </a:stretch>
-        </p:blipFill>
-        <p:spPr>
-          <a:xfrm>
-            <a:off x="1753111" y="1772135"/>
-            <a:ext cx="5631832" cy="4146514"/>
-          </a:xfrm>
-        </p:spPr>
-      </p:pic>
+        </p:nvSpPr>
+        <p:spPr/>
+        <p:txBody>
+          <a:bodyPr/>
+          <a:lstStyle/>
+          <a:p>
+            <a:r>
+              <a:rPr lang="nb-NO" dirty="0" err="1" smtClean="0"/>
+              <a:t>Find</a:t>
+            </a:r>
+            <a:r>
+              <a:rPr lang="nb-NO" dirty="0" smtClean="0"/>
+              <a:t> </a:t>
+            </a:r>
+            <a:r>
+              <a:rPr lang="nb-NO" dirty="0" err="1" smtClean="0"/>
+              <a:t>missing</a:t>
+            </a:r>
+            <a:r>
+              <a:rPr lang="nb-NO" dirty="0" smtClean="0"/>
+              <a:t> </a:t>
+            </a:r>
+            <a:r>
+              <a:rPr lang="nb-NO" dirty="0" err="1" smtClean="0"/>
+              <a:t>includes</a:t>
+            </a:r>
+            <a:endParaRPr lang="nb-NO" dirty="0" smtClean="0"/>
+          </a:p>
+          <a:p>
+            <a:endParaRPr lang="en-GB" dirty="0"/>
+          </a:p>
+        </p:txBody>
+      </p:sp>
     </p:spTree>
     <p:extLst>
       <p:ext uri="{BB962C8B-B14F-4D97-AF65-F5344CB8AC3E}">
-        <p14:creationId xmlns:p14="http://schemas.microsoft.com/office/powerpoint/2010/main" val="3633823063"/>
+        <p14:creationId xmlns:p14="http://schemas.microsoft.com/office/powerpoint/2010/main" val="3432911911"/>
       </p:ext>
     </p:extLst>
   </p:cSld>
@@ -6600,64 +7458,56 @@
           <a:lstStyle/>
           <a:p>
             <a:r>
-              <a:rPr lang="en-GB" dirty="0" smtClean="0"/>
-              <a:t>Limitations</a:t>
+              <a:rPr lang="nb-NO" dirty="0" smtClean="0"/>
+              <a:t>Sprint 4 </a:t>
+            </a:r>
+            <a:r>
+              <a:rPr lang="nb-NO" dirty="0" err="1" smtClean="0"/>
+              <a:t>architecture</a:t>
             </a:r>
             <a:endParaRPr lang="en-GB" dirty="0"/>
           </a:p>
         </p:txBody>
       </p:sp>
-      <p:sp>
-        <p:nvSpPr>
-          <p:cNvPr id="3" name="Plassholder for innhold 2"/>
-          <p:cNvSpPr>
-            <a:spLocks noGrp="1"/>
-          </p:cNvSpPr>
+      <p:pic>
+        <p:nvPicPr>
+          <p:cNvPr id="4" name="Plassholder for innhold 3"/>
+          <p:cNvPicPr>
+            <a:picLocks noGrp="1" noChangeAspect="1"/>
+          </p:cNvPicPr>
           <p:nvPr>
             <p:ph idx="1"/>
           </p:nvPr>
-        </p:nvSpPr>
-        <p:spPr/>
-        <p:txBody>
-          <a:bodyPr/>
-          <a:lstStyle/>
-          <a:p>
-            <a:r>
-              <a:rPr lang="en-GB" dirty="0" smtClean="0"/>
-              <a:t>Thales has the military as a customer, so the code is confedential.</a:t>
-            </a:r>
-          </a:p>
-          <a:p>
-            <a:r>
-              <a:rPr lang="en-GB" dirty="0" smtClean="0"/>
-              <a:t>Wireshark’s lua integration is under development, and buggy.</a:t>
-            </a:r>
-          </a:p>
-          <a:p>
-            <a:endParaRPr lang="en-GB" dirty="0" smtClean="0"/>
-          </a:p>
-        </p:txBody>
-      </p:sp>
+        </p:nvPicPr>
+        <p:blipFill>
+          <a:blip r:embed="rId2">
+            <a:extLst>
+              <a:ext uri="{28A0092B-C50C-407E-A947-70E740481C1C}">
+                <a14:useLocalDpi xmlns:a14="http://schemas.microsoft.com/office/drawing/2010/main" val="0"/>
+              </a:ext>
+            </a:extLst>
+          </a:blip>
+          <a:stretch>
+            <a:fillRect/>
+          </a:stretch>
+        </p:blipFill>
+        <p:spPr>
+          <a:xfrm>
+            <a:off x="1753111" y="1772135"/>
+            <a:ext cx="5631832" cy="4146514"/>
+          </a:xfrm>
+        </p:spPr>
+      </p:pic>
     </p:spTree>
     <p:extLst>
       <p:ext uri="{BB962C8B-B14F-4D97-AF65-F5344CB8AC3E}">
-        <p14:creationId xmlns:p14="http://schemas.microsoft.com/office/powerpoint/2010/main" val="779040666"/>
+        <p14:creationId xmlns:p14="http://schemas.microsoft.com/office/powerpoint/2010/main" val="3633823063"/>
       </p:ext>
     </p:extLst>
   </p:cSld>
   <p:clrMapOvr>
     <a:masterClrMapping/>
   </p:clrMapOvr>
-  <p:transition xmlns:p14="http://schemas.microsoft.com/office/powerpoint/2010/main" spd="slow">
-    <p:push dir="u"/>
-  </p:transition>
-  <p:timing>
-    <p:tnLst>
-      <p:par>
-        <p:cTn xmlns:p14="http://schemas.microsoft.com/office/powerpoint/2010/main" id="1" dur="indefinite" restart="never" nodeType="tmRoot"/>
-      </p:par>
-    </p:tnLst>
-  </p:timing>
 </p:sld>
 </file>
 
@@ -6757,13 +7607,13 @@
   <p:clrMapOvr>
     <a:masterClrMapping/>
   </p:clrMapOvr>
-  <p:transition xmlns:p14="http://schemas.microsoft.com/office/powerpoint/2010/main" spd="slow">
+  <p:transition spd="slow">
     <p:push dir="u"/>
   </p:transition>
   <p:timing>
     <p:tnLst>
       <p:par>
-        <p:cTn xmlns:p14="http://schemas.microsoft.com/office/powerpoint/2010/main" id="1" dur="indefinite" restart="never" nodeType="tmRoot"/>
+        <p:cTn id="1" dur="indefinite" restart="never" nodeType="tmRoot"/>
       </p:par>
     </p:tnLst>
   </p:timing>
@@ -6804,1354 +7654,7 @@
           <a:p>
             <a:r>
               <a:rPr lang="en-GB" dirty="0" smtClean="0"/>
-              <a:t>The architecture.</a:t>
-            </a:r>
-            <a:endParaRPr lang="en-GB" dirty="0"/>
-          </a:p>
-        </p:txBody>
-      </p:sp>
-      <p:sp>
-        <p:nvSpPr>
-          <p:cNvPr id="3" name="Plassholder for innhold 2"/>
-          <p:cNvSpPr>
-            <a:spLocks noGrp="1"/>
-          </p:cNvSpPr>
-          <p:nvPr>
-            <p:ph idx="1"/>
-          </p:nvPr>
-        </p:nvSpPr>
-        <p:spPr>
-          <a:xfrm>
-            <a:off x="549275" y="1600201"/>
-            <a:ext cx="8042276" cy="523067"/>
-          </a:xfrm>
-        </p:spPr>
-        <p:txBody>
-          <a:bodyPr/>
-          <a:lstStyle/>
-          <a:p>
-            <a:r>
-              <a:rPr lang="en-GB" dirty="0" smtClean="0"/>
-              <a:t>Csjark consists of 6 major modules.</a:t>
-            </a:r>
-          </a:p>
-        </p:txBody>
-      </p:sp>
-      <p:sp>
-        <p:nvSpPr>
-          <p:cNvPr id="5" name="Avrundet rektangel 4"/>
-          <p:cNvSpPr/>
-          <p:nvPr/>
-        </p:nvSpPr>
-        <p:spPr>
-          <a:xfrm>
-            <a:off x="1410346" y="2293749"/>
-            <a:ext cx="1379350" cy="1201119"/>
-          </a:xfrm>
-          <a:prstGeom prst="roundRect">
-            <a:avLst/>
-          </a:prstGeom>
-        </p:spPr>
-        <p:style>
-          <a:lnRef idx="1">
-            <a:schemeClr val="accent1"/>
-          </a:lnRef>
-          <a:fillRef idx="3">
-            <a:schemeClr val="accent1"/>
-          </a:fillRef>
-          <a:effectRef idx="2">
-            <a:schemeClr val="accent1"/>
-          </a:effectRef>
-          <a:fontRef idx="minor">
-            <a:schemeClr val="lt1"/>
-          </a:fontRef>
-        </p:style>
-        <p:txBody>
-          <a:bodyPr rtlCol="0" anchor="ctr"/>
-          <a:lstStyle/>
-          <a:p>
-            <a:pPr algn="ctr"/>
-            <a:r>
-              <a:rPr lang="en-GB" dirty="0" smtClean="0"/>
-              <a:t>Csjark</a:t>
-            </a:r>
-            <a:endParaRPr lang="en-GB" dirty="0"/>
-          </a:p>
-        </p:txBody>
-      </p:sp>
-      <p:sp>
-        <p:nvSpPr>
-          <p:cNvPr id="7" name="Avrundet rektangel 6"/>
-          <p:cNvSpPr/>
-          <p:nvPr/>
-        </p:nvSpPr>
-        <p:spPr>
-          <a:xfrm>
-            <a:off x="5979764" y="2293749"/>
-            <a:ext cx="1379350" cy="1201119"/>
-          </a:xfrm>
-          <a:prstGeom prst="roundRect">
-            <a:avLst/>
-          </a:prstGeom>
-        </p:spPr>
-        <p:style>
-          <a:lnRef idx="1">
-            <a:schemeClr val="accent1"/>
-          </a:lnRef>
-          <a:fillRef idx="3">
-            <a:schemeClr val="accent1"/>
-          </a:fillRef>
-          <a:effectRef idx="2">
-            <a:schemeClr val="accent1"/>
-          </a:effectRef>
-          <a:fontRef idx="minor">
-            <a:schemeClr val="lt1"/>
-          </a:fontRef>
-        </p:style>
-        <p:txBody>
-          <a:bodyPr rtlCol="0" anchor="ctr"/>
-          <a:lstStyle/>
-          <a:p>
-            <a:pPr algn="ctr"/>
-            <a:r>
-              <a:rPr lang="en-GB" dirty="0" smtClean="0"/>
-              <a:t>CParser</a:t>
-            </a:r>
-            <a:endParaRPr lang="en-GB" dirty="0"/>
-          </a:p>
-        </p:txBody>
-      </p:sp>
-      <p:sp>
-        <p:nvSpPr>
-          <p:cNvPr id="8" name="Avrundet rektangel 7"/>
-          <p:cNvSpPr/>
-          <p:nvPr/>
-        </p:nvSpPr>
-        <p:spPr>
-          <a:xfrm>
-            <a:off x="1410346" y="4383437"/>
-            <a:ext cx="1379350" cy="1201119"/>
-          </a:xfrm>
-          <a:prstGeom prst="roundRect">
-            <a:avLst/>
-          </a:prstGeom>
-        </p:spPr>
-        <p:style>
-          <a:lnRef idx="1">
-            <a:schemeClr val="accent1"/>
-          </a:lnRef>
-          <a:fillRef idx="3">
-            <a:schemeClr val="accent1"/>
-          </a:fillRef>
-          <a:effectRef idx="2">
-            <a:schemeClr val="accent1"/>
-          </a:effectRef>
-          <a:fontRef idx="minor">
-            <a:schemeClr val="lt1"/>
-          </a:fontRef>
-        </p:style>
-        <p:txBody>
-          <a:bodyPr rtlCol="0" anchor="ctr"/>
-          <a:lstStyle/>
-          <a:p>
-            <a:pPr algn="ctr"/>
-            <a:r>
-              <a:rPr lang="en-GB" dirty="0" smtClean="0"/>
-              <a:t>Config</a:t>
-            </a:r>
-            <a:endParaRPr lang="en-GB" dirty="0"/>
-          </a:p>
-        </p:txBody>
-      </p:sp>
-      <p:sp>
-        <p:nvSpPr>
-          <p:cNvPr id="9" name="Avrundet rektangel 8"/>
-          <p:cNvSpPr/>
-          <p:nvPr/>
-        </p:nvSpPr>
-        <p:spPr>
-          <a:xfrm>
-            <a:off x="3655016" y="2293747"/>
-            <a:ext cx="1379350" cy="1201119"/>
-          </a:xfrm>
-          <a:prstGeom prst="roundRect">
-            <a:avLst/>
-          </a:prstGeom>
-        </p:spPr>
-        <p:style>
-          <a:lnRef idx="1">
-            <a:schemeClr val="accent1"/>
-          </a:lnRef>
-          <a:fillRef idx="3">
-            <a:schemeClr val="accent1"/>
-          </a:fillRef>
-          <a:effectRef idx="2">
-            <a:schemeClr val="accent1"/>
-          </a:effectRef>
-          <a:fontRef idx="minor">
-            <a:schemeClr val="lt1"/>
-          </a:fontRef>
-        </p:style>
-        <p:txBody>
-          <a:bodyPr rtlCol="0" anchor="ctr"/>
-          <a:lstStyle/>
-          <a:p>
-            <a:pPr algn="ctr"/>
-            <a:r>
-              <a:rPr lang="en-GB" dirty="0" smtClean="0"/>
-              <a:t>CPP</a:t>
-            </a:r>
-            <a:endParaRPr lang="en-GB" dirty="0"/>
-          </a:p>
-        </p:txBody>
-      </p:sp>
-      <p:sp>
-        <p:nvSpPr>
-          <p:cNvPr id="10" name="Avrundet rektangel 9"/>
-          <p:cNvSpPr/>
-          <p:nvPr/>
-        </p:nvSpPr>
-        <p:spPr>
-          <a:xfrm>
-            <a:off x="3655016" y="4383435"/>
-            <a:ext cx="1379350" cy="1201119"/>
-          </a:xfrm>
-          <a:prstGeom prst="roundRect">
-            <a:avLst/>
-          </a:prstGeom>
-        </p:spPr>
-        <p:style>
-          <a:lnRef idx="1">
-            <a:schemeClr val="accent1"/>
-          </a:lnRef>
-          <a:fillRef idx="3">
-            <a:schemeClr val="accent1"/>
-          </a:fillRef>
-          <a:effectRef idx="2">
-            <a:schemeClr val="accent1"/>
-          </a:effectRef>
-          <a:fontRef idx="minor">
-            <a:schemeClr val="lt1"/>
-          </a:fontRef>
-        </p:style>
-        <p:txBody>
-          <a:bodyPr rtlCol="0" anchor="ctr"/>
-          <a:lstStyle/>
-          <a:p>
-            <a:pPr algn="ctr"/>
-            <a:r>
-              <a:rPr lang="en-GB" dirty="0" smtClean="0"/>
-              <a:t>Dissector</a:t>
-            </a:r>
-            <a:endParaRPr lang="en-GB" dirty="0"/>
-          </a:p>
-        </p:txBody>
-      </p:sp>
-      <p:sp>
-        <p:nvSpPr>
-          <p:cNvPr id="11" name="Avrundet rektangel 10"/>
-          <p:cNvSpPr/>
-          <p:nvPr/>
-        </p:nvSpPr>
-        <p:spPr>
-          <a:xfrm>
-            <a:off x="5979764" y="4383437"/>
-            <a:ext cx="1379350" cy="1201119"/>
-          </a:xfrm>
-          <a:prstGeom prst="roundRect">
-            <a:avLst/>
-          </a:prstGeom>
-        </p:spPr>
-        <p:style>
-          <a:lnRef idx="1">
-            <a:schemeClr val="accent1"/>
-          </a:lnRef>
-          <a:fillRef idx="3">
-            <a:schemeClr val="accent1"/>
-          </a:fillRef>
-          <a:effectRef idx="2">
-            <a:schemeClr val="accent1"/>
-          </a:effectRef>
-          <a:fontRef idx="minor">
-            <a:schemeClr val="lt1"/>
-          </a:fontRef>
-        </p:style>
-        <p:txBody>
-          <a:bodyPr rtlCol="0" anchor="ctr"/>
-          <a:lstStyle/>
-          <a:p>
-            <a:pPr algn="ctr"/>
-            <a:r>
-              <a:rPr lang="en-GB" dirty="0" smtClean="0"/>
-              <a:t>Platform</a:t>
-            </a:r>
-            <a:endParaRPr lang="en-GB" dirty="0"/>
-          </a:p>
-        </p:txBody>
-      </p:sp>
-      <p:cxnSp>
-        <p:nvCxnSpPr>
-          <p:cNvPr id="13" name="Rett pil 12"/>
-          <p:cNvCxnSpPr>
-            <a:stCxn id="5" idx="2"/>
-            <a:endCxn id="8" idx="0"/>
-          </p:cNvCxnSpPr>
-          <p:nvPr/>
-        </p:nvCxnSpPr>
-        <p:spPr>
-          <a:xfrm>
-            <a:off x="2100021" y="3494868"/>
-            <a:ext cx="0" cy="888569"/>
-          </a:xfrm>
-          <a:prstGeom prst="straightConnector1">
-            <a:avLst/>
-          </a:prstGeom>
-          <a:ln>
-            <a:tailEnd type="arrow"/>
-          </a:ln>
-        </p:spPr>
-        <p:style>
-          <a:lnRef idx="2">
-            <a:schemeClr val="accent1"/>
-          </a:lnRef>
-          <a:fillRef idx="0">
-            <a:schemeClr val="accent1"/>
-          </a:fillRef>
-          <a:effectRef idx="1">
-            <a:schemeClr val="accent1"/>
-          </a:effectRef>
-          <a:fontRef idx="minor">
-            <a:schemeClr val="tx1"/>
-          </a:fontRef>
-        </p:style>
-      </p:cxnSp>
-      <p:cxnSp>
-        <p:nvCxnSpPr>
-          <p:cNvPr id="15" name="Rett pil 14"/>
-          <p:cNvCxnSpPr>
-            <a:stCxn id="5" idx="3"/>
-            <a:endCxn id="9" idx="1"/>
-          </p:cNvCxnSpPr>
-          <p:nvPr/>
-        </p:nvCxnSpPr>
-        <p:spPr>
-          <a:xfrm flipV="1">
-            <a:off x="2789696" y="2894307"/>
-            <a:ext cx="865320" cy="2"/>
-          </a:xfrm>
-          <a:prstGeom prst="straightConnector1">
-            <a:avLst/>
-          </a:prstGeom>
-          <a:ln>
-            <a:tailEnd type="arrow"/>
-          </a:ln>
-        </p:spPr>
-        <p:style>
-          <a:lnRef idx="2">
-            <a:schemeClr val="accent1"/>
-          </a:lnRef>
-          <a:fillRef idx="0">
-            <a:schemeClr val="accent1"/>
-          </a:fillRef>
-          <a:effectRef idx="1">
-            <a:schemeClr val="accent1"/>
-          </a:effectRef>
-          <a:fontRef idx="minor">
-            <a:schemeClr val="tx1"/>
-          </a:fontRef>
-        </p:style>
-      </p:cxnSp>
-      <p:cxnSp>
-        <p:nvCxnSpPr>
-          <p:cNvPr id="17" name="Rett pil 16"/>
-          <p:cNvCxnSpPr>
-            <a:stCxn id="9" idx="3"/>
-            <a:endCxn id="7" idx="1"/>
-          </p:cNvCxnSpPr>
-          <p:nvPr/>
-        </p:nvCxnSpPr>
-        <p:spPr>
-          <a:xfrm>
-            <a:off x="5034366" y="2894307"/>
-            <a:ext cx="945398" cy="2"/>
-          </a:xfrm>
-          <a:prstGeom prst="straightConnector1">
-            <a:avLst/>
-          </a:prstGeom>
-          <a:ln>
-            <a:tailEnd type="arrow"/>
-          </a:ln>
-        </p:spPr>
-        <p:style>
-          <a:lnRef idx="2">
-            <a:schemeClr val="accent1"/>
-          </a:lnRef>
-          <a:fillRef idx="0">
-            <a:schemeClr val="accent1"/>
-          </a:fillRef>
-          <a:effectRef idx="1">
-            <a:schemeClr val="accent1"/>
-          </a:effectRef>
-          <a:fontRef idx="minor">
-            <a:schemeClr val="tx1"/>
-          </a:fontRef>
-        </p:style>
-      </p:cxnSp>
-      <p:cxnSp>
-        <p:nvCxnSpPr>
-          <p:cNvPr id="19" name="Rett pil 18"/>
-          <p:cNvCxnSpPr>
-            <a:stCxn id="7" idx="2"/>
-            <a:endCxn id="10" idx="0"/>
-          </p:cNvCxnSpPr>
-          <p:nvPr/>
-        </p:nvCxnSpPr>
-        <p:spPr>
-          <a:xfrm flipH="1">
-            <a:off x="4344691" y="3494868"/>
-            <a:ext cx="2324748" cy="888567"/>
-          </a:xfrm>
-          <a:prstGeom prst="straightConnector1">
-            <a:avLst/>
-          </a:prstGeom>
-          <a:ln>
-            <a:tailEnd type="arrow"/>
-          </a:ln>
-        </p:spPr>
-        <p:style>
-          <a:lnRef idx="2">
-            <a:schemeClr val="accent1"/>
-          </a:lnRef>
-          <a:fillRef idx="0">
-            <a:schemeClr val="accent1"/>
-          </a:fillRef>
-          <a:effectRef idx="1">
-            <a:schemeClr val="accent1"/>
-          </a:effectRef>
-          <a:fontRef idx="minor">
-            <a:schemeClr val="tx1"/>
-          </a:fontRef>
-        </p:style>
-      </p:cxnSp>
-      <p:cxnSp>
-        <p:nvCxnSpPr>
-          <p:cNvPr id="21" name="Rett pil 20"/>
-          <p:cNvCxnSpPr>
-            <a:stCxn id="11" idx="1"/>
-            <a:endCxn id="10" idx="3"/>
-          </p:cNvCxnSpPr>
-          <p:nvPr/>
-        </p:nvCxnSpPr>
-        <p:spPr>
-          <a:xfrm flipH="1" flipV="1">
-            <a:off x="5034366" y="4983995"/>
-            <a:ext cx="945398" cy="2"/>
-          </a:xfrm>
-          <a:prstGeom prst="straightConnector1">
-            <a:avLst/>
-          </a:prstGeom>
-          <a:ln>
-            <a:tailEnd type="arrow"/>
-          </a:ln>
-        </p:spPr>
-        <p:style>
-          <a:lnRef idx="2">
-            <a:schemeClr val="accent1"/>
-          </a:lnRef>
-          <a:fillRef idx="0">
-            <a:schemeClr val="accent1"/>
-          </a:fillRef>
-          <a:effectRef idx="1">
-            <a:schemeClr val="accent1"/>
-          </a:effectRef>
-          <a:fontRef idx="minor">
-            <a:schemeClr val="tx1"/>
-          </a:fontRef>
-        </p:style>
-      </p:cxnSp>
-      <p:cxnSp>
-        <p:nvCxnSpPr>
-          <p:cNvPr id="23" name="Rett pil 22"/>
-          <p:cNvCxnSpPr>
-            <a:stCxn id="8" idx="3"/>
-            <a:endCxn id="10" idx="1"/>
-          </p:cNvCxnSpPr>
-          <p:nvPr/>
-        </p:nvCxnSpPr>
-        <p:spPr>
-          <a:xfrm flipV="1">
-            <a:off x="2789696" y="4983995"/>
-            <a:ext cx="865320" cy="2"/>
-          </a:xfrm>
-          <a:prstGeom prst="straightConnector1">
-            <a:avLst/>
-          </a:prstGeom>
-          <a:ln>
-            <a:tailEnd type="arrow"/>
-          </a:ln>
-        </p:spPr>
-        <p:style>
-          <a:lnRef idx="2">
-            <a:schemeClr val="accent1"/>
-          </a:lnRef>
-          <a:fillRef idx="0">
-            <a:schemeClr val="accent1"/>
-          </a:fillRef>
-          <a:effectRef idx="1">
-            <a:schemeClr val="accent1"/>
-          </a:effectRef>
-          <a:fontRef idx="minor">
-            <a:schemeClr val="tx1"/>
-          </a:fontRef>
-        </p:style>
-      </p:cxnSp>
-      <p:cxnSp>
-        <p:nvCxnSpPr>
-          <p:cNvPr id="25" name="Rett pil 24"/>
-          <p:cNvCxnSpPr>
-            <a:stCxn id="11" idx="0"/>
-            <a:endCxn id="9" idx="2"/>
-          </p:cNvCxnSpPr>
-          <p:nvPr/>
-        </p:nvCxnSpPr>
-        <p:spPr>
-          <a:xfrm flipH="1" flipV="1">
-            <a:off x="4344691" y="3494866"/>
-            <a:ext cx="2324748" cy="888571"/>
-          </a:xfrm>
-          <a:prstGeom prst="straightConnector1">
-            <a:avLst/>
-          </a:prstGeom>
-          <a:ln>
-            <a:tailEnd type="arrow"/>
-          </a:ln>
-        </p:spPr>
-        <p:style>
-          <a:lnRef idx="2">
-            <a:schemeClr val="accent1"/>
-          </a:lnRef>
-          <a:fillRef idx="0">
-            <a:schemeClr val="accent1"/>
-          </a:fillRef>
-          <a:effectRef idx="1">
-            <a:schemeClr val="accent1"/>
-          </a:effectRef>
-          <a:fontRef idx="minor">
-            <a:schemeClr val="tx1"/>
-          </a:fontRef>
-        </p:style>
-      </p:cxnSp>
-    </p:spTree>
-    <p:extLst>
-      <p:ext uri="{BB962C8B-B14F-4D97-AF65-F5344CB8AC3E}">
-        <p14:creationId xmlns:p14="http://schemas.microsoft.com/office/powerpoint/2010/main" val="272439930"/>
-      </p:ext>
-    </p:extLst>
-  </p:cSld>
-  <p:clrMapOvr>
-    <a:masterClrMapping/>
-  </p:clrMapOvr>
-  <p:transition xmlns:p14="http://schemas.microsoft.com/office/powerpoint/2010/main" spd="slow">
-    <p:push dir="u"/>
-  </p:transition>
-  <p:timing>
-    <p:tnLst>
-      <p:par>
-        <p:cTn xmlns:p14="http://schemas.microsoft.com/office/powerpoint/2010/main" id="1" dur="indefinite" restart="never" nodeType="tmRoot"/>
-      </p:par>
-    </p:tnLst>
-  </p:timing>
-</p:sld>
-</file>
-
-<file path=ppt/slides/slide33.xml><?xml version="1.0" encoding="utf-8"?>
-<p:sld xmlns:a="http://schemas.openxmlformats.org/drawingml/2006/main" xmlns:r="http://schemas.openxmlformats.org/officeDocument/2006/relationships" xmlns:p="http://schemas.openxmlformats.org/presentationml/2006/main">
-  <p:cSld>
-    <p:spTree>
-      <p:nvGrpSpPr>
-        <p:cNvPr id="1" name=""/>
-        <p:cNvGrpSpPr/>
-        <p:nvPr/>
-      </p:nvGrpSpPr>
-      <p:grpSpPr>
-        <a:xfrm>
-          <a:off x="0" y="0"/>
-          <a:ext cx="0" cy="0"/>
-          <a:chOff x="0" y="0"/>
-          <a:chExt cx="0" cy="0"/>
-        </a:xfrm>
-      </p:grpSpPr>
-      <p:sp>
-        <p:nvSpPr>
-          <p:cNvPr id="2" name="Tittel 1"/>
-          <p:cNvSpPr>
-            <a:spLocks noGrp="1"/>
-          </p:cNvSpPr>
-          <p:nvPr>
-            <p:ph type="title"/>
-          </p:nvPr>
-        </p:nvSpPr>
-        <p:spPr/>
-        <p:txBody>
-          <a:bodyPr/>
-          <a:lstStyle/>
-          <a:p>
-            <a:r>
-              <a:rPr lang="en-GB" dirty="0" smtClean="0"/>
-              <a:t>CSjark</a:t>
-            </a:r>
-            <a:endParaRPr lang="en-GB" dirty="0"/>
-          </a:p>
-        </p:txBody>
-      </p:sp>
-      <p:sp>
-        <p:nvSpPr>
-          <p:cNvPr id="4" name="Plassholder for innhold 3"/>
-          <p:cNvSpPr>
-            <a:spLocks noGrp="1"/>
-          </p:cNvSpPr>
-          <p:nvPr>
-            <p:ph sz="half" idx="1"/>
-          </p:nvPr>
-        </p:nvSpPr>
-        <p:spPr/>
-        <p:txBody>
-          <a:bodyPr/>
-          <a:lstStyle/>
-          <a:p>
-            <a:r>
-              <a:rPr lang="en-GB" dirty="0" smtClean="0"/>
-              <a:t>Takes in command line arguments</a:t>
-            </a:r>
-          </a:p>
-          <a:p>
-            <a:r>
-              <a:rPr lang="en-GB" dirty="0" smtClean="0"/>
-              <a:t>Distributes these arguments to the right place.</a:t>
-            </a:r>
-          </a:p>
-          <a:p>
-            <a:r>
-              <a:rPr lang="en-GB" dirty="0" smtClean="0"/>
-              <a:t>Calles operations on the other modules.</a:t>
-            </a:r>
-            <a:endParaRPr lang="en-GB" dirty="0"/>
-          </a:p>
-        </p:txBody>
-      </p:sp>
-      <p:pic>
-        <p:nvPicPr>
-          <p:cNvPr id="6" name="Plassholder for innhold 5"/>
-          <p:cNvPicPr>
-            <a:picLocks noGrp="1" noChangeAspect="1"/>
-          </p:cNvPicPr>
-          <p:nvPr>
-            <p:ph sz="half" idx="2"/>
-          </p:nvPr>
-        </p:nvPicPr>
-        <p:blipFill>
-          <a:blip r:embed="rId2">
-            <a:extLst>
-              <a:ext uri="{28A0092B-C50C-407E-A947-70E740481C1C}">
-                <a14:useLocalDpi xmlns:a14="http://schemas.microsoft.com/office/drawing/2010/main" val="0"/>
-              </a:ext>
-            </a:extLst>
-          </a:blip>
-          <a:stretch>
-            <a:fillRect/>
-          </a:stretch>
-        </p:blipFill>
-        <p:spPr>
-          <a:xfrm>
-            <a:off x="5185361" y="2809740"/>
-            <a:ext cx="2972215" cy="1924319"/>
-          </a:xfrm>
-        </p:spPr>
-      </p:pic>
-    </p:spTree>
-    <p:extLst>
-      <p:ext uri="{BB962C8B-B14F-4D97-AF65-F5344CB8AC3E}">
-        <p14:creationId xmlns:p14="http://schemas.microsoft.com/office/powerpoint/2010/main" val="2628939987"/>
-      </p:ext>
-    </p:extLst>
-  </p:cSld>
-  <p:clrMapOvr>
-    <a:masterClrMapping/>
-  </p:clrMapOvr>
-  <p:transition xmlns:p14="http://schemas.microsoft.com/office/powerpoint/2010/main" spd="slow">
-    <p:push dir="u"/>
-  </p:transition>
-  <p:timing>
-    <p:tnLst>
-      <p:par>
-        <p:cTn xmlns:p14="http://schemas.microsoft.com/office/powerpoint/2010/main" id="1" dur="indefinite" restart="never" nodeType="tmRoot"/>
-      </p:par>
-    </p:tnLst>
-  </p:timing>
-</p:sld>
-</file>
-
-<file path=ppt/slides/slide34.xml><?xml version="1.0" encoding="utf-8"?>
-<p:sld xmlns:a="http://schemas.openxmlformats.org/drawingml/2006/main" xmlns:r="http://schemas.openxmlformats.org/officeDocument/2006/relationships" xmlns:p="http://schemas.openxmlformats.org/presentationml/2006/main">
-  <p:cSld>
-    <p:spTree>
-      <p:nvGrpSpPr>
-        <p:cNvPr id="1" name=""/>
-        <p:cNvGrpSpPr/>
-        <p:nvPr/>
-      </p:nvGrpSpPr>
-      <p:grpSpPr>
-        <a:xfrm>
-          <a:off x="0" y="0"/>
-          <a:ext cx="0" cy="0"/>
-          <a:chOff x="0" y="0"/>
-          <a:chExt cx="0" cy="0"/>
-        </a:xfrm>
-      </p:grpSpPr>
-      <p:sp>
-        <p:nvSpPr>
-          <p:cNvPr id="2" name="Tittel 1"/>
-          <p:cNvSpPr>
-            <a:spLocks noGrp="1"/>
-          </p:cNvSpPr>
-          <p:nvPr>
-            <p:ph type="title"/>
-          </p:nvPr>
-        </p:nvSpPr>
-        <p:spPr/>
-        <p:txBody>
-          <a:bodyPr/>
-          <a:lstStyle/>
-          <a:p>
-            <a:r>
-              <a:rPr lang="en-GB" dirty="0" smtClean="0"/>
-              <a:t>CPP</a:t>
-            </a:r>
-            <a:endParaRPr lang="en-GB" dirty="0"/>
-          </a:p>
-        </p:txBody>
-      </p:sp>
-      <p:sp>
-        <p:nvSpPr>
-          <p:cNvPr id="3" name="Plassholder for innhold 2"/>
-          <p:cNvSpPr>
-            <a:spLocks noGrp="1"/>
-          </p:cNvSpPr>
-          <p:nvPr>
-            <p:ph sz="half" idx="1"/>
-          </p:nvPr>
-        </p:nvSpPr>
-        <p:spPr/>
-        <p:txBody>
-          <a:bodyPr/>
-          <a:lstStyle/>
-          <a:p>
-            <a:r>
-              <a:rPr lang="en-GB" dirty="0" smtClean="0"/>
-              <a:t>Prepares the header files for parsing by feeding them to a C pre-processor.</a:t>
-            </a:r>
-          </a:p>
-          <a:p>
-            <a:r>
-              <a:rPr lang="en-GB" dirty="0" smtClean="0"/>
-              <a:t>Adds platform specific   arguments for platforms.</a:t>
-            </a:r>
-          </a:p>
-          <a:p>
-            <a:r>
-              <a:rPr lang="en-GB" dirty="0" smtClean="0"/>
-              <a:t>Adds certain </a:t>
-            </a:r>
-            <a:endParaRPr lang="en-GB" dirty="0"/>
-          </a:p>
-        </p:txBody>
-      </p:sp>
-      <p:sp>
-        <p:nvSpPr>
-          <p:cNvPr id="4" name="Plassholder for innhold 3"/>
-          <p:cNvSpPr>
-            <a:spLocks noGrp="1"/>
-          </p:cNvSpPr>
-          <p:nvPr>
-            <p:ph sz="half" idx="2"/>
-          </p:nvPr>
-        </p:nvSpPr>
-        <p:spPr/>
-        <p:txBody>
-          <a:bodyPr/>
-          <a:lstStyle/>
-          <a:p>
-            <a:endParaRPr lang="en-GB" dirty="0"/>
-          </a:p>
-        </p:txBody>
-      </p:sp>
-    </p:spTree>
-    <p:extLst>
-      <p:ext uri="{BB962C8B-B14F-4D97-AF65-F5344CB8AC3E}">
-        <p14:creationId xmlns:p14="http://schemas.microsoft.com/office/powerpoint/2010/main" val="4212379501"/>
-      </p:ext>
-    </p:extLst>
-  </p:cSld>
-  <p:clrMapOvr>
-    <a:masterClrMapping/>
-  </p:clrMapOvr>
-  <p:transition xmlns:p14="http://schemas.microsoft.com/office/powerpoint/2010/main" spd="slow">
-    <p:push dir="u"/>
-  </p:transition>
-  <p:timing>
-    <p:tnLst>
-      <p:par>
-        <p:cTn xmlns:p14="http://schemas.microsoft.com/office/powerpoint/2010/main" id="1" dur="indefinite" restart="never" nodeType="tmRoot"/>
-      </p:par>
-    </p:tnLst>
-  </p:timing>
-</p:sld>
-</file>
-
-<file path=ppt/slides/slide35.xml><?xml version="1.0" encoding="utf-8"?>
-<p:sld xmlns:a="http://schemas.openxmlformats.org/drawingml/2006/main" xmlns:r="http://schemas.openxmlformats.org/officeDocument/2006/relationships" xmlns:p="http://schemas.openxmlformats.org/presentationml/2006/main">
-  <p:cSld>
-    <p:spTree>
-      <p:nvGrpSpPr>
-        <p:cNvPr id="1" name=""/>
-        <p:cNvGrpSpPr/>
-        <p:nvPr/>
-      </p:nvGrpSpPr>
-      <p:grpSpPr>
-        <a:xfrm>
-          <a:off x="0" y="0"/>
-          <a:ext cx="0" cy="0"/>
-          <a:chOff x="0" y="0"/>
-          <a:chExt cx="0" cy="0"/>
-        </a:xfrm>
-      </p:grpSpPr>
-      <p:sp>
-        <p:nvSpPr>
-          <p:cNvPr id="2" name="Tittel 1"/>
-          <p:cNvSpPr>
-            <a:spLocks noGrp="1"/>
-          </p:cNvSpPr>
-          <p:nvPr>
-            <p:ph type="title"/>
-          </p:nvPr>
-        </p:nvSpPr>
-        <p:spPr/>
-        <p:txBody>
-          <a:bodyPr/>
-          <a:lstStyle/>
-          <a:p>
-            <a:r>
-              <a:rPr lang="en-GB" dirty="0" smtClean="0"/>
-              <a:t>CParser</a:t>
-            </a:r>
-            <a:endParaRPr lang="en-GB" dirty="0"/>
-          </a:p>
-        </p:txBody>
-      </p:sp>
-      <p:sp>
-        <p:nvSpPr>
-          <p:cNvPr id="3" name="Plassholder for innhold 2"/>
-          <p:cNvSpPr>
-            <a:spLocks noGrp="1"/>
-          </p:cNvSpPr>
-          <p:nvPr>
-            <p:ph sz="half" idx="1"/>
-          </p:nvPr>
-        </p:nvSpPr>
-        <p:spPr/>
-        <p:txBody>
-          <a:bodyPr/>
-          <a:lstStyle/>
-          <a:p>
-            <a:r>
-              <a:rPr lang="en-GB" dirty="0" smtClean="0"/>
-              <a:t>Parses the header files with the help of pycparser.</a:t>
-            </a:r>
-          </a:p>
-          <a:p>
-            <a:r>
-              <a:rPr lang="en-GB" dirty="0" smtClean="0"/>
-              <a:t>Finds the different c declerations.</a:t>
-            </a:r>
-          </a:p>
-          <a:p>
-            <a:r>
-              <a:rPr lang="en-GB" dirty="0" smtClean="0"/>
-              <a:t>Makes prototypes that represents the structs.</a:t>
-            </a:r>
-            <a:endParaRPr lang="en-GB" dirty="0"/>
-          </a:p>
-        </p:txBody>
-      </p:sp>
-      <p:pic>
-        <p:nvPicPr>
-          <p:cNvPr id="5" name="Plassholder for innhold 4"/>
-          <p:cNvPicPr>
-            <a:picLocks noGrp="1" noChangeAspect="1"/>
-          </p:cNvPicPr>
-          <p:nvPr>
-            <p:ph sz="half" idx="2"/>
-          </p:nvPr>
-        </p:nvPicPr>
-        <p:blipFill>
-          <a:blip r:embed="rId2">
-            <a:extLst>
-              <a:ext uri="{28A0092B-C50C-407E-A947-70E740481C1C}">
-                <a14:useLocalDpi xmlns:a14="http://schemas.microsoft.com/office/drawing/2010/main" val="0"/>
-              </a:ext>
-            </a:extLst>
-          </a:blip>
-          <a:stretch>
-            <a:fillRect/>
-          </a:stretch>
-        </p:blipFill>
-        <p:spPr>
-          <a:xfrm>
-            <a:off x="5123460" y="1600200"/>
-            <a:ext cx="3096018" cy="4343400"/>
-          </a:xfrm>
-        </p:spPr>
-      </p:pic>
-    </p:spTree>
-    <p:extLst>
-      <p:ext uri="{BB962C8B-B14F-4D97-AF65-F5344CB8AC3E}">
-        <p14:creationId xmlns:p14="http://schemas.microsoft.com/office/powerpoint/2010/main" val="57615000"/>
-      </p:ext>
-    </p:extLst>
-  </p:cSld>
-  <p:clrMapOvr>
-    <a:masterClrMapping/>
-  </p:clrMapOvr>
-  <p:transition xmlns:p14="http://schemas.microsoft.com/office/powerpoint/2010/main" spd="slow">
-    <p:push dir="u"/>
-  </p:transition>
-  <p:timing>
-    <p:tnLst>
-      <p:par>
-        <p:cTn xmlns:p14="http://schemas.microsoft.com/office/powerpoint/2010/main" id="1" dur="indefinite" restart="never" nodeType="tmRoot"/>
-      </p:par>
-    </p:tnLst>
-  </p:timing>
-</p:sld>
-</file>
-
-<file path=ppt/slides/slide36.xml><?xml version="1.0" encoding="utf-8"?>
-<p:sld xmlns:a="http://schemas.openxmlformats.org/drawingml/2006/main" xmlns:r="http://schemas.openxmlformats.org/officeDocument/2006/relationships" xmlns:p="http://schemas.openxmlformats.org/presentationml/2006/main">
-  <p:cSld>
-    <p:spTree>
-      <p:nvGrpSpPr>
-        <p:cNvPr id="1" name=""/>
-        <p:cNvGrpSpPr/>
-        <p:nvPr/>
-      </p:nvGrpSpPr>
-      <p:grpSpPr>
-        <a:xfrm>
-          <a:off x="0" y="0"/>
-          <a:ext cx="0" cy="0"/>
-          <a:chOff x="0" y="0"/>
-          <a:chExt cx="0" cy="0"/>
-        </a:xfrm>
-      </p:grpSpPr>
-      <p:sp>
-        <p:nvSpPr>
-          <p:cNvPr id="2" name="Tittel 1"/>
-          <p:cNvSpPr>
-            <a:spLocks noGrp="1"/>
-          </p:cNvSpPr>
-          <p:nvPr>
-            <p:ph type="title"/>
-          </p:nvPr>
-        </p:nvSpPr>
-        <p:spPr/>
-        <p:txBody>
-          <a:bodyPr/>
-          <a:lstStyle/>
-          <a:p>
-            <a:r>
-              <a:rPr lang="en-GB" dirty="0" err="1" smtClean="0"/>
-              <a:t>Config</a:t>
-            </a:r>
-            <a:endParaRPr lang="en-GB" dirty="0"/>
-          </a:p>
-        </p:txBody>
-      </p:sp>
-      <p:sp>
-        <p:nvSpPr>
-          <p:cNvPr id="3" name="Plassholder for innhold 2"/>
-          <p:cNvSpPr>
-            <a:spLocks noGrp="1"/>
-          </p:cNvSpPr>
-          <p:nvPr>
-            <p:ph sz="half" idx="1"/>
-          </p:nvPr>
-        </p:nvSpPr>
-        <p:spPr/>
-        <p:txBody>
-          <a:bodyPr/>
-          <a:lstStyle/>
-          <a:p>
-            <a:r>
-              <a:rPr lang="en-GB" dirty="0" smtClean="0"/>
-              <a:t>Parses configuration files.</a:t>
-            </a:r>
-          </a:p>
-          <a:p>
-            <a:r>
-              <a:rPr lang="en-GB" dirty="0" smtClean="0"/>
-              <a:t>Extracts rules from these files.</a:t>
-            </a:r>
-          </a:p>
-          <a:p>
-            <a:r>
-              <a:rPr lang="en-GB" dirty="0" smtClean="0"/>
-              <a:t>Store the rules for later.</a:t>
-            </a:r>
-          </a:p>
-          <a:p>
-            <a:pPr marL="0" indent="0">
-              <a:buNone/>
-            </a:pPr>
-            <a:endParaRPr lang="en-GB" dirty="0"/>
-          </a:p>
-        </p:txBody>
-      </p:sp>
-      <p:pic>
-        <p:nvPicPr>
-          <p:cNvPr id="5" name="Plassholder for innhold 4"/>
-          <p:cNvPicPr>
-            <a:picLocks noGrp="1" noChangeAspect="1"/>
-          </p:cNvPicPr>
-          <p:nvPr>
-            <p:ph sz="half" idx="2"/>
-          </p:nvPr>
-        </p:nvPicPr>
-        <p:blipFill>
-          <a:blip r:embed="rId2">
-            <a:extLst>
-              <a:ext uri="{28A0092B-C50C-407E-A947-70E740481C1C}">
-                <a14:useLocalDpi xmlns:a14="http://schemas.microsoft.com/office/drawing/2010/main" val="0"/>
-              </a:ext>
-            </a:extLst>
-          </a:blip>
-          <a:stretch>
-            <a:fillRect/>
-          </a:stretch>
-        </p:blipFill>
-        <p:spPr>
-          <a:xfrm>
-            <a:off x="5084776" y="1600200"/>
-            <a:ext cx="3173386" cy="4343400"/>
-          </a:xfrm>
-        </p:spPr>
-      </p:pic>
-    </p:spTree>
-    <p:extLst>
-      <p:ext uri="{BB962C8B-B14F-4D97-AF65-F5344CB8AC3E}">
-        <p14:creationId xmlns:p14="http://schemas.microsoft.com/office/powerpoint/2010/main" val="702158839"/>
-      </p:ext>
-    </p:extLst>
-  </p:cSld>
-  <p:clrMapOvr>
-    <a:masterClrMapping/>
-  </p:clrMapOvr>
-  <p:transition xmlns:p14="http://schemas.microsoft.com/office/powerpoint/2010/main" spd="slow">
-    <p:push dir="u"/>
-  </p:transition>
-  <p:timing>
-    <p:tnLst>
-      <p:par>
-        <p:cTn xmlns:p14="http://schemas.microsoft.com/office/powerpoint/2010/main" id="1" dur="indefinite" restart="never" nodeType="tmRoot"/>
-      </p:par>
-    </p:tnLst>
-  </p:timing>
-</p:sld>
-</file>
-
-<file path=ppt/slides/slide37.xml><?xml version="1.0" encoding="utf-8"?>
-<p:sld xmlns:a="http://schemas.openxmlformats.org/drawingml/2006/main" xmlns:r="http://schemas.openxmlformats.org/officeDocument/2006/relationships" xmlns:p="http://schemas.openxmlformats.org/presentationml/2006/main">
-  <p:cSld>
-    <p:spTree>
-      <p:nvGrpSpPr>
-        <p:cNvPr id="1" name=""/>
-        <p:cNvGrpSpPr/>
-        <p:nvPr/>
-      </p:nvGrpSpPr>
-      <p:grpSpPr>
-        <a:xfrm>
-          <a:off x="0" y="0"/>
-          <a:ext cx="0" cy="0"/>
-          <a:chOff x="0" y="0"/>
-          <a:chExt cx="0" cy="0"/>
-        </a:xfrm>
-      </p:grpSpPr>
-      <p:sp>
-        <p:nvSpPr>
-          <p:cNvPr id="2" name="Tittel 1"/>
-          <p:cNvSpPr>
-            <a:spLocks noGrp="1"/>
-          </p:cNvSpPr>
-          <p:nvPr>
-            <p:ph type="title"/>
-          </p:nvPr>
-        </p:nvSpPr>
-        <p:spPr/>
-        <p:txBody>
-          <a:bodyPr/>
-          <a:lstStyle/>
-          <a:p>
-            <a:r>
-              <a:rPr lang="en-GB" dirty="0" smtClean="0"/>
-              <a:t>Platform</a:t>
-            </a:r>
-            <a:endParaRPr lang="en-GB" dirty="0"/>
-          </a:p>
-        </p:txBody>
-      </p:sp>
-      <p:sp>
-        <p:nvSpPr>
-          <p:cNvPr id="3" name="Plassholder for innhold 2"/>
-          <p:cNvSpPr>
-            <a:spLocks noGrp="1"/>
-          </p:cNvSpPr>
-          <p:nvPr>
-            <p:ph sz="half" idx="1"/>
-          </p:nvPr>
-        </p:nvSpPr>
-        <p:spPr/>
-        <p:txBody>
-          <a:bodyPr/>
-          <a:lstStyle/>
-          <a:p>
-            <a:r>
-              <a:rPr lang="en-GB" dirty="0" smtClean="0"/>
-              <a:t>Contains information about different platforms.</a:t>
-            </a:r>
-          </a:p>
-          <a:p>
-            <a:r>
-              <a:rPr lang="en-GB" dirty="0" smtClean="0"/>
-              <a:t>The </a:t>
-            </a:r>
-            <a:r>
-              <a:rPr lang="en-GB" dirty="0" err="1" smtClean="0"/>
-              <a:t>CParser</a:t>
-            </a:r>
-            <a:r>
-              <a:rPr lang="en-GB" dirty="0" smtClean="0"/>
-              <a:t> and Dissector module uses this to make the dissectors conform with the specified platforms.</a:t>
-            </a:r>
-            <a:endParaRPr lang="en-GB" dirty="0"/>
-          </a:p>
-        </p:txBody>
-      </p:sp>
-      <p:pic>
-        <p:nvPicPr>
-          <p:cNvPr id="5" name="Plassholder for innhold 4"/>
-          <p:cNvPicPr>
-            <a:picLocks noGrp="1" noChangeAspect="1"/>
-          </p:cNvPicPr>
-          <p:nvPr>
-            <p:ph sz="half" idx="2"/>
-          </p:nvPr>
-        </p:nvPicPr>
-        <p:blipFill>
-          <a:blip r:embed="rId2">
-            <a:extLst>
-              <a:ext uri="{28A0092B-C50C-407E-A947-70E740481C1C}">
-                <a14:useLocalDpi xmlns:a14="http://schemas.microsoft.com/office/drawing/2010/main" val="0"/>
-              </a:ext>
-            </a:extLst>
-          </a:blip>
-          <a:stretch>
-            <a:fillRect/>
-          </a:stretch>
-        </p:blipFill>
-        <p:spPr>
-          <a:xfrm>
-            <a:off x="4751388" y="2433662"/>
-            <a:ext cx="3840162" cy="2676476"/>
-          </a:xfrm>
-        </p:spPr>
-      </p:pic>
-    </p:spTree>
-    <p:extLst>
-      <p:ext uri="{BB962C8B-B14F-4D97-AF65-F5344CB8AC3E}">
-        <p14:creationId xmlns:p14="http://schemas.microsoft.com/office/powerpoint/2010/main" val="1381620726"/>
-      </p:ext>
-    </p:extLst>
-  </p:cSld>
-  <p:clrMapOvr>
-    <a:masterClrMapping/>
-  </p:clrMapOvr>
-  <p:transition xmlns:p14="http://schemas.microsoft.com/office/powerpoint/2010/main" spd="slow">
-    <p:push dir="u"/>
-  </p:transition>
-  <p:timing>
-    <p:tnLst>
-      <p:par>
-        <p:cTn xmlns:p14="http://schemas.microsoft.com/office/powerpoint/2010/main" id="1" dur="indefinite" restart="never" nodeType="tmRoot"/>
-      </p:par>
-    </p:tnLst>
-  </p:timing>
-</p:sld>
-</file>
-
-<file path=ppt/slides/slide38.xml><?xml version="1.0" encoding="utf-8"?>
-<p:sld xmlns:a="http://schemas.openxmlformats.org/drawingml/2006/main" xmlns:r="http://schemas.openxmlformats.org/officeDocument/2006/relationships" xmlns:p="http://schemas.openxmlformats.org/presentationml/2006/main">
-  <p:cSld>
-    <p:spTree>
-      <p:nvGrpSpPr>
-        <p:cNvPr id="1" name=""/>
-        <p:cNvGrpSpPr/>
-        <p:nvPr/>
-      </p:nvGrpSpPr>
-      <p:grpSpPr>
-        <a:xfrm>
-          <a:off x="0" y="0"/>
-          <a:ext cx="0" cy="0"/>
-          <a:chOff x="0" y="0"/>
-          <a:chExt cx="0" cy="0"/>
-        </a:xfrm>
-      </p:grpSpPr>
-      <p:sp>
-        <p:nvSpPr>
-          <p:cNvPr id="2" name="Tittel 1"/>
-          <p:cNvSpPr>
-            <a:spLocks noGrp="1"/>
-          </p:cNvSpPr>
-          <p:nvPr>
-            <p:ph type="title"/>
-          </p:nvPr>
-        </p:nvSpPr>
-        <p:spPr/>
-        <p:txBody>
-          <a:bodyPr/>
-          <a:lstStyle/>
-          <a:p>
-            <a:r>
-              <a:rPr lang="en-GB" dirty="0" smtClean="0"/>
-              <a:t>Dissector</a:t>
-            </a:r>
-            <a:endParaRPr lang="en-GB" dirty="0"/>
-          </a:p>
-        </p:txBody>
-      </p:sp>
-      <p:sp>
-        <p:nvSpPr>
-          <p:cNvPr id="3" name="Plassholder for innhold 2"/>
-          <p:cNvSpPr>
-            <a:spLocks noGrp="1"/>
-          </p:cNvSpPr>
-          <p:nvPr>
-            <p:ph sz="half" idx="1"/>
-          </p:nvPr>
-        </p:nvSpPr>
-        <p:spPr/>
-        <p:txBody>
-          <a:bodyPr/>
-          <a:lstStyle/>
-          <a:p>
-            <a:r>
-              <a:rPr lang="en-GB" dirty="0" smtClean="0"/>
-              <a:t>Defines the Protocol class, that is used to represent a dissector.</a:t>
-            </a:r>
-          </a:p>
-          <a:p>
-            <a:r>
-              <a:rPr lang="en-GB" dirty="0" smtClean="0"/>
-              <a:t>Contains methods for writing the dissector.</a:t>
-            </a:r>
-            <a:endParaRPr lang="en-GB" dirty="0"/>
-          </a:p>
-        </p:txBody>
-      </p:sp>
-      <p:pic>
-        <p:nvPicPr>
-          <p:cNvPr id="5" name="Plassholder for innhold 4"/>
-          <p:cNvPicPr>
-            <a:picLocks noGrp="1" noChangeAspect="1"/>
-          </p:cNvPicPr>
-          <p:nvPr>
-            <p:ph sz="half" idx="2"/>
-          </p:nvPr>
-        </p:nvPicPr>
-        <p:blipFill>
-          <a:blip r:embed="rId2">
-            <a:extLst>
-              <a:ext uri="{28A0092B-C50C-407E-A947-70E740481C1C}">
-                <a14:useLocalDpi xmlns:a14="http://schemas.microsoft.com/office/drawing/2010/main" val="0"/>
-              </a:ext>
-            </a:extLst>
-          </a:blip>
-          <a:stretch>
-            <a:fillRect/>
-          </a:stretch>
-        </p:blipFill>
-        <p:spPr>
-          <a:xfrm>
-            <a:off x="4852481" y="1600200"/>
-            <a:ext cx="3637975" cy="4343400"/>
-          </a:xfrm>
-        </p:spPr>
-      </p:pic>
-    </p:spTree>
-    <p:extLst>
-      <p:ext uri="{BB962C8B-B14F-4D97-AF65-F5344CB8AC3E}">
-        <p14:creationId xmlns:p14="http://schemas.microsoft.com/office/powerpoint/2010/main" val="3002391868"/>
-      </p:ext>
-    </p:extLst>
-  </p:cSld>
-  <p:clrMapOvr>
-    <a:masterClrMapping/>
-  </p:clrMapOvr>
-  <p:transition xmlns:p14="http://schemas.microsoft.com/office/powerpoint/2010/main" spd="slow">
-    <p:push dir="u"/>
-  </p:transition>
-  <p:timing>
-    <p:tnLst>
-      <p:par>
-        <p:cTn xmlns:p14="http://schemas.microsoft.com/office/powerpoint/2010/main" id="1" dur="indefinite" restart="never" nodeType="tmRoot"/>
-      </p:par>
-    </p:tnLst>
-  </p:timing>
-</p:sld>
-</file>
-
-<file path=ppt/slides/slide39.xml><?xml version="1.0" encoding="utf-8"?>
-<p:sld xmlns:a="http://schemas.openxmlformats.org/drawingml/2006/main" xmlns:r="http://schemas.openxmlformats.org/officeDocument/2006/relationships" xmlns:p="http://schemas.openxmlformats.org/presentationml/2006/main">
-  <p:cSld>
-    <p:spTree>
-      <p:nvGrpSpPr>
-        <p:cNvPr id="1" name=""/>
-        <p:cNvGrpSpPr/>
-        <p:nvPr/>
-      </p:nvGrpSpPr>
-      <p:grpSpPr>
-        <a:xfrm>
-          <a:off x="0" y="0"/>
-          <a:ext cx="0" cy="0"/>
-          <a:chOff x="0" y="0"/>
-          <a:chExt cx="0" cy="0"/>
-        </a:xfrm>
-      </p:grpSpPr>
-      <p:sp>
-        <p:nvSpPr>
-          <p:cNvPr id="2" name="Tittel 1"/>
-          <p:cNvSpPr>
-            <a:spLocks noGrp="1"/>
-          </p:cNvSpPr>
-          <p:nvPr>
-            <p:ph type="title"/>
-          </p:nvPr>
-        </p:nvSpPr>
-        <p:spPr/>
-        <p:txBody>
-          <a:bodyPr/>
-          <a:lstStyle/>
-          <a:p>
-            <a:r>
-              <a:rPr lang="en-GB" dirty="0" err="1" smtClean="0"/>
-              <a:t>Conclution</a:t>
+              <a:t>Conclusion</a:t>
             </a:r>
             <a:endParaRPr lang="en-GB" dirty="0"/>
           </a:p>
@@ -8216,13 +7719,13 @@
   <p:clrMapOvr>
     <a:masterClrMapping/>
   </p:clrMapOvr>
-  <p:transition xmlns:p14="http://schemas.microsoft.com/office/powerpoint/2010/main" spd="slow">
+  <p:transition spd="slow">
     <p:push dir="u"/>
   </p:transition>
   <p:timing>
     <p:tnLst>
       <p:par>
-        <p:cTn xmlns:p14="http://schemas.microsoft.com/office/powerpoint/2010/main" id="1" dur="indefinite" restart="never" nodeType="tmRoot"/>
+        <p:cTn id="1" dur="indefinite" restart="never" nodeType="tmRoot"/>
       </p:par>
     </p:tnLst>
   </p:timing>
@@ -8327,13 +7830,13 @@
   <p:clrMapOvr>
     <a:masterClrMapping/>
   </p:clrMapOvr>
-  <p:transition xmlns:p14="http://schemas.microsoft.com/office/powerpoint/2010/main" spd="slow">
+  <p:transition spd="slow">
     <p:push dir="u"/>
   </p:transition>
   <p:timing>
     <p:tnLst>
       <p:par>
-        <p:cTn xmlns:p14="http://schemas.microsoft.com/office/powerpoint/2010/main" id="1" dur="indefinite" restart="never" nodeType="tmRoot"/>
+        <p:cTn id="1" dur="indefinite" restart="never" nodeType="tmRoot"/>
       </p:par>
     </p:tnLst>
   </p:timing>
@@ -8413,7 +7916,11 @@
           <a:p>
             <a:r>
               <a:rPr lang="en-US" dirty="0" smtClean="0"/>
-              <a:t>Both military and civil customers.</a:t>
+              <a:t>Both military and civil </a:t>
+            </a:r>
+            <a:r>
+              <a:rPr lang="en-US" dirty="0" smtClean="0"/>
+              <a:t>customers</a:t>
             </a:r>
           </a:p>
         </p:txBody>
@@ -8479,207 +7986,13 @@
       </p:grpSpPr>
       <p:sp>
         <p:nvSpPr>
-          <p:cNvPr id="2" name="Tittel 1"/>
-          <p:cNvSpPr>
-            <a:spLocks noGrp="1"/>
-          </p:cNvSpPr>
-          <p:nvPr>
-            <p:ph type="title"/>
-          </p:nvPr>
-        </p:nvSpPr>
-        <p:spPr/>
-        <p:txBody>
-          <a:bodyPr/>
-          <a:lstStyle/>
-          <a:p>
-            <a:r>
-              <a:rPr lang="nb-NO" dirty="0" smtClean="0"/>
-              <a:t>The customer’s situation</a:t>
-            </a:r>
-            <a:endParaRPr lang="nb-NO" dirty="0"/>
-          </a:p>
-        </p:txBody>
-      </p:sp>
-      <p:sp>
-        <p:nvSpPr>
-          <p:cNvPr id="3" name="Plassholder for innhold 2"/>
-          <p:cNvSpPr>
-            <a:spLocks noGrp="1"/>
-          </p:cNvSpPr>
-          <p:nvPr>
-            <p:ph idx="1"/>
-          </p:nvPr>
-        </p:nvSpPr>
-        <p:spPr/>
-        <p:txBody>
-          <a:bodyPr/>
-          <a:lstStyle/>
-          <a:p>
-            <a:r>
-              <a:rPr lang="nb-NO" dirty="0" smtClean="0"/>
-              <a:t>Their product relies on</a:t>
-            </a:r>
-            <a:r>
-              <a:rPr lang="nb-NO" dirty="0"/>
-              <a:t> </a:t>
-            </a:r>
-            <a:r>
-              <a:rPr lang="nb-NO" dirty="0" smtClean="0"/>
-              <a:t>communication between processes.</a:t>
-            </a:r>
-          </a:p>
-          <a:p>
-            <a:r>
-              <a:rPr lang="nb-NO" dirty="0" smtClean="0"/>
-              <a:t>C structs are used as a container for this.</a:t>
-            </a:r>
-          </a:p>
-          <a:p>
-            <a:r>
-              <a:rPr lang="nb-NO" dirty="0" smtClean="0"/>
-              <a:t>Debugging requires interception of messages.</a:t>
-            </a:r>
-          </a:p>
-          <a:p>
-            <a:r>
-              <a:rPr lang="nb-NO" dirty="0" smtClean="0"/>
-              <a:t>Wireshark is a way to to this.</a:t>
-            </a:r>
-            <a:endParaRPr lang="nb-NO" dirty="0"/>
-          </a:p>
-        </p:txBody>
-      </p:sp>
-    </p:spTree>
-    <p:extLst>
-      <p:ext uri="{BB962C8B-B14F-4D97-AF65-F5344CB8AC3E}">
-        <p14:creationId xmlns:p14="http://schemas.microsoft.com/office/powerpoint/2010/main" val="326664058"/>
-      </p:ext>
-    </p:extLst>
-  </p:cSld>
-  <p:clrMapOvr>
-    <a:masterClrMapping/>
-  </p:clrMapOvr>
-  <p:transition xmlns:p14="http://schemas.microsoft.com/office/powerpoint/2010/main" spd="slow">
-    <p:push dir="u"/>
-  </p:transition>
-  <p:timing>
-    <p:tnLst>
-      <p:par>
-        <p:cTn xmlns:p14="http://schemas.microsoft.com/office/powerpoint/2010/main" id="1" dur="indefinite" restart="never" nodeType="tmRoot"/>
-      </p:par>
-    </p:tnLst>
-  </p:timing>
-</p:sld>
-</file>
-
-<file path=ppt/slides/slide7.xml><?xml version="1.0" encoding="utf-8"?>
-<p:sld xmlns:a="http://schemas.openxmlformats.org/drawingml/2006/main" xmlns:r="http://schemas.openxmlformats.org/officeDocument/2006/relationships" xmlns:p="http://schemas.openxmlformats.org/presentationml/2006/main">
-  <p:cSld>
-    <p:spTree>
-      <p:nvGrpSpPr>
-        <p:cNvPr id="1" name=""/>
-        <p:cNvGrpSpPr/>
-        <p:nvPr/>
-      </p:nvGrpSpPr>
-      <p:grpSpPr>
-        <a:xfrm>
-          <a:off x="0" y="0"/>
-          <a:ext cx="0" cy="0"/>
-          <a:chOff x="0" y="0"/>
-          <a:chExt cx="0" cy="0"/>
-        </a:xfrm>
-      </p:grpSpPr>
-      <p:sp>
-        <p:nvSpPr>
-          <p:cNvPr id="2" name="Tittel 1"/>
-          <p:cNvSpPr>
-            <a:spLocks noGrp="1"/>
-          </p:cNvSpPr>
-          <p:nvPr>
-            <p:ph type="title"/>
-          </p:nvPr>
-        </p:nvSpPr>
-        <p:spPr/>
-        <p:txBody>
-          <a:bodyPr/>
-          <a:lstStyle/>
-          <a:p>
-            <a:r>
-              <a:rPr lang="nb-NO" dirty="0" smtClean="0"/>
-              <a:t>Wireshark</a:t>
-            </a:r>
-            <a:endParaRPr lang="en-GB" dirty="0"/>
-          </a:p>
-        </p:txBody>
-      </p:sp>
-      <p:pic>
-        <p:nvPicPr>
-          <p:cNvPr id="4" name="Plassholder for innhold 3"/>
-          <p:cNvPicPr>
-            <a:picLocks noGrp="1" noChangeAspect="1"/>
-          </p:cNvPicPr>
-          <p:nvPr>
-            <p:ph idx="1"/>
-          </p:nvPr>
-        </p:nvPicPr>
-        <p:blipFill>
-          <a:blip r:embed="rId2">
-            <a:extLst>
-              <a:ext uri="{28A0092B-C50C-407E-A947-70E740481C1C}">
-                <a14:useLocalDpi xmlns:a14="http://schemas.microsoft.com/office/drawing/2010/main" val="0"/>
-              </a:ext>
-            </a:extLst>
-          </a:blip>
-          <a:stretch>
-            <a:fillRect/>
-          </a:stretch>
-        </p:blipFill>
-        <p:spPr>
-          <a:xfrm>
-            <a:off x="1627322" y="1357487"/>
-            <a:ext cx="5943599" cy="5418028"/>
-          </a:xfrm>
-        </p:spPr>
-      </p:pic>
-    </p:spTree>
-    <p:extLst>
-      <p:ext uri="{BB962C8B-B14F-4D97-AF65-F5344CB8AC3E}">
-        <p14:creationId xmlns:p14="http://schemas.microsoft.com/office/powerpoint/2010/main" val="871341481"/>
-      </p:ext>
-    </p:extLst>
-  </p:cSld>
-  <p:clrMapOvr>
-    <a:masterClrMapping/>
-  </p:clrMapOvr>
-</p:sld>
-</file>
-
-<file path=ppt/slides/slide8.xml><?xml version="1.0" encoding="utf-8"?>
-<p:sld xmlns:a="http://schemas.openxmlformats.org/drawingml/2006/main" xmlns:r="http://schemas.openxmlformats.org/officeDocument/2006/relationships" xmlns:p="http://schemas.openxmlformats.org/presentationml/2006/main">
-  <p:cSld>
-    <p:spTree>
-      <p:nvGrpSpPr>
-        <p:cNvPr id="1" name=""/>
-        <p:cNvGrpSpPr/>
-        <p:nvPr/>
-      </p:nvGrpSpPr>
-      <p:grpSpPr>
-        <a:xfrm>
-          <a:off x="0" y="0"/>
-          <a:ext cx="0" cy="0"/>
-          <a:chOff x="0" y="0"/>
-          <a:chExt cx="0" cy="0"/>
-        </a:xfrm>
-      </p:grpSpPr>
-      <p:sp>
-        <p:nvSpPr>
           <p:cNvPr id="4" name="Avrundet rektangel 3"/>
           <p:cNvSpPr/>
           <p:nvPr/>
         </p:nvSpPr>
         <p:spPr>
           <a:xfrm>
-            <a:off x="581186" y="1015136"/>
+            <a:off x="562656" y="1708682"/>
             <a:ext cx="2138766" cy="2038030"/>
           </a:xfrm>
           <a:prstGeom prst="roundRect">
@@ -8720,7 +8033,7 @@
         </p:nvSpPr>
         <p:spPr>
           <a:xfrm>
-            <a:off x="6369803" y="1015136"/>
+            <a:off x="6363345" y="1708682"/>
             <a:ext cx="2123267" cy="2038029"/>
           </a:xfrm>
           <a:prstGeom prst="roundRect">
@@ -8764,8 +8077,8 @@
         </p:nvCxnSpPr>
         <p:spPr>
           <a:xfrm>
-            <a:off x="2719952" y="2034151"/>
-            <a:ext cx="3649851" cy="0"/>
+            <a:off x="2701422" y="2727697"/>
+            <a:ext cx="3661923" cy="0"/>
           </a:xfrm>
           <a:prstGeom prst="straightConnector1">
             <a:avLst/>
@@ -8797,7 +8110,7 @@
         </p:nvSpPr>
         <p:spPr>
           <a:xfrm>
-            <a:off x="581186" y="1456839"/>
+            <a:off x="602460" y="2204632"/>
             <a:ext cx="2059158" cy="1495587"/>
           </a:xfrm>
           <a:prstGeom prst="roundRect">
@@ -8874,21 +8187,21 @@
         </p:nvSpPr>
         <p:spPr>
           <a:xfrm>
-            <a:off x="6522202" y="1456838"/>
-            <a:ext cx="1844299" cy="1495588"/>
+            <a:off x="6416942" y="2204632"/>
+            <a:ext cx="2016072" cy="1495588"/>
           </a:xfrm>
           <a:prstGeom prst="roundRect">
             <a:avLst/>
           </a:prstGeom>
         </p:spPr>
         <p:style>
-          <a:lnRef idx="0">
+          <a:lnRef idx="1">
             <a:schemeClr val="accent2"/>
           </a:lnRef>
           <a:fillRef idx="3">
             <a:schemeClr val="accent2"/>
           </a:fillRef>
-          <a:effectRef idx="3">
+          <a:effectRef idx="2">
             <a:schemeClr val="accent2"/>
           </a:effectRef>
           <a:fontRef idx="minor">
@@ -8955,7 +8268,11 @@
             </a:r>
             <a:r>
               <a:rPr lang="nb-NO" sz="1600" dirty="0" smtClean="0"/>
-              <a:t>* =  ‘abc’;</a:t>
+              <a:t>* c </a:t>
+            </a:r>
+            <a:r>
+              <a:rPr lang="nb-NO" sz="1600" dirty="0" smtClean="0"/>
+              <a:t>=  ‘abc’;</a:t>
             </a:r>
           </a:p>
           <a:p>
@@ -8975,7 +8292,7 @@
         </p:nvSpPr>
         <p:spPr>
           <a:xfrm>
-            <a:off x="2719952" y="1542076"/>
+            <a:off x="2701422" y="2173630"/>
             <a:ext cx="1621183" cy="395208"/>
           </a:xfrm>
           <a:prstGeom prst="rect">
@@ -9060,9 +8377,9 @@
           <p:nvPr/>
         </p:nvCxnSpPr>
         <p:spPr>
-          <a:xfrm>
-            <a:off x="4534864" y="1456839"/>
-            <a:ext cx="0" cy="2386742"/>
+          <a:xfrm flipH="1">
+            <a:off x="4534864" y="2727697"/>
+            <a:ext cx="10012" cy="1115884"/>
           </a:xfrm>
           <a:prstGeom prst="line">
             <a:avLst/>
@@ -9178,7 +8495,19 @@
           <a:p>
             <a:r>
               <a:rPr lang="nb-NO" sz="1600" dirty="0"/>
-              <a:t>  char* =  ‘abc</a:t>
+              <a:t>  </a:t>
+            </a:r>
+            <a:r>
+              <a:rPr lang="nb-NO" sz="1600" dirty="0" err="1"/>
+              <a:t>char</a:t>
+            </a:r>
+            <a:r>
+              <a:rPr lang="nb-NO" sz="1600" dirty="0" smtClean="0"/>
+              <a:t>* c </a:t>
+            </a:r>
+            <a:r>
+              <a:rPr lang="nb-NO" sz="1600" dirty="0"/>
+              <a:t>=  ‘abc</a:t>
             </a:r>
             <a:r>
               <a:rPr lang="nb-NO" sz="1600" dirty="0" smtClean="0"/>
@@ -9187,13 +8516,48 @@
           </a:p>
           <a:p>
             <a:r>
-              <a:rPr lang="nb-NO" sz="1600" smtClean="0"/>
+              <a:rPr lang="nb-NO" sz="1600" dirty="0" smtClean="0"/>
               <a:t>};</a:t>
             </a:r>
           </a:p>
           <a:p>
             <a:pPr algn="ctr"/>
             <a:endParaRPr lang="nb-NO" dirty="0"/>
+          </a:p>
+        </p:txBody>
+      </p:sp>
+      <p:sp>
+        <p:nvSpPr>
+          <p:cNvPr id="2" name="Tittel 1"/>
+          <p:cNvSpPr>
+            <a:spLocks noGrp="1"/>
+          </p:cNvSpPr>
+          <p:nvPr>
+            <p:ph type="title"/>
+          </p:nvPr>
+        </p:nvSpPr>
+        <p:spPr/>
+        <p:txBody>
+          <a:bodyPr/>
+          <a:lstStyle/>
+          <a:p>
+            <a:r>
+              <a:rPr lang="nb-NO" dirty="0" smtClean="0"/>
+              <a:t>The </a:t>
+            </a:r>
+            <a:r>
+              <a:rPr lang="nb-NO" dirty="0" err="1" smtClean="0"/>
+              <a:t>customers</a:t>
+            </a:r>
+            <a:r>
+              <a:rPr lang="nb-NO" dirty="0" smtClean="0"/>
+              <a:t> </a:t>
+            </a:r>
+            <a:r>
+              <a:rPr lang="nb-NO" dirty="0" err="1" smtClean="0"/>
+              <a:t>situation</a:t>
+            </a:r>
+            <a:endParaRPr lang="en-GB" dirty="0"/>
           </a:p>
         </p:txBody>
       </p:sp>
@@ -9207,13 +8571,13 @@
   <p:clrMapOvr>
     <a:masterClrMapping/>
   </p:clrMapOvr>
-  <p:transition xmlns:p14="http://schemas.microsoft.com/office/powerpoint/2010/main" spd="slow">
+  <p:transition spd="slow">
     <p:push dir="u"/>
   </p:transition>
   <p:timing>
     <p:tnLst>
       <p:par>
-        <p:cTn xmlns:p14="http://schemas.microsoft.com/office/powerpoint/2010/main" id="1" dur="indefinite" restart="never" nodeType="tmRoot">
+        <p:cTn id="1" dur="indefinite" restart="never" nodeType="tmRoot">
           <p:childTnLst>
             <p:seq concurrent="1" nextAc="seek">
               <p:cTn id="2" dur="indefinite" nodeType="mainSeq">
@@ -9573,6 +8937,260 @@
 </p:sld>
 </file>
 
+<file path=ppt/slides/slide7.xml><?xml version="1.0" encoding="utf-8"?>
+<p:sld xmlns:a="http://schemas.openxmlformats.org/drawingml/2006/main" xmlns:r="http://schemas.openxmlformats.org/officeDocument/2006/relationships" xmlns:p="http://schemas.openxmlformats.org/presentationml/2006/main">
+  <p:cSld>
+    <p:spTree>
+      <p:nvGrpSpPr>
+        <p:cNvPr id="1" name=""/>
+        <p:cNvGrpSpPr/>
+        <p:nvPr/>
+      </p:nvGrpSpPr>
+      <p:grpSpPr>
+        <a:xfrm>
+          <a:off x="0" y="0"/>
+          <a:ext cx="0" cy="0"/>
+          <a:chOff x="0" y="0"/>
+          <a:chExt cx="0" cy="0"/>
+        </a:xfrm>
+      </p:grpSpPr>
+      <p:sp>
+        <p:nvSpPr>
+          <p:cNvPr id="2" name="Tittel 1"/>
+          <p:cNvSpPr>
+            <a:spLocks noGrp="1"/>
+          </p:cNvSpPr>
+          <p:nvPr>
+            <p:ph type="title"/>
+          </p:nvPr>
+        </p:nvSpPr>
+        <p:spPr/>
+        <p:txBody>
+          <a:bodyPr/>
+          <a:lstStyle/>
+          <a:p>
+            <a:r>
+              <a:rPr lang="nb-NO" dirty="0" smtClean="0"/>
+              <a:t>Wireshark</a:t>
+            </a:r>
+            <a:endParaRPr lang="en-GB" dirty="0"/>
+          </a:p>
+        </p:txBody>
+      </p:sp>
+      <p:pic>
+        <p:nvPicPr>
+          <p:cNvPr id="4" name="Plassholder for innhold 3"/>
+          <p:cNvPicPr>
+            <a:picLocks noGrp="1" noChangeAspect="1"/>
+          </p:cNvPicPr>
+          <p:nvPr>
+            <p:ph idx="1"/>
+          </p:nvPr>
+        </p:nvPicPr>
+        <p:blipFill>
+          <a:blip r:embed="rId2">
+            <a:extLst>
+              <a:ext uri="{28A0092B-C50C-407E-A947-70E740481C1C}">
+                <a14:useLocalDpi xmlns:a14="http://schemas.microsoft.com/office/drawing/2010/main" val="0"/>
+              </a:ext>
+            </a:extLst>
+          </a:blip>
+          <a:stretch>
+            <a:fillRect/>
+          </a:stretch>
+        </p:blipFill>
+        <p:spPr>
+          <a:xfrm>
+            <a:off x="1627322" y="1357487"/>
+            <a:ext cx="5943599" cy="5418028"/>
+          </a:xfrm>
+        </p:spPr>
+      </p:pic>
+    </p:spTree>
+    <p:extLst>
+      <p:ext uri="{BB962C8B-B14F-4D97-AF65-F5344CB8AC3E}">
+        <p14:creationId xmlns:p14="http://schemas.microsoft.com/office/powerpoint/2010/main" val="871341481"/>
+      </p:ext>
+    </p:extLst>
+  </p:cSld>
+  <p:clrMapOvr>
+    <a:masterClrMapping/>
+  </p:clrMapOvr>
+</p:sld>
+</file>
+
+<file path=ppt/slides/slide8.xml><?xml version="1.0" encoding="utf-8"?>
+<p:sld xmlns:a="http://schemas.openxmlformats.org/drawingml/2006/main" xmlns:r="http://schemas.openxmlformats.org/officeDocument/2006/relationships" xmlns:p="http://schemas.openxmlformats.org/presentationml/2006/main">
+  <p:cSld>
+    <p:spTree>
+      <p:nvGrpSpPr>
+        <p:cNvPr id="1" name=""/>
+        <p:cNvGrpSpPr/>
+        <p:nvPr/>
+      </p:nvGrpSpPr>
+      <p:grpSpPr>
+        <a:xfrm>
+          <a:off x="0" y="0"/>
+          <a:ext cx="0" cy="0"/>
+          <a:chOff x="0" y="0"/>
+          <a:chExt cx="0" cy="0"/>
+        </a:xfrm>
+      </p:grpSpPr>
+      <p:sp>
+        <p:nvSpPr>
+          <p:cNvPr id="2" name="Tittel 1"/>
+          <p:cNvSpPr>
+            <a:spLocks noGrp="1"/>
+          </p:cNvSpPr>
+          <p:nvPr>
+            <p:ph type="title"/>
+          </p:nvPr>
+        </p:nvSpPr>
+        <p:spPr/>
+        <p:txBody>
+          <a:bodyPr/>
+          <a:lstStyle/>
+          <a:p>
+            <a:r>
+              <a:rPr lang="nb-NO" dirty="0" smtClean="0"/>
+              <a:t>Dissectors</a:t>
+            </a:r>
+            <a:endParaRPr lang="nb-NO" dirty="0"/>
+          </a:p>
+        </p:txBody>
+      </p:sp>
+      <p:sp>
+        <p:nvSpPr>
+          <p:cNvPr id="3" name="Plassholder for innhold 2"/>
+          <p:cNvSpPr>
+            <a:spLocks noGrp="1"/>
+          </p:cNvSpPr>
+          <p:nvPr>
+            <p:ph idx="1"/>
+          </p:nvPr>
+        </p:nvSpPr>
+        <p:spPr/>
+        <p:txBody>
+          <a:bodyPr/>
+          <a:lstStyle/>
+          <a:p>
+            <a:r>
+              <a:rPr lang="nb-NO" dirty="0" smtClean="0"/>
+              <a:t>Wireshark can be extended </a:t>
+            </a:r>
+            <a:r>
+              <a:rPr lang="nb-NO" dirty="0" err="1" smtClean="0"/>
+              <a:t>with</a:t>
+            </a:r>
+            <a:r>
+              <a:rPr lang="nb-NO" dirty="0" smtClean="0"/>
+              <a:t> </a:t>
+            </a:r>
+            <a:r>
+              <a:rPr lang="nb-NO" dirty="0" err="1" smtClean="0"/>
+              <a:t>dissectors</a:t>
+            </a:r>
+            <a:endParaRPr lang="nb-NO" dirty="0" smtClean="0"/>
+          </a:p>
+          <a:p>
+            <a:r>
+              <a:rPr lang="nb-NO" dirty="0" smtClean="0"/>
+              <a:t>A </a:t>
+            </a:r>
+            <a:r>
+              <a:rPr lang="nb-NO" dirty="0" err="1" smtClean="0"/>
+              <a:t>dissector</a:t>
+            </a:r>
+            <a:r>
+              <a:rPr lang="nb-NO" dirty="0" smtClean="0"/>
+              <a:t> </a:t>
+            </a:r>
+            <a:r>
+              <a:rPr lang="nb-NO" dirty="0" err="1" smtClean="0"/>
+              <a:t>decodes</a:t>
+            </a:r>
+            <a:r>
+              <a:rPr lang="nb-NO" dirty="0" smtClean="0"/>
+              <a:t> </a:t>
+            </a:r>
+            <a:r>
+              <a:rPr lang="nb-NO" dirty="0" err="1" smtClean="0"/>
+              <a:t>the</a:t>
+            </a:r>
+            <a:r>
+              <a:rPr lang="nb-NO" dirty="0" smtClean="0"/>
+              <a:t> </a:t>
+            </a:r>
+            <a:r>
+              <a:rPr lang="nb-NO" dirty="0" err="1" smtClean="0"/>
+              <a:t>structure</a:t>
+            </a:r>
+            <a:r>
+              <a:rPr lang="nb-NO" dirty="0" smtClean="0"/>
+              <a:t> </a:t>
+            </a:r>
+            <a:r>
+              <a:rPr lang="nb-NO" dirty="0" err="1" smtClean="0"/>
+              <a:t>of</a:t>
+            </a:r>
+            <a:r>
+              <a:rPr lang="nb-NO" dirty="0" smtClean="0"/>
+              <a:t> a </a:t>
+            </a:r>
+            <a:r>
+              <a:rPr lang="nb-NO" dirty="0" err="1" smtClean="0"/>
+              <a:t>message</a:t>
+            </a:r>
+            <a:endParaRPr lang="nb-NO" dirty="0" smtClean="0"/>
+          </a:p>
+          <a:p>
+            <a:r>
+              <a:rPr lang="nb-NO" dirty="0" smtClean="0"/>
+              <a:t>Takes from 15 minutes – 1 hour to make.</a:t>
+            </a:r>
+          </a:p>
+          <a:p>
+            <a:r>
+              <a:rPr lang="nb-NO" dirty="0" err="1" smtClean="0"/>
+              <a:t>Requires</a:t>
+            </a:r>
+            <a:r>
+              <a:rPr lang="nb-NO" dirty="0" smtClean="0"/>
+              <a:t> </a:t>
+            </a:r>
+            <a:r>
+              <a:rPr lang="nb-NO" dirty="0" smtClean="0"/>
+              <a:t>knowledge about C memory layout and Wireshark API.</a:t>
+            </a:r>
+          </a:p>
+          <a:p>
+            <a:endParaRPr lang="nb-NO" dirty="0"/>
+          </a:p>
+        </p:txBody>
+      </p:sp>
+    </p:spTree>
+    <p:extLst>
+      <p:ext uri="{BB962C8B-B14F-4D97-AF65-F5344CB8AC3E}">
+        <p14:creationId xmlns:p14="http://schemas.microsoft.com/office/powerpoint/2010/main" val="2832160107"/>
+      </p:ext>
+    </p:extLst>
+  </p:cSld>
+  <p:clrMapOvr>
+    <a:masterClrMapping/>
+  </p:clrMapOvr>
+  <p:transition spd="slow">
+    <p:push dir="u"/>
+  </p:transition>
+  <p:timing>
+    <p:tnLst>
+      <p:par>
+        <p:cTn id="1" dur="indefinite" restart="never" nodeType="tmRoot"/>
+      </p:par>
+    </p:tnLst>
+  </p:timing>
+</p:sld>
+</file>
+
 <file path=ppt/slides/slide9.xml><?xml version="1.0" encoding="utf-8"?>
 <p:sld xmlns:a="http://schemas.openxmlformats.org/drawingml/2006/main" xmlns:r="http://schemas.openxmlformats.org/officeDocument/2006/relationships" xmlns:p="http://schemas.openxmlformats.org/presentationml/2006/main">
   <p:cSld>
@@ -9607,7 +9225,15 @@
           <a:p>
             <a:r>
               <a:rPr lang="nb-NO" dirty="0" smtClean="0"/>
-              <a:t>Dissectors</a:t>
+              <a:t>The </a:t>
+            </a:r>
+            <a:r>
+              <a:rPr lang="nb-NO" dirty="0"/>
+              <a:t>T</a:t>
+            </a:r>
+            <a:r>
+              <a:rPr lang="nb-NO" dirty="0" smtClean="0"/>
+              <a:t>ask</a:t>
             </a:r>
             <a:endParaRPr lang="nb-NO" dirty="0"/>
           </a:p>
@@ -9629,64 +9255,95 @@
           <a:lstStyle/>
           <a:p>
             <a:r>
-              <a:rPr lang="nb-NO" dirty="0" smtClean="0"/>
-              <a:t>Wireshark can be extended with dissectors.</a:t>
-            </a:r>
-          </a:p>
-          <a:p>
-            <a:r>
-              <a:rPr lang="nb-NO" dirty="0" smtClean="0"/>
-              <a:t>A dissector knows the structure of the message</a:t>
-            </a:r>
-            <a:r>
-              <a:rPr lang="nb-NO" dirty="0"/>
-              <a:t> </a:t>
-            </a:r>
-            <a:r>
-              <a:rPr lang="nb-NO" dirty="0" smtClean="0"/>
-              <a:t>and and can represent it beautifully.</a:t>
-            </a:r>
-          </a:p>
-          <a:p>
-            <a:r>
-              <a:rPr lang="nb-NO" dirty="0" smtClean="0"/>
-              <a:t>Takes from 15 minutes – 1 hour to make.</a:t>
-            </a:r>
-          </a:p>
-          <a:p>
-            <a:r>
-              <a:rPr lang="nb-NO" dirty="0" smtClean="0"/>
-              <a:t>Hard or and tideous for large and complex structs.</a:t>
-            </a:r>
-          </a:p>
-          <a:p>
-            <a:r>
-              <a:rPr lang="nb-NO" dirty="0" smtClean="0"/>
-              <a:t>Requires knowledge about C memory layout and Wireshark API.</a:t>
-            </a:r>
-          </a:p>
-          <a:p>
-            <a:endParaRPr lang="nb-NO" dirty="0"/>
+              <a:rPr lang="en-US" dirty="0"/>
+              <a:t>Generate </a:t>
+            </a:r>
+            <a:r>
+              <a:rPr lang="en-US" dirty="0" err="1"/>
+              <a:t>Lua</a:t>
+            </a:r>
+            <a:r>
+              <a:rPr lang="en-US" dirty="0"/>
+              <a:t> dissectors for C structs </a:t>
+            </a:r>
+            <a:r>
+              <a:rPr lang="en-US" dirty="0" smtClean="0"/>
+              <a:t>automatically</a:t>
+            </a:r>
+          </a:p>
+          <a:p>
+            <a:pPr lvl="1"/>
+            <a:r>
+              <a:rPr lang="en-US" dirty="0" smtClean="0"/>
+              <a:t>3000 C-header files</a:t>
+            </a:r>
+          </a:p>
+          <a:p>
+            <a:pPr lvl="1"/>
+            <a:r>
+              <a:rPr lang="en-US" dirty="0" smtClean="0"/>
+              <a:t>Very complex</a:t>
+            </a:r>
+            <a:endParaRPr lang="en-US" dirty="0"/>
+          </a:p>
+          <a:p>
+            <a:r>
+              <a:rPr lang="en-US" dirty="0"/>
+              <a:t>Provide configuration options for the </a:t>
+            </a:r>
+            <a:r>
+              <a:rPr lang="en-US" dirty="0" smtClean="0"/>
+              <a:t>dissectors</a:t>
+            </a:r>
+          </a:p>
+          <a:p>
+            <a:pPr lvl="1"/>
+            <a:r>
+              <a:rPr lang="en-US" dirty="0" smtClean="0"/>
+              <a:t>ID</a:t>
+            </a:r>
+          </a:p>
+          <a:p>
+            <a:pPr lvl="1"/>
+            <a:r>
+              <a:rPr lang="en-US" dirty="0" smtClean="0"/>
+              <a:t>Member and type semantic</a:t>
+            </a:r>
+          </a:p>
+          <a:p>
+            <a:pPr lvl="1"/>
+            <a:r>
+              <a:rPr lang="en-US" dirty="0" smtClean="0"/>
+              <a:t>Options to make it work in different </a:t>
+            </a:r>
+            <a:r>
+              <a:rPr lang="en-US" dirty="0" err="1" smtClean="0"/>
+              <a:t>enviroments</a:t>
+            </a:r>
+            <a:endParaRPr lang="en-US" dirty="0"/>
+          </a:p>
+          <a:p>
+            <a:endParaRPr lang="nb-NO" dirty="0" smtClean="0"/>
           </a:p>
         </p:txBody>
       </p:sp>
     </p:spTree>
     <p:extLst>
       <p:ext uri="{BB962C8B-B14F-4D97-AF65-F5344CB8AC3E}">
-        <p14:creationId xmlns:p14="http://schemas.microsoft.com/office/powerpoint/2010/main" val="2832160107"/>
+        <p14:creationId xmlns:p14="http://schemas.microsoft.com/office/powerpoint/2010/main" val="3124880485"/>
       </p:ext>
     </p:extLst>
   </p:cSld>
   <p:clrMapOvr>
     <a:masterClrMapping/>
   </p:clrMapOvr>
-  <p:transition xmlns:p14="http://schemas.microsoft.com/office/powerpoint/2010/main" spd="slow">
+  <p:transition spd="slow">
     <p:push dir="u"/>
   </p:transition>
   <p:timing>
     <p:tnLst>
       <p:par>
-        <p:cTn xmlns:p14="http://schemas.microsoft.com/office/powerpoint/2010/main" id="1" dur="indefinite" restart="never" nodeType="tmRoot"/>
+        <p:cTn id="1" dur="indefinite" restart="never" nodeType="tmRoot"/>
       </p:par>
     </p:tnLst>
   </p:timing>

--- a/presentation/TDT4290_FinalPresentasjon.pptx
+++ b/presentation/TDT4290_FinalPresentasjon.pptx
@@ -1,8 +1,8 @@
 
 <file path=ppt/presentation.xml><?xml version="1.0" encoding="utf-8"?>
-<p:presentation xmlns:a="http://schemas.openxmlformats.org/drawingml/2006/main" xmlns:r="http://schemas.openxmlformats.org/officeDocument/2006/relationships" xmlns:p="http://schemas.openxmlformats.org/presentationml/2006/main" saveSubsetFonts="1" autoCompressPictures="0">
+<p:presentation xmlns:a="http://schemas.openxmlformats.org/drawingml/2006/main" xmlns:r="http://schemas.openxmlformats.org/officeDocument/2006/relationships" xmlns:mc="http://schemas.openxmlformats.org/markup-compatibility/2006" xmlns:mv="urn:schemas-microsoft-com:mac:vml" xmlns:p="http://schemas.openxmlformats.org/presentationml/2006/main" mc:Ignorable="mv" mc:PreserveAttributes="mv:*" saveSubsetFonts="1" autoCompressPictures="0">
   <p:sldMasterIdLst>
-    <p:sldMasterId id="2147483648" r:id="rId1"/>
+    <p:sldMasterId r:id="rId1"/>
   </p:sldMasterIdLst>
   <p:sldIdLst>
     <p:sldId id="256" r:id="rId2"/>
@@ -139,7 +139,7 @@
 </file>
 
 <file path=ppt/slideLayouts/slideLayout1.xml><?xml version="1.0" encoding="utf-8"?>
-<p:sldLayout xmlns:a="http://schemas.openxmlformats.org/drawingml/2006/main" xmlns:r="http://schemas.openxmlformats.org/officeDocument/2006/relationships" xmlns:p="http://schemas.openxmlformats.org/presentationml/2006/main" type="title" preserve="1">
+<p:sldLayout xmlns:a="http://schemas.openxmlformats.org/drawingml/2006/main" xmlns:r="http://schemas.openxmlformats.org/officeDocument/2006/relationships" xmlns:mc="http://schemas.openxmlformats.org/markup-compatibility/2006" xmlns:mv="urn:schemas-microsoft-com:mac:vml" xmlns:p="http://schemas.openxmlformats.org/presentationml/2006/main" mc:Ignorable="mv" mc:PreserveAttributes="mv:*" type="title" preserve="1">
   <p:cSld name="Tittellysbilde">
     <p:spTree>
       <p:nvGrpSpPr>
@@ -422,7 +422,7 @@
             <a:fld id="{651A0C47-018D-4460-B945-BFF7981B6CA6}" type="datetimeFigureOut">
               <a:rPr lang="en-US" smtClean="0"/>
               <a:pPr/>
-              <a:t>11/21/2011</a:t>
+              <a:t>11/22/11</a:t>
             </a:fld>
             <a:endParaRPr lang="en-US"/>
           </a:p>
@@ -480,7 +480,7 @@
 </file>
 
 <file path=ppt/slideLayouts/slideLayout10.xml><?xml version="1.0" encoding="utf-8"?>
-<p:sldLayout xmlns:a="http://schemas.openxmlformats.org/drawingml/2006/main" xmlns:r="http://schemas.openxmlformats.org/officeDocument/2006/relationships" xmlns:p="http://schemas.openxmlformats.org/presentationml/2006/main" preserve="1">
+<p:sldLayout xmlns:a="http://schemas.openxmlformats.org/drawingml/2006/main" xmlns:r="http://schemas.openxmlformats.org/officeDocument/2006/relationships" xmlns:mc="http://schemas.openxmlformats.org/markup-compatibility/2006" xmlns:mv="urn:schemas-microsoft-com:mac:vml" xmlns:p="http://schemas.openxmlformats.org/presentationml/2006/main" mc:Ignorable="mv" mc:PreserveAttributes="mv:*" preserve="1">
   <p:cSld name="Bilde med tekst">
     <p:spTree>
       <p:nvGrpSpPr>
@@ -616,7 +616,7 @@
             <a:fld id="{EFF1E1C4-020C-3C49-82E1-601ABE71F045}" type="datetimeFigureOut">
               <a:rPr lang="nb-NO" smtClean="0"/>
               <a:pPr/>
-              <a:t>21.11.2011</a:t>
+              <a:t>11/22/11</a:t>
             </a:fld>
             <a:endParaRPr lang="nb-NO"/>
           </a:p>
@@ -774,7 +774,7 @@
 </file>
 
 <file path=ppt/slideLayouts/slideLayout11.xml><?xml version="1.0" encoding="utf-8"?>
-<p:sldLayout xmlns:a="http://schemas.openxmlformats.org/drawingml/2006/main" xmlns:r="http://schemas.openxmlformats.org/officeDocument/2006/relationships" xmlns:p="http://schemas.openxmlformats.org/presentationml/2006/main" type="vertTx" preserve="1">
+<p:sldLayout xmlns:a="http://schemas.openxmlformats.org/drawingml/2006/main" xmlns:r="http://schemas.openxmlformats.org/officeDocument/2006/relationships" xmlns:mc="http://schemas.openxmlformats.org/markup-compatibility/2006" xmlns:mv="urn:schemas-microsoft-com:mac:vml" xmlns:p="http://schemas.openxmlformats.org/presentationml/2006/main" mc:Ignorable="mv" mc:PreserveAttributes="mv:*" type="vertTx" preserve="1">
   <p:cSld name="Loddrett tekst">
     <p:spTree>
       <p:nvGrpSpPr>
@@ -887,7 +887,7 @@
             <a:fld id="{EFF1E1C4-020C-3C49-82E1-601ABE71F045}" type="datetimeFigureOut">
               <a:rPr lang="nb-NO" smtClean="0"/>
               <a:pPr/>
-              <a:t>21.11.2011</a:t>
+              <a:t>11/22/11</a:t>
             </a:fld>
             <a:endParaRPr lang="nb-NO"/>
           </a:p>
@@ -945,7 +945,7 @@
 </file>
 
 <file path=ppt/slideLayouts/slideLayout12.xml><?xml version="1.0" encoding="utf-8"?>
-<p:sldLayout xmlns:a="http://schemas.openxmlformats.org/drawingml/2006/main" xmlns:r="http://schemas.openxmlformats.org/officeDocument/2006/relationships" xmlns:p="http://schemas.openxmlformats.org/presentationml/2006/main" type="vertTitleAndTx" preserve="1">
+<p:sldLayout xmlns:a="http://schemas.openxmlformats.org/drawingml/2006/main" xmlns:r="http://schemas.openxmlformats.org/officeDocument/2006/relationships" xmlns:mc="http://schemas.openxmlformats.org/markup-compatibility/2006" xmlns:mv="urn:schemas-microsoft-com:mac:vml" xmlns:p="http://schemas.openxmlformats.org/presentationml/2006/main" mc:Ignorable="mv" mc:PreserveAttributes="mv:*" type="vertTitleAndTx" preserve="1">
   <p:cSld name="Loddrett tittel og tekst">
     <p:spTree>
       <p:nvGrpSpPr>
@@ -1068,7 +1068,7 @@
             <a:fld id="{EFF1E1C4-020C-3C49-82E1-601ABE71F045}" type="datetimeFigureOut">
               <a:rPr lang="nb-NO" smtClean="0"/>
               <a:pPr/>
-              <a:t>21.11.2011</a:t>
+              <a:t>11/22/11</a:t>
             </a:fld>
             <a:endParaRPr lang="nb-NO"/>
           </a:p>
@@ -1126,7 +1126,7 @@
 </file>
 
 <file path=ppt/slideLayouts/slideLayout2.xml><?xml version="1.0" encoding="utf-8"?>
-<p:sldLayout xmlns:a="http://schemas.openxmlformats.org/drawingml/2006/main" xmlns:r="http://schemas.openxmlformats.org/officeDocument/2006/relationships" xmlns:p="http://schemas.openxmlformats.org/presentationml/2006/main" type="obj" preserve="1">
+<p:sldLayout xmlns:a="http://schemas.openxmlformats.org/drawingml/2006/main" xmlns:r="http://schemas.openxmlformats.org/officeDocument/2006/relationships" xmlns:mc="http://schemas.openxmlformats.org/markup-compatibility/2006" xmlns:mv="urn:schemas-microsoft-com:mac:vml" xmlns:p="http://schemas.openxmlformats.org/presentationml/2006/main" mc:Ignorable="mv" mc:PreserveAttributes="mv:*" type="obj" preserve="1">
   <p:cSld name="Tittel og innhold">
     <p:spTree>
       <p:nvGrpSpPr>
@@ -1239,7 +1239,7 @@
             <a:fld id="{EFF1E1C4-020C-3C49-82E1-601ABE71F045}" type="datetimeFigureOut">
               <a:rPr lang="nb-NO" smtClean="0"/>
               <a:pPr/>
-              <a:t>21.11.2011</a:t>
+              <a:t>11/22/11</a:t>
             </a:fld>
             <a:endParaRPr lang="nb-NO"/>
           </a:p>
@@ -1297,7 +1297,7 @@
 </file>
 
 <file path=ppt/slideLayouts/slideLayout3.xml><?xml version="1.0" encoding="utf-8"?>
-<p:sldLayout xmlns:a="http://schemas.openxmlformats.org/drawingml/2006/main" xmlns:r="http://schemas.openxmlformats.org/officeDocument/2006/relationships" xmlns:p="http://schemas.openxmlformats.org/presentationml/2006/main" preserve="1">
+<p:sldLayout xmlns:a="http://schemas.openxmlformats.org/drawingml/2006/main" xmlns:r="http://schemas.openxmlformats.org/officeDocument/2006/relationships" xmlns:mc="http://schemas.openxmlformats.org/markup-compatibility/2006" xmlns:mv="urn:schemas-microsoft-com:mac:vml" xmlns:p="http://schemas.openxmlformats.org/presentationml/2006/main" mc:Ignorable="mv" mc:PreserveAttributes="mv:*" preserve="1">
   <p:cSld name="Tittellysbilde med bilde">
     <p:spTree>
       <p:nvGrpSpPr>
@@ -1483,7 +1483,7 @@
             <a:fld id="{EFF1E1C4-020C-3C49-82E1-601ABE71F045}" type="datetimeFigureOut">
               <a:rPr lang="nb-NO" smtClean="0"/>
               <a:pPr/>
-              <a:t>21.11.2011</a:t>
+              <a:t>11/22/11</a:t>
             </a:fld>
             <a:endParaRPr lang="nb-NO"/>
           </a:p>
@@ -1618,7 +1618,7 @@
 </file>
 
 <file path=ppt/slideLayouts/slideLayout4.xml><?xml version="1.0" encoding="utf-8"?>
-<p:sldLayout xmlns:a="http://schemas.openxmlformats.org/drawingml/2006/main" xmlns:r="http://schemas.openxmlformats.org/officeDocument/2006/relationships" xmlns:p="http://schemas.openxmlformats.org/presentationml/2006/main" type="secHead" preserve="1">
+<p:sldLayout xmlns:a="http://schemas.openxmlformats.org/drawingml/2006/main" xmlns:r="http://schemas.openxmlformats.org/officeDocument/2006/relationships" xmlns:mc="http://schemas.openxmlformats.org/markup-compatibility/2006" xmlns:mv="urn:schemas-microsoft-com:mac:vml" xmlns:p="http://schemas.openxmlformats.org/presentationml/2006/main" mc:Ignorable="mv" mc:PreserveAttributes="mv:*" type="secHead" preserve="1">
   <p:cSld name="Inndelingsoverskrift">
     <p:spTree>
       <p:nvGrpSpPr>
@@ -1808,7 +1808,7 @@
             <a:fld id="{651A0C47-018D-4460-B945-BFF7981B6CA6}" type="datetimeFigureOut">
               <a:rPr lang="en-US" smtClean="0"/>
               <a:pPr/>
-              <a:t>11/21/2011</a:t>
+              <a:t>11/22/11</a:t>
             </a:fld>
             <a:endParaRPr lang="en-US"/>
           </a:p>
@@ -1866,7 +1866,7 @@
 </file>
 
 <file path=ppt/slideLayouts/slideLayout5.xml><?xml version="1.0" encoding="utf-8"?>
-<p:sldLayout xmlns:a="http://schemas.openxmlformats.org/drawingml/2006/main" xmlns:r="http://schemas.openxmlformats.org/officeDocument/2006/relationships" xmlns:p="http://schemas.openxmlformats.org/presentationml/2006/main" type="twoObj" preserve="1">
+<p:sldLayout xmlns:a="http://schemas.openxmlformats.org/drawingml/2006/main" xmlns:r="http://schemas.openxmlformats.org/officeDocument/2006/relationships" xmlns:mc="http://schemas.openxmlformats.org/markup-compatibility/2006" xmlns:mv="urn:schemas-microsoft-com:mac:vml" xmlns:p="http://schemas.openxmlformats.org/presentationml/2006/main" mc:Ignorable="mv" mc:PreserveAttributes="mv:*" type="twoObj" preserve="1">
   <p:cSld name="To innholdsdeler">
     <p:spTree>
       <p:nvGrpSpPr>
@@ -2108,7 +2108,7 @@
             <a:fld id="{EFF1E1C4-020C-3C49-82E1-601ABE71F045}" type="datetimeFigureOut">
               <a:rPr lang="nb-NO" smtClean="0"/>
               <a:pPr/>
-              <a:t>21.11.2011</a:t>
+              <a:t>11/22/11</a:t>
             </a:fld>
             <a:endParaRPr lang="nb-NO"/>
           </a:p>
@@ -2166,7 +2166,7 @@
 </file>
 
 <file path=ppt/slideLayouts/slideLayout6.xml><?xml version="1.0" encoding="utf-8"?>
-<p:sldLayout xmlns:a="http://schemas.openxmlformats.org/drawingml/2006/main" xmlns:r="http://schemas.openxmlformats.org/officeDocument/2006/relationships" xmlns:p="http://schemas.openxmlformats.org/presentationml/2006/main" type="twoTxTwoObj" preserve="1">
+<p:sldLayout xmlns:a="http://schemas.openxmlformats.org/drawingml/2006/main" xmlns:r="http://schemas.openxmlformats.org/officeDocument/2006/relationships" xmlns:mc="http://schemas.openxmlformats.org/markup-compatibility/2006" xmlns:mv="urn:schemas-microsoft-com:mac:vml" xmlns:p="http://schemas.openxmlformats.org/presentationml/2006/main" mc:Ignorable="mv" mc:PreserveAttributes="mv:*" type="twoTxTwoObj" preserve="1">
   <p:cSld name="Sammenligning">
     <p:spTree>
       <p:nvGrpSpPr>
@@ -2566,7 +2566,7 @@
             <a:fld id="{EFF1E1C4-020C-3C49-82E1-601ABE71F045}" type="datetimeFigureOut">
               <a:rPr lang="nb-NO" smtClean="0"/>
               <a:pPr/>
-              <a:t>21.11.2011</a:t>
+              <a:t>11/22/11</a:t>
             </a:fld>
             <a:endParaRPr lang="nb-NO"/>
           </a:p>
@@ -2624,7 +2624,7 @@
 </file>
 
 <file path=ppt/slideLayouts/slideLayout7.xml><?xml version="1.0" encoding="utf-8"?>
-<p:sldLayout xmlns:a="http://schemas.openxmlformats.org/drawingml/2006/main" xmlns:r="http://schemas.openxmlformats.org/officeDocument/2006/relationships" xmlns:p="http://schemas.openxmlformats.org/presentationml/2006/main" type="titleOnly" preserve="1">
+<p:sldLayout xmlns:a="http://schemas.openxmlformats.org/drawingml/2006/main" xmlns:r="http://schemas.openxmlformats.org/officeDocument/2006/relationships" xmlns:mc="http://schemas.openxmlformats.org/markup-compatibility/2006" xmlns:mv="urn:schemas-microsoft-com:mac:vml" xmlns:p="http://schemas.openxmlformats.org/presentationml/2006/main" mc:Ignorable="mv" mc:PreserveAttributes="mv:*" type="titleOnly" preserve="1">
   <p:cSld name="Bare tittel">
     <p:spTree>
       <p:nvGrpSpPr>
@@ -2681,7 +2681,7 @@
             <a:fld id="{EFF1E1C4-020C-3C49-82E1-601ABE71F045}" type="datetimeFigureOut">
               <a:rPr lang="nb-NO" smtClean="0"/>
               <a:pPr/>
-              <a:t>21.11.2011</a:t>
+              <a:t>11/22/11</a:t>
             </a:fld>
             <a:endParaRPr lang="nb-NO"/>
           </a:p>
@@ -2739,7 +2739,7 @@
 </file>
 
 <file path=ppt/slideLayouts/slideLayout8.xml><?xml version="1.0" encoding="utf-8"?>
-<p:sldLayout xmlns:a="http://schemas.openxmlformats.org/drawingml/2006/main" xmlns:r="http://schemas.openxmlformats.org/officeDocument/2006/relationships" xmlns:p="http://schemas.openxmlformats.org/presentationml/2006/main" type="blank" preserve="1">
+<p:sldLayout xmlns:a="http://schemas.openxmlformats.org/drawingml/2006/main" xmlns:r="http://schemas.openxmlformats.org/officeDocument/2006/relationships" xmlns:mc="http://schemas.openxmlformats.org/markup-compatibility/2006" xmlns:mv="urn:schemas-microsoft-com:mac:vml" xmlns:p="http://schemas.openxmlformats.org/presentationml/2006/main" mc:Ignorable="mv" mc:PreserveAttributes="mv:*" type="blank" preserve="1">
   <p:cSld name="Tom">
     <p:spTree>
       <p:nvGrpSpPr>
@@ -2773,7 +2773,7 @@
             <a:fld id="{EFF1E1C4-020C-3C49-82E1-601ABE71F045}" type="datetimeFigureOut">
               <a:rPr lang="nb-NO" smtClean="0"/>
               <a:pPr/>
-              <a:t>21.11.2011</a:t>
+              <a:t>11/22/11</a:t>
             </a:fld>
             <a:endParaRPr lang="nb-NO"/>
           </a:p>
@@ -2831,7 +2831,7 @@
 </file>
 
 <file path=ppt/slideLayouts/slideLayout9.xml><?xml version="1.0" encoding="utf-8"?>
-<p:sldLayout xmlns:a="http://schemas.openxmlformats.org/drawingml/2006/main" xmlns:r="http://schemas.openxmlformats.org/officeDocument/2006/relationships" xmlns:p="http://schemas.openxmlformats.org/presentationml/2006/main" type="objTx" preserve="1">
+<p:sldLayout xmlns:a="http://schemas.openxmlformats.org/drawingml/2006/main" xmlns:r="http://schemas.openxmlformats.org/officeDocument/2006/relationships" xmlns:mc="http://schemas.openxmlformats.org/markup-compatibility/2006" xmlns:mv="urn:schemas-microsoft-com:mac:vml" xmlns:p="http://schemas.openxmlformats.org/presentationml/2006/main" mc:Ignorable="mv" mc:PreserveAttributes="mv:*" type="objTx" preserve="1">
   <p:cSld name="Innhold med tekst">
     <p:spTree>
       <p:nvGrpSpPr>
@@ -3057,7 +3057,7 @@
             <a:fld id="{EFF1E1C4-020C-3C49-82E1-601ABE71F045}" type="datetimeFigureOut">
               <a:rPr lang="nb-NO" smtClean="0"/>
               <a:pPr/>
-              <a:t>21.11.2011</a:t>
+              <a:t>11/22/11</a:t>
             </a:fld>
             <a:endParaRPr lang="nb-NO"/>
           </a:p>
@@ -3115,7 +3115,7 @@
 </file>
 
 <file path=ppt/slideMasters/slideMaster1.xml><?xml version="1.0" encoding="utf-8"?>
-<p:sldMaster xmlns:a="http://schemas.openxmlformats.org/drawingml/2006/main" xmlns:r="http://schemas.openxmlformats.org/officeDocument/2006/relationships" xmlns:p="http://schemas.openxmlformats.org/presentationml/2006/main">
+<p:sldMaster xmlns:a="http://schemas.openxmlformats.org/drawingml/2006/main" xmlns:r="http://schemas.openxmlformats.org/officeDocument/2006/relationships" xmlns:mc="http://schemas.openxmlformats.org/markup-compatibility/2006" xmlns:mv="urn:schemas-microsoft-com:mac:vml" xmlns:p="http://schemas.openxmlformats.org/presentationml/2006/main" mc:Ignorable="mv" mc:PreserveAttributes="mv:*">
   <p:cSld>
     <p:bg>
       <p:bgRef idx="1003">
@@ -3265,7 +3265,7 @@
             <a:fld id="{EFF1E1C4-020C-3C49-82E1-601ABE71F045}" type="datetimeFigureOut">
               <a:rPr lang="nb-NO" smtClean="0"/>
               <a:pPr/>
-              <a:t>21.11.2011</a:t>
+              <a:t>11/22/11</a:t>
             </a:fld>
             <a:endParaRPr lang="nb-NO"/>
           </a:p>
@@ -3350,18 +3350,18 @@
   </p:cSld>
   <p:clrMap bg1="lt1" tx1="dk1" bg2="lt2" tx2="dk2" accent1="accent1" accent2="accent2" accent3="accent3" accent4="accent4" accent5="accent5" accent6="accent6" hlink="hlink" folHlink="folHlink"/>
   <p:sldLayoutIdLst>
-    <p:sldLayoutId id="2147483649" r:id="rId1"/>
-    <p:sldLayoutId id="2147483650" r:id="rId2"/>
-    <p:sldLayoutId id="2147483651" r:id="rId3"/>
-    <p:sldLayoutId id="2147483652" r:id="rId4"/>
-    <p:sldLayoutId id="2147483653" r:id="rId5"/>
-    <p:sldLayoutId id="2147483654" r:id="rId6"/>
-    <p:sldLayoutId id="2147483655" r:id="rId7"/>
-    <p:sldLayoutId id="2147483656" r:id="rId8"/>
-    <p:sldLayoutId id="2147483657" r:id="rId9"/>
-    <p:sldLayoutId id="2147483658" r:id="rId10"/>
-    <p:sldLayoutId id="2147483659" r:id="rId11"/>
-    <p:sldLayoutId id="2147483660" r:id="rId12"/>
+    <p:sldLayoutId r:id="rId1"/>
+    <p:sldLayoutId r:id="rId2"/>
+    <p:sldLayoutId r:id="rId3"/>
+    <p:sldLayoutId r:id="rId4"/>
+    <p:sldLayoutId r:id="rId5"/>
+    <p:sldLayoutId r:id="rId6"/>
+    <p:sldLayoutId r:id="rId7"/>
+    <p:sldLayoutId r:id="rId8"/>
+    <p:sldLayoutId r:id="rId9"/>
+    <p:sldLayoutId r:id="rId10"/>
+    <p:sldLayoutId r:id="rId11"/>
+    <p:sldLayoutId r:id="rId12"/>
   </p:sldLayoutIdLst>
   <p:txStyles>
     <p:titleStyle>
@@ -3699,7 +3699,7 @@
 </file>
 
 <file path=ppt/slides/slide1.xml><?xml version="1.0" encoding="utf-8"?>
-<p:sld xmlns:a="http://schemas.openxmlformats.org/drawingml/2006/main" xmlns:r="http://schemas.openxmlformats.org/officeDocument/2006/relationships" xmlns:p="http://schemas.openxmlformats.org/presentationml/2006/main">
+<p:sld xmlns:a="http://schemas.openxmlformats.org/drawingml/2006/main" xmlns:r="http://schemas.openxmlformats.org/officeDocument/2006/relationships" xmlns:mc="http://schemas.openxmlformats.org/markup-compatibility/2006" xmlns:mv="urn:schemas-microsoft-com:mac:vml" xmlns:p="http://schemas.openxmlformats.org/presentationml/2006/main" mc:Ignorable="mv" mc:PreserveAttributes="mv:*">
   <p:cSld>
     <p:spTree>
       <p:nvGrpSpPr>
@@ -3775,7 +3775,7 @@
           <a:blip r:embed="rId2">
             <a:extLst>
               <a:ext uri="{28A0092B-C50C-407E-A947-70E740481C1C}">
-                <a14:useLocalDpi xmlns:a14="http://schemas.microsoft.com/office/drawing/2010/main" val="0"/>
+                <a14:useLocalDpi xmlns:a14="http://schemas.microsoft.com/office/drawing/2010/main" xmlns:p="http://schemas.openxmlformats.org/presentationml/2006/main" xmlns:r="http://schemas.openxmlformats.org/officeDocument/2006/relationships" xmlns:a="http://schemas.openxmlformats.org/drawingml/2006/main" xmlns="" val="0"/>
               </a:ext>
             </a:extLst>
           </a:blip>
@@ -3793,7 +3793,7 @@
     </p:spTree>
     <p:extLst>
       <p:ext uri="{BB962C8B-B14F-4D97-AF65-F5344CB8AC3E}">
-        <p14:creationId xmlns:p14="http://schemas.microsoft.com/office/powerpoint/2010/main" val="3572607347"/>
+        <p14:creationId xmlns:p14="http://schemas.microsoft.com/office/powerpoint/2010/main" xmlns:p="http://schemas.openxmlformats.org/presentationml/2006/main" xmlns:r="http://schemas.openxmlformats.org/officeDocument/2006/relationships" xmlns:a="http://schemas.openxmlformats.org/drawingml/2006/main" xmlns="" val="3572607347"/>
       </p:ext>
     </p:extLst>
   </p:cSld>
@@ -3814,7 +3814,7 @@
 </file>
 
 <file path=ppt/slides/slide10.xml><?xml version="1.0" encoding="utf-8"?>
-<p:sld xmlns:a="http://schemas.openxmlformats.org/drawingml/2006/main" xmlns:r="http://schemas.openxmlformats.org/officeDocument/2006/relationships" xmlns:p="http://schemas.openxmlformats.org/presentationml/2006/main">
+<p:sld xmlns:a="http://schemas.openxmlformats.org/drawingml/2006/main" xmlns:r="http://schemas.openxmlformats.org/officeDocument/2006/relationships" xmlns:mc="http://schemas.openxmlformats.org/markup-compatibility/2006" xmlns:mv="urn:schemas-microsoft-com:mac:vml" xmlns:p="http://schemas.openxmlformats.org/presentationml/2006/main" mc:Ignorable="mv" mc:PreserveAttributes="mv:*">
   <p:cSld>
     <p:spTree>
       <p:nvGrpSpPr>
@@ -3872,11 +3872,7 @@
           <a:p>
             <a:r>
               <a:rPr lang="en-GB" dirty="0" smtClean="0"/>
-              <a:t>Programming </a:t>
-            </a:r>
-            <a:r>
-              <a:rPr lang="en-GB" dirty="0" smtClean="0"/>
-              <a:t>language</a:t>
+              <a:t>Programming language</a:t>
             </a:r>
           </a:p>
           <a:p>
@@ -3962,7 +3958,7 @@
           <a:blip r:embed="rId2">
             <a:extLst>
               <a:ext uri="{28A0092B-C50C-407E-A947-70E740481C1C}">
-                <a14:useLocalDpi xmlns:a14="http://schemas.microsoft.com/office/drawing/2010/main" val="0"/>
+                <a14:useLocalDpi xmlns:a14="http://schemas.microsoft.com/office/drawing/2010/main" xmlns:p="http://schemas.openxmlformats.org/presentationml/2006/main" xmlns:r="http://schemas.openxmlformats.org/officeDocument/2006/relationships" xmlns:a="http://schemas.openxmlformats.org/drawingml/2006/main" xmlns="" val="0"/>
               </a:ext>
             </a:extLst>
           </a:blip>
@@ -3982,7 +3978,7 @@
           <a:noFill/>
           <a:extLst>
             <a:ext uri="{909E8E84-426E-40DD-AFC4-6F175D3DCCD1}">
-              <a14:hiddenFill xmlns:a14="http://schemas.microsoft.com/office/drawing/2010/main">
+              <a14:hiddenFill xmlns:a14="http://schemas.microsoft.com/office/drawing/2010/main" xmlns:p="http://schemas.openxmlformats.org/presentationml/2006/main" xmlns:r="http://schemas.openxmlformats.org/officeDocument/2006/relationships" xmlns:a="http://schemas.openxmlformats.org/drawingml/2006/main" xmlns="">
                 <a:solidFill>
                   <a:srgbClr val="FFFFFF"/>
                 </a:solidFill>
@@ -4003,7 +3999,7 @@
           <a:blip r:embed="rId3">
             <a:extLst>
               <a:ext uri="{28A0092B-C50C-407E-A947-70E740481C1C}">
-                <a14:useLocalDpi xmlns:a14="http://schemas.microsoft.com/office/drawing/2010/main" val="0"/>
+                <a14:useLocalDpi xmlns:a14="http://schemas.microsoft.com/office/drawing/2010/main" xmlns:p="http://schemas.openxmlformats.org/presentationml/2006/main" xmlns:r="http://schemas.openxmlformats.org/officeDocument/2006/relationships" xmlns:a="http://schemas.openxmlformats.org/drawingml/2006/main" xmlns="" val="0"/>
               </a:ext>
             </a:extLst>
           </a:blip>
@@ -4023,7 +4019,7 @@
           <a:noFill/>
           <a:extLst>
             <a:ext uri="{909E8E84-426E-40DD-AFC4-6F175D3DCCD1}">
-              <a14:hiddenFill xmlns:a14="http://schemas.microsoft.com/office/drawing/2010/main">
+              <a14:hiddenFill xmlns:a14="http://schemas.microsoft.com/office/drawing/2010/main" xmlns:p="http://schemas.openxmlformats.org/presentationml/2006/main" xmlns:r="http://schemas.openxmlformats.org/officeDocument/2006/relationships" xmlns:a="http://schemas.openxmlformats.org/drawingml/2006/main" xmlns="">
                 <a:solidFill>
                   <a:srgbClr val="FFFFFF"/>
                 </a:solidFill>
@@ -4044,7 +4040,7 @@
           <a:blip r:embed="rId4">
             <a:extLst>
               <a:ext uri="{28A0092B-C50C-407E-A947-70E740481C1C}">
-                <a14:useLocalDpi xmlns:a14="http://schemas.microsoft.com/office/drawing/2010/main" val="0"/>
+                <a14:useLocalDpi xmlns:a14="http://schemas.microsoft.com/office/drawing/2010/main" xmlns:p="http://schemas.openxmlformats.org/presentationml/2006/main" xmlns:r="http://schemas.openxmlformats.org/officeDocument/2006/relationships" xmlns:a="http://schemas.openxmlformats.org/drawingml/2006/main" xmlns="" val="0"/>
               </a:ext>
             </a:extLst>
           </a:blip>
@@ -4064,7 +4060,7 @@
           <a:noFill/>
           <a:extLst>
             <a:ext uri="{909E8E84-426E-40DD-AFC4-6F175D3DCCD1}">
-              <a14:hiddenFill xmlns:a14="http://schemas.microsoft.com/office/drawing/2010/main">
+              <a14:hiddenFill xmlns:a14="http://schemas.microsoft.com/office/drawing/2010/main" xmlns:p="http://schemas.openxmlformats.org/presentationml/2006/main" xmlns:r="http://schemas.openxmlformats.org/officeDocument/2006/relationships" xmlns:a="http://schemas.openxmlformats.org/drawingml/2006/main" xmlns="">
                 <a:solidFill>
                   <a:srgbClr val="FFFFFF"/>
                 </a:solidFill>
@@ -4085,7 +4081,7 @@
           <a:blip r:embed="rId5">
             <a:extLst>
               <a:ext uri="{28A0092B-C50C-407E-A947-70E740481C1C}">
-                <a14:useLocalDpi xmlns:a14="http://schemas.microsoft.com/office/drawing/2010/main" val="0"/>
+                <a14:useLocalDpi xmlns:a14="http://schemas.microsoft.com/office/drawing/2010/main" xmlns:p="http://schemas.openxmlformats.org/presentationml/2006/main" xmlns:r="http://schemas.openxmlformats.org/officeDocument/2006/relationships" xmlns:a="http://schemas.openxmlformats.org/drawingml/2006/main" xmlns="" val="0"/>
               </a:ext>
             </a:extLst>
           </a:blip>
@@ -4105,7 +4101,7 @@
           <a:noFill/>
           <a:extLst>
             <a:ext uri="{909E8E84-426E-40DD-AFC4-6F175D3DCCD1}">
-              <a14:hiddenFill xmlns:a14="http://schemas.microsoft.com/office/drawing/2010/main">
+              <a14:hiddenFill xmlns:a14="http://schemas.microsoft.com/office/drawing/2010/main" xmlns:p="http://schemas.openxmlformats.org/presentationml/2006/main" xmlns:r="http://schemas.openxmlformats.org/officeDocument/2006/relationships" xmlns:a="http://schemas.openxmlformats.org/drawingml/2006/main" xmlns="">
                 <a:solidFill>
                   <a:srgbClr val="FFFFFF"/>
                 </a:solidFill>
@@ -4126,7 +4122,7 @@
           <a:blip r:embed="rId6">
             <a:extLst>
               <a:ext uri="{28A0092B-C50C-407E-A947-70E740481C1C}">
-                <a14:useLocalDpi xmlns:a14="http://schemas.microsoft.com/office/drawing/2010/main" val="0"/>
+                <a14:useLocalDpi xmlns:a14="http://schemas.microsoft.com/office/drawing/2010/main" xmlns:p="http://schemas.openxmlformats.org/presentationml/2006/main" xmlns:r="http://schemas.openxmlformats.org/officeDocument/2006/relationships" xmlns:a="http://schemas.openxmlformats.org/drawingml/2006/main" xmlns="" val="0"/>
               </a:ext>
             </a:extLst>
           </a:blip>
@@ -4146,7 +4142,7 @@
           <a:noFill/>
           <a:extLst>
             <a:ext uri="{909E8E84-426E-40DD-AFC4-6F175D3DCCD1}">
-              <a14:hiddenFill xmlns:a14="http://schemas.microsoft.com/office/drawing/2010/main">
+              <a14:hiddenFill xmlns:a14="http://schemas.microsoft.com/office/drawing/2010/main" xmlns:p="http://schemas.openxmlformats.org/presentationml/2006/main" xmlns:r="http://schemas.openxmlformats.org/officeDocument/2006/relationships" xmlns:a="http://schemas.openxmlformats.org/drawingml/2006/main" xmlns="">
                 <a:solidFill>
                   <a:srgbClr val="FFFFFF"/>
                 </a:solidFill>
@@ -4158,7 +4154,7 @@
     </p:spTree>
     <p:extLst>
       <p:ext uri="{BB962C8B-B14F-4D97-AF65-F5344CB8AC3E}">
-        <p14:creationId xmlns:p14="http://schemas.microsoft.com/office/powerpoint/2010/main" val="3649987986"/>
+        <p14:creationId xmlns:p14="http://schemas.microsoft.com/office/powerpoint/2010/main" xmlns:p="http://schemas.openxmlformats.org/presentationml/2006/main" xmlns:r="http://schemas.openxmlformats.org/officeDocument/2006/relationships" xmlns:a="http://schemas.openxmlformats.org/drawingml/2006/main" xmlns="" val="3649987986"/>
       </p:ext>
     </p:extLst>
   </p:cSld>
@@ -4179,7 +4175,7 @@
 </file>
 
 <file path=ppt/slides/slide11.xml><?xml version="1.0" encoding="utf-8"?>
-<p:sld xmlns:a="http://schemas.openxmlformats.org/drawingml/2006/main" xmlns:r="http://schemas.openxmlformats.org/officeDocument/2006/relationships" xmlns:p="http://schemas.openxmlformats.org/presentationml/2006/main">
+<p:sld xmlns:a="http://schemas.openxmlformats.org/drawingml/2006/main" xmlns:r="http://schemas.openxmlformats.org/officeDocument/2006/relationships" xmlns:mc="http://schemas.openxmlformats.org/markup-compatibility/2006" xmlns:mv="urn:schemas-microsoft-com:mac:vml" xmlns:p="http://schemas.openxmlformats.org/presentationml/2006/main" mc:Ignorable="mv" mc:PreserveAttributes="mv:*">
   <p:cSld>
     <p:spTree>
       <p:nvGrpSpPr>
@@ -4239,23 +4235,34 @@
             </a:r>
             <a:r>
               <a:rPr lang="nb-NO" dirty="0" smtClean="0"/>
+              <a:t> solid design </a:t>
+            </a:r>
+            <a:r>
+              <a:rPr lang="nb-NO" dirty="0" err="1" smtClean="0"/>
+              <a:t>foundation</a:t>
+            </a:r>
+            <a:r>
+              <a:rPr lang="nb-NO" dirty="0" smtClean="0"/>
+              <a:t> for </a:t>
+            </a:r>
+            <a:r>
+              <a:rPr lang="nb-NO" dirty="0" err="1" smtClean="0"/>
+              <a:t>the</a:t>
+            </a:r>
+            <a:r>
+              <a:rPr lang="nb-NO" dirty="0" smtClean="0"/>
               <a:t> </a:t>
             </a:r>
             <a:r>
-              <a:rPr lang="nb-NO" dirty="0" smtClean="0"/>
-              <a:t>solid design </a:t>
-            </a:r>
-            <a:r>
-              <a:rPr lang="nb-NO" dirty="0" err="1" smtClean="0"/>
-              <a:t>foundation</a:t>
-            </a:r>
-            <a:r>
-              <a:rPr lang="nb-NO" dirty="0" smtClean="0"/>
-              <a:t> for </a:t>
-            </a:r>
-            <a:r>
-              <a:rPr lang="nb-NO" dirty="0" err="1" smtClean="0"/>
-              <a:t>the</a:t>
+              <a:rPr lang="nb-NO" dirty="0" err="1" smtClean="0"/>
+              <a:t>utility</a:t>
+            </a:r>
+            <a:endParaRPr lang="nb-NO" dirty="0" smtClean="0"/>
+          </a:p>
+          <a:p>
+            <a:r>
+              <a:rPr lang="nb-NO" dirty="0" err="1" smtClean="0"/>
+              <a:t>Generate</a:t>
             </a:r>
             <a:r>
               <a:rPr lang="nb-NO" dirty="0" smtClean="0"/>
@@ -4263,40 +4270,12 @@
             </a:r>
             <a:r>
               <a:rPr lang="nb-NO" dirty="0" err="1" smtClean="0"/>
-              <a:t>utility</a:t>
-            </a:r>
-            <a:endParaRPr lang="nb-NO" dirty="0" smtClean="0"/>
-          </a:p>
-          <a:p>
-            <a:r>
-              <a:rPr lang="nb-NO" dirty="0" err="1" smtClean="0"/>
-              <a:t>G</a:t>
-            </a:r>
-            <a:r>
-              <a:rPr lang="nb-NO" dirty="0" err="1" smtClean="0"/>
-              <a:t>enerate</a:t>
-            </a:r>
-            <a:r>
-              <a:rPr lang="nb-NO" dirty="0" smtClean="0"/>
-              <a:t> </a:t>
-            </a:r>
-            <a:r>
-              <a:rPr lang="nb-NO" dirty="0" err="1" smtClean="0"/>
               <a:t>dissectors</a:t>
             </a:r>
             <a:r>
               <a:rPr lang="nb-NO" dirty="0" smtClean="0"/>
-              <a:t> </a:t>
-            </a:r>
-            <a:r>
-              <a:rPr lang="nb-NO" dirty="0" smtClean="0"/>
-              <a:t>for simple </a:t>
-            </a:r>
-            <a:r>
-              <a:rPr lang="nb-NO" dirty="0" smtClean="0"/>
-              <a:t>structs</a:t>
-            </a:r>
-            <a:endParaRPr lang="nb-NO" dirty="0" smtClean="0"/>
+              <a:t> for simple structs</a:t>
+            </a:r>
           </a:p>
           <a:p>
             <a:pPr lvl="1"/>
@@ -4308,7 +4287,6 @@
               <a:rPr lang="nb-NO" dirty="0" smtClean="0"/>
               <a:t>rimitive C types</a:t>
             </a:r>
-            <a:endParaRPr lang="nb-NO" dirty="0" smtClean="0"/>
           </a:p>
           <a:p>
             <a:r>
@@ -4420,7 +4398,7 @@
     </p:spTree>
     <p:extLst>
       <p:ext uri="{BB962C8B-B14F-4D97-AF65-F5344CB8AC3E}">
-        <p14:creationId xmlns:p14="http://schemas.microsoft.com/office/powerpoint/2010/main" val="2795416052"/>
+        <p14:creationId xmlns:p14="http://schemas.microsoft.com/office/powerpoint/2010/main" xmlns:p="http://schemas.openxmlformats.org/presentationml/2006/main" xmlns:r="http://schemas.openxmlformats.org/officeDocument/2006/relationships" xmlns:a="http://schemas.openxmlformats.org/drawingml/2006/main" xmlns="" val="2795416052"/>
       </p:ext>
     </p:extLst>
   </p:cSld>
@@ -4431,7 +4409,7 @@
 </file>
 
 <file path=ppt/slides/slide12.xml><?xml version="1.0" encoding="utf-8"?>
-<p:sld xmlns:a="http://schemas.openxmlformats.org/drawingml/2006/main" xmlns:r="http://schemas.openxmlformats.org/officeDocument/2006/relationships" xmlns:p="http://schemas.openxmlformats.org/presentationml/2006/main">
+<p:sld xmlns:a="http://schemas.openxmlformats.org/drawingml/2006/main" xmlns:r="http://schemas.openxmlformats.org/officeDocument/2006/relationships" xmlns:mc="http://schemas.openxmlformats.org/markup-compatibility/2006" xmlns:mv="urn:schemas-microsoft-com:mac:vml" xmlns:p="http://schemas.openxmlformats.org/presentationml/2006/main" mc:Ignorable="mv" mc:PreserveAttributes="mv:*">
   <p:cSld>
     <p:spTree>
       <p:nvGrpSpPr>
@@ -4488,7 +4466,7 @@
           <a:blip r:embed="rId2">
             <a:extLst>
               <a:ext uri="{28A0092B-C50C-407E-A947-70E740481C1C}">
-                <a14:useLocalDpi xmlns:a14="http://schemas.microsoft.com/office/drawing/2010/main" val="0"/>
+                <a14:useLocalDpi xmlns:a14="http://schemas.microsoft.com/office/drawing/2010/main" xmlns:p="http://schemas.openxmlformats.org/presentationml/2006/main" xmlns:r="http://schemas.openxmlformats.org/officeDocument/2006/relationships" xmlns:a="http://schemas.openxmlformats.org/drawingml/2006/main" xmlns="" val="0"/>
               </a:ext>
             </a:extLst>
           </a:blip>
@@ -4506,7 +4484,7 @@
     </p:spTree>
     <p:extLst>
       <p:ext uri="{BB962C8B-B14F-4D97-AF65-F5344CB8AC3E}">
-        <p14:creationId xmlns:p14="http://schemas.microsoft.com/office/powerpoint/2010/main" val="2702774611"/>
+        <p14:creationId xmlns:p14="http://schemas.microsoft.com/office/powerpoint/2010/main" xmlns:p="http://schemas.openxmlformats.org/presentationml/2006/main" xmlns:r="http://schemas.openxmlformats.org/officeDocument/2006/relationships" xmlns:a="http://schemas.openxmlformats.org/drawingml/2006/main" xmlns="" val="2702774611"/>
       </p:ext>
     </p:extLst>
   </p:cSld>
@@ -4517,7 +4495,7 @@
 </file>
 
 <file path=ppt/slides/slide13.xml><?xml version="1.0" encoding="utf-8"?>
-<p:sld xmlns:a="http://schemas.openxmlformats.org/drawingml/2006/main" xmlns:r="http://schemas.openxmlformats.org/officeDocument/2006/relationships" xmlns:p="http://schemas.openxmlformats.org/presentationml/2006/main">
+<p:sld xmlns:a="http://schemas.openxmlformats.org/drawingml/2006/main" xmlns:r="http://schemas.openxmlformats.org/officeDocument/2006/relationships" xmlns:mc="http://schemas.openxmlformats.org/markup-compatibility/2006" xmlns:mv="urn:schemas-microsoft-com:mac:vml" xmlns:p="http://schemas.openxmlformats.org/presentationml/2006/main" mc:Ignorable="mv" mc:PreserveAttributes="mv:*">
   <p:cSld>
     <p:spTree>
       <p:nvGrpSpPr>
@@ -4578,7 +4556,7 @@
           <a:blip r:embed="rId2">
             <a:extLst>
               <a:ext uri="{28A0092B-C50C-407E-A947-70E740481C1C}">
-                <a14:useLocalDpi xmlns:a14="http://schemas.microsoft.com/office/drawing/2010/main" val="0"/>
+                <a14:useLocalDpi xmlns:a14="http://schemas.microsoft.com/office/drawing/2010/main" xmlns:p="http://schemas.openxmlformats.org/presentationml/2006/main" xmlns:r="http://schemas.openxmlformats.org/officeDocument/2006/relationships" xmlns:a="http://schemas.openxmlformats.org/drawingml/2006/main" xmlns="" val="0"/>
               </a:ext>
             </a:extLst>
           </a:blip>
@@ -4607,7 +4585,7 @@
           <a:blip r:embed="rId3">
             <a:extLst>
               <a:ext uri="{28A0092B-C50C-407E-A947-70E740481C1C}">
-                <a14:useLocalDpi xmlns:a14="http://schemas.microsoft.com/office/drawing/2010/main" val="0"/>
+                <a14:useLocalDpi xmlns:a14="http://schemas.microsoft.com/office/drawing/2010/main" xmlns:p="http://schemas.openxmlformats.org/presentationml/2006/main" xmlns:r="http://schemas.openxmlformats.org/officeDocument/2006/relationships" xmlns:a="http://schemas.openxmlformats.org/drawingml/2006/main" xmlns="" val="0"/>
               </a:ext>
             </a:extLst>
           </a:blip>
@@ -4625,7 +4603,7 @@
     </p:spTree>
     <p:extLst>
       <p:ext uri="{BB962C8B-B14F-4D97-AF65-F5344CB8AC3E}">
-        <p14:creationId xmlns:p14="http://schemas.microsoft.com/office/powerpoint/2010/main" val="1663329094"/>
+        <p14:creationId xmlns:p14="http://schemas.microsoft.com/office/powerpoint/2010/main" xmlns:p="http://schemas.openxmlformats.org/presentationml/2006/main" xmlns:r="http://schemas.openxmlformats.org/officeDocument/2006/relationships" xmlns:a="http://schemas.openxmlformats.org/drawingml/2006/main" xmlns="" val="1663329094"/>
       </p:ext>
     </p:extLst>
   </p:cSld>
@@ -4636,7 +4614,7 @@
 </file>
 
 <file path=ppt/slides/slide14.xml><?xml version="1.0" encoding="utf-8"?>
-<p:sld xmlns:a="http://schemas.openxmlformats.org/drawingml/2006/main" xmlns:r="http://schemas.openxmlformats.org/officeDocument/2006/relationships" xmlns:p="http://schemas.openxmlformats.org/presentationml/2006/main">
+<p:sld xmlns:a="http://schemas.openxmlformats.org/drawingml/2006/main" xmlns:r="http://schemas.openxmlformats.org/officeDocument/2006/relationships" xmlns:mc="http://schemas.openxmlformats.org/markup-compatibility/2006" xmlns:mv="urn:schemas-microsoft-com:mac:vml" xmlns:p="http://schemas.openxmlformats.org/presentationml/2006/main" mc:Ignorable="mv" mc:PreserveAttributes="mv:*">
   <p:cSld>
     <p:spTree>
       <p:nvGrpSpPr>
@@ -4701,7 +4679,7 @@
           <a:blip r:embed="rId2">
             <a:extLst>
               <a:ext uri="{28A0092B-C50C-407E-A947-70E740481C1C}">
-                <a14:useLocalDpi xmlns:a14="http://schemas.microsoft.com/office/drawing/2010/main" val="0"/>
+                <a14:useLocalDpi xmlns:a14="http://schemas.microsoft.com/office/drawing/2010/main" xmlns:p="http://schemas.openxmlformats.org/presentationml/2006/main" xmlns:r="http://schemas.openxmlformats.org/officeDocument/2006/relationships" xmlns:a="http://schemas.openxmlformats.org/drawingml/2006/main" xmlns="" val="0"/>
               </a:ext>
             </a:extLst>
           </a:blip>
@@ -4730,7 +4708,7 @@
           <a:blip r:embed="rId3">
             <a:extLst>
               <a:ext uri="{28A0092B-C50C-407E-A947-70E740481C1C}">
-                <a14:useLocalDpi xmlns:a14="http://schemas.microsoft.com/office/drawing/2010/main" val="0"/>
+                <a14:useLocalDpi xmlns:a14="http://schemas.microsoft.com/office/drawing/2010/main" xmlns:p="http://schemas.openxmlformats.org/presentationml/2006/main" xmlns:r="http://schemas.openxmlformats.org/officeDocument/2006/relationships" xmlns:a="http://schemas.openxmlformats.org/drawingml/2006/main" xmlns="" val="0"/>
               </a:ext>
             </a:extLst>
           </a:blip>
@@ -4757,7 +4735,7 @@
           <a:blip r:embed="rId4">
             <a:extLst>
               <a:ext uri="{28A0092B-C50C-407E-A947-70E740481C1C}">
-                <a14:useLocalDpi xmlns:a14="http://schemas.microsoft.com/office/drawing/2010/main" val="0"/>
+                <a14:useLocalDpi xmlns:a14="http://schemas.microsoft.com/office/drawing/2010/main" xmlns:p="http://schemas.openxmlformats.org/presentationml/2006/main" xmlns:r="http://schemas.openxmlformats.org/officeDocument/2006/relationships" xmlns:a="http://schemas.openxmlformats.org/drawingml/2006/main" xmlns="" val="0"/>
               </a:ext>
             </a:extLst>
           </a:blip>
@@ -4777,7 +4755,7 @@
           <a:noFill/>
           <a:extLst>
             <a:ext uri="{909E8E84-426E-40DD-AFC4-6F175D3DCCD1}">
-              <a14:hiddenFill xmlns:a14="http://schemas.microsoft.com/office/drawing/2010/main">
+              <a14:hiddenFill xmlns:a14="http://schemas.microsoft.com/office/drawing/2010/main" xmlns:p="http://schemas.openxmlformats.org/presentationml/2006/main" xmlns:r="http://schemas.openxmlformats.org/officeDocument/2006/relationships" xmlns:a="http://schemas.openxmlformats.org/drawingml/2006/main" xmlns="">
                 <a:solidFill>
                   <a:srgbClr val="FFFFFF"/>
                 </a:solidFill>
@@ -4789,7 +4767,7 @@
     </p:spTree>
     <p:extLst>
       <p:ext uri="{BB962C8B-B14F-4D97-AF65-F5344CB8AC3E}">
-        <p14:creationId xmlns:p14="http://schemas.microsoft.com/office/powerpoint/2010/main" val="2562182055"/>
+        <p14:creationId xmlns:p14="http://schemas.microsoft.com/office/powerpoint/2010/main" xmlns:p="http://schemas.openxmlformats.org/presentationml/2006/main" xmlns:r="http://schemas.openxmlformats.org/officeDocument/2006/relationships" xmlns:a="http://schemas.openxmlformats.org/drawingml/2006/main" xmlns="" val="2562182055"/>
       </p:ext>
     </p:extLst>
   </p:cSld>
@@ -4800,7 +4778,7 @@
 </file>
 
 <file path=ppt/slides/slide15.xml><?xml version="1.0" encoding="utf-8"?>
-<p:sld xmlns:a="http://schemas.openxmlformats.org/drawingml/2006/main" xmlns:r="http://schemas.openxmlformats.org/officeDocument/2006/relationships" xmlns:p="http://schemas.openxmlformats.org/presentationml/2006/main">
+<p:sld xmlns:a="http://schemas.openxmlformats.org/drawingml/2006/main" xmlns:r="http://schemas.openxmlformats.org/officeDocument/2006/relationships" xmlns:mc="http://schemas.openxmlformats.org/markup-compatibility/2006" xmlns:mv="urn:schemas-microsoft-com:mac:vml" xmlns:p="http://schemas.openxmlformats.org/presentationml/2006/main" mc:Ignorable="mv" mc:PreserveAttributes="mv:*">
   <p:cSld>
     <p:spTree>
       <p:nvGrpSpPr>
@@ -4874,7 +4852,6 @@
               <a:rPr lang="nb-NO" dirty="0" smtClean="0"/>
               <a:t> from Thales</a:t>
             </a:r>
-            <a:endParaRPr lang="nb-NO" dirty="0" smtClean="0"/>
           </a:p>
           <a:p>
             <a:r>
@@ -4938,7 +4915,7 @@
     </p:spTree>
     <p:extLst>
       <p:ext uri="{BB962C8B-B14F-4D97-AF65-F5344CB8AC3E}">
-        <p14:creationId xmlns:p14="http://schemas.microsoft.com/office/powerpoint/2010/main" val="302753847"/>
+        <p14:creationId xmlns:p14="http://schemas.microsoft.com/office/powerpoint/2010/main" xmlns:p="http://schemas.openxmlformats.org/presentationml/2006/main" xmlns:r="http://schemas.openxmlformats.org/officeDocument/2006/relationships" xmlns:a="http://schemas.openxmlformats.org/drawingml/2006/main" xmlns="" val="302753847"/>
       </p:ext>
     </p:extLst>
   </p:cSld>
@@ -4949,7 +4926,7 @@
 </file>
 
 <file path=ppt/slides/slide16.xml><?xml version="1.0" encoding="utf-8"?>
-<p:sld xmlns:a="http://schemas.openxmlformats.org/drawingml/2006/main" xmlns:r="http://schemas.openxmlformats.org/officeDocument/2006/relationships" xmlns:p="http://schemas.openxmlformats.org/presentationml/2006/main">
+<p:sld xmlns:a="http://schemas.openxmlformats.org/drawingml/2006/main" xmlns:r="http://schemas.openxmlformats.org/officeDocument/2006/relationships" xmlns:mc="http://schemas.openxmlformats.org/markup-compatibility/2006" xmlns:mv="urn:schemas-microsoft-com:mac:vml" xmlns:p="http://schemas.openxmlformats.org/presentationml/2006/main" mc:Ignorable="mv" mc:PreserveAttributes="mv:*">
   <p:cSld>
     <p:spTree>
       <p:nvGrpSpPr>
@@ -5232,7 +5209,7 @@
     </p:spTree>
     <p:extLst>
       <p:ext uri="{BB962C8B-B14F-4D97-AF65-F5344CB8AC3E}">
-        <p14:creationId xmlns:p14="http://schemas.microsoft.com/office/powerpoint/2010/main" val="3285035911"/>
+        <p14:creationId xmlns:p14="http://schemas.microsoft.com/office/powerpoint/2010/main" xmlns:p="http://schemas.openxmlformats.org/presentationml/2006/main" xmlns:r="http://schemas.openxmlformats.org/officeDocument/2006/relationships" xmlns:a="http://schemas.openxmlformats.org/drawingml/2006/main" xmlns="" val="3285035911"/>
       </p:ext>
     </p:extLst>
   </p:cSld>
@@ -5243,7 +5220,7 @@
 </file>
 
 <file path=ppt/slides/slide17.xml><?xml version="1.0" encoding="utf-8"?>
-<p:sld xmlns:a="http://schemas.openxmlformats.org/drawingml/2006/main" xmlns:r="http://schemas.openxmlformats.org/officeDocument/2006/relationships" xmlns:p="http://schemas.openxmlformats.org/presentationml/2006/main">
+<p:sld xmlns:a="http://schemas.openxmlformats.org/drawingml/2006/main" xmlns:r="http://schemas.openxmlformats.org/officeDocument/2006/relationships" xmlns:mc="http://schemas.openxmlformats.org/markup-compatibility/2006" xmlns:mv="urn:schemas-microsoft-com:mac:vml" xmlns:p="http://schemas.openxmlformats.org/presentationml/2006/main" mc:Ignorable="mv" mc:PreserveAttributes="mv:*">
   <p:cSld>
     <p:spTree>
       <p:nvGrpSpPr>
@@ -5344,16 +5321,11 @@
               <a:rPr lang="nb-NO" dirty="0" smtClean="0"/>
               <a:t>1</a:t>
             </a:r>
-            <a:endParaRPr lang="nb-NO" dirty="0" smtClean="0"/>
-          </a:p>
-          <a:p>
-            <a:r>
-              <a:rPr lang="nb-NO" dirty="0" smtClean="0"/>
-              <a:t>Support </a:t>
-            </a:r>
-            <a:r>
-              <a:rPr lang="nb-NO" dirty="0" smtClean="0"/>
-              <a:t>for non-primitive C types</a:t>
+          </a:p>
+          <a:p>
+            <a:r>
+              <a:rPr lang="nb-NO" dirty="0" smtClean="0"/>
+              <a:t>Support for non-primitive C types</a:t>
             </a:r>
           </a:p>
           <a:p>
@@ -5430,7 +5402,7 @@
     </p:spTree>
     <p:extLst>
       <p:ext uri="{BB962C8B-B14F-4D97-AF65-F5344CB8AC3E}">
-        <p14:creationId xmlns:p14="http://schemas.microsoft.com/office/powerpoint/2010/main" val="2505814243"/>
+        <p14:creationId xmlns:p14="http://schemas.microsoft.com/office/powerpoint/2010/main" xmlns:p="http://schemas.openxmlformats.org/presentationml/2006/main" xmlns:r="http://schemas.openxmlformats.org/officeDocument/2006/relationships" xmlns:a="http://schemas.openxmlformats.org/drawingml/2006/main" xmlns="" val="2505814243"/>
       </p:ext>
     </p:extLst>
   </p:cSld>
@@ -5441,7 +5413,7 @@
 </file>
 
 <file path=ppt/slides/slide18.xml><?xml version="1.0" encoding="utf-8"?>
-<p:sld xmlns:a="http://schemas.openxmlformats.org/drawingml/2006/main" xmlns:r="http://schemas.openxmlformats.org/officeDocument/2006/relationships" xmlns:p="http://schemas.openxmlformats.org/presentationml/2006/main">
+<p:sld xmlns:a="http://schemas.openxmlformats.org/drawingml/2006/main" xmlns:r="http://schemas.openxmlformats.org/officeDocument/2006/relationships" xmlns:mc="http://schemas.openxmlformats.org/markup-compatibility/2006" xmlns:mv="urn:schemas-microsoft-com:mac:vml" xmlns:p="http://schemas.openxmlformats.org/presentationml/2006/main" mc:Ignorable="mv" mc:PreserveAttributes="mv:*">
   <p:cSld>
     <p:spTree>
       <p:nvGrpSpPr>
@@ -5494,7 +5466,7 @@
           <a:blip r:embed="rId2">
             <a:extLst>
               <a:ext uri="{28A0092B-C50C-407E-A947-70E740481C1C}">
-                <a14:useLocalDpi xmlns:a14="http://schemas.microsoft.com/office/drawing/2010/main" val="0"/>
+                <a14:useLocalDpi xmlns:a14="http://schemas.microsoft.com/office/drawing/2010/main" xmlns:p="http://schemas.openxmlformats.org/presentationml/2006/main" xmlns:r="http://schemas.openxmlformats.org/officeDocument/2006/relationships" xmlns:a="http://schemas.openxmlformats.org/drawingml/2006/main" xmlns="" val="0"/>
               </a:ext>
             </a:extLst>
           </a:blip>
@@ -5512,7 +5484,7 @@
     </p:spTree>
     <p:extLst>
       <p:ext uri="{BB962C8B-B14F-4D97-AF65-F5344CB8AC3E}">
-        <p14:creationId xmlns:p14="http://schemas.microsoft.com/office/powerpoint/2010/main" val="1444075846"/>
+        <p14:creationId xmlns:p14="http://schemas.microsoft.com/office/powerpoint/2010/main" xmlns:p="http://schemas.openxmlformats.org/presentationml/2006/main" xmlns:r="http://schemas.openxmlformats.org/officeDocument/2006/relationships" xmlns:a="http://schemas.openxmlformats.org/drawingml/2006/main" xmlns="" val="1444075846"/>
       </p:ext>
     </p:extLst>
   </p:cSld>
@@ -5523,7 +5495,7 @@
 </file>
 
 <file path=ppt/slides/slide19.xml><?xml version="1.0" encoding="utf-8"?>
-<p:sld xmlns:a="http://schemas.openxmlformats.org/drawingml/2006/main" xmlns:r="http://schemas.openxmlformats.org/officeDocument/2006/relationships" xmlns:p="http://schemas.openxmlformats.org/presentationml/2006/main">
+<p:sld xmlns:a="http://schemas.openxmlformats.org/drawingml/2006/main" xmlns:r="http://schemas.openxmlformats.org/officeDocument/2006/relationships" xmlns:mc="http://schemas.openxmlformats.org/markup-compatibility/2006" xmlns:mv="urn:schemas-microsoft-com:mac:vml" xmlns:p="http://schemas.openxmlformats.org/presentationml/2006/main" mc:Ignorable="mv" mc:PreserveAttributes="mv:*">
   <p:cSld>
     <p:spTree>
       <p:nvGrpSpPr>
@@ -5576,7 +5548,7 @@
           <a:blip r:embed="rId2">
             <a:extLst>
               <a:ext uri="{28A0092B-C50C-407E-A947-70E740481C1C}">
-                <a14:useLocalDpi xmlns:a14="http://schemas.microsoft.com/office/drawing/2010/main" val="0"/>
+                <a14:useLocalDpi xmlns:a14="http://schemas.microsoft.com/office/drawing/2010/main" xmlns:p="http://schemas.openxmlformats.org/presentationml/2006/main" xmlns:r="http://schemas.openxmlformats.org/officeDocument/2006/relationships" xmlns:a="http://schemas.openxmlformats.org/drawingml/2006/main" xmlns="" val="0"/>
               </a:ext>
             </a:extLst>
           </a:blip>
@@ -5603,7 +5575,7 @@
           <a:blip r:embed="rId3">
             <a:extLst>
               <a:ext uri="{28A0092B-C50C-407E-A947-70E740481C1C}">
-                <a14:useLocalDpi xmlns:a14="http://schemas.microsoft.com/office/drawing/2010/main" val="0"/>
+                <a14:useLocalDpi xmlns:a14="http://schemas.microsoft.com/office/drawing/2010/main" xmlns:p="http://schemas.openxmlformats.org/presentationml/2006/main" xmlns:r="http://schemas.openxmlformats.org/officeDocument/2006/relationships" xmlns:a="http://schemas.openxmlformats.org/drawingml/2006/main" xmlns="" val="0"/>
               </a:ext>
             </a:extLst>
           </a:blip>
@@ -5623,7 +5595,7 @@
           <a:noFill/>
           <a:extLst>
             <a:ext uri="{909E8E84-426E-40DD-AFC4-6F175D3DCCD1}">
-              <a14:hiddenFill xmlns:a14="http://schemas.microsoft.com/office/drawing/2010/main">
+              <a14:hiddenFill xmlns:a14="http://schemas.microsoft.com/office/drawing/2010/main" xmlns:p="http://schemas.openxmlformats.org/presentationml/2006/main" xmlns:r="http://schemas.openxmlformats.org/officeDocument/2006/relationships" xmlns:a="http://schemas.openxmlformats.org/drawingml/2006/main" xmlns="">
                 <a:solidFill>
                   <a:srgbClr val="FFFFFF"/>
                 </a:solidFill>
@@ -5635,7 +5607,7 @@
     </p:spTree>
     <p:extLst>
       <p:ext uri="{BB962C8B-B14F-4D97-AF65-F5344CB8AC3E}">
-        <p14:creationId xmlns:p14="http://schemas.microsoft.com/office/powerpoint/2010/main" val="1561457949"/>
+        <p14:creationId xmlns:p14="http://schemas.microsoft.com/office/powerpoint/2010/main" xmlns:p="http://schemas.openxmlformats.org/presentationml/2006/main" xmlns:r="http://schemas.openxmlformats.org/officeDocument/2006/relationships" xmlns:a="http://schemas.openxmlformats.org/drawingml/2006/main" xmlns="" val="1561457949"/>
       </p:ext>
     </p:extLst>
   </p:cSld>
@@ -5646,7 +5618,7 @@
 </file>
 
 <file path=ppt/slides/slide2.xml><?xml version="1.0" encoding="utf-8"?>
-<p:sld xmlns:a="http://schemas.openxmlformats.org/drawingml/2006/main" xmlns:r="http://schemas.openxmlformats.org/officeDocument/2006/relationships" xmlns:p="http://schemas.openxmlformats.org/presentationml/2006/main">
+<p:sld xmlns:a="http://schemas.openxmlformats.org/drawingml/2006/main" xmlns:r="http://schemas.openxmlformats.org/officeDocument/2006/relationships" xmlns:mc="http://schemas.openxmlformats.org/markup-compatibility/2006" xmlns:mv="urn:schemas-microsoft-com:mac:vml" xmlns:p="http://schemas.openxmlformats.org/presentationml/2006/main" mc:Ignorable="mv" mc:PreserveAttributes="mv:*">
   <p:cSld>
     <p:spTree>
       <p:nvGrpSpPr>
@@ -5766,7 +5738,7 @@
     </p:spTree>
     <p:extLst>
       <p:ext uri="{BB962C8B-B14F-4D97-AF65-F5344CB8AC3E}">
-        <p14:creationId xmlns:p14="http://schemas.microsoft.com/office/powerpoint/2010/main" val="4197995715"/>
+        <p14:creationId xmlns:p14="http://schemas.microsoft.com/office/powerpoint/2010/main" xmlns:p="http://schemas.openxmlformats.org/presentationml/2006/main" xmlns:r="http://schemas.openxmlformats.org/officeDocument/2006/relationships" xmlns:a="http://schemas.openxmlformats.org/drawingml/2006/main" xmlns="" val="4197995715"/>
       </p:ext>
     </p:extLst>
   </p:cSld>
@@ -5777,7 +5749,7 @@
 </file>
 
 <file path=ppt/slides/slide20.xml><?xml version="1.0" encoding="utf-8"?>
-<p:sld xmlns:a="http://schemas.openxmlformats.org/drawingml/2006/main" xmlns:r="http://schemas.openxmlformats.org/officeDocument/2006/relationships" xmlns:p="http://schemas.openxmlformats.org/presentationml/2006/main">
+<p:sld xmlns:a="http://schemas.openxmlformats.org/drawingml/2006/main" xmlns:r="http://schemas.openxmlformats.org/officeDocument/2006/relationships" xmlns:mc="http://schemas.openxmlformats.org/markup-compatibility/2006" xmlns:mv="urn:schemas-microsoft-com:mac:vml" xmlns:p="http://schemas.openxmlformats.org/presentationml/2006/main" mc:Ignorable="mv" mc:PreserveAttributes="mv:*">
   <p:cSld>
     <p:spTree>
       <p:nvGrpSpPr>
@@ -5830,7 +5802,7 @@
           <a:blip r:embed="rId2">
             <a:extLst>
               <a:ext uri="{28A0092B-C50C-407E-A947-70E740481C1C}">
-                <a14:useLocalDpi xmlns:a14="http://schemas.microsoft.com/office/drawing/2010/main" val="0"/>
+                <a14:useLocalDpi xmlns:a14="http://schemas.microsoft.com/office/drawing/2010/main" xmlns:p="http://schemas.openxmlformats.org/presentationml/2006/main" xmlns:r="http://schemas.openxmlformats.org/officeDocument/2006/relationships" xmlns:a="http://schemas.openxmlformats.org/drawingml/2006/main" xmlns="" val="0"/>
               </a:ext>
             </a:extLst>
           </a:blip>
@@ -5857,7 +5829,7 @@
           <a:blip r:embed="rId3">
             <a:extLst>
               <a:ext uri="{28A0092B-C50C-407E-A947-70E740481C1C}">
-                <a14:useLocalDpi xmlns:a14="http://schemas.microsoft.com/office/drawing/2010/main" val="0"/>
+                <a14:useLocalDpi xmlns:a14="http://schemas.microsoft.com/office/drawing/2010/main" xmlns:p="http://schemas.openxmlformats.org/presentationml/2006/main" xmlns:r="http://schemas.openxmlformats.org/officeDocument/2006/relationships" xmlns:a="http://schemas.openxmlformats.org/drawingml/2006/main" xmlns="" val="0"/>
               </a:ext>
             </a:extLst>
           </a:blip>
@@ -5877,7 +5849,7 @@
           <a:noFill/>
           <a:extLst>
             <a:ext uri="{909E8E84-426E-40DD-AFC4-6F175D3DCCD1}">
-              <a14:hiddenFill xmlns:a14="http://schemas.microsoft.com/office/drawing/2010/main">
+              <a14:hiddenFill xmlns:a14="http://schemas.microsoft.com/office/drawing/2010/main" xmlns:p="http://schemas.openxmlformats.org/presentationml/2006/main" xmlns:r="http://schemas.openxmlformats.org/officeDocument/2006/relationships" xmlns:a="http://schemas.openxmlformats.org/drawingml/2006/main" xmlns="">
                 <a:solidFill>
                   <a:srgbClr val="FFFFFF"/>
                 </a:solidFill>
@@ -5889,7 +5861,7 @@
     </p:spTree>
     <p:extLst>
       <p:ext uri="{BB962C8B-B14F-4D97-AF65-F5344CB8AC3E}">
-        <p14:creationId xmlns:p14="http://schemas.microsoft.com/office/powerpoint/2010/main" val="2273743603"/>
+        <p14:creationId xmlns:p14="http://schemas.microsoft.com/office/powerpoint/2010/main" xmlns:p="http://schemas.openxmlformats.org/presentationml/2006/main" xmlns:r="http://schemas.openxmlformats.org/officeDocument/2006/relationships" xmlns:a="http://schemas.openxmlformats.org/drawingml/2006/main" xmlns="" val="2273743603"/>
       </p:ext>
     </p:extLst>
   </p:cSld>
@@ -5900,7 +5872,7 @@
 </file>
 
 <file path=ppt/slides/slide21.xml><?xml version="1.0" encoding="utf-8"?>
-<p:sld xmlns:a="http://schemas.openxmlformats.org/drawingml/2006/main" xmlns:r="http://schemas.openxmlformats.org/officeDocument/2006/relationships" xmlns:p="http://schemas.openxmlformats.org/presentationml/2006/main">
+<p:sld xmlns:a="http://schemas.openxmlformats.org/drawingml/2006/main" xmlns:r="http://schemas.openxmlformats.org/officeDocument/2006/relationships" xmlns:mc="http://schemas.openxmlformats.org/markup-compatibility/2006" xmlns:mv="urn:schemas-microsoft-com:mac:vml" xmlns:p="http://schemas.openxmlformats.org/presentationml/2006/main" mc:Ignorable="mv" mc:PreserveAttributes="mv:*">
   <p:cSld>
     <p:spTree>
       <p:nvGrpSpPr>
@@ -5961,7 +5933,7 @@
           <a:blip r:embed="rId2">
             <a:extLst>
               <a:ext uri="{28A0092B-C50C-407E-A947-70E740481C1C}">
-                <a14:useLocalDpi xmlns:a14="http://schemas.microsoft.com/office/drawing/2010/main" val="0"/>
+                <a14:useLocalDpi xmlns:a14="http://schemas.microsoft.com/office/drawing/2010/main" xmlns:p="http://schemas.openxmlformats.org/presentationml/2006/main" xmlns:r="http://schemas.openxmlformats.org/officeDocument/2006/relationships" xmlns:a="http://schemas.openxmlformats.org/drawingml/2006/main" xmlns="" val="0"/>
               </a:ext>
             </a:extLst>
           </a:blip>
@@ -5988,7 +5960,7 @@
           <a:blip r:embed="rId3">
             <a:extLst>
               <a:ext uri="{28A0092B-C50C-407E-A947-70E740481C1C}">
-                <a14:useLocalDpi xmlns:a14="http://schemas.microsoft.com/office/drawing/2010/main" val="0"/>
+                <a14:useLocalDpi xmlns:a14="http://schemas.microsoft.com/office/drawing/2010/main" xmlns:p="http://schemas.openxmlformats.org/presentationml/2006/main" xmlns:r="http://schemas.openxmlformats.org/officeDocument/2006/relationships" xmlns:a="http://schemas.openxmlformats.org/drawingml/2006/main" xmlns="" val="0"/>
               </a:ext>
             </a:extLst>
           </a:blip>
@@ -6008,7 +5980,7 @@
           <a:noFill/>
           <a:extLst>
             <a:ext uri="{909E8E84-426E-40DD-AFC4-6F175D3DCCD1}">
-              <a14:hiddenFill xmlns:a14="http://schemas.microsoft.com/office/drawing/2010/main">
+              <a14:hiddenFill xmlns:a14="http://schemas.microsoft.com/office/drawing/2010/main" xmlns:p="http://schemas.openxmlformats.org/presentationml/2006/main" xmlns:r="http://schemas.openxmlformats.org/officeDocument/2006/relationships" xmlns:a="http://schemas.openxmlformats.org/drawingml/2006/main" xmlns="">
                 <a:solidFill>
                   <a:srgbClr val="FFFFFF"/>
                 </a:solidFill>
@@ -6029,7 +6001,7 @@
           <a:blip r:embed="rId4">
             <a:extLst>
               <a:ext uri="{28A0092B-C50C-407E-A947-70E740481C1C}">
-                <a14:useLocalDpi xmlns:a14="http://schemas.microsoft.com/office/drawing/2010/main" val="0"/>
+                <a14:useLocalDpi xmlns:a14="http://schemas.microsoft.com/office/drawing/2010/main" xmlns:p="http://schemas.openxmlformats.org/presentationml/2006/main" xmlns:r="http://schemas.openxmlformats.org/officeDocument/2006/relationships" xmlns:a="http://schemas.openxmlformats.org/drawingml/2006/main" xmlns="" val="0"/>
               </a:ext>
             </a:extLst>
           </a:blip>
@@ -6049,7 +6021,7 @@
           <a:noFill/>
           <a:extLst>
             <a:ext uri="{909E8E84-426E-40DD-AFC4-6F175D3DCCD1}">
-              <a14:hiddenFill xmlns:a14="http://schemas.microsoft.com/office/drawing/2010/main">
+              <a14:hiddenFill xmlns:a14="http://schemas.microsoft.com/office/drawing/2010/main" xmlns:p="http://schemas.openxmlformats.org/presentationml/2006/main" xmlns:r="http://schemas.openxmlformats.org/officeDocument/2006/relationships" xmlns:a="http://schemas.openxmlformats.org/drawingml/2006/main" xmlns="">
                 <a:solidFill>
                   <a:srgbClr val="FFFFFF"/>
                 </a:solidFill>
@@ -6061,7 +6033,7 @@
     </p:spTree>
     <p:extLst>
       <p:ext uri="{BB962C8B-B14F-4D97-AF65-F5344CB8AC3E}">
-        <p14:creationId xmlns:p14="http://schemas.microsoft.com/office/powerpoint/2010/main" val="1740067760"/>
+        <p14:creationId xmlns:p14="http://schemas.microsoft.com/office/powerpoint/2010/main" xmlns:p="http://schemas.openxmlformats.org/presentationml/2006/main" xmlns:r="http://schemas.openxmlformats.org/officeDocument/2006/relationships" xmlns:a="http://schemas.openxmlformats.org/drawingml/2006/main" xmlns="" val="1740067760"/>
       </p:ext>
     </p:extLst>
   </p:cSld>
@@ -6072,7 +6044,7 @@
 </file>
 
 <file path=ppt/slides/slide22.xml><?xml version="1.0" encoding="utf-8"?>
-<p:sld xmlns:a="http://schemas.openxmlformats.org/drawingml/2006/main" xmlns:r="http://schemas.openxmlformats.org/officeDocument/2006/relationships" xmlns:p="http://schemas.openxmlformats.org/presentationml/2006/main">
+<p:sld xmlns:a="http://schemas.openxmlformats.org/drawingml/2006/main" xmlns:r="http://schemas.openxmlformats.org/officeDocument/2006/relationships" xmlns:mc="http://schemas.openxmlformats.org/markup-compatibility/2006" xmlns:mv="urn:schemas-microsoft-com:mac:vml" xmlns:p="http://schemas.openxmlformats.org/presentationml/2006/main" mc:Ignorable="mv" mc:PreserveAttributes="mv:*">
   <p:cSld>
     <p:spTree>
       <p:nvGrpSpPr>
@@ -6158,7 +6130,7 @@
     </p:spTree>
     <p:extLst>
       <p:ext uri="{BB962C8B-B14F-4D97-AF65-F5344CB8AC3E}">
-        <p14:creationId xmlns:p14="http://schemas.microsoft.com/office/powerpoint/2010/main" val="99466125"/>
+        <p14:creationId xmlns:p14="http://schemas.microsoft.com/office/powerpoint/2010/main" xmlns:p="http://schemas.openxmlformats.org/presentationml/2006/main" xmlns:r="http://schemas.openxmlformats.org/officeDocument/2006/relationships" xmlns:a="http://schemas.openxmlformats.org/drawingml/2006/main" xmlns="" val="99466125"/>
       </p:ext>
     </p:extLst>
   </p:cSld>
@@ -6169,7 +6141,7 @@
 </file>
 
 <file path=ppt/slides/slide23.xml><?xml version="1.0" encoding="utf-8"?>
-<p:sld xmlns:a="http://schemas.openxmlformats.org/drawingml/2006/main" xmlns:r="http://schemas.openxmlformats.org/officeDocument/2006/relationships" xmlns:p="http://schemas.openxmlformats.org/presentationml/2006/main">
+<p:sld xmlns:a="http://schemas.openxmlformats.org/drawingml/2006/main" xmlns:r="http://schemas.openxmlformats.org/officeDocument/2006/relationships" xmlns:mc="http://schemas.openxmlformats.org/markup-compatibility/2006" xmlns:mv="urn:schemas-microsoft-com:mac:vml" xmlns:p="http://schemas.openxmlformats.org/presentationml/2006/main" mc:Ignorable="mv" mc:PreserveAttributes="mv:*">
   <p:cSld>
     <p:spTree>
       <p:nvGrpSpPr>
@@ -6391,7 +6363,7 @@
     </p:spTree>
     <p:extLst>
       <p:ext uri="{BB962C8B-B14F-4D97-AF65-F5344CB8AC3E}">
-        <p14:creationId xmlns:p14="http://schemas.microsoft.com/office/powerpoint/2010/main" val="2211435593"/>
+        <p14:creationId xmlns:p14="http://schemas.microsoft.com/office/powerpoint/2010/main" xmlns:p="http://schemas.openxmlformats.org/presentationml/2006/main" xmlns:r="http://schemas.openxmlformats.org/officeDocument/2006/relationships" xmlns:a="http://schemas.openxmlformats.org/drawingml/2006/main" xmlns="" val="2211435593"/>
       </p:ext>
     </p:extLst>
   </p:cSld>
@@ -6402,7 +6374,7 @@
 </file>
 
 <file path=ppt/slides/slide24.xml><?xml version="1.0" encoding="utf-8"?>
-<p:sld xmlns:a="http://schemas.openxmlformats.org/drawingml/2006/main" xmlns:r="http://schemas.openxmlformats.org/officeDocument/2006/relationships" xmlns:p="http://schemas.openxmlformats.org/presentationml/2006/main">
+<p:sld xmlns:a="http://schemas.openxmlformats.org/drawingml/2006/main" xmlns:r="http://schemas.openxmlformats.org/officeDocument/2006/relationships" xmlns:mc="http://schemas.openxmlformats.org/markup-compatibility/2006" xmlns:mv="urn:schemas-microsoft-com:mac:vml" xmlns:p="http://schemas.openxmlformats.org/presentationml/2006/main" mc:Ignorable="mv" mc:PreserveAttributes="mv:*">
   <p:cSld>
     <p:spTree>
       <p:nvGrpSpPr>
@@ -6502,11 +6474,7 @@
           <a:p>
             <a:r>
               <a:rPr lang="nb-NO" dirty="0" smtClean="0"/>
-              <a:t>Support </a:t>
-            </a:r>
-            <a:r>
-              <a:rPr lang="nb-NO" dirty="0" smtClean="0"/>
-              <a:t>for multiple </a:t>
+              <a:t>Support for multiple </a:t>
             </a:r>
             <a:r>
               <a:rPr lang="nb-NO" dirty="0" err="1" smtClean="0"/>
@@ -6605,7 +6573,7 @@
     </p:spTree>
     <p:extLst>
       <p:ext uri="{BB962C8B-B14F-4D97-AF65-F5344CB8AC3E}">
-        <p14:creationId xmlns:p14="http://schemas.microsoft.com/office/powerpoint/2010/main" val="238090621"/>
+        <p14:creationId xmlns:p14="http://schemas.microsoft.com/office/powerpoint/2010/main" xmlns:p="http://schemas.openxmlformats.org/presentationml/2006/main" xmlns:r="http://schemas.openxmlformats.org/officeDocument/2006/relationships" xmlns:a="http://schemas.openxmlformats.org/drawingml/2006/main" xmlns="" val="238090621"/>
       </p:ext>
     </p:extLst>
   </p:cSld>
@@ -6616,7 +6584,7 @@
 </file>
 
 <file path=ppt/slides/slide25.xml><?xml version="1.0" encoding="utf-8"?>
-<p:sld xmlns:a="http://schemas.openxmlformats.org/drawingml/2006/main" xmlns:r="http://schemas.openxmlformats.org/officeDocument/2006/relationships" xmlns:p="http://schemas.openxmlformats.org/presentationml/2006/main">
+<p:sld xmlns:a="http://schemas.openxmlformats.org/drawingml/2006/main" xmlns:r="http://schemas.openxmlformats.org/officeDocument/2006/relationships" xmlns:mc="http://schemas.openxmlformats.org/markup-compatibility/2006" xmlns:mv="urn:schemas-microsoft-com:mac:vml" xmlns:p="http://schemas.openxmlformats.org/presentationml/2006/main" mc:Ignorable="mv" mc:PreserveAttributes="mv:*">
   <p:cSld>
     <p:spTree>
       <p:nvGrpSpPr>
@@ -6673,7 +6641,7 @@
           <a:blip r:embed="rId2">
             <a:extLst>
               <a:ext uri="{28A0092B-C50C-407E-A947-70E740481C1C}">
-                <a14:useLocalDpi xmlns:a14="http://schemas.microsoft.com/office/drawing/2010/main" val="0"/>
+                <a14:useLocalDpi xmlns:a14="http://schemas.microsoft.com/office/drawing/2010/main" xmlns:p="http://schemas.openxmlformats.org/presentationml/2006/main" xmlns:r="http://schemas.openxmlformats.org/officeDocument/2006/relationships" xmlns:a="http://schemas.openxmlformats.org/drawingml/2006/main" xmlns="" val="0"/>
               </a:ext>
             </a:extLst>
           </a:blip>
@@ -6691,7 +6659,7 @@
     </p:spTree>
     <p:extLst>
       <p:ext uri="{BB962C8B-B14F-4D97-AF65-F5344CB8AC3E}">
-        <p14:creationId xmlns:p14="http://schemas.microsoft.com/office/powerpoint/2010/main" val="161191746"/>
+        <p14:creationId xmlns:p14="http://schemas.microsoft.com/office/powerpoint/2010/main" xmlns:p="http://schemas.openxmlformats.org/presentationml/2006/main" xmlns:r="http://schemas.openxmlformats.org/officeDocument/2006/relationships" xmlns:a="http://schemas.openxmlformats.org/drawingml/2006/main" xmlns="" val="161191746"/>
       </p:ext>
     </p:extLst>
   </p:cSld>
@@ -6702,7 +6670,7 @@
 </file>
 
 <file path=ppt/slides/slide26.xml><?xml version="1.0" encoding="utf-8"?>
-<p:sld xmlns:a="http://schemas.openxmlformats.org/drawingml/2006/main" xmlns:r="http://schemas.openxmlformats.org/officeDocument/2006/relationships" xmlns:p="http://schemas.openxmlformats.org/presentationml/2006/main">
+<p:sld xmlns:a="http://schemas.openxmlformats.org/drawingml/2006/main" xmlns:r="http://schemas.openxmlformats.org/officeDocument/2006/relationships" xmlns:mc="http://schemas.openxmlformats.org/markup-compatibility/2006" xmlns:mv="urn:schemas-microsoft-com:mac:vml" xmlns:p="http://schemas.openxmlformats.org/presentationml/2006/main" mc:Ignorable="mv" mc:PreserveAttributes="mv:*">
   <p:cSld>
     <p:spTree>
       <p:nvGrpSpPr>
@@ -6852,7 +6820,7 @@
     </p:spTree>
     <p:extLst>
       <p:ext uri="{BB962C8B-B14F-4D97-AF65-F5344CB8AC3E}">
-        <p14:creationId xmlns:p14="http://schemas.microsoft.com/office/powerpoint/2010/main" val="1247194941"/>
+        <p14:creationId xmlns:p14="http://schemas.microsoft.com/office/powerpoint/2010/main" xmlns:p="http://schemas.openxmlformats.org/presentationml/2006/main" xmlns:r="http://schemas.openxmlformats.org/officeDocument/2006/relationships" xmlns:a="http://schemas.openxmlformats.org/drawingml/2006/main" xmlns="" val="1247194941"/>
       </p:ext>
     </p:extLst>
   </p:cSld>
@@ -6863,7 +6831,7 @@
 </file>
 
 <file path=ppt/slides/slide27.xml><?xml version="1.0" encoding="utf-8"?>
-<p:sld xmlns:a="http://schemas.openxmlformats.org/drawingml/2006/main" xmlns:r="http://schemas.openxmlformats.org/officeDocument/2006/relationships" xmlns:p="http://schemas.openxmlformats.org/presentationml/2006/main">
+<p:sld xmlns:a="http://schemas.openxmlformats.org/drawingml/2006/main" xmlns:r="http://schemas.openxmlformats.org/officeDocument/2006/relationships" xmlns:mc="http://schemas.openxmlformats.org/markup-compatibility/2006" xmlns:mv="urn:schemas-microsoft-com:mac:vml" xmlns:p="http://schemas.openxmlformats.org/presentationml/2006/main" mc:Ignorable="mv" mc:PreserveAttributes="mv:*">
   <p:cSld>
     <p:spTree>
       <p:nvGrpSpPr>
@@ -7016,7 +6984,7 @@
     </p:spTree>
     <p:extLst>
       <p:ext uri="{BB962C8B-B14F-4D97-AF65-F5344CB8AC3E}">
-        <p14:creationId xmlns:p14="http://schemas.microsoft.com/office/powerpoint/2010/main" val="3996143895"/>
+        <p14:creationId xmlns:p14="http://schemas.microsoft.com/office/powerpoint/2010/main" xmlns:p="http://schemas.openxmlformats.org/presentationml/2006/main" xmlns:r="http://schemas.openxmlformats.org/officeDocument/2006/relationships" xmlns:a="http://schemas.openxmlformats.org/drawingml/2006/main" xmlns="" val="3996143895"/>
       </p:ext>
     </p:extLst>
   </p:cSld>
@@ -7027,7 +6995,7 @@
 </file>
 
 <file path=ppt/slides/slide28.xml><?xml version="1.0" encoding="utf-8"?>
-<p:sld xmlns:a="http://schemas.openxmlformats.org/drawingml/2006/main" xmlns:r="http://schemas.openxmlformats.org/officeDocument/2006/relationships" xmlns:p="http://schemas.openxmlformats.org/presentationml/2006/main">
+<p:sld xmlns:a="http://schemas.openxmlformats.org/drawingml/2006/main" xmlns:r="http://schemas.openxmlformats.org/officeDocument/2006/relationships" xmlns:mc="http://schemas.openxmlformats.org/markup-compatibility/2006" xmlns:mv="urn:schemas-microsoft-com:mac:vml" xmlns:p="http://schemas.openxmlformats.org/presentationml/2006/main" mc:Ignorable="mv" mc:PreserveAttributes="mv:*">
   <p:cSld>
     <p:spTree>
       <p:nvGrpSpPr>
@@ -7136,7 +7104,6 @@
               <a:rPr lang="nb-NO" dirty="0" smtClean="0"/>
               <a:t> to do</a:t>
             </a:r>
-            <a:endParaRPr lang="nb-NO" dirty="0" smtClean="0"/>
           </a:p>
           <a:p>
             <a:pPr lvl="1"/>
@@ -7167,7 +7134,6 @@
               <a:rPr lang="nb-NO" dirty="0" smtClean="0"/>
               <a:t>Negative</a:t>
             </a:r>
-            <a:endParaRPr lang="nb-NO" dirty="0" smtClean="0"/>
           </a:p>
           <a:p>
             <a:pPr lvl="1"/>
@@ -7238,7 +7204,7 @@
     </p:spTree>
     <p:extLst>
       <p:ext uri="{BB962C8B-B14F-4D97-AF65-F5344CB8AC3E}">
-        <p14:creationId xmlns:p14="http://schemas.microsoft.com/office/powerpoint/2010/main" val="2811907645"/>
+        <p14:creationId xmlns:p14="http://schemas.microsoft.com/office/powerpoint/2010/main" xmlns:p="http://schemas.openxmlformats.org/presentationml/2006/main" xmlns:r="http://schemas.openxmlformats.org/officeDocument/2006/relationships" xmlns:a="http://schemas.openxmlformats.org/drawingml/2006/main" xmlns="" val="2811907645"/>
       </p:ext>
     </p:extLst>
   </p:cSld>
@@ -7249,7 +7215,7 @@
 </file>
 
 <file path=ppt/slides/slide29.xml><?xml version="1.0" encoding="utf-8"?>
-<p:sld xmlns:a="http://schemas.openxmlformats.org/drawingml/2006/main" xmlns:r="http://schemas.openxmlformats.org/officeDocument/2006/relationships" xmlns:p="http://schemas.openxmlformats.org/presentationml/2006/main">
+<p:sld xmlns:a="http://schemas.openxmlformats.org/drawingml/2006/main" xmlns:r="http://schemas.openxmlformats.org/officeDocument/2006/relationships" xmlns:mc="http://schemas.openxmlformats.org/markup-compatibility/2006" xmlns:mv="urn:schemas-microsoft-com:mac:vml" xmlns:p="http://schemas.openxmlformats.org/presentationml/2006/main" mc:Ignorable="mv" mc:PreserveAttributes="mv:*">
   <p:cSld>
     <p:spTree>
       <p:nvGrpSpPr>
@@ -7333,7 +7299,7 @@
     </p:spTree>
     <p:extLst>
       <p:ext uri="{BB962C8B-B14F-4D97-AF65-F5344CB8AC3E}">
-        <p14:creationId xmlns:p14="http://schemas.microsoft.com/office/powerpoint/2010/main" val="3432911911"/>
+        <p14:creationId xmlns:p14="http://schemas.microsoft.com/office/powerpoint/2010/main" xmlns:p="http://schemas.openxmlformats.org/presentationml/2006/main" xmlns:r="http://schemas.openxmlformats.org/officeDocument/2006/relationships" xmlns:a="http://schemas.openxmlformats.org/drawingml/2006/main" xmlns="" val="3432911911"/>
       </p:ext>
     </p:extLst>
   </p:cSld>
@@ -7344,7 +7310,7 @@
 </file>
 
 <file path=ppt/slides/slide3.xml><?xml version="1.0" encoding="utf-8"?>
-<p:sld xmlns:a="http://schemas.openxmlformats.org/drawingml/2006/main" xmlns:r="http://schemas.openxmlformats.org/officeDocument/2006/relationships" xmlns:p="http://schemas.openxmlformats.org/presentationml/2006/main">
+<p:sld xmlns:a="http://schemas.openxmlformats.org/drawingml/2006/main" xmlns:r="http://schemas.openxmlformats.org/officeDocument/2006/relationships" xmlns:mc="http://schemas.openxmlformats.org/markup-compatibility/2006" xmlns:mv="urn:schemas-microsoft-com:mac:vml" xmlns:p="http://schemas.openxmlformats.org/presentationml/2006/main" mc:Ignorable="mv" mc:PreserveAttributes="mv:*">
   <p:cSld>
     <p:spTree>
       <p:nvGrpSpPr>
@@ -7397,7 +7363,7 @@
           <a:blip r:embed="rId2">
             <a:extLst>
               <a:ext uri="{28A0092B-C50C-407E-A947-70E740481C1C}">
-                <a14:useLocalDpi xmlns:a14="http://schemas.microsoft.com/office/drawing/2010/main" val="0"/>
+                <a14:useLocalDpi xmlns:a14="http://schemas.microsoft.com/office/drawing/2010/main" xmlns:p="http://schemas.openxmlformats.org/presentationml/2006/main" xmlns:r="http://schemas.openxmlformats.org/officeDocument/2006/relationships" xmlns:a="http://schemas.openxmlformats.org/drawingml/2006/main" xmlns="" val="0"/>
               </a:ext>
             </a:extLst>
           </a:blip>
@@ -7415,7 +7381,7 @@
     </p:spTree>
     <p:extLst>
       <p:ext uri="{BB962C8B-B14F-4D97-AF65-F5344CB8AC3E}">
-        <p14:creationId xmlns:p14="http://schemas.microsoft.com/office/powerpoint/2010/main" val="1132568989"/>
+        <p14:creationId xmlns:p14="http://schemas.microsoft.com/office/powerpoint/2010/main" xmlns:p="http://schemas.openxmlformats.org/presentationml/2006/main" xmlns:r="http://schemas.openxmlformats.org/officeDocument/2006/relationships" xmlns:a="http://schemas.openxmlformats.org/drawingml/2006/main" xmlns="" val="1132568989"/>
       </p:ext>
     </p:extLst>
   </p:cSld>
@@ -7426,7 +7392,7 @@
 </file>
 
 <file path=ppt/slides/slide30.xml><?xml version="1.0" encoding="utf-8"?>
-<p:sld xmlns:a="http://schemas.openxmlformats.org/drawingml/2006/main" xmlns:r="http://schemas.openxmlformats.org/officeDocument/2006/relationships" xmlns:p="http://schemas.openxmlformats.org/presentationml/2006/main">
+<p:sld xmlns:a="http://schemas.openxmlformats.org/drawingml/2006/main" xmlns:r="http://schemas.openxmlformats.org/officeDocument/2006/relationships" xmlns:mc="http://schemas.openxmlformats.org/markup-compatibility/2006" xmlns:mv="urn:schemas-microsoft-com:mac:vml" xmlns:p="http://schemas.openxmlformats.org/presentationml/2006/main" mc:Ignorable="mv" mc:PreserveAttributes="mv:*">
   <p:cSld>
     <p:spTree>
       <p:nvGrpSpPr>
@@ -7483,7 +7449,7 @@
           <a:blip r:embed="rId2">
             <a:extLst>
               <a:ext uri="{28A0092B-C50C-407E-A947-70E740481C1C}">
-                <a14:useLocalDpi xmlns:a14="http://schemas.microsoft.com/office/drawing/2010/main" val="0"/>
+                <a14:useLocalDpi xmlns:a14="http://schemas.microsoft.com/office/drawing/2010/main" xmlns:p="http://schemas.openxmlformats.org/presentationml/2006/main" xmlns:r="http://schemas.openxmlformats.org/officeDocument/2006/relationships" xmlns:a="http://schemas.openxmlformats.org/drawingml/2006/main" xmlns="" val="0"/>
               </a:ext>
             </a:extLst>
           </a:blip>
@@ -7501,7 +7467,7 @@
     </p:spTree>
     <p:extLst>
       <p:ext uri="{BB962C8B-B14F-4D97-AF65-F5344CB8AC3E}">
-        <p14:creationId xmlns:p14="http://schemas.microsoft.com/office/powerpoint/2010/main" val="3633823063"/>
+        <p14:creationId xmlns:p14="http://schemas.microsoft.com/office/powerpoint/2010/main" xmlns:p="http://schemas.openxmlformats.org/presentationml/2006/main" xmlns:r="http://schemas.openxmlformats.org/officeDocument/2006/relationships" xmlns:a="http://schemas.openxmlformats.org/drawingml/2006/main" xmlns="" val="3633823063"/>
       </p:ext>
     </p:extLst>
   </p:cSld>
@@ -7512,7 +7478,7 @@
 </file>
 
 <file path=ppt/slides/slide31.xml><?xml version="1.0" encoding="utf-8"?>
-<p:sld xmlns:a="http://schemas.openxmlformats.org/drawingml/2006/main" xmlns:r="http://schemas.openxmlformats.org/officeDocument/2006/relationships" xmlns:p="http://schemas.openxmlformats.org/presentationml/2006/main">
+<p:sld xmlns:a="http://schemas.openxmlformats.org/drawingml/2006/main" xmlns:r="http://schemas.openxmlformats.org/officeDocument/2006/relationships" xmlns:mc="http://schemas.openxmlformats.org/markup-compatibility/2006" xmlns:mv="urn:schemas-microsoft-com:mac:vml" xmlns:p="http://schemas.openxmlformats.org/presentationml/2006/main" mc:Ignorable="mv" mc:PreserveAttributes="mv:*">
   <p:cSld>
     <p:spTree>
       <p:nvGrpSpPr>
@@ -7600,7 +7566,7 @@
     </p:spTree>
     <p:extLst>
       <p:ext uri="{BB962C8B-B14F-4D97-AF65-F5344CB8AC3E}">
-        <p14:creationId xmlns:p14="http://schemas.microsoft.com/office/powerpoint/2010/main" val="1075118078"/>
+        <p14:creationId xmlns:p14="http://schemas.microsoft.com/office/powerpoint/2010/main" xmlns:p="http://schemas.openxmlformats.org/presentationml/2006/main" xmlns:r="http://schemas.openxmlformats.org/officeDocument/2006/relationships" xmlns:a="http://schemas.openxmlformats.org/drawingml/2006/main" xmlns="" val="1075118078"/>
       </p:ext>
     </p:extLst>
   </p:cSld>
@@ -7621,7 +7587,7 @@
 </file>
 
 <file path=ppt/slides/slide32.xml><?xml version="1.0" encoding="utf-8"?>
-<p:sld xmlns:a="http://schemas.openxmlformats.org/drawingml/2006/main" xmlns:r="http://schemas.openxmlformats.org/officeDocument/2006/relationships" xmlns:p="http://schemas.openxmlformats.org/presentationml/2006/main">
+<p:sld xmlns:a="http://schemas.openxmlformats.org/drawingml/2006/main" xmlns:r="http://schemas.openxmlformats.org/officeDocument/2006/relationships" xmlns:mc="http://schemas.openxmlformats.org/markup-compatibility/2006" xmlns:mv="urn:schemas-microsoft-com:mac:vml" xmlns:p="http://schemas.openxmlformats.org/presentationml/2006/main" mc:Ignorable="mv" mc:PreserveAttributes="mv:*">
   <p:cSld>
     <p:spTree>
       <p:nvGrpSpPr>
@@ -7712,7 +7678,7 @@
     </p:spTree>
     <p:extLst>
       <p:ext uri="{BB962C8B-B14F-4D97-AF65-F5344CB8AC3E}">
-        <p14:creationId xmlns:p14="http://schemas.microsoft.com/office/powerpoint/2010/main" val="1405062213"/>
+        <p14:creationId xmlns:p14="http://schemas.microsoft.com/office/powerpoint/2010/main" xmlns:p="http://schemas.openxmlformats.org/presentationml/2006/main" xmlns:r="http://schemas.openxmlformats.org/officeDocument/2006/relationships" xmlns:a="http://schemas.openxmlformats.org/drawingml/2006/main" xmlns="" val="1405062213"/>
       </p:ext>
     </p:extLst>
   </p:cSld>
@@ -7733,7 +7699,7 @@
 </file>
 
 <file path=ppt/slides/slide4.xml><?xml version="1.0" encoding="utf-8"?>
-<p:sld xmlns:a="http://schemas.openxmlformats.org/drawingml/2006/main" xmlns:r="http://schemas.openxmlformats.org/officeDocument/2006/relationships" xmlns:p="http://schemas.openxmlformats.org/presentationml/2006/main">
+<p:sld xmlns:a="http://schemas.openxmlformats.org/drawingml/2006/main" xmlns:r="http://schemas.openxmlformats.org/officeDocument/2006/relationships" xmlns:mc="http://schemas.openxmlformats.org/markup-compatibility/2006" xmlns:mv="urn:schemas-microsoft-com:mac:vml" xmlns:p="http://schemas.openxmlformats.org/presentationml/2006/main" mc:Ignorable="mv" mc:PreserveAttributes="mv:*">
   <p:cSld>
     <p:spTree>
       <p:nvGrpSpPr>
@@ -7815,7 +7781,15 @@
           <a:p>
             <a:r>
               <a:rPr lang="en-GB" dirty="0" smtClean="0"/>
-              <a:t>To fulfil the needs of the customer.</a:t>
+              <a:t>To </a:t>
+            </a:r>
+            <a:r>
+              <a:rPr lang="en-GB" smtClean="0"/>
+              <a:t>fulfill </a:t>
+            </a:r>
+            <a:r>
+              <a:rPr lang="en-GB" dirty="0" smtClean="0"/>
+              <a:t>the needs of the customer.</a:t>
             </a:r>
           </a:p>
         </p:txBody>
@@ -7823,7 +7797,7 @@
     </p:spTree>
     <p:extLst>
       <p:ext uri="{BB962C8B-B14F-4D97-AF65-F5344CB8AC3E}">
-        <p14:creationId xmlns:p14="http://schemas.microsoft.com/office/powerpoint/2010/main" val="4179239219"/>
+        <p14:creationId xmlns:p14="http://schemas.microsoft.com/office/powerpoint/2010/main" xmlns:p="http://schemas.openxmlformats.org/presentationml/2006/main" xmlns:r="http://schemas.openxmlformats.org/officeDocument/2006/relationships" xmlns:a="http://schemas.openxmlformats.org/drawingml/2006/main" xmlns="" val="4179239219"/>
       </p:ext>
     </p:extLst>
   </p:cSld>
@@ -7844,7 +7818,7 @@
 </file>
 
 <file path=ppt/slides/slide5.xml><?xml version="1.0" encoding="utf-8"?>
-<p:sld xmlns:a="http://schemas.openxmlformats.org/drawingml/2006/main" xmlns:r="http://schemas.openxmlformats.org/officeDocument/2006/relationships" xmlns:p="http://schemas.openxmlformats.org/presentationml/2006/main">
+<p:sld xmlns:a="http://schemas.openxmlformats.org/drawingml/2006/main" xmlns:r="http://schemas.openxmlformats.org/officeDocument/2006/relationships" xmlns:mc="http://schemas.openxmlformats.org/markup-compatibility/2006" xmlns:mv="urn:schemas-microsoft-com:mac:vml" xmlns:p="http://schemas.openxmlformats.org/presentationml/2006/main" mc:Ignorable="mv" mc:PreserveAttributes="mv:*">
   <p:cSld>
     <p:spTree>
       <p:nvGrpSpPr>
@@ -7916,11 +7890,7 @@
           <a:p>
             <a:r>
               <a:rPr lang="en-US" dirty="0" smtClean="0"/>
-              <a:t>Both military and civil </a:t>
-            </a:r>
-            <a:r>
-              <a:rPr lang="en-US" dirty="0" smtClean="0"/>
-              <a:t>customers</a:t>
+              <a:t>Both military and civil customers</a:t>
             </a:r>
           </a:p>
         </p:txBody>
@@ -7939,7 +7909,7 @@
           <a:blip r:embed="rId2">
             <a:extLst>
               <a:ext uri="{28A0092B-C50C-407E-A947-70E740481C1C}">
-                <a14:useLocalDpi xmlns:a14="http://schemas.microsoft.com/office/drawing/2010/main" val="0"/>
+                <a14:useLocalDpi xmlns:a14="http://schemas.microsoft.com/office/drawing/2010/main" xmlns:p="http://schemas.openxmlformats.org/presentationml/2006/main" xmlns:r="http://schemas.openxmlformats.org/officeDocument/2006/relationships" xmlns:a="http://schemas.openxmlformats.org/drawingml/2006/main" xmlns="" val="0"/>
               </a:ext>
             </a:extLst>
           </a:blip>
@@ -7957,7 +7927,7 @@
     </p:spTree>
     <p:extLst>
       <p:ext uri="{BB962C8B-B14F-4D97-AF65-F5344CB8AC3E}">
-        <p14:creationId xmlns:p14="http://schemas.microsoft.com/office/powerpoint/2010/main" val="1451639058"/>
+        <p14:creationId xmlns:p14="http://schemas.microsoft.com/office/powerpoint/2010/main" xmlns:p="http://schemas.openxmlformats.org/presentationml/2006/main" xmlns:r="http://schemas.openxmlformats.org/officeDocument/2006/relationships" xmlns:a="http://schemas.openxmlformats.org/drawingml/2006/main" xmlns="" val="1451639058"/>
       </p:ext>
     </p:extLst>
   </p:cSld>
@@ -7968,7 +7938,7 @@
 </file>
 
 <file path=ppt/slides/slide6.xml><?xml version="1.0" encoding="utf-8"?>
-<p:sld xmlns:a="http://schemas.openxmlformats.org/drawingml/2006/main" xmlns:r="http://schemas.openxmlformats.org/officeDocument/2006/relationships" xmlns:p="http://schemas.openxmlformats.org/presentationml/2006/main">
+<p:sld xmlns:a="http://schemas.openxmlformats.org/drawingml/2006/main" xmlns:r="http://schemas.openxmlformats.org/officeDocument/2006/relationships" xmlns:mc="http://schemas.openxmlformats.org/markup-compatibility/2006" xmlns:mv="urn:schemas-microsoft-com:mac:vml" xmlns:p="http://schemas.openxmlformats.org/presentationml/2006/main" mc:Ignorable="mv" mc:PreserveAttributes="mv:*">
   <p:cSld>
     <p:spTree>
       <p:nvGrpSpPr>
@@ -8268,11 +8238,7 @@
             </a:r>
             <a:r>
               <a:rPr lang="nb-NO" sz="1600" dirty="0" smtClean="0"/>
-              <a:t>* c </a:t>
-            </a:r>
-            <a:r>
-              <a:rPr lang="nb-NO" sz="1600" dirty="0" smtClean="0"/>
-              <a:t>=  ‘abc’;</a:t>
+              <a:t>* c =  ‘abc’;</a:t>
             </a:r>
           </a:p>
           <a:p>
@@ -8564,7 +8530,7 @@
     </p:spTree>
     <p:extLst>
       <p:ext uri="{BB962C8B-B14F-4D97-AF65-F5344CB8AC3E}">
-        <p14:creationId xmlns:p14="http://schemas.microsoft.com/office/powerpoint/2010/main" val="3312943398"/>
+        <p14:creationId xmlns:p14="http://schemas.microsoft.com/office/powerpoint/2010/main" xmlns:p="http://schemas.openxmlformats.org/presentationml/2006/main" xmlns:r="http://schemas.openxmlformats.org/officeDocument/2006/relationships" xmlns:a="http://schemas.openxmlformats.org/drawingml/2006/main" xmlns="" val="3312943398"/>
       </p:ext>
     </p:extLst>
   </p:cSld>
@@ -8938,7 +8904,7 @@
 </file>
 
 <file path=ppt/slides/slide7.xml><?xml version="1.0" encoding="utf-8"?>
-<p:sld xmlns:a="http://schemas.openxmlformats.org/drawingml/2006/main" xmlns:r="http://schemas.openxmlformats.org/officeDocument/2006/relationships" xmlns:p="http://schemas.openxmlformats.org/presentationml/2006/main">
+<p:sld xmlns:a="http://schemas.openxmlformats.org/drawingml/2006/main" xmlns:r="http://schemas.openxmlformats.org/officeDocument/2006/relationships" xmlns:mc="http://schemas.openxmlformats.org/markup-compatibility/2006" xmlns:mv="urn:schemas-microsoft-com:mac:vml" xmlns:p="http://schemas.openxmlformats.org/presentationml/2006/main" mc:Ignorable="mv" mc:PreserveAttributes="mv:*">
   <p:cSld>
     <p:spTree>
       <p:nvGrpSpPr>
@@ -8991,7 +8957,7 @@
           <a:blip r:embed="rId2">
             <a:extLst>
               <a:ext uri="{28A0092B-C50C-407E-A947-70E740481C1C}">
-                <a14:useLocalDpi xmlns:a14="http://schemas.microsoft.com/office/drawing/2010/main" val="0"/>
+                <a14:useLocalDpi xmlns:a14="http://schemas.microsoft.com/office/drawing/2010/main" xmlns:p="http://schemas.openxmlformats.org/presentationml/2006/main" xmlns:r="http://schemas.openxmlformats.org/officeDocument/2006/relationships" xmlns:a="http://schemas.openxmlformats.org/drawingml/2006/main" xmlns="" val="0"/>
               </a:ext>
             </a:extLst>
           </a:blip>
@@ -9009,7 +8975,7 @@
     </p:spTree>
     <p:extLst>
       <p:ext uri="{BB962C8B-B14F-4D97-AF65-F5344CB8AC3E}">
-        <p14:creationId xmlns:p14="http://schemas.microsoft.com/office/powerpoint/2010/main" val="871341481"/>
+        <p14:creationId xmlns:p14="http://schemas.microsoft.com/office/powerpoint/2010/main" xmlns:p="http://schemas.openxmlformats.org/presentationml/2006/main" xmlns:r="http://schemas.openxmlformats.org/officeDocument/2006/relationships" xmlns:a="http://schemas.openxmlformats.org/drawingml/2006/main" xmlns="" val="871341481"/>
       </p:ext>
     </p:extLst>
   </p:cSld>
@@ -9020,7 +8986,7 @@
 </file>
 
 <file path=ppt/slides/slide8.xml><?xml version="1.0" encoding="utf-8"?>
-<p:sld xmlns:a="http://schemas.openxmlformats.org/drawingml/2006/main" xmlns:r="http://schemas.openxmlformats.org/officeDocument/2006/relationships" xmlns:p="http://schemas.openxmlformats.org/presentationml/2006/main">
+<p:sld xmlns:a="http://schemas.openxmlformats.org/drawingml/2006/main" xmlns:r="http://schemas.openxmlformats.org/officeDocument/2006/relationships" xmlns:mc="http://schemas.openxmlformats.org/markup-compatibility/2006" xmlns:mv="urn:schemas-microsoft-com:mac:vml" xmlns:p="http://schemas.openxmlformats.org/presentationml/2006/main" mc:Ignorable="mv" mc:PreserveAttributes="mv:*">
   <p:cSld>
     <p:spTree>
       <p:nvGrpSpPr>
@@ -9156,11 +9122,7 @@
             </a:r>
             <a:r>
               <a:rPr lang="nb-NO" dirty="0" smtClean="0"/>
-              <a:t> </a:t>
-            </a:r>
-            <a:r>
-              <a:rPr lang="nb-NO" dirty="0" smtClean="0"/>
-              <a:t>knowledge about C memory layout and Wireshark API.</a:t>
+              <a:t> knowledge about C memory layout and Wireshark API.</a:t>
             </a:r>
           </a:p>
           <a:p>
@@ -9171,7 +9133,7 @@
     </p:spTree>
     <p:extLst>
       <p:ext uri="{BB962C8B-B14F-4D97-AF65-F5344CB8AC3E}">
-        <p14:creationId xmlns:p14="http://schemas.microsoft.com/office/powerpoint/2010/main" val="2832160107"/>
+        <p14:creationId xmlns:p14="http://schemas.microsoft.com/office/powerpoint/2010/main" xmlns:p="http://schemas.openxmlformats.org/presentationml/2006/main" xmlns:r="http://schemas.openxmlformats.org/officeDocument/2006/relationships" xmlns:a="http://schemas.openxmlformats.org/drawingml/2006/main" xmlns="" val="2832160107"/>
       </p:ext>
     </p:extLst>
   </p:cSld>
@@ -9192,7 +9154,7 @@
 </file>
 
 <file path=ppt/slides/slide9.xml><?xml version="1.0" encoding="utf-8"?>
-<p:sld xmlns:a="http://schemas.openxmlformats.org/drawingml/2006/main" xmlns:r="http://schemas.openxmlformats.org/officeDocument/2006/relationships" xmlns:p="http://schemas.openxmlformats.org/presentationml/2006/main">
+<p:sld xmlns:a="http://schemas.openxmlformats.org/drawingml/2006/main" xmlns:r="http://schemas.openxmlformats.org/officeDocument/2006/relationships" xmlns:mc="http://schemas.openxmlformats.org/markup-compatibility/2006" xmlns:mv="urn:schemas-microsoft-com:mac:vml" xmlns:p="http://schemas.openxmlformats.org/presentationml/2006/main" mc:Ignorable="mv" mc:PreserveAttributes="mv:*">
   <p:cSld>
     <p:spTree>
       <p:nvGrpSpPr>
@@ -9330,7 +9292,7 @@
     </p:spTree>
     <p:extLst>
       <p:ext uri="{BB962C8B-B14F-4D97-AF65-F5344CB8AC3E}">
-        <p14:creationId xmlns:p14="http://schemas.microsoft.com/office/powerpoint/2010/main" val="3124880485"/>
+        <p14:creationId xmlns:p14="http://schemas.microsoft.com/office/powerpoint/2010/main" xmlns:p="http://schemas.openxmlformats.org/presentationml/2006/main" xmlns:r="http://schemas.openxmlformats.org/officeDocument/2006/relationships" xmlns:a="http://schemas.openxmlformats.org/drawingml/2006/main" xmlns="" val="3124880485"/>
       </p:ext>
     </p:extLst>
   </p:cSld>
